--- a/Simulación/datos Sistema/UTN - Simulacion - Equipo 5 -TP N°6 Picolo.pptx
+++ b/Simulación/datos Sistema/UTN - Simulacion - Equipo 5 -TP N°6 Picolo.pptx
@@ -3,26 +3,20 @@
 <p:presentation xmlns:a="http://schemas.openxmlformats.org/drawingml/2006/main" xmlns:r="http://schemas.openxmlformats.org/officeDocument/2006/relationships" xmlns:p="http://schemas.openxmlformats.org/presentationml/2006/main" saveSubsetFonts="1">
   <p:sldMasterIdLst>
     <p:sldMasterId id="2147483648" r:id="rId1"/>
-    <p:sldMasterId id="2147483660" r:id="rId2"/>
   </p:sldMasterIdLst>
   <p:notesMasterIdLst>
-    <p:notesMasterId r:id="rId17"/>
+    <p:notesMasterId r:id="rId11"/>
   </p:notesMasterIdLst>
   <p:sldIdLst>
-    <p:sldId id="256" r:id="rId3"/>
-    <p:sldId id="257" r:id="rId4"/>
-    <p:sldId id="258" r:id="rId5"/>
-    <p:sldId id="259" r:id="rId6"/>
-    <p:sldId id="260" r:id="rId7"/>
-    <p:sldId id="261" r:id="rId8"/>
-    <p:sldId id="262" r:id="rId9"/>
-    <p:sldId id="263" r:id="rId10"/>
-    <p:sldId id="264" r:id="rId11"/>
-    <p:sldId id="265" r:id="rId12"/>
-    <p:sldId id="266" r:id="rId13"/>
-    <p:sldId id="267" r:id="rId14"/>
-    <p:sldId id="268" r:id="rId15"/>
-    <p:sldId id="269" r:id="rId16"/>
+    <p:sldId id="257" r:id="rId2"/>
+    <p:sldId id="259" r:id="rId3"/>
+    <p:sldId id="260" r:id="rId4"/>
+    <p:sldId id="261" r:id="rId5"/>
+    <p:sldId id="262" r:id="rId6"/>
+    <p:sldId id="270" r:id="rId7"/>
+    <p:sldId id="271" r:id="rId8"/>
+    <p:sldId id="264" r:id="rId9"/>
+    <p:sldId id="265" r:id="rId10"/>
   </p:sldIdLst>
   <p:sldSz cx="12192000" cy="6858000"/>
   <p:notesSz cx="6858000" cy="9144000"/>
@@ -211,7 +205,7 @@
           <a:p>
             <a:fld id="{A5C20BB3-3CCB-4FE5-991B-82F6BCB48AF3}" type="datetimeFigureOut">
               <a:rPr lang="en-US" smtClean="0"/>
-              <a:t>5/4/2019</a:t>
+              <a:t>5/8/2019</a:t>
             </a:fld>
             <a:endParaRPr lang="en-US"/>
           </a:p>
@@ -524,11 +518,28 @@
           <a:p>
             <a:r>
               <a:rPr lang="en-US" dirty="0"/>
-              <a:t>QuickStarter ha creado un esquema para ayudarle a empezar a trabajar en la presentación. Algunas diapositivas incluyen información aquí en las notas para proporcionar temas adicionales para que investigue.</a:t>
-            </a:r>
-          </a:p>
-          <a:p>
-            <a:endParaRPr lang="en-US" dirty="0"/>
+              <a:t>Considere la posibilidad de hablar acerca de:</a:t>
+            </a:r>
+          </a:p>
+          <a:p>
+            <a:pPr marL="171450" indent="-171450">
+              <a:buFont typeface="Arial" panose="020B0604020202020204" pitchFamily="34" charset="0"/>
+              <a:buChar char="•"/>
+            </a:pPr>
+            <a:r>
+              <a:rPr lang="en-US" dirty="0"/>
+              <a:t>Supervisores</a:t>
+            </a:r>
+          </a:p>
+          <a:p>
+            <a:pPr marL="171450" indent="-171450">
+              <a:buFont typeface="Arial" panose="020B0604020202020204" pitchFamily="34" charset="0"/>
+              <a:buChar char="•"/>
+            </a:pPr>
+            <a:r>
+              <a:rPr lang="en-US" dirty="0"/>
+              <a:t>Coordinadores</a:t>
+            </a:r>
           </a:p>
         </p:txBody>
       </p:sp>
@@ -549,7 +560,7 @@
           <a:p>
             <a:fld id="{E0746DE6-3336-457D-A091-FA20AC1C536E}" type="slidenum">
               <a:rPr lang="en-US" smtClean="0"/>
-              <a:t>1</a:t>
+              <a:t>5</a:t>
             </a:fld>
             <a:endParaRPr lang="en-US"/>
           </a:p>
@@ -558,7 +569,7 @@
     </p:spTree>
     <p:extLst>
       <p:ext uri="{BB962C8B-B14F-4D97-AF65-F5344CB8AC3E}">
-        <p14:creationId xmlns:p14="http://schemas.microsoft.com/office/powerpoint/2010/main" val="272098042"/>
+        <p14:creationId xmlns:p14="http://schemas.microsoft.com/office/powerpoint/2010/main" val="1925550573"/>
       </p:ext>
     </p:extLst>
   </p:cSld>
@@ -656,7 +667,7 @@
           <a:p>
             <a:fld id="{E0746DE6-3336-457D-A091-FA20AC1C536E}" type="slidenum">
               <a:rPr lang="en-US" smtClean="0"/>
-              <a:t>7</a:t>
+              <a:t>6</a:t>
             </a:fld>
             <a:endParaRPr lang="en-US"/>
           </a:p>
@@ -665,7 +676,7 @@
     </p:spTree>
     <p:extLst>
       <p:ext uri="{BB962C8B-B14F-4D97-AF65-F5344CB8AC3E}">
-        <p14:creationId xmlns:p14="http://schemas.microsoft.com/office/powerpoint/2010/main" val="1925550573"/>
+        <p14:creationId xmlns:p14="http://schemas.microsoft.com/office/powerpoint/2010/main" val="4217777783"/>
       </p:ext>
     </p:extLst>
   </p:cSld>
@@ -731,7 +742,17 @@
             </a:pPr>
             <a:r>
               <a:rPr lang="en-US" dirty="0"/>
-              <a:t>Factores que se consideran para seleccionar una localización</a:t>
+              <a:t>Supervisores</a:t>
+            </a:r>
+          </a:p>
+          <a:p>
+            <a:pPr marL="171450" indent="-171450">
+              <a:buFont typeface="Arial" panose="020B0604020202020204" pitchFamily="34" charset="0"/>
+              <a:buChar char="•"/>
+            </a:pPr>
+            <a:r>
+              <a:rPr lang="en-US" dirty="0"/>
+              <a:t>Coordinadores</a:t>
             </a:r>
           </a:p>
         </p:txBody>
@@ -753,7 +774,7 @@
           <a:p>
             <a:fld id="{E0746DE6-3336-457D-A091-FA20AC1C536E}" type="slidenum">
               <a:rPr lang="en-US" smtClean="0"/>
-              <a:t>9</a:t>
+              <a:t>7</a:t>
             </a:fld>
             <a:endParaRPr lang="en-US"/>
           </a:p>
@@ -762,7 +783,7 @@
     </p:spTree>
     <p:extLst>
       <p:ext uri="{BB962C8B-B14F-4D97-AF65-F5344CB8AC3E}">
-        <p14:creationId xmlns:p14="http://schemas.microsoft.com/office/powerpoint/2010/main" val="1386906928"/>
+        <p14:creationId xmlns:p14="http://schemas.microsoft.com/office/powerpoint/2010/main" val="2400237436"/>
       </p:ext>
     </p:extLst>
   </p:cSld>
@@ -828,7 +849,94 @@
             </a:pPr>
             <a:r>
               <a:rPr lang="en-US" dirty="0"/>
-              <a:t>Calidad del aire, ruido y ergonomía</a:t>
+              <a:t>Factores que se consideran para seleccionar una localización</a:t>
+            </a:r>
+          </a:p>
+        </p:txBody>
+      </p:sp>
+      <p:sp>
+        <p:nvSpPr>
+          <p:cNvPr id="4" name="Slide Number Placeholder 3"/>
+          <p:cNvSpPr>
+            <a:spLocks noGrp="1"/>
+          </p:cNvSpPr>
+          <p:nvPr>
+            <p:ph type="sldNum" sz="quarter" idx="10"/>
+          </p:nvPr>
+        </p:nvSpPr>
+        <p:spPr/>
+        <p:txBody>
+          <a:bodyPr/>
+          <a:lstStyle/>
+          <a:p>
+            <a:fld id="{E0746DE6-3336-457D-A091-FA20AC1C536E}" type="slidenum">
+              <a:rPr lang="en-US" smtClean="0"/>
+              <a:t>8</a:t>
+            </a:fld>
+            <a:endParaRPr lang="en-US"/>
+          </a:p>
+        </p:txBody>
+      </p:sp>
+    </p:spTree>
+    <p:extLst>
+      <p:ext uri="{BB962C8B-B14F-4D97-AF65-F5344CB8AC3E}">
+        <p14:creationId xmlns:p14="http://schemas.microsoft.com/office/powerpoint/2010/main" val="1386906928"/>
+      </p:ext>
+    </p:extLst>
+  </p:cSld>
+  <p:clrMapOvr>
+    <a:masterClrMapping/>
+  </p:clrMapOvr>
+</p:notes>
+</file>
+
+<file path=ppt/notesSlides/notesSlide5.xml><?xml version="1.0" encoding="utf-8"?>
+<p:notes xmlns:a="http://schemas.openxmlformats.org/drawingml/2006/main" xmlns:r="http://schemas.openxmlformats.org/officeDocument/2006/relationships" xmlns:p="http://schemas.openxmlformats.org/presentationml/2006/main">
+  <p:cSld>
+    <p:spTree>
+      <p:nvGrpSpPr>
+        <p:cNvPr id="1" name=""/>
+        <p:cNvGrpSpPr/>
+        <p:nvPr/>
+      </p:nvGrpSpPr>
+      <p:grpSpPr>
+        <a:xfrm>
+          <a:off x="0" y="0"/>
+          <a:ext cx="0" cy="0"/>
+          <a:chOff x="0" y="0"/>
+          <a:chExt cx="0" cy="0"/>
+        </a:xfrm>
+      </p:grpSpPr>
+      <p:sp>
+        <p:nvSpPr>
+          <p:cNvPr id="2" name="Slide Image Placeholder 1"/>
+          <p:cNvSpPr>
+            <a:spLocks noGrp="1" noRot="1" noChangeAspect="1"/>
+          </p:cNvSpPr>
+          <p:nvPr>
+            <p:ph type="sldImg"/>
+          </p:nvPr>
+        </p:nvSpPr>
+        <p:spPr/>
+      </p:sp>
+      <p:sp>
+        <p:nvSpPr>
+          <p:cNvPr id="3" name="Notes Placeholder 2"/>
+          <p:cNvSpPr>
+            <a:spLocks noGrp="1"/>
+          </p:cNvSpPr>
+          <p:nvPr>
+            <p:ph type="body" idx="1"/>
+          </p:nvPr>
+        </p:nvSpPr>
+        <p:spPr/>
+        <p:txBody>
+          <a:bodyPr/>
+          <a:lstStyle/>
+          <a:p>
+            <a:r>
+              <a:rPr lang="en-US" dirty="0"/>
+              <a:t>Considere la posibilidad de hablar acerca de:</a:t>
             </a:r>
           </a:p>
           <a:p>
@@ -838,7 +946,7 @@
             </a:pPr>
             <a:r>
               <a:rPr lang="en-US" dirty="0"/>
-              <a:t>Elevado nivel de estrés</a:t>
+              <a:t>Calidad del aire, ruido y ergonomía</a:t>
             </a:r>
           </a:p>
           <a:p>
@@ -848,6 +956,16 @@
             </a:pPr>
             <a:r>
               <a:rPr lang="en-US" dirty="0"/>
+              <a:t>Elevado nivel de estrés</a:t>
+            </a:r>
+          </a:p>
+          <a:p>
+            <a:pPr marL="171450" indent="-171450">
+              <a:buFont typeface="Arial" panose="020B0604020202020204" pitchFamily="34" charset="0"/>
+              <a:buChar char="•"/>
+            </a:pPr>
+            <a:r>
+              <a:rPr lang="en-US" dirty="0"/>
               <a:t>Afectación de cuello, hombros, espalda, vista, oído y voz</a:t>
             </a:r>
           </a:p>
@@ -870,7 +988,7 @@
           <a:p>
             <a:fld id="{E0746DE6-3336-457D-A091-FA20AC1C536E}" type="slidenum">
               <a:rPr lang="en-US" smtClean="0"/>
-              <a:t>10</a:t>
+              <a:t>9</a:t>
             </a:fld>
             <a:endParaRPr lang="en-US"/>
           </a:p>
@@ -911,7 +1029,7 @@
           <p:cNvPr id="2" name="Title 1">
             <a:extLst>
               <a:ext uri="{FF2B5EF4-FFF2-40B4-BE49-F238E27FC236}">
-                <a16:creationId xmlns:a16="http://schemas.microsoft.com/office/drawing/2014/main" id="{DE0391AB-F383-4237-A071-AD1C6E9246D2}"/>
+                <a16:creationId xmlns:a16="http://schemas.microsoft.com/office/drawing/2014/main" xmlns="" id="{DE0391AB-F383-4237-A071-AD1C6E9246D2}"/>
               </a:ext>
             </a:extLst>
           </p:cNvPr>
@@ -949,7 +1067,7 @@
           <p:cNvPr id="3" name="Subtitle 2">
             <a:extLst>
               <a:ext uri="{FF2B5EF4-FFF2-40B4-BE49-F238E27FC236}">
-                <a16:creationId xmlns:a16="http://schemas.microsoft.com/office/drawing/2014/main" id="{7F6636DA-4FDE-4B32-8CCE-37EFA3E75799}"/>
+                <a16:creationId xmlns:a16="http://schemas.microsoft.com/office/drawing/2014/main" xmlns="" id="{7F6636DA-4FDE-4B32-8CCE-37EFA3E75799}"/>
               </a:ext>
             </a:extLst>
           </p:cNvPr>
@@ -1020,7 +1138,7 @@
           <p:cNvPr id="4" name="Date Placeholder 3">
             <a:extLst>
               <a:ext uri="{FF2B5EF4-FFF2-40B4-BE49-F238E27FC236}">
-                <a16:creationId xmlns:a16="http://schemas.microsoft.com/office/drawing/2014/main" id="{30F87932-8FF0-4DF1-A776-9A3CE37618A7}"/>
+                <a16:creationId xmlns:a16="http://schemas.microsoft.com/office/drawing/2014/main" xmlns="" id="{30F87932-8FF0-4DF1-A776-9A3CE37618A7}"/>
               </a:ext>
             </a:extLst>
           </p:cNvPr>
@@ -1038,7 +1156,7 @@
           <a:p>
             <a:fld id="{5D6495F3-B757-4FAF-98AA-EDA7D1485485}" type="datetimeFigureOut">
               <a:rPr lang="en-US" smtClean="0"/>
-              <a:t>5/4/2019</a:t>
+              <a:t>5/8/2019</a:t>
             </a:fld>
             <a:endParaRPr lang="en-US"/>
           </a:p>
@@ -1049,7 +1167,7 @@
           <p:cNvPr id="5" name="Footer Placeholder 4">
             <a:extLst>
               <a:ext uri="{FF2B5EF4-FFF2-40B4-BE49-F238E27FC236}">
-                <a16:creationId xmlns:a16="http://schemas.microsoft.com/office/drawing/2014/main" id="{5F38FAB8-C9F1-4DBB-B355-D8DEE370657B}"/>
+                <a16:creationId xmlns:a16="http://schemas.microsoft.com/office/drawing/2014/main" xmlns="" id="{5F38FAB8-C9F1-4DBB-B355-D8DEE370657B}"/>
               </a:ext>
             </a:extLst>
           </p:cNvPr>
@@ -1074,7 +1192,7 @@
           <p:cNvPr id="6" name="Slide Number Placeholder 5">
             <a:extLst>
               <a:ext uri="{FF2B5EF4-FFF2-40B4-BE49-F238E27FC236}">
-                <a16:creationId xmlns:a16="http://schemas.microsoft.com/office/drawing/2014/main" id="{F24490E3-D8E8-4766-9104-14009BF5636F}"/>
+                <a16:creationId xmlns:a16="http://schemas.microsoft.com/office/drawing/2014/main" xmlns="" id="{F24490E3-D8E8-4766-9104-14009BF5636F}"/>
               </a:ext>
             </a:extLst>
           </p:cNvPr>
@@ -1133,7 +1251,7 @@
           <p:cNvPr id="2" name="Title 1">
             <a:extLst>
               <a:ext uri="{FF2B5EF4-FFF2-40B4-BE49-F238E27FC236}">
-                <a16:creationId xmlns:a16="http://schemas.microsoft.com/office/drawing/2014/main" id="{303B8678-553E-4A5B-8CFE-5DB358BDF358}"/>
+                <a16:creationId xmlns:a16="http://schemas.microsoft.com/office/drawing/2014/main" xmlns="" id="{303B8678-553E-4A5B-8CFE-5DB358BDF358}"/>
               </a:ext>
             </a:extLst>
           </p:cNvPr>
@@ -1162,7 +1280,7 @@
           <p:cNvPr id="3" name="Vertical Text Placeholder 2">
             <a:extLst>
               <a:ext uri="{FF2B5EF4-FFF2-40B4-BE49-F238E27FC236}">
-                <a16:creationId xmlns:a16="http://schemas.microsoft.com/office/drawing/2014/main" id="{E43AF303-1F73-4575-83E6-561589F1632E}"/>
+                <a16:creationId xmlns:a16="http://schemas.microsoft.com/office/drawing/2014/main" xmlns="" id="{E43AF303-1F73-4575-83E6-561589F1632E}"/>
               </a:ext>
             </a:extLst>
           </p:cNvPr>
@@ -1220,7 +1338,7 @@
           <p:cNvPr id="4" name="Date Placeholder 3">
             <a:extLst>
               <a:ext uri="{FF2B5EF4-FFF2-40B4-BE49-F238E27FC236}">
-                <a16:creationId xmlns:a16="http://schemas.microsoft.com/office/drawing/2014/main" id="{2436EC56-7DCF-400D-A871-C26291EB10AD}"/>
+                <a16:creationId xmlns:a16="http://schemas.microsoft.com/office/drawing/2014/main" xmlns="" id="{2436EC56-7DCF-400D-A871-C26291EB10AD}"/>
               </a:ext>
             </a:extLst>
           </p:cNvPr>
@@ -1238,7 +1356,7 @@
           <a:p>
             <a:fld id="{5D6495F3-B757-4FAF-98AA-EDA7D1485485}" type="datetimeFigureOut">
               <a:rPr lang="en-US" smtClean="0"/>
-              <a:t>5/4/2019</a:t>
+              <a:t>5/8/2019</a:t>
             </a:fld>
             <a:endParaRPr lang="en-US"/>
           </a:p>
@@ -1249,7 +1367,7 @@
           <p:cNvPr id="5" name="Footer Placeholder 4">
             <a:extLst>
               <a:ext uri="{FF2B5EF4-FFF2-40B4-BE49-F238E27FC236}">
-                <a16:creationId xmlns:a16="http://schemas.microsoft.com/office/drawing/2014/main" id="{17FFAC5B-7C77-4F8C-ADB0-8D208A2EB303}"/>
+                <a16:creationId xmlns:a16="http://schemas.microsoft.com/office/drawing/2014/main" xmlns="" id="{17FFAC5B-7C77-4F8C-ADB0-8D208A2EB303}"/>
               </a:ext>
             </a:extLst>
           </p:cNvPr>
@@ -1274,7 +1392,7 @@
           <p:cNvPr id="6" name="Slide Number Placeholder 5">
             <a:extLst>
               <a:ext uri="{FF2B5EF4-FFF2-40B4-BE49-F238E27FC236}">
-                <a16:creationId xmlns:a16="http://schemas.microsoft.com/office/drawing/2014/main" id="{BD2F48AF-AB8F-4DD2-BC77-7E2F42AD3B87}"/>
+                <a16:creationId xmlns:a16="http://schemas.microsoft.com/office/drawing/2014/main" xmlns="" id="{BD2F48AF-AB8F-4DD2-BC77-7E2F42AD3B87}"/>
               </a:ext>
             </a:extLst>
           </p:cNvPr>
@@ -1333,7 +1451,7 @@
           <p:cNvPr id="2" name="Vertical Title 1">
             <a:extLst>
               <a:ext uri="{FF2B5EF4-FFF2-40B4-BE49-F238E27FC236}">
-                <a16:creationId xmlns:a16="http://schemas.microsoft.com/office/drawing/2014/main" id="{A20ED820-BFE6-41B5-8064-984037A999A8}"/>
+                <a16:creationId xmlns:a16="http://schemas.microsoft.com/office/drawing/2014/main" xmlns="" id="{A20ED820-BFE6-41B5-8064-984037A999A8}"/>
               </a:ext>
             </a:extLst>
           </p:cNvPr>
@@ -1367,7 +1485,7 @@
           <p:cNvPr id="3" name="Vertical Text Placeholder 2">
             <a:extLst>
               <a:ext uri="{FF2B5EF4-FFF2-40B4-BE49-F238E27FC236}">
-                <a16:creationId xmlns:a16="http://schemas.microsoft.com/office/drawing/2014/main" id="{9CA27FEA-5359-474A-B4F8-FF510DD7489A}"/>
+                <a16:creationId xmlns:a16="http://schemas.microsoft.com/office/drawing/2014/main" xmlns="" id="{9CA27FEA-5359-474A-B4F8-FF510DD7489A}"/>
               </a:ext>
             </a:extLst>
           </p:cNvPr>
@@ -1430,7 +1548,7 @@
           <p:cNvPr id="4" name="Date Placeholder 3">
             <a:extLst>
               <a:ext uri="{FF2B5EF4-FFF2-40B4-BE49-F238E27FC236}">
-                <a16:creationId xmlns:a16="http://schemas.microsoft.com/office/drawing/2014/main" id="{D14DD33D-563C-4B8C-B8C1-625FF5C5B85D}"/>
+                <a16:creationId xmlns:a16="http://schemas.microsoft.com/office/drawing/2014/main" xmlns="" id="{D14DD33D-563C-4B8C-B8C1-625FF5C5B85D}"/>
               </a:ext>
             </a:extLst>
           </p:cNvPr>
@@ -1448,7 +1566,7 @@
           <a:p>
             <a:fld id="{5D6495F3-B757-4FAF-98AA-EDA7D1485485}" type="datetimeFigureOut">
               <a:rPr lang="en-US" smtClean="0"/>
-              <a:t>5/4/2019</a:t>
+              <a:t>5/8/2019</a:t>
             </a:fld>
             <a:endParaRPr lang="en-US"/>
           </a:p>
@@ -1459,7 +1577,7 @@
           <p:cNvPr id="5" name="Footer Placeholder 4">
             <a:extLst>
               <a:ext uri="{FF2B5EF4-FFF2-40B4-BE49-F238E27FC236}">
-                <a16:creationId xmlns:a16="http://schemas.microsoft.com/office/drawing/2014/main" id="{40471877-89FD-46BE-832F-C5660A5567D2}"/>
+                <a16:creationId xmlns:a16="http://schemas.microsoft.com/office/drawing/2014/main" xmlns="" id="{40471877-89FD-46BE-832F-C5660A5567D2}"/>
               </a:ext>
             </a:extLst>
           </p:cNvPr>
@@ -1484,7 +1602,7 @@
           <p:cNvPr id="6" name="Slide Number Placeholder 5">
             <a:extLst>
               <a:ext uri="{FF2B5EF4-FFF2-40B4-BE49-F238E27FC236}">
-                <a16:creationId xmlns:a16="http://schemas.microsoft.com/office/drawing/2014/main" id="{0E6E675F-CC4D-48CF-90C8-53829EE08B8C}"/>
+                <a16:creationId xmlns:a16="http://schemas.microsoft.com/office/drawing/2014/main" xmlns="" id="{0E6E675F-CC4D-48CF-90C8-53829EE08B8C}"/>
               </a:ext>
             </a:extLst>
           </p:cNvPr>
@@ -1512,279 +1630,6 @@
     <p:extLst>
       <p:ext uri="{BB962C8B-B14F-4D97-AF65-F5344CB8AC3E}">
         <p14:creationId xmlns:p14="http://schemas.microsoft.com/office/powerpoint/2010/main" val="2454621658"/>
-      </p:ext>
-    </p:extLst>
-  </p:cSld>
-  <p:clrMapOvr>
-    <a:masterClrMapping/>
-  </p:clrMapOvr>
-</p:sldLayout>
-</file>
-
-<file path=ppt/slideLayouts/slideLayout12.xml><?xml version="1.0" encoding="utf-8"?>
-<p:sldLayout xmlns:a="http://schemas.openxmlformats.org/drawingml/2006/main" xmlns:r="http://schemas.openxmlformats.org/officeDocument/2006/relationships" xmlns:p="http://schemas.openxmlformats.org/presentationml/2006/main" preserve="1" userDrawn="1">
-  <p:cSld name="Title and Content">
-    <p:spTree>
-      <p:nvGrpSpPr>
-        <p:cNvPr id="1" name=""/>
-        <p:cNvGrpSpPr/>
-        <p:nvPr/>
-      </p:nvGrpSpPr>
-      <p:grpSpPr>
-        <a:xfrm>
-          <a:off x="0" y="0"/>
-          <a:ext cx="0" cy="0"/>
-          <a:chOff x="0" y="0"/>
-          <a:chExt cx="0" cy="0"/>
-        </a:xfrm>
-      </p:grpSpPr>
-      <p:sp>
-        <p:nvSpPr>
-          <p:cNvPr id="2" name="Title 1"/>
-          <p:cNvSpPr>
-            <a:spLocks noGrp="1"/>
-          </p:cNvSpPr>
-          <p:nvPr>
-            <p:ph type="title"/>
-          </p:nvPr>
-        </p:nvSpPr>
-        <p:spPr>
-          <a:xfrm>
-            <a:off x="834260" y="462455"/>
-            <a:ext cx="10515600" cy="822263"/>
-          </a:xfrm>
-        </p:spPr>
-        <p:txBody>
-          <a:bodyPr>
-            <a:normAutofit/>
-          </a:bodyPr>
-          <a:lstStyle>
-            <a:lvl1pPr>
-              <a:defRPr sz="3600">
-                <a:solidFill>
-                  <a:srgbClr val="D24726"/>
-                </a:solidFill>
-                <a:latin typeface="Segoe UI Light" panose="020B0502040204020203" pitchFamily="34" charset="0"/>
-                <a:cs typeface="Segoe UI Light" panose="020B0502040204020203" pitchFamily="34" charset="0"/>
-              </a:defRPr>
-            </a:lvl1pPr>
-          </a:lstStyle>
-          <a:p>
-            <a:r>
-              <a:rPr lang="en-US" dirty="0"/>
-              <a:t>Click to edit Master title style</a:t>
-            </a:r>
-          </a:p>
-        </p:txBody>
-      </p:sp>
-      <p:sp>
-        <p:nvSpPr>
-          <p:cNvPr id="3" name="Content Placeholder 2"/>
-          <p:cNvSpPr>
-            <a:spLocks noGrp="1"/>
-          </p:cNvSpPr>
-          <p:nvPr>
-            <p:ph idx="1"/>
-          </p:nvPr>
-        </p:nvSpPr>
-        <p:spPr>
-          <a:xfrm>
-            <a:off x="838200" y="1625936"/>
-            <a:ext cx="10515600" cy="4351338"/>
-          </a:xfrm>
-        </p:spPr>
-        <p:txBody>
-          <a:bodyPr/>
-          <a:lstStyle>
-            <a:lvl1pPr>
-              <a:defRPr sz="1400" baseline="0">
-                <a:solidFill>
-                  <a:srgbClr val="595959"/>
-                </a:solidFill>
-                <a:latin typeface="Segoe UI Semilight" panose="020B0402040204020203" pitchFamily="34" charset="0"/>
-                <a:cs typeface="Segoe UI Semilight" panose="020B0402040204020203" pitchFamily="34" charset="0"/>
-              </a:defRPr>
-            </a:lvl1pPr>
-            <a:lvl2pPr>
-              <a:defRPr sz="1200" baseline="0">
-                <a:solidFill>
-                  <a:srgbClr val="595959"/>
-                </a:solidFill>
-                <a:latin typeface="Segoe UI Semilight" panose="020B0402040204020203" pitchFamily="34" charset="0"/>
-                <a:cs typeface="Segoe UI Semilight" panose="020B0402040204020203" pitchFamily="34" charset="0"/>
-              </a:defRPr>
-            </a:lvl2pPr>
-            <a:lvl3pPr>
-              <a:defRPr sz="1200" baseline="0">
-                <a:solidFill>
-                  <a:srgbClr val="595959"/>
-                </a:solidFill>
-                <a:latin typeface="Segoe UI Semilight" panose="020B0402040204020203" pitchFamily="34" charset="0"/>
-                <a:cs typeface="Segoe UI Semilight" panose="020B0402040204020203" pitchFamily="34" charset="0"/>
-              </a:defRPr>
-            </a:lvl3pPr>
-            <a:lvl4pPr>
-              <a:defRPr sz="1200" baseline="0">
-                <a:solidFill>
-                  <a:srgbClr val="595959"/>
-                </a:solidFill>
-                <a:latin typeface="Segoe UI Semilight" panose="020B0402040204020203" pitchFamily="34" charset="0"/>
-                <a:cs typeface="Segoe UI Semilight" panose="020B0402040204020203" pitchFamily="34" charset="0"/>
-              </a:defRPr>
-            </a:lvl4pPr>
-            <a:lvl5pPr>
-              <a:defRPr sz="1200" baseline="0">
-                <a:solidFill>
-                  <a:srgbClr val="595959"/>
-                </a:solidFill>
-                <a:latin typeface="Segoe UI Semilight" panose="020B0402040204020203" pitchFamily="34" charset="0"/>
-                <a:cs typeface="Segoe UI Semilight" panose="020B0402040204020203" pitchFamily="34" charset="0"/>
-              </a:defRPr>
-            </a:lvl5pPr>
-          </a:lstStyle>
-          <a:p>
-            <a:pPr lvl="0"/>
-            <a:r>
-              <a:rPr lang="en-US" dirty="0"/>
-              <a:t>Edit Master text styles</a:t>
-            </a:r>
-          </a:p>
-          <a:p>
-            <a:pPr lvl="1"/>
-            <a:r>
-              <a:rPr lang="en-US" dirty="0"/>
-              <a:t>Second level</a:t>
-            </a:r>
-          </a:p>
-          <a:p>
-            <a:pPr lvl="2"/>
-            <a:r>
-              <a:rPr lang="en-US" dirty="0"/>
-              <a:t>Third level</a:t>
-            </a:r>
-          </a:p>
-          <a:p>
-            <a:pPr lvl="3"/>
-            <a:r>
-              <a:rPr lang="en-US" dirty="0"/>
-              <a:t>Fourth level</a:t>
-            </a:r>
-          </a:p>
-          <a:p>
-            <a:pPr lvl="4"/>
-            <a:r>
-              <a:rPr lang="en-US" dirty="0"/>
-              <a:t>Fifth level</a:t>
-            </a:r>
-          </a:p>
-        </p:txBody>
-      </p:sp>
-      <p:sp>
-        <p:nvSpPr>
-          <p:cNvPr id="4" name="Date Placeholder 3"/>
-          <p:cNvSpPr>
-            <a:spLocks noGrp="1"/>
-          </p:cNvSpPr>
-          <p:nvPr>
-            <p:ph type="dt" sz="half" idx="10"/>
-          </p:nvPr>
-        </p:nvSpPr>
-        <p:spPr/>
-        <p:txBody>
-          <a:bodyPr/>
-          <a:lstStyle/>
-          <a:p>
-            <a:fld id="{3652CD92-9D15-43B4-8516-073FCDAC90D4}" type="datetimeFigureOut">
-              <a:rPr lang="en-US" smtClean="0"/>
-              <a:t>5/4/2019</a:t>
-            </a:fld>
-            <a:endParaRPr lang="en-US"/>
-          </a:p>
-        </p:txBody>
-      </p:sp>
-      <p:sp>
-        <p:nvSpPr>
-          <p:cNvPr id="5" name="Footer Placeholder 4"/>
-          <p:cNvSpPr>
-            <a:spLocks noGrp="1"/>
-          </p:cNvSpPr>
-          <p:nvPr>
-            <p:ph type="ftr" sz="quarter" idx="11"/>
-          </p:nvPr>
-        </p:nvSpPr>
-        <p:spPr/>
-        <p:txBody>
-          <a:bodyPr/>
-          <a:lstStyle/>
-          <a:p>
-            <a:endParaRPr lang="en-US"/>
-          </a:p>
-        </p:txBody>
-      </p:sp>
-      <p:sp>
-        <p:nvSpPr>
-          <p:cNvPr id="6" name="Slide Number Placeholder 5"/>
-          <p:cNvSpPr>
-            <a:spLocks noGrp="1"/>
-          </p:cNvSpPr>
-          <p:nvPr>
-            <p:ph type="sldNum" sz="quarter" idx="12"/>
-          </p:nvPr>
-        </p:nvSpPr>
-        <p:spPr/>
-        <p:txBody>
-          <a:bodyPr/>
-          <a:lstStyle/>
-          <a:p>
-            <a:fld id="{475E1560-7126-406C-A531-3A398E8D0EEA}" type="slidenum">
-              <a:rPr lang="en-US" smtClean="0"/>
-              <a:t>‹Nº›</a:t>
-            </a:fld>
-            <a:endParaRPr lang="en-US"/>
-          </a:p>
-        </p:txBody>
-      </p:sp>
-      <p:cxnSp>
-        <p:nvCxnSpPr>
-          <p:cNvPr id="7" name="Straight Connector 6"/>
-          <p:cNvCxnSpPr/>
-          <p:nvPr userDrawn="1"/>
-        </p:nvCxnSpPr>
-        <p:spPr>
-          <a:xfrm>
-            <a:off x="952500" y="1284718"/>
-            <a:ext cx="10363200" cy="0"/>
-          </a:xfrm>
-          <a:prstGeom prst="line">
-            <a:avLst/>
-          </a:prstGeom>
-          <a:ln w="12700">
-            <a:solidFill>
-              <a:schemeClr val="bg1">
-                <a:lumMod val="65000"/>
-              </a:schemeClr>
-            </a:solidFill>
-          </a:ln>
-        </p:spPr>
-        <p:style>
-          <a:lnRef idx="1">
-            <a:schemeClr val="accent1"/>
-          </a:lnRef>
-          <a:fillRef idx="0">
-            <a:schemeClr val="accent1"/>
-          </a:fillRef>
-          <a:effectRef idx="0">
-            <a:schemeClr val="accent1"/>
-          </a:effectRef>
-          <a:fontRef idx="minor">
-            <a:schemeClr val="tx1"/>
-          </a:fontRef>
-        </p:style>
-      </p:cxnSp>
-    </p:spTree>
-    <p:extLst>
-      <p:ext uri="{BB962C8B-B14F-4D97-AF65-F5344CB8AC3E}">
-        <p14:creationId xmlns:p14="http://schemas.microsoft.com/office/powerpoint/2010/main" val="1885525206"/>
       </p:ext>
     </p:extLst>
   </p:cSld>
@@ -1816,7 +1661,7 @@
           <p:cNvPr id="2" name="Title 1">
             <a:extLst>
               <a:ext uri="{FF2B5EF4-FFF2-40B4-BE49-F238E27FC236}">
-                <a16:creationId xmlns:a16="http://schemas.microsoft.com/office/drawing/2014/main" id="{E8CBC967-18DB-4664-9B4D-06177FB946B3}"/>
+                <a16:creationId xmlns:a16="http://schemas.microsoft.com/office/drawing/2014/main" xmlns="" id="{E8CBC967-18DB-4664-9B4D-06177FB946B3}"/>
               </a:ext>
             </a:extLst>
           </p:cNvPr>
@@ -1845,7 +1690,7 @@
           <p:cNvPr id="3" name="Content Placeholder 2">
             <a:extLst>
               <a:ext uri="{FF2B5EF4-FFF2-40B4-BE49-F238E27FC236}">
-                <a16:creationId xmlns:a16="http://schemas.microsoft.com/office/drawing/2014/main" id="{5ADF7174-64B4-4D8F-BF44-3DD1F66CAD00}"/>
+                <a16:creationId xmlns:a16="http://schemas.microsoft.com/office/drawing/2014/main" xmlns="" id="{5ADF7174-64B4-4D8F-BF44-3DD1F66CAD00}"/>
               </a:ext>
             </a:extLst>
           </p:cNvPr>
@@ -1903,7 +1748,7 @@
           <p:cNvPr id="4" name="Date Placeholder 3">
             <a:extLst>
               <a:ext uri="{FF2B5EF4-FFF2-40B4-BE49-F238E27FC236}">
-                <a16:creationId xmlns:a16="http://schemas.microsoft.com/office/drawing/2014/main" id="{55CD83D3-86C4-482F-A2DC-B4C55DBF3F7A}"/>
+                <a16:creationId xmlns:a16="http://schemas.microsoft.com/office/drawing/2014/main" xmlns="" id="{55CD83D3-86C4-482F-A2DC-B4C55DBF3F7A}"/>
               </a:ext>
             </a:extLst>
           </p:cNvPr>
@@ -1921,7 +1766,7 @@
           <a:p>
             <a:fld id="{5D6495F3-B757-4FAF-98AA-EDA7D1485485}" type="datetimeFigureOut">
               <a:rPr lang="en-US" smtClean="0"/>
-              <a:t>5/4/2019</a:t>
+              <a:t>5/8/2019</a:t>
             </a:fld>
             <a:endParaRPr lang="en-US"/>
           </a:p>
@@ -1932,7 +1777,7 @@
           <p:cNvPr id="5" name="Footer Placeholder 4">
             <a:extLst>
               <a:ext uri="{FF2B5EF4-FFF2-40B4-BE49-F238E27FC236}">
-                <a16:creationId xmlns:a16="http://schemas.microsoft.com/office/drawing/2014/main" id="{DCF05BE2-6C23-4CB4-A63E-457E635BF267}"/>
+                <a16:creationId xmlns:a16="http://schemas.microsoft.com/office/drawing/2014/main" xmlns="" id="{DCF05BE2-6C23-4CB4-A63E-457E635BF267}"/>
               </a:ext>
             </a:extLst>
           </p:cNvPr>
@@ -1957,7 +1802,7 @@
           <p:cNvPr id="6" name="Slide Number Placeholder 5">
             <a:extLst>
               <a:ext uri="{FF2B5EF4-FFF2-40B4-BE49-F238E27FC236}">
-                <a16:creationId xmlns:a16="http://schemas.microsoft.com/office/drawing/2014/main" id="{1C097965-24FE-4C07-BE16-69AE439950EF}"/>
+                <a16:creationId xmlns:a16="http://schemas.microsoft.com/office/drawing/2014/main" xmlns="" id="{1C097965-24FE-4C07-BE16-69AE439950EF}"/>
               </a:ext>
             </a:extLst>
           </p:cNvPr>
@@ -2016,7 +1861,7 @@
           <p:cNvPr id="2" name="Title 1">
             <a:extLst>
               <a:ext uri="{FF2B5EF4-FFF2-40B4-BE49-F238E27FC236}">
-                <a16:creationId xmlns:a16="http://schemas.microsoft.com/office/drawing/2014/main" id="{7233394D-04EF-440C-B08B-114464B315C6}"/>
+                <a16:creationId xmlns:a16="http://schemas.microsoft.com/office/drawing/2014/main" xmlns="" id="{7233394D-04EF-440C-B08B-114464B315C6}"/>
               </a:ext>
             </a:extLst>
           </p:cNvPr>
@@ -2054,7 +1899,7 @@
           <p:cNvPr id="3" name="Text Placeholder 2">
             <a:extLst>
               <a:ext uri="{FF2B5EF4-FFF2-40B4-BE49-F238E27FC236}">
-                <a16:creationId xmlns:a16="http://schemas.microsoft.com/office/drawing/2014/main" id="{BBEBE3F6-F021-4D6B-8B0D-EF74D7461F93}"/>
+                <a16:creationId xmlns:a16="http://schemas.microsoft.com/office/drawing/2014/main" xmlns="" id="{BBEBE3F6-F021-4D6B-8B0D-EF74D7461F93}"/>
               </a:ext>
             </a:extLst>
           </p:cNvPr>
@@ -2179,7 +2024,7 @@
           <p:cNvPr id="4" name="Date Placeholder 3">
             <a:extLst>
               <a:ext uri="{FF2B5EF4-FFF2-40B4-BE49-F238E27FC236}">
-                <a16:creationId xmlns:a16="http://schemas.microsoft.com/office/drawing/2014/main" id="{B196233C-6806-4593-91C0-CF4ECD84A601}"/>
+                <a16:creationId xmlns:a16="http://schemas.microsoft.com/office/drawing/2014/main" xmlns="" id="{B196233C-6806-4593-91C0-CF4ECD84A601}"/>
               </a:ext>
             </a:extLst>
           </p:cNvPr>
@@ -2197,7 +2042,7 @@
           <a:p>
             <a:fld id="{5D6495F3-B757-4FAF-98AA-EDA7D1485485}" type="datetimeFigureOut">
               <a:rPr lang="en-US" smtClean="0"/>
-              <a:t>5/4/2019</a:t>
+              <a:t>5/8/2019</a:t>
             </a:fld>
             <a:endParaRPr lang="en-US"/>
           </a:p>
@@ -2208,7 +2053,7 @@
           <p:cNvPr id="5" name="Footer Placeholder 4">
             <a:extLst>
               <a:ext uri="{FF2B5EF4-FFF2-40B4-BE49-F238E27FC236}">
-                <a16:creationId xmlns:a16="http://schemas.microsoft.com/office/drawing/2014/main" id="{963A761E-2D3A-4397-A82C-2F3B981DE045}"/>
+                <a16:creationId xmlns:a16="http://schemas.microsoft.com/office/drawing/2014/main" xmlns="" id="{963A761E-2D3A-4397-A82C-2F3B981DE045}"/>
               </a:ext>
             </a:extLst>
           </p:cNvPr>
@@ -2233,7 +2078,7 @@
           <p:cNvPr id="6" name="Slide Number Placeholder 5">
             <a:extLst>
               <a:ext uri="{FF2B5EF4-FFF2-40B4-BE49-F238E27FC236}">
-                <a16:creationId xmlns:a16="http://schemas.microsoft.com/office/drawing/2014/main" id="{68297E71-B59F-4260-B01B-2B7CEB0896BD}"/>
+                <a16:creationId xmlns:a16="http://schemas.microsoft.com/office/drawing/2014/main" xmlns="" id="{68297E71-B59F-4260-B01B-2B7CEB0896BD}"/>
               </a:ext>
             </a:extLst>
           </p:cNvPr>
@@ -2292,7 +2137,7 @@
           <p:cNvPr id="2" name="Title 1">
             <a:extLst>
               <a:ext uri="{FF2B5EF4-FFF2-40B4-BE49-F238E27FC236}">
-                <a16:creationId xmlns:a16="http://schemas.microsoft.com/office/drawing/2014/main" id="{5C94DFCB-DD40-4637-9CAB-2BAF24231C79}"/>
+                <a16:creationId xmlns:a16="http://schemas.microsoft.com/office/drawing/2014/main" xmlns="" id="{5C94DFCB-DD40-4637-9CAB-2BAF24231C79}"/>
               </a:ext>
             </a:extLst>
           </p:cNvPr>
@@ -2321,7 +2166,7 @@
           <p:cNvPr id="3" name="Content Placeholder 2">
             <a:extLst>
               <a:ext uri="{FF2B5EF4-FFF2-40B4-BE49-F238E27FC236}">
-                <a16:creationId xmlns:a16="http://schemas.microsoft.com/office/drawing/2014/main" id="{5394065F-4B44-4622-98EE-166F936489F5}"/>
+                <a16:creationId xmlns:a16="http://schemas.microsoft.com/office/drawing/2014/main" xmlns="" id="{5394065F-4B44-4622-98EE-166F936489F5}"/>
               </a:ext>
             </a:extLst>
           </p:cNvPr>
@@ -2384,7 +2229,7 @@
           <p:cNvPr id="4" name="Content Placeholder 3">
             <a:extLst>
               <a:ext uri="{FF2B5EF4-FFF2-40B4-BE49-F238E27FC236}">
-                <a16:creationId xmlns:a16="http://schemas.microsoft.com/office/drawing/2014/main" id="{67AF1249-B890-4466-9E24-84A24907008B}"/>
+                <a16:creationId xmlns:a16="http://schemas.microsoft.com/office/drawing/2014/main" xmlns="" id="{67AF1249-B890-4466-9E24-84A24907008B}"/>
               </a:ext>
             </a:extLst>
           </p:cNvPr>
@@ -2447,7 +2292,7 @@
           <p:cNvPr id="5" name="Date Placeholder 4">
             <a:extLst>
               <a:ext uri="{FF2B5EF4-FFF2-40B4-BE49-F238E27FC236}">
-                <a16:creationId xmlns:a16="http://schemas.microsoft.com/office/drawing/2014/main" id="{850FA9B4-D282-452F-B78A-FF5873ACF45A}"/>
+                <a16:creationId xmlns:a16="http://schemas.microsoft.com/office/drawing/2014/main" xmlns="" id="{850FA9B4-D282-452F-B78A-FF5873ACF45A}"/>
               </a:ext>
             </a:extLst>
           </p:cNvPr>
@@ -2465,7 +2310,7 @@
           <a:p>
             <a:fld id="{5D6495F3-B757-4FAF-98AA-EDA7D1485485}" type="datetimeFigureOut">
               <a:rPr lang="en-US" smtClean="0"/>
-              <a:t>5/4/2019</a:t>
+              <a:t>5/8/2019</a:t>
             </a:fld>
             <a:endParaRPr lang="en-US"/>
           </a:p>
@@ -2476,7 +2321,7 @@
           <p:cNvPr id="6" name="Footer Placeholder 5">
             <a:extLst>
               <a:ext uri="{FF2B5EF4-FFF2-40B4-BE49-F238E27FC236}">
-                <a16:creationId xmlns:a16="http://schemas.microsoft.com/office/drawing/2014/main" id="{6E9B0F13-A139-4B66-9544-16480800F680}"/>
+                <a16:creationId xmlns:a16="http://schemas.microsoft.com/office/drawing/2014/main" xmlns="" id="{6E9B0F13-A139-4B66-9544-16480800F680}"/>
               </a:ext>
             </a:extLst>
           </p:cNvPr>
@@ -2501,7 +2346,7 @@
           <p:cNvPr id="7" name="Slide Number Placeholder 6">
             <a:extLst>
               <a:ext uri="{FF2B5EF4-FFF2-40B4-BE49-F238E27FC236}">
-                <a16:creationId xmlns:a16="http://schemas.microsoft.com/office/drawing/2014/main" id="{7B8791D0-EC30-4D8C-8764-475D8DB34F19}"/>
+                <a16:creationId xmlns:a16="http://schemas.microsoft.com/office/drawing/2014/main" xmlns="" id="{7B8791D0-EC30-4D8C-8764-475D8DB34F19}"/>
               </a:ext>
             </a:extLst>
           </p:cNvPr>
@@ -2560,7 +2405,7 @@
           <p:cNvPr id="2" name="Title 1">
             <a:extLst>
               <a:ext uri="{FF2B5EF4-FFF2-40B4-BE49-F238E27FC236}">
-                <a16:creationId xmlns:a16="http://schemas.microsoft.com/office/drawing/2014/main" id="{4133AA7D-15D2-4D5F-B1C4-501073416DE8}"/>
+                <a16:creationId xmlns:a16="http://schemas.microsoft.com/office/drawing/2014/main" xmlns="" id="{4133AA7D-15D2-4D5F-B1C4-501073416DE8}"/>
               </a:ext>
             </a:extLst>
           </p:cNvPr>
@@ -2594,7 +2439,7 @@
           <p:cNvPr id="3" name="Text Placeholder 2">
             <a:extLst>
               <a:ext uri="{FF2B5EF4-FFF2-40B4-BE49-F238E27FC236}">
-                <a16:creationId xmlns:a16="http://schemas.microsoft.com/office/drawing/2014/main" id="{65E80A0E-25B9-4E8E-8B0D-201E1C564096}"/>
+                <a16:creationId xmlns:a16="http://schemas.microsoft.com/office/drawing/2014/main" xmlns="" id="{65E80A0E-25B9-4E8E-8B0D-201E1C564096}"/>
               </a:ext>
             </a:extLst>
           </p:cNvPr>
@@ -2665,7 +2510,7 @@
           <p:cNvPr id="4" name="Content Placeholder 3">
             <a:extLst>
               <a:ext uri="{FF2B5EF4-FFF2-40B4-BE49-F238E27FC236}">
-                <a16:creationId xmlns:a16="http://schemas.microsoft.com/office/drawing/2014/main" id="{3189B111-0CA0-47CD-9F0B-DBCBA3AE3C28}"/>
+                <a16:creationId xmlns:a16="http://schemas.microsoft.com/office/drawing/2014/main" xmlns="" id="{3189B111-0CA0-47CD-9F0B-DBCBA3AE3C28}"/>
               </a:ext>
             </a:extLst>
           </p:cNvPr>
@@ -2728,7 +2573,7 @@
           <p:cNvPr id="5" name="Text Placeholder 4">
             <a:extLst>
               <a:ext uri="{FF2B5EF4-FFF2-40B4-BE49-F238E27FC236}">
-                <a16:creationId xmlns:a16="http://schemas.microsoft.com/office/drawing/2014/main" id="{EEF0E02D-3176-4B85-ACB6-721F2682742C}"/>
+                <a16:creationId xmlns:a16="http://schemas.microsoft.com/office/drawing/2014/main" xmlns="" id="{EEF0E02D-3176-4B85-ACB6-721F2682742C}"/>
               </a:ext>
             </a:extLst>
           </p:cNvPr>
@@ -2799,7 +2644,7 @@
           <p:cNvPr id="6" name="Content Placeholder 5">
             <a:extLst>
               <a:ext uri="{FF2B5EF4-FFF2-40B4-BE49-F238E27FC236}">
-                <a16:creationId xmlns:a16="http://schemas.microsoft.com/office/drawing/2014/main" id="{EC7D9317-BBE1-4F36-82FE-E348F6F18A97}"/>
+                <a16:creationId xmlns:a16="http://schemas.microsoft.com/office/drawing/2014/main" xmlns="" id="{EC7D9317-BBE1-4F36-82FE-E348F6F18A97}"/>
               </a:ext>
             </a:extLst>
           </p:cNvPr>
@@ -2862,7 +2707,7 @@
           <p:cNvPr id="7" name="Date Placeholder 6">
             <a:extLst>
               <a:ext uri="{FF2B5EF4-FFF2-40B4-BE49-F238E27FC236}">
-                <a16:creationId xmlns:a16="http://schemas.microsoft.com/office/drawing/2014/main" id="{D837DDCB-69F8-49FA-A111-C8AB271389E7}"/>
+                <a16:creationId xmlns:a16="http://schemas.microsoft.com/office/drawing/2014/main" xmlns="" id="{D837DDCB-69F8-49FA-A111-C8AB271389E7}"/>
               </a:ext>
             </a:extLst>
           </p:cNvPr>
@@ -2880,7 +2725,7 @@
           <a:p>
             <a:fld id="{5D6495F3-B757-4FAF-98AA-EDA7D1485485}" type="datetimeFigureOut">
               <a:rPr lang="en-US" smtClean="0"/>
-              <a:t>5/4/2019</a:t>
+              <a:t>5/8/2019</a:t>
             </a:fld>
             <a:endParaRPr lang="en-US"/>
           </a:p>
@@ -2891,7 +2736,7 @@
           <p:cNvPr id="8" name="Footer Placeholder 7">
             <a:extLst>
               <a:ext uri="{FF2B5EF4-FFF2-40B4-BE49-F238E27FC236}">
-                <a16:creationId xmlns:a16="http://schemas.microsoft.com/office/drawing/2014/main" id="{4A18B0CD-1F68-412E-9232-F267114CA754}"/>
+                <a16:creationId xmlns:a16="http://schemas.microsoft.com/office/drawing/2014/main" xmlns="" id="{4A18B0CD-1F68-412E-9232-F267114CA754}"/>
               </a:ext>
             </a:extLst>
           </p:cNvPr>
@@ -2916,7 +2761,7 @@
           <p:cNvPr id="9" name="Slide Number Placeholder 8">
             <a:extLst>
               <a:ext uri="{FF2B5EF4-FFF2-40B4-BE49-F238E27FC236}">
-                <a16:creationId xmlns:a16="http://schemas.microsoft.com/office/drawing/2014/main" id="{429B21FC-12CC-472D-BC38-EF413158CC5D}"/>
+                <a16:creationId xmlns:a16="http://schemas.microsoft.com/office/drawing/2014/main" xmlns="" id="{429B21FC-12CC-472D-BC38-EF413158CC5D}"/>
               </a:ext>
             </a:extLst>
           </p:cNvPr>
@@ -2975,7 +2820,7 @@
           <p:cNvPr id="2" name="Title 1">
             <a:extLst>
               <a:ext uri="{FF2B5EF4-FFF2-40B4-BE49-F238E27FC236}">
-                <a16:creationId xmlns:a16="http://schemas.microsoft.com/office/drawing/2014/main" id="{D00F51AB-8384-4E67-914C-B39484AD2332}"/>
+                <a16:creationId xmlns:a16="http://schemas.microsoft.com/office/drawing/2014/main" xmlns="" id="{D00F51AB-8384-4E67-914C-B39484AD2332}"/>
               </a:ext>
             </a:extLst>
           </p:cNvPr>
@@ -3004,7 +2849,7 @@
           <p:cNvPr id="3" name="Date Placeholder 2">
             <a:extLst>
               <a:ext uri="{FF2B5EF4-FFF2-40B4-BE49-F238E27FC236}">
-                <a16:creationId xmlns:a16="http://schemas.microsoft.com/office/drawing/2014/main" id="{A0909660-3861-4545-BF68-9ED039B5D0F0}"/>
+                <a16:creationId xmlns:a16="http://schemas.microsoft.com/office/drawing/2014/main" xmlns="" id="{A0909660-3861-4545-BF68-9ED039B5D0F0}"/>
               </a:ext>
             </a:extLst>
           </p:cNvPr>
@@ -3022,7 +2867,7 @@
           <a:p>
             <a:fld id="{5D6495F3-B757-4FAF-98AA-EDA7D1485485}" type="datetimeFigureOut">
               <a:rPr lang="en-US" smtClean="0"/>
-              <a:t>5/4/2019</a:t>
+              <a:t>5/8/2019</a:t>
             </a:fld>
             <a:endParaRPr lang="en-US"/>
           </a:p>
@@ -3033,7 +2878,7 @@
           <p:cNvPr id="4" name="Footer Placeholder 3">
             <a:extLst>
               <a:ext uri="{FF2B5EF4-FFF2-40B4-BE49-F238E27FC236}">
-                <a16:creationId xmlns:a16="http://schemas.microsoft.com/office/drawing/2014/main" id="{FDDD5392-AC3A-4EAF-ADE6-B6CF4B50ACAD}"/>
+                <a16:creationId xmlns:a16="http://schemas.microsoft.com/office/drawing/2014/main" xmlns="" id="{FDDD5392-AC3A-4EAF-ADE6-B6CF4B50ACAD}"/>
               </a:ext>
             </a:extLst>
           </p:cNvPr>
@@ -3058,7 +2903,7 @@
           <p:cNvPr id="5" name="Slide Number Placeholder 4">
             <a:extLst>
               <a:ext uri="{FF2B5EF4-FFF2-40B4-BE49-F238E27FC236}">
-                <a16:creationId xmlns:a16="http://schemas.microsoft.com/office/drawing/2014/main" id="{F5679880-BF48-4F4D-B8B3-4E99FC415FF9}"/>
+                <a16:creationId xmlns:a16="http://schemas.microsoft.com/office/drawing/2014/main" xmlns="" id="{F5679880-BF48-4F4D-B8B3-4E99FC415FF9}"/>
               </a:ext>
             </a:extLst>
           </p:cNvPr>
@@ -3117,7 +2962,7 @@
           <p:cNvPr id="2" name="Date Placeholder 1">
             <a:extLst>
               <a:ext uri="{FF2B5EF4-FFF2-40B4-BE49-F238E27FC236}">
-                <a16:creationId xmlns:a16="http://schemas.microsoft.com/office/drawing/2014/main" id="{C7F98E25-CF37-4F73-9E22-210238167867}"/>
+                <a16:creationId xmlns:a16="http://schemas.microsoft.com/office/drawing/2014/main" xmlns="" id="{C7F98E25-CF37-4F73-9E22-210238167867}"/>
               </a:ext>
             </a:extLst>
           </p:cNvPr>
@@ -3135,7 +2980,7 @@
           <a:p>
             <a:fld id="{5D6495F3-B757-4FAF-98AA-EDA7D1485485}" type="datetimeFigureOut">
               <a:rPr lang="en-US" smtClean="0"/>
-              <a:t>5/4/2019</a:t>
+              <a:t>5/8/2019</a:t>
             </a:fld>
             <a:endParaRPr lang="en-US"/>
           </a:p>
@@ -3146,7 +2991,7 @@
           <p:cNvPr id="3" name="Footer Placeholder 2">
             <a:extLst>
               <a:ext uri="{FF2B5EF4-FFF2-40B4-BE49-F238E27FC236}">
-                <a16:creationId xmlns:a16="http://schemas.microsoft.com/office/drawing/2014/main" id="{89D7A0E1-38AB-4FDA-8EC1-2D7617909C16}"/>
+                <a16:creationId xmlns:a16="http://schemas.microsoft.com/office/drawing/2014/main" xmlns="" id="{89D7A0E1-38AB-4FDA-8EC1-2D7617909C16}"/>
               </a:ext>
             </a:extLst>
           </p:cNvPr>
@@ -3171,7 +3016,7 @@
           <p:cNvPr id="4" name="Slide Number Placeholder 3">
             <a:extLst>
               <a:ext uri="{FF2B5EF4-FFF2-40B4-BE49-F238E27FC236}">
-                <a16:creationId xmlns:a16="http://schemas.microsoft.com/office/drawing/2014/main" id="{18A8E424-5A91-4557-9ADF-4A9422A0690D}"/>
+                <a16:creationId xmlns:a16="http://schemas.microsoft.com/office/drawing/2014/main" xmlns="" id="{18A8E424-5A91-4557-9ADF-4A9422A0690D}"/>
               </a:ext>
             </a:extLst>
           </p:cNvPr>
@@ -3230,7 +3075,7 @@
           <p:cNvPr id="2" name="Title 1">
             <a:extLst>
               <a:ext uri="{FF2B5EF4-FFF2-40B4-BE49-F238E27FC236}">
-                <a16:creationId xmlns:a16="http://schemas.microsoft.com/office/drawing/2014/main" id="{006BB935-0427-44CC-A384-333EAD83175F}"/>
+                <a16:creationId xmlns:a16="http://schemas.microsoft.com/office/drawing/2014/main" xmlns="" id="{006BB935-0427-44CC-A384-333EAD83175F}"/>
               </a:ext>
             </a:extLst>
           </p:cNvPr>
@@ -3268,7 +3113,7 @@
           <p:cNvPr id="3" name="Content Placeholder 2">
             <a:extLst>
               <a:ext uri="{FF2B5EF4-FFF2-40B4-BE49-F238E27FC236}">
-                <a16:creationId xmlns:a16="http://schemas.microsoft.com/office/drawing/2014/main" id="{CCB9DCF6-55CF-43EE-B135-BFC4B4D403CE}"/>
+                <a16:creationId xmlns:a16="http://schemas.microsoft.com/office/drawing/2014/main" xmlns="" id="{CCB9DCF6-55CF-43EE-B135-BFC4B4D403CE}"/>
               </a:ext>
             </a:extLst>
           </p:cNvPr>
@@ -3359,7 +3204,7 @@
           <p:cNvPr id="4" name="Text Placeholder 3">
             <a:extLst>
               <a:ext uri="{FF2B5EF4-FFF2-40B4-BE49-F238E27FC236}">
-                <a16:creationId xmlns:a16="http://schemas.microsoft.com/office/drawing/2014/main" id="{4337538E-A112-4E8F-A445-1A06B0C35309}"/>
+                <a16:creationId xmlns:a16="http://schemas.microsoft.com/office/drawing/2014/main" xmlns="" id="{4337538E-A112-4E8F-A445-1A06B0C35309}"/>
               </a:ext>
             </a:extLst>
           </p:cNvPr>
@@ -3430,7 +3275,7 @@
           <p:cNvPr id="5" name="Date Placeholder 4">
             <a:extLst>
               <a:ext uri="{FF2B5EF4-FFF2-40B4-BE49-F238E27FC236}">
-                <a16:creationId xmlns:a16="http://schemas.microsoft.com/office/drawing/2014/main" id="{E530D413-9505-4ED8-BFF1-5141BE9EE3C4}"/>
+                <a16:creationId xmlns:a16="http://schemas.microsoft.com/office/drawing/2014/main" xmlns="" id="{E530D413-9505-4ED8-BFF1-5141BE9EE3C4}"/>
               </a:ext>
             </a:extLst>
           </p:cNvPr>
@@ -3448,7 +3293,7 @@
           <a:p>
             <a:fld id="{5D6495F3-B757-4FAF-98AA-EDA7D1485485}" type="datetimeFigureOut">
               <a:rPr lang="en-US" smtClean="0"/>
-              <a:t>5/4/2019</a:t>
+              <a:t>5/8/2019</a:t>
             </a:fld>
             <a:endParaRPr lang="en-US"/>
           </a:p>
@@ -3459,7 +3304,7 @@
           <p:cNvPr id="6" name="Footer Placeholder 5">
             <a:extLst>
               <a:ext uri="{FF2B5EF4-FFF2-40B4-BE49-F238E27FC236}">
-                <a16:creationId xmlns:a16="http://schemas.microsoft.com/office/drawing/2014/main" id="{F60815B0-4528-4FA2-8472-8F19C0F1650D}"/>
+                <a16:creationId xmlns:a16="http://schemas.microsoft.com/office/drawing/2014/main" xmlns="" id="{F60815B0-4528-4FA2-8472-8F19C0F1650D}"/>
               </a:ext>
             </a:extLst>
           </p:cNvPr>
@@ -3484,7 +3329,7 @@
           <p:cNvPr id="7" name="Slide Number Placeholder 6">
             <a:extLst>
               <a:ext uri="{FF2B5EF4-FFF2-40B4-BE49-F238E27FC236}">
-                <a16:creationId xmlns:a16="http://schemas.microsoft.com/office/drawing/2014/main" id="{B5C9FCEF-4406-4552-BFE4-6DA3761357F2}"/>
+                <a16:creationId xmlns:a16="http://schemas.microsoft.com/office/drawing/2014/main" xmlns="" id="{B5C9FCEF-4406-4552-BFE4-6DA3761357F2}"/>
               </a:ext>
             </a:extLst>
           </p:cNvPr>
@@ -3543,7 +3388,7 @@
           <p:cNvPr id="2" name="Title 1">
             <a:extLst>
               <a:ext uri="{FF2B5EF4-FFF2-40B4-BE49-F238E27FC236}">
-                <a16:creationId xmlns:a16="http://schemas.microsoft.com/office/drawing/2014/main" id="{F25CE22C-69D4-49EC-8858-787B3C67B0DA}"/>
+                <a16:creationId xmlns:a16="http://schemas.microsoft.com/office/drawing/2014/main" xmlns="" id="{F25CE22C-69D4-49EC-8858-787B3C67B0DA}"/>
               </a:ext>
             </a:extLst>
           </p:cNvPr>
@@ -3581,7 +3426,7 @@
           <p:cNvPr id="3" name="Picture Placeholder 2">
             <a:extLst>
               <a:ext uri="{FF2B5EF4-FFF2-40B4-BE49-F238E27FC236}">
-                <a16:creationId xmlns:a16="http://schemas.microsoft.com/office/drawing/2014/main" id="{346A4341-3C0B-4025-AE17-8F0F8FABF5D3}"/>
+                <a16:creationId xmlns:a16="http://schemas.microsoft.com/office/drawing/2014/main" xmlns="" id="{346A4341-3C0B-4025-AE17-8F0F8FABF5D3}"/>
               </a:ext>
             </a:extLst>
           </p:cNvPr>
@@ -3652,7 +3497,7 @@
           <p:cNvPr id="4" name="Text Placeholder 3">
             <a:extLst>
               <a:ext uri="{FF2B5EF4-FFF2-40B4-BE49-F238E27FC236}">
-                <a16:creationId xmlns:a16="http://schemas.microsoft.com/office/drawing/2014/main" id="{DEF5FF01-E0B6-419C-ABCC-70844E4EACB8}"/>
+                <a16:creationId xmlns:a16="http://schemas.microsoft.com/office/drawing/2014/main" xmlns="" id="{DEF5FF01-E0B6-419C-ABCC-70844E4EACB8}"/>
               </a:ext>
             </a:extLst>
           </p:cNvPr>
@@ -3723,7 +3568,7 @@
           <p:cNvPr id="5" name="Date Placeholder 4">
             <a:extLst>
               <a:ext uri="{FF2B5EF4-FFF2-40B4-BE49-F238E27FC236}">
-                <a16:creationId xmlns:a16="http://schemas.microsoft.com/office/drawing/2014/main" id="{92501218-FFD7-4F25-B220-F5DE5F70693C}"/>
+                <a16:creationId xmlns:a16="http://schemas.microsoft.com/office/drawing/2014/main" xmlns="" id="{92501218-FFD7-4F25-B220-F5DE5F70693C}"/>
               </a:ext>
             </a:extLst>
           </p:cNvPr>
@@ -3741,7 +3586,7 @@
           <a:p>
             <a:fld id="{5D6495F3-B757-4FAF-98AA-EDA7D1485485}" type="datetimeFigureOut">
               <a:rPr lang="en-US" smtClean="0"/>
-              <a:t>5/4/2019</a:t>
+              <a:t>5/8/2019</a:t>
             </a:fld>
             <a:endParaRPr lang="en-US"/>
           </a:p>
@@ -3752,7 +3597,7 @@
           <p:cNvPr id="6" name="Footer Placeholder 5">
             <a:extLst>
               <a:ext uri="{FF2B5EF4-FFF2-40B4-BE49-F238E27FC236}">
-                <a16:creationId xmlns:a16="http://schemas.microsoft.com/office/drawing/2014/main" id="{9687CBFB-34A6-49D8-A1D2-45DF38876EED}"/>
+                <a16:creationId xmlns:a16="http://schemas.microsoft.com/office/drawing/2014/main" xmlns="" id="{9687CBFB-34A6-49D8-A1D2-45DF38876EED}"/>
               </a:ext>
             </a:extLst>
           </p:cNvPr>
@@ -3777,7 +3622,7 @@
           <p:cNvPr id="7" name="Slide Number Placeholder 6">
             <a:extLst>
               <a:ext uri="{FF2B5EF4-FFF2-40B4-BE49-F238E27FC236}">
-                <a16:creationId xmlns:a16="http://schemas.microsoft.com/office/drawing/2014/main" id="{0C2726A4-D33A-486A-B120-648AF3D8BA76}"/>
+                <a16:creationId xmlns:a16="http://schemas.microsoft.com/office/drawing/2014/main" xmlns="" id="{0C2726A4-D33A-486A-B120-648AF3D8BA76}"/>
               </a:ext>
             </a:extLst>
           </p:cNvPr>
@@ -3841,7 +3686,7 @@
           <p:cNvPr id="2" name="Title Placeholder 1">
             <a:extLst>
               <a:ext uri="{FF2B5EF4-FFF2-40B4-BE49-F238E27FC236}">
-                <a16:creationId xmlns:a16="http://schemas.microsoft.com/office/drawing/2014/main" id="{9C07C8C3-4165-4353-ABF2-492454AF91ED}"/>
+                <a16:creationId xmlns:a16="http://schemas.microsoft.com/office/drawing/2014/main" xmlns="" id="{9C07C8C3-4165-4353-ABF2-492454AF91ED}"/>
               </a:ext>
             </a:extLst>
           </p:cNvPr>
@@ -3880,7 +3725,7 @@
           <p:cNvPr id="3" name="Text Placeholder 2">
             <a:extLst>
               <a:ext uri="{FF2B5EF4-FFF2-40B4-BE49-F238E27FC236}">
-                <a16:creationId xmlns:a16="http://schemas.microsoft.com/office/drawing/2014/main" id="{289AA46A-3C66-4E4A-9907-225E50ABB7AE}"/>
+                <a16:creationId xmlns:a16="http://schemas.microsoft.com/office/drawing/2014/main" xmlns="" id="{289AA46A-3C66-4E4A-9907-225E50ABB7AE}"/>
               </a:ext>
             </a:extLst>
           </p:cNvPr>
@@ -3948,7 +3793,7 @@
           <p:cNvPr id="4" name="Date Placeholder 3">
             <a:extLst>
               <a:ext uri="{FF2B5EF4-FFF2-40B4-BE49-F238E27FC236}">
-                <a16:creationId xmlns:a16="http://schemas.microsoft.com/office/drawing/2014/main" id="{E57F8214-A11A-4309-9D51-44F35987D1BD}"/>
+                <a16:creationId xmlns:a16="http://schemas.microsoft.com/office/drawing/2014/main" xmlns="" id="{E57F8214-A11A-4309-9D51-44F35987D1BD}"/>
               </a:ext>
             </a:extLst>
           </p:cNvPr>
@@ -3984,7 +3829,7 @@
           <a:p>
             <a:fld id="{5D6495F3-B757-4FAF-98AA-EDA7D1485485}" type="datetimeFigureOut">
               <a:rPr lang="en-US" smtClean="0"/>
-              <a:t>5/4/2019</a:t>
+              <a:t>5/8/2019</a:t>
             </a:fld>
             <a:endParaRPr lang="en-US"/>
           </a:p>
@@ -3995,7 +3840,7 @@
           <p:cNvPr id="5" name="Footer Placeholder 4">
             <a:extLst>
               <a:ext uri="{FF2B5EF4-FFF2-40B4-BE49-F238E27FC236}">
-                <a16:creationId xmlns:a16="http://schemas.microsoft.com/office/drawing/2014/main" id="{D6A334EB-8260-4F13-9553-5A8593D9DC6B}"/>
+                <a16:creationId xmlns:a16="http://schemas.microsoft.com/office/drawing/2014/main" xmlns="" id="{D6A334EB-8260-4F13-9553-5A8593D9DC6B}"/>
               </a:ext>
             </a:extLst>
           </p:cNvPr>
@@ -4038,7 +3883,7 @@
           <p:cNvPr id="6" name="Slide Number Placeholder 5">
             <a:extLst>
               <a:ext uri="{FF2B5EF4-FFF2-40B4-BE49-F238E27FC236}">
-                <a16:creationId xmlns:a16="http://schemas.microsoft.com/office/drawing/2014/main" id="{00C1EF96-E028-4E68-864E-9B77CF9F25E0}"/>
+                <a16:creationId xmlns:a16="http://schemas.microsoft.com/office/drawing/2014/main" xmlns="" id="{00C1EF96-E028-4E68-864E-9B77CF9F25E0}"/>
               </a:ext>
             </a:extLst>
           </p:cNvPr>
@@ -4384,750 +4229,7 @@
 </p:sldMaster>
 </file>
 
-<file path=ppt/slideMasters/slideMaster2.xml><?xml version="1.0" encoding="utf-8"?>
-<p:sldMaster xmlns:a="http://schemas.openxmlformats.org/drawingml/2006/main" xmlns:r="http://schemas.openxmlformats.org/officeDocument/2006/relationships" xmlns:p="http://schemas.openxmlformats.org/presentationml/2006/main">
-  <p:cSld>
-    <p:bg>
-      <p:bgRef idx="1001">
-        <a:schemeClr val="bg1"/>
-      </p:bgRef>
-    </p:bg>
-    <p:spTree>
-      <p:nvGrpSpPr>
-        <p:cNvPr id="1" name=""/>
-        <p:cNvGrpSpPr/>
-        <p:nvPr/>
-      </p:nvGrpSpPr>
-      <p:grpSpPr>
-        <a:xfrm>
-          <a:off x="0" y="0"/>
-          <a:ext cx="0" cy="0"/>
-          <a:chOff x="0" y="0"/>
-          <a:chExt cx="0" cy="0"/>
-        </a:xfrm>
-      </p:grpSpPr>
-      <p:sp>
-        <p:nvSpPr>
-          <p:cNvPr id="2" name="Title Placeholder 1"/>
-          <p:cNvSpPr>
-            <a:spLocks noGrp="1"/>
-          </p:cNvSpPr>
-          <p:nvPr>
-            <p:ph type="title"/>
-          </p:nvPr>
-        </p:nvSpPr>
-        <p:spPr>
-          <a:xfrm>
-            <a:off x="838200" y="365125"/>
-            <a:ext cx="10515600" cy="1325563"/>
-          </a:xfrm>
-          <a:prstGeom prst="rect">
-            <a:avLst/>
-          </a:prstGeom>
-        </p:spPr>
-        <p:txBody>
-          <a:bodyPr vert="horz" lIns="91440" tIns="45720" rIns="91440" bIns="45720" rtlCol="0" anchor="ctr">
-            <a:normAutofit/>
-          </a:bodyPr>
-          <a:lstStyle/>
-          <a:p>
-            <a:r>
-              <a:rPr lang="en-US"/>
-              <a:t>Click to edit Master title style</a:t>
-            </a:r>
-          </a:p>
-        </p:txBody>
-      </p:sp>
-      <p:sp>
-        <p:nvSpPr>
-          <p:cNvPr id="3" name="Text Placeholder 2"/>
-          <p:cNvSpPr>
-            <a:spLocks noGrp="1"/>
-          </p:cNvSpPr>
-          <p:nvPr>
-            <p:ph type="body" idx="1"/>
-          </p:nvPr>
-        </p:nvSpPr>
-        <p:spPr>
-          <a:xfrm>
-            <a:off x="838200" y="1825625"/>
-            <a:ext cx="10515600" cy="4351338"/>
-          </a:xfrm>
-          <a:prstGeom prst="rect">
-            <a:avLst/>
-          </a:prstGeom>
-        </p:spPr>
-        <p:txBody>
-          <a:bodyPr vert="horz" lIns="91440" tIns="45720" rIns="91440" bIns="45720" rtlCol="0">
-            <a:normAutofit/>
-          </a:bodyPr>
-          <a:lstStyle/>
-          <a:p>
-            <a:pPr lvl="0"/>
-            <a:r>
-              <a:rPr lang="en-US"/>
-              <a:t>Edit Master text styles</a:t>
-            </a:r>
-          </a:p>
-          <a:p>
-            <a:pPr lvl="1"/>
-            <a:r>
-              <a:rPr lang="en-US"/>
-              <a:t>Second level</a:t>
-            </a:r>
-          </a:p>
-          <a:p>
-            <a:pPr lvl="2"/>
-            <a:r>
-              <a:rPr lang="en-US"/>
-              <a:t>Third level</a:t>
-            </a:r>
-          </a:p>
-          <a:p>
-            <a:pPr lvl="3"/>
-            <a:r>
-              <a:rPr lang="en-US"/>
-              <a:t>Fourth level</a:t>
-            </a:r>
-          </a:p>
-          <a:p>
-            <a:pPr lvl="4"/>
-            <a:r>
-              <a:rPr lang="en-US"/>
-              <a:t>Fifth level</a:t>
-            </a:r>
-          </a:p>
-        </p:txBody>
-      </p:sp>
-      <p:sp>
-        <p:nvSpPr>
-          <p:cNvPr id="4" name="Date Placeholder 3"/>
-          <p:cNvSpPr>
-            <a:spLocks noGrp="1"/>
-          </p:cNvSpPr>
-          <p:nvPr>
-            <p:ph type="dt" sz="half" idx="2"/>
-          </p:nvPr>
-        </p:nvSpPr>
-        <p:spPr>
-          <a:xfrm>
-            <a:off x="838200" y="6356350"/>
-            <a:ext cx="2743200" cy="365125"/>
-          </a:xfrm>
-          <a:prstGeom prst="rect">
-            <a:avLst/>
-          </a:prstGeom>
-        </p:spPr>
-        <p:txBody>
-          <a:bodyPr vert="horz" lIns="91440" tIns="45720" rIns="91440" bIns="45720" rtlCol="0" anchor="ctr"/>
-          <a:lstStyle>
-            <a:lvl1pPr algn="l">
-              <a:defRPr sz="1200">
-                <a:solidFill>
-                  <a:schemeClr val="tx1">
-                    <a:tint val="75000"/>
-                  </a:schemeClr>
-                </a:solidFill>
-              </a:defRPr>
-            </a:lvl1pPr>
-          </a:lstStyle>
-          <a:p>
-            <a:fld id="{3652CD92-9D15-43B4-8516-073FCDAC90D4}" type="datetimeFigureOut">
-              <a:rPr lang="en-US" smtClean="0"/>
-              <a:t>5/4/2019</a:t>
-            </a:fld>
-            <a:endParaRPr lang="en-US"/>
-          </a:p>
-        </p:txBody>
-      </p:sp>
-      <p:sp>
-        <p:nvSpPr>
-          <p:cNvPr id="5" name="Footer Placeholder 4"/>
-          <p:cNvSpPr>
-            <a:spLocks noGrp="1"/>
-          </p:cNvSpPr>
-          <p:nvPr>
-            <p:ph type="ftr" sz="quarter" idx="3"/>
-          </p:nvPr>
-        </p:nvSpPr>
-        <p:spPr>
-          <a:xfrm>
-            <a:off x="4038600" y="6356350"/>
-            <a:ext cx="4114800" cy="365125"/>
-          </a:xfrm>
-          <a:prstGeom prst="rect">
-            <a:avLst/>
-          </a:prstGeom>
-        </p:spPr>
-        <p:txBody>
-          <a:bodyPr vert="horz" lIns="91440" tIns="45720" rIns="91440" bIns="45720" rtlCol="0" anchor="ctr"/>
-          <a:lstStyle>
-            <a:lvl1pPr algn="ctr">
-              <a:defRPr sz="1200">
-                <a:solidFill>
-                  <a:schemeClr val="tx1">
-                    <a:tint val="75000"/>
-                  </a:schemeClr>
-                </a:solidFill>
-              </a:defRPr>
-            </a:lvl1pPr>
-          </a:lstStyle>
-          <a:p>
-            <a:endParaRPr lang="en-US"/>
-          </a:p>
-        </p:txBody>
-      </p:sp>
-      <p:sp>
-        <p:nvSpPr>
-          <p:cNvPr id="6" name="Slide Number Placeholder 5"/>
-          <p:cNvSpPr>
-            <a:spLocks noGrp="1"/>
-          </p:cNvSpPr>
-          <p:nvPr>
-            <p:ph type="sldNum" sz="quarter" idx="4"/>
-          </p:nvPr>
-        </p:nvSpPr>
-        <p:spPr>
-          <a:xfrm>
-            <a:off x="8610600" y="6356350"/>
-            <a:ext cx="2743200" cy="365125"/>
-          </a:xfrm>
-          <a:prstGeom prst="rect">
-            <a:avLst/>
-          </a:prstGeom>
-        </p:spPr>
-        <p:txBody>
-          <a:bodyPr vert="horz" lIns="91440" tIns="45720" rIns="91440" bIns="45720" rtlCol="0" anchor="ctr"/>
-          <a:lstStyle>
-            <a:lvl1pPr algn="r">
-              <a:defRPr sz="1200">
-                <a:solidFill>
-                  <a:schemeClr val="tx1">
-                    <a:tint val="75000"/>
-                  </a:schemeClr>
-                </a:solidFill>
-              </a:defRPr>
-            </a:lvl1pPr>
-          </a:lstStyle>
-          <a:p>
-            <a:fld id="{475E1560-7126-406C-A531-3A398E8D0EEA}" type="slidenum">
-              <a:rPr lang="en-US" smtClean="0"/>
-              <a:t>‹Nº›</a:t>
-            </a:fld>
-            <a:endParaRPr lang="en-US"/>
-          </a:p>
-        </p:txBody>
-      </p:sp>
-    </p:spTree>
-    <p:extLst>
-      <p:ext uri="{BB962C8B-B14F-4D97-AF65-F5344CB8AC3E}">
-        <p14:creationId xmlns:p14="http://schemas.microsoft.com/office/powerpoint/2010/main" val="3184122265"/>
-      </p:ext>
-    </p:extLst>
-  </p:cSld>
-  <p:clrMap bg1="lt1" tx1="dk1" bg2="lt2" tx2="dk2" accent1="accent1" accent2="accent2" accent3="accent3" accent4="accent4" accent5="accent5" accent6="accent6" hlink="hlink" folHlink="folHlink"/>
-  <p:sldLayoutIdLst>
-    <p:sldLayoutId id="2147483661" r:id="rId1"/>
-  </p:sldLayoutIdLst>
-  <p:txStyles>
-    <p:titleStyle>
-      <a:lvl1pPr algn="l" defTabSz="914400" rtl="0" eaLnBrk="1" latinLnBrk="0" hangingPunct="1">
-        <a:lnSpc>
-          <a:spcPct val="90000"/>
-        </a:lnSpc>
-        <a:spcBef>
-          <a:spcPct val="0"/>
-        </a:spcBef>
-        <a:buNone/>
-        <a:defRPr sz="4400" kern="1200">
-          <a:solidFill>
-            <a:schemeClr val="tx1"/>
-          </a:solidFill>
-          <a:latin typeface="+mj-lt"/>
-          <a:ea typeface="+mj-ea"/>
-          <a:cs typeface="+mj-cs"/>
-        </a:defRPr>
-      </a:lvl1pPr>
-    </p:titleStyle>
-    <p:bodyStyle>
-      <a:lvl1pPr marL="228600" indent="-228600" algn="l" defTabSz="914400" rtl="0" eaLnBrk="1" latinLnBrk="0" hangingPunct="1">
-        <a:lnSpc>
-          <a:spcPct val="90000"/>
-        </a:lnSpc>
-        <a:spcBef>
-          <a:spcPts val="1000"/>
-        </a:spcBef>
-        <a:buFont typeface="Arial" panose="020B0604020202020204" pitchFamily="34" charset="0"/>
-        <a:buChar char="•"/>
-        <a:defRPr sz="2800" kern="1200">
-          <a:solidFill>
-            <a:schemeClr val="tx1"/>
-          </a:solidFill>
-          <a:latin typeface="+mn-lt"/>
-          <a:ea typeface="+mn-ea"/>
-          <a:cs typeface="+mn-cs"/>
-        </a:defRPr>
-      </a:lvl1pPr>
-      <a:lvl2pPr marL="685800" indent="-228600" algn="l" defTabSz="914400" rtl="0" eaLnBrk="1" latinLnBrk="0" hangingPunct="1">
-        <a:lnSpc>
-          <a:spcPct val="90000"/>
-        </a:lnSpc>
-        <a:spcBef>
-          <a:spcPts val="500"/>
-        </a:spcBef>
-        <a:buFont typeface="Arial" panose="020B0604020202020204" pitchFamily="34" charset="0"/>
-        <a:buChar char="•"/>
-        <a:defRPr sz="2400" kern="1200">
-          <a:solidFill>
-            <a:schemeClr val="tx1"/>
-          </a:solidFill>
-          <a:latin typeface="+mn-lt"/>
-          <a:ea typeface="+mn-ea"/>
-          <a:cs typeface="+mn-cs"/>
-        </a:defRPr>
-      </a:lvl2pPr>
-      <a:lvl3pPr marL="1143000" indent="-228600" algn="l" defTabSz="914400" rtl="0" eaLnBrk="1" latinLnBrk="0" hangingPunct="1">
-        <a:lnSpc>
-          <a:spcPct val="90000"/>
-        </a:lnSpc>
-        <a:spcBef>
-          <a:spcPts val="500"/>
-        </a:spcBef>
-        <a:buFont typeface="Arial" panose="020B0604020202020204" pitchFamily="34" charset="0"/>
-        <a:buChar char="•"/>
-        <a:defRPr sz="2000" kern="1200">
-          <a:solidFill>
-            <a:schemeClr val="tx1"/>
-          </a:solidFill>
-          <a:latin typeface="+mn-lt"/>
-          <a:ea typeface="+mn-ea"/>
-          <a:cs typeface="+mn-cs"/>
-        </a:defRPr>
-      </a:lvl3pPr>
-      <a:lvl4pPr marL="1600200" indent="-228600" algn="l" defTabSz="914400" rtl="0" eaLnBrk="1" latinLnBrk="0" hangingPunct="1">
-        <a:lnSpc>
-          <a:spcPct val="90000"/>
-        </a:lnSpc>
-        <a:spcBef>
-          <a:spcPts val="500"/>
-        </a:spcBef>
-        <a:buFont typeface="Arial" panose="020B0604020202020204" pitchFamily="34" charset="0"/>
-        <a:buChar char="•"/>
-        <a:defRPr sz="1800" kern="1200">
-          <a:solidFill>
-            <a:schemeClr val="tx1"/>
-          </a:solidFill>
-          <a:latin typeface="+mn-lt"/>
-          <a:ea typeface="+mn-ea"/>
-          <a:cs typeface="+mn-cs"/>
-        </a:defRPr>
-      </a:lvl4pPr>
-      <a:lvl5pPr marL="2057400" indent="-228600" algn="l" defTabSz="914400" rtl="0" eaLnBrk="1" latinLnBrk="0" hangingPunct="1">
-        <a:lnSpc>
-          <a:spcPct val="90000"/>
-        </a:lnSpc>
-        <a:spcBef>
-          <a:spcPts val="500"/>
-        </a:spcBef>
-        <a:buFont typeface="Arial" panose="020B0604020202020204" pitchFamily="34" charset="0"/>
-        <a:buChar char="•"/>
-        <a:defRPr sz="1800" kern="1200">
-          <a:solidFill>
-            <a:schemeClr val="tx1"/>
-          </a:solidFill>
-          <a:latin typeface="+mn-lt"/>
-          <a:ea typeface="+mn-ea"/>
-          <a:cs typeface="+mn-cs"/>
-        </a:defRPr>
-      </a:lvl5pPr>
-      <a:lvl6pPr marL="2514600" indent="-228600" algn="l" defTabSz="914400" rtl="0" eaLnBrk="1" latinLnBrk="0" hangingPunct="1">
-        <a:lnSpc>
-          <a:spcPct val="90000"/>
-        </a:lnSpc>
-        <a:spcBef>
-          <a:spcPts val="500"/>
-        </a:spcBef>
-        <a:buFont typeface="Arial" panose="020B0604020202020204" pitchFamily="34" charset="0"/>
-        <a:buChar char="•"/>
-        <a:defRPr sz="1800" kern="1200">
-          <a:solidFill>
-            <a:schemeClr val="tx1"/>
-          </a:solidFill>
-          <a:latin typeface="+mn-lt"/>
-          <a:ea typeface="+mn-ea"/>
-          <a:cs typeface="+mn-cs"/>
-        </a:defRPr>
-      </a:lvl6pPr>
-      <a:lvl7pPr marL="2971800" indent="-228600" algn="l" defTabSz="914400" rtl="0" eaLnBrk="1" latinLnBrk="0" hangingPunct="1">
-        <a:lnSpc>
-          <a:spcPct val="90000"/>
-        </a:lnSpc>
-        <a:spcBef>
-          <a:spcPts val="500"/>
-        </a:spcBef>
-        <a:buFont typeface="Arial" panose="020B0604020202020204" pitchFamily="34" charset="0"/>
-        <a:buChar char="•"/>
-        <a:defRPr sz="1800" kern="1200">
-          <a:solidFill>
-            <a:schemeClr val="tx1"/>
-          </a:solidFill>
-          <a:latin typeface="+mn-lt"/>
-          <a:ea typeface="+mn-ea"/>
-          <a:cs typeface="+mn-cs"/>
-        </a:defRPr>
-      </a:lvl7pPr>
-      <a:lvl8pPr marL="3429000" indent="-228600" algn="l" defTabSz="914400" rtl="0" eaLnBrk="1" latinLnBrk="0" hangingPunct="1">
-        <a:lnSpc>
-          <a:spcPct val="90000"/>
-        </a:lnSpc>
-        <a:spcBef>
-          <a:spcPts val="500"/>
-        </a:spcBef>
-        <a:buFont typeface="Arial" panose="020B0604020202020204" pitchFamily="34" charset="0"/>
-        <a:buChar char="•"/>
-        <a:defRPr sz="1800" kern="1200">
-          <a:solidFill>
-            <a:schemeClr val="tx1"/>
-          </a:solidFill>
-          <a:latin typeface="+mn-lt"/>
-          <a:ea typeface="+mn-ea"/>
-          <a:cs typeface="+mn-cs"/>
-        </a:defRPr>
-      </a:lvl8pPr>
-      <a:lvl9pPr marL="3886200" indent="-228600" algn="l" defTabSz="914400" rtl="0" eaLnBrk="1" latinLnBrk="0" hangingPunct="1">
-        <a:lnSpc>
-          <a:spcPct val="90000"/>
-        </a:lnSpc>
-        <a:spcBef>
-          <a:spcPts val="500"/>
-        </a:spcBef>
-        <a:buFont typeface="Arial" panose="020B0604020202020204" pitchFamily="34" charset="0"/>
-        <a:buChar char="•"/>
-        <a:defRPr sz="1800" kern="1200">
-          <a:solidFill>
-            <a:schemeClr val="tx1"/>
-          </a:solidFill>
-          <a:latin typeface="+mn-lt"/>
-          <a:ea typeface="+mn-ea"/>
-          <a:cs typeface="+mn-cs"/>
-        </a:defRPr>
-      </a:lvl9pPr>
-    </p:bodyStyle>
-    <p:otherStyle>
-      <a:defPPr>
-        <a:defRPr lang="en-US"/>
-      </a:defPPr>
-      <a:lvl1pPr marL="0" algn="l" defTabSz="914400" rtl="0" eaLnBrk="1" latinLnBrk="0" hangingPunct="1">
-        <a:defRPr sz="1800" kern="1200">
-          <a:solidFill>
-            <a:schemeClr val="tx1"/>
-          </a:solidFill>
-          <a:latin typeface="+mn-lt"/>
-          <a:ea typeface="+mn-ea"/>
-          <a:cs typeface="+mn-cs"/>
-        </a:defRPr>
-      </a:lvl1pPr>
-      <a:lvl2pPr marL="457200" algn="l" defTabSz="914400" rtl="0" eaLnBrk="1" latinLnBrk="0" hangingPunct="1">
-        <a:defRPr sz="1800" kern="1200">
-          <a:solidFill>
-            <a:schemeClr val="tx1"/>
-          </a:solidFill>
-          <a:latin typeface="+mn-lt"/>
-          <a:ea typeface="+mn-ea"/>
-          <a:cs typeface="+mn-cs"/>
-        </a:defRPr>
-      </a:lvl2pPr>
-      <a:lvl3pPr marL="914400" algn="l" defTabSz="914400" rtl="0" eaLnBrk="1" latinLnBrk="0" hangingPunct="1">
-        <a:defRPr sz="1800" kern="1200">
-          <a:solidFill>
-            <a:schemeClr val="tx1"/>
-          </a:solidFill>
-          <a:latin typeface="+mn-lt"/>
-          <a:ea typeface="+mn-ea"/>
-          <a:cs typeface="+mn-cs"/>
-        </a:defRPr>
-      </a:lvl3pPr>
-      <a:lvl4pPr marL="1371600" algn="l" defTabSz="914400" rtl="0" eaLnBrk="1" latinLnBrk="0" hangingPunct="1">
-        <a:defRPr sz="1800" kern="1200">
-          <a:solidFill>
-            <a:schemeClr val="tx1"/>
-          </a:solidFill>
-          <a:latin typeface="+mn-lt"/>
-          <a:ea typeface="+mn-ea"/>
-          <a:cs typeface="+mn-cs"/>
-        </a:defRPr>
-      </a:lvl4pPr>
-      <a:lvl5pPr marL="1828800" algn="l" defTabSz="914400" rtl="0" eaLnBrk="1" latinLnBrk="0" hangingPunct="1">
-        <a:defRPr sz="1800" kern="1200">
-          <a:solidFill>
-            <a:schemeClr val="tx1"/>
-          </a:solidFill>
-          <a:latin typeface="+mn-lt"/>
-          <a:ea typeface="+mn-ea"/>
-          <a:cs typeface="+mn-cs"/>
-        </a:defRPr>
-      </a:lvl5pPr>
-      <a:lvl6pPr marL="2286000" algn="l" defTabSz="914400" rtl="0" eaLnBrk="1" latinLnBrk="0" hangingPunct="1">
-        <a:defRPr sz="1800" kern="1200">
-          <a:solidFill>
-            <a:schemeClr val="tx1"/>
-          </a:solidFill>
-          <a:latin typeface="+mn-lt"/>
-          <a:ea typeface="+mn-ea"/>
-          <a:cs typeface="+mn-cs"/>
-        </a:defRPr>
-      </a:lvl6pPr>
-      <a:lvl7pPr marL="2743200" algn="l" defTabSz="914400" rtl="0" eaLnBrk="1" latinLnBrk="0" hangingPunct="1">
-        <a:defRPr sz="1800" kern="1200">
-          <a:solidFill>
-            <a:schemeClr val="tx1"/>
-          </a:solidFill>
-          <a:latin typeface="+mn-lt"/>
-          <a:ea typeface="+mn-ea"/>
-          <a:cs typeface="+mn-cs"/>
-        </a:defRPr>
-      </a:lvl7pPr>
-      <a:lvl8pPr marL="3200400" algn="l" defTabSz="914400" rtl="0" eaLnBrk="1" latinLnBrk="0" hangingPunct="1">
-        <a:defRPr sz="1800" kern="1200">
-          <a:solidFill>
-            <a:schemeClr val="tx1"/>
-          </a:solidFill>
-          <a:latin typeface="+mn-lt"/>
-          <a:ea typeface="+mn-ea"/>
-          <a:cs typeface="+mn-cs"/>
-        </a:defRPr>
-      </a:lvl8pPr>
-      <a:lvl9pPr marL="3657600" algn="l" defTabSz="914400" rtl="0" eaLnBrk="1" latinLnBrk="0" hangingPunct="1">
-        <a:defRPr sz="1800" kern="1200">
-          <a:solidFill>
-            <a:schemeClr val="tx1"/>
-          </a:solidFill>
-          <a:latin typeface="+mn-lt"/>
-          <a:ea typeface="+mn-ea"/>
-          <a:cs typeface="+mn-cs"/>
-        </a:defRPr>
-      </a:lvl9pPr>
-    </p:otherStyle>
-  </p:txStyles>
-</p:sldMaster>
-</file>
-
 <file path=ppt/slides/slide1.xml><?xml version="1.0" encoding="utf-8"?>
-<p:sld xmlns:a="http://schemas.openxmlformats.org/drawingml/2006/main" xmlns:r="http://schemas.openxmlformats.org/officeDocument/2006/relationships" xmlns:p="http://schemas.openxmlformats.org/presentationml/2006/main" show="0">
-  <p:cSld>
-    <p:spTree>
-      <p:nvGrpSpPr>
-        <p:cNvPr id="1" name=""/>
-        <p:cNvGrpSpPr/>
-        <p:nvPr/>
-      </p:nvGrpSpPr>
-      <p:grpSpPr>
-        <a:xfrm>
-          <a:off x="0" y="0"/>
-          <a:ext cx="0" cy="0"/>
-          <a:chOff x="0" y="0"/>
-          <a:chExt cx="0" cy="0"/>
-        </a:xfrm>
-      </p:grpSpPr>
-      <p:sp>
-        <p:nvSpPr>
-          <p:cNvPr id="4" name="Title 1">
-            <a:extLst>
-              <a:ext uri="{FF2B5EF4-FFF2-40B4-BE49-F238E27FC236}">
-                <a16:creationId xmlns:a16="http://schemas.microsoft.com/office/drawing/2014/main" id="{145CA327-20E6-4148-805B-D5FAC834A12F}"/>
-              </a:ext>
-            </a:extLst>
-          </p:cNvPr>
-          <p:cNvSpPr>
-            <a:spLocks noGrp="1"/>
-          </p:cNvSpPr>
-          <p:nvPr>
-            <p:ph type="title"/>
-          </p:nvPr>
-        </p:nvSpPr>
-        <p:spPr/>
-        <p:txBody>
-          <a:bodyPr/>
-          <a:lstStyle/>
-          <a:p>
-            <a:r>
-              <a:rPr lang="en-US" dirty="0">
-                <a:latin typeface="Segoe UI Light" panose="020B0702040204020203" pitchFamily="34" charset="0"/>
-                <a:ea typeface="Segoe UI Light" panose="020B0702040204020203" pitchFamily="34" charset="0"/>
-                <a:cs typeface="Segoe UI" panose="020B0502040204020203" pitchFamily="34" charset="0"/>
-              </a:rPr>
-              <a:t>Aquí está el esquema para empezar</a:t>
-            </a:r>
-          </a:p>
-        </p:txBody>
-      </p:sp>
-      <p:sp>
-        <p:nvSpPr>
-          <p:cNvPr id="20" name="Text 2"/>
-          <p:cNvSpPr/>
-          <p:nvPr/>
-        </p:nvSpPr>
-        <p:spPr>
-          <a:xfrm>
-            <a:off x="838200" y="1461299"/>
-            <a:ext cx="10462846" cy="415498"/>
-          </a:xfrm>
-          <a:prstGeom prst="rect">
-            <a:avLst/>
-          </a:prstGeom>
-        </p:spPr>
-        <p:txBody>
-          <a:bodyPr wrap="square">
-            <a:spAutoFit/>
-          </a:bodyPr>
-          <a:lstStyle/>
-          <a:p>
-            <a:pPr>
-              <a:lnSpc>
-                <a:spcPct val="150000"/>
-              </a:lnSpc>
-            </a:pPr>
-            <a:r>
-              <a:rPr lang="en-US" sz="1400" dirty="0">
-                <a:solidFill>
-                  <a:srgbClr val="D24726"/>
-                </a:solidFill>
-                <a:latin typeface="Segoe UI Semibold" panose="020B0702040204020203" pitchFamily="34" charset="0"/>
-                <a:ea typeface="Segoe UI Semibold" panose="020B0702040204020203" pitchFamily="34" charset="0"/>
-                <a:cs typeface="Segoe UI" panose="020B0502040204020203" pitchFamily="34" charset="0"/>
-              </a:rPr>
-              <a:t>Hechos clave acerca de su tema</a:t>
-            </a:r>
-          </a:p>
-        </p:txBody>
-      </p:sp>
-      <p:sp>
-        <p:nvSpPr>
-          <p:cNvPr id="21" name="Content Placeholder 2"/>
-          <p:cNvSpPr txBox="1">
-            <a:spLocks/>
-          </p:cNvSpPr>
-          <p:nvPr/>
-        </p:nvSpPr>
-        <p:spPr>
-          <a:xfrm>
-            <a:off x="850250" y="1876798"/>
-            <a:ext cx="10465450" cy="4000000"/>
-          </a:xfrm>
-          <a:prstGeom prst="rect">
-            <a:avLst/>
-          </a:prstGeom>
-          <a:ln w="57150">
-            <a:noFill/>
-          </a:ln>
-        </p:spPr>
-        <p:txBody>
-          <a:bodyPr vert="horz" lIns="91440" tIns="45720" rIns="91440" bIns="45720" numCol="1" rtlCol="0" anchor="t">
-            <a:normAutofit/>
-          </a:bodyPr>
-          <a:lstStyle/>
-          <a:p>
-            <a:pPr marL="0" indent="0">
-              <a:lnSpc>
-                <a:spcPct val="150000"/>
-              </a:lnSpc>
-              <a:spcBef>
-                <a:spcPts val="0"/>
-              </a:spcBef>
-              <a:buFont typeface="Arial" panose="020B0604020202020204" pitchFamily="34" charset="0"/>
-              <a:buNone/>
-            </a:pPr>
-            <a:r>
-              <a:rPr lang="en-US" sz="1400" dirty="0">
-                <a:solidFill>
-                  <a:schemeClr val="tx1">
-                    <a:lumMod val="65000"/>
-                    <a:lumOff val="35000"/>
-                  </a:schemeClr>
-                </a:solidFill>
-                <a:latin typeface="Segoe UI Semilight" panose="020B0402040204020203" pitchFamily="34" charset="0"/>
-                <a:ea typeface="Segoe UI" panose="020B0502040204020203" pitchFamily="34" charset="0"/>
-                <a:cs typeface="Segoe UI Semilight" panose="020B0402040204020203" pitchFamily="34" charset="0"/>
-              </a:rPr>
-              <a:t>Un centro de llamadas es un área donde agentes, asesores, supervisores o ejecutivos, especialmente entrenados, realizan llamadas o reciben llamadas desde o hacia: clientes, socios comerciales, compañías asociadas u otros.</a:t>
-            </a:r>
-          </a:p>
-        </p:txBody>
-      </p:sp>
-      <p:sp>
-        <p:nvSpPr>
-          <p:cNvPr id="22" name="Footer Placeholder 2"/>
-          <p:cNvSpPr>
-            <a:spLocks noGrp="1"/>
-          </p:cNvSpPr>
-          <p:nvPr>
-            <p:ph type="ftr" sz="quarter" idx="11"/>
-          </p:nvPr>
-        </p:nvSpPr>
-        <p:spPr>
-          <a:xfrm>
-            <a:off x="838199" y="6229028"/>
-            <a:ext cx="5779169" cy="365125"/>
-          </a:xfrm>
-        </p:spPr>
-        <p:txBody>
-          <a:bodyPr/>
-          <a:lstStyle/>
-          <a:p>
-            <a:pPr algn="l"/>
-            <a:r>
-              <a:rPr lang="en-US" dirty="0">
-                <a:solidFill>
-                  <a:schemeClr val="tx2"/>
-                </a:solidFill>
-                <a:latin typeface="Segoe UI" panose="020B0502040204020203" pitchFamily="34" charset="0"/>
-                <a:ea typeface="Segoe UI" panose="020B0502040204020203" pitchFamily="34" charset="0"/>
-                <a:cs typeface="Segoe UI" panose="020B0502040204020203" pitchFamily="34" charset="0"/>
-                <a:hlinkClick r:id="rId3"/>
-              </a:rPr>
-              <a:t>es.wikipedia.org</a:t>
-            </a:r>
-            <a:r>
-              <a:rPr lang="en-US" dirty="0">
-                <a:solidFill>
-                  <a:schemeClr val="tx2"/>
-                </a:solidFill>
-                <a:latin typeface="Segoe UI" panose="020B0502040204020203" pitchFamily="34" charset="0"/>
-                <a:ea typeface="Segoe UI" panose="020B0502040204020203" pitchFamily="34" charset="0"/>
-                <a:cs typeface="Segoe UI" panose="020B0502040204020203" pitchFamily="34" charset="0"/>
-              </a:rPr>
-              <a:t> - Texto bajo </a:t>
-            </a:r>
-            <a:r>
-              <a:rPr lang="en-US" dirty="0">
-                <a:solidFill>
-                  <a:schemeClr val="tx2"/>
-                </a:solidFill>
-                <a:latin typeface="Segoe UI" panose="020B0502040204020203" pitchFamily="34" charset="0"/>
-                <a:ea typeface="Segoe UI" panose="020B0502040204020203" pitchFamily="34" charset="0"/>
-                <a:cs typeface="Segoe UI" panose="020B0502040204020203" pitchFamily="34" charset="0"/>
-                <a:hlinkClick r:id="rId4"/>
-              </a:rPr>
-              <a:t>Licencia CC-BY-SA</a:t>
-            </a:r>
-            <a:endParaRPr lang="en-US" dirty="0"/>
-          </a:p>
-        </p:txBody>
-      </p:sp>
-    </p:spTree>
-    <p:extLst>
-      <p:ext uri="{BB962C8B-B14F-4D97-AF65-F5344CB8AC3E}">
-        <p14:creationId xmlns:p14="http://schemas.microsoft.com/office/powerpoint/2010/main" val="2730235238"/>
-      </p:ext>
-    </p:extLst>
-  </p:cSld>
-  <p:clrMapOvr>
-    <a:masterClrMapping/>
-  </p:clrMapOvr>
-</p:sld>
-</file>
-
-<file path=ppt/slides/slide10.xml><?xml version="1.0" encoding="utf-8"?>
 <p:sld xmlns:a="http://schemas.openxmlformats.org/drawingml/2006/main" xmlns:r="http://schemas.openxmlformats.org/officeDocument/2006/relationships" xmlns:p="http://schemas.openxmlformats.org/presentationml/2006/main">
   <p:cSld>
     <p:bg>
@@ -5154,317 +4256,13 @@
       </p:grpSpPr>
       <p:sp>
         <p:nvSpPr>
-          <p:cNvPr id="9" name="Rectangle 8">
-            <a:extLst>
-              <a:ext uri="{FF2B5EF4-FFF2-40B4-BE49-F238E27FC236}">
-                <a16:creationId xmlns:a16="http://schemas.microsoft.com/office/drawing/2014/main" id="{23962611-DFD5-4092-AAFD-559E3DFCE2C9}"/>
-              </a:ext>
-              <a:ext uri="{C183D7F6-B498-43B3-948B-1728B52AA6E4}">
-                <adec:decorative xmlns:adec="http://schemas.microsoft.com/office/drawing/2017/decorative" val="1"/>
-              </a:ext>
-            </a:extLst>
-          </p:cNvPr>
-          <p:cNvSpPr>
-            <a:spLocks noGrp="1" noRot="1" noChangeAspect="1" noMove="1" noResize="1" noEditPoints="1" noAdjustHandles="1" noChangeArrowheads="1" noChangeShapeType="1" noTextEdit="1"/>
-          </p:cNvSpPr>
-          <p:nvPr>
-            <p:extLst>
-              <p:ext uri="{386F3935-93C4-4BCD-93E2-E3B085C9AB24}">
-                <p16:designElem xmlns:p16="http://schemas.microsoft.com/office/powerpoint/2015/main" val="1"/>
-              </p:ext>
-            </p:extLst>
-          </p:nvPr>
-        </p:nvSpPr>
-        <p:spPr>
-          <a:xfrm>
-            <a:off x="475488" y="0"/>
-            <a:ext cx="10910292" cy="6858000"/>
-          </a:xfrm>
-          <a:prstGeom prst="rect">
-            <a:avLst/>
-          </a:prstGeom>
-          <a:gradFill>
-            <a:gsLst>
-              <a:gs pos="0">
-                <a:schemeClr val="accent1">
-                  <a:lumMod val="90000"/>
-                </a:schemeClr>
-              </a:gs>
-              <a:gs pos="25000">
-                <a:schemeClr val="accent1">
-                  <a:lumMod val="90000"/>
-                </a:schemeClr>
-              </a:gs>
-              <a:gs pos="94000">
-                <a:schemeClr val="bg2">
-                  <a:lumMod val="25000"/>
-                </a:schemeClr>
-              </a:gs>
-              <a:gs pos="100000">
-                <a:schemeClr val="bg2">
-                  <a:lumMod val="25000"/>
-                </a:schemeClr>
-              </a:gs>
-            </a:gsLst>
-            <a:lin ang="4200000" scaled="0"/>
-          </a:gradFill>
-          <a:ln>
-            <a:noFill/>
-          </a:ln>
-        </p:spPr>
-        <p:style>
-          <a:lnRef idx="2">
-            <a:schemeClr val="accent1">
-              <a:shade val="50000"/>
-            </a:schemeClr>
-          </a:lnRef>
-          <a:fillRef idx="1">
-            <a:schemeClr val="accent1"/>
-          </a:fillRef>
-          <a:effectRef idx="0">
-            <a:schemeClr val="accent1"/>
-          </a:effectRef>
-          <a:fontRef idx="minor">
-            <a:schemeClr val="lt1"/>
-          </a:fontRef>
-        </p:style>
-        <p:txBody>
-          <a:bodyPr rtlCol="0" anchor="ctr"/>
-          <a:lstStyle/>
-          <a:p>
-            <a:pPr algn="ctr"/>
-            <a:endParaRPr lang="en-US"/>
-          </a:p>
-        </p:txBody>
-      </p:sp>
-      <p:pic>
-        <p:nvPicPr>
-          <p:cNvPr id="11" name="Picture 10">
-            <a:extLst>
-              <a:ext uri="{FF2B5EF4-FFF2-40B4-BE49-F238E27FC236}">
-                <a16:creationId xmlns:a16="http://schemas.microsoft.com/office/drawing/2014/main" id="{2270F1FA-0425-408F-9861-80BF5AFB276D}"/>
-              </a:ext>
-              <a:ext uri="{C183D7F6-B498-43B3-948B-1728B52AA6E4}">
-                <adec:decorative xmlns:adec="http://schemas.microsoft.com/office/drawing/2017/decorative" val="1"/>
-              </a:ext>
-            </a:extLst>
-          </p:cNvPr>
-          <p:cNvPicPr>
-            <a:picLocks noGrp="1" noRot="1" noChangeAspect="1" noMove="1" noResize="1" noEditPoints="1" noAdjustHandles="1" noChangeArrowheads="1" noChangeShapeType="1" noCrop="1"/>
-          </p:cNvPicPr>
-          <p:nvPr>
-            <p:extLst>
-              <p:ext uri="{386F3935-93C4-4BCD-93E2-E3B085C9AB24}">
-                <p16:designElem xmlns:p16="http://schemas.microsoft.com/office/powerpoint/2015/main" val="1"/>
-              </p:ext>
-            </p:extLst>
-          </p:nvPr>
-        </p:nvPicPr>
-        <p:blipFill>
-          <a:blip r:embed="rId3">
-            <a:extLst>
-              <a:ext uri="{28A0092B-C50C-407E-A947-70E740481C1C}">
-                <a14:useLocalDpi xmlns:a14="http://schemas.microsoft.com/office/drawing/2010/main" val="0"/>
-              </a:ext>
-            </a:extLst>
-          </a:blip>
-          <a:stretch>
-            <a:fillRect/>
-          </a:stretch>
-        </p:blipFill>
-        <p:spPr>
-          <a:xfrm>
-            <a:off x="0" y="0"/>
-            <a:ext cx="12192000" cy="6858000"/>
-          </a:xfrm>
-          <a:prstGeom prst="rect">
-            <a:avLst/>
-          </a:prstGeom>
-        </p:spPr>
-      </p:pic>
-      <p:sp>
-        <p:nvSpPr>
-          <p:cNvPr id="2" name="Title 1"/>
-          <p:cNvSpPr>
-            <a:spLocks noGrp="1"/>
-          </p:cNvSpPr>
-          <p:nvPr>
-            <p:ph type="title"/>
-          </p:nvPr>
-        </p:nvSpPr>
-        <p:spPr>
-          <a:xfrm>
-            <a:off x="3045368" y="2043663"/>
-            <a:ext cx="6105194" cy="2031055"/>
-          </a:xfrm>
-        </p:spPr>
-        <p:txBody>
-          <a:bodyPr vert="horz" lIns="91440" tIns="45720" rIns="91440" bIns="45720" rtlCol="0" anchor="b">
-            <a:normAutofit/>
-          </a:bodyPr>
-          <a:lstStyle/>
-          <a:p>
-            <a:pPr algn="ctr"/>
-            <a:r>
-              <a:rPr lang="en-US" sz="6000" kern="1200">
-                <a:solidFill>
-                  <a:srgbClr val="FFFFFF"/>
-                </a:solidFill>
-                <a:latin typeface="+mj-lt"/>
-                <a:ea typeface="+mj-ea"/>
-                <a:cs typeface="+mj-cs"/>
-              </a:rPr>
-              <a:t>Explotación laboral</a:t>
-            </a:r>
-          </a:p>
-        </p:txBody>
-      </p:sp>
-      <p:sp>
-        <p:nvSpPr>
-          <p:cNvPr id="3" name="Content Placeholder 2"/>
-          <p:cNvSpPr>
-            <a:spLocks noGrp="1"/>
-          </p:cNvSpPr>
-          <p:nvPr>
-            <p:ph idx="1"/>
-          </p:nvPr>
-        </p:nvSpPr>
-        <p:spPr>
-          <a:xfrm>
-            <a:off x="3045368" y="4074718"/>
-            <a:ext cx="6105194" cy="682079"/>
-          </a:xfrm>
-        </p:spPr>
-        <p:txBody>
-          <a:bodyPr vert="horz" lIns="91440" tIns="45720" rIns="91440" bIns="45720" rtlCol="0">
-            <a:normAutofit/>
-          </a:bodyPr>
-          <a:lstStyle/>
-          <a:p>
-            <a:pPr marL="0" indent="0" algn="ctr">
-              <a:buNone/>
-            </a:pPr>
-            <a:r>
-              <a:rPr lang="en-US" sz="2000" kern="1200">
-                <a:solidFill>
-                  <a:srgbClr val="FFFFFF"/>
-                </a:solidFill>
-                <a:latin typeface="+mn-lt"/>
-                <a:ea typeface="+mn-ea"/>
-                <a:cs typeface="+mn-cs"/>
-              </a:rPr>
-              <a:t>Buscar en las notas de diapositiva siguientes temas a tener en cuenta para hablar</a:t>
-            </a:r>
-          </a:p>
-        </p:txBody>
-      </p:sp>
-    </p:spTree>
-    <p:extLst>
-      <p:ext uri="{BB962C8B-B14F-4D97-AF65-F5344CB8AC3E}">
-        <p14:creationId xmlns:p14="http://schemas.microsoft.com/office/powerpoint/2010/main" val="1675998307"/>
-      </p:ext>
-    </p:extLst>
-  </p:cSld>
-  <p:clrMapOvr>
-    <a:masterClrMapping/>
-  </p:clrMapOvr>
-</p:sld>
-</file>
-
-<file path=ppt/slides/slide11.xml><?xml version="1.0" encoding="utf-8"?>
-<p:sld xmlns:a="http://schemas.openxmlformats.org/drawingml/2006/main" xmlns:r="http://schemas.openxmlformats.org/officeDocument/2006/relationships" xmlns:p="http://schemas.openxmlformats.org/presentationml/2006/main">
-  <p:cSld>
-    <p:bg>
-      <p:bgPr>
-        <a:solidFill>
-          <a:schemeClr val="bg1"/>
-        </a:solidFill>
-        <a:effectLst/>
-      </p:bgPr>
-    </p:bg>
-    <p:spTree>
-      <p:nvGrpSpPr>
-        <p:cNvPr id="1" name=""/>
-        <p:cNvGrpSpPr/>
-        <p:nvPr/>
-      </p:nvGrpSpPr>
-      <p:grpSpPr>
-        <a:xfrm>
-          <a:off x="0" y="0"/>
-          <a:ext cx="0" cy="0"/>
-          <a:chOff x="0" y="0"/>
-          <a:chExt cx="0" cy="0"/>
-        </a:xfrm>
-      </p:grpSpPr>
-      <p:sp useBgFill="1">
-        <p:nvSpPr>
-          <p:cNvPr id="9" name="Rectangle 8">
-            <a:extLst>
-              <a:ext uri="{FF2B5EF4-FFF2-40B4-BE49-F238E27FC236}">
-                <a16:creationId xmlns:a16="http://schemas.microsoft.com/office/drawing/2014/main" id="{3B854194-185D-494D-905C-7C7CB2E30F6E}"/>
-              </a:ext>
-              <a:ext uri="{C183D7F6-B498-43B3-948B-1728B52AA6E4}">
-                <adec:decorative xmlns:adec="http://schemas.microsoft.com/office/drawing/2017/decorative" val="1"/>
-              </a:ext>
-            </a:extLst>
-          </p:cNvPr>
-          <p:cNvSpPr>
-            <a:spLocks noGrp="1" noRot="1" noChangeAspect="1" noMove="1" noResize="1" noEditPoints="1" noAdjustHandles="1" noChangeArrowheads="1" noChangeShapeType="1" noTextEdit="1"/>
-          </p:cNvSpPr>
-          <p:nvPr>
-            <p:extLst>
-              <p:ext uri="{386F3935-93C4-4BCD-93E2-E3B085C9AB24}">
-                <p16:designElem xmlns:p16="http://schemas.microsoft.com/office/powerpoint/2015/main" val="1"/>
-              </p:ext>
-            </p:extLst>
-          </p:nvPr>
-        </p:nvSpPr>
-        <p:spPr>
-          <a:xfrm>
-            <a:off x="1" y="0"/>
-            <a:ext cx="6082110" cy="6858000"/>
-          </a:xfrm>
-          <a:prstGeom prst="rect">
-            <a:avLst/>
-          </a:prstGeom>
-          <a:ln>
-            <a:noFill/>
-          </a:ln>
-        </p:spPr>
-        <p:style>
-          <a:lnRef idx="2">
-            <a:schemeClr val="accent1">
-              <a:shade val="50000"/>
-            </a:schemeClr>
-          </a:lnRef>
-          <a:fillRef idx="1">
-            <a:schemeClr val="accent1"/>
-          </a:fillRef>
-          <a:effectRef idx="0">
-            <a:schemeClr val="accent1"/>
-          </a:effectRef>
-          <a:fontRef idx="minor">
-            <a:schemeClr val="lt1"/>
-          </a:fontRef>
-        </p:style>
-        <p:txBody>
-          <a:bodyPr rtlCol="0" anchor="ctr"/>
-          <a:lstStyle/>
-          <a:p>
-            <a:pPr algn="ctr"/>
-            <a:endParaRPr lang="en-US"/>
-          </a:p>
-        </p:txBody>
-      </p:sp>
-      <p:sp>
-        <p:nvSpPr>
           <p:cNvPr id="11" name="Rectangle 10">
             <a:extLst>
               <a:ext uri="{FF2B5EF4-FFF2-40B4-BE49-F238E27FC236}">
-                <a16:creationId xmlns:a16="http://schemas.microsoft.com/office/drawing/2014/main" id="{B4F5FA0D-0104-4987-8241-EFF7C85B88DE}"/>
+                <a16:creationId xmlns:a16="http://schemas.microsoft.com/office/drawing/2014/main" xmlns="" id="{C0B27210-D0CA-4654-B3E3-9ABB4F178EA1}"/>
               </a:ext>
               <a:ext uri="{C183D7F6-B498-43B3-948B-1728B52AA6E4}">
-                <adec:decorative xmlns:adec="http://schemas.microsoft.com/office/drawing/2017/decorative" val="1"/>
+                <adec:decorative xmlns:adec="http://schemas.microsoft.com/office/drawing/2017/decorative" xmlns="" val="1"/>
               </a:ext>
             </a:extLst>
           </p:cNvPr>
@@ -5474,1111 +4272,7 @@
           <p:nvPr>
             <p:extLst>
               <p:ext uri="{386F3935-93C4-4BCD-93E2-E3B085C9AB24}">
-                <p16:designElem xmlns:p16="http://schemas.microsoft.com/office/powerpoint/2015/main" val="1"/>
-              </p:ext>
-            </p:extLst>
-          </p:nvPr>
-        </p:nvSpPr>
-        <p:spPr>
-          <a:xfrm>
-            <a:off x="1" y="0"/>
-            <a:ext cx="12191998" cy="6858000"/>
-          </a:xfrm>
-          <a:prstGeom prst="rect">
-            <a:avLst/>
-          </a:prstGeom>
-          <a:gradFill>
-            <a:gsLst>
-              <a:gs pos="0">
-                <a:schemeClr val="accent1">
-                  <a:lumMod val="90000"/>
-                </a:schemeClr>
-              </a:gs>
-              <a:gs pos="25000">
-                <a:schemeClr val="accent1">
-                  <a:lumMod val="90000"/>
-                </a:schemeClr>
-              </a:gs>
-              <a:gs pos="94000">
-                <a:schemeClr val="bg2">
-                  <a:lumMod val="25000"/>
-                </a:schemeClr>
-              </a:gs>
-              <a:gs pos="100000">
-                <a:schemeClr val="bg2">
-                  <a:lumMod val="25000"/>
-                </a:schemeClr>
-              </a:gs>
-            </a:gsLst>
-            <a:lin ang="4200000" scaled="0"/>
-          </a:gradFill>
-          <a:ln>
-            <a:noFill/>
-          </a:ln>
-        </p:spPr>
-        <p:style>
-          <a:lnRef idx="2">
-            <a:schemeClr val="accent1">
-              <a:shade val="50000"/>
-            </a:schemeClr>
-          </a:lnRef>
-          <a:fillRef idx="1">
-            <a:schemeClr val="accent1"/>
-          </a:fillRef>
-          <a:effectRef idx="0">
-            <a:schemeClr val="accent1"/>
-          </a:effectRef>
-          <a:fontRef idx="minor">
-            <a:schemeClr val="lt1"/>
-          </a:fontRef>
-        </p:style>
-        <p:txBody>
-          <a:bodyPr rtlCol="0" anchor="ctr"/>
-          <a:lstStyle/>
-          <a:p>
-            <a:pPr algn="ctr"/>
-            <a:endParaRPr lang="en-US"/>
-          </a:p>
-        </p:txBody>
-      </p:sp>
-      <p:pic>
-        <p:nvPicPr>
-          <p:cNvPr id="13" name="Picture 12">
-            <a:extLst>
-              <a:ext uri="{FF2B5EF4-FFF2-40B4-BE49-F238E27FC236}">
-                <a16:creationId xmlns:a16="http://schemas.microsoft.com/office/drawing/2014/main" id="{2897127E-6CEF-446C-BE87-93B7C46E49D1}"/>
-              </a:ext>
-              <a:ext uri="{C183D7F6-B498-43B3-948B-1728B52AA6E4}">
-                <adec:decorative xmlns:adec="http://schemas.microsoft.com/office/drawing/2017/decorative" val="1"/>
-              </a:ext>
-            </a:extLst>
-          </p:cNvPr>
-          <p:cNvPicPr>
-            <a:picLocks noGrp="1" noRot="1" noChangeAspect="1" noMove="1" noResize="1" noEditPoints="1" noAdjustHandles="1" noChangeArrowheads="1" noChangeShapeType="1" noCrop="1"/>
-          </p:cNvPicPr>
-          <p:nvPr>
-            <p:extLst>
-              <p:ext uri="{386F3935-93C4-4BCD-93E2-E3B085C9AB24}">
-                <p16:designElem xmlns:p16="http://schemas.microsoft.com/office/powerpoint/2015/main" val="1"/>
-              </p:ext>
-            </p:extLst>
-          </p:nvPr>
-        </p:nvPicPr>
-        <p:blipFill>
-          <a:blip r:embed="rId2">
-            <a:extLst>
-              <a:ext uri="{28A0092B-C50C-407E-A947-70E740481C1C}">
-                <a14:useLocalDpi xmlns:a14="http://schemas.microsoft.com/office/drawing/2010/main" val="0"/>
-              </a:ext>
-            </a:extLst>
-          </a:blip>
-          <a:stretch>
-            <a:fillRect/>
-          </a:stretch>
-        </p:blipFill>
-        <p:spPr>
-          <a:xfrm>
-            <a:off x="0" y="0"/>
-            <a:ext cx="12192000" cy="6858000"/>
-          </a:xfrm>
-          <a:prstGeom prst="rect">
-            <a:avLst/>
-          </a:prstGeom>
-        </p:spPr>
-      </p:pic>
-      <p:sp>
-        <p:nvSpPr>
-          <p:cNvPr id="2" name="Title 1"/>
-          <p:cNvSpPr>
-            <a:spLocks noGrp="1"/>
-          </p:cNvSpPr>
-          <p:nvPr>
-            <p:ph type="title"/>
-          </p:nvPr>
-        </p:nvSpPr>
-        <p:spPr>
-          <a:xfrm>
-            <a:off x="640079" y="2053641"/>
-            <a:ext cx="3669161" cy="2760098"/>
-          </a:xfrm>
-        </p:spPr>
-        <p:txBody>
-          <a:bodyPr>
-            <a:normAutofit/>
-          </a:bodyPr>
-          <a:lstStyle/>
-          <a:p>
-            <a:r>
-              <a:rPr lang="en-US">
-                <a:solidFill>
-                  <a:srgbClr val="FFFFFF"/>
-                </a:solidFill>
-              </a:rPr>
-              <a:t>Referencias</a:t>
-            </a:r>
-          </a:p>
-        </p:txBody>
-      </p:sp>
-      <p:sp>
-        <p:nvSpPr>
-          <p:cNvPr id="3" name="Content Placeholder 2"/>
-          <p:cNvSpPr>
-            <a:spLocks noGrp="1"/>
-          </p:cNvSpPr>
-          <p:nvPr>
-            <p:ph idx="1"/>
-          </p:nvPr>
-        </p:nvSpPr>
-        <p:spPr>
-          <a:xfrm>
-            <a:off x="6090574" y="801866"/>
-            <a:ext cx="5306084" cy="5230634"/>
-          </a:xfrm>
-        </p:spPr>
-        <p:txBody>
-          <a:bodyPr anchor="ctr">
-            <a:normAutofit/>
-          </a:bodyPr>
-          <a:lstStyle/>
-          <a:p>
-            <a:endParaRPr sz="2400">
-              <a:solidFill>
-                <a:srgbClr val="000000"/>
-              </a:solidFill>
-            </a:endParaRPr>
-          </a:p>
-        </p:txBody>
-      </p:sp>
-    </p:spTree>
-    <p:extLst>
-      <p:ext uri="{BB962C8B-B14F-4D97-AF65-F5344CB8AC3E}">
-        <p14:creationId xmlns:p14="http://schemas.microsoft.com/office/powerpoint/2010/main" val="2551170628"/>
-      </p:ext>
-    </p:extLst>
-  </p:cSld>
-  <p:clrMapOvr>
-    <a:masterClrMapping/>
-  </p:clrMapOvr>
-</p:sld>
-</file>
-
-<file path=ppt/slides/slide12.xml><?xml version="1.0" encoding="utf-8"?>
-<p:sld xmlns:a="http://schemas.openxmlformats.org/drawingml/2006/main" xmlns:r="http://schemas.openxmlformats.org/officeDocument/2006/relationships" xmlns:p="http://schemas.openxmlformats.org/presentationml/2006/main">
-  <p:cSld>
-    <p:bg>
-      <p:bgPr>
-        <a:solidFill>
-          <a:schemeClr val="bg1"/>
-        </a:solidFill>
-        <a:effectLst/>
-      </p:bgPr>
-    </p:bg>
-    <p:spTree>
-      <p:nvGrpSpPr>
-        <p:cNvPr id="1" name=""/>
-        <p:cNvGrpSpPr/>
-        <p:nvPr/>
-      </p:nvGrpSpPr>
-      <p:grpSpPr>
-        <a:xfrm>
-          <a:off x="0" y="0"/>
-          <a:ext cx="0" cy="0"/>
-          <a:chOff x="0" y="0"/>
-          <a:chExt cx="0" cy="0"/>
-        </a:xfrm>
-      </p:grpSpPr>
-      <p:sp useBgFill="1">
-        <p:nvSpPr>
-          <p:cNvPr id="9" name="Rectangle 8">
-            <a:extLst>
-              <a:ext uri="{FF2B5EF4-FFF2-40B4-BE49-F238E27FC236}">
-                <a16:creationId xmlns:a16="http://schemas.microsoft.com/office/drawing/2014/main" id="{3B854194-185D-494D-905C-7C7CB2E30F6E}"/>
-              </a:ext>
-              <a:ext uri="{C183D7F6-B498-43B3-948B-1728B52AA6E4}">
-                <adec:decorative xmlns:adec="http://schemas.microsoft.com/office/drawing/2017/decorative" val="1"/>
-              </a:ext>
-            </a:extLst>
-          </p:cNvPr>
-          <p:cNvSpPr>
-            <a:spLocks noGrp="1" noRot="1" noChangeAspect="1" noMove="1" noResize="1" noEditPoints="1" noAdjustHandles="1" noChangeArrowheads="1" noChangeShapeType="1" noTextEdit="1"/>
-          </p:cNvSpPr>
-          <p:nvPr>
-            <p:extLst>
-              <p:ext uri="{386F3935-93C4-4BCD-93E2-E3B085C9AB24}">
-                <p16:designElem xmlns:p16="http://schemas.microsoft.com/office/powerpoint/2015/main" val="1"/>
-              </p:ext>
-            </p:extLst>
-          </p:nvPr>
-        </p:nvSpPr>
-        <p:spPr>
-          <a:xfrm>
-            <a:off x="1" y="0"/>
-            <a:ext cx="6082110" cy="6858000"/>
-          </a:xfrm>
-          <a:prstGeom prst="rect">
-            <a:avLst/>
-          </a:prstGeom>
-          <a:ln>
-            <a:noFill/>
-          </a:ln>
-        </p:spPr>
-        <p:style>
-          <a:lnRef idx="2">
-            <a:schemeClr val="accent1">
-              <a:shade val="50000"/>
-            </a:schemeClr>
-          </a:lnRef>
-          <a:fillRef idx="1">
-            <a:schemeClr val="accent1"/>
-          </a:fillRef>
-          <a:effectRef idx="0">
-            <a:schemeClr val="accent1"/>
-          </a:effectRef>
-          <a:fontRef idx="minor">
-            <a:schemeClr val="lt1"/>
-          </a:fontRef>
-        </p:style>
-        <p:txBody>
-          <a:bodyPr rtlCol="0" anchor="ctr"/>
-          <a:lstStyle/>
-          <a:p>
-            <a:pPr algn="ctr"/>
-            <a:endParaRPr lang="en-US"/>
-          </a:p>
-        </p:txBody>
-      </p:sp>
-      <p:sp>
-        <p:nvSpPr>
-          <p:cNvPr id="11" name="Rectangle 10">
-            <a:extLst>
-              <a:ext uri="{FF2B5EF4-FFF2-40B4-BE49-F238E27FC236}">
-                <a16:creationId xmlns:a16="http://schemas.microsoft.com/office/drawing/2014/main" id="{B4F5FA0D-0104-4987-8241-EFF7C85B88DE}"/>
-              </a:ext>
-              <a:ext uri="{C183D7F6-B498-43B3-948B-1728B52AA6E4}">
-                <adec:decorative xmlns:adec="http://schemas.microsoft.com/office/drawing/2017/decorative" val="1"/>
-              </a:ext>
-            </a:extLst>
-          </p:cNvPr>
-          <p:cNvSpPr>
-            <a:spLocks noGrp="1" noRot="1" noChangeAspect="1" noMove="1" noResize="1" noEditPoints="1" noAdjustHandles="1" noChangeArrowheads="1" noChangeShapeType="1" noTextEdit="1"/>
-          </p:cNvSpPr>
-          <p:nvPr>
-            <p:extLst>
-              <p:ext uri="{386F3935-93C4-4BCD-93E2-E3B085C9AB24}">
-                <p16:designElem xmlns:p16="http://schemas.microsoft.com/office/powerpoint/2015/main" val="1"/>
-              </p:ext>
-            </p:extLst>
-          </p:nvPr>
-        </p:nvSpPr>
-        <p:spPr>
-          <a:xfrm>
-            <a:off x="1" y="0"/>
-            <a:ext cx="12191998" cy="6858000"/>
-          </a:xfrm>
-          <a:prstGeom prst="rect">
-            <a:avLst/>
-          </a:prstGeom>
-          <a:gradFill>
-            <a:gsLst>
-              <a:gs pos="0">
-                <a:schemeClr val="accent1">
-                  <a:lumMod val="90000"/>
-                </a:schemeClr>
-              </a:gs>
-              <a:gs pos="25000">
-                <a:schemeClr val="accent1">
-                  <a:lumMod val="90000"/>
-                </a:schemeClr>
-              </a:gs>
-              <a:gs pos="94000">
-                <a:schemeClr val="bg2">
-                  <a:lumMod val="25000"/>
-                </a:schemeClr>
-              </a:gs>
-              <a:gs pos="100000">
-                <a:schemeClr val="bg2">
-                  <a:lumMod val="25000"/>
-                </a:schemeClr>
-              </a:gs>
-            </a:gsLst>
-            <a:lin ang="4200000" scaled="0"/>
-          </a:gradFill>
-          <a:ln>
-            <a:noFill/>
-          </a:ln>
-        </p:spPr>
-        <p:style>
-          <a:lnRef idx="2">
-            <a:schemeClr val="accent1">
-              <a:shade val="50000"/>
-            </a:schemeClr>
-          </a:lnRef>
-          <a:fillRef idx="1">
-            <a:schemeClr val="accent1"/>
-          </a:fillRef>
-          <a:effectRef idx="0">
-            <a:schemeClr val="accent1"/>
-          </a:effectRef>
-          <a:fontRef idx="minor">
-            <a:schemeClr val="lt1"/>
-          </a:fontRef>
-        </p:style>
-        <p:txBody>
-          <a:bodyPr rtlCol="0" anchor="ctr"/>
-          <a:lstStyle/>
-          <a:p>
-            <a:pPr algn="ctr"/>
-            <a:endParaRPr lang="en-US"/>
-          </a:p>
-        </p:txBody>
-      </p:sp>
-      <p:pic>
-        <p:nvPicPr>
-          <p:cNvPr id="13" name="Picture 12">
-            <a:extLst>
-              <a:ext uri="{FF2B5EF4-FFF2-40B4-BE49-F238E27FC236}">
-                <a16:creationId xmlns:a16="http://schemas.microsoft.com/office/drawing/2014/main" id="{2897127E-6CEF-446C-BE87-93B7C46E49D1}"/>
-              </a:ext>
-              <a:ext uri="{C183D7F6-B498-43B3-948B-1728B52AA6E4}">
-                <adec:decorative xmlns:adec="http://schemas.microsoft.com/office/drawing/2017/decorative" val="1"/>
-              </a:ext>
-            </a:extLst>
-          </p:cNvPr>
-          <p:cNvPicPr>
-            <a:picLocks noGrp="1" noRot="1" noChangeAspect="1" noMove="1" noResize="1" noEditPoints="1" noAdjustHandles="1" noChangeArrowheads="1" noChangeShapeType="1" noCrop="1"/>
-          </p:cNvPicPr>
-          <p:nvPr>
-            <p:extLst>
-              <p:ext uri="{386F3935-93C4-4BCD-93E2-E3B085C9AB24}">
-                <p16:designElem xmlns:p16="http://schemas.microsoft.com/office/powerpoint/2015/main" val="1"/>
-              </p:ext>
-            </p:extLst>
-          </p:nvPr>
-        </p:nvPicPr>
-        <p:blipFill>
-          <a:blip r:embed="rId2">
-            <a:extLst>
-              <a:ext uri="{28A0092B-C50C-407E-A947-70E740481C1C}">
-                <a14:useLocalDpi xmlns:a14="http://schemas.microsoft.com/office/drawing/2010/main" val="0"/>
-              </a:ext>
-            </a:extLst>
-          </a:blip>
-          <a:stretch>
-            <a:fillRect/>
-          </a:stretch>
-        </p:blipFill>
-        <p:spPr>
-          <a:xfrm>
-            <a:off x="0" y="0"/>
-            <a:ext cx="12192000" cy="6858000"/>
-          </a:xfrm>
-          <a:prstGeom prst="rect">
-            <a:avLst/>
-          </a:prstGeom>
-        </p:spPr>
-      </p:pic>
-      <p:sp>
-        <p:nvSpPr>
-          <p:cNvPr id="2" name="Title 1"/>
-          <p:cNvSpPr>
-            <a:spLocks noGrp="1"/>
-          </p:cNvSpPr>
-          <p:nvPr>
-            <p:ph type="title"/>
-          </p:nvPr>
-        </p:nvSpPr>
-        <p:spPr>
-          <a:xfrm>
-            <a:off x="640079" y="2053641"/>
-            <a:ext cx="3669161" cy="2760098"/>
-          </a:xfrm>
-        </p:spPr>
-        <p:txBody>
-          <a:bodyPr>
-            <a:normAutofit/>
-          </a:bodyPr>
-          <a:lstStyle/>
-          <a:p>
-            <a:r>
-              <a:rPr lang="en-US">
-                <a:solidFill>
-                  <a:srgbClr val="FFFFFF"/>
-                </a:solidFill>
-              </a:rPr>
-              <a:t>Véase también</a:t>
-            </a:r>
-          </a:p>
-        </p:txBody>
-      </p:sp>
-      <p:sp>
-        <p:nvSpPr>
-          <p:cNvPr id="3" name="Content Placeholder 2"/>
-          <p:cNvSpPr>
-            <a:spLocks noGrp="1"/>
-          </p:cNvSpPr>
-          <p:nvPr>
-            <p:ph idx="1"/>
-          </p:nvPr>
-        </p:nvSpPr>
-        <p:spPr>
-          <a:xfrm>
-            <a:off x="6090574" y="801866"/>
-            <a:ext cx="5306084" cy="5230634"/>
-          </a:xfrm>
-        </p:spPr>
-        <p:txBody>
-          <a:bodyPr anchor="ctr">
-            <a:normAutofit/>
-          </a:bodyPr>
-          <a:lstStyle/>
-          <a:p>
-            <a:endParaRPr sz="2400">
-              <a:solidFill>
-                <a:srgbClr val="000000"/>
-              </a:solidFill>
-            </a:endParaRPr>
-          </a:p>
-        </p:txBody>
-      </p:sp>
-    </p:spTree>
-    <p:extLst>
-      <p:ext uri="{BB962C8B-B14F-4D97-AF65-F5344CB8AC3E}">
-        <p14:creationId xmlns:p14="http://schemas.microsoft.com/office/powerpoint/2010/main" val="3293575852"/>
-      </p:ext>
-    </p:extLst>
-  </p:cSld>
-  <p:clrMapOvr>
-    <a:masterClrMapping/>
-  </p:clrMapOvr>
-</p:sld>
-</file>
-
-<file path=ppt/slides/slide13.xml><?xml version="1.0" encoding="utf-8"?>
-<p:sld xmlns:a="http://schemas.openxmlformats.org/drawingml/2006/main" xmlns:r="http://schemas.openxmlformats.org/officeDocument/2006/relationships" xmlns:p="http://schemas.openxmlformats.org/presentationml/2006/main">
-  <p:cSld>
-    <p:bg>
-      <p:bgPr>
-        <a:solidFill>
-          <a:schemeClr val="bg1"/>
-        </a:solidFill>
-        <a:effectLst/>
-      </p:bgPr>
-    </p:bg>
-    <p:spTree>
-      <p:nvGrpSpPr>
-        <p:cNvPr id="1" name=""/>
-        <p:cNvGrpSpPr/>
-        <p:nvPr/>
-      </p:nvGrpSpPr>
-      <p:grpSpPr>
-        <a:xfrm>
-          <a:off x="0" y="0"/>
-          <a:ext cx="0" cy="0"/>
-          <a:chOff x="0" y="0"/>
-          <a:chExt cx="0" cy="0"/>
-        </a:xfrm>
-      </p:grpSpPr>
-      <p:sp useBgFill="1">
-        <p:nvSpPr>
-          <p:cNvPr id="9" name="Rectangle 8">
-            <a:extLst>
-              <a:ext uri="{FF2B5EF4-FFF2-40B4-BE49-F238E27FC236}">
-                <a16:creationId xmlns:a16="http://schemas.microsoft.com/office/drawing/2014/main" id="{3B854194-185D-494D-905C-7C7CB2E30F6E}"/>
-              </a:ext>
-              <a:ext uri="{C183D7F6-B498-43B3-948B-1728B52AA6E4}">
-                <adec:decorative xmlns:adec="http://schemas.microsoft.com/office/drawing/2017/decorative" val="1"/>
-              </a:ext>
-            </a:extLst>
-          </p:cNvPr>
-          <p:cNvSpPr>
-            <a:spLocks noGrp="1" noRot="1" noChangeAspect="1" noMove="1" noResize="1" noEditPoints="1" noAdjustHandles="1" noChangeArrowheads="1" noChangeShapeType="1" noTextEdit="1"/>
-          </p:cNvSpPr>
-          <p:nvPr>
-            <p:extLst>
-              <p:ext uri="{386F3935-93C4-4BCD-93E2-E3B085C9AB24}">
-                <p16:designElem xmlns:p16="http://schemas.microsoft.com/office/powerpoint/2015/main" val="1"/>
-              </p:ext>
-            </p:extLst>
-          </p:nvPr>
-        </p:nvSpPr>
-        <p:spPr>
-          <a:xfrm>
-            <a:off x="1" y="0"/>
-            <a:ext cx="6082110" cy="6858000"/>
-          </a:xfrm>
-          <a:prstGeom prst="rect">
-            <a:avLst/>
-          </a:prstGeom>
-          <a:ln>
-            <a:noFill/>
-          </a:ln>
-        </p:spPr>
-        <p:style>
-          <a:lnRef idx="2">
-            <a:schemeClr val="accent1">
-              <a:shade val="50000"/>
-            </a:schemeClr>
-          </a:lnRef>
-          <a:fillRef idx="1">
-            <a:schemeClr val="accent1"/>
-          </a:fillRef>
-          <a:effectRef idx="0">
-            <a:schemeClr val="accent1"/>
-          </a:effectRef>
-          <a:fontRef idx="minor">
-            <a:schemeClr val="lt1"/>
-          </a:fontRef>
-        </p:style>
-        <p:txBody>
-          <a:bodyPr rtlCol="0" anchor="ctr"/>
-          <a:lstStyle/>
-          <a:p>
-            <a:pPr algn="ctr"/>
-            <a:endParaRPr lang="en-US"/>
-          </a:p>
-        </p:txBody>
-      </p:sp>
-      <p:sp>
-        <p:nvSpPr>
-          <p:cNvPr id="11" name="Rectangle 10">
-            <a:extLst>
-              <a:ext uri="{FF2B5EF4-FFF2-40B4-BE49-F238E27FC236}">
-                <a16:creationId xmlns:a16="http://schemas.microsoft.com/office/drawing/2014/main" id="{B4F5FA0D-0104-4987-8241-EFF7C85B88DE}"/>
-              </a:ext>
-              <a:ext uri="{C183D7F6-B498-43B3-948B-1728B52AA6E4}">
-                <adec:decorative xmlns:adec="http://schemas.microsoft.com/office/drawing/2017/decorative" val="1"/>
-              </a:ext>
-            </a:extLst>
-          </p:cNvPr>
-          <p:cNvSpPr>
-            <a:spLocks noGrp="1" noRot="1" noChangeAspect="1" noMove="1" noResize="1" noEditPoints="1" noAdjustHandles="1" noChangeArrowheads="1" noChangeShapeType="1" noTextEdit="1"/>
-          </p:cNvSpPr>
-          <p:nvPr>
-            <p:extLst>
-              <p:ext uri="{386F3935-93C4-4BCD-93E2-E3B085C9AB24}">
-                <p16:designElem xmlns:p16="http://schemas.microsoft.com/office/powerpoint/2015/main" val="1"/>
-              </p:ext>
-            </p:extLst>
-          </p:nvPr>
-        </p:nvSpPr>
-        <p:spPr>
-          <a:xfrm>
-            <a:off x="1" y="0"/>
-            <a:ext cx="12191998" cy="6858000"/>
-          </a:xfrm>
-          <a:prstGeom prst="rect">
-            <a:avLst/>
-          </a:prstGeom>
-          <a:gradFill>
-            <a:gsLst>
-              <a:gs pos="0">
-                <a:schemeClr val="accent1">
-                  <a:lumMod val="90000"/>
-                </a:schemeClr>
-              </a:gs>
-              <a:gs pos="25000">
-                <a:schemeClr val="accent1">
-                  <a:lumMod val="90000"/>
-                </a:schemeClr>
-              </a:gs>
-              <a:gs pos="94000">
-                <a:schemeClr val="bg2">
-                  <a:lumMod val="25000"/>
-                </a:schemeClr>
-              </a:gs>
-              <a:gs pos="100000">
-                <a:schemeClr val="bg2">
-                  <a:lumMod val="25000"/>
-                </a:schemeClr>
-              </a:gs>
-            </a:gsLst>
-            <a:lin ang="4200000" scaled="0"/>
-          </a:gradFill>
-          <a:ln>
-            <a:noFill/>
-          </a:ln>
-        </p:spPr>
-        <p:style>
-          <a:lnRef idx="2">
-            <a:schemeClr val="accent1">
-              <a:shade val="50000"/>
-            </a:schemeClr>
-          </a:lnRef>
-          <a:fillRef idx="1">
-            <a:schemeClr val="accent1"/>
-          </a:fillRef>
-          <a:effectRef idx="0">
-            <a:schemeClr val="accent1"/>
-          </a:effectRef>
-          <a:fontRef idx="minor">
-            <a:schemeClr val="lt1"/>
-          </a:fontRef>
-        </p:style>
-        <p:txBody>
-          <a:bodyPr rtlCol="0" anchor="ctr"/>
-          <a:lstStyle/>
-          <a:p>
-            <a:pPr algn="ctr"/>
-            <a:endParaRPr lang="en-US"/>
-          </a:p>
-        </p:txBody>
-      </p:sp>
-      <p:pic>
-        <p:nvPicPr>
-          <p:cNvPr id="13" name="Picture 12">
-            <a:extLst>
-              <a:ext uri="{FF2B5EF4-FFF2-40B4-BE49-F238E27FC236}">
-                <a16:creationId xmlns:a16="http://schemas.microsoft.com/office/drawing/2014/main" id="{2897127E-6CEF-446C-BE87-93B7C46E49D1}"/>
-              </a:ext>
-              <a:ext uri="{C183D7F6-B498-43B3-948B-1728B52AA6E4}">
-                <adec:decorative xmlns:adec="http://schemas.microsoft.com/office/drawing/2017/decorative" val="1"/>
-              </a:ext>
-            </a:extLst>
-          </p:cNvPr>
-          <p:cNvPicPr>
-            <a:picLocks noGrp="1" noRot="1" noChangeAspect="1" noMove="1" noResize="1" noEditPoints="1" noAdjustHandles="1" noChangeArrowheads="1" noChangeShapeType="1" noCrop="1"/>
-          </p:cNvPicPr>
-          <p:nvPr>
-            <p:extLst>
-              <p:ext uri="{386F3935-93C4-4BCD-93E2-E3B085C9AB24}">
-                <p16:designElem xmlns:p16="http://schemas.microsoft.com/office/powerpoint/2015/main" val="1"/>
-              </p:ext>
-            </p:extLst>
-          </p:nvPr>
-        </p:nvPicPr>
-        <p:blipFill>
-          <a:blip r:embed="rId2">
-            <a:extLst>
-              <a:ext uri="{28A0092B-C50C-407E-A947-70E740481C1C}">
-                <a14:useLocalDpi xmlns:a14="http://schemas.microsoft.com/office/drawing/2010/main" val="0"/>
-              </a:ext>
-            </a:extLst>
-          </a:blip>
-          <a:stretch>
-            <a:fillRect/>
-          </a:stretch>
-        </p:blipFill>
-        <p:spPr>
-          <a:xfrm>
-            <a:off x="0" y="0"/>
-            <a:ext cx="12192000" cy="6858000"/>
-          </a:xfrm>
-          <a:prstGeom prst="rect">
-            <a:avLst/>
-          </a:prstGeom>
-        </p:spPr>
-      </p:pic>
-      <p:sp>
-        <p:nvSpPr>
-          <p:cNvPr id="2" name="Title 1"/>
-          <p:cNvSpPr>
-            <a:spLocks noGrp="1"/>
-          </p:cNvSpPr>
-          <p:nvPr>
-            <p:ph type="title"/>
-          </p:nvPr>
-        </p:nvSpPr>
-        <p:spPr>
-          <a:xfrm>
-            <a:off x="640079" y="2053641"/>
-            <a:ext cx="3669161" cy="2760098"/>
-          </a:xfrm>
-        </p:spPr>
-        <p:txBody>
-          <a:bodyPr>
-            <a:normAutofit/>
-          </a:bodyPr>
-          <a:lstStyle/>
-          <a:p>
-            <a:r>
-              <a:rPr lang="en-US">
-                <a:solidFill>
-                  <a:srgbClr val="FFFFFF"/>
-                </a:solidFill>
-              </a:rPr>
-              <a:t>Enlaces externos</a:t>
-            </a:r>
-          </a:p>
-        </p:txBody>
-      </p:sp>
-      <p:sp>
-        <p:nvSpPr>
-          <p:cNvPr id="3" name="Content Placeholder 2"/>
-          <p:cNvSpPr>
-            <a:spLocks noGrp="1"/>
-          </p:cNvSpPr>
-          <p:nvPr>
-            <p:ph idx="1"/>
-          </p:nvPr>
-        </p:nvSpPr>
-        <p:spPr>
-          <a:xfrm>
-            <a:off x="6090574" y="801866"/>
-            <a:ext cx="5306084" cy="5230634"/>
-          </a:xfrm>
-        </p:spPr>
-        <p:txBody>
-          <a:bodyPr anchor="ctr">
-            <a:normAutofit/>
-          </a:bodyPr>
-          <a:lstStyle/>
-          <a:p>
-            <a:endParaRPr sz="2400">
-              <a:solidFill>
-                <a:srgbClr val="000000"/>
-              </a:solidFill>
-            </a:endParaRPr>
-          </a:p>
-        </p:txBody>
-      </p:sp>
-    </p:spTree>
-    <p:extLst>
-      <p:ext uri="{BB962C8B-B14F-4D97-AF65-F5344CB8AC3E}">
-        <p14:creationId xmlns:p14="http://schemas.microsoft.com/office/powerpoint/2010/main" val="1607641492"/>
-      </p:ext>
-    </p:extLst>
-  </p:cSld>
-  <p:clrMapOvr>
-    <a:masterClrMapping/>
-  </p:clrMapOvr>
-</p:sld>
-</file>
-
-<file path=ppt/slides/slide14.xml><?xml version="1.0" encoding="utf-8"?>
-<p:sld xmlns:a="http://schemas.openxmlformats.org/drawingml/2006/main" xmlns:r="http://schemas.openxmlformats.org/officeDocument/2006/relationships" xmlns:p="http://schemas.openxmlformats.org/presentationml/2006/main">
-  <p:cSld>
-    <p:bg>
-      <p:bgPr>
-        <a:solidFill>
-          <a:schemeClr val="bg1"/>
-        </a:solidFill>
-        <a:effectLst/>
-      </p:bgPr>
-    </p:bg>
-    <p:spTree>
-      <p:nvGrpSpPr>
-        <p:cNvPr id="1" name=""/>
-        <p:cNvGrpSpPr/>
-        <p:nvPr/>
-      </p:nvGrpSpPr>
-      <p:grpSpPr>
-        <a:xfrm>
-          <a:off x="0" y="0"/>
-          <a:ext cx="0" cy="0"/>
-          <a:chOff x="0" y="0"/>
-          <a:chExt cx="0" cy="0"/>
-        </a:xfrm>
-      </p:grpSpPr>
-      <p:sp useBgFill="1">
-        <p:nvSpPr>
-          <p:cNvPr id="9" name="Rectangle 8">
-            <a:extLst>
-              <a:ext uri="{FF2B5EF4-FFF2-40B4-BE49-F238E27FC236}">
-                <a16:creationId xmlns:a16="http://schemas.microsoft.com/office/drawing/2014/main" id="{3B854194-185D-494D-905C-7C7CB2E30F6E}"/>
-              </a:ext>
-              <a:ext uri="{C183D7F6-B498-43B3-948B-1728B52AA6E4}">
-                <adec:decorative xmlns:adec="http://schemas.microsoft.com/office/drawing/2017/decorative" val="1"/>
-              </a:ext>
-            </a:extLst>
-          </p:cNvPr>
-          <p:cNvSpPr>
-            <a:spLocks noGrp="1" noRot="1" noChangeAspect="1" noMove="1" noResize="1" noEditPoints="1" noAdjustHandles="1" noChangeArrowheads="1" noChangeShapeType="1" noTextEdit="1"/>
-          </p:cNvSpPr>
-          <p:nvPr>
-            <p:extLst>
-              <p:ext uri="{386F3935-93C4-4BCD-93E2-E3B085C9AB24}">
-                <p16:designElem xmlns:p16="http://schemas.microsoft.com/office/powerpoint/2015/main" val="1"/>
-              </p:ext>
-            </p:extLst>
-          </p:nvPr>
-        </p:nvSpPr>
-        <p:spPr>
-          <a:xfrm>
-            <a:off x="1" y="0"/>
-            <a:ext cx="6082110" cy="6858000"/>
-          </a:xfrm>
-          <a:prstGeom prst="rect">
-            <a:avLst/>
-          </a:prstGeom>
-          <a:ln>
-            <a:noFill/>
-          </a:ln>
-        </p:spPr>
-        <p:style>
-          <a:lnRef idx="2">
-            <a:schemeClr val="accent1">
-              <a:shade val="50000"/>
-            </a:schemeClr>
-          </a:lnRef>
-          <a:fillRef idx="1">
-            <a:schemeClr val="accent1"/>
-          </a:fillRef>
-          <a:effectRef idx="0">
-            <a:schemeClr val="accent1"/>
-          </a:effectRef>
-          <a:fontRef idx="minor">
-            <a:schemeClr val="lt1"/>
-          </a:fontRef>
-        </p:style>
-        <p:txBody>
-          <a:bodyPr rtlCol="0" anchor="ctr"/>
-          <a:lstStyle/>
-          <a:p>
-            <a:pPr algn="ctr"/>
-            <a:endParaRPr lang="en-US"/>
-          </a:p>
-        </p:txBody>
-      </p:sp>
-      <p:sp>
-        <p:nvSpPr>
-          <p:cNvPr id="11" name="Rectangle 10">
-            <a:extLst>
-              <a:ext uri="{FF2B5EF4-FFF2-40B4-BE49-F238E27FC236}">
-                <a16:creationId xmlns:a16="http://schemas.microsoft.com/office/drawing/2014/main" id="{B4F5FA0D-0104-4987-8241-EFF7C85B88DE}"/>
-              </a:ext>
-              <a:ext uri="{C183D7F6-B498-43B3-948B-1728B52AA6E4}">
-                <adec:decorative xmlns:adec="http://schemas.microsoft.com/office/drawing/2017/decorative" val="1"/>
-              </a:ext>
-            </a:extLst>
-          </p:cNvPr>
-          <p:cNvSpPr>
-            <a:spLocks noGrp="1" noRot="1" noChangeAspect="1" noMove="1" noResize="1" noEditPoints="1" noAdjustHandles="1" noChangeArrowheads="1" noChangeShapeType="1" noTextEdit="1"/>
-          </p:cNvSpPr>
-          <p:nvPr>
-            <p:extLst>
-              <p:ext uri="{386F3935-93C4-4BCD-93E2-E3B085C9AB24}">
-                <p16:designElem xmlns:p16="http://schemas.microsoft.com/office/powerpoint/2015/main" val="1"/>
-              </p:ext>
-            </p:extLst>
-          </p:nvPr>
-        </p:nvSpPr>
-        <p:spPr>
-          <a:xfrm>
-            <a:off x="1" y="0"/>
-            <a:ext cx="12191998" cy="6858000"/>
-          </a:xfrm>
-          <a:prstGeom prst="rect">
-            <a:avLst/>
-          </a:prstGeom>
-          <a:gradFill>
-            <a:gsLst>
-              <a:gs pos="0">
-                <a:schemeClr val="accent1">
-                  <a:lumMod val="90000"/>
-                </a:schemeClr>
-              </a:gs>
-              <a:gs pos="25000">
-                <a:schemeClr val="accent1">
-                  <a:lumMod val="90000"/>
-                </a:schemeClr>
-              </a:gs>
-              <a:gs pos="94000">
-                <a:schemeClr val="bg2">
-                  <a:lumMod val="25000"/>
-                </a:schemeClr>
-              </a:gs>
-              <a:gs pos="100000">
-                <a:schemeClr val="bg2">
-                  <a:lumMod val="25000"/>
-                </a:schemeClr>
-              </a:gs>
-            </a:gsLst>
-            <a:lin ang="4200000" scaled="0"/>
-          </a:gradFill>
-          <a:ln>
-            <a:noFill/>
-          </a:ln>
-        </p:spPr>
-        <p:style>
-          <a:lnRef idx="2">
-            <a:schemeClr val="accent1">
-              <a:shade val="50000"/>
-            </a:schemeClr>
-          </a:lnRef>
-          <a:fillRef idx="1">
-            <a:schemeClr val="accent1"/>
-          </a:fillRef>
-          <a:effectRef idx="0">
-            <a:schemeClr val="accent1"/>
-          </a:effectRef>
-          <a:fontRef idx="minor">
-            <a:schemeClr val="lt1"/>
-          </a:fontRef>
-        </p:style>
-        <p:txBody>
-          <a:bodyPr rtlCol="0" anchor="ctr"/>
-          <a:lstStyle/>
-          <a:p>
-            <a:pPr algn="ctr"/>
-            <a:endParaRPr lang="en-US"/>
-          </a:p>
-        </p:txBody>
-      </p:sp>
-      <p:pic>
-        <p:nvPicPr>
-          <p:cNvPr id="13" name="Picture 12">
-            <a:extLst>
-              <a:ext uri="{FF2B5EF4-FFF2-40B4-BE49-F238E27FC236}">
-                <a16:creationId xmlns:a16="http://schemas.microsoft.com/office/drawing/2014/main" id="{2897127E-6CEF-446C-BE87-93B7C46E49D1}"/>
-              </a:ext>
-              <a:ext uri="{C183D7F6-B498-43B3-948B-1728B52AA6E4}">
-                <adec:decorative xmlns:adec="http://schemas.microsoft.com/office/drawing/2017/decorative" val="1"/>
-              </a:ext>
-            </a:extLst>
-          </p:cNvPr>
-          <p:cNvPicPr>
-            <a:picLocks noGrp="1" noRot="1" noChangeAspect="1" noMove="1" noResize="1" noEditPoints="1" noAdjustHandles="1" noChangeArrowheads="1" noChangeShapeType="1" noCrop="1"/>
-          </p:cNvPicPr>
-          <p:nvPr>
-            <p:extLst>
-              <p:ext uri="{386F3935-93C4-4BCD-93E2-E3B085C9AB24}">
-                <p16:designElem xmlns:p16="http://schemas.microsoft.com/office/powerpoint/2015/main" val="1"/>
-              </p:ext>
-            </p:extLst>
-          </p:nvPr>
-        </p:nvPicPr>
-        <p:blipFill>
-          <a:blip r:embed="rId2">
-            <a:extLst>
-              <a:ext uri="{28A0092B-C50C-407E-A947-70E740481C1C}">
-                <a14:useLocalDpi xmlns:a14="http://schemas.microsoft.com/office/drawing/2010/main" val="0"/>
-              </a:ext>
-            </a:extLst>
-          </a:blip>
-          <a:stretch>
-            <a:fillRect/>
-          </a:stretch>
-        </p:blipFill>
-        <p:spPr>
-          <a:xfrm>
-            <a:off x="0" y="0"/>
-            <a:ext cx="12192000" cy="6858000"/>
-          </a:xfrm>
-          <a:prstGeom prst="rect">
-            <a:avLst/>
-          </a:prstGeom>
-        </p:spPr>
-      </p:pic>
-      <p:sp>
-        <p:nvSpPr>
-          <p:cNvPr id="2" name="Title 1"/>
-          <p:cNvSpPr>
-            <a:spLocks noGrp="1"/>
-          </p:cNvSpPr>
-          <p:nvPr>
-            <p:ph type="title"/>
-          </p:nvPr>
-        </p:nvSpPr>
-        <p:spPr>
-          <a:xfrm>
-            <a:off x="640079" y="2053641"/>
-            <a:ext cx="3669161" cy="2760098"/>
-          </a:xfrm>
-        </p:spPr>
-        <p:txBody>
-          <a:bodyPr>
-            <a:normAutofit/>
-          </a:bodyPr>
-          <a:lstStyle/>
-          <a:p>
-            <a:r>
-              <a:rPr lang="en-US">
-                <a:solidFill>
-                  <a:srgbClr val="FFFFFF"/>
-                </a:solidFill>
-              </a:rPr>
-              <a:t>Trabajos citados</a:t>
-            </a:r>
-          </a:p>
-        </p:txBody>
-      </p:sp>
-      <p:sp>
-        <p:nvSpPr>
-          <p:cNvPr id="3" name="Content Placeholder 2"/>
-          <p:cNvSpPr>
-            <a:spLocks noGrp="1"/>
-          </p:cNvSpPr>
-          <p:nvPr>
-            <p:ph type="body" idx="1"/>
-          </p:nvPr>
-        </p:nvSpPr>
-        <p:spPr>
-          <a:xfrm>
-            <a:off x="6090574" y="801866"/>
-            <a:ext cx="5306084" cy="5230634"/>
-          </a:xfrm>
-        </p:spPr>
-        <p:txBody>
-          <a:bodyPr anchor="ctr">
-            <a:normAutofit/>
-          </a:bodyPr>
-          <a:lstStyle/>
-          <a:p>
-            <a:endParaRPr sz="2400">
-              <a:solidFill>
-                <a:srgbClr val="000000"/>
-              </a:solidFill>
-            </a:endParaRPr>
-          </a:p>
-        </p:txBody>
-      </p:sp>
-    </p:spTree>
-    <p:extLst>
-      <p:ext uri="{BB962C8B-B14F-4D97-AF65-F5344CB8AC3E}">
-        <p14:creationId xmlns:p14="http://schemas.microsoft.com/office/powerpoint/2010/main" val="139938333"/>
-      </p:ext>
-    </p:extLst>
-  </p:cSld>
-  <p:clrMapOvr>
-    <a:masterClrMapping/>
-  </p:clrMapOvr>
-</p:sld>
-</file>
-
-<file path=ppt/slides/slide2.xml><?xml version="1.0" encoding="utf-8"?>
-<p:sld xmlns:a="http://schemas.openxmlformats.org/drawingml/2006/main" xmlns:r="http://schemas.openxmlformats.org/officeDocument/2006/relationships" xmlns:p="http://schemas.openxmlformats.org/presentationml/2006/main">
-  <p:cSld>
-    <p:bg>
-      <p:bgPr>
-        <a:solidFill>
-          <a:schemeClr val="bg1"/>
-        </a:solidFill>
-        <a:effectLst/>
-      </p:bgPr>
-    </p:bg>
-    <p:spTree>
-      <p:nvGrpSpPr>
-        <p:cNvPr id="1" name=""/>
-        <p:cNvGrpSpPr/>
-        <p:nvPr/>
-      </p:nvGrpSpPr>
-      <p:grpSpPr>
-        <a:xfrm>
-          <a:off x="0" y="0"/>
-          <a:ext cx="0" cy="0"/>
-          <a:chOff x="0" y="0"/>
-          <a:chExt cx="0" cy="0"/>
-        </a:xfrm>
-      </p:grpSpPr>
-      <p:sp>
-        <p:nvSpPr>
-          <p:cNvPr id="11" name="Rectangle 10">
-            <a:extLst>
-              <a:ext uri="{FF2B5EF4-FFF2-40B4-BE49-F238E27FC236}">
-                <a16:creationId xmlns:a16="http://schemas.microsoft.com/office/drawing/2014/main" id="{C0B27210-D0CA-4654-B3E3-9ABB4F178EA1}"/>
-              </a:ext>
-              <a:ext uri="{C183D7F6-B498-43B3-948B-1728B52AA6E4}">
-                <adec:decorative xmlns:adec="http://schemas.microsoft.com/office/drawing/2017/decorative" val="1"/>
-              </a:ext>
-            </a:extLst>
-          </p:cNvPr>
-          <p:cNvSpPr>
-            <a:spLocks noGrp="1" noRot="1" noChangeAspect="1" noMove="1" noResize="1" noEditPoints="1" noAdjustHandles="1" noChangeArrowheads="1" noChangeShapeType="1" noTextEdit="1"/>
-          </p:cNvSpPr>
-          <p:nvPr>
-            <p:extLst>
-              <p:ext uri="{386F3935-93C4-4BCD-93E2-E3B085C9AB24}">
-                <p16:designElem xmlns:p16="http://schemas.microsoft.com/office/powerpoint/2015/main" val="1"/>
+                <p16:designElem xmlns:p16="http://schemas.microsoft.com/office/powerpoint/2015/main" xmlns="" val="1"/>
               </p:ext>
             </p:extLst>
           </p:nvPr>
@@ -6756,10 +4450,10 @@
           <p:cNvPr id="13" name="Freeform: Shape 12">
             <a:extLst>
               <a:ext uri="{FF2B5EF4-FFF2-40B4-BE49-F238E27FC236}">
-                <a16:creationId xmlns:a16="http://schemas.microsoft.com/office/drawing/2014/main" id="{1DB7C82F-AB7E-4F0C-B829-FA1B9C415180}"/>
+                <a16:creationId xmlns:a16="http://schemas.microsoft.com/office/drawing/2014/main" xmlns="" id="{1DB7C82F-AB7E-4F0C-B829-FA1B9C415180}"/>
               </a:ext>
               <a:ext uri="{C183D7F6-B498-43B3-948B-1728B52AA6E4}">
-                <adec:decorative xmlns:adec="http://schemas.microsoft.com/office/drawing/2017/decorative" val="1"/>
+                <adec:decorative xmlns:adec="http://schemas.microsoft.com/office/drawing/2017/decorative" xmlns="" val="1"/>
               </a:ext>
             </a:extLst>
           </p:cNvPr>
@@ -6769,7 +4463,7 @@
           <p:nvPr>
             <p:extLst>
               <p:ext uri="{386F3935-93C4-4BCD-93E2-E3B085C9AB24}">
-                <p16:designElem xmlns:p16="http://schemas.microsoft.com/office/powerpoint/2015/main" val="1"/>
+                <p16:designElem xmlns:p16="http://schemas.microsoft.com/office/powerpoint/2015/main" xmlns="" val="1"/>
               </p:ext>
             </p:extLst>
           </p:nvPr>
@@ -6923,10 +4617,10 @@
           <p:cNvPr id="15" name="Freeform: Shape 14">
             <a:extLst>
               <a:ext uri="{FF2B5EF4-FFF2-40B4-BE49-F238E27FC236}">
-                <a16:creationId xmlns:a16="http://schemas.microsoft.com/office/drawing/2014/main" id="{70B66945-4967-4040-926D-DCA44313CDAB}"/>
+                <a16:creationId xmlns:a16="http://schemas.microsoft.com/office/drawing/2014/main" xmlns="" id="{70B66945-4967-4040-926D-DCA44313CDAB}"/>
               </a:ext>
               <a:ext uri="{C183D7F6-B498-43B3-948B-1728B52AA6E4}">
-                <adec:decorative xmlns:adec="http://schemas.microsoft.com/office/drawing/2017/decorative" val="1"/>
+                <adec:decorative xmlns:adec="http://schemas.microsoft.com/office/drawing/2017/decorative" xmlns="" val="1"/>
               </a:ext>
             </a:extLst>
           </p:cNvPr>
@@ -6936,7 +4630,7 @@
           <p:nvPr>
             <p:extLst>
               <p:ext uri="{386F3935-93C4-4BCD-93E2-E3B085C9AB24}">
-                <p16:designElem xmlns:p16="http://schemas.microsoft.com/office/powerpoint/2015/main" val="1"/>
+                <p16:designElem xmlns:p16="http://schemas.microsoft.com/office/powerpoint/2015/main" xmlns="" val="1"/>
               </p:ext>
             </p:extLst>
           </p:nvPr>
@@ -7123,356 +4817,17 @@
   <p:clrMapOvr>
     <a:masterClrMapping/>
   </p:clrMapOvr>
+  <p:timing>
+    <p:tnLst>
+      <p:par>
+        <p:cTn id="1" dur="indefinite" restart="never" nodeType="tmRoot"/>
+      </p:par>
+    </p:tnLst>
+  </p:timing>
 </p:sld>
 </file>
 
-<file path=ppt/slides/slide3.xml><?xml version="1.0" encoding="utf-8"?>
-<p:sld xmlns:a="http://schemas.openxmlformats.org/drawingml/2006/main" xmlns:r="http://schemas.openxmlformats.org/officeDocument/2006/relationships" xmlns:p="http://schemas.openxmlformats.org/presentationml/2006/main">
-  <p:cSld>
-    <p:bg>
-      <p:bgPr>
-        <a:solidFill>
-          <a:schemeClr val="bg1"/>
-        </a:solidFill>
-        <a:effectLst/>
-      </p:bgPr>
-    </p:bg>
-    <p:spTree>
-      <p:nvGrpSpPr>
-        <p:cNvPr id="1" name=""/>
-        <p:cNvGrpSpPr/>
-        <p:nvPr/>
-      </p:nvGrpSpPr>
-      <p:grpSpPr>
-        <a:xfrm>
-          <a:off x="0" y="0"/>
-          <a:ext cx="0" cy="0"/>
-          <a:chOff x="0" y="0"/>
-          <a:chExt cx="0" cy="0"/>
-        </a:xfrm>
-      </p:grpSpPr>
-      <p:sp>
-        <p:nvSpPr>
-          <p:cNvPr id="9" name="Rectangle 8">
-            <a:extLst>
-              <a:ext uri="{FF2B5EF4-FFF2-40B4-BE49-F238E27FC236}">
-                <a16:creationId xmlns:a16="http://schemas.microsoft.com/office/drawing/2014/main" id="{8D70B121-56F4-4848-B38B-182089D909FA}"/>
-              </a:ext>
-              <a:ext uri="{C183D7F6-B498-43B3-948B-1728B52AA6E4}">
-                <adec:decorative xmlns:adec="http://schemas.microsoft.com/office/drawing/2017/decorative" val="1"/>
-              </a:ext>
-            </a:extLst>
-          </p:cNvPr>
-          <p:cNvSpPr>
-            <a:spLocks noGrp="1" noRot="1" noChangeAspect="1" noMove="1" noResize="1" noEditPoints="1" noAdjustHandles="1" noChangeArrowheads="1" noChangeShapeType="1" noTextEdit="1"/>
-          </p:cNvSpPr>
-          <p:nvPr>
-            <p:extLst>
-              <p:ext uri="{386F3935-93C4-4BCD-93E2-E3B085C9AB24}">
-                <p16:designElem xmlns:p16="http://schemas.microsoft.com/office/powerpoint/2015/main" val="1"/>
-              </p:ext>
-            </p:extLst>
-          </p:nvPr>
-        </p:nvSpPr>
-        <p:spPr bwMode="ltGray">
-          <a:xfrm>
-            <a:off x="321564" y="320040"/>
-            <a:ext cx="11548872" cy="6217920"/>
-          </a:xfrm>
-          <a:prstGeom prst="rect">
-            <a:avLst/>
-          </a:prstGeom>
-          <a:solidFill>
-            <a:schemeClr val="tx1">
-              <a:alpha val="8000"/>
-            </a:schemeClr>
-          </a:solidFill>
-          <a:ln w="127000" cap="sq" cmpd="thinThick">
-            <a:noFill/>
-          </a:ln>
-        </p:spPr>
-        <p:style>
-          <a:lnRef idx="2">
-            <a:schemeClr val="accent1">
-              <a:shade val="50000"/>
-            </a:schemeClr>
-          </a:lnRef>
-          <a:fillRef idx="1">
-            <a:schemeClr val="accent1"/>
-          </a:fillRef>
-          <a:effectRef idx="0">
-            <a:schemeClr val="accent1"/>
-          </a:effectRef>
-          <a:fontRef idx="minor">
-            <a:schemeClr val="lt1"/>
-          </a:fontRef>
-        </p:style>
-        <p:txBody>
-          <a:bodyPr rtlCol="0" anchor="ctr"/>
-          <a:lstStyle/>
-          <a:p>
-            <a:pPr algn="ctr"/>
-            <a:endParaRPr lang="en-US"/>
-          </a:p>
-        </p:txBody>
-      </p:sp>
-      <p:sp>
-        <p:nvSpPr>
-          <p:cNvPr id="2" name="Title 1"/>
-          <p:cNvSpPr>
-            <a:spLocks noGrp="1"/>
-          </p:cNvSpPr>
-          <p:nvPr>
-            <p:ph type="title"/>
-          </p:nvPr>
-        </p:nvSpPr>
-        <p:spPr>
-          <a:xfrm>
-            <a:off x="838200" y="963877"/>
-            <a:ext cx="3494362" cy="4930246"/>
-          </a:xfrm>
-        </p:spPr>
-        <p:txBody>
-          <a:bodyPr>
-            <a:normAutofit/>
-          </a:bodyPr>
-          <a:lstStyle/>
-          <a:p>
-            <a:pPr algn="r"/>
-            <a:r>
-              <a:rPr lang="en-US" dirty="0" err="1">
-                <a:solidFill>
-                  <a:schemeClr val="accent1"/>
-                </a:solidFill>
-              </a:rPr>
-              <a:t>Contenido</a:t>
-            </a:r>
-            <a:endParaRPr lang="en-US" dirty="0">
-              <a:solidFill>
-                <a:schemeClr val="accent1"/>
-              </a:solidFill>
-            </a:endParaRPr>
-          </a:p>
-        </p:txBody>
-      </p:sp>
-      <p:cxnSp>
-        <p:nvCxnSpPr>
-          <p:cNvPr id="11" name="Straight Connector 10">
-            <a:extLst>
-              <a:ext uri="{FF2B5EF4-FFF2-40B4-BE49-F238E27FC236}">
-                <a16:creationId xmlns:a16="http://schemas.microsoft.com/office/drawing/2014/main" id="{2D72A2C9-F3CA-4216-8BAD-FA4C970C3C4E}"/>
-              </a:ext>
-              <a:ext uri="{C183D7F6-B498-43B3-948B-1728B52AA6E4}">
-                <adec:decorative xmlns:adec="http://schemas.microsoft.com/office/drawing/2017/decorative" val="1"/>
-              </a:ext>
-            </a:extLst>
-          </p:cNvPr>
-          <p:cNvCxnSpPr>
-            <a:cxnSpLocks noGrp="1" noRot="1" noChangeAspect="1" noMove="1" noResize="1" noEditPoints="1" noAdjustHandles="1" noChangeArrowheads="1" noChangeShapeType="1"/>
-          </p:cNvCxnSpPr>
-          <p:nvPr>
-            <p:extLst>
-              <p:ext uri="{386F3935-93C4-4BCD-93E2-E3B085C9AB24}">
-                <p16:designElem xmlns:p16="http://schemas.microsoft.com/office/powerpoint/2015/main" val="1"/>
-              </p:ext>
-            </p:extLst>
-          </p:nvPr>
-        </p:nvCxnSpPr>
-        <p:spPr>
-          <a:xfrm>
-            <a:off x="4654296" y="2057400"/>
-            <a:ext cx="0" cy="2743200"/>
-          </a:xfrm>
-          <a:prstGeom prst="line">
-            <a:avLst/>
-          </a:prstGeom>
-          <a:ln w="19050">
-            <a:solidFill>
-              <a:schemeClr val="tx1">
-                <a:lumMod val="85000"/>
-                <a:lumOff val="15000"/>
-              </a:schemeClr>
-            </a:solidFill>
-          </a:ln>
-        </p:spPr>
-        <p:style>
-          <a:lnRef idx="1">
-            <a:schemeClr val="accent1"/>
-          </a:lnRef>
-          <a:fillRef idx="0">
-            <a:schemeClr val="accent1"/>
-          </a:fillRef>
-          <a:effectRef idx="0">
-            <a:schemeClr val="accent1"/>
-          </a:effectRef>
-          <a:fontRef idx="minor">
-            <a:schemeClr val="tx1"/>
-          </a:fontRef>
-        </p:style>
-      </p:cxnSp>
-      <p:sp>
-        <p:nvSpPr>
-          <p:cNvPr id="3" name="Content Placeholder 2"/>
-          <p:cNvSpPr>
-            <a:spLocks noGrp="1"/>
-          </p:cNvSpPr>
-          <p:nvPr>
-            <p:ph type="body" idx="1"/>
-          </p:nvPr>
-        </p:nvSpPr>
-        <p:spPr>
-          <a:xfrm>
-            <a:off x="4976031" y="963877"/>
-            <a:ext cx="6377769" cy="4930246"/>
-          </a:xfrm>
-        </p:spPr>
-        <p:txBody>
-          <a:bodyPr anchor="ctr">
-            <a:normAutofit/>
-          </a:bodyPr>
-          <a:lstStyle/>
-          <a:p>
-            <a:r>
-              <a:rPr lang="en-US" sz="2400" dirty="0" err="1"/>
-              <a:t>Introducción</a:t>
-            </a:r>
-            <a:endParaRPr lang="en-US" sz="2400" dirty="0"/>
-          </a:p>
-          <a:p>
-            <a:r>
-              <a:rPr lang="en-US" sz="2400" dirty="0" err="1"/>
-              <a:t>Varibales</a:t>
-            </a:r>
-            <a:endParaRPr lang="en-US" sz="2400" dirty="0"/>
-          </a:p>
-          <a:p>
-            <a:r>
-              <a:rPr lang="en-US" sz="2400" dirty="0" err="1"/>
-              <a:t>Tabla</a:t>
-            </a:r>
-            <a:r>
-              <a:rPr lang="en-US" sz="2400" dirty="0"/>
-              <a:t> de </a:t>
-            </a:r>
-            <a:r>
-              <a:rPr lang="en-US" sz="2400" dirty="0" err="1"/>
-              <a:t>Eventos</a:t>
-            </a:r>
-            <a:r>
-              <a:rPr lang="en-US" sz="2400" dirty="0"/>
-              <a:t> </a:t>
-            </a:r>
-            <a:r>
-              <a:rPr lang="en-US" sz="2400" dirty="0" err="1"/>
-              <a:t>Independientes</a:t>
-            </a:r>
-            <a:endParaRPr lang="en-US" sz="2400" dirty="0"/>
-          </a:p>
-          <a:p>
-            <a:r>
-              <a:rPr lang="en-US" sz="2400" dirty="0" err="1"/>
-              <a:t>Estructura</a:t>
-            </a:r>
-            <a:endParaRPr lang="en-US" sz="2400" dirty="0"/>
-          </a:p>
-          <a:p>
-            <a:r>
-              <a:rPr lang="en-US" sz="2400" dirty="0" err="1"/>
-              <a:t>Teoría</a:t>
-            </a:r>
-            <a:r>
-              <a:rPr lang="en-US" sz="2400" dirty="0"/>
-              <a:t> </a:t>
-            </a:r>
-            <a:r>
-              <a:rPr lang="en-US" sz="2400" dirty="0" err="1"/>
-              <a:t>matemática</a:t>
-            </a:r>
-            <a:endParaRPr lang="en-US" sz="2400" dirty="0"/>
-          </a:p>
-          <a:p>
-            <a:r>
-              <a:rPr lang="en-US" sz="2400" dirty="0"/>
-              <a:t>La </a:t>
-            </a:r>
-            <a:r>
-              <a:rPr lang="en-US" sz="2400" dirty="0" err="1"/>
-              <a:t>industria</a:t>
-            </a:r>
-            <a:r>
-              <a:rPr lang="en-US" sz="2400" dirty="0"/>
-              <a:t> de la </a:t>
-            </a:r>
-            <a:r>
-              <a:rPr lang="en-US" sz="2400" dirty="0" err="1"/>
-              <a:t>subcontratación</a:t>
-            </a:r>
-            <a:endParaRPr lang="en-US" sz="2400" dirty="0"/>
-          </a:p>
-          <a:p>
-            <a:r>
-              <a:rPr lang="en-US" sz="2400" dirty="0" err="1"/>
-              <a:t>Explotación</a:t>
-            </a:r>
-            <a:r>
-              <a:rPr lang="en-US" sz="2400" dirty="0"/>
-              <a:t> </a:t>
-            </a:r>
-            <a:r>
-              <a:rPr lang="en-US" sz="2400" dirty="0" err="1"/>
-              <a:t>laboral</a:t>
-            </a:r>
-            <a:endParaRPr lang="en-US" sz="2400" dirty="0"/>
-          </a:p>
-          <a:p>
-            <a:r>
-              <a:rPr lang="en-US" sz="2400" dirty="0" err="1"/>
-              <a:t>Referencias</a:t>
-            </a:r>
-            <a:endParaRPr lang="en-US" sz="2400" dirty="0"/>
-          </a:p>
-          <a:p>
-            <a:r>
-              <a:rPr lang="en-US" sz="2400" dirty="0" err="1"/>
-              <a:t>Véase</a:t>
-            </a:r>
-            <a:r>
-              <a:rPr lang="en-US" sz="2400" dirty="0"/>
-              <a:t> </a:t>
-            </a:r>
-            <a:r>
-              <a:rPr lang="en-US" sz="2400" dirty="0" err="1"/>
-              <a:t>también</a:t>
-            </a:r>
-            <a:endParaRPr lang="en-US" sz="2400" dirty="0"/>
-          </a:p>
-          <a:p>
-            <a:r>
-              <a:rPr lang="en-US" sz="2400" dirty="0"/>
-              <a:t>Enlaces </a:t>
-            </a:r>
-            <a:r>
-              <a:rPr lang="en-US" sz="2400" dirty="0" err="1"/>
-              <a:t>externos</a:t>
-            </a:r>
-            <a:endParaRPr lang="en-US" sz="2400" dirty="0"/>
-          </a:p>
-        </p:txBody>
-      </p:sp>
-    </p:spTree>
-    <p:extLst>
-      <p:ext uri="{BB962C8B-B14F-4D97-AF65-F5344CB8AC3E}">
-        <p14:creationId xmlns:p14="http://schemas.microsoft.com/office/powerpoint/2010/main" val="1213910301"/>
-      </p:ext>
-    </p:extLst>
-  </p:cSld>
-  <p:clrMapOvr>
-    <a:masterClrMapping/>
-  </p:clrMapOvr>
-</p:sld>
-</file>
-
-<file path=ppt/slides/slide4.xml><?xml version="1.0" encoding="utf-8"?>
+<file path=ppt/slides/slide2.xml><?xml version="1.0" encoding="utf-8"?>
 <p:sld xmlns:a="http://schemas.openxmlformats.org/drawingml/2006/main" xmlns:r="http://schemas.openxmlformats.org/officeDocument/2006/relationships" xmlns:p="http://schemas.openxmlformats.org/presentationml/2006/main">
   <p:cSld>
     <p:bg>
@@ -7502,10 +4857,10 @@
           <p:cNvPr id="9" name="Rectangle 8">
             <a:extLst>
               <a:ext uri="{FF2B5EF4-FFF2-40B4-BE49-F238E27FC236}">
-                <a16:creationId xmlns:a16="http://schemas.microsoft.com/office/drawing/2014/main" id="{3B854194-185D-494D-905C-7C7CB2E30F6E}"/>
+                <a16:creationId xmlns:a16="http://schemas.microsoft.com/office/drawing/2014/main" xmlns="" id="{3B854194-185D-494D-905C-7C7CB2E30F6E}"/>
               </a:ext>
               <a:ext uri="{C183D7F6-B498-43B3-948B-1728B52AA6E4}">
-                <adec:decorative xmlns:adec="http://schemas.microsoft.com/office/drawing/2017/decorative" val="1"/>
+                <adec:decorative xmlns:adec="http://schemas.microsoft.com/office/drawing/2017/decorative" xmlns="" val="1"/>
               </a:ext>
             </a:extLst>
           </p:cNvPr>
@@ -7515,7 +4870,7 @@
           <p:nvPr>
             <p:extLst>
               <p:ext uri="{386F3935-93C4-4BCD-93E2-E3B085C9AB24}">
-                <p16:designElem xmlns:p16="http://schemas.microsoft.com/office/powerpoint/2015/main" val="1"/>
+                <p16:designElem xmlns:p16="http://schemas.microsoft.com/office/powerpoint/2015/main" xmlns="" val="1"/>
               </p:ext>
             </p:extLst>
           </p:nvPr>
@@ -7562,10 +4917,10 @@
           <p:cNvPr id="11" name="Rectangle 10">
             <a:extLst>
               <a:ext uri="{FF2B5EF4-FFF2-40B4-BE49-F238E27FC236}">
-                <a16:creationId xmlns:a16="http://schemas.microsoft.com/office/drawing/2014/main" id="{B4F5FA0D-0104-4987-8241-EFF7C85B88DE}"/>
+                <a16:creationId xmlns:a16="http://schemas.microsoft.com/office/drawing/2014/main" xmlns="" id="{B4F5FA0D-0104-4987-8241-EFF7C85B88DE}"/>
               </a:ext>
               <a:ext uri="{C183D7F6-B498-43B3-948B-1728B52AA6E4}">
-                <adec:decorative xmlns:adec="http://schemas.microsoft.com/office/drawing/2017/decorative" val="1"/>
+                <adec:decorative xmlns:adec="http://schemas.microsoft.com/office/drawing/2017/decorative" xmlns="" val="1"/>
               </a:ext>
             </a:extLst>
           </p:cNvPr>
@@ -7575,7 +4930,7 @@
           <p:nvPr>
             <p:extLst>
               <p:ext uri="{386F3935-93C4-4BCD-93E2-E3B085C9AB24}">
-                <p16:designElem xmlns:p16="http://schemas.microsoft.com/office/powerpoint/2015/main" val="1"/>
+                <p16:designElem xmlns:p16="http://schemas.microsoft.com/office/powerpoint/2015/main" xmlns="" val="1"/>
               </p:ext>
             </p:extLst>
           </p:nvPr>
@@ -7647,10 +5002,10 @@
           <p:cNvPr id="13" name="Picture 12">
             <a:extLst>
               <a:ext uri="{FF2B5EF4-FFF2-40B4-BE49-F238E27FC236}">
-                <a16:creationId xmlns:a16="http://schemas.microsoft.com/office/drawing/2014/main" id="{2897127E-6CEF-446C-BE87-93B7C46E49D1}"/>
+                <a16:creationId xmlns:a16="http://schemas.microsoft.com/office/drawing/2014/main" xmlns="" id="{2897127E-6CEF-446C-BE87-93B7C46E49D1}"/>
               </a:ext>
               <a:ext uri="{C183D7F6-B498-43B3-948B-1728B52AA6E4}">
-                <adec:decorative xmlns:adec="http://schemas.microsoft.com/office/drawing/2017/decorative" val="1"/>
+                <adec:decorative xmlns:adec="http://schemas.microsoft.com/office/drawing/2017/decorative" xmlns="" val="1"/>
               </a:ext>
             </a:extLst>
           </p:cNvPr>
@@ -7660,7 +5015,7 @@
           <p:nvPr>
             <p:extLst>
               <p:ext uri="{386F3935-93C4-4BCD-93E2-E3B085C9AB24}">
-                <p16:designElem xmlns:p16="http://schemas.microsoft.com/office/powerpoint/2015/main" val="1"/>
+                <p16:designElem xmlns:p16="http://schemas.microsoft.com/office/powerpoint/2015/main" xmlns="" val="1"/>
               </p:ext>
             </p:extLst>
           </p:nvPr>
@@ -7710,13 +5065,49 @@
           <a:lstStyle/>
           <a:p>
             <a:r>
-              <a:rPr lang="en-US">
+              <a:rPr lang="en-US" dirty="0" err="1" smtClean="0">
                 <a:solidFill>
                   <a:srgbClr val="FFFFFF"/>
                 </a:solidFill>
               </a:rPr>
               <a:t>Introducción</a:t>
             </a:r>
+            <a:r>
+              <a:rPr lang="en-US" dirty="0" smtClean="0">
+                <a:solidFill>
+                  <a:srgbClr val="FFFFFF"/>
+                </a:solidFill>
+              </a:rPr>
+              <a:t/>
+            </a:r>
+            <a:br>
+              <a:rPr lang="en-US" dirty="0" smtClean="0">
+                <a:solidFill>
+                  <a:srgbClr val="FFFFFF"/>
+                </a:solidFill>
+              </a:rPr>
+            </a:br>
+            <a:r>
+              <a:rPr lang="en-US" dirty="0" smtClean="0">
+                <a:solidFill>
+                  <a:srgbClr val="FFFFFF"/>
+                </a:solidFill>
+              </a:rPr>
+              <a:t>a la </a:t>
+            </a:r>
+            <a:r>
+              <a:rPr lang="en-US" dirty="0" err="1" smtClean="0">
+                <a:solidFill>
+                  <a:srgbClr val="FFFFFF"/>
+                </a:solidFill>
+              </a:rPr>
+              <a:t>problemática</a:t>
+            </a:r>
+            <a:endParaRPr lang="en-US" dirty="0">
+              <a:solidFill>
+                <a:srgbClr val="FFFFFF"/>
+              </a:solidFill>
+            </a:endParaRPr>
           </a:p>
         </p:txBody>
       </p:sp>
@@ -7742,7 +5133,60 @@
           </a:bodyPr>
           <a:lstStyle/>
           <a:p>
-            <a:endParaRPr sz="2400">
+            <a:r>
+              <a:rPr lang="es-AR" sz="2400" dirty="0" smtClean="0">
+                <a:solidFill>
+                  <a:srgbClr val="000000"/>
+                </a:solidFill>
+              </a:rPr>
+              <a:t>El Centro de atención de llamados de soporte IT está generando problemas encolando llamados sin llegar a ser atendidos.</a:t>
+            </a:r>
+          </a:p>
+          <a:p>
+            <a:r>
+              <a:rPr lang="es-AR" sz="2400" dirty="0" smtClean="0">
+                <a:solidFill>
+                  <a:srgbClr val="000000"/>
+                </a:solidFill>
+              </a:rPr>
+              <a:t>Existen 2 tipos de Operadores Especializados : </a:t>
+            </a:r>
+          </a:p>
+          <a:p>
+            <a:endParaRPr lang="es-AR" sz="2400" dirty="0" smtClean="0">
+              <a:solidFill>
+                <a:srgbClr val="000000"/>
+              </a:solidFill>
+            </a:endParaRPr>
+          </a:p>
+          <a:p>
+            <a:pPr>
+              <a:buFont typeface="Wingdings" panose="05000000000000000000" pitchFamily="2" charset="2"/>
+              <a:buChar char="ü"/>
+            </a:pPr>
+            <a:r>
+              <a:rPr lang="es-AR" sz="2400" dirty="0" smtClean="0">
+                <a:solidFill>
+                  <a:srgbClr val="000000"/>
+                </a:solidFill>
+              </a:rPr>
+              <a:t>Para SAP</a:t>
+            </a:r>
+          </a:p>
+          <a:p>
+            <a:pPr>
+              <a:buFont typeface="Wingdings" panose="05000000000000000000" pitchFamily="2" charset="2"/>
+              <a:buChar char="ü"/>
+            </a:pPr>
+            <a:r>
+              <a:rPr lang="es-AR" sz="2400" dirty="0" smtClean="0">
+                <a:solidFill>
+                  <a:srgbClr val="000000"/>
+                </a:solidFill>
+              </a:rPr>
+              <a:t>Para MDSTI</a:t>
+            </a:r>
+            <a:endParaRPr sz="2400" dirty="0">
               <a:solidFill>
                 <a:srgbClr val="000000"/>
               </a:solidFill>
@@ -7760,10 +5204,17 @@
   <p:clrMapOvr>
     <a:masterClrMapping/>
   </p:clrMapOvr>
+  <p:timing>
+    <p:tnLst>
+      <p:par>
+        <p:cTn id="1" dur="indefinite" restart="never" nodeType="tmRoot"/>
+      </p:par>
+    </p:tnLst>
+  </p:timing>
 </p:sld>
 </file>
 
-<file path=ppt/slides/slide5.xml><?xml version="1.0" encoding="utf-8"?>
+<file path=ppt/slides/slide3.xml><?xml version="1.0" encoding="utf-8"?>
 <p:sld xmlns:a="http://schemas.openxmlformats.org/drawingml/2006/main" xmlns:r="http://schemas.openxmlformats.org/officeDocument/2006/relationships" xmlns:p="http://schemas.openxmlformats.org/presentationml/2006/main">
   <p:cSld>
     <p:bg>
@@ -7793,10 +5244,10 @@
           <p:cNvPr id="9" name="Rectangle 8">
             <a:extLst>
               <a:ext uri="{FF2B5EF4-FFF2-40B4-BE49-F238E27FC236}">
-                <a16:creationId xmlns:a16="http://schemas.microsoft.com/office/drawing/2014/main" id="{3B854194-185D-494D-905C-7C7CB2E30F6E}"/>
+                <a16:creationId xmlns:a16="http://schemas.microsoft.com/office/drawing/2014/main" xmlns="" id="{3B854194-185D-494D-905C-7C7CB2E30F6E}"/>
               </a:ext>
               <a:ext uri="{C183D7F6-B498-43B3-948B-1728B52AA6E4}">
-                <adec:decorative xmlns:adec="http://schemas.microsoft.com/office/drawing/2017/decorative" val="1"/>
+                <adec:decorative xmlns:adec="http://schemas.microsoft.com/office/drawing/2017/decorative" xmlns="" val="1"/>
               </a:ext>
             </a:extLst>
           </p:cNvPr>
@@ -7806,7 +5257,7 @@
           <p:nvPr>
             <p:extLst>
               <p:ext uri="{386F3935-93C4-4BCD-93E2-E3B085C9AB24}">
-                <p16:designElem xmlns:p16="http://schemas.microsoft.com/office/powerpoint/2015/main" val="1"/>
+                <p16:designElem xmlns:p16="http://schemas.microsoft.com/office/powerpoint/2015/main" xmlns="" val="1"/>
               </p:ext>
             </p:extLst>
           </p:nvPr>
@@ -7853,10 +5304,10 @@
           <p:cNvPr id="11" name="Rectangle 10">
             <a:extLst>
               <a:ext uri="{FF2B5EF4-FFF2-40B4-BE49-F238E27FC236}">
-                <a16:creationId xmlns:a16="http://schemas.microsoft.com/office/drawing/2014/main" id="{B4F5FA0D-0104-4987-8241-EFF7C85B88DE}"/>
+                <a16:creationId xmlns:a16="http://schemas.microsoft.com/office/drawing/2014/main" xmlns="" id="{B4F5FA0D-0104-4987-8241-EFF7C85B88DE}"/>
               </a:ext>
               <a:ext uri="{C183D7F6-B498-43B3-948B-1728B52AA6E4}">
-                <adec:decorative xmlns:adec="http://schemas.microsoft.com/office/drawing/2017/decorative" val="1"/>
+                <adec:decorative xmlns:adec="http://schemas.microsoft.com/office/drawing/2017/decorative" xmlns="" val="1"/>
               </a:ext>
             </a:extLst>
           </p:cNvPr>
@@ -7866,7 +5317,7 @@
           <p:nvPr>
             <p:extLst>
               <p:ext uri="{386F3935-93C4-4BCD-93E2-E3B085C9AB24}">
-                <p16:designElem xmlns:p16="http://schemas.microsoft.com/office/powerpoint/2015/main" val="1"/>
+                <p16:designElem xmlns:p16="http://schemas.microsoft.com/office/powerpoint/2015/main" xmlns="" val="1"/>
               </p:ext>
             </p:extLst>
           </p:nvPr>
@@ -7938,10 +5389,10 @@
           <p:cNvPr id="13" name="Picture 12">
             <a:extLst>
               <a:ext uri="{FF2B5EF4-FFF2-40B4-BE49-F238E27FC236}">
-                <a16:creationId xmlns:a16="http://schemas.microsoft.com/office/drawing/2014/main" id="{2897127E-6CEF-446C-BE87-93B7C46E49D1}"/>
+                <a16:creationId xmlns:a16="http://schemas.microsoft.com/office/drawing/2014/main" xmlns="" id="{2897127E-6CEF-446C-BE87-93B7C46E49D1}"/>
               </a:ext>
               <a:ext uri="{C183D7F6-B498-43B3-948B-1728B52AA6E4}">
-                <adec:decorative xmlns:adec="http://schemas.microsoft.com/office/drawing/2017/decorative" val="1"/>
+                <adec:decorative xmlns:adec="http://schemas.microsoft.com/office/drawing/2017/decorative" xmlns="" val="1"/>
               </a:ext>
             </a:extLst>
           </p:cNvPr>
@@ -7951,7 +5402,7 @@
           <p:nvPr>
             <p:extLst>
               <p:ext uri="{386F3935-93C4-4BCD-93E2-E3B085C9AB24}">
-                <p16:designElem xmlns:p16="http://schemas.microsoft.com/office/powerpoint/2015/main" val="1"/>
+                <p16:designElem xmlns:p16="http://schemas.microsoft.com/office/powerpoint/2015/main" xmlns="" val="1"/>
               </p:ext>
             </p:extLst>
           </p:nvPr>
@@ -8001,13 +5452,34 @@
           <a:lstStyle/>
           <a:p>
             <a:r>
-              <a:rPr lang="en-US">
+              <a:rPr lang="en-US" dirty="0" err="1" smtClean="0">
                 <a:solidFill>
                   <a:srgbClr val="FFFFFF"/>
                 </a:solidFill>
               </a:rPr>
-              <a:t>Tecnologías utilizadas</a:t>
-            </a:r>
+              <a:t>Objetivos</a:t>
+            </a:r>
+            <a:r>
+              <a:rPr lang="en-US" dirty="0" smtClean="0">
+                <a:solidFill>
+                  <a:srgbClr val="FFFFFF"/>
+                </a:solidFill>
+              </a:rPr>
+              <a:t> </a:t>
+            </a:r>
+            <a:r>
+              <a:rPr lang="en-US" dirty="0" err="1" smtClean="0">
+                <a:solidFill>
+                  <a:srgbClr val="FFFFFF"/>
+                </a:solidFill>
+              </a:rPr>
+              <a:t>buscados</a:t>
+            </a:r>
+            <a:endParaRPr lang="en-US" dirty="0">
+              <a:solidFill>
+                <a:srgbClr val="FFFFFF"/>
+              </a:solidFill>
+            </a:endParaRPr>
           </a:p>
         </p:txBody>
       </p:sp>
@@ -8033,7 +5505,37 @@
           </a:bodyPr>
           <a:lstStyle/>
           <a:p>
-            <a:endParaRPr sz="2400">
+            <a:r>
+              <a:rPr lang="es-AR" sz="2400" dirty="0" smtClean="0">
+                <a:solidFill>
+                  <a:srgbClr val="000000"/>
+                </a:solidFill>
+              </a:rPr>
+              <a:t>Reducir el tiempo de espera de los llamados.</a:t>
+            </a:r>
+          </a:p>
+          <a:p>
+            <a:r>
+              <a:rPr lang="es-AR" sz="2400" dirty="0" smtClean="0">
+                <a:solidFill>
+                  <a:srgbClr val="000000"/>
+                </a:solidFill>
+              </a:rPr>
+              <a:t>Reducir tiempo ocioso de los Operadores.</a:t>
+            </a:r>
+          </a:p>
+          <a:p>
+            <a:r>
+              <a:rPr lang="es-AR" sz="2400" dirty="0" smtClean="0">
+                <a:solidFill>
+                  <a:srgbClr val="000000"/>
+                </a:solidFill>
+              </a:rPr>
+              <a:t>Contratar la menor cantidad de Operadores.</a:t>
+            </a:r>
+          </a:p>
+          <a:p>
+            <a:endParaRPr sz="2400" dirty="0">
               <a:solidFill>
                 <a:srgbClr val="000000"/>
               </a:solidFill>
@@ -8051,10 +5553,17 @@
   <p:clrMapOvr>
     <a:masterClrMapping/>
   </p:clrMapOvr>
+  <p:timing>
+    <p:tnLst>
+      <p:par>
+        <p:cTn id="1" dur="indefinite" restart="never" nodeType="tmRoot"/>
+      </p:par>
+    </p:tnLst>
+  </p:timing>
 </p:sld>
 </file>
 
-<file path=ppt/slides/slide6.xml><?xml version="1.0" encoding="utf-8"?>
+<file path=ppt/slides/slide4.xml><?xml version="1.0" encoding="utf-8"?>
 <p:sld xmlns:a="http://schemas.openxmlformats.org/drawingml/2006/main" xmlns:r="http://schemas.openxmlformats.org/officeDocument/2006/relationships" xmlns:p="http://schemas.openxmlformats.org/presentationml/2006/main">
   <p:cSld>
     <p:bg>
@@ -8084,10 +5593,10 @@
           <p:cNvPr id="9" name="Rectangle 8">
             <a:extLst>
               <a:ext uri="{FF2B5EF4-FFF2-40B4-BE49-F238E27FC236}">
-                <a16:creationId xmlns:a16="http://schemas.microsoft.com/office/drawing/2014/main" id="{3B854194-185D-494D-905C-7C7CB2E30F6E}"/>
+                <a16:creationId xmlns:a16="http://schemas.microsoft.com/office/drawing/2014/main" xmlns="" id="{3B854194-185D-494D-905C-7C7CB2E30F6E}"/>
               </a:ext>
               <a:ext uri="{C183D7F6-B498-43B3-948B-1728B52AA6E4}">
-                <adec:decorative xmlns:adec="http://schemas.microsoft.com/office/drawing/2017/decorative" val="1"/>
+                <adec:decorative xmlns:adec="http://schemas.microsoft.com/office/drawing/2017/decorative" xmlns="" val="1"/>
               </a:ext>
             </a:extLst>
           </p:cNvPr>
@@ -8097,7 +5606,7 @@
           <p:nvPr>
             <p:extLst>
               <p:ext uri="{386F3935-93C4-4BCD-93E2-E3B085C9AB24}">
-                <p16:designElem xmlns:p16="http://schemas.microsoft.com/office/powerpoint/2015/main" val="1"/>
+                <p16:designElem xmlns:p16="http://schemas.microsoft.com/office/powerpoint/2015/main" xmlns="" val="1"/>
               </p:ext>
             </p:extLst>
           </p:nvPr>
@@ -8144,10 +5653,10 @@
           <p:cNvPr id="11" name="Rectangle 10">
             <a:extLst>
               <a:ext uri="{FF2B5EF4-FFF2-40B4-BE49-F238E27FC236}">
-                <a16:creationId xmlns:a16="http://schemas.microsoft.com/office/drawing/2014/main" id="{B4F5FA0D-0104-4987-8241-EFF7C85B88DE}"/>
+                <a16:creationId xmlns:a16="http://schemas.microsoft.com/office/drawing/2014/main" xmlns="" id="{B4F5FA0D-0104-4987-8241-EFF7C85B88DE}"/>
               </a:ext>
               <a:ext uri="{C183D7F6-B498-43B3-948B-1728B52AA6E4}">
-                <adec:decorative xmlns:adec="http://schemas.microsoft.com/office/drawing/2017/decorative" val="1"/>
+                <adec:decorative xmlns:adec="http://schemas.microsoft.com/office/drawing/2017/decorative" xmlns="" val="1"/>
               </a:ext>
             </a:extLst>
           </p:cNvPr>
@@ -8157,7 +5666,7 @@
           <p:nvPr>
             <p:extLst>
               <p:ext uri="{386F3935-93C4-4BCD-93E2-E3B085C9AB24}">
-                <p16:designElem xmlns:p16="http://schemas.microsoft.com/office/powerpoint/2015/main" val="1"/>
+                <p16:designElem xmlns:p16="http://schemas.microsoft.com/office/powerpoint/2015/main" xmlns="" val="1"/>
               </p:ext>
             </p:extLst>
           </p:nvPr>
@@ -8229,10 +5738,10 @@
           <p:cNvPr id="13" name="Picture 12">
             <a:extLst>
               <a:ext uri="{FF2B5EF4-FFF2-40B4-BE49-F238E27FC236}">
-                <a16:creationId xmlns:a16="http://schemas.microsoft.com/office/drawing/2014/main" id="{2897127E-6CEF-446C-BE87-93B7C46E49D1}"/>
+                <a16:creationId xmlns:a16="http://schemas.microsoft.com/office/drawing/2014/main" xmlns="" id="{2897127E-6CEF-446C-BE87-93B7C46E49D1}"/>
               </a:ext>
               <a:ext uri="{C183D7F6-B498-43B3-948B-1728B52AA6E4}">
-                <adec:decorative xmlns:adec="http://schemas.microsoft.com/office/drawing/2017/decorative" val="1"/>
+                <adec:decorative xmlns:adec="http://schemas.microsoft.com/office/drawing/2017/decorative" xmlns="" val="1"/>
               </a:ext>
             </a:extLst>
           </p:cNvPr>
@@ -8242,7 +5751,7 @@
           <p:nvPr>
             <p:extLst>
               <p:ext uri="{386F3935-93C4-4BCD-93E2-E3B085C9AB24}">
-                <p16:designElem xmlns:p16="http://schemas.microsoft.com/office/powerpoint/2015/main" val="1"/>
+                <p16:designElem xmlns:p16="http://schemas.microsoft.com/office/powerpoint/2015/main" xmlns="" val="1"/>
               </p:ext>
             </p:extLst>
           </p:nvPr>
@@ -8292,13 +5801,49 @@
           <a:lstStyle/>
           <a:p>
             <a:r>
-              <a:rPr lang="en-US">
+              <a:rPr lang="en-US" dirty="0" err="1" smtClean="0">
                 <a:solidFill>
                   <a:srgbClr val="FFFFFF"/>
                 </a:solidFill>
               </a:rPr>
-              <a:t>Llamadas entrantes y llamadas salientes</a:t>
-            </a:r>
+              <a:t>Metodología</a:t>
+            </a:r>
+            <a:r>
+              <a:rPr lang="en-US" dirty="0" smtClean="0">
+                <a:solidFill>
+                  <a:srgbClr val="FFFFFF"/>
+                </a:solidFill>
+              </a:rPr>
+              <a:t/>
+            </a:r>
+            <a:br>
+              <a:rPr lang="en-US" dirty="0" smtClean="0">
+                <a:solidFill>
+                  <a:srgbClr val="FFFFFF"/>
+                </a:solidFill>
+              </a:rPr>
+            </a:br>
+            <a:r>
+              <a:rPr lang="en-US" dirty="0" smtClean="0">
+                <a:solidFill>
+                  <a:srgbClr val="FFFFFF"/>
+                </a:solidFill>
+              </a:rPr>
+              <a:t>a </a:t>
+            </a:r>
+            <a:r>
+              <a:rPr lang="en-US" dirty="0" err="1" smtClean="0">
+                <a:solidFill>
+                  <a:srgbClr val="FFFFFF"/>
+                </a:solidFill>
+              </a:rPr>
+              <a:t>utilizar</a:t>
+            </a:r>
+            <a:endParaRPr lang="en-US" dirty="0">
+              <a:solidFill>
+                <a:srgbClr val="FFFFFF"/>
+              </a:solidFill>
+            </a:endParaRPr>
           </a:p>
         </p:txBody>
       </p:sp>
@@ -8324,7 +5869,32 @@
           </a:bodyPr>
           <a:lstStyle/>
           <a:p>
-            <a:endParaRPr sz="2400">
+            <a:r>
+              <a:rPr lang="es-AR" sz="2400" dirty="0" smtClean="0">
+                <a:solidFill>
+                  <a:srgbClr val="000000"/>
+                </a:solidFill>
+              </a:rPr>
+              <a:t>Mediante un desarrollo de Software realizado en el Framework .NET simularemos la cantidad óptima de operadores teniendo en cuenta su especialización.</a:t>
+            </a:r>
+          </a:p>
+          <a:p>
+            <a:endParaRPr lang="es-AR" sz="2400" dirty="0">
+              <a:solidFill>
+                <a:srgbClr val="000000"/>
+              </a:solidFill>
+            </a:endParaRPr>
+          </a:p>
+          <a:p>
+            <a:r>
+              <a:rPr lang="es-AR" sz="2400" dirty="0" smtClean="0">
+                <a:solidFill>
+                  <a:srgbClr val="000000"/>
+                </a:solidFill>
+              </a:rPr>
+              <a:t>Dentro de las infinitas simulaciones posibles se plantean 3 escenarios.</a:t>
+            </a:r>
+            <a:endParaRPr sz="2400" dirty="0">
               <a:solidFill>
                 <a:srgbClr val="000000"/>
               </a:solidFill>
@@ -8342,10 +5912,17 @@
   <p:clrMapOvr>
     <a:masterClrMapping/>
   </p:clrMapOvr>
+  <p:timing>
+    <p:tnLst>
+      <p:par>
+        <p:cTn id="1" dur="indefinite" restart="never" nodeType="tmRoot"/>
+      </p:par>
+    </p:tnLst>
+  </p:timing>
 </p:sld>
 </file>
 
-<file path=ppt/slides/slide7.xml><?xml version="1.0" encoding="utf-8"?>
+<file path=ppt/slides/slide5.xml><?xml version="1.0" encoding="utf-8"?>
 <p:sld xmlns:a="http://schemas.openxmlformats.org/drawingml/2006/main" xmlns:r="http://schemas.openxmlformats.org/officeDocument/2006/relationships" xmlns:p="http://schemas.openxmlformats.org/presentationml/2006/main">
   <p:cSld>
     <p:bg>
@@ -8375,10 +5952,10 @@
           <p:cNvPr id="9" name="Rectangle 8">
             <a:extLst>
               <a:ext uri="{FF2B5EF4-FFF2-40B4-BE49-F238E27FC236}">
-                <a16:creationId xmlns:a16="http://schemas.microsoft.com/office/drawing/2014/main" id="{23962611-DFD5-4092-AAFD-559E3DFCE2C9}"/>
+                <a16:creationId xmlns:a16="http://schemas.microsoft.com/office/drawing/2014/main" xmlns="" id="{23962611-DFD5-4092-AAFD-559E3DFCE2C9}"/>
               </a:ext>
               <a:ext uri="{C183D7F6-B498-43B3-948B-1728B52AA6E4}">
-                <adec:decorative xmlns:adec="http://schemas.microsoft.com/office/drawing/2017/decorative" val="1"/>
+                <adec:decorative xmlns:adec="http://schemas.microsoft.com/office/drawing/2017/decorative" xmlns="" val="1"/>
               </a:ext>
             </a:extLst>
           </p:cNvPr>
@@ -8388,7 +5965,7 @@
           <p:nvPr>
             <p:extLst>
               <p:ext uri="{386F3935-93C4-4BCD-93E2-E3B085C9AB24}">
-                <p16:designElem xmlns:p16="http://schemas.microsoft.com/office/powerpoint/2015/main" val="1"/>
+                <p16:designElem xmlns:p16="http://schemas.microsoft.com/office/powerpoint/2015/main" xmlns="" val="1"/>
               </p:ext>
             </p:extLst>
           </p:nvPr>
@@ -8460,10 +6037,10 @@
           <p:cNvPr id="11" name="Picture 10">
             <a:extLst>
               <a:ext uri="{FF2B5EF4-FFF2-40B4-BE49-F238E27FC236}">
-                <a16:creationId xmlns:a16="http://schemas.microsoft.com/office/drawing/2014/main" id="{2270F1FA-0425-408F-9861-80BF5AFB276D}"/>
+                <a16:creationId xmlns:a16="http://schemas.microsoft.com/office/drawing/2014/main" xmlns="" id="{2270F1FA-0425-408F-9861-80BF5AFB276D}"/>
               </a:ext>
               <a:ext uri="{C183D7F6-B498-43B3-948B-1728B52AA6E4}">
-                <adec:decorative xmlns:adec="http://schemas.microsoft.com/office/drawing/2017/decorative" val="1"/>
+                <adec:decorative xmlns:adec="http://schemas.microsoft.com/office/drawing/2017/decorative" xmlns="" val="1"/>
               </a:ext>
             </a:extLst>
           </p:cNvPr>
@@ -8473,7 +6050,7 @@
           <p:nvPr>
             <p:extLst>
               <p:ext uri="{386F3935-93C4-4BCD-93E2-E3B085C9AB24}">
-                <p16:designElem xmlns:p16="http://schemas.microsoft.com/office/powerpoint/2015/main" val="1"/>
+                <p16:designElem xmlns:p16="http://schemas.microsoft.com/office/powerpoint/2015/main" xmlns="" val="1"/>
               </p:ext>
             </p:extLst>
           </p:nvPr>
@@ -8512,19 +6089,19 @@
         </p:nvSpPr>
         <p:spPr>
           <a:xfrm>
-            <a:off x="3045368" y="2043663"/>
-            <a:ext cx="6105194" cy="2031055"/>
+            <a:off x="2878037" y="1522146"/>
+            <a:ext cx="6105194" cy="902737"/>
           </a:xfrm>
         </p:spPr>
         <p:txBody>
           <a:bodyPr vert="horz" lIns="91440" tIns="45720" rIns="91440" bIns="45720" rtlCol="0" anchor="b">
-            <a:normAutofit/>
+            <a:normAutofit fontScale="90000"/>
           </a:bodyPr>
           <a:lstStyle/>
           <a:p>
             <a:pPr algn="ctr"/>
             <a:r>
-              <a:rPr lang="en-US" sz="6000" kern="1200">
+              <a:rPr lang="en-US" sz="6000" u="sng" kern="1200" dirty="0" smtClean="0">
                 <a:solidFill>
                   <a:srgbClr val="FFFFFF"/>
                 </a:solidFill>
@@ -8532,8 +6109,27 @@
                 <a:ea typeface="+mj-ea"/>
                 <a:cs typeface="+mj-cs"/>
               </a:rPr>
-              <a:t>Estructura</a:t>
-            </a:r>
+              <a:t>Primer </a:t>
+            </a:r>
+            <a:r>
+              <a:rPr lang="en-US" sz="6000" u="sng" kern="1200" dirty="0" err="1" smtClean="0">
+                <a:solidFill>
+                  <a:srgbClr val="FFFFFF"/>
+                </a:solidFill>
+                <a:latin typeface="+mj-lt"/>
+                <a:ea typeface="+mj-ea"/>
+                <a:cs typeface="+mj-cs"/>
+              </a:rPr>
+              <a:t>escenario</a:t>
+            </a:r>
+            <a:endParaRPr lang="en-US" sz="6000" u="sng" kern="1200" dirty="0">
+              <a:solidFill>
+                <a:srgbClr val="FFFFFF"/>
+              </a:solidFill>
+              <a:latin typeface="+mj-lt"/>
+              <a:ea typeface="+mj-ea"/>
+              <a:cs typeface="+mj-cs"/>
+            </a:endParaRPr>
           </a:p>
         </p:txBody>
       </p:sp>
@@ -8549,7 +6145,7 @@
         </p:nvSpPr>
         <p:spPr>
           <a:xfrm>
-            <a:off x="3045368" y="4074718"/>
+            <a:off x="3043403" y="2825038"/>
             <a:ext cx="6105194" cy="682079"/>
           </a:xfrm>
         </p:spPr>
@@ -8563,16 +6159,582 @@
               <a:buNone/>
             </a:pPr>
             <a:r>
-              <a:rPr lang="en-US" sz="2000" kern="1200">
+              <a:rPr lang="en-US" sz="2000" dirty="0" smtClean="0">
                 <a:solidFill>
                   <a:srgbClr val="FFFFFF"/>
+                </a:solidFill>
+              </a:rPr>
+              <a:t>N </a:t>
+            </a:r>
+            <a:r>
+              <a:rPr lang="en-US" sz="2000" dirty="0" err="1" smtClean="0">
+                <a:solidFill>
+                  <a:srgbClr val="FFFFFF"/>
+                </a:solidFill>
+              </a:rPr>
+              <a:t>operadores</a:t>
+            </a:r>
+            <a:r>
+              <a:rPr lang="en-US" sz="2000" dirty="0" smtClean="0">
+                <a:solidFill>
+                  <a:srgbClr val="FFFFFF"/>
+                </a:solidFill>
+              </a:rPr>
+              <a:t> SAP y M </a:t>
+            </a:r>
+            <a:r>
+              <a:rPr lang="en-US" sz="2000" dirty="0" err="1" smtClean="0">
+                <a:solidFill>
+                  <a:srgbClr val="FFFFFF"/>
+                </a:solidFill>
+              </a:rPr>
+              <a:t>operadores</a:t>
+            </a:r>
+            <a:r>
+              <a:rPr lang="en-US" sz="2000" dirty="0" smtClean="0">
+                <a:solidFill>
+                  <a:srgbClr val="FFFFFF"/>
+                </a:solidFill>
+              </a:rPr>
+              <a:t> MDSTI</a:t>
+            </a:r>
+            <a:endParaRPr lang="en-US" sz="2000" kern="1200" dirty="0">
+              <a:solidFill>
+                <a:srgbClr val="FFFFFF"/>
+              </a:solidFill>
+              <a:latin typeface="+mn-lt"/>
+              <a:ea typeface="+mn-ea"/>
+              <a:cs typeface="+mn-cs"/>
+            </a:endParaRPr>
+          </a:p>
+        </p:txBody>
+      </p:sp>
+      <p:sp>
+        <p:nvSpPr>
+          <p:cNvPr id="6" name="Content Placeholder 2"/>
+          <p:cNvSpPr txBox="1">
+            <a:spLocks/>
+          </p:cNvSpPr>
+          <p:nvPr/>
+        </p:nvSpPr>
+        <p:spPr>
+          <a:xfrm>
+            <a:off x="2962123" y="3429000"/>
+            <a:ext cx="6105194" cy="1447800"/>
+          </a:xfrm>
+          <a:prstGeom prst="rect">
+            <a:avLst/>
+          </a:prstGeom>
+        </p:spPr>
+        <p:txBody>
+          <a:bodyPr vert="horz" lIns="91440" tIns="45720" rIns="91440" bIns="45720" rtlCol="0">
+            <a:normAutofit/>
+          </a:bodyPr>
+          <a:lstStyle>
+            <a:lvl1pPr marL="228600" indent="-228600" algn="l" defTabSz="914400" rtl="0" eaLnBrk="1" latinLnBrk="0" hangingPunct="1">
+              <a:lnSpc>
+                <a:spcPct val="90000"/>
+              </a:lnSpc>
+              <a:spcBef>
+                <a:spcPts val="1000"/>
+              </a:spcBef>
+              <a:buFont typeface="Arial" panose="020B0604020202020204" pitchFamily="34" charset="0"/>
+              <a:buChar char="•"/>
+              <a:defRPr sz="2800" kern="1200">
+                <a:solidFill>
+                  <a:schemeClr val="tx1"/>
                 </a:solidFill>
                 <a:latin typeface="+mn-lt"/>
                 <a:ea typeface="+mn-ea"/>
                 <a:cs typeface="+mn-cs"/>
-              </a:rPr>
-              <a:t>Buscar en las notas de diapositiva siguientes temas a tener en cuenta para hablar</a:t>
-            </a:r>
+              </a:defRPr>
+            </a:lvl1pPr>
+            <a:lvl2pPr marL="685800" indent="-228600" algn="l" defTabSz="914400" rtl="0" eaLnBrk="1" latinLnBrk="0" hangingPunct="1">
+              <a:lnSpc>
+                <a:spcPct val="90000"/>
+              </a:lnSpc>
+              <a:spcBef>
+                <a:spcPts val="500"/>
+              </a:spcBef>
+              <a:buFont typeface="Arial" panose="020B0604020202020204" pitchFamily="34" charset="0"/>
+              <a:buChar char="•"/>
+              <a:defRPr sz="2400" kern="1200">
+                <a:solidFill>
+                  <a:schemeClr val="tx1"/>
+                </a:solidFill>
+                <a:latin typeface="+mn-lt"/>
+                <a:ea typeface="+mn-ea"/>
+                <a:cs typeface="+mn-cs"/>
+              </a:defRPr>
+            </a:lvl2pPr>
+            <a:lvl3pPr marL="1143000" indent="-228600" algn="l" defTabSz="914400" rtl="0" eaLnBrk="1" latinLnBrk="0" hangingPunct="1">
+              <a:lnSpc>
+                <a:spcPct val="90000"/>
+              </a:lnSpc>
+              <a:spcBef>
+                <a:spcPts val="500"/>
+              </a:spcBef>
+              <a:buFont typeface="Arial" panose="020B0604020202020204" pitchFamily="34" charset="0"/>
+              <a:buChar char="•"/>
+              <a:defRPr sz="2000" kern="1200">
+                <a:solidFill>
+                  <a:schemeClr val="tx1"/>
+                </a:solidFill>
+                <a:latin typeface="+mn-lt"/>
+                <a:ea typeface="+mn-ea"/>
+                <a:cs typeface="+mn-cs"/>
+              </a:defRPr>
+            </a:lvl3pPr>
+            <a:lvl4pPr marL="1600200" indent="-228600" algn="l" defTabSz="914400" rtl="0" eaLnBrk="1" latinLnBrk="0" hangingPunct="1">
+              <a:lnSpc>
+                <a:spcPct val="90000"/>
+              </a:lnSpc>
+              <a:spcBef>
+                <a:spcPts val="500"/>
+              </a:spcBef>
+              <a:buFont typeface="Arial" panose="020B0604020202020204" pitchFamily="34" charset="0"/>
+              <a:buChar char="•"/>
+              <a:defRPr sz="1800" kern="1200">
+                <a:solidFill>
+                  <a:schemeClr val="tx1"/>
+                </a:solidFill>
+                <a:latin typeface="+mn-lt"/>
+                <a:ea typeface="+mn-ea"/>
+                <a:cs typeface="+mn-cs"/>
+              </a:defRPr>
+            </a:lvl4pPr>
+            <a:lvl5pPr marL="2057400" indent="-228600" algn="l" defTabSz="914400" rtl="0" eaLnBrk="1" latinLnBrk="0" hangingPunct="1">
+              <a:lnSpc>
+                <a:spcPct val="90000"/>
+              </a:lnSpc>
+              <a:spcBef>
+                <a:spcPts val="500"/>
+              </a:spcBef>
+              <a:buFont typeface="Arial" panose="020B0604020202020204" pitchFamily="34" charset="0"/>
+              <a:buChar char="•"/>
+              <a:defRPr sz="1800" kern="1200">
+                <a:solidFill>
+                  <a:schemeClr val="tx1"/>
+                </a:solidFill>
+                <a:latin typeface="+mn-lt"/>
+                <a:ea typeface="+mn-ea"/>
+                <a:cs typeface="+mn-cs"/>
+              </a:defRPr>
+            </a:lvl5pPr>
+            <a:lvl6pPr marL="2514600" indent="-228600" algn="l" defTabSz="914400" rtl="0" eaLnBrk="1" latinLnBrk="0" hangingPunct="1">
+              <a:lnSpc>
+                <a:spcPct val="90000"/>
+              </a:lnSpc>
+              <a:spcBef>
+                <a:spcPts val="500"/>
+              </a:spcBef>
+              <a:buFont typeface="Arial" panose="020B0604020202020204" pitchFamily="34" charset="0"/>
+              <a:buChar char="•"/>
+              <a:defRPr sz="1800" kern="1200">
+                <a:solidFill>
+                  <a:schemeClr val="tx1"/>
+                </a:solidFill>
+                <a:latin typeface="+mn-lt"/>
+                <a:ea typeface="+mn-ea"/>
+                <a:cs typeface="+mn-cs"/>
+              </a:defRPr>
+            </a:lvl6pPr>
+            <a:lvl7pPr marL="2971800" indent="-228600" algn="l" defTabSz="914400" rtl="0" eaLnBrk="1" latinLnBrk="0" hangingPunct="1">
+              <a:lnSpc>
+                <a:spcPct val="90000"/>
+              </a:lnSpc>
+              <a:spcBef>
+                <a:spcPts val="500"/>
+              </a:spcBef>
+              <a:buFont typeface="Arial" panose="020B0604020202020204" pitchFamily="34" charset="0"/>
+              <a:buChar char="•"/>
+              <a:defRPr sz="1800" kern="1200">
+                <a:solidFill>
+                  <a:schemeClr val="tx1"/>
+                </a:solidFill>
+                <a:latin typeface="+mn-lt"/>
+                <a:ea typeface="+mn-ea"/>
+                <a:cs typeface="+mn-cs"/>
+              </a:defRPr>
+            </a:lvl7pPr>
+            <a:lvl8pPr marL="3429000" indent="-228600" algn="l" defTabSz="914400" rtl="0" eaLnBrk="1" latinLnBrk="0" hangingPunct="1">
+              <a:lnSpc>
+                <a:spcPct val="90000"/>
+              </a:lnSpc>
+              <a:spcBef>
+                <a:spcPts val="500"/>
+              </a:spcBef>
+              <a:buFont typeface="Arial" panose="020B0604020202020204" pitchFamily="34" charset="0"/>
+              <a:buChar char="•"/>
+              <a:defRPr sz="1800" kern="1200">
+                <a:solidFill>
+                  <a:schemeClr val="tx1"/>
+                </a:solidFill>
+                <a:latin typeface="+mn-lt"/>
+                <a:ea typeface="+mn-ea"/>
+                <a:cs typeface="+mn-cs"/>
+              </a:defRPr>
+            </a:lvl8pPr>
+            <a:lvl9pPr marL="3886200" indent="-228600" algn="l" defTabSz="914400" rtl="0" eaLnBrk="1" latinLnBrk="0" hangingPunct="1">
+              <a:lnSpc>
+                <a:spcPct val="90000"/>
+              </a:lnSpc>
+              <a:spcBef>
+                <a:spcPts val="500"/>
+              </a:spcBef>
+              <a:buFont typeface="Arial" panose="020B0604020202020204" pitchFamily="34" charset="0"/>
+              <a:buChar char="•"/>
+              <a:defRPr sz="1800" kern="1200">
+                <a:solidFill>
+                  <a:schemeClr val="tx1"/>
+                </a:solidFill>
+                <a:latin typeface="+mn-lt"/>
+                <a:ea typeface="+mn-ea"/>
+                <a:cs typeface="+mn-cs"/>
+              </a:defRPr>
+            </a:lvl9pPr>
+          </a:lstStyle>
+          <a:p>
+            <a:pPr marL="0" indent="0" algn="ctr">
+              <a:buFont typeface="Arial" panose="020B0604020202020204" pitchFamily="34" charset="0"/>
+              <a:buNone/>
+            </a:pPr>
+            <a:endParaRPr lang="en-US" sz="2000" dirty="0">
+              <a:solidFill>
+                <a:srgbClr val="FFFFFF"/>
+              </a:solidFill>
+            </a:endParaRPr>
+          </a:p>
+        </p:txBody>
+      </p:sp>
+      <p:sp>
+        <p:nvSpPr>
+          <p:cNvPr id="7" name="Content Placeholder 2"/>
+          <p:cNvSpPr txBox="1">
+            <a:spLocks/>
+          </p:cNvSpPr>
+          <p:nvPr/>
+        </p:nvSpPr>
+        <p:spPr>
+          <a:xfrm>
+            <a:off x="3074849" y="3507117"/>
+            <a:ext cx="6105194" cy="1433371"/>
+          </a:xfrm>
+          <a:prstGeom prst="rect">
+            <a:avLst/>
+          </a:prstGeom>
+        </p:spPr>
+        <p:txBody>
+          <a:bodyPr vert="horz" lIns="91440" tIns="45720" rIns="91440" bIns="45720" rtlCol="0">
+            <a:normAutofit/>
+          </a:bodyPr>
+          <a:lstStyle>
+            <a:lvl1pPr marL="228600" indent="-228600" algn="l" defTabSz="914400" rtl="0" eaLnBrk="1" latinLnBrk="0" hangingPunct="1">
+              <a:lnSpc>
+                <a:spcPct val="90000"/>
+              </a:lnSpc>
+              <a:spcBef>
+                <a:spcPts val="1000"/>
+              </a:spcBef>
+              <a:buFont typeface="Arial" panose="020B0604020202020204" pitchFamily="34" charset="0"/>
+              <a:buChar char="•"/>
+              <a:defRPr sz="2800" kern="1200">
+                <a:solidFill>
+                  <a:schemeClr val="tx1"/>
+                </a:solidFill>
+                <a:latin typeface="+mn-lt"/>
+                <a:ea typeface="+mn-ea"/>
+                <a:cs typeface="+mn-cs"/>
+              </a:defRPr>
+            </a:lvl1pPr>
+            <a:lvl2pPr marL="685800" indent="-228600" algn="l" defTabSz="914400" rtl="0" eaLnBrk="1" latinLnBrk="0" hangingPunct="1">
+              <a:lnSpc>
+                <a:spcPct val="90000"/>
+              </a:lnSpc>
+              <a:spcBef>
+                <a:spcPts val="500"/>
+              </a:spcBef>
+              <a:buFont typeface="Arial" panose="020B0604020202020204" pitchFamily="34" charset="0"/>
+              <a:buChar char="•"/>
+              <a:defRPr sz="2400" kern="1200">
+                <a:solidFill>
+                  <a:schemeClr val="tx1"/>
+                </a:solidFill>
+                <a:latin typeface="+mn-lt"/>
+                <a:ea typeface="+mn-ea"/>
+                <a:cs typeface="+mn-cs"/>
+              </a:defRPr>
+            </a:lvl2pPr>
+            <a:lvl3pPr marL="1143000" indent="-228600" algn="l" defTabSz="914400" rtl="0" eaLnBrk="1" latinLnBrk="0" hangingPunct="1">
+              <a:lnSpc>
+                <a:spcPct val="90000"/>
+              </a:lnSpc>
+              <a:spcBef>
+                <a:spcPts val="500"/>
+              </a:spcBef>
+              <a:buFont typeface="Arial" panose="020B0604020202020204" pitchFamily="34" charset="0"/>
+              <a:buChar char="•"/>
+              <a:defRPr sz="2000" kern="1200">
+                <a:solidFill>
+                  <a:schemeClr val="tx1"/>
+                </a:solidFill>
+                <a:latin typeface="+mn-lt"/>
+                <a:ea typeface="+mn-ea"/>
+                <a:cs typeface="+mn-cs"/>
+              </a:defRPr>
+            </a:lvl3pPr>
+            <a:lvl4pPr marL="1600200" indent="-228600" algn="l" defTabSz="914400" rtl="0" eaLnBrk="1" latinLnBrk="0" hangingPunct="1">
+              <a:lnSpc>
+                <a:spcPct val="90000"/>
+              </a:lnSpc>
+              <a:spcBef>
+                <a:spcPts val="500"/>
+              </a:spcBef>
+              <a:buFont typeface="Arial" panose="020B0604020202020204" pitchFamily="34" charset="0"/>
+              <a:buChar char="•"/>
+              <a:defRPr sz="1800" kern="1200">
+                <a:solidFill>
+                  <a:schemeClr val="tx1"/>
+                </a:solidFill>
+                <a:latin typeface="+mn-lt"/>
+                <a:ea typeface="+mn-ea"/>
+                <a:cs typeface="+mn-cs"/>
+              </a:defRPr>
+            </a:lvl4pPr>
+            <a:lvl5pPr marL="2057400" indent="-228600" algn="l" defTabSz="914400" rtl="0" eaLnBrk="1" latinLnBrk="0" hangingPunct="1">
+              <a:lnSpc>
+                <a:spcPct val="90000"/>
+              </a:lnSpc>
+              <a:spcBef>
+                <a:spcPts val="500"/>
+              </a:spcBef>
+              <a:buFont typeface="Arial" panose="020B0604020202020204" pitchFamily="34" charset="0"/>
+              <a:buChar char="•"/>
+              <a:defRPr sz="1800" kern="1200">
+                <a:solidFill>
+                  <a:schemeClr val="tx1"/>
+                </a:solidFill>
+                <a:latin typeface="+mn-lt"/>
+                <a:ea typeface="+mn-ea"/>
+                <a:cs typeface="+mn-cs"/>
+              </a:defRPr>
+            </a:lvl5pPr>
+            <a:lvl6pPr marL="2514600" indent="-228600" algn="l" defTabSz="914400" rtl="0" eaLnBrk="1" latinLnBrk="0" hangingPunct="1">
+              <a:lnSpc>
+                <a:spcPct val="90000"/>
+              </a:lnSpc>
+              <a:spcBef>
+                <a:spcPts val="500"/>
+              </a:spcBef>
+              <a:buFont typeface="Arial" panose="020B0604020202020204" pitchFamily="34" charset="0"/>
+              <a:buChar char="•"/>
+              <a:defRPr sz="1800" kern="1200">
+                <a:solidFill>
+                  <a:schemeClr val="tx1"/>
+                </a:solidFill>
+                <a:latin typeface="+mn-lt"/>
+                <a:ea typeface="+mn-ea"/>
+                <a:cs typeface="+mn-cs"/>
+              </a:defRPr>
+            </a:lvl6pPr>
+            <a:lvl7pPr marL="2971800" indent="-228600" algn="l" defTabSz="914400" rtl="0" eaLnBrk="1" latinLnBrk="0" hangingPunct="1">
+              <a:lnSpc>
+                <a:spcPct val="90000"/>
+              </a:lnSpc>
+              <a:spcBef>
+                <a:spcPts val="500"/>
+              </a:spcBef>
+              <a:buFont typeface="Arial" panose="020B0604020202020204" pitchFamily="34" charset="0"/>
+              <a:buChar char="•"/>
+              <a:defRPr sz="1800" kern="1200">
+                <a:solidFill>
+                  <a:schemeClr val="tx1"/>
+                </a:solidFill>
+                <a:latin typeface="+mn-lt"/>
+                <a:ea typeface="+mn-ea"/>
+                <a:cs typeface="+mn-cs"/>
+              </a:defRPr>
+            </a:lvl7pPr>
+            <a:lvl8pPr marL="3429000" indent="-228600" algn="l" defTabSz="914400" rtl="0" eaLnBrk="1" latinLnBrk="0" hangingPunct="1">
+              <a:lnSpc>
+                <a:spcPct val="90000"/>
+              </a:lnSpc>
+              <a:spcBef>
+                <a:spcPts val="500"/>
+              </a:spcBef>
+              <a:buFont typeface="Arial" panose="020B0604020202020204" pitchFamily="34" charset="0"/>
+              <a:buChar char="•"/>
+              <a:defRPr sz="1800" kern="1200">
+                <a:solidFill>
+                  <a:schemeClr val="tx1"/>
+                </a:solidFill>
+                <a:latin typeface="+mn-lt"/>
+                <a:ea typeface="+mn-ea"/>
+                <a:cs typeface="+mn-cs"/>
+              </a:defRPr>
+            </a:lvl8pPr>
+            <a:lvl9pPr marL="3886200" indent="-228600" algn="l" defTabSz="914400" rtl="0" eaLnBrk="1" latinLnBrk="0" hangingPunct="1">
+              <a:lnSpc>
+                <a:spcPct val="90000"/>
+              </a:lnSpc>
+              <a:spcBef>
+                <a:spcPts val="500"/>
+              </a:spcBef>
+              <a:buFont typeface="Arial" panose="020B0604020202020204" pitchFamily="34" charset="0"/>
+              <a:buChar char="•"/>
+              <a:defRPr sz="1800" kern="1200">
+                <a:solidFill>
+                  <a:schemeClr val="tx1"/>
+                </a:solidFill>
+                <a:latin typeface="+mn-lt"/>
+                <a:ea typeface="+mn-ea"/>
+                <a:cs typeface="+mn-cs"/>
+              </a:defRPr>
+            </a:lvl9pPr>
+          </a:lstStyle>
+          <a:p>
+            <a:pPr marL="0" indent="0">
+              <a:buFont typeface="Arial" panose="020B0604020202020204" pitchFamily="34" charset="0"/>
+              <a:buNone/>
+            </a:pPr>
+            <a:r>
+              <a:rPr lang="en-US" sz="2000" dirty="0" smtClean="0">
+                <a:solidFill>
+                  <a:srgbClr val="FFFFFF"/>
+                </a:solidFill>
+              </a:rPr>
+              <a:t>RESULTADO:</a:t>
+            </a:r>
+          </a:p>
+          <a:p>
+            <a:pPr>
+              <a:buFont typeface="Wingdings" panose="05000000000000000000" pitchFamily="2" charset="2"/>
+              <a:buChar char="ü"/>
+            </a:pPr>
+            <a:r>
+              <a:rPr lang="en-US" sz="2000" dirty="0" err="1" smtClean="0">
+                <a:solidFill>
+                  <a:srgbClr val="FFFFFF"/>
+                </a:solidFill>
+              </a:rPr>
+              <a:t>Porcentaje</a:t>
+            </a:r>
+            <a:r>
+              <a:rPr lang="en-US" sz="2000" dirty="0" smtClean="0">
+                <a:solidFill>
+                  <a:srgbClr val="FFFFFF"/>
+                </a:solidFill>
+              </a:rPr>
+              <a:t> de </a:t>
+            </a:r>
+            <a:r>
+              <a:rPr lang="en-US" sz="2000" dirty="0" err="1" smtClean="0">
+                <a:solidFill>
+                  <a:srgbClr val="FFFFFF"/>
+                </a:solidFill>
+              </a:rPr>
+              <a:t>tiempo</a:t>
+            </a:r>
+            <a:r>
+              <a:rPr lang="en-US" sz="2000" dirty="0" smtClean="0">
+                <a:solidFill>
+                  <a:srgbClr val="FFFFFF"/>
+                </a:solidFill>
+              </a:rPr>
+              <a:t> </a:t>
+            </a:r>
+            <a:r>
+              <a:rPr lang="en-US" sz="2000" dirty="0" err="1" smtClean="0">
+                <a:solidFill>
+                  <a:srgbClr val="FFFFFF"/>
+                </a:solidFill>
+              </a:rPr>
+              <a:t>ocioso</a:t>
+            </a:r>
+            <a:r>
+              <a:rPr lang="en-US" sz="2000" dirty="0" smtClean="0">
+                <a:solidFill>
+                  <a:srgbClr val="FFFFFF"/>
+                </a:solidFill>
+              </a:rPr>
+              <a:t>: xxx</a:t>
+            </a:r>
+          </a:p>
+          <a:p>
+            <a:pPr>
+              <a:buFont typeface="Wingdings" panose="05000000000000000000" pitchFamily="2" charset="2"/>
+              <a:buChar char="ü"/>
+            </a:pPr>
+            <a:r>
+              <a:rPr lang="en-US" sz="2000" dirty="0" err="1" smtClean="0">
+                <a:solidFill>
+                  <a:srgbClr val="FFFFFF"/>
+                </a:solidFill>
+              </a:rPr>
+              <a:t>Cantidad</a:t>
+            </a:r>
+            <a:r>
+              <a:rPr lang="en-US" sz="2000" dirty="0" smtClean="0">
+                <a:solidFill>
+                  <a:srgbClr val="FFFFFF"/>
+                </a:solidFill>
+              </a:rPr>
+              <a:t> de </a:t>
+            </a:r>
+            <a:r>
+              <a:rPr lang="en-US" sz="2000" dirty="0" err="1" smtClean="0">
+                <a:solidFill>
+                  <a:srgbClr val="FFFFFF"/>
+                </a:solidFill>
+              </a:rPr>
+              <a:t>llamadas</a:t>
+            </a:r>
+            <a:r>
+              <a:rPr lang="en-US" sz="2000" dirty="0" smtClean="0">
+                <a:solidFill>
+                  <a:srgbClr val="FFFFFF"/>
+                </a:solidFill>
+              </a:rPr>
+              <a:t> </a:t>
+            </a:r>
+            <a:r>
+              <a:rPr lang="en-US" sz="2000" dirty="0" err="1" smtClean="0">
+                <a:solidFill>
+                  <a:srgbClr val="FFFFFF"/>
+                </a:solidFill>
+              </a:rPr>
+              <a:t>atendidas</a:t>
+            </a:r>
+            <a:r>
+              <a:rPr lang="en-US" sz="2000" dirty="0" smtClean="0">
+                <a:solidFill>
+                  <a:srgbClr val="FFFFFF"/>
+                </a:solidFill>
+              </a:rPr>
+              <a:t>: xxx</a:t>
+            </a:r>
+          </a:p>
+          <a:p>
+            <a:pPr>
+              <a:buFont typeface="Wingdings" panose="05000000000000000000" pitchFamily="2" charset="2"/>
+              <a:buChar char="ü"/>
+            </a:pPr>
+            <a:endParaRPr lang="en-US" sz="2000" dirty="0" smtClean="0">
+              <a:solidFill>
+                <a:srgbClr val="FFFFFF"/>
+              </a:solidFill>
+            </a:endParaRPr>
+          </a:p>
+          <a:p>
+            <a:pPr marL="0" indent="0" algn="ctr">
+              <a:buFont typeface="Arial" panose="020B0604020202020204" pitchFamily="34" charset="0"/>
+              <a:buNone/>
+            </a:pPr>
+            <a:endParaRPr lang="en-US" sz="2000" dirty="0">
+              <a:solidFill>
+                <a:srgbClr val="FFFFFF"/>
+              </a:solidFill>
+            </a:endParaRPr>
           </a:p>
         </p:txBody>
       </p:sp>
@@ -8586,20 +6748,19 @@
   <p:clrMapOvr>
     <a:masterClrMapping/>
   </p:clrMapOvr>
+  <p:timing>
+    <p:tnLst>
+      <p:par>
+        <p:cTn id="1" dur="indefinite" restart="never" nodeType="tmRoot"/>
+      </p:par>
+    </p:tnLst>
+  </p:timing>
 </p:sld>
 </file>
 
-<file path=ppt/slides/slide8.xml><?xml version="1.0" encoding="utf-8"?>
+<file path=ppt/slides/slide6.xml><?xml version="1.0" encoding="utf-8"?>
 <p:sld xmlns:a="http://schemas.openxmlformats.org/drawingml/2006/main" xmlns:r="http://schemas.openxmlformats.org/officeDocument/2006/relationships" xmlns:p="http://schemas.openxmlformats.org/presentationml/2006/main">
   <p:cSld>
-    <p:bg>
-      <p:bgPr>
-        <a:solidFill>
-          <a:schemeClr val="bg1"/>
-        </a:solidFill>
-        <a:effectLst/>
-      </p:bgPr>
-    </p:bg>
     <p:spTree>
       <p:nvGrpSpPr>
         <p:cNvPr id="1" name=""/>
@@ -8614,15 +6775,15 @@
           <a:chExt cx="0" cy="0"/>
         </a:xfrm>
       </p:grpSpPr>
-      <p:sp useBgFill="1">
+      <p:sp>
         <p:nvSpPr>
           <p:cNvPr id="9" name="Rectangle 8">
             <a:extLst>
               <a:ext uri="{FF2B5EF4-FFF2-40B4-BE49-F238E27FC236}">
-                <a16:creationId xmlns:a16="http://schemas.microsoft.com/office/drawing/2014/main" id="{3B854194-185D-494D-905C-7C7CB2E30F6E}"/>
+                <a16:creationId xmlns:a16="http://schemas.microsoft.com/office/drawing/2014/main" xmlns="" id="{23962611-DFD5-4092-AAFD-559E3DFCE2C9}"/>
               </a:ext>
               <a:ext uri="{C183D7F6-B498-43B3-948B-1728B52AA6E4}">
-                <adec:decorative xmlns:adec="http://schemas.microsoft.com/office/drawing/2017/decorative" val="1"/>
+                <adec:decorative xmlns:adec="http://schemas.microsoft.com/office/drawing/2017/decorative" xmlns="" val="1"/>
               </a:ext>
             </a:extLst>
           </p:cNvPr>
@@ -8632,298 +6793,7 @@
           <p:nvPr>
             <p:extLst>
               <p:ext uri="{386F3935-93C4-4BCD-93E2-E3B085C9AB24}">
-                <p16:designElem xmlns:p16="http://schemas.microsoft.com/office/powerpoint/2015/main" val="1"/>
-              </p:ext>
-            </p:extLst>
-          </p:nvPr>
-        </p:nvSpPr>
-        <p:spPr>
-          <a:xfrm>
-            <a:off x="1" y="0"/>
-            <a:ext cx="6082110" cy="6858000"/>
-          </a:xfrm>
-          <a:prstGeom prst="rect">
-            <a:avLst/>
-          </a:prstGeom>
-          <a:ln>
-            <a:noFill/>
-          </a:ln>
-        </p:spPr>
-        <p:style>
-          <a:lnRef idx="2">
-            <a:schemeClr val="accent1">
-              <a:shade val="50000"/>
-            </a:schemeClr>
-          </a:lnRef>
-          <a:fillRef idx="1">
-            <a:schemeClr val="accent1"/>
-          </a:fillRef>
-          <a:effectRef idx="0">
-            <a:schemeClr val="accent1"/>
-          </a:effectRef>
-          <a:fontRef idx="minor">
-            <a:schemeClr val="lt1"/>
-          </a:fontRef>
-        </p:style>
-        <p:txBody>
-          <a:bodyPr rtlCol="0" anchor="ctr"/>
-          <a:lstStyle/>
-          <a:p>
-            <a:pPr algn="ctr"/>
-            <a:endParaRPr lang="en-US"/>
-          </a:p>
-        </p:txBody>
-      </p:sp>
-      <p:sp>
-        <p:nvSpPr>
-          <p:cNvPr id="11" name="Rectangle 10">
-            <a:extLst>
-              <a:ext uri="{FF2B5EF4-FFF2-40B4-BE49-F238E27FC236}">
-                <a16:creationId xmlns:a16="http://schemas.microsoft.com/office/drawing/2014/main" id="{B4F5FA0D-0104-4987-8241-EFF7C85B88DE}"/>
-              </a:ext>
-              <a:ext uri="{C183D7F6-B498-43B3-948B-1728B52AA6E4}">
-                <adec:decorative xmlns:adec="http://schemas.microsoft.com/office/drawing/2017/decorative" val="1"/>
-              </a:ext>
-            </a:extLst>
-          </p:cNvPr>
-          <p:cNvSpPr>
-            <a:spLocks noGrp="1" noRot="1" noChangeAspect="1" noMove="1" noResize="1" noEditPoints="1" noAdjustHandles="1" noChangeArrowheads="1" noChangeShapeType="1" noTextEdit="1"/>
-          </p:cNvSpPr>
-          <p:nvPr>
-            <p:extLst>
-              <p:ext uri="{386F3935-93C4-4BCD-93E2-E3B085C9AB24}">
-                <p16:designElem xmlns:p16="http://schemas.microsoft.com/office/powerpoint/2015/main" val="1"/>
-              </p:ext>
-            </p:extLst>
-          </p:nvPr>
-        </p:nvSpPr>
-        <p:spPr>
-          <a:xfrm>
-            <a:off x="1" y="0"/>
-            <a:ext cx="12191998" cy="6858000"/>
-          </a:xfrm>
-          <a:prstGeom prst="rect">
-            <a:avLst/>
-          </a:prstGeom>
-          <a:gradFill>
-            <a:gsLst>
-              <a:gs pos="0">
-                <a:schemeClr val="accent1">
-                  <a:lumMod val="90000"/>
-                </a:schemeClr>
-              </a:gs>
-              <a:gs pos="25000">
-                <a:schemeClr val="accent1">
-                  <a:lumMod val="90000"/>
-                </a:schemeClr>
-              </a:gs>
-              <a:gs pos="94000">
-                <a:schemeClr val="bg2">
-                  <a:lumMod val="25000"/>
-                </a:schemeClr>
-              </a:gs>
-              <a:gs pos="100000">
-                <a:schemeClr val="bg2">
-                  <a:lumMod val="25000"/>
-                </a:schemeClr>
-              </a:gs>
-            </a:gsLst>
-            <a:lin ang="4200000" scaled="0"/>
-          </a:gradFill>
-          <a:ln>
-            <a:noFill/>
-          </a:ln>
-        </p:spPr>
-        <p:style>
-          <a:lnRef idx="2">
-            <a:schemeClr val="accent1">
-              <a:shade val="50000"/>
-            </a:schemeClr>
-          </a:lnRef>
-          <a:fillRef idx="1">
-            <a:schemeClr val="accent1"/>
-          </a:fillRef>
-          <a:effectRef idx="0">
-            <a:schemeClr val="accent1"/>
-          </a:effectRef>
-          <a:fontRef idx="minor">
-            <a:schemeClr val="lt1"/>
-          </a:fontRef>
-        </p:style>
-        <p:txBody>
-          <a:bodyPr rtlCol="0" anchor="ctr"/>
-          <a:lstStyle/>
-          <a:p>
-            <a:pPr algn="ctr"/>
-            <a:endParaRPr lang="en-US"/>
-          </a:p>
-        </p:txBody>
-      </p:sp>
-      <p:pic>
-        <p:nvPicPr>
-          <p:cNvPr id="13" name="Picture 12">
-            <a:extLst>
-              <a:ext uri="{FF2B5EF4-FFF2-40B4-BE49-F238E27FC236}">
-                <a16:creationId xmlns:a16="http://schemas.microsoft.com/office/drawing/2014/main" id="{2897127E-6CEF-446C-BE87-93B7C46E49D1}"/>
-              </a:ext>
-              <a:ext uri="{C183D7F6-B498-43B3-948B-1728B52AA6E4}">
-                <adec:decorative xmlns:adec="http://schemas.microsoft.com/office/drawing/2017/decorative" val="1"/>
-              </a:ext>
-            </a:extLst>
-          </p:cNvPr>
-          <p:cNvPicPr>
-            <a:picLocks noGrp="1" noRot="1" noChangeAspect="1" noMove="1" noResize="1" noEditPoints="1" noAdjustHandles="1" noChangeArrowheads="1" noChangeShapeType="1" noCrop="1"/>
-          </p:cNvPicPr>
-          <p:nvPr>
-            <p:extLst>
-              <p:ext uri="{386F3935-93C4-4BCD-93E2-E3B085C9AB24}">
-                <p16:designElem xmlns:p16="http://schemas.microsoft.com/office/powerpoint/2015/main" val="1"/>
-              </p:ext>
-            </p:extLst>
-          </p:nvPr>
-        </p:nvPicPr>
-        <p:blipFill>
-          <a:blip r:embed="rId2">
-            <a:extLst>
-              <a:ext uri="{28A0092B-C50C-407E-A947-70E740481C1C}">
-                <a14:useLocalDpi xmlns:a14="http://schemas.microsoft.com/office/drawing/2010/main" val="0"/>
-              </a:ext>
-            </a:extLst>
-          </a:blip>
-          <a:stretch>
-            <a:fillRect/>
-          </a:stretch>
-        </p:blipFill>
-        <p:spPr>
-          <a:xfrm>
-            <a:off x="0" y="0"/>
-            <a:ext cx="12192000" cy="6858000"/>
-          </a:xfrm>
-          <a:prstGeom prst="rect">
-            <a:avLst/>
-          </a:prstGeom>
-        </p:spPr>
-      </p:pic>
-      <p:sp>
-        <p:nvSpPr>
-          <p:cNvPr id="2" name="Title 1"/>
-          <p:cNvSpPr>
-            <a:spLocks noGrp="1"/>
-          </p:cNvSpPr>
-          <p:nvPr>
-            <p:ph type="title"/>
-          </p:nvPr>
-        </p:nvSpPr>
-        <p:spPr>
-          <a:xfrm>
-            <a:off x="640079" y="2053641"/>
-            <a:ext cx="3669161" cy="2760098"/>
-          </a:xfrm>
-        </p:spPr>
-        <p:txBody>
-          <a:bodyPr>
-            <a:normAutofit/>
-          </a:bodyPr>
-          <a:lstStyle/>
-          <a:p>
-            <a:r>
-              <a:rPr lang="en-US">
-                <a:solidFill>
-                  <a:srgbClr val="FFFFFF"/>
-                </a:solidFill>
-              </a:rPr>
-              <a:t>Teoría matemática</a:t>
-            </a:r>
-          </a:p>
-        </p:txBody>
-      </p:sp>
-      <p:sp>
-        <p:nvSpPr>
-          <p:cNvPr id="3" name="Content Placeholder 2"/>
-          <p:cNvSpPr>
-            <a:spLocks noGrp="1"/>
-          </p:cNvSpPr>
-          <p:nvPr>
-            <p:ph idx="1"/>
-          </p:nvPr>
-        </p:nvSpPr>
-        <p:spPr>
-          <a:xfrm>
-            <a:off x="6090574" y="801866"/>
-            <a:ext cx="5306084" cy="5230634"/>
-          </a:xfrm>
-        </p:spPr>
-        <p:txBody>
-          <a:bodyPr anchor="ctr">
-            <a:normAutofit/>
-          </a:bodyPr>
-          <a:lstStyle/>
-          <a:p>
-            <a:endParaRPr sz="2400">
-              <a:solidFill>
-                <a:srgbClr val="000000"/>
-              </a:solidFill>
-            </a:endParaRPr>
-          </a:p>
-        </p:txBody>
-      </p:sp>
-    </p:spTree>
-    <p:extLst>
-      <p:ext uri="{BB962C8B-B14F-4D97-AF65-F5344CB8AC3E}">
-        <p14:creationId xmlns:p14="http://schemas.microsoft.com/office/powerpoint/2010/main" val="1986564718"/>
-      </p:ext>
-    </p:extLst>
-  </p:cSld>
-  <p:clrMapOvr>
-    <a:masterClrMapping/>
-  </p:clrMapOvr>
-</p:sld>
-</file>
-
-<file path=ppt/slides/slide9.xml><?xml version="1.0" encoding="utf-8"?>
-<p:sld xmlns:a="http://schemas.openxmlformats.org/drawingml/2006/main" xmlns:r="http://schemas.openxmlformats.org/officeDocument/2006/relationships" xmlns:p="http://schemas.openxmlformats.org/presentationml/2006/main">
-  <p:cSld>
-    <p:bg>
-      <p:bgPr>
-        <a:solidFill>
-          <a:schemeClr val="bg1"/>
-        </a:solidFill>
-        <a:effectLst/>
-      </p:bgPr>
-    </p:bg>
-    <p:spTree>
-      <p:nvGrpSpPr>
-        <p:cNvPr id="1" name=""/>
-        <p:cNvGrpSpPr/>
-        <p:nvPr/>
-      </p:nvGrpSpPr>
-      <p:grpSpPr>
-        <a:xfrm>
-          <a:off x="0" y="0"/>
-          <a:ext cx="0" cy="0"/>
-          <a:chOff x="0" y="0"/>
-          <a:chExt cx="0" cy="0"/>
-        </a:xfrm>
-      </p:grpSpPr>
-      <p:sp>
-        <p:nvSpPr>
-          <p:cNvPr id="9" name="Rectangle 8">
-            <a:extLst>
-              <a:ext uri="{FF2B5EF4-FFF2-40B4-BE49-F238E27FC236}">
-                <a16:creationId xmlns:a16="http://schemas.microsoft.com/office/drawing/2014/main" id="{23962611-DFD5-4092-AAFD-559E3DFCE2C9}"/>
-              </a:ext>
-              <a:ext uri="{C183D7F6-B498-43B3-948B-1728B52AA6E4}">
-                <adec:decorative xmlns:adec="http://schemas.microsoft.com/office/drawing/2017/decorative" val="1"/>
-              </a:ext>
-            </a:extLst>
-          </p:cNvPr>
-          <p:cNvSpPr>
-            <a:spLocks noGrp="1" noRot="1" noChangeAspect="1" noMove="1" noResize="1" noEditPoints="1" noAdjustHandles="1" noChangeArrowheads="1" noChangeShapeType="1" noTextEdit="1"/>
-          </p:cNvSpPr>
-          <p:nvPr>
-            <p:extLst>
-              <p:ext uri="{386F3935-93C4-4BCD-93E2-E3B085C9AB24}">
-                <p16:designElem xmlns:p16="http://schemas.microsoft.com/office/powerpoint/2015/main" val="1"/>
+                <p16:designElem xmlns:p16="http://schemas.microsoft.com/office/powerpoint/2015/main" xmlns="" val="1"/>
               </p:ext>
             </p:extLst>
           </p:nvPr>
@@ -8995,10 +6865,10 @@
           <p:cNvPr id="11" name="Picture 10">
             <a:extLst>
               <a:ext uri="{FF2B5EF4-FFF2-40B4-BE49-F238E27FC236}">
-                <a16:creationId xmlns:a16="http://schemas.microsoft.com/office/drawing/2014/main" id="{2270F1FA-0425-408F-9861-80BF5AFB276D}"/>
+                <a16:creationId xmlns:a16="http://schemas.microsoft.com/office/drawing/2014/main" xmlns="" id="{2270F1FA-0425-408F-9861-80BF5AFB276D}"/>
               </a:ext>
               <a:ext uri="{C183D7F6-B498-43B3-948B-1728B52AA6E4}">
-                <adec:decorative xmlns:adec="http://schemas.microsoft.com/office/drawing/2017/decorative" val="1"/>
+                <adec:decorative xmlns:adec="http://schemas.microsoft.com/office/drawing/2017/decorative" xmlns="" val="1"/>
               </a:ext>
             </a:extLst>
           </p:cNvPr>
@@ -9008,7 +6878,7 @@
           <p:nvPr>
             <p:extLst>
               <p:ext uri="{386F3935-93C4-4BCD-93E2-E3B085C9AB24}">
-                <p16:designElem xmlns:p16="http://schemas.microsoft.com/office/powerpoint/2015/main" val="1"/>
+                <p16:designElem xmlns:p16="http://schemas.microsoft.com/office/powerpoint/2015/main" xmlns="" val="1"/>
               </p:ext>
             </p:extLst>
           </p:nvPr>
@@ -9047,6 +6917,1681 @@
         </p:nvSpPr>
         <p:spPr>
           <a:xfrm>
+            <a:off x="2878037" y="1522146"/>
+            <a:ext cx="6105194" cy="902737"/>
+          </a:xfrm>
+        </p:spPr>
+        <p:txBody>
+          <a:bodyPr vert="horz" lIns="91440" tIns="45720" rIns="91440" bIns="45720" rtlCol="0" anchor="b">
+            <a:normAutofit fontScale="90000"/>
+          </a:bodyPr>
+          <a:lstStyle/>
+          <a:p>
+            <a:pPr algn="ctr"/>
+            <a:r>
+              <a:rPr lang="en-US" sz="6000" u="sng" kern="1200" dirty="0" smtClean="0">
+                <a:solidFill>
+                  <a:srgbClr val="FFFFFF"/>
+                </a:solidFill>
+                <a:latin typeface="+mj-lt"/>
+                <a:ea typeface="+mj-ea"/>
+                <a:cs typeface="+mj-cs"/>
+              </a:rPr>
+              <a:t>Segundo </a:t>
+            </a:r>
+            <a:r>
+              <a:rPr lang="en-US" sz="6000" u="sng" kern="1200" dirty="0" err="1" smtClean="0">
+                <a:solidFill>
+                  <a:srgbClr val="FFFFFF"/>
+                </a:solidFill>
+                <a:latin typeface="+mj-lt"/>
+                <a:ea typeface="+mj-ea"/>
+                <a:cs typeface="+mj-cs"/>
+              </a:rPr>
+              <a:t>escenario</a:t>
+            </a:r>
+            <a:endParaRPr lang="en-US" sz="6000" u="sng" kern="1200" dirty="0">
+              <a:solidFill>
+                <a:srgbClr val="FFFFFF"/>
+              </a:solidFill>
+              <a:latin typeface="+mj-lt"/>
+              <a:ea typeface="+mj-ea"/>
+              <a:cs typeface="+mj-cs"/>
+            </a:endParaRPr>
+          </a:p>
+        </p:txBody>
+      </p:sp>
+      <p:sp>
+        <p:nvSpPr>
+          <p:cNvPr id="3" name="Content Placeholder 2"/>
+          <p:cNvSpPr>
+            <a:spLocks noGrp="1"/>
+          </p:cNvSpPr>
+          <p:nvPr>
+            <p:ph idx="1"/>
+          </p:nvPr>
+        </p:nvSpPr>
+        <p:spPr>
+          <a:xfrm>
+            <a:off x="3043403" y="2825038"/>
+            <a:ext cx="6105194" cy="682079"/>
+          </a:xfrm>
+        </p:spPr>
+        <p:txBody>
+          <a:bodyPr vert="horz" lIns="91440" tIns="45720" rIns="91440" bIns="45720" rtlCol="0">
+            <a:normAutofit/>
+          </a:bodyPr>
+          <a:lstStyle/>
+          <a:p>
+            <a:pPr marL="0" indent="0" algn="ctr">
+              <a:buNone/>
+            </a:pPr>
+            <a:r>
+              <a:rPr lang="en-US" sz="2000" dirty="0" smtClean="0">
+                <a:solidFill>
+                  <a:srgbClr val="FFFFFF"/>
+                </a:solidFill>
+              </a:rPr>
+              <a:t>N </a:t>
+            </a:r>
+            <a:r>
+              <a:rPr lang="en-US" sz="2000" dirty="0" err="1" smtClean="0">
+                <a:solidFill>
+                  <a:srgbClr val="FFFFFF"/>
+                </a:solidFill>
+              </a:rPr>
+              <a:t>operadores</a:t>
+            </a:r>
+            <a:r>
+              <a:rPr lang="en-US" sz="2000" dirty="0" smtClean="0">
+                <a:solidFill>
+                  <a:srgbClr val="FFFFFF"/>
+                </a:solidFill>
+              </a:rPr>
+              <a:t> SAP y M </a:t>
+            </a:r>
+            <a:r>
+              <a:rPr lang="en-US" sz="2000" dirty="0" err="1" smtClean="0">
+                <a:solidFill>
+                  <a:srgbClr val="FFFFFF"/>
+                </a:solidFill>
+              </a:rPr>
+              <a:t>operadores</a:t>
+            </a:r>
+            <a:r>
+              <a:rPr lang="en-US" sz="2000" dirty="0" smtClean="0">
+                <a:solidFill>
+                  <a:srgbClr val="FFFFFF"/>
+                </a:solidFill>
+              </a:rPr>
+              <a:t> MDSTI</a:t>
+            </a:r>
+            <a:endParaRPr lang="en-US" sz="2000" kern="1200" dirty="0">
+              <a:solidFill>
+                <a:srgbClr val="FFFFFF"/>
+              </a:solidFill>
+              <a:latin typeface="+mn-lt"/>
+              <a:ea typeface="+mn-ea"/>
+              <a:cs typeface="+mn-cs"/>
+            </a:endParaRPr>
+          </a:p>
+        </p:txBody>
+      </p:sp>
+      <p:sp>
+        <p:nvSpPr>
+          <p:cNvPr id="6" name="Content Placeholder 2"/>
+          <p:cNvSpPr txBox="1">
+            <a:spLocks/>
+          </p:cNvSpPr>
+          <p:nvPr/>
+        </p:nvSpPr>
+        <p:spPr>
+          <a:xfrm>
+            <a:off x="2962123" y="3429000"/>
+            <a:ext cx="6105194" cy="1447800"/>
+          </a:xfrm>
+          <a:prstGeom prst="rect">
+            <a:avLst/>
+          </a:prstGeom>
+        </p:spPr>
+        <p:txBody>
+          <a:bodyPr vert="horz" lIns="91440" tIns="45720" rIns="91440" bIns="45720" rtlCol="0">
+            <a:normAutofit/>
+          </a:bodyPr>
+          <a:lstStyle>
+            <a:lvl1pPr marL="228600" indent="-228600" algn="l" defTabSz="914400" rtl="0" eaLnBrk="1" latinLnBrk="0" hangingPunct="1">
+              <a:lnSpc>
+                <a:spcPct val="90000"/>
+              </a:lnSpc>
+              <a:spcBef>
+                <a:spcPts val="1000"/>
+              </a:spcBef>
+              <a:buFont typeface="Arial" panose="020B0604020202020204" pitchFamily="34" charset="0"/>
+              <a:buChar char="•"/>
+              <a:defRPr sz="2800" kern="1200">
+                <a:solidFill>
+                  <a:schemeClr val="tx1"/>
+                </a:solidFill>
+                <a:latin typeface="+mn-lt"/>
+                <a:ea typeface="+mn-ea"/>
+                <a:cs typeface="+mn-cs"/>
+              </a:defRPr>
+            </a:lvl1pPr>
+            <a:lvl2pPr marL="685800" indent="-228600" algn="l" defTabSz="914400" rtl="0" eaLnBrk="1" latinLnBrk="0" hangingPunct="1">
+              <a:lnSpc>
+                <a:spcPct val="90000"/>
+              </a:lnSpc>
+              <a:spcBef>
+                <a:spcPts val="500"/>
+              </a:spcBef>
+              <a:buFont typeface="Arial" panose="020B0604020202020204" pitchFamily="34" charset="0"/>
+              <a:buChar char="•"/>
+              <a:defRPr sz="2400" kern="1200">
+                <a:solidFill>
+                  <a:schemeClr val="tx1"/>
+                </a:solidFill>
+                <a:latin typeface="+mn-lt"/>
+                <a:ea typeface="+mn-ea"/>
+                <a:cs typeface="+mn-cs"/>
+              </a:defRPr>
+            </a:lvl2pPr>
+            <a:lvl3pPr marL="1143000" indent="-228600" algn="l" defTabSz="914400" rtl="0" eaLnBrk="1" latinLnBrk="0" hangingPunct="1">
+              <a:lnSpc>
+                <a:spcPct val="90000"/>
+              </a:lnSpc>
+              <a:spcBef>
+                <a:spcPts val="500"/>
+              </a:spcBef>
+              <a:buFont typeface="Arial" panose="020B0604020202020204" pitchFamily="34" charset="0"/>
+              <a:buChar char="•"/>
+              <a:defRPr sz="2000" kern="1200">
+                <a:solidFill>
+                  <a:schemeClr val="tx1"/>
+                </a:solidFill>
+                <a:latin typeface="+mn-lt"/>
+                <a:ea typeface="+mn-ea"/>
+                <a:cs typeface="+mn-cs"/>
+              </a:defRPr>
+            </a:lvl3pPr>
+            <a:lvl4pPr marL="1600200" indent="-228600" algn="l" defTabSz="914400" rtl="0" eaLnBrk="1" latinLnBrk="0" hangingPunct="1">
+              <a:lnSpc>
+                <a:spcPct val="90000"/>
+              </a:lnSpc>
+              <a:spcBef>
+                <a:spcPts val="500"/>
+              </a:spcBef>
+              <a:buFont typeface="Arial" panose="020B0604020202020204" pitchFamily="34" charset="0"/>
+              <a:buChar char="•"/>
+              <a:defRPr sz="1800" kern="1200">
+                <a:solidFill>
+                  <a:schemeClr val="tx1"/>
+                </a:solidFill>
+                <a:latin typeface="+mn-lt"/>
+                <a:ea typeface="+mn-ea"/>
+                <a:cs typeface="+mn-cs"/>
+              </a:defRPr>
+            </a:lvl4pPr>
+            <a:lvl5pPr marL="2057400" indent="-228600" algn="l" defTabSz="914400" rtl="0" eaLnBrk="1" latinLnBrk="0" hangingPunct="1">
+              <a:lnSpc>
+                <a:spcPct val="90000"/>
+              </a:lnSpc>
+              <a:spcBef>
+                <a:spcPts val="500"/>
+              </a:spcBef>
+              <a:buFont typeface="Arial" panose="020B0604020202020204" pitchFamily="34" charset="0"/>
+              <a:buChar char="•"/>
+              <a:defRPr sz="1800" kern="1200">
+                <a:solidFill>
+                  <a:schemeClr val="tx1"/>
+                </a:solidFill>
+                <a:latin typeface="+mn-lt"/>
+                <a:ea typeface="+mn-ea"/>
+                <a:cs typeface="+mn-cs"/>
+              </a:defRPr>
+            </a:lvl5pPr>
+            <a:lvl6pPr marL="2514600" indent="-228600" algn="l" defTabSz="914400" rtl="0" eaLnBrk="1" latinLnBrk="0" hangingPunct="1">
+              <a:lnSpc>
+                <a:spcPct val="90000"/>
+              </a:lnSpc>
+              <a:spcBef>
+                <a:spcPts val="500"/>
+              </a:spcBef>
+              <a:buFont typeface="Arial" panose="020B0604020202020204" pitchFamily="34" charset="0"/>
+              <a:buChar char="•"/>
+              <a:defRPr sz="1800" kern="1200">
+                <a:solidFill>
+                  <a:schemeClr val="tx1"/>
+                </a:solidFill>
+                <a:latin typeface="+mn-lt"/>
+                <a:ea typeface="+mn-ea"/>
+                <a:cs typeface="+mn-cs"/>
+              </a:defRPr>
+            </a:lvl6pPr>
+            <a:lvl7pPr marL="2971800" indent="-228600" algn="l" defTabSz="914400" rtl="0" eaLnBrk="1" latinLnBrk="0" hangingPunct="1">
+              <a:lnSpc>
+                <a:spcPct val="90000"/>
+              </a:lnSpc>
+              <a:spcBef>
+                <a:spcPts val="500"/>
+              </a:spcBef>
+              <a:buFont typeface="Arial" panose="020B0604020202020204" pitchFamily="34" charset="0"/>
+              <a:buChar char="•"/>
+              <a:defRPr sz="1800" kern="1200">
+                <a:solidFill>
+                  <a:schemeClr val="tx1"/>
+                </a:solidFill>
+                <a:latin typeface="+mn-lt"/>
+                <a:ea typeface="+mn-ea"/>
+                <a:cs typeface="+mn-cs"/>
+              </a:defRPr>
+            </a:lvl7pPr>
+            <a:lvl8pPr marL="3429000" indent="-228600" algn="l" defTabSz="914400" rtl="0" eaLnBrk="1" latinLnBrk="0" hangingPunct="1">
+              <a:lnSpc>
+                <a:spcPct val="90000"/>
+              </a:lnSpc>
+              <a:spcBef>
+                <a:spcPts val="500"/>
+              </a:spcBef>
+              <a:buFont typeface="Arial" panose="020B0604020202020204" pitchFamily="34" charset="0"/>
+              <a:buChar char="•"/>
+              <a:defRPr sz="1800" kern="1200">
+                <a:solidFill>
+                  <a:schemeClr val="tx1"/>
+                </a:solidFill>
+                <a:latin typeface="+mn-lt"/>
+                <a:ea typeface="+mn-ea"/>
+                <a:cs typeface="+mn-cs"/>
+              </a:defRPr>
+            </a:lvl8pPr>
+            <a:lvl9pPr marL="3886200" indent="-228600" algn="l" defTabSz="914400" rtl="0" eaLnBrk="1" latinLnBrk="0" hangingPunct="1">
+              <a:lnSpc>
+                <a:spcPct val="90000"/>
+              </a:lnSpc>
+              <a:spcBef>
+                <a:spcPts val="500"/>
+              </a:spcBef>
+              <a:buFont typeface="Arial" panose="020B0604020202020204" pitchFamily="34" charset="0"/>
+              <a:buChar char="•"/>
+              <a:defRPr sz="1800" kern="1200">
+                <a:solidFill>
+                  <a:schemeClr val="tx1"/>
+                </a:solidFill>
+                <a:latin typeface="+mn-lt"/>
+                <a:ea typeface="+mn-ea"/>
+                <a:cs typeface="+mn-cs"/>
+              </a:defRPr>
+            </a:lvl9pPr>
+          </a:lstStyle>
+          <a:p>
+            <a:pPr marL="0" indent="0" algn="ctr">
+              <a:buFont typeface="Arial" panose="020B0604020202020204" pitchFamily="34" charset="0"/>
+              <a:buNone/>
+            </a:pPr>
+            <a:endParaRPr lang="en-US" sz="2000" dirty="0">
+              <a:solidFill>
+                <a:srgbClr val="FFFFFF"/>
+              </a:solidFill>
+            </a:endParaRPr>
+          </a:p>
+        </p:txBody>
+      </p:sp>
+      <p:sp>
+        <p:nvSpPr>
+          <p:cNvPr id="7" name="Content Placeholder 2"/>
+          <p:cNvSpPr txBox="1">
+            <a:spLocks/>
+          </p:cNvSpPr>
+          <p:nvPr/>
+        </p:nvSpPr>
+        <p:spPr>
+          <a:xfrm>
+            <a:off x="3074849" y="3507117"/>
+            <a:ext cx="6105194" cy="1433371"/>
+          </a:xfrm>
+          <a:prstGeom prst="rect">
+            <a:avLst/>
+          </a:prstGeom>
+        </p:spPr>
+        <p:txBody>
+          <a:bodyPr vert="horz" lIns="91440" tIns="45720" rIns="91440" bIns="45720" rtlCol="0">
+            <a:normAutofit/>
+          </a:bodyPr>
+          <a:lstStyle>
+            <a:lvl1pPr marL="228600" indent="-228600" algn="l" defTabSz="914400" rtl="0" eaLnBrk="1" latinLnBrk="0" hangingPunct="1">
+              <a:lnSpc>
+                <a:spcPct val="90000"/>
+              </a:lnSpc>
+              <a:spcBef>
+                <a:spcPts val="1000"/>
+              </a:spcBef>
+              <a:buFont typeface="Arial" panose="020B0604020202020204" pitchFamily="34" charset="0"/>
+              <a:buChar char="•"/>
+              <a:defRPr sz="2800" kern="1200">
+                <a:solidFill>
+                  <a:schemeClr val="tx1"/>
+                </a:solidFill>
+                <a:latin typeface="+mn-lt"/>
+                <a:ea typeface="+mn-ea"/>
+                <a:cs typeface="+mn-cs"/>
+              </a:defRPr>
+            </a:lvl1pPr>
+            <a:lvl2pPr marL="685800" indent="-228600" algn="l" defTabSz="914400" rtl="0" eaLnBrk="1" latinLnBrk="0" hangingPunct="1">
+              <a:lnSpc>
+                <a:spcPct val="90000"/>
+              </a:lnSpc>
+              <a:spcBef>
+                <a:spcPts val="500"/>
+              </a:spcBef>
+              <a:buFont typeface="Arial" panose="020B0604020202020204" pitchFamily="34" charset="0"/>
+              <a:buChar char="•"/>
+              <a:defRPr sz="2400" kern="1200">
+                <a:solidFill>
+                  <a:schemeClr val="tx1"/>
+                </a:solidFill>
+                <a:latin typeface="+mn-lt"/>
+                <a:ea typeface="+mn-ea"/>
+                <a:cs typeface="+mn-cs"/>
+              </a:defRPr>
+            </a:lvl2pPr>
+            <a:lvl3pPr marL="1143000" indent="-228600" algn="l" defTabSz="914400" rtl="0" eaLnBrk="1" latinLnBrk="0" hangingPunct="1">
+              <a:lnSpc>
+                <a:spcPct val="90000"/>
+              </a:lnSpc>
+              <a:spcBef>
+                <a:spcPts val="500"/>
+              </a:spcBef>
+              <a:buFont typeface="Arial" panose="020B0604020202020204" pitchFamily="34" charset="0"/>
+              <a:buChar char="•"/>
+              <a:defRPr sz="2000" kern="1200">
+                <a:solidFill>
+                  <a:schemeClr val="tx1"/>
+                </a:solidFill>
+                <a:latin typeface="+mn-lt"/>
+                <a:ea typeface="+mn-ea"/>
+                <a:cs typeface="+mn-cs"/>
+              </a:defRPr>
+            </a:lvl3pPr>
+            <a:lvl4pPr marL="1600200" indent="-228600" algn="l" defTabSz="914400" rtl="0" eaLnBrk="1" latinLnBrk="0" hangingPunct="1">
+              <a:lnSpc>
+                <a:spcPct val="90000"/>
+              </a:lnSpc>
+              <a:spcBef>
+                <a:spcPts val="500"/>
+              </a:spcBef>
+              <a:buFont typeface="Arial" panose="020B0604020202020204" pitchFamily="34" charset="0"/>
+              <a:buChar char="•"/>
+              <a:defRPr sz="1800" kern="1200">
+                <a:solidFill>
+                  <a:schemeClr val="tx1"/>
+                </a:solidFill>
+                <a:latin typeface="+mn-lt"/>
+                <a:ea typeface="+mn-ea"/>
+                <a:cs typeface="+mn-cs"/>
+              </a:defRPr>
+            </a:lvl4pPr>
+            <a:lvl5pPr marL="2057400" indent="-228600" algn="l" defTabSz="914400" rtl="0" eaLnBrk="1" latinLnBrk="0" hangingPunct="1">
+              <a:lnSpc>
+                <a:spcPct val="90000"/>
+              </a:lnSpc>
+              <a:spcBef>
+                <a:spcPts val="500"/>
+              </a:spcBef>
+              <a:buFont typeface="Arial" panose="020B0604020202020204" pitchFamily="34" charset="0"/>
+              <a:buChar char="•"/>
+              <a:defRPr sz="1800" kern="1200">
+                <a:solidFill>
+                  <a:schemeClr val="tx1"/>
+                </a:solidFill>
+                <a:latin typeface="+mn-lt"/>
+                <a:ea typeface="+mn-ea"/>
+                <a:cs typeface="+mn-cs"/>
+              </a:defRPr>
+            </a:lvl5pPr>
+            <a:lvl6pPr marL="2514600" indent="-228600" algn="l" defTabSz="914400" rtl="0" eaLnBrk="1" latinLnBrk="0" hangingPunct="1">
+              <a:lnSpc>
+                <a:spcPct val="90000"/>
+              </a:lnSpc>
+              <a:spcBef>
+                <a:spcPts val="500"/>
+              </a:spcBef>
+              <a:buFont typeface="Arial" panose="020B0604020202020204" pitchFamily="34" charset="0"/>
+              <a:buChar char="•"/>
+              <a:defRPr sz="1800" kern="1200">
+                <a:solidFill>
+                  <a:schemeClr val="tx1"/>
+                </a:solidFill>
+                <a:latin typeface="+mn-lt"/>
+                <a:ea typeface="+mn-ea"/>
+                <a:cs typeface="+mn-cs"/>
+              </a:defRPr>
+            </a:lvl6pPr>
+            <a:lvl7pPr marL="2971800" indent="-228600" algn="l" defTabSz="914400" rtl="0" eaLnBrk="1" latinLnBrk="0" hangingPunct="1">
+              <a:lnSpc>
+                <a:spcPct val="90000"/>
+              </a:lnSpc>
+              <a:spcBef>
+                <a:spcPts val="500"/>
+              </a:spcBef>
+              <a:buFont typeface="Arial" panose="020B0604020202020204" pitchFamily="34" charset="0"/>
+              <a:buChar char="•"/>
+              <a:defRPr sz="1800" kern="1200">
+                <a:solidFill>
+                  <a:schemeClr val="tx1"/>
+                </a:solidFill>
+                <a:latin typeface="+mn-lt"/>
+                <a:ea typeface="+mn-ea"/>
+                <a:cs typeface="+mn-cs"/>
+              </a:defRPr>
+            </a:lvl7pPr>
+            <a:lvl8pPr marL="3429000" indent="-228600" algn="l" defTabSz="914400" rtl="0" eaLnBrk="1" latinLnBrk="0" hangingPunct="1">
+              <a:lnSpc>
+                <a:spcPct val="90000"/>
+              </a:lnSpc>
+              <a:spcBef>
+                <a:spcPts val="500"/>
+              </a:spcBef>
+              <a:buFont typeface="Arial" panose="020B0604020202020204" pitchFamily="34" charset="0"/>
+              <a:buChar char="•"/>
+              <a:defRPr sz="1800" kern="1200">
+                <a:solidFill>
+                  <a:schemeClr val="tx1"/>
+                </a:solidFill>
+                <a:latin typeface="+mn-lt"/>
+                <a:ea typeface="+mn-ea"/>
+                <a:cs typeface="+mn-cs"/>
+              </a:defRPr>
+            </a:lvl8pPr>
+            <a:lvl9pPr marL="3886200" indent="-228600" algn="l" defTabSz="914400" rtl="0" eaLnBrk="1" latinLnBrk="0" hangingPunct="1">
+              <a:lnSpc>
+                <a:spcPct val="90000"/>
+              </a:lnSpc>
+              <a:spcBef>
+                <a:spcPts val="500"/>
+              </a:spcBef>
+              <a:buFont typeface="Arial" panose="020B0604020202020204" pitchFamily="34" charset="0"/>
+              <a:buChar char="•"/>
+              <a:defRPr sz="1800" kern="1200">
+                <a:solidFill>
+                  <a:schemeClr val="tx1"/>
+                </a:solidFill>
+                <a:latin typeface="+mn-lt"/>
+                <a:ea typeface="+mn-ea"/>
+                <a:cs typeface="+mn-cs"/>
+              </a:defRPr>
+            </a:lvl9pPr>
+          </a:lstStyle>
+          <a:p>
+            <a:pPr marL="0" indent="0">
+              <a:buFont typeface="Arial" panose="020B0604020202020204" pitchFamily="34" charset="0"/>
+              <a:buNone/>
+            </a:pPr>
+            <a:r>
+              <a:rPr lang="en-US" sz="2000" dirty="0" smtClean="0">
+                <a:solidFill>
+                  <a:srgbClr val="FFFFFF"/>
+                </a:solidFill>
+              </a:rPr>
+              <a:t>RESULTADO:</a:t>
+            </a:r>
+          </a:p>
+          <a:p>
+            <a:pPr>
+              <a:buFont typeface="Wingdings" panose="05000000000000000000" pitchFamily="2" charset="2"/>
+              <a:buChar char="ü"/>
+            </a:pPr>
+            <a:r>
+              <a:rPr lang="en-US" sz="2000" dirty="0" err="1" smtClean="0">
+                <a:solidFill>
+                  <a:srgbClr val="FFFFFF"/>
+                </a:solidFill>
+              </a:rPr>
+              <a:t>Porcentaje</a:t>
+            </a:r>
+            <a:r>
+              <a:rPr lang="en-US" sz="2000" dirty="0" smtClean="0">
+                <a:solidFill>
+                  <a:srgbClr val="FFFFFF"/>
+                </a:solidFill>
+              </a:rPr>
+              <a:t> de </a:t>
+            </a:r>
+            <a:r>
+              <a:rPr lang="en-US" sz="2000" dirty="0" err="1" smtClean="0">
+                <a:solidFill>
+                  <a:srgbClr val="FFFFFF"/>
+                </a:solidFill>
+              </a:rPr>
+              <a:t>tiempo</a:t>
+            </a:r>
+            <a:r>
+              <a:rPr lang="en-US" sz="2000" dirty="0" smtClean="0">
+                <a:solidFill>
+                  <a:srgbClr val="FFFFFF"/>
+                </a:solidFill>
+              </a:rPr>
+              <a:t> </a:t>
+            </a:r>
+            <a:r>
+              <a:rPr lang="en-US" sz="2000" dirty="0" err="1" smtClean="0">
+                <a:solidFill>
+                  <a:srgbClr val="FFFFFF"/>
+                </a:solidFill>
+              </a:rPr>
+              <a:t>ocioso</a:t>
+            </a:r>
+            <a:r>
+              <a:rPr lang="en-US" sz="2000" dirty="0" smtClean="0">
+                <a:solidFill>
+                  <a:srgbClr val="FFFFFF"/>
+                </a:solidFill>
+              </a:rPr>
+              <a:t>: xxx</a:t>
+            </a:r>
+          </a:p>
+          <a:p>
+            <a:pPr>
+              <a:buFont typeface="Wingdings" panose="05000000000000000000" pitchFamily="2" charset="2"/>
+              <a:buChar char="ü"/>
+            </a:pPr>
+            <a:r>
+              <a:rPr lang="en-US" sz="2000" dirty="0" err="1" smtClean="0">
+                <a:solidFill>
+                  <a:srgbClr val="FFFFFF"/>
+                </a:solidFill>
+              </a:rPr>
+              <a:t>Cantidad</a:t>
+            </a:r>
+            <a:r>
+              <a:rPr lang="en-US" sz="2000" dirty="0" smtClean="0">
+                <a:solidFill>
+                  <a:srgbClr val="FFFFFF"/>
+                </a:solidFill>
+              </a:rPr>
+              <a:t> de </a:t>
+            </a:r>
+            <a:r>
+              <a:rPr lang="en-US" sz="2000" dirty="0" err="1" smtClean="0">
+                <a:solidFill>
+                  <a:srgbClr val="FFFFFF"/>
+                </a:solidFill>
+              </a:rPr>
+              <a:t>llamadas</a:t>
+            </a:r>
+            <a:r>
+              <a:rPr lang="en-US" sz="2000" dirty="0" smtClean="0">
+                <a:solidFill>
+                  <a:srgbClr val="FFFFFF"/>
+                </a:solidFill>
+              </a:rPr>
+              <a:t> </a:t>
+            </a:r>
+            <a:r>
+              <a:rPr lang="en-US" sz="2000" dirty="0" err="1" smtClean="0">
+                <a:solidFill>
+                  <a:srgbClr val="FFFFFF"/>
+                </a:solidFill>
+              </a:rPr>
+              <a:t>atendidas</a:t>
+            </a:r>
+            <a:r>
+              <a:rPr lang="en-US" sz="2000" dirty="0" smtClean="0">
+                <a:solidFill>
+                  <a:srgbClr val="FFFFFF"/>
+                </a:solidFill>
+              </a:rPr>
+              <a:t>: xxx</a:t>
+            </a:r>
+          </a:p>
+          <a:p>
+            <a:pPr>
+              <a:buFont typeface="Wingdings" panose="05000000000000000000" pitchFamily="2" charset="2"/>
+              <a:buChar char="ü"/>
+            </a:pPr>
+            <a:endParaRPr lang="en-US" sz="2000" dirty="0" smtClean="0">
+              <a:solidFill>
+                <a:srgbClr val="FFFFFF"/>
+              </a:solidFill>
+            </a:endParaRPr>
+          </a:p>
+          <a:p>
+            <a:pPr marL="0" indent="0" algn="ctr">
+              <a:buFont typeface="Arial" panose="020B0604020202020204" pitchFamily="34" charset="0"/>
+              <a:buNone/>
+            </a:pPr>
+            <a:endParaRPr lang="en-US" sz="2000" dirty="0">
+              <a:solidFill>
+                <a:srgbClr val="FFFFFF"/>
+              </a:solidFill>
+            </a:endParaRPr>
+          </a:p>
+        </p:txBody>
+      </p:sp>
+    </p:spTree>
+    <p:extLst>
+      <p:ext uri="{BB962C8B-B14F-4D97-AF65-F5344CB8AC3E}">
+        <p14:creationId xmlns:p14="http://schemas.microsoft.com/office/powerpoint/2010/main" val="3942324183"/>
+      </p:ext>
+    </p:extLst>
+  </p:cSld>
+  <p:clrMapOvr>
+    <a:masterClrMapping/>
+  </p:clrMapOvr>
+  <p:timing>
+    <p:tnLst>
+      <p:par>
+        <p:cTn id="1" dur="indefinite" restart="never" nodeType="tmRoot"/>
+      </p:par>
+    </p:tnLst>
+  </p:timing>
+</p:sld>
+</file>
+
+<file path=ppt/slides/slide7.xml><?xml version="1.0" encoding="utf-8"?>
+<p:sld xmlns:a="http://schemas.openxmlformats.org/drawingml/2006/main" xmlns:r="http://schemas.openxmlformats.org/officeDocument/2006/relationships" xmlns:p="http://schemas.openxmlformats.org/presentationml/2006/main">
+  <p:cSld>
+    <p:spTree>
+      <p:nvGrpSpPr>
+        <p:cNvPr id="1" name=""/>
+        <p:cNvGrpSpPr/>
+        <p:nvPr/>
+      </p:nvGrpSpPr>
+      <p:grpSpPr>
+        <a:xfrm>
+          <a:off x="0" y="0"/>
+          <a:ext cx="0" cy="0"/>
+          <a:chOff x="0" y="0"/>
+          <a:chExt cx="0" cy="0"/>
+        </a:xfrm>
+      </p:grpSpPr>
+      <p:sp>
+        <p:nvSpPr>
+          <p:cNvPr id="9" name="Rectangle 8">
+            <a:extLst>
+              <a:ext uri="{FF2B5EF4-FFF2-40B4-BE49-F238E27FC236}">
+                <a16:creationId xmlns:a16="http://schemas.microsoft.com/office/drawing/2014/main" xmlns="" id="{23962611-DFD5-4092-AAFD-559E3DFCE2C9}"/>
+              </a:ext>
+              <a:ext uri="{C183D7F6-B498-43B3-948B-1728B52AA6E4}">
+                <adec:decorative xmlns:adec="http://schemas.microsoft.com/office/drawing/2017/decorative" xmlns="" val="1"/>
+              </a:ext>
+            </a:extLst>
+          </p:cNvPr>
+          <p:cNvSpPr>
+            <a:spLocks noGrp="1" noRot="1" noChangeAspect="1" noMove="1" noResize="1" noEditPoints="1" noAdjustHandles="1" noChangeArrowheads="1" noChangeShapeType="1" noTextEdit="1"/>
+          </p:cNvSpPr>
+          <p:nvPr>
+            <p:extLst>
+              <p:ext uri="{386F3935-93C4-4BCD-93E2-E3B085C9AB24}">
+                <p16:designElem xmlns:p16="http://schemas.microsoft.com/office/powerpoint/2015/main" xmlns="" val="1"/>
+              </p:ext>
+            </p:extLst>
+          </p:nvPr>
+        </p:nvSpPr>
+        <p:spPr>
+          <a:xfrm>
+            <a:off x="475488" y="0"/>
+            <a:ext cx="10910292" cy="6858000"/>
+          </a:xfrm>
+          <a:prstGeom prst="rect">
+            <a:avLst/>
+          </a:prstGeom>
+          <a:gradFill>
+            <a:gsLst>
+              <a:gs pos="0">
+                <a:schemeClr val="accent1">
+                  <a:lumMod val="90000"/>
+                </a:schemeClr>
+              </a:gs>
+              <a:gs pos="25000">
+                <a:schemeClr val="accent1">
+                  <a:lumMod val="90000"/>
+                </a:schemeClr>
+              </a:gs>
+              <a:gs pos="94000">
+                <a:schemeClr val="bg2">
+                  <a:lumMod val="25000"/>
+                </a:schemeClr>
+              </a:gs>
+              <a:gs pos="100000">
+                <a:schemeClr val="bg2">
+                  <a:lumMod val="25000"/>
+                </a:schemeClr>
+              </a:gs>
+            </a:gsLst>
+            <a:lin ang="4200000" scaled="0"/>
+          </a:gradFill>
+          <a:ln>
+            <a:noFill/>
+          </a:ln>
+        </p:spPr>
+        <p:style>
+          <a:lnRef idx="2">
+            <a:schemeClr val="accent1">
+              <a:shade val="50000"/>
+            </a:schemeClr>
+          </a:lnRef>
+          <a:fillRef idx="1">
+            <a:schemeClr val="accent1"/>
+          </a:fillRef>
+          <a:effectRef idx="0">
+            <a:schemeClr val="accent1"/>
+          </a:effectRef>
+          <a:fontRef idx="minor">
+            <a:schemeClr val="lt1"/>
+          </a:fontRef>
+        </p:style>
+        <p:txBody>
+          <a:bodyPr rtlCol="0" anchor="ctr"/>
+          <a:lstStyle/>
+          <a:p>
+            <a:pPr algn="ctr"/>
+            <a:endParaRPr lang="en-US"/>
+          </a:p>
+        </p:txBody>
+      </p:sp>
+      <p:pic>
+        <p:nvPicPr>
+          <p:cNvPr id="11" name="Picture 10">
+            <a:extLst>
+              <a:ext uri="{FF2B5EF4-FFF2-40B4-BE49-F238E27FC236}">
+                <a16:creationId xmlns:a16="http://schemas.microsoft.com/office/drawing/2014/main" xmlns="" id="{2270F1FA-0425-408F-9861-80BF5AFB276D}"/>
+              </a:ext>
+              <a:ext uri="{C183D7F6-B498-43B3-948B-1728B52AA6E4}">
+                <adec:decorative xmlns:adec="http://schemas.microsoft.com/office/drawing/2017/decorative" xmlns="" val="1"/>
+              </a:ext>
+            </a:extLst>
+          </p:cNvPr>
+          <p:cNvPicPr>
+            <a:picLocks noGrp="1" noRot="1" noChangeAspect="1" noMove="1" noResize="1" noEditPoints="1" noAdjustHandles="1" noChangeArrowheads="1" noChangeShapeType="1" noCrop="1"/>
+          </p:cNvPicPr>
+          <p:nvPr>
+            <p:extLst>
+              <p:ext uri="{386F3935-93C4-4BCD-93E2-E3B085C9AB24}">
+                <p16:designElem xmlns:p16="http://schemas.microsoft.com/office/powerpoint/2015/main" xmlns="" val="1"/>
+              </p:ext>
+            </p:extLst>
+          </p:nvPr>
+        </p:nvPicPr>
+        <p:blipFill>
+          <a:blip r:embed="rId3">
+            <a:extLst>
+              <a:ext uri="{28A0092B-C50C-407E-A947-70E740481C1C}">
+                <a14:useLocalDpi xmlns:a14="http://schemas.microsoft.com/office/drawing/2010/main" val="0"/>
+              </a:ext>
+            </a:extLst>
+          </a:blip>
+          <a:stretch>
+            <a:fillRect/>
+          </a:stretch>
+        </p:blipFill>
+        <p:spPr>
+          <a:xfrm>
+            <a:off x="0" y="0"/>
+            <a:ext cx="12192000" cy="6858000"/>
+          </a:xfrm>
+          <a:prstGeom prst="rect">
+            <a:avLst/>
+          </a:prstGeom>
+        </p:spPr>
+      </p:pic>
+      <p:sp>
+        <p:nvSpPr>
+          <p:cNvPr id="2" name="Title 1"/>
+          <p:cNvSpPr>
+            <a:spLocks noGrp="1"/>
+          </p:cNvSpPr>
+          <p:nvPr>
+            <p:ph type="title"/>
+          </p:nvPr>
+        </p:nvSpPr>
+        <p:spPr>
+          <a:xfrm>
+            <a:off x="2878037" y="1522146"/>
+            <a:ext cx="6105194" cy="902737"/>
+          </a:xfrm>
+        </p:spPr>
+        <p:txBody>
+          <a:bodyPr vert="horz" lIns="91440" tIns="45720" rIns="91440" bIns="45720" rtlCol="0" anchor="b">
+            <a:normAutofit fontScale="90000"/>
+          </a:bodyPr>
+          <a:lstStyle/>
+          <a:p>
+            <a:pPr algn="ctr"/>
+            <a:r>
+              <a:rPr lang="en-US" sz="6000" u="sng" kern="1200" dirty="0" err="1" smtClean="0">
+                <a:solidFill>
+                  <a:srgbClr val="FFFFFF"/>
+                </a:solidFill>
+                <a:latin typeface="+mj-lt"/>
+                <a:ea typeface="+mj-ea"/>
+                <a:cs typeface="+mj-cs"/>
+              </a:rPr>
+              <a:t>Tercer</a:t>
+            </a:r>
+            <a:r>
+              <a:rPr lang="en-US" sz="6000" u="sng" kern="1200" dirty="0" smtClean="0">
+                <a:solidFill>
+                  <a:srgbClr val="FFFFFF"/>
+                </a:solidFill>
+                <a:latin typeface="+mj-lt"/>
+                <a:ea typeface="+mj-ea"/>
+                <a:cs typeface="+mj-cs"/>
+              </a:rPr>
+              <a:t> </a:t>
+            </a:r>
+            <a:r>
+              <a:rPr lang="en-US" sz="6000" u="sng" kern="1200" dirty="0" err="1" smtClean="0">
+                <a:solidFill>
+                  <a:srgbClr val="FFFFFF"/>
+                </a:solidFill>
+                <a:latin typeface="+mj-lt"/>
+                <a:ea typeface="+mj-ea"/>
+                <a:cs typeface="+mj-cs"/>
+              </a:rPr>
+              <a:t>escenario</a:t>
+            </a:r>
+            <a:endParaRPr lang="en-US" sz="6000" u="sng" kern="1200" dirty="0">
+              <a:solidFill>
+                <a:srgbClr val="FFFFFF"/>
+              </a:solidFill>
+              <a:latin typeface="+mj-lt"/>
+              <a:ea typeface="+mj-ea"/>
+              <a:cs typeface="+mj-cs"/>
+            </a:endParaRPr>
+          </a:p>
+        </p:txBody>
+      </p:sp>
+      <p:sp>
+        <p:nvSpPr>
+          <p:cNvPr id="3" name="Content Placeholder 2"/>
+          <p:cNvSpPr>
+            <a:spLocks noGrp="1"/>
+          </p:cNvSpPr>
+          <p:nvPr>
+            <p:ph idx="1"/>
+          </p:nvPr>
+        </p:nvSpPr>
+        <p:spPr>
+          <a:xfrm>
+            <a:off x="3043403" y="2825038"/>
+            <a:ext cx="6105194" cy="682079"/>
+          </a:xfrm>
+        </p:spPr>
+        <p:txBody>
+          <a:bodyPr vert="horz" lIns="91440" tIns="45720" rIns="91440" bIns="45720" rtlCol="0">
+            <a:normAutofit/>
+          </a:bodyPr>
+          <a:lstStyle/>
+          <a:p>
+            <a:pPr marL="0" indent="0" algn="ctr">
+              <a:buNone/>
+            </a:pPr>
+            <a:r>
+              <a:rPr lang="en-US" sz="2000" dirty="0" smtClean="0">
+                <a:solidFill>
+                  <a:srgbClr val="FFFFFF"/>
+                </a:solidFill>
+              </a:rPr>
+              <a:t>N </a:t>
+            </a:r>
+            <a:r>
+              <a:rPr lang="en-US" sz="2000" dirty="0" err="1" smtClean="0">
+                <a:solidFill>
+                  <a:srgbClr val="FFFFFF"/>
+                </a:solidFill>
+              </a:rPr>
+              <a:t>operadores</a:t>
+            </a:r>
+            <a:r>
+              <a:rPr lang="en-US" sz="2000" dirty="0" smtClean="0">
+                <a:solidFill>
+                  <a:srgbClr val="FFFFFF"/>
+                </a:solidFill>
+              </a:rPr>
+              <a:t> SAP y M </a:t>
+            </a:r>
+            <a:r>
+              <a:rPr lang="en-US" sz="2000" dirty="0" err="1" smtClean="0">
+                <a:solidFill>
+                  <a:srgbClr val="FFFFFF"/>
+                </a:solidFill>
+              </a:rPr>
+              <a:t>operadores</a:t>
+            </a:r>
+            <a:r>
+              <a:rPr lang="en-US" sz="2000" dirty="0" smtClean="0">
+                <a:solidFill>
+                  <a:srgbClr val="FFFFFF"/>
+                </a:solidFill>
+              </a:rPr>
+              <a:t> MDSTI</a:t>
+            </a:r>
+            <a:endParaRPr lang="en-US" sz="2000" kern="1200" dirty="0">
+              <a:solidFill>
+                <a:srgbClr val="FFFFFF"/>
+              </a:solidFill>
+              <a:latin typeface="+mn-lt"/>
+              <a:ea typeface="+mn-ea"/>
+              <a:cs typeface="+mn-cs"/>
+            </a:endParaRPr>
+          </a:p>
+        </p:txBody>
+      </p:sp>
+      <p:sp>
+        <p:nvSpPr>
+          <p:cNvPr id="6" name="Content Placeholder 2"/>
+          <p:cNvSpPr txBox="1">
+            <a:spLocks/>
+          </p:cNvSpPr>
+          <p:nvPr/>
+        </p:nvSpPr>
+        <p:spPr>
+          <a:xfrm>
+            <a:off x="2962123" y="3429000"/>
+            <a:ext cx="6105194" cy="1447800"/>
+          </a:xfrm>
+          <a:prstGeom prst="rect">
+            <a:avLst/>
+          </a:prstGeom>
+        </p:spPr>
+        <p:txBody>
+          <a:bodyPr vert="horz" lIns="91440" tIns="45720" rIns="91440" bIns="45720" rtlCol="0">
+            <a:normAutofit/>
+          </a:bodyPr>
+          <a:lstStyle>
+            <a:lvl1pPr marL="228600" indent="-228600" algn="l" defTabSz="914400" rtl="0" eaLnBrk="1" latinLnBrk="0" hangingPunct="1">
+              <a:lnSpc>
+                <a:spcPct val="90000"/>
+              </a:lnSpc>
+              <a:spcBef>
+                <a:spcPts val="1000"/>
+              </a:spcBef>
+              <a:buFont typeface="Arial" panose="020B0604020202020204" pitchFamily="34" charset="0"/>
+              <a:buChar char="•"/>
+              <a:defRPr sz="2800" kern="1200">
+                <a:solidFill>
+                  <a:schemeClr val="tx1"/>
+                </a:solidFill>
+                <a:latin typeface="+mn-lt"/>
+                <a:ea typeface="+mn-ea"/>
+                <a:cs typeface="+mn-cs"/>
+              </a:defRPr>
+            </a:lvl1pPr>
+            <a:lvl2pPr marL="685800" indent="-228600" algn="l" defTabSz="914400" rtl="0" eaLnBrk="1" latinLnBrk="0" hangingPunct="1">
+              <a:lnSpc>
+                <a:spcPct val="90000"/>
+              </a:lnSpc>
+              <a:spcBef>
+                <a:spcPts val="500"/>
+              </a:spcBef>
+              <a:buFont typeface="Arial" panose="020B0604020202020204" pitchFamily="34" charset="0"/>
+              <a:buChar char="•"/>
+              <a:defRPr sz="2400" kern="1200">
+                <a:solidFill>
+                  <a:schemeClr val="tx1"/>
+                </a:solidFill>
+                <a:latin typeface="+mn-lt"/>
+                <a:ea typeface="+mn-ea"/>
+                <a:cs typeface="+mn-cs"/>
+              </a:defRPr>
+            </a:lvl2pPr>
+            <a:lvl3pPr marL="1143000" indent="-228600" algn="l" defTabSz="914400" rtl="0" eaLnBrk="1" latinLnBrk="0" hangingPunct="1">
+              <a:lnSpc>
+                <a:spcPct val="90000"/>
+              </a:lnSpc>
+              <a:spcBef>
+                <a:spcPts val="500"/>
+              </a:spcBef>
+              <a:buFont typeface="Arial" panose="020B0604020202020204" pitchFamily="34" charset="0"/>
+              <a:buChar char="•"/>
+              <a:defRPr sz="2000" kern="1200">
+                <a:solidFill>
+                  <a:schemeClr val="tx1"/>
+                </a:solidFill>
+                <a:latin typeface="+mn-lt"/>
+                <a:ea typeface="+mn-ea"/>
+                <a:cs typeface="+mn-cs"/>
+              </a:defRPr>
+            </a:lvl3pPr>
+            <a:lvl4pPr marL="1600200" indent="-228600" algn="l" defTabSz="914400" rtl="0" eaLnBrk="1" latinLnBrk="0" hangingPunct="1">
+              <a:lnSpc>
+                <a:spcPct val="90000"/>
+              </a:lnSpc>
+              <a:spcBef>
+                <a:spcPts val="500"/>
+              </a:spcBef>
+              <a:buFont typeface="Arial" panose="020B0604020202020204" pitchFamily="34" charset="0"/>
+              <a:buChar char="•"/>
+              <a:defRPr sz="1800" kern="1200">
+                <a:solidFill>
+                  <a:schemeClr val="tx1"/>
+                </a:solidFill>
+                <a:latin typeface="+mn-lt"/>
+                <a:ea typeface="+mn-ea"/>
+                <a:cs typeface="+mn-cs"/>
+              </a:defRPr>
+            </a:lvl4pPr>
+            <a:lvl5pPr marL="2057400" indent="-228600" algn="l" defTabSz="914400" rtl="0" eaLnBrk="1" latinLnBrk="0" hangingPunct="1">
+              <a:lnSpc>
+                <a:spcPct val="90000"/>
+              </a:lnSpc>
+              <a:spcBef>
+                <a:spcPts val="500"/>
+              </a:spcBef>
+              <a:buFont typeface="Arial" panose="020B0604020202020204" pitchFamily="34" charset="0"/>
+              <a:buChar char="•"/>
+              <a:defRPr sz="1800" kern="1200">
+                <a:solidFill>
+                  <a:schemeClr val="tx1"/>
+                </a:solidFill>
+                <a:latin typeface="+mn-lt"/>
+                <a:ea typeface="+mn-ea"/>
+                <a:cs typeface="+mn-cs"/>
+              </a:defRPr>
+            </a:lvl5pPr>
+            <a:lvl6pPr marL="2514600" indent="-228600" algn="l" defTabSz="914400" rtl="0" eaLnBrk="1" latinLnBrk="0" hangingPunct="1">
+              <a:lnSpc>
+                <a:spcPct val="90000"/>
+              </a:lnSpc>
+              <a:spcBef>
+                <a:spcPts val="500"/>
+              </a:spcBef>
+              <a:buFont typeface="Arial" panose="020B0604020202020204" pitchFamily="34" charset="0"/>
+              <a:buChar char="•"/>
+              <a:defRPr sz="1800" kern="1200">
+                <a:solidFill>
+                  <a:schemeClr val="tx1"/>
+                </a:solidFill>
+                <a:latin typeface="+mn-lt"/>
+                <a:ea typeface="+mn-ea"/>
+                <a:cs typeface="+mn-cs"/>
+              </a:defRPr>
+            </a:lvl6pPr>
+            <a:lvl7pPr marL="2971800" indent="-228600" algn="l" defTabSz="914400" rtl="0" eaLnBrk="1" latinLnBrk="0" hangingPunct="1">
+              <a:lnSpc>
+                <a:spcPct val="90000"/>
+              </a:lnSpc>
+              <a:spcBef>
+                <a:spcPts val="500"/>
+              </a:spcBef>
+              <a:buFont typeface="Arial" panose="020B0604020202020204" pitchFamily="34" charset="0"/>
+              <a:buChar char="•"/>
+              <a:defRPr sz="1800" kern="1200">
+                <a:solidFill>
+                  <a:schemeClr val="tx1"/>
+                </a:solidFill>
+                <a:latin typeface="+mn-lt"/>
+                <a:ea typeface="+mn-ea"/>
+                <a:cs typeface="+mn-cs"/>
+              </a:defRPr>
+            </a:lvl7pPr>
+            <a:lvl8pPr marL="3429000" indent="-228600" algn="l" defTabSz="914400" rtl="0" eaLnBrk="1" latinLnBrk="0" hangingPunct="1">
+              <a:lnSpc>
+                <a:spcPct val="90000"/>
+              </a:lnSpc>
+              <a:spcBef>
+                <a:spcPts val="500"/>
+              </a:spcBef>
+              <a:buFont typeface="Arial" panose="020B0604020202020204" pitchFamily="34" charset="0"/>
+              <a:buChar char="•"/>
+              <a:defRPr sz="1800" kern="1200">
+                <a:solidFill>
+                  <a:schemeClr val="tx1"/>
+                </a:solidFill>
+                <a:latin typeface="+mn-lt"/>
+                <a:ea typeface="+mn-ea"/>
+                <a:cs typeface="+mn-cs"/>
+              </a:defRPr>
+            </a:lvl8pPr>
+            <a:lvl9pPr marL="3886200" indent="-228600" algn="l" defTabSz="914400" rtl="0" eaLnBrk="1" latinLnBrk="0" hangingPunct="1">
+              <a:lnSpc>
+                <a:spcPct val="90000"/>
+              </a:lnSpc>
+              <a:spcBef>
+                <a:spcPts val="500"/>
+              </a:spcBef>
+              <a:buFont typeface="Arial" panose="020B0604020202020204" pitchFamily="34" charset="0"/>
+              <a:buChar char="•"/>
+              <a:defRPr sz="1800" kern="1200">
+                <a:solidFill>
+                  <a:schemeClr val="tx1"/>
+                </a:solidFill>
+                <a:latin typeface="+mn-lt"/>
+                <a:ea typeface="+mn-ea"/>
+                <a:cs typeface="+mn-cs"/>
+              </a:defRPr>
+            </a:lvl9pPr>
+          </a:lstStyle>
+          <a:p>
+            <a:pPr marL="0" indent="0" algn="ctr">
+              <a:buFont typeface="Arial" panose="020B0604020202020204" pitchFamily="34" charset="0"/>
+              <a:buNone/>
+            </a:pPr>
+            <a:endParaRPr lang="en-US" sz="2000" dirty="0">
+              <a:solidFill>
+                <a:srgbClr val="FFFFFF"/>
+              </a:solidFill>
+            </a:endParaRPr>
+          </a:p>
+        </p:txBody>
+      </p:sp>
+      <p:sp>
+        <p:nvSpPr>
+          <p:cNvPr id="7" name="Content Placeholder 2"/>
+          <p:cNvSpPr txBox="1">
+            <a:spLocks/>
+          </p:cNvSpPr>
+          <p:nvPr/>
+        </p:nvSpPr>
+        <p:spPr>
+          <a:xfrm>
+            <a:off x="3074849" y="3507117"/>
+            <a:ext cx="6105194" cy="1433371"/>
+          </a:xfrm>
+          <a:prstGeom prst="rect">
+            <a:avLst/>
+          </a:prstGeom>
+        </p:spPr>
+        <p:txBody>
+          <a:bodyPr vert="horz" lIns="91440" tIns="45720" rIns="91440" bIns="45720" rtlCol="0">
+            <a:normAutofit/>
+          </a:bodyPr>
+          <a:lstStyle>
+            <a:lvl1pPr marL="228600" indent="-228600" algn="l" defTabSz="914400" rtl="0" eaLnBrk="1" latinLnBrk="0" hangingPunct="1">
+              <a:lnSpc>
+                <a:spcPct val="90000"/>
+              </a:lnSpc>
+              <a:spcBef>
+                <a:spcPts val="1000"/>
+              </a:spcBef>
+              <a:buFont typeface="Arial" panose="020B0604020202020204" pitchFamily="34" charset="0"/>
+              <a:buChar char="•"/>
+              <a:defRPr sz="2800" kern="1200">
+                <a:solidFill>
+                  <a:schemeClr val="tx1"/>
+                </a:solidFill>
+                <a:latin typeface="+mn-lt"/>
+                <a:ea typeface="+mn-ea"/>
+                <a:cs typeface="+mn-cs"/>
+              </a:defRPr>
+            </a:lvl1pPr>
+            <a:lvl2pPr marL="685800" indent="-228600" algn="l" defTabSz="914400" rtl="0" eaLnBrk="1" latinLnBrk="0" hangingPunct="1">
+              <a:lnSpc>
+                <a:spcPct val="90000"/>
+              </a:lnSpc>
+              <a:spcBef>
+                <a:spcPts val="500"/>
+              </a:spcBef>
+              <a:buFont typeface="Arial" panose="020B0604020202020204" pitchFamily="34" charset="0"/>
+              <a:buChar char="•"/>
+              <a:defRPr sz="2400" kern="1200">
+                <a:solidFill>
+                  <a:schemeClr val="tx1"/>
+                </a:solidFill>
+                <a:latin typeface="+mn-lt"/>
+                <a:ea typeface="+mn-ea"/>
+                <a:cs typeface="+mn-cs"/>
+              </a:defRPr>
+            </a:lvl2pPr>
+            <a:lvl3pPr marL="1143000" indent="-228600" algn="l" defTabSz="914400" rtl="0" eaLnBrk="1" latinLnBrk="0" hangingPunct="1">
+              <a:lnSpc>
+                <a:spcPct val="90000"/>
+              </a:lnSpc>
+              <a:spcBef>
+                <a:spcPts val="500"/>
+              </a:spcBef>
+              <a:buFont typeface="Arial" panose="020B0604020202020204" pitchFamily="34" charset="0"/>
+              <a:buChar char="•"/>
+              <a:defRPr sz="2000" kern="1200">
+                <a:solidFill>
+                  <a:schemeClr val="tx1"/>
+                </a:solidFill>
+                <a:latin typeface="+mn-lt"/>
+                <a:ea typeface="+mn-ea"/>
+                <a:cs typeface="+mn-cs"/>
+              </a:defRPr>
+            </a:lvl3pPr>
+            <a:lvl4pPr marL="1600200" indent="-228600" algn="l" defTabSz="914400" rtl="0" eaLnBrk="1" latinLnBrk="0" hangingPunct="1">
+              <a:lnSpc>
+                <a:spcPct val="90000"/>
+              </a:lnSpc>
+              <a:spcBef>
+                <a:spcPts val="500"/>
+              </a:spcBef>
+              <a:buFont typeface="Arial" panose="020B0604020202020204" pitchFamily="34" charset="0"/>
+              <a:buChar char="•"/>
+              <a:defRPr sz="1800" kern="1200">
+                <a:solidFill>
+                  <a:schemeClr val="tx1"/>
+                </a:solidFill>
+                <a:latin typeface="+mn-lt"/>
+                <a:ea typeface="+mn-ea"/>
+                <a:cs typeface="+mn-cs"/>
+              </a:defRPr>
+            </a:lvl4pPr>
+            <a:lvl5pPr marL="2057400" indent="-228600" algn="l" defTabSz="914400" rtl="0" eaLnBrk="1" latinLnBrk="0" hangingPunct="1">
+              <a:lnSpc>
+                <a:spcPct val="90000"/>
+              </a:lnSpc>
+              <a:spcBef>
+                <a:spcPts val="500"/>
+              </a:spcBef>
+              <a:buFont typeface="Arial" panose="020B0604020202020204" pitchFamily="34" charset="0"/>
+              <a:buChar char="•"/>
+              <a:defRPr sz="1800" kern="1200">
+                <a:solidFill>
+                  <a:schemeClr val="tx1"/>
+                </a:solidFill>
+                <a:latin typeface="+mn-lt"/>
+                <a:ea typeface="+mn-ea"/>
+                <a:cs typeface="+mn-cs"/>
+              </a:defRPr>
+            </a:lvl5pPr>
+            <a:lvl6pPr marL="2514600" indent="-228600" algn="l" defTabSz="914400" rtl="0" eaLnBrk="1" latinLnBrk="0" hangingPunct="1">
+              <a:lnSpc>
+                <a:spcPct val="90000"/>
+              </a:lnSpc>
+              <a:spcBef>
+                <a:spcPts val="500"/>
+              </a:spcBef>
+              <a:buFont typeface="Arial" panose="020B0604020202020204" pitchFamily="34" charset="0"/>
+              <a:buChar char="•"/>
+              <a:defRPr sz="1800" kern="1200">
+                <a:solidFill>
+                  <a:schemeClr val="tx1"/>
+                </a:solidFill>
+                <a:latin typeface="+mn-lt"/>
+                <a:ea typeface="+mn-ea"/>
+                <a:cs typeface="+mn-cs"/>
+              </a:defRPr>
+            </a:lvl6pPr>
+            <a:lvl7pPr marL="2971800" indent="-228600" algn="l" defTabSz="914400" rtl="0" eaLnBrk="1" latinLnBrk="0" hangingPunct="1">
+              <a:lnSpc>
+                <a:spcPct val="90000"/>
+              </a:lnSpc>
+              <a:spcBef>
+                <a:spcPts val="500"/>
+              </a:spcBef>
+              <a:buFont typeface="Arial" panose="020B0604020202020204" pitchFamily="34" charset="0"/>
+              <a:buChar char="•"/>
+              <a:defRPr sz="1800" kern="1200">
+                <a:solidFill>
+                  <a:schemeClr val="tx1"/>
+                </a:solidFill>
+                <a:latin typeface="+mn-lt"/>
+                <a:ea typeface="+mn-ea"/>
+                <a:cs typeface="+mn-cs"/>
+              </a:defRPr>
+            </a:lvl7pPr>
+            <a:lvl8pPr marL="3429000" indent="-228600" algn="l" defTabSz="914400" rtl="0" eaLnBrk="1" latinLnBrk="0" hangingPunct="1">
+              <a:lnSpc>
+                <a:spcPct val="90000"/>
+              </a:lnSpc>
+              <a:spcBef>
+                <a:spcPts val="500"/>
+              </a:spcBef>
+              <a:buFont typeface="Arial" panose="020B0604020202020204" pitchFamily="34" charset="0"/>
+              <a:buChar char="•"/>
+              <a:defRPr sz="1800" kern="1200">
+                <a:solidFill>
+                  <a:schemeClr val="tx1"/>
+                </a:solidFill>
+                <a:latin typeface="+mn-lt"/>
+                <a:ea typeface="+mn-ea"/>
+                <a:cs typeface="+mn-cs"/>
+              </a:defRPr>
+            </a:lvl8pPr>
+            <a:lvl9pPr marL="3886200" indent="-228600" algn="l" defTabSz="914400" rtl="0" eaLnBrk="1" latinLnBrk="0" hangingPunct="1">
+              <a:lnSpc>
+                <a:spcPct val="90000"/>
+              </a:lnSpc>
+              <a:spcBef>
+                <a:spcPts val="500"/>
+              </a:spcBef>
+              <a:buFont typeface="Arial" panose="020B0604020202020204" pitchFamily="34" charset="0"/>
+              <a:buChar char="•"/>
+              <a:defRPr sz="1800" kern="1200">
+                <a:solidFill>
+                  <a:schemeClr val="tx1"/>
+                </a:solidFill>
+                <a:latin typeface="+mn-lt"/>
+                <a:ea typeface="+mn-ea"/>
+                <a:cs typeface="+mn-cs"/>
+              </a:defRPr>
+            </a:lvl9pPr>
+          </a:lstStyle>
+          <a:p>
+            <a:pPr marL="0" indent="0">
+              <a:buFont typeface="Arial" panose="020B0604020202020204" pitchFamily="34" charset="0"/>
+              <a:buNone/>
+            </a:pPr>
+            <a:r>
+              <a:rPr lang="en-US" sz="2000" dirty="0" smtClean="0">
+                <a:solidFill>
+                  <a:srgbClr val="FFFFFF"/>
+                </a:solidFill>
+              </a:rPr>
+              <a:t>RESULTADO:</a:t>
+            </a:r>
+          </a:p>
+          <a:p>
+            <a:pPr>
+              <a:buFont typeface="Wingdings" panose="05000000000000000000" pitchFamily="2" charset="2"/>
+              <a:buChar char="ü"/>
+            </a:pPr>
+            <a:r>
+              <a:rPr lang="en-US" sz="2000" dirty="0" err="1" smtClean="0">
+                <a:solidFill>
+                  <a:srgbClr val="FFFFFF"/>
+                </a:solidFill>
+              </a:rPr>
+              <a:t>Porcentaje</a:t>
+            </a:r>
+            <a:r>
+              <a:rPr lang="en-US" sz="2000" dirty="0" smtClean="0">
+                <a:solidFill>
+                  <a:srgbClr val="FFFFFF"/>
+                </a:solidFill>
+              </a:rPr>
+              <a:t> de </a:t>
+            </a:r>
+            <a:r>
+              <a:rPr lang="en-US" sz="2000" dirty="0" err="1" smtClean="0">
+                <a:solidFill>
+                  <a:srgbClr val="FFFFFF"/>
+                </a:solidFill>
+              </a:rPr>
+              <a:t>tiempo</a:t>
+            </a:r>
+            <a:r>
+              <a:rPr lang="en-US" sz="2000" dirty="0" smtClean="0">
+                <a:solidFill>
+                  <a:srgbClr val="FFFFFF"/>
+                </a:solidFill>
+              </a:rPr>
+              <a:t> </a:t>
+            </a:r>
+            <a:r>
+              <a:rPr lang="en-US" sz="2000" dirty="0" err="1" smtClean="0">
+                <a:solidFill>
+                  <a:srgbClr val="FFFFFF"/>
+                </a:solidFill>
+              </a:rPr>
+              <a:t>ocioso</a:t>
+            </a:r>
+            <a:r>
+              <a:rPr lang="en-US" sz="2000" dirty="0" smtClean="0">
+                <a:solidFill>
+                  <a:srgbClr val="FFFFFF"/>
+                </a:solidFill>
+              </a:rPr>
+              <a:t>: xxx</a:t>
+            </a:r>
+          </a:p>
+          <a:p>
+            <a:pPr>
+              <a:buFont typeface="Wingdings" panose="05000000000000000000" pitchFamily="2" charset="2"/>
+              <a:buChar char="ü"/>
+            </a:pPr>
+            <a:r>
+              <a:rPr lang="en-US" sz="2000" dirty="0" err="1" smtClean="0">
+                <a:solidFill>
+                  <a:srgbClr val="FFFFFF"/>
+                </a:solidFill>
+              </a:rPr>
+              <a:t>Cantidad</a:t>
+            </a:r>
+            <a:r>
+              <a:rPr lang="en-US" sz="2000" dirty="0" smtClean="0">
+                <a:solidFill>
+                  <a:srgbClr val="FFFFFF"/>
+                </a:solidFill>
+              </a:rPr>
+              <a:t> de </a:t>
+            </a:r>
+            <a:r>
+              <a:rPr lang="en-US" sz="2000" dirty="0" err="1" smtClean="0">
+                <a:solidFill>
+                  <a:srgbClr val="FFFFFF"/>
+                </a:solidFill>
+              </a:rPr>
+              <a:t>llamadas</a:t>
+            </a:r>
+            <a:r>
+              <a:rPr lang="en-US" sz="2000" dirty="0" smtClean="0">
+                <a:solidFill>
+                  <a:srgbClr val="FFFFFF"/>
+                </a:solidFill>
+              </a:rPr>
+              <a:t> </a:t>
+            </a:r>
+            <a:r>
+              <a:rPr lang="en-US" sz="2000" dirty="0" err="1" smtClean="0">
+                <a:solidFill>
+                  <a:srgbClr val="FFFFFF"/>
+                </a:solidFill>
+              </a:rPr>
+              <a:t>atendidas</a:t>
+            </a:r>
+            <a:r>
+              <a:rPr lang="en-US" sz="2000" dirty="0" smtClean="0">
+                <a:solidFill>
+                  <a:srgbClr val="FFFFFF"/>
+                </a:solidFill>
+              </a:rPr>
+              <a:t>: xxx</a:t>
+            </a:r>
+          </a:p>
+          <a:p>
+            <a:pPr>
+              <a:buFont typeface="Wingdings" panose="05000000000000000000" pitchFamily="2" charset="2"/>
+              <a:buChar char="ü"/>
+            </a:pPr>
+            <a:endParaRPr lang="en-US" sz="2000" dirty="0" smtClean="0">
+              <a:solidFill>
+                <a:srgbClr val="FFFFFF"/>
+              </a:solidFill>
+            </a:endParaRPr>
+          </a:p>
+          <a:p>
+            <a:pPr marL="0" indent="0" algn="ctr">
+              <a:buFont typeface="Arial" panose="020B0604020202020204" pitchFamily="34" charset="0"/>
+              <a:buNone/>
+            </a:pPr>
+            <a:endParaRPr lang="en-US" sz="2000" dirty="0">
+              <a:solidFill>
+                <a:srgbClr val="FFFFFF"/>
+              </a:solidFill>
+            </a:endParaRPr>
+          </a:p>
+        </p:txBody>
+      </p:sp>
+    </p:spTree>
+    <p:extLst>
+      <p:ext uri="{BB962C8B-B14F-4D97-AF65-F5344CB8AC3E}">
+        <p14:creationId xmlns:p14="http://schemas.microsoft.com/office/powerpoint/2010/main" val="1650866718"/>
+      </p:ext>
+    </p:extLst>
+  </p:cSld>
+  <p:clrMapOvr>
+    <a:masterClrMapping/>
+  </p:clrMapOvr>
+  <p:timing>
+    <p:tnLst>
+      <p:par>
+        <p:cTn id="1" dur="indefinite" restart="never" nodeType="tmRoot"/>
+      </p:par>
+    </p:tnLst>
+  </p:timing>
+</p:sld>
+</file>
+
+<file path=ppt/slides/slide8.xml><?xml version="1.0" encoding="utf-8"?>
+<p:sld xmlns:a="http://schemas.openxmlformats.org/drawingml/2006/main" xmlns:r="http://schemas.openxmlformats.org/officeDocument/2006/relationships" xmlns:p="http://schemas.openxmlformats.org/presentationml/2006/main">
+  <p:cSld>
+    <p:bg>
+      <p:bgPr>
+        <a:solidFill>
+          <a:schemeClr val="bg1"/>
+        </a:solidFill>
+        <a:effectLst/>
+      </p:bgPr>
+    </p:bg>
+    <p:spTree>
+      <p:nvGrpSpPr>
+        <p:cNvPr id="1" name=""/>
+        <p:cNvGrpSpPr/>
+        <p:nvPr/>
+      </p:nvGrpSpPr>
+      <p:grpSpPr>
+        <a:xfrm>
+          <a:off x="0" y="0"/>
+          <a:ext cx="0" cy="0"/>
+          <a:chOff x="0" y="0"/>
+          <a:chExt cx="0" cy="0"/>
+        </a:xfrm>
+      </p:grpSpPr>
+      <p:sp>
+        <p:nvSpPr>
+          <p:cNvPr id="9" name="Rectangle 8">
+            <a:extLst>
+              <a:ext uri="{FF2B5EF4-FFF2-40B4-BE49-F238E27FC236}">
+                <a16:creationId xmlns:a16="http://schemas.microsoft.com/office/drawing/2014/main" xmlns="" id="{23962611-DFD5-4092-AAFD-559E3DFCE2C9}"/>
+              </a:ext>
+              <a:ext uri="{C183D7F6-B498-43B3-948B-1728B52AA6E4}">
+                <adec:decorative xmlns:adec="http://schemas.microsoft.com/office/drawing/2017/decorative" xmlns="" val="1"/>
+              </a:ext>
+            </a:extLst>
+          </p:cNvPr>
+          <p:cNvSpPr>
+            <a:spLocks noGrp="1" noRot="1" noChangeAspect="1" noMove="1" noResize="1" noEditPoints="1" noAdjustHandles="1" noChangeArrowheads="1" noChangeShapeType="1" noTextEdit="1"/>
+          </p:cNvSpPr>
+          <p:nvPr>
+            <p:extLst>
+              <p:ext uri="{386F3935-93C4-4BCD-93E2-E3B085C9AB24}">
+                <p16:designElem xmlns:p16="http://schemas.microsoft.com/office/powerpoint/2015/main" xmlns="" val="1"/>
+              </p:ext>
+            </p:extLst>
+          </p:nvPr>
+        </p:nvSpPr>
+        <p:spPr>
+          <a:xfrm>
+            <a:off x="475488" y="0"/>
+            <a:ext cx="10910292" cy="6858000"/>
+          </a:xfrm>
+          <a:prstGeom prst="rect">
+            <a:avLst/>
+          </a:prstGeom>
+          <a:gradFill>
+            <a:gsLst>
+              <a:gs pos="0">
+                <a:schemeClr val="accent1">
+                  <a:lumMod val="90000"/>
+                </a:schemeClr>
+              </a:gs>
+              <a:gs pos="25000">
+                <a:schemeClr val="accent1">
+                  <a:lumMod val="90000"/>
+                </a:schemeClr>
+              </a:gs>
+              <a:gs pos="94000">
+                <a:schemeClr val="bg2">
+                  <a:lumMod val="25000"/>
+                </a:schemeClr>
+              </a:gs>
+              <a:gs pos="100000">
+                <a:schemeClr val="bg2">
+                  <a:lumMod val="25000"/>
+                </a:schemeClr>
+              </a:gs>
+            </a:gsLst>
+            <a:lin ang="4200000" scaled="0"/>
+          </a:gradFill>
+          <a:ln>
+            <a:noFill/>
+          </a:ln>
+        </p:spPr>
+        <p:style>
+          <a:lnRef idx="2">
+            <a:schemeClr val="accent1">
+              <a:shade val="50000"/>
+            </a:schemeClr>
+          </a:lnRef>
+          <a:fillRef idx="1">
+            <a:schemeClr val="accent1"/>
+          </a:fillRef>
+          <a:effectRef idx="0">
+            <a:schemeClr val="accent1"/>
+          </a:effectRef>
+          <a:fontRef idx="minor">
+            <a:schemeClr val="lt1"/>
+          </a:fontRef>
+        </p:style>
+        <p:txBody>
+          <a:bodyPr rtlCol="0" anchor="ctr"/>
+          <a:lstStyle/>
+          <a:p>
+            <a:pPr algn="ctr"/>
+            <a:endParaRPr lang="en-US"/>
+          </a:p>
+        </p:txBody>
+      </p:sp>
+      <p:pic>
+        <p:nvPicPr>
+          <p:cNvPr id="11" name="Picture 10">
+            <a:extLst>
+              <a:ext uri="{FF2B5EF4-FFF2-40B4-BE49-F238E27FC236}">
+                <a16:creationId xmlns:a16="http://schemas.microsoft.com/office/drawing/2014/main" xmlns="" id="{2270F1FA-0425-408F-9861-80BF5AFB276D}"/>
+              </a:ext>
+              <a:ext uri="{C183D7F6-B498-43B3-948B-1728B52AA6E4}">
+                <adec:decorative xmlns:adec="http://schemas.microsoft.com/office/drawing/2017/decorative" xmlns="" val="1"/>
+              </a:ext>
+            </a:extLst>
+          </p:cNvPr>
+          <p:cNvPicPr>
+            <a:picLocks noGrp="1" noRot="1" noChangeAspect="1" noMove="1" noResize="1" noEditPoints="1" noAdjustHandles="1" noChangeArrowheads="1" noChangeShapeType="1" noCrop="1"/>
+          </p:cNvPicPr>
+          <p:nvPr>
+            <p:extLst>
+              <p:ext uri="{386F3935-93C4-4BCD-93E2-E3B085C9AB24}">
+                <p16:designElem xmlns:p16="http://schemas.microsoft.com/office/powerpoint/2015/main" xmlns="" val="1"/>
+              </p:ext>
+            </p:extLst>
+          </p:nvPr>
+        </p:nvPicPr>
+        <p:blipFill>
+          <a:blip r:embed="rId3">
+            <a:extLst>
+              <a:ext uri="{28A0092B-C50C-407E-A947-70E740481C1C}">
+                <a14:useLocalDpi xmlns:a14="http://schemas.microsoft.com/office/drawing/2010/main" val="0"/>
+              </a:ext>
+            </a:extLst>
+          </a:blip>
+          <a:stretch>
+            <a:fillRect/>
+          </a:stretch>
+        </p:blipFill>
+        <p:spPr>
+          <a:xfrm>
+            <a:off x="0" y="0"/>
+            <a:ext cx="12192000" cy="6858000"/>
+          </a:xfrm>
+          <a:prstGeom prst="rect">
+            <a:avLst/>
+          </a:prstGeom>
+        </p:spPr>
+      </p:pic>
+      <p:sp>
+        <p:nvSpPr>
+          <p:cNvPr id="2" name="Title 1"/>
+          <p:cNvSpPr>
+            <a:spLocks noGrp="1"/>
+          </p:cNvSpPr>
+          <p:nvPr>
+            <p:ph type="title"/>
+          </p:nvPr>
+        </p:nvSpPr>
+        <p:spPr>
+          <a:xfrm>
             <a:off x="3045368" y="2043663"/>
             <a:ext cx="6105194" cy="2031055"/>
           </a:xfrm>
@@ -9059,7 +8604,7 @@
           <a:p>
             <a:pPr algn="ctr"/>
             <a:r>
-              <a:rPr lang="en-US" sz="6000" kern="1200">
+              <a:rPr lang="en-US" sz="6000" kern="1200" dirty="0" smtClean="0">
                 <a:solidFill>
                   <a:srgbClr val="FFFFFF"/>
                 </a:solidFill>
@@ -9067,14 +8612,22 @@
                 <a:ea typeface="+mj-ea"/>
                 <a:cs typeface="+mj-cs"/>
               </a:rPr>
-              <a:t>La industria de la subcontratación</a:t>
-            </a:r>
-          </a:p>
-        </p:txBody>
-      </p:sp>
-      <p:sp>
-        <p:nvSpPr>
-          <p:cNvPr id="3" name="Content Placeholder 2"/>
+              <a:t>GRAFICO COMPARATIVO</a:t>
+            </a:r>
+            <a:endParaRPr lang="en-US" sz="6000" kern="1200" dirty="0">
+              <a:solidFill>
+                <a:srgbClr val="FFFFFF"/>
+              </a:solidFill>
+              <a:latin typeface="+mj-lt"/>
+              <a:ea typeface="+mj-ea"/>
+              <a:cs typeface="+mj-cs"/>
+            </a:endParaRPr>
+          </a:p>
+        </p:txBody>
+      </p:sp>
+      <p:sp>
+        <p:nvSpPr>
+          <p:cNvPr id="10" name="Marcador de contenido 9"/>
           <p:cNvSpPr>
             <a:spLocks noGrp="1"/>
           </p:cNvSpPr>
@@ -9082,32 +8635,12 @@
             <p:ph idx="1"/>
           </p:nvPr>
         </p:nvSpPr>
-        <p:spPr>
-          <a:xfrm>
-            <a:off x="3045368" y="4074718"/>
-            <a:ext cx="6105194" cy="682079"/>
-          </a:xfrm>
-        </p:spPr>
-        <p:txBody>
-          <a:bodyPr vert="horz" lIns="91440" tIns="45720" rIns="91440" bIns="45720" rtlCol="0">
-            <a:normAutofit/>
-          </a:bodyPr>
+        <p:spPr/>
+        <p:txBody>
+          <a:bodyPr/>
           <a:lstStyle/>
           <a:p>
-            <a:pPr marL="0" indent="0" algn="ctr">
-              <a:buNone/>
-            </a:pPr>
-            <a:r>
-              <a:rPr lang="en-US" sz="2000" kern="1200">
-                <a:solidFill>
-                  <a:srgbClr val="FFFFFF"/>
-                </a:solidFill>
-                <a:latin typeface="+mn-lt"/>
-                <a:ea typeface="+mn-ea"/>
-                <a:cs typeface="+mn-cs"/>
-              </a:rPr>
-              <a:t>Buscar en las notas de diapositiva siguientes temas a tener en cuenta para hablar</a:t>
-            </a:r>
+            <a:endParaRPr lang="es-AR"/>
           </a:p>
         </p:txBody>
       </p:sp>
@@ -9121,6 +8654,312 @@
   <p:clrMapOvr>
     <a:masterClrMapping/>
   </p:clrMapOvr>
+  <p:timing>
+    <p:tnLst>
+      <p:par>
+        <p:cTn id="1" dur="indefinite" restart="never" nodeType="tmRoot"/>
+      </p:par>
+    </p:tnLst>
+  </p:timing>
+</p:sld>
+</file>
+
+<file path=ppt/slides/slide9.xml><?xml version="1.0" encoding="utf-8"?>
+<p:sld xmlns:a="http://schemas.openxmlformats.org/drawingml/2006/main" xmlns:r="http://schemas.openxmlformats.org/officeDocument/2006/relationships" xmlns:p="http://schemas.openxmlformats.org/presentationml/2006/main">
+  <p:cSld>
+    <p:bg>
+      <p:bgPr>
+        <a:solidFill>
+          <a:schemeClr val="bg1"/>
+        </a:solidFill>
+        <a:effectLst/>
+      </p:bgPr>
+    </p:bg>
+    <p:spTree>
+      <p:nvGrpSpPr>
+        <p:cNvPr id="1" name=""/>
+        <p:cNvGrpSpPr/>
+        <p:nvPr/>
+      </p:nvGrpSpPr>
+      <p:grpSpPr>
+        <a:xfrm>
+          <a:off x="0" y="0"/>
+          <a:ext cx="0" cy="0"/>
+          <a:chOff x="0" y="0"/>
+          <a:chExt cx="0" cy="0"/>
+        </a:xfrm>
+      </p:grpSpPr>
+      <p:sp>
+        <p:nvSpPr>
+          <p:cNvPr id="9" name="Rectangle 8">
+            <a:extLst>
+              <a:ext uri="{FF2B5EF4-FFF2-40B4-BE49-F238E27FC236}">
+                <a16:creationId xmlns:a16="http://schemas.microsoft.com/office/drawing/2014/main" xmlns="" id="{23962611-DFD5-4092-AAFD-559E3DFCE2C9}"/>
+              </a:ext>
+              <a:ext uri="{C183D7F6-B498-43B3-948B-1728B52AA6E4}">
+                <adec:decorative xmlns:adec="http://schemas.microsoft.com/office/drawing/2017/decorative" xmlns="" val="1"/>
+              </a:ext>
+            </a:extLst>
+          </p:cNvPr>
+          <p:cNvSpPr>
+            <a:spLocks noGrp="1" noRot="1" noChangeAspect="1" noMove="1" noResize="1" noEditPoints="1" noAdjustHandles="1" noChangeArrowheads="1" noChangeShapeType="1" noTextEdit="1"/>
+          </p:cNvSpPr>
+          <p:nvPr>
+            <p:extLst>
+              <p:ext uri="{386F3935-93C4-4BCD-93E2-E3B085C9AB24}">
+                <p16:designElem xmlns:p16="http://schemas.microsoft.com/office/powerpoint/2015/main" xmlns="" val="1"/>
+              </p:ext>
+            </p:extLst>
+          </p:nvPr>
+        </p:nvSpPr>
+        <p:spPr>
+          <a:xfrm>
+            <a:off x="475488" y="0"/>
+            <a:ext cx="10910292" cy="6858000"/>
+          </a:xfrm>
+          <a:prstGeom prst="rect">
+            <a:avLst/>
+          </a:prstGeom>
+          <a:gradFill>
+            <a:gsLst>
+              <a:gs pos="0">
+                <a:schemeClr val="accent1">
+                  <a:lumMod val="90000"/>
+                </a:schemeClr>
+              </a:gs>
+              <a:gs pos="25000">
+                <a:schemeClr val="accent1">
+                  <a:lumMod val="90000"/>
+                </a:schemeClr>
+              </a:gs>
+              <a:gs pos="94000">
+                <a:schemeClr val="bg2">
+                  <a:lumMod val="25000"/>
+                </a:schemeClr>
+              </a:gs>
+              <a:gs pos="100000">
+                <a:schemeClr val="bg2">
+                  <a:lumMod val="25000"/>
+                </a:schemeClr>
+              </a:gs>
+            </a:gsLst>
+            <a:lin ang="4200000" scaled="0"/>
+          </a:gradFill>
+          <a:ln>
+            <a:noFill/>
+          </a:ln>
+        </p:spPr>
+        <p:style>
+          <a:lnRef idx="2">
+            <a:schemeClr val="accent1">
+              <a:shade val="50000"/>
+            </a:schemeClr>
+          </a:lnRef>
+          <a:fillRef idx="1">
+            <a:schemeClr val="accent1"/>
+          </a:fillRef>
+          <a:effectRef idx="0">
+            <a:schemeClr val="accent1"/>
+          </a:effectRef>
+          <a:fontRef idx="minor">
+            <a:schemeClr val="lt1"/>
+          </a:fontRef>
+        </p:style>
+        <p:txBody>
+          <a:bodyPr rtlCol="0" anchor="ctr"/>
+          <a:lstStyle/>
+          <a:p>
+            <a:pPr algn="ctr"/>
+            <a:endParaRPr lang="en-US"/>
+          </a:p>
+        </p:txBody>
+      </p:sp>
+      <p:pic>
+        <p:nvPicPr>
+          <p:cNvPr id="11" name="Picture 10">
+            <a:extLst>
+              <a:ext uri="{FF2B5EF4-FFF2-40B4-BE49-F238E27FC236}">
+                <a16:creationId xmlns:a16="http://schemas.microsoft.com/office/drawing/2014/main" xmlns="" id="{2270F1FA-0425-408F-9861-80BF5AFB276D}"/>
+              </a:ext>
+              <a:ext uri="{C183D7F6-B498-43B3-948B-1728B52AA6E4}">
+                <adec:decorative xmlns:adec="http://schemas.microsoft.com/office/drawing/2017/decorative" xmlns="" val="1"/>
+              </a:ext>
+            </a:extLst>
+          </p:cNvPr>
+          <p:cNvPicPr>
+            <a:picLocks noGrp="1" noRot="1" noChangeAspect="1" noMove="1" noResize="1" noEditPoints="1" noAdjustHandles="1" noChangeArrowheads="1" noChangeShapeType="1" noCrop="1"/>
+          </p:cNvPicPr>
+          <p:nvPr>
+            <p:extLst>
+              <p:ext uri="{386F3935-93C4-4BCD-93E2-E3B085C9AB24}">
+                <p16:designElem xmlns:p16="http://schemas.microsoft.com/office/powerpoint/2015/main" xmlns="" val="1"/>
+              </p:ext>
+            </p:extLst>
+          </p:nvPr>
+        </p:nvPicPr>
+        <p:blipFill>
+          <a:blip r:embed="rId3">
+            <a:extLst>
+              <a:ext uri="{28A0092B-C50C-407E-A947-70E740481C1C}">
+                <a14:useLocalDpi xmlns:a14="http://schemas.microsoft.com/office/drawing/2010/main" val="0"/>
+              </a:ext>
+            </a:extLst>
+          </a:blip>
+          <a:stretch>
+            <a:fillRect/>
+          </a:stretch>
+        </p:blipFill>
+        <p:spPr>
+          <a:xfrm>
+            <a:off x="0" y="0"/>
+            <a:ext cx="12192000" cy="6858000"/>
+          </a:xfrm>
+          <a:prstGeom prst="rect">
+            <a:avLst/>
+          </a:prstGeom>
+        </p:spPr>
+      </p:pic>
+      <p:sp>
+        <p:nvSpPr>
+          <p:cNvPr id="2" name="Title 1"/>
+          <p:cNvSpPr>
+            <a:spLocks noGrp="1"/>
+          </p:cNvSpPr>
+          <p:nvPr>
+            <p:ph type="title"/>
+          </p:nvPr>
+        </p:nvSpPr>
+        <p:spPr>
+          <a:xfrm>
+            <a:off x="3045368" y="2043663"/>
+            <a:ext cx="6105194" cy="2031055"/>
+          </a:xfrm>
+        </p:spPr>
+        <p:txBody>
+          <a:bodyPr vert="horz" lIns="91440" tIns="45720" rIns="91440" bIns="45720" rtlCol="0" anchor="b">
+            <a:normAutofit fontScale="90000"/>
+          </a:bodyPr>
+          <a:lstStyle/>
+          <a:p>
+            <a:pPr algn="ctr"/>
+            <a:r>
+              <a:rPr lang="en-US" sz="6000" dirty="0" err="1" smtClean="0">
+                <a:solidFill>
+                  <a:srgbClr val="FFFFFF"/>
+                </a:solidFill>
+              </a:rPr>
+              <a:t>Conclusión</a:t>
+            </a:r>
+            <a:r>
+              <a:rPr lang="en-US" sz="6000" dirty="0" smtClean="0">
+                <a:solidFill>
+                  <a:srgbClr val="FFFFFF"/>
+                </a:solidFill>
+              </a:rPr>
+              <a:t> </a:t>
+            </a:r>
+            <a:r>
+              <a:rPr lang="en-US" sz="6000" dirty="0" err="1" smtClean="0">
+                <a:solidFill>
+                  <a:srgbClr val="FFFFFF"/>
+                </a:solidFill>
+              </a:rPr>
+              <a:t>respecto</a:t>
+            </a:r>
+            <a:r>
+              <a:rPr lang="en-US" sz="6000" dirty="0" smtClean="0">
+                <a:solidFill>
+                  <a:srgbClr val="FFFFFF"/>
+                </a:solidFill>
+              </a:rPr>
+              <a:t> </a:t>
+            </a:r>
+            <a:r>
+              <a:rPr lang="en-US" sz="6000" dirty="0" err="1" smtClean="0">
+                <a:solidFill>
+                  <a:srgbClr val="FFFFFF"/>
+                </a:solidFill>
+              </a:rPr>
+              <a:t>resultado</a:t>
+            </a:r>
+            <a:r>
+              <a:rPr lang="en-US" sz="6000" dirty="0" smtClean="0">
+                <a:solidFill>
+                  <a:srgbClr val="FFFFFF"/>
+                </a:solidFill>
+              </a:rPr>
+              <a:t> </a:t>
+            </a:r>
+            <a:r>
+              <a:rPr lang="en-US" sz="6000" dirty="0" err="1" smtClean="0">
+                <a:solidFill>
+                  <a:srgbClr val="FFFFFF"/>
+                </a:solidFill>
+              </a:rPr>
+              <a:t>obtenido</a:t>
+            </a:r>
+            <a:r>
+              <a:rPr lang="en-US" sz="6000" dirty="0" smtClean="0">
+                <a:solidFill>
+                  <a:srgbClr val="FFFFFF"/>
+                </a:solidFill>
+              </a:rPr>
+              <a:t/>
+            </a:r>
+            <a:br>
+              <a:rPr lang="en-US" sz="6000" dirty="0" smtClean="0">
+                <a:solidFill>
+                  <a:srgbClr val="FFFFFF"/>
+                </a:solidFill>
+              </a:rPr>
+            </a:br>
+            <a:endParaRPr lang="en-US" sz="6000" kern="1200" dirty="0">
+              <a:solidFill>
+                <a:srgbClr val="FFFFFF"/>
+              </a:solidFill>
+              <a:latin typeface="+mj-lt"/>
+              <a:ea typeface="+mj-ea"/>
+              <a:cs typeface="+mj-cs"/>
+            </a:endParaRPr>
+          </a:p>
+        </p:txBody>
+      </p:sp>
+      <p:sp>
+        <p:nvSpPr>
+          <p:cNvPr id="4" name="Marcador de contenido 3"/>
+          <p:cNvSpPr>
+            <a:spLocks noGrp="1"/>
+          </p:cNvSpPr>
+          <p:nvPr>
+            <p:ph idx="1"/>
+          </p:nvPr>
+        </p:nvSpPr>
+        <p:spPr/>
+        <p:txBody>
+          <a:bodyPr/>
+          <a:lstStyle/>
+          <a:p>
+            <a:endParaRPr lang="es-AR"/>
+          </a:p>
+        </p:txBody>
+      </p:sp>
+    </p:spTree>
+    <p:extLst>
+      <p:ext uri="{BB962C8B-B14F-4D97-AF65-F5344CB8AC3E}">
+        <p14:creationId xmlns:p14="http://schemas.microsoft.com/office/powerpoint/2010/main" val="1675998307"/>
+      </p:ext>
+    </p:extLst>
+  </p:cSld>
+  <p:clrMapOvr>
+    <a:masterClrMapping/>
+  </p:clrMapOvr>
+  <p:timing>
+    <p:tnLst>
+      <p:par>
+        <p:cTn id="1" dur="indefinite" restart="never" nodeType="tmRoot"/>
+      </p:par>
+    </p:tnLst>
+  </p:timing>
 </p:sld>
 </file>
 
@@ -9420,207 +9259,6 @@
 </file>
 
 <file path=ppt/theme/theme2.xml><?xml version="1.0" encoding="utf-8"?>
-<a:theme xmlns:a="http://schemas.openxmlformats.org/drawingml/2006/main" name="QuickStarter Theme">
-  <a:themeElements>
-    <a:clrScheme name="Office">
-      <a:dk1>
-        <a:sysClr val="windowText" lastClr="000000"/>
-      </a:dk1>
-      <a:lt1>
-        <a:sysClr val="window" lastClr="FFFFFF"/>
-      </a:lt1>
-      <a:dk2>
-        <a:srgbClr val="44546A"/>
-      </a:dk2>
-      <a:lt2>
-        <a:srgbClr val="E7E6E6"/>
-      </a:lt2>
-      <a:accent1>
-        <a:srgbClr val="4472C4"/>
-      </a:accent1>
-      <a:accent2>
-        <a:srgbClr val="ED7D31"/>
-      </a:accent2>
-      <a:accent3>
-        <a:srgbClr val="A5A5A5"/>
-      </a:accent3>
-      <a:accent4>
-        <a:srgbClr val="FFC000"/>
-      </a:accent4>
-      <a:accent5>
-        <a:srgbClr val="5B9BD5"/>
-      </a:accent5>
-      <a:accent6>
-        <a:srgbClr val="70AD47"/>
-      </a:accent6>
-      <a:hlink>
-        <a:srgbClr val="0563C1"/>
-      </a:hlink>
-      <a:folHlink>
-        <a:srgbClr val="954F72"/>
-      </a:folHlink>
-    </a:clrScheme>
-    <a:fontScheme name="Custom 4">
-      <a:majorFont>
-        <a:latin typeface="Segoe UI"/>
-        <a:ea typeface=""/>
-        <a:cs typeface=""/>
-      </a:majorFont>
-      <a:minorFont>
-        <a:latin typeface="Segoe UI"/>
-        <a:ea typeface=""/>
-        <a:cs typeface=""/>
-      </a:minorFont>
-    </a:fontScheme>
-    <a:fmtScheme name="Office">
-      <a:fillStyleLst>
-        <a:solidFill>
-          <a:schemeClr val="phClr"/>
-        </a:solidFill>
-        <a:gradFill rotWithShape="1">
-          <a:gsLst>
-            <a:gs pos="0">
-              <a:schemeClr val="phClr">
-                <a:lumMod val="110000"/>
-                <a:satMod val="105000"/>
-                <a:tint val="67000"/>
-              </a:schemeClr>
-            </a:gs>
-            <a:gs pos="50000">
-              <a:schemeClr val="phClr">
-                <a:lumMod val="105000"/>
-                <a:satMod val="103000"/>
-                <a:tint val="73000"/>
-              </a:schemeClr>
-            </a:gs>
-            <a:gs pos="100000">
-              <a:schemeClr val="phClr">
-                <a:lumMod val="105000"/>
-                <a:satMod val="109000"/>
-                <a:tint val="81000"/>
-              </a:schemeClr>
-            </a:gs>
-          </a:gsLst>
-          <a:lin ang="5400000" scaled="0"/>
-        </a:gradFill>
-        <a:gradFill rotWithShape="1">
-          <a:gsLst>
-            <a:gs pos="0">
-              <a:schemeClr val="phClr">
-                <a:satMod val="103000"/>
-                <a:lumMod val="102000"/>
-                <a:tint val="94000"/>
-              </a:schemeClr>
-            </a:gs>
-            <a:gs pos="50000">
-              <a:schemeClr val="phClr">
-                <a:satMod val="110000"/>
-                <a:lumMod val="100000"/>
-                <a:shade val="100000"/>
-              </a:schemeClr>
-            </a:gs>
-            <a:gs pos="100000">
-              <a:schemeClr val="phClr">
-                <a:lumMod val="99000"/>
-                <a:satMod val="120000"/>
-                <a:shade val="78000"/>
-              </a:schemeClr>
-            </a:gs>
-          </a:gsLst>
-          <a:lin ang="5400000" scaled="0"/>
-        </a:gradFill>
-      </a:fillStyleLst>
-      <a:lnStyleLst>
-        <a:ln w="6350" cap="flat" cmpd="sng" algn="ctr">
-          <a:solidFill>
-            <a:schemeClr val="phClr"/>
-          </a:solidFill>
-          <a:prstDash val="solid"/>
-          <a:miter lim="800000"/>
-        </a:ln>
-        <a:ln w="12700" cap="flat" cmpd="sng" algn="ctr">
-          <a:solidFill>
-            <a:schemeClr val="phClr"/>
-          </a:solidFill>
-          <a:prstDash val="solid"/>
-          <a:miter lim="800000"/>
-        </a:ln>
-        <a:ln w="19050" cap="flat" cmpd="sng" algn="ctr">
-          <a:solidFill>
-            <a:schemeClr val="phClr"/>
-          </a:solidFill>
-          <a:prstDash val="solid"/>
-          <a:miter lim="800000"/>
-        </a:ln>
-      </a:lnStyleLst>
-      <a:effectStyleLst>
-        <a:effectStyle>
-          <a:effectLst/>
-        </a:effectStyle>
-        <a:effectStyle>
-          <a:effectLst/>
-        </a:effectStyle>
-        <a:effectStyle>
-          <a:effectLst>
-            <a:outerShdw blurRad="57150" dist="19050" dir="5400000" algn="ctr" rotWithShape="0">
-              <a:srgbClr val="000000">
-                <a:alpha val="63000"/>
-              </a:srgbClr>
-            </a:outerShdw>
-          </a:effectLst>
-        </a:effectStyle>
-      </a:effectStyleLst>
-      <a:bgFillStyleLst>
-        <a:solidFill>
-          <a:schemeClr val="phClr"/>
-        </a:solidFill>
-        <a:solidFill>
-          <a:schemeClr val="phClr">
-            <a:tint val="95000"/>
-            <a:satMod val="170000"/>
-          </a:schemeClr>
-        </a:solidFill>
-        <a:gradFill rotWithShape="1">
-          <a:gsLst>
-            <a:gs pos="0">
-              <a:schemeClr val="phClr">
-                <a:tint val="93000"/>
-                <a:satMod val="150000"/>
-                <a:shade val="98000"/>
-                <a:lumMod val="102000"/>
-              </a:schemeClr>
-            </a:gs>
-            <a:gs pos="50000">
-              <a:schemeClr val="phClr">
-                <a:tint val="98000"/>
-                <a:satMod val="130000"/>
-                <a:shade val="90000"/>
-                <a:lumMod val="103000"/>
-              </a:schemeClr>
-            </a:gs>
-            <a:gs pos="100000">
-              <a:schemeClr val="phClr">
-                <a:shade val="63000"/>
-                <a:satMod val="120000"/>
-              </a:schemeClr>
-            </a:gs>
-          </a:gsLst>
-          <a:lin ang="5400000" scaled="0"/>
-        </a:gradFill>
-      </a:bgFillStyleLst>
-    </a:fmtScheme>
-  </a:themeElements>
-  <a:objectDefaults/>
-  <a:extraClrSchemeLst/>
-  <a:extLst>
-    <a:ext uri="{05A4C25C-085E-4340-85A3-A5531E510DB2}">
-      <thm15:themeFamily xmlns:thm15="http://schemas.microsoft.com/office/thememl/2012/main" name="Office Theme" id="{62F939B6-93AF-4DB8-9C6B-D6C7DFDC589F}" vid="{4A3C46E8-61CC-4603-A589-7422A47A8E4A}"/>
-    </a:ext>
-  </a:extLst>
-</a:theme>
-</file>
-
-<file path=ppt/theme/theme3.xml><?xml version="1.0" encoding="utf-8"?>
 <a:theme xmlns:a="http://schemas.openxmlformats.org/drawingml/2006/main" name="Office Theme">
   <a:themeElements>
     <a:clrScheme name="Office">

--- a/Simulación/datos Sistema/UTN - Simulacion - Equipo 5 -TP N°6 Picolo.pptx
+++ b/Simulación/datos Sistema/UTN - Simulacion - Equipo 5 -TP N°6 Picolo.pptx
@@ -16,7 +16,7 @@
     <p:sldId id="270" r:id="rId7"/>
     <p:sldId id="271" r:id="rId8"/>
     <p:sldId id="264" r:id="rId9"/>
-    <p:sldId id="265" r:id="rId10"/>
+    <p:sldId id="272" r:id="rId10"/>
   </p:sldIdLst>
   <p:sldSz cx="12192000" cy="6858000"/>
   <p:notesSz cx="6858000" cy="9144000"/>
@@ -121,6 +121,1174 @@
     </p:ext>
   </p:extLst>
 </p:presentation>
+</file>
+
+<file path=ppt/charts/chart1.xml><?xml version="1.0" encoding="utf-8"?>
+<c:chartSpace xmlns:c="http://schemas.openxmlformats.org/drawingml/2006/chart" xmlns:a="http://schemas.openxmlformats.org/drawingml/2006/main" xmlns:r="http://schemas.openxmlformats.org/officeDocument/2006/relationships">
+  <c:date1904 val="0"/>
+  <c:lang val="es-ES"/>
+  <c:roundedCorners val="0"/>
+  <mc:AlternateContent xmlns:mc="http://schemas.openxmlformats.org/markup-compatibility/2006">
+    <mc:Choice xmlns:c14="http://schemas.microsoft.com/office/drawing/2007/8/2/chart" Requires="c14">
+      <c14:style val="102"/>
+    </mc:Choice>
+    <mc:Fallback>
+      <c:style val="2"/>
+    </mc:Fallback>
+  </mc:AlternateContent>
+  <c:chart>
+    <c:title>
+      <c:tx>
+        <c:rich>
+          <a:bodyPr rot="0" spcFirstLastPara="1" vertOverflow="ellipsis" vert="horz" wrap="square" anchor="ctr" anchorCtr="1"/>
+          <a:lstStyle/>
+          <a:p>
+            <a:pPr>
+              <a:defRPr sz="1862" b="0" i="0" u="none" strike="noStrike" kern="1200" spc="0" baseline="0">
+                <a:solidFill>
+                  <a:schemeClr val="tx1">
+                    <a:lumMod val="65000"/>
+                    <a:lumOff val="35000"/>
+                  </a:schemeClr>
+                </a:solidFill>
+                <a:latin typeface="+mn-lt"/>
+                <a:ea typeface="+mn-ea"/>
+                <a:cs typeface="+mn-cs"/>
+              </a:defRPr>
+            </a:pPr>
+            <a:r>
+              <a:rPr lang="es-AR" dirty="0" smtClean="0"/>
+              <a:t>Simulaciones generadas</a:t>
+            </a:r>
+            <a:endParaRPr lang="es-AR" dirty="0"/>
+          </a:p>
+        </c:rich>
+      </c:tx>
+      <c:layout/>
+      <c:overlay val="0"/>
+      <c:spPr>
+        <a:noFill/>
+        <a:ln>
+          <a:noFill/>
+        </a:ln>
+        <a:effectLst/>
+      </c:spPr>
+      <c:txPr>
+        <a:bodyPr rot="0" spcFirstLastPara="1" vertOverflow="ellipsis" vert="horz" wrap="square" anchor="ctr" anchorCtr="1"/>
+        <a:lstStyle/>
+        <a:p>
+          <a:pPr>
+            <a:defRPr sz="1862" b="0" i="0" u="none" strike="noStrike" kern="1200" spc="0" baseline="0">
+              <a:solidFill>
+                <a:schemeClr val="tx1">
+                  <a:lumMod val="65000"/>
+                  <a:lumOff val="35000"/>
+                </a:schemeClr>
+              </a:solidFill>
+              <a:latin typeface="+mn-lt"/>
+              <a:ea typeface="+mn-ea"/>
+              <a:cs typeface="+mn-cs"/>
+            </a:defRPr>
+          </a:pPr>
+          <a:endParaRPr lang="es-AR"/>
+        </a:p>
+      </c:txPr>
+    </c:title>
+    <c:autoTitleDeleted val="0"/>
+    <c:plotArea>
+      <c:layout/>
+      <c:barChart>
+        <c:barDir val="col"/>
+        <c:grouping val="clustered"/>
+        <c:varyColors val="0"/>
+        <c:ser>
+          <c:idx val="0"/>
+          <c:order val="0"/>
+          <c:tx>
+            <c:strRef>
+              <c:f>Hoja1!$B$1</c:f>
+              <c:strCache>
+                <c:ptCount val="1"/>
+                <c:pt idx="0">
+                  <c:v>Operadores SAP</c:v>
+                </c:pt>
+              </c:strCache>
+            </c:strRef>
+          </c:tx>
+          <c:spPr>
+            <a:solidFill>
+              <a:schemeClr val="accent1"/>
+            </a:solidFill>
+            <a:ln>
+              <a:noFill/>
+            </a:ln>
+            <a:effectLst/>
+          </c:spPr>
+          <c:invertIfNegative val="0"/>
+          <c:cat>
+            <c:strRef>
+              <c:f>Hoja1!$A$2:$A$4</c:f>
+              <c:strCache>
+                <c:ptCount val="3"/>
+                <c:pt idx="0">
+                  <c:v>Simulación 1</c:v>
+                </c:pt>
+                <c:pt idx="1">
+                  <c:v>Simulación 2</c:v>
+                </c:pt>
+                <c:pt idx="2">
+                  <c:v>Simulacion 3</c:v>
+                </c:pt>
+              </c:strCache>
+            </c:strRef>
+          </c:cat>
+          <c:val>
+            <c:numRef>
+              <c:f>Hoja1!$B$2:$B$4</c:f>
+              <c:numCache>
+                <c:formatCode>General</c:formatCode>
+                <c:ptCount val="3"/>
+                <c:pt idx="0">
+                  <c:v>1</c:v>
+                </c:pt>
+                <c:pt idx="1">
+                  <c:v>5</c:v>
+                </c:pt>
+                <c:pt idx="2">
+                  <c:v>10</c:v>
+                </c:pt>
+              </c:numCache>
+            </c:numRef>
+          </c:val>
+        </c:ser>
+        <c:ser>
+          <c:idx val="1"/>
+          <c:order val="1"/>
+          <c:tx>
+            <c:strRef>
+              <c:f>Hoja1!$C$1</c:f>
+              <c:strCache>
+                <c:ptCount val="1"/>
+                <c:pt idx="0">
+                  <c:v>Operadores DMSTI</c:v>
+                </c:pt>
+              </c:strCache>
+            </c:strRef>
+          </c:tx>
+          <c:spPr>
+            <a:solidFill>
+              <a:schemeClr val="accent2"/>
+            </a:solidFill>
+            <a:ln>
+              <a:noFill/>
+            </a:ln>
+            <a:effectLst/>
+          </c:spPr>
+          <c:invertIfNegative val="0"/>
+          <c:cat>
+            <c:strRef>
+              <c:f>Hoja1!$A$2:$A$4</c:f>
+              <c:strCache>
+                <c:ptCount val="3"/>
+                <c:pt idx="0">
+                  <c:v>Simulación 1</c:v>
+                </c:pt>
+                <c:pt idx="1">
+                  <c:v>Simulación 2</c:v>
+                </c:pt>
+                <c:pt idx="2">
+                  <c:v>Simulacion 3</c:v>
+                </c:pt>
+              </c:strCache>
+            </c:strRef>
+          </c:cat>
+          <c:val>
+            <c:numRef>
+              <c:f>Hoja1!$C$2:$C$4</c:f>
+              <c:numCache>
+                <c:formatCode>General</c:formatCode>
+                <c:ptCount val="3"/>
+                <c:pt idx="0">
+                  <c:v>1</c:v>
+                </c:pt>
+                <c:pt idx="1">
+                  <c:v>5</c:v>
+                </c:pt>
+                <c:pt idx="2">
+                  <c:v>10</c:v>
+                </c:pt>
+              </c:numCache>
+            </c:numRef>
+          </c:val>
+        </c:ser>
+        <c:ser>
+          <c:idx val="2"/>
+          <c:order val="2"/>
+          <c:tx>
+            <c:strRef>
+              <c:f>Hoja1!$D$1</c:f>
+              <c:strCache>
+                <c:ptCount val="1"/>
+                <c:pt idx="0">
+                  <c:v>Tiempo Espera SAP</c:v>
+                </c:pt>
+              </c:strCache>
+            </c:strRef>
+          </c:tx>
+          <c:spPr>
+            <a:solidFill>
+              <a:schemeClr val="accent3"/>
+            </a:solidFill>
+            <a:ln>
+              <a:noFill/>
+            </a:ln>
+            <a:effectLst/>
+          </c:spPr>
+          <c:invertIfNegative val="0"/>
+          <c:cat>
+            <c:strRef>
+              <c:f>Hoja1!$A$2:$A$4</c:f>
+              <c:strCache>
+                <c:ptCount val="3"/>
+                <c:pt idx="0">
+                  <c:v>Simulación 1</c:v>
+                </c:pt>
+                <c:pt idx="1">
+                  <c:v>Simulación 2</c:v>
+                </c:pt>
+                <c:pt idx="2">
+                  <c:v>Simulacion 3</c:v>
+                </c:pt>
+              </c:strCache>
+            </c:strRef>
+          </c:cat>
+          <c:val>
+            <c:numRef>
+              <c:f>Hoja1!$D$2:$D$4</c:f>
+              <c:numCache>
+                <c:formatCode>General</c:formatCode>
+                <c:ptCount val="3"/>
+                <c:pt idx="0">
+                  <c:v>10</c:v>
+                </c:pt>
+                <c:pt idx="1">
+                  <c:v>3</c:v>
+                </c:pt>
+                <c:pt idx="2">
+                  <c:v>1</c:v>
+                </c:pt>
+              </c:numCache>
+            </c:numRef>
+          </c:val>
+        </c:ser>
+        <c:ser>
+          <c:idx val="3"/>
+          <c:order val="3"/>
+          <c:tx>
+            <c:strRef>
+              <c:f>Hoja1!$E$1</c:f>
+              <c:strCache>
+                <c:ptCount val="1"/>
+                <c:pt idx="0">
+                  <c:v>Tiempo Espera DMSTI</c:v>
+                </c:pt>
+              </c:strCache>
+            </c:strRef>
+          </c:tx>
+          <c:spPr>
+            <a:solidFill>
+              <a:schemeClr val="accent4"/>
+            </a:solidFill>
+            <a:ln>
+              <a:noFill/>
+            </a:ln>
+            <a:effectLst/>
+          </c:spPr>
+          <c:invertIfNegative val="0"/>
+          <c:cat>
+            <c:strRef>
+              <c:f>Hoja1!$A$2:$A$4</c:f>
+              <c:strCache>
+                <c:ptCount val="3"/>
+                <c:pt idx="0">
+                  <c:v>Simulación 1</c:v>
+                </c:pt>
+                <c:pt idx="1">
+                  <c:v>Simulación 2</c:v>
+                </c:pt>
+                <c:pt idx="2">
+                  <c:v>Simulacion 3</c:v>
+                </c:pt>
+              </c:strCache>
+            </c:strRef>
+          </c:cat>
+          <c:val>
+            <c:numRef>
+              <c:f>Hoja1!$E$2:$E$4</c:f>
+              <c:numCache>
+                <c:formatCode>General</c:formatCode>
+                <c:ptCount val="3"/>
+                <c:pt idx="0">
+                  <c:v>8</c:v>
+                </c:pt>
+                <c:pt idx="1">
+                  <c:v>2</c:v>
+                </c:pt>
+                <c:pt idx="2">
+                  <c:v>1</c:v>
+                </c:pt>
+              </c:numCache>
+            </c:numRef>
+          </c:val>
+        </c:ser>
+        <c:ser>
+          <c:idx val="4"/>
+          <c:order val="4"/>
+          <c:tx>
+            <c:strRef>
+              <c:f>Hoja1!$F$1</c:f>
+              <c:strCache>
+                <c:ptCount val="1"/>
+                <c:pt idx="0">
+                  <c:v>Tiempo Ocioso SAP</c:v>
+                </c:pt>
+              </c:strCache>
+            </c:strRef>
+          </c:tx>
+          <c:spPr>
+            <a:solidFill>
+              <a:schemeClr val="accent5"/>
+            </a:solidFill>
+            <a:ln>
+              <a:noFill/>
+            </a:ln>
+            <a:effectLst/>
+          </c:spPr>
+          <c:invertIfNegative val="0"/>
+          <c:cat>
+            <c:strRef>
+              <c:f>Hoja1!$A$2:$A$4</c:f>
+              <c:strCache>
+                <c:ptCount val="3"/>
+                <c:pt idx="0">
+                  <c:v>Simulación 1</c:v>
+                </c:pt>
+                <c:pt idx="1">
+                  <c:v>Simulación 2</c:v>
+                </c:pt>
+                <c:pt idx="2">
+                  <c:v>Simulacion 3</c:v>
+                </c:pt>
+              </c:strCache>
+            </c:strRef>
+          </c:cat>
+          <c:val>
+            <c:numRef>
+              <c:f>Hoja1!$F$2:$F$4</c:f>
+              <c:numCache>
+                <c:formatCode>General</c:formatCode>
+                <c:ptCount val="3"/>
+                <c:pt idx="0">
+                  <c:v>0.5</c:v>
+                </c:pt>
+                <c:pt idx="1">
+                  <c:v>2</c:v>
+                </c:pt>
+                <c:pt idx="2">
+                  <c:v>5</c:v>
+                </c:pt>
+              </c:numCache>
+            </c:numRef>
+          </c:val>
+        </c:ser>
+        <c:ser>
+          <c:idx val="5"/>
+          <c:order val="5"/>
+          <c:tx>
+            <c:strRef>
+              <c:f>Hoja1!$G$1</c:f>
+              <c:strCache>
+                <c:ptCount val="1"/>
+                <c:pt idx="0">
+                  <c:v>Tiempo Ocioso DMSTI</c:v>
+                </c:pt>
+              </c:strCache>
+            </c:strRef>
+          </c:tx>
+          <c:spPr>
+            <a:solidFill>
+              <a:schemeClr val="accent6"/>
+            </a:solidFill>
+            <a:ln>
+              <a:noFill/>
+            </a:ln>
+            <a:effectLst/>
+          </c:spPr>
+          <c:invertIfNegative val="0"/>
+          <c:cat>
+            <c:strRef>
+              <c:f>Hoja1!$A$2:$A$4</c:f>
+              <c:strCache>
+                <c:ptCount val="3"/>
+                <c:pt idx="0">
+                  <c:v>Simulación 1</c:v>
+                </c:pt>
+                <c:pt idx="1">
+                  <c:v>Simulación 2</c:v>
+                </c:pt>
+                <c:pt idx="2">
+                  <c:v>Simulacion 3</c:v>
+                </c:pt>
+              </c:strCache>
+            </c:strRef>
+          </c:cat>
+          <c:val>
+            <c:numRef>
+              <c:f>Hoja1!$G$2:$G$4</c:f>
+              <c:numCache>
+                <c:formatCode>General</c:formatCode>
+                <c:ptCount val="3"/>
+                <c:pt idx="0">
+                  <c:v>1</c:v>
+                </c:pt>
+                <c:pt idx="1">
+                  <c:v>3</c:v>
+                </c:pt>
+                <c:pt idx="2">
+                  <c:v>10</c:v>
+                </c:pt>
+              </c:numCache>
+            </c:numRef>
+          </c:val>
+        </c:ser>
+        <c:dLbls>
+          <c:showLegendKey val="0"/>
+          <c:showVal val="0"/>
+          <c:showCatName val="0"/>
+          <c:showSerName val="0"/>
+          <c:showPercent val="0"/>
+          <c:showBubbleSize val="0"/>
+        </c:dLbls>
+        <c:gapWidth val="219"/>
+        <c:overlap val="-27"/>
+        <c:axId val="443323960"/>
+        <c:axId val="443324352"/>
+      </c:barChart>
+      <c:catAx>
+        <c:axId val="443323960"/>
+        <c:scaling>
+          <c:orientation val="minMax"/>
+        </c:scaling>
+        <c:delete val="0"/>
+        <c:axPos val="b"/>
+        <c:numFmt formatCode="General" sourceLinked="1"/>
+        <c:majorTickMark val="none"/>
+        <c:minorTickMark val="none"/>
+        <c:tickLblPos val="nextTo"/>
+        <c:spPr>
+          <a:noFill/>
+          <a:ln w="9525" cap="flat" cmpd="sng" algn="ctr">
+            <a:solidFill>
+              <a:schemeClr val="tx1">
+                <a:lumMod val="15000"/>
+                <a:lumOff val="85000"/>
+              </a:schemeClr>
+            </a:solidFill>
+            <a:round/>
+          </a:ln>
+          <a:effectLst/>
+        </c:spPr>
+        <c:txPr>
+          <a:bodyPr rot="-60000000" spcFirstLastPara="1" vertOverflow="ellipsis" vert="horz" wrap="square" anchor="ctr" anchorCtr="1"/>
+          <a:lstStyle/>
+          <a:p>
+            <a:pPr>
+              <a:defRPr sz="1197" b="0" i="0" u="none" strike="noStrike" kern="1200" baseline="0">
+                <a:solidFill>
+                  <a:schemeClr val="tx1">
+                    <a:lumMod val="65000"/>
+                    <a:lumOff val="35000"/>
+                  </a:schemeClr>
+                </a:solidFill>
+                <a:latin typeface="+mn-lt"/>
+                <a:ea typeface="+mn-ea"/>
+                <a:cs typeface="+mn-cs"/>
+              </a:defRPr>
+            </a:pPr>
+            <a:endParaRPr lang="es-AR"/>
+          </a:p>
+        </c:txPr>
+        <c:crossAx val="443324352"/>
+        <c:crosses val="autoZero"/>
+        <c:auto val="1"/>
+        <c:lblAlgn val="ctr"/>
+        <c:lblOffset val="100"/>
+        <c:noMultiLvlLbl val="0"/>
+      </c:catAx>
+      <c:valAx>
+        <c:axId val="443324352"/>
+        <c:scaling>
+          <c:orientation val="minMax"/>
+        </c:scaling>
+        <c:delete val="0"/>
+        <c:axPos val="l"/>
+        <c:majorGridlines>
+          <c:spPr>
+            <a:ln w="9525" cap="flat" cmpd="sng" algn="ctr">
+              <a:solidFill>
+                <a:schemeClr val="tx1">
+                  <a:lumMod val="15000"/>
+                  <a:lumOff val="85000"/>
+                </a:schemeClr>
+              </a:solidFill>
+              <a:round/>
+            </a:ln>
+            <a:effectLst/>
+          </c:spPr>
+        </c:majorGridlines>
+        <c:numFmt formatCode="General" sourceLinked="1"/>
+        <c:majorTickMark val="none"/>
+        <c:minorTickMark val="none"/>
+        <c:tickLblPos val="nextTo"/>
+        <c:spPr>
+          <a:noFill/>
+          <a:ln>
+            <a:noFill/>
+          </a:ln>
+          <a:effectLst/>
+        </c:spPr>
+        <c:txPr>
+          <a:bodyPr rot="-60000000" spcFirstLastPara="1" vertOverflow="ellipsis" vert="horz" wrap="square" anchor="ctr" anchorCtr="1"/>
+          <a:lstStyle/>
+          <a:p>
+            <a:pPr>
+              <a:defRPr sz="1197" b="0" i="0" u="none" strike="noStrike" kern="1200" baseline="0">
+                <a:solidFill>
+                  <a:schemeClr val="tx1">
+                    <a:lumMod val="65000"/>
+                    <a:lumOff val="35000"/>
+                  </a:schemeClr>
+                </a:solidFill>
+                <a:latin typeface="+mn-lt"/>
+                <a:ea typeface="+mn-ea"/>
+                <a:cs typeface="+mn-cs"/>
+              </a:defRPr>
+            </a:pPr>
+            <a:endParaRPr lang="es-AR"/>
+          </a:p>
+        </c:txPr>
+        <c:crossAx val="443323960"/>
+        <c:crosses val="autoZero"/>
+        <c:crossBetween val="between"/>
+      </c:valAx>
+      <c:spPr>
+        <a:noFill/>
+        <a:ln>
+          <a:noFill/>
+        </a:ln>
+        <a:effectLst/>
+      </c:spPr>
+    </c:plotArea>
+    <c:legend>
+      <c:legendPos val="b"/>
+      <c:layout/>
+      <c:overlay val="0"/>
+      <c:spPr>
+        <a:noFill/>
+        <a:ln>
+          <a:noFill/>
+        </a:ln>
+        <a:effectLst/>
+      </c:spPr>
+      <c:txPr>
+        <a:bodyPr rot="0" spcFirstLastPara="1" vertOverflow="ellipsis" vert="horz" wrap="square" anchor="ctr" anchorCtr="1"/>
+        <a:lstStyle/>
+        <a:p>
+          <a:pPr>
+            <a:defRPr sz="1197" b="0" i="0" u="none" strike="noStrike" kern="1200" baseline="0">
+              <a:solidFill>
+                <a:schemeClr val="tx1">
+                  <a:lumMod val="65000"/>
+                  <a:lumOff val="35000"/>
+                </a:schemeClr>
+              </a:solidFill>
+              <a:latin typeface="+mn-lt"/>
+              <a:ea typeface="+mn-ea"/>
+              <a:cs typeface="+mn-cs"/>
+            </a:defRPr>
+          </a:pPr>
+          <a:endParaRPr lang="es-AR"/>
+        </a:p>
+      </c:txPr>
+    </c:legend>
+    <c:plotVisOnly val="1"/>
+    <c:dispBlanksAs val="gap"/>
+    <c:showDLblsOverMax val="0"/>
+  </c:chart>
+  <c:spPr>
+    <a:noFill/>
+    <a:ln>
+      <a:noFill/>
+    </a:ln>
+    <a:effectLst/>
+  </c:spPr>
+  <c:txPr>
+    <a:bodyPr/>
+    <a:lstStyle/>
+    <a:p>
+      <a:pPr>
+        <a:defRPr/>
+      </a:pPr>
+      <a:endParaRPr lang="es-AR"/>
+    </a:p>
+  </c:txPr>
+  <c:externalData r:id="rId3">
+    <c:autoUpdate val="0"/>
+  </c:externalData>
+</c:chartSpace>
+</file>
+
+<file path=ppt/charts/colors1.xml><?xml version="1.0" encoding="utf-8"?>
+<cs:colorStyle xmlns:cs="http://schemas.microsoft.com/office/drawing/2012/chartStyle" xmlns:a="http://schemas.openxmlformats.org/drawingml/2006/main" meth="cycle" id="10">
+  <a:schemeClr val="accent1"/>
+  <a:schemeClr val="accent2"/>
+  <a:schemeClr val="accent3"/>
+  <a:schemeClr val="accent4"/>
+  <a:schemeClr val="accent5"/>
+  <a:schemeClr val="accent6"/>
+  <cs:variation/>
+  <cs:variation>
+    <a:lumMod val="60000"/>
+  </cs:variation>
+  <cs:variation>
+    <a:lumMod val="80000"/>
+    <a:lumOff val="20000"/>
+  </cs:variation>
+  <cs:variation>
+    <a:lumMod val="80000"/>
+  </cs:variation>
+  <cs:variation>
+    <a:lumMod val="60000"/>
+    <a:lumOff val="40000"/>
+  </cs:variation>
+  <cs:variation>
+    <a:lumMod val="50000"/>
+  </cs:variation>
+  <cs:variation>
+    <a:lumMod val="70000"/>
+    <a:lumOff val="30000"/>
+  </cs:variation>
+  <cs:variation>
+    <a:lumMod val="70000"/>
+  </cs:variation>
+  <cs:variation>
+    <a:lumMod val="50000"/>
+    <a:lumOff val="50000"/>
+  </cs:variation>
+</cs:colorStyle>
+</file>
+
+<file path=ppt/charts/style1.xml><?xml version="1.0" encoding="utf-8"?>
+<cs:chartStyle xmlns:cs="http://schemas.microsoft.com/office/drawing/2012/chartStyle" xmlns:a="http://schemas.openxmlformats.org/drawingml/2006/main" id="201">
+  <cs:axisTitle>
+    <cs:lnRef idx="0"/>
+    <cs:fillRef idx="0"/>
+    <cs:effectRef idx="0"/>
+    <cs:fontRef idx="minor">
+      <a:schemeClr val="tx1">
+        <a:lumMod val="65000"/>
+        <a:lumOff val="35000"/>
+      </a:schemeClr>
+    </cs:fontRef>
+    <cs:defRPr sz="1330" kern="1200"/>
+  </cs:axisTitle>
+  <cs:categoryAxis>
+    <cs:lnRef idx="0"/>
+    <cs:fillRef idx="0"/>
+    <cs:effectRef idx="0"/>
+    <cs:fontRef idx="minor">
+      <a:schemeClr val="tx1">
+        <a:lumMod val="65000"/>
+        <a:lumOff val="35000"/>
+      </a:schemeClr>
+    </cs:fontRef>
+    <cs:spPr>
+      <a:ln w="9525" cap="flat" cmpd="sng" algn="ctr">
+        <a:solidFill>
+          <a:schemeClr val="tx1">
+            <a:lumMod val="15000"/>
+            <a:lumOff val="85000"/>
+          </a:schemeClr>
+        </a:solidFill>
+        <a:round/>
+      </a:ln>
+    </cs:spPr>
+    <cs:defRPr sz="1197" kern="1200"/>
+  </cs:categoryAxis>
+  <cs:chartArea mods="allowNoFillOverride allowNoLineOverride">
+    <cs:lnRef idx="0"/>
+    <cs:fillRef idx="0"/>
+    <cs:effectRef idx="0"/>
+    <cs:fontRef idx="minor">
+      <a:schemeClr val="tx1"/>
+    </cs:fontRef>
+    <cs:spPr>
+      <a:solidFill>
+        <a:schemeClr val="bg1"/>
+      </a:solidFill>
+      <a:ln w="9525" cap="flat" cmpd="sng" algn="ctr">
+        <a:solidFill>
+          <a:schemeClr val="tx1">
+            <a:lumMod val="15000"/>
+            <a:lumOff val="85000"/>
+          </a:schemeClr>
+        </a:solidFill>
+        <a:round/>
+      </a:ln>
+    </cs:spPr>
+    <cs:defRPr sz="1330" kern="1200"/>
+  </cs:chartArea>
+  <cs:dataLabel>
+    <cs:lnRef idx="0"/>
+    <cs:fillRef idx="0"/>
+    <cs:effectRef idx="0"/>
+    <cs:fontRef idx="minor">
+      <a:schemeClr val="tx1">
+        <a:lumMod val="75000"/>
+        <a:lumOff val="25000"/>
+      </a:schemeClr>
+    </cs:fontRef>
+    <cs:defRPr sz="1197" kern="1200"/>
+  </cs:dataLabel>
+  <cs:dataLabelCallout>
+    <cs:lnRef idx="0"/>
+    <cs:fillRef idx="0"/>
+    <cs:effectRef idx="0"/>
+    <cs:fontRef idx="minor">
+      <a:schemeClr val="dk1">
+        <a:lumMod val="65000"/>
+        <a:lumOff val="35000"/>
+      </a:schemeClr>
+    </cs:fontRef>
+    <cs:spPr>
+      <a:solidFill>
+        <a:schemeClr val="lt1"/>
+      </a:solidFill>
+      <a:ln>
+        <a:solidFill>
+          <a:schemeClr val="dk1">
+            <a:lumMod val="25000"/>
+            <a:lumOff val="75000"/>
+          </a:schemeClr>
+        </a:solidFill>
+      </a:ln>
+    </cs:spPr>
+    <cs:defRPr sz="1197" kern="1200"/>
+    <cs:bodyPr rot="0" spcFirstLastPara="1" vertOverflow="clip" horzOverflow="clip" vert="horz" wrap="square" lIns="36576" tIns="18288" rIns="36576" bIns="18288" anchor="ctr" anchorCtr="1">
+      <a:spAutoFit/>
+    </cs:bodyPr>
+  </cs:dataLabelCallout>
+  <cs:dataPoint>
+    <cs:lnRef idx="0"/>
+    <cs:fillRef idx="1">
+      <cs:styleClr val="auto"/>
+    </cs:fillRef>
+    <cs:effectRef idx="0"/>
+    <cs:fontRef idx="minor">
+      <a:schemeClr val="tx1"/>
+    </cs:fontRef>
+  </cs:dataPoint>
+  <cs:dataPoint3D>
+    <cs:lnRef idx="0"/>
+    <cs:fillRef idx="1">
+      <cs:styleClr val="auto"/>
+    </cs:fillRef>
+    <cs:effectRef idx="0"/>
+    <cs:fontRef idx="minor">
+      <a:schemeClr val="tx1"/>
+    </cs:fontRef>
+  </cs:dataPoint3D>
+  <cs:dataPointLine>
+    <cs:lnRef idx="0">
+      <cs:styleClr val="auto"/>
+    </cs:lnRef>
+    <cs:fillRef idx="1"/>
+    <cs:effectRef idx="0"/>
+    <cs:fontRef idx="minor">
+      <a:schemeClr val="tx1"/>
+    </cs:fontRef>
+    <cs:spPr>
+      <a:ln w="28575" cap="rnd">
+        <a:solidFill>
+          <a:schemeClr val="phClr"/>
+        </a:solidFill>
+        <a:round/>
+      </a:ln>
+    </cs:spPr>
+  </cs:dataPointLine>
+  <cs:dataPointMarker>
+    <cs:lnRef idx="0">
+      <cs:styleClr val="auto"/>
+    </cs:lnRef>
+    <cs:fillRef idx="1">
+      <cs:styleClr val="auto"/>
+    </cs:fillRef>
+    <cs:effectRef idx="0"/>
+    <cs:fontRef idx="minor">
+      <a:schemeClr val="tx1"/>
+    </cs:fontRef>
+    <cs:spPr>
+      <a:ln w="9525">
+        <a:solidFill>
+          <a:schemeClr val="phClr"/>
+        </a:solidFill>
+      </a:ln>
+    </cs:spPr>
+  </cs:dataPointMarker>
+  <cs:dataPointMarkerLayout symbol="circle" size="5"/>
+  <cs:dataPointWireframe>
+    <cs:lnRef idx="0">
+      <cs:styleClr val="auto"/>
+    </cs:lnRef>
+    <cs:fillRef idx="1"/>
+    <cs:effectRef idx="0"/>
+    <cs:fontRef idx="minor">
+      <a:schemeClr val="tx1"/>
+    </cs:fontRef>
+    <cs:spPr>
+      <a:ln w="9525" cap="rnd">
+        <a:solidFill>
+          <a:schemeClr val="phClr"/>
+        </a:solidFill>
+        <a:round/>
+      </a:ln>
+    </cs:spPr>
+  </cs:dataPointWireframe>
+  <cs:dataTable>
+    <cs:lnRef idx="0"/>
+    <cs:fillRef idx="0"/>
+    <cs:effectRef idx="0"/>
+    <cs:fontRef idx="minor">
+      <a:schemeClr val="tx1">
+        <a:lumMod val="65000"/>
+        <a:lumOff val="35000"/>
+      </a:schemeClr>
+    </cs:fontRef>
+    <cs:spPr>
+      <a:noFill/>
+      <a:ln w="9525" cap="flat" cmpd="sng" algn="ctr">
+        <a:solidFill>
+          <a:schemeClr val="tx1">
+            <a:lumMod val="15000"/>
+            <a:lumOff val="85000"/>
+          </a:schemeClr>
+        </a:solidFill>
+        <a:round/>
+      </a:ln>
+    </cs:spPr>
+    <cs:defRPr sz="1197" kern="1200"/>
+  </cs:dataTable>
+  <cs:downBar>
+    <cs:lnRef idx="0"/>
+    <cs:fillRef idx="0"/>
+    <cs:effectRef idx="0"/>
+    <cs:fontRef idx="minor">
+      <a:schemeClr val="dk1"/>
+    </cs:fontRef>
+    <cs:spPr>
+      <a:solidFill>
+        <a:schemeClr val="dk1">
+          <a:lumMod val="65000"/>
+          <a:lumOff val="35000"/>
+        </a:schemeClr>
+      </a:solidFill>
+      <a:ln w="9525">
+        <a:solidFill>
+          <a:schemeClr val="tx1">
+            <a:lumMod val="65000"/>
+            <a:lumOff val="35000"/>
+          </a:schemeClr>
+        </a:solidFill>
+      </a:ln>
+    </cs:spPr>
+  </cs:downBar>
+  <cs:dropLine>
+    <cs:lnRef idx="0"/>
+    <cs:fillRef idx="0"/>
+    <cs:effectRef idx="0"/>
+    <cs:fontRef idx="minor">
+      <a:schemeClr val="tx1"/>
+    </cs:fontRef>
+    <cs:spPr>
+      <a:ln w="9525" cap="flat" cmpd="sng" algn="ctr">
+        <a:solidFill>
+          <a:schemeClr val="tx1">
+            <a:lumMod val="35000"/>
+            <a:lumOff val="65000"/>
+          </a:schemeClr>
+        </a:solidFill>
+        <a:round/>
+      </a:ln>
+    </cs:spPr>
+  </cs:dropLine>
+  <cs:errorBar>
+    <cs:lnRef idx="0"/>
+    <cs:fillRef idx="0"/>
+    <cs:effectRef idx="0"/>
+    <cs:fontRef idx="minor">
+      <a:schemeClr val="tx1"/>
+    </cs:fontRef>
+    <cs:spPr>
+      <a:ln w="9525" cap="flat" cmpd="sng" algn="ctr">
+        <a:solidFill>
+          <a:schemeClr val="tx1">
+            <a:lumMod val="65000"/>
+            <a:lumOff val="35000"/>
+          </a:schemeClr>
+        </a:solidFill>
+        <a:round/>
+      </a:ln>
+    </cs:spPr>
+  </cs:errorBar>
+  <cs:floor>
+    <cs:lnRef idx="0"/>
+    <cs:fillRef idx="0"/>
+    <cs:effectRef idx="0"/>
+    <cs:fontRef idx="minor">
+      <a:schemeClr val="tx1"/>
+    </cs:fontRef>
+    <cs:spPr>
+      <a:noFill/>
+      <a:ln>
+        <a:noFill/>
+      </a:ln>
+    </cs:spPr>
+  </cs:floor>
+  <cs:gridlineMajor>
+    <cs:lnRef idx="0"/>
+    <cs:fillRef idx="0"/>
+    <cs:effectRef idx="0"/>
+    <cs:fontRef idx="minor">
+      <a:schemeClr val="tx1"/>
+    </cs:fontRef>
+    <cs:spPr>
+      <a:ln w="9525" cap="flat" cmpd="sng" algn="ctr">
+        <a:solidFill>
+          <a:schemeClr val="tx1">
+            <a:lumMod val="15000"/>
+            <a:lumOff val="85000"/>
+          </a:schemeClr>
+        </a:solidFill>
+        <a:round/>
+      </a:ln>
+    </cs:spPr>
+  </cs:gridlineMajor>
+  <cs:gridlineMinor>
+    <cs:lnRef idx="0"/>
+    <cs:fillRef idx="0"/>
+    <cs:effectRef idx="0"/>
+    <cs:fontRef idx="minor">
+      <a:schemeClr val="tx1"/>
+    </cs:fontRef>
+    <cs:spPr>
+      <a:ln w="9525" cap="flat" cmpd="sng" algn="ctr">
+        <a:solidFill>
+          <a:schemeClr val="tx1">
+            <a:lumMod val="5000"/>
+            <a:lumOff val="95000"/>
+          </a:schemeClr>
+        </a:solidFill>
+        <a:round/>
+      </a:ln>
+    </cs:spPr>
+  </cs:gridlineMinor>
+  <cs:hiLoLine>
+    <cs:lnRef idx="0"/>
+    <cs:fillRef idx="0"/>
+    <cs:effectRef idx="0"/>
+    <cs:fontRef idx="minor">
+      <a:schemeClr val="tx1"/>
+    </cs:fontRef>
+    <cs:spPr>
+      <a:ln w="9525" cap="flat" cmpd="sng" algn="ctr">
+        <a:solidFill>
+          <a:schemeClr val="tx1">
+            <a:lumMod val="75000"/>
+            <a:lumOff val="25000"/>
+          </a:schemeClr>
+        </a:solidFill>
+        <a:round/>
+      </a:ln>
+    </cs:spPr>
+  </cs:hiLoLine>
+  <cs:leaderLine>
+    <cs:lnRef idx="0"/>
+    <cs:fillRef idx="0"/>
+    <cs:effectRef idx="0"/>
+    <cs:fontRef idx="minor">
+      <a:schemeClr val="tx1"/>
+    </cs:fontRef>
+    <cs:spPr>
+      <a:ln w="9525" cap="flat" cmpd="sng" algn="ctr">
+        <a:solidFill>
+          <a:schemeClr val="tx1">
+            <a:lumMod val="35000"/>
+            <a:lumOff val="65000"/>
+          </a:schemeClr>
+        </a:solidFill>
+        <a:round/>
+      </a:ln>
+    </cs:spPr>
+  </cs:leaderLine>
+  <cs:legend>
+    <cs:lnRef idx="0"/>
+    <cs:fillRef idx="0"/>
+    <cs:effectRef idx="0"/>
+    <cs:fontRef idx="minor">
+      <a:schemeClr val="tx1">
+        <a:lumMod val="65000"/>
+        <a:lumOff val="35000"/>
+      </a:schemeClr>
+    </cs:fontRef>
+    <cs:defRPr sz="1197" kern="1200"/>
+  </cs:legend>
+  <cs:plotArea mods="allowNoFillOverride allowNoLineOverride">
+    <cs:lnRef idx="0"/>
+    <cs:fillRef idx="0"/>
+    <cs:effectRef idx="0"/>
+    <cs:fontRef idx="minor">
+      <a:schemeClr val="tx1"/>
+    </cs:fontRef>
+  </cs:plotArea>
+  <cs:plotArea3D mods="allowNoFillOverride allowNoLineOverride">
+    <cs:lnRef idx="0"/>
+    <cs:fillRef idx="0"/>
+    <cs:effectRef idx="0"/>
+    <cs:fontRef idx="minor">
+      <a:schemeClr val="tx1"/>
+    </cs:fontRef>
+  </cs:plotArea3D>
+  <cs:seriesAxis>
+    <cs:lnRef idx="0"/>
+    <cs:fillRef idx="0"/>
+    <cs:effectRef idx="0"/>
+    <cs:fontRef idx="minor">
+      <a:schemeClr val="tx1">
+        <a:lumMod val="65000"/>
+        <a:lumOff val="35000"/>
+      </a:schemeClr>
+    </cs:fontRef>
+    <cs:defRPr sz="1197" kern="1200"/>
+  </cs:seriesAxis>
+  <cs:seriesLine>
+    <cs:lnRef idx="0"/>
+    <cs:fillRef idx="0"/>
+    <cs:effectRef idx="0"/>
+    <cs:fontRef idx="minor">
+      <a:schemeClr val="tx1"/>
+    </cs:fontRef>
+    <cs:spPr>
+      <a:ln w="9525" cap="flat" cmpd="sng" algn="ctr">
+        <a:solidFill>
+          <a:schemeClr val="tx1">
+            <a:lumMod val="35000"/>
+            <a:lumOff val="65000"/>
+          </a:schemeClr>
+        </a:solidFill>
+        <a:round/>
+      </a:ln>
+    </cs:spPr>
+  </cs:seriesLine>
+  <cs:title>
+    <cs:lnRef idx="0"/>
+    <cs:fillRef idx="0"/>
+    <cs:effectRef idx="0"/>
+    <cs:fontRef idx="minor">
+      <a:schemeClr val="tx1">
+        <a:lumMod val="65000"/>
+        <a:lumOff val="35000"/>
+      </a:schemeClr>
+    </cs:fontRef>
+    <cs:defRPr sz="1862" b="0" kern="1200" spc="0" baseline="0"/>
+  </cs:title>
+  <cs:trendline>
+    <cs:lnRef idx="0">
+      <cs:styleClr val="auto"/>
+    </cs:lnRef>
+    <cs:fillRef idx="0"/>
+    <cs:effectRef idx="0"/>
+    <cs:fontRef idx="minor">
+      <a:schemeClr val="tx1"/>
+    </cs:fontRef>
+    <cs:spPr>
+      <a:ln w="19050" cap="rnd">
+        <a:solidFill>
+          <a:schemeClr val="phClr"/>
+        </a:solidFill>
+        <a:prstDash val="sysDot"/>
+      </a:ln>
+    </cs:spPr>
+  </cs:trendline>
+  <cs:trendlineLabel>
+    <cs:lnRef idx="0"/>
+    <cs:fillRef idx="0"/>
+    <cs:effectRef idx="0"/>
+    <cs:fontRef idx="minor">
+      <a:schemeClr val="tx1">
+        <a:lumMod val="65000"/>
+        <a:lumOff val="35000"/>
+      </a:schemeClr>
+    </cs:fontRef>
+    <cs:defRPr sz="1197" kern="1200"/>
+  </cs:trendlineLabel>
+  <cs:upBar>
+    <cs:lnRef idx="0"/>
+    <cs:fillRef idx="0"/>
+    <cs:effectRef idx="0"/>
+    <cs:fontRef idx="minor">
+      <a:schemeClr val="dk1"/>
+    </cs:fontRef>
+    <cs:spPr>
+      <a:solidFill>
+        <a:schemeClr val="lt1"/>
+      </a:solidFill>
+      <a:ln w="9525">
+        <a:solidFill>
+          <a:schemeClr val="tx1">
+            <a:lumMod val="15000"/>
+            <a:lumOff val="85000"/>
+          </a:schemeClr>
+        </a:solidFill>
+      </a:ln>
+    </cs:spPr>
+  </cs:upBar>
+  <cs:valueAxis>
+    <cs:lnRef idx="0"/>
+    <cs:fillRef idx="0"/>
+    <cs:effectRef idx="0"/>
+    <cs:fontRef idx="minor">
+      <a:schemeClr val="tx1">
+        <a:lumMod val="65000"/>
+        <a:lumOff val="35000"/>
+      </a:schemeClr>
+    </cs:fontRef>
+    <cs:defRPr sz="1197" kern="1200"/>
+  </cs:valueAxis>
+  <cs:wall>
+    <cs:lnRef idx="0"/>
+    <cs:fillRef idx="0"/>
+    <cs:effectRef idx="0"/>
+    <cs:fontRef idx="minor">
+      <a:schemeClr val="tx1"/>
+    </cs:fontRef>
+    <cs:spPr>
+      <a:noFill/>
+      <a:ln>
+        <a:noFill/>
+      </a:ln>
+    </cs:spPr>
+  </cs:wall>
+</cs:chartStyle>
 </file>
 
 <file path=ppt/notesMasters/notesMaster1.xml><?xml version="1.0" encoding="utf-8"?>
@@ -997,7 +2165,7 @@
     </p:spTree>
     <p:extLst>
       <p:ext uri="{BB962C8B-B14F-4D97-AF65-F5344CB8AC3E}">
-        <p14:creationId xmlns:p14="http://schemas.microsoft.com/office/powerpoint/2010/main" val="429107246"/>
+        <p14:creationId xmlns:p14="http://schemas.microsoft.com/office/powerpoint/2010/main" val="2404593751"/>
       </p:ext>
     </p:extLst>
   </p:cSld>
@@ -1029,7 +2197,7 @@
           <p:cNvPr id="2" name="Title 1">
             <a:extLst>
               <a:ext uri="{FF2B5EF4-FFF2-40B4-BE49-F238E27FC236}">
-                <a16:creationId xmlns:a16="http://schemas.microsoft.com/office/drawing/2014/main" xmlns="" id="{DE0391AB-F383-4237-A071-AD1C6E9246D2}"/>
+                <a16:creationId xmlns="" xmlns:a16="http://schemas.microsoft.com/office/drawing/2014/main" id="{DE0391AB-F383-4237-A071-AD1C6E9246D2}"/>
               </a:ext>
             </a:extLst>
           </p:cNvPr>
@@ -1067,7 +2235,7 @@
           <p:cNvPr id="3" name="Subtitle 2">
             <a:extLst>
               <a:ext uri="{FF2B5EF4-FFF2-40B4-BE49-F238E27FC236}">
-                <a16:creationId xmlns:a16="http://schemas.microsoft.com/office/drawing/2014/main" xmlns="" id="{7F6636DA-4FDE-4B32-8CCE-37EFA3E75799}"/>
+                <a16:creationId xmlns="" xmlns:a16="http://schemas.microsoft.com/office/drawing/2014/main" id="{7F6636DA-4FDE-4B32-8CCE-37EFA3E75799}"/>
               </a:ext>
             </a:extLst>
           </p:cNvPr>
@@ -1138,7 +2306,7 @@
           <p:cNvPr id="4" name="Date Placeholder 3">
             <a:extLst>
               <a:ext uri="{FF2B5EF4-FFF2-40B4-BE49-F238E27FC236}">
-                <a16:creationId xmlns:a16="http://schemas.microsoft.com/office/drawing/2014/main" xmlns="" id="{30F87932-8FF0-4DF1-A776-9A3CE37618A7}"/>
+                <a16:creationId xmlns="" xmlns:a16="http://schemas.microsoft.com/office/drawing/2014/main" id="{30F87932-8FF0-4DF1-A776-9A3CE37618A7}"/>
               </a:ext>
             </a:extLst>
           </p:cNvPr>
@@ -1167,7 +2335,7 @@
           <p:cNvPr id="5" name="Footer Placeholder 4">
             <a:extLst>
               <a:ext uri="{FF2B5EF4-FFF2-40B4-BE49-F238E27FC236}">
-                <a16:creationId xmlns:a16="http://schemas.microsoft.com/office/drawing/2014/main" xmlns="" id="{5F38FAB8-C9F1-4DBB-B355-D8DEE370657B}"/>
+                <a16:creationId xmlns="" xmlns:a16="http://schemas.microsoft.com/office/drawing/2014/main" id="{5F38FAB8-C9F1-4DBB-B355-D8DEE370657B}"/>
               </a:ext>
             </a:extLst>
           </p:cNvPr>
@@ -1192,7 +2360,7 @@
           <p:cNvPr id="6" name="Slide Number Placeholder 5">
             <a:extLst>
               <a:ext uri="{FF2B5EF4-FFF2-40B4-BE49-F238E27FC236}">
-                <a16:creationId xmlns:a16="http://schemas.microsoft.com/office/drawing/2014/main" xmlns="" id="{F24490E3-D8E8-4766-9104-14009BF5636F}"/>
+                <a16:creationId xmlns="" xmlns:a16="http://schemas.microsoft.com/office/drawing/2014/main" id="{F24490E3-D8E8-4766-9104-14009BF5636F}"/>
               </a:ext>
             </a:extLst>
           </p:cNvPr>
@@ -1251,7 +2419,7 @@
           <p:cNvPr id="2" name="Title 1">
             <a:extLst>
               <a:ext uri="{FF2B5EF4-FFF2-40B4-BE49-F238E27FC236}">
-                <a16:creationId xmlns:a16="http://schemas.microsoft.com/office/drawing/2014/main" xmlns="" id="{303B8678-553E-4A5B-8CFE-5DB358BDF358}"/>
+                <a16:creationId xmlns="" xmlns:a16="http://schemas.microsoft.com/office/drawing/2014/main" id="{303B8678-553E-4A5B-8CFE-5DB358BDF358}"/>
               </a:ext>
             </a:extLst>
           </p:cNvPr>
@@ -1280,7 +2448,7 @@
           <p:cNvPr id="3" name="Vertical Text Placeholder 2">
             <a:extLst>
               <a:ext uri="{FF2B5EF4-FFF2-40B4-BE49-F238E27FC236}">
-                <a16:creationId xmlns:a16="http://schemas.microsoft.com/office/drawing/2014/main" xmlns="" id="{E43AF303-1F73-4575-83E6-561589F1632E}"/>
+                <a16:creationId xmlns="" xmlns:a16="http://schemas.microsoft.com/office/drawing/2014/main" id="{E43AF303-1F73-4575-83E6-561589F1632E}"/>
               </a:ext>
             </a:extLst>
           </p:cNvPr>
@@ -1338,7 +2506,7 @@
           <p:cNvPr id="4" name="Date Placeholder 3">
             <a:extLst>
               <a:ext uri="{FF2B5EF4-FFF2-40B4-BE49-F238E27FC236}">
-                <a16:creationId xmlns:a16="http://schemas.microsoft.com/office/drawing/2014/main" xmlns="" id="{2436EC56-7DCF-400D-A871-C26291EB10AD}"/>
+                <a16:creationId xmlns="" xmlns:a16="http://schemas.microsoft.com/office/drawing/2014/main" id="{2436EC56-7DCF-400D-A871-C26291EB10AD}"/>
               </a:ext>
             </a:extLst>
           </p:cNvPr>
@@ -1367,7 +2535,7 @@
           <p:cNvPr id="5" name="Footer Placeholder 4">
             <a:extLst>
               <a:ext uri="{FF2B5EF4-FFF2-40B4-BE49-F238E27FC236}">
-                <a16:creationId xmlns:a16="http://schemas.microsoft.com/office/drawing/2014/main" xmlns="" id="{17FFAC5B-7C77-4F8C-ADB0-8D208A2EB303}"/>
+                <a16:creationId xmlns="" xmlns:a16="http://schemas.microsoft.com/office/drawing/2014/main" id="{17FFAC5B-7C77-4F8C-ADB0-8D208A2EB303}"/>
               </a:ext>
             </a:extLst>
           </p:cNvPr>
@@ -1392,7 +2560,7 @@
           <p:cNvPr id="6" name="Slide Number Placeholder 5">
             <a:extLst>
               <a:ext uri="{FF2B5EF4-FFF2-40B4-BE49-F238E27FC236}">
-                <a16:creationId xmlns:a16="http://schemas.microsoft.com/office/drawing/2014/main" xmlns="" id="{BD2F48AF-AB8F-4DD2-BC77-7E2F42AD3B87}"/>
+                <a16:creationId xmlns="" xmlns:a16="http://schemas.microsoft.com/office/drawing/2014/main" id="{BD2F48AF-AB8F-4DD2-BC77-7E2F42AD3B87}"/>
               </a:ext>
             </a:extLst>
           </p:cNvPr>
@@ -1451,7 +2619,7 @@
           <p:cNvPr id="2" name="Vertical Title 1">
             <a:extLst>
               <a:ext uri="{FF2B5EF4-FFF2-40B4-BE49-F238E27FC236}">
-                <a16:creationId xmlns:a16="http://schemas.microsoft.com/office/drawing/2014/main" xmlns="" id="{A20ED820-BFE6-41B5-8064-984037A999A8}"/>
+                <a16:creationId xmlns="" xmlns:a16="http://schemas.microsoft.com/office/drawing/2014/main" id="{A20ED820-BFE6-41B5-8064-984037A999A8}"/>
               </a:ext>
             </a:extLst>
           </p:cNvPr>
@@ -1485,7 +2653,7 @@
           <p:cNvPr id="3" name="Vertical Text Placeholder 2">
             <a:extLst>
               <a:ext uri="{FF2B5EF4-FFF2-40B4-BE49-F238E27FC236}">
-                <a16:creationId xmlns:a16="http://schemas.microsoft.com/office/drawing/2014/main" xmlns="" id="{9CA27FEA-5359-474A-B4F8-FF510DD7489A}"/>
+                <a16:creationId xmlns="" xmlns:a16="http://schemas.microsoft.com/office/drawing/2014/main" id="{9CA27FEA-5359-474A-B4F8-FF510DD7489A}"/>
               </a:ext>
             </a:extLst>
           </p:cNvPr>
@@ -1548,7 +2716,7 @@
           <p:cNvPr id="4" name="Date Placeholder 3">
             <a:extLst>
               <a:ext uri="{FF2B5EF4-FFF2-40B4-BE49-F238E27FC236}">
-                <a16:creationId xmlns:a16="http://schemas.microsoft.com/office/drawing/2014/main" xmlns="" id="{D14DD33D-563C-4B8C-B8C1-625FF5C5B85D}"/>
+                <a16:creationId xmlns="" xmlns:a16="http://schemas.microsoft.com/office/drawing/2014/main" id="{D14DD33D-563C-4B8C-B8C1-625FF5C5B85D}"/>
               </a:ext>
             </a:extLst>
           </p:cNvPr>
@@ -1577,7 +2745,7 @@
           <p:cNvPr id="5" name="Footer Placeholder 4">
             <a:extLst>
               <a:ext uri="{FF2B5EF4-FFF2-40B4-BE49-F238E27FC236}">
-                <a16:creationId xmlns:a16="http://schemas.microsoft.com/office/drawing/2014/main" xmlns="" id="{40471877-89FD-46BE-832F-C5660A5567D2}"/>
+                <a16:creationId xmlns="" xmlns:a16="http://schemas.microsoft.com/office/drawing/2014/main" id="{40471877-89FD-46BE-832F-C5660A5567D2}"/>
               </a:ext>
             </a:extLst>
           </p:cNvPr>
@@ -1602,7 +2770,7 @@
           <p:cNvPr id="6" name="Slide Number Placeholder 5">
             <a:extLst>
               <a:ext uri="{FF2B5EF4-FFF2-40B4-BE49-F238E27FC236}">
-                <a16:creationId xmlns:a16="http://schemas.microsoft.com/office/drawing/2014/main" xmlns="" id="{0E6E675F-CC4D-48CF-90C8-53829EE08B8C}"/>
+                <a16:creationId xmlns="" xmlns:a16="http://schemas.microsoft.com/office/drawing/2014/main" id="{0E6E675F-CC4D-48CF-90C8-53829EE08B8C}"/>
               </a:ext>
             </a:extLst>
           </p:cNvPr>
@@ -1661,7 +2829,7 @@
           <p:cNvPr id="2" name="Title 1">
             <a:extLst>
               <a:ext uri="{FF2B5EF4-FFF2-40B4-BE49-F238E27FC236}">
-                <a16:creationId xmlns:a16="http://schemas.microsoft.com/office/drawing/2014/main" xmlns="" id="{E8CBC967-18DB-4664-9B4D-06177FB946B3}"/>
+                <a16:creationId xmlns="" xmlns:a16="http://schemas.microsoft.com/office/drawing/2014/main" id="{E8CBC967-18DB-4664-9B4D-06177FB946B3}"/>
               </a:ext>
             </a:extLst>
           </p:cNvPr>
@@ -1690,7 +2858,7 @@
           <p:cNvPr id="3" name="Content Placeholder 2">
             <a:extLst>
               <a:ext uri="{FF2B5EF4-FFF2-40B4-BE49-F238E27FC236}">
-                <a16:creationId xmlns:a16="http://schemas.microsoft.com/office/drawing/2014/main" xmlns="" id="{5ADF7174-64B4-4D8F-BF44-3DD1F66CAD00}"/>
+                <a16:creationId xmlns="" xmlns:a16="http://schemas.microsoft.com/office/drawing/2014/main" id="{5ADF7174-64B4-4D8F-BF44-3DD1F66CAD00}"/>
               </a:ext>
             </a:extLst>
           </p:cNvPr>
@@ -1748,7 +2916,7 @@
           <p:cNvPr id="4" name="Date Placeholder 3">
             <a:extLst>
               <a:ext uri="{FF2B5EF4-FFF2-40B4-BE49-F238E27FC236}">
-                <a16:creationId xmlns:a16="http://schemas.microsoft.com/office/drawing/2014/main" xmlns="" id="{55CD83D3-86C4-482F-A2DC-B4C55DBF3F7A}"/>
+                <a16:creationId xmlns="" xmlns:a16="http://schemas.microsoft.com/office/drawing/2014/main" id="{55CD83D3-86C4-482F-A2DC-B4C55DBF3F7A}"/>
               </a:ext>
             </a:extLst>
           </p:cNvPr>
@@ -1777,7 +2945,7 @@
           <p:cNvPr id="5" name="Footer Placeholder 4">
             <a:extLst>
               <a:ext uri="{FF2B5EF4-FFF2-40B4-BE49-F238E27FC236}">
-                <a16:creationId xmlns:a16="http://schemas.microsoft.com/office/drawing/2014/main" xmlns="" id="{DCF05BE2-6C23-4CB4-A63E-457E635BF267}"/>
+                <a16:creationId xmlns="" xmlns:a16="http://schemas.microsoft.com/office/drawing/2014/main" id="{DCF05BE2-6C23-4CB4-A63E-457E635BF267}"/>
               </a:ext>
             </a:extLst>
           </p:cNvPr>
@@ -1802,7 +2970,7 @@
           <p:cNvPr id="6" name="Slide Number Placeholder 5">
             <a:extLst>
               <a:ext uri="{FF2B5EF4-FFF2-40B4-BE49-F238E27FC236}">
-                <a16:creationId xmlns:a16="http://schemas.microsoft.com/office/drawing/2014/main" xmlns="" id="{1C097965-24FE-4C07-BE16-69AE439950EF}"/>
+                <a16:creationId xmlns="" xmlns:a16="http://schemas.microsoft.com/office/drawing/2014/main" id="{1C097965-24FE-4C07-BE16-69AE439950EF}"/>
               </a:ext>
             </a:extLst>
           </p:cNvPr>
@@ -1861,7 +3029,7 @@
           <p:cNvPr id="2" name="Title 1">
             <a:extLst>
               <a:ext uri="{FF2B5EF4-FFF2-40B4-BE49-F238E27FC236}">
-                <a16:creationId xmlns:a16="http://schemas.microsoft.com/office/drawing/2014/main" xmlns="" id="{7233394D-04EF-440C-B08B-114464B315C6}"/>
+                <a16:creationId xmlns="" xmlns:a16="http://schemas.microsoft.com/office/drawing/2014/main" id="{7233394D-04EF-440C-B08B-114464B315C6}"/>
               </a:ext>
             </a:extLst>
           </p:cNvPr>
@@ -1899,7 +3067,7 @@
           <p:cNvPr id="3" name="Text Placeholder 2">
             <a:extLst>
               <a:ext uri="{FF2B5EF4-FFF2-40B4-BE49-F238E27FC236}">
-                <a16:creationId xmlns:a16="http://schemas.microsoft.com/office/drawing/2014/main" xmlns="" id="{BBEBE3F6-F021-4D6B-8B0D-EF74D7461F93}"/>
+                <a16:creationId xmlns="" xmlns:a16="http://schemas.microsoft.com/office/drawing/2014/main" id="{BBEBE3F6-F021-4D6B-8B0D-EF74D7461F93}"/>
               </a:ext>
             </a:extLst>
           </p:cNvPr>
@@ -2024,7 +3192,7 @@
           <p:cNvPr id="4" name="Date Placeholder 3">
             <a:extLst>
               <a:ext uri="{FF2B5EF4-FFF2-40B4-BE49-F238E27FC236}">
-                <a16:creationId xmlns:a16="http://schemas.microsoft.com/office/drawing/2014/main" xmlns="" id="{B196233C-6806-4593-91C0-CF4ECD84A601}"/>
+                <a16:creationId xmlns="" xmlns:a16="http://schemas.microsoft.com/office/drawing/2014/main" id="{B196233C-6806-4593-91C0-CF4ECD84A601}"/>
               </a:ext>
             </a:extLst>
           </p:cNvPr>
@@ -2053,7 +3221,7 @@
           <p:cNvPr id="5" name="Footer Placeholder 4">
             <a:extLst>
               <a:ext uri="{FF2B5EF4-FFF2-40B4-BE49-F238E27FC236}">
-                <a16:creationId xmlns:a16="http://schemas.microsoft.com/office/drawing/2014/main" xmlns="" id="{963A761E-2D3A-4397-A82C-2F3B981DE045}"/>
+                <a16:creationId xmlns="" xmlns:a16="http://schemas.microsoft.com/office/drawing/2014/main" id="{963A761E-2D3A-4397-A82C-2F3B981DE045}"/>
               </a:ext>
             </a:extLst>
           </p:cNvPr>
@@ -2078,7 +3246,7 @@
           <p:cNvPr id="6" name="Slide Number Placeholder 5">
             <a:extLst>
               <a:ext uri="{FF2B5EF4-FFF2-40B4-BE49-F238E27FC236}">
-                <a16:creationId xmlns:a16="http://schemas.microsoft.com/office/drawing/2014/main" xmlns="" id="{68297E71-B59F-4260-B01B-2B7CEB0896BD}"/>
+                <a16:creationId xmlns="" xmlns:a16="http://schemas.microsoft.com/office/drawing/2014/main" id="{68297E71-B59F-4260-B01B-2B7CEB0896BD}"/>
               </a:ext>
             </a:extLst>
           </p:cNvPr>
@@ -2137,7 +3305,7 @@
           <p:cNvPr id="2" name="Title 1">
             <a:extLst>
               <a:ext uri="{FF2B5EF4-FFF2-40B4-BE49-F238E27FC236}">
-                <a16:creationId xmlns:a16="http://schemas.microsoft.com/office/drawing/2014/main" xmlns="" id="{5C94DFCB-DD40-4637-9CAB-2BAF24231C79}"/>
+                <a16:creationId xmlns="" xmlns:a16="http://schemas.microsoft.com/office/drawing/2014/main" id="{5C94DFCB-DD40-4637-9CAB-2BAF24231C79}"/>
               </a:ext>
             </a:extLst>
           </p:cNvPr>
@@ -2166,7 +3334,7 @@
           <p:cNvPr id="3" name="Content Placeholder 2">
             <a:extLst>
               <a:ext uri="{FF2B5EF4-FFF2-40B4-BE49-F238E27FC236}">
-                <a16:creationId xmlns:a16="http://schemas.microsoft.com/office/drawing/2014/main" xmlns="" id="{5394065F-4B44-4622-98EE-166F936489F5}"/>
+                <a16:creationId xmlns="" xmlns:a16="http://schemas.microsoft.com/office/drawing/2014/main" id="{5394065F-4B44-4622-98EE-166F936489F5}"/>
               </a:ext>
             </a:extLst>
           </p:cNvPr>
@@ -2229,7 +3397,7 @@
           <p:cNvPr id="4" name="Content Placeholder 3">
             <a:extLst>
               <a:ext uri="{FF2B5EF4-FFF2-40B4-BE49-F238E27FC236}">
-                <a16:creationId xmlns:a16="http://schemas.microsoft.com/office/drawing/2014/main" xmlns="" id="{67AF1249-B890-4466-9E24-84A24907008B}"/>
+                <a16:creationId xmlns="" xmlns:a16="http://schemas.microsoft.com/office/drawing/2014/main" id="{67AF1249-B890-4466-9E24-84A24907008B}"/>
               </a:ext>
             </a:extLst>
           </p:cNvPr>
@@ -2292,7 +3460,7 @@
           <p:cNvPr id="5" name="Date Placeholder 4">
             <a:extLst>
               <a:ext uri="{FF2B5EF4-FFF2-40B4-BE49-F238E27FC236}">
-                <a16:creationId xmlns:a16="http://schemas.microsoft.com/office/drawing/2014/main" xmlns="" id="{850FA9B4-D282-452F-B78A-FF5873ACF45A}"/>
+                <a16:creationId xmlns="" xmlns:a16="http://schemas.microsoft.com/office/drawing/2014/main" id="{850FA9B4-D282-452F-B78A-FF5873ACF45A}"/>
               </a:ext>
             </a:extLst>
           </p:cNvPr>
@@ -2321,7 +3489,7 @@
           <p:cNvPr id="6" name="Footer Placeholder 5">
             <a:extLst>
               <a:ext uri="{FF2B5EF4-FFF2-40B4-BE49-F238E27FC236}">
-                <a16:creationId xmlns:a16="http://schemas.microsoft.com/office/drawing/2014/main" xmlns="" id="{6E9B0F13-A139-4B66-9544-16480800F680}"/>
+                <a16:creationId xmlns="" xmlns:a16="http://schemas.microsoft.com/office/drawing/2014/main" id="{6E9B0F13-A139-4B66-9544-16480800F680}"/>
               </a:ext>
             </a:extLst>
           </p:cNvPr>
@@ -2346,7 +3514,7 @@
           <p:cNvPr id="7" name="Slide Number Placeholder 6">
             <a:extLst>
               <a:ext uri="{FF2B5EF4-FFF2-40B4-BE49-F238E27FC236}">
-                <a16:creationId xmlns:a16="http://schemas.microsoft.com/office/drawing/2014/main" xmlns="" id="{7B8791D0-EC30-4D8C-8764-475D8DB34F19}"/>
+                <a16:creationId xmlns="" xmlns:a16="http://schemas.microsoft.com/office/drawing/2014/main" id="{7B8791D0-EC30-4D8C-8764-475D8DB34F19}"/>
               </a:ext>
             </a:extLst>
           </p:cNvPr>
@@ -2405,7 +3573,7 @@
           <p:cNvPr id="2" name="Title 1">
             <a:extLst>
               <a:ext uri="{FF2B5EF4-FFF2-40B4-BE49-F238E27FC236}">
-                <a16:creationId xmlns:a16="http://schemas.microsoft.com/office/drawing/2014/main" xmlns="" id="{4133AA7D-15D2-4D5F-B1C4-501073416DE8}"/>
+                <a16:creationId xmlns="" xmlns:a16="http://schemas.microsoft.com/office/drawing/2014/main" id="{4133AA7D-15D2-4D5F-B1C4-501073416DE8}"/>
               </a:ext>
             </a:extLst>
           </p:cNvPr>
@@ -2439,7 +3607,7 @@
           <p:cNvPr id="3" name="Text Placeholder 2">
             <a:extLst>
               <a:ext uri="{FF2B5EF4-FFF2-40B4-BE49-F238E27FC236}">
-                <a16:creationId xmlns:a16="http://schemas.microsoft.com/office/drawing/2014/main" xmlns="" id="{65E80A0E-25B9-4E8E-8B0D-201E1C564096}"/>
+                <a16:creationId xmlns="" xmlns:a16="http://schemas.microsoft.com/office/drawing/2014/main" id="{65E80A0E-25B9-4E8E-8B0D-201E1C564096}"/>
               </a:ext>
             </a:extLst>
           </p:cNvPr>
@@ -2510,7 +3678,7 @@
           <p:cNvPr id="4" name="Content Placeholder 3">
             <a:extLst>
               <a:ext uri="{FF2B5EF4-FFF2-40B4-BE49-F238E27FC236}">
-                <a16:creationId xmlns:a16="http://schemas.microsoft.com/office/drawing/2014/main" xmlns="" id="{3189B111-0CA0-47CD-9F0B-DBCBA3AE3C28}"/>
+                <a16:creationId xmlns="" xmlns:a16="http://schemas.microsoft.com/office/drawing/2014/main" id="{3189B111-0CA0-47CD-9F0B-DBCBA3AE3C28}"/>
               </a:ext>
             </a:extLst>
           </p:cNvPr>
@@ -2573,7 +3741,7 @@
           <p:cNvPr id="5" name="Text Placeholder 4">
             <a:extLst>
               <a:ext uri="{FF2B5EF4-FFF2-40B4-BE49-F238E27FC236}">
-                <a16:creationId xmlns:a16="http://schemas.microsoft.com/office/drawing/2014/main" xmlns="" id="{EEF0E02D-3176-4B85-ACB6-721F2682742C}"/>
+                <a16:creationId xmlns="" xmlns:a16="http://schemas.microsoft.com/office/drawing/2014/main" id="{EEF0E02D-3176-4B85-ACB6-721F2682742C}"/>
               </a:ext>
             </a:extLst>
           </p:cNvPr>
@@ -2644,7 +3812,7 @@
           <p:cNvPr id="6" name="Content Placeholder 5">
             <a:extLst>
               <a:ext uri="{FF2B5EF4-FFF2-40B4-BE49-F238E27FC236}">
-                <a16:creationId xmlns:a16="http://schemas.microsoft.com/office/drawing/2014/main" xmlns="" id="{EC7D9317-BBE1-4F36-82FE-E348F6F18A97}"/>
+                <a16:creationId xmlns="" xmlns:a16="http://schemas.microsoft.com/office/drawing/2014/main" id="{EC7D9317-BBE1-4F36-82FE-E348F6F18A97}"/>
               </a:ext>
             </a:extLst>
           </p:cNvPr>
@@ -2707,7 +3875,7 @@
           <p:cNvPr id="7" name="Date Placeholder 6">
             <a:extLst>
               <a:ext uri="{FF2B5EF4-FFF2-40B4-BE49-F238E27FC236}">
-                <a16:creationId xmlns:a16="http://schemas.microsoft.com/office/drawing/2014/main" xmlns="" id="{D837DDCB-69F8-49FA-A111-C8AB271389E7}"/>
+                <a16:creationId xmlns="" xmlns:a16="http://schemas.microsoft.com/office/drawing/2014/main" id="{D837DDCB-69F8-49FA-A111-C8AB271389E7}"/>
               </a:ext>
             </a:extLst>
           </p:cNvPr>
@@ -2736,7 +3904,7 @@
           <p:cNvPr id="8" name="Footer Placeholder 7">
             <a:extLst>
               <a:ext uri="{FF2B5EF4-FFF2-40B4-BE49-F238E27FC236}">
-                <a16:creationId xmlns:a16="http://schemas.microsoft.com/office/drawing/2014/main" xmlns="" id="{4A18B0CD-1F68-412E-9232-F267114CA754}"/>
+                <a16:creationId xmlns="" xmlns:a16="http://schemas.microsoft.com/office/drawing/2014/main" id="{4A18B0CD-1F68-412E-9232-F267114CA754}"/>
               </a:ext>
             </a:extLst>
           </p:cNvPr>
@@ -2761,7 +3929,7 @@
           <p:cNvPr id="9" name="Slide Number Placeholder 8">
             <a:extLst>
               <a:ext uri="{FF2B5EF4-FFF2-40B4-BE49-F238E27FC236}">
-                <a16:creationId xmlns:a16="http://schemas.microsoft.com/office/drawing/2014/main" xmlns="" id="{429B21FC-12CC-472D-BC38-EF413158CC5D}"/>
+                <a16:creationId xmlns="" xmlns:a16="http://schemas.microsoft.com/office/drawing/2014/main" id="{429B21FC-12CC-472D-BC38-EF413158CC5D}"/>
               </a:ext>
             </a:extLst>
           </p:cNvPr>
@@ -2820,7 +3988,7 @@
           <p:cNvPr id="2" name="Title 1">
             <a:extLst>
               <a:ext uri="{FF2B5EF4-FFF2-40B4-BE49-F238E27FC236}">
-                <a16:creationId xmlns:a16="http://schemas.microsoft.com/office/drawing/2014/main" xmlns="" id="{D00F51AB-8384-4E67-914C-B39484AD2332}"/>
+                <a16:creationId xmlns="" xmlns:a16="http://schemas.microsoft.com/office/drawing/2014/main" id="{D00F51AB-8384-4E67-914C-B39484AD2332}"/>
               </a:ext>
             </a:extLst>
           </p:cNvPr>
@@ -2849,7 +4017,7 @@
           <p:cNvPr id="3" name="Date Placeholder 2">
             <a:extLst>
               <a:ext uri="{FF2B5EF4-FFF2-40B4-BE49-F238E27FC236}">
-                <a16:creationId xmlns:a16="http://schemas.microsoft.com/office/drawing/2014/main" xmlns="" id="{A0909660-3861-4545-BF68-9ED039B5D0F0}"/>
+                <a16:creationId xmlns="" xmlns:a16="http://schemas.microsoft.com/office/drawing/2014/main" id="{A0909660-3861-4545-BF68-9ED039B5D0F0}"/>
               </a:ext>
             </a:extLst>
           </p:cNvPr>
@@ -2878,7 +4046,7 @@
           <p:cNvPr id="4" name="Footer Placeholder 3">
             <a:extLst>
               <a:ext uri="{FF2B5EF4-FFF2-40B4-BE49-F238E27FC236}">
-                <a16:creationId xmlns:a16="http://schemas.microsoft.com/office/drawing/2014/main" xmlns="" id="{FDDD5392-AC3A-4EAF-ADE6-B6CF4B50ACAD}"/>
+                <a16:creationId xmlns="" xmlns:a16="http://schemas.microsoft.com/office/drawing/2014/main" id="{FDDD5392-AC3A-4EAF-ADE6-B6CF4B50ACAD}"/>
               </a:ext>
             </a:extLst>
           </p:cNvPr>
@@ -2903,7 +4071,7 @@
           <p:cNvPr id="5" name="Slide Number Placeholder 4">
             <a:extLst>
               <a:ext uri="{FF2B5EF4-FFF2-40B4-BE49-F238E27FC236}">
-                <a16:creationId xmlns:a16="http://schemas.microsoft.com/office/drawing/2014/main" xmlns="" id="{F5679880-BF48-4F4D-B8B3-4E99FC415FF9}"/>
+                <a16:creationId xmlns="" xmlns:a16="http://schemas.microsoft.com/office/drawing/2014/main" id="{F5679880-BF48-4F4D-B8B3-4E99FC415FF9}"/>
               </a:ext>
             </a:extLst>
           </p:cNvPr>
@@ -2962,7 +4130,7 @@
           <p:cNvPr id="2" name="Date Placeholder 1">
             <a:extLst>
               <a:ext uri="{FF2B5EF4-FFF2-40B4-BE49-F238E27FC236}">
-                <a16:creationId xmlns:a16="http://schemas.microsoft.com/office/drawing/2014/main" xmlns="" id="{C7F98E25-CF37-4F73-9E22-210238167867}"/>
+                <a16:creationId xmlns="" xmlns:a16="http://schemas.microsoft.com/office/drawing/2014/main" id="{C7F98E25-CF37-4F73-9E22-210238167867}"/>
               </a:ext>
             </a:extLst>
           </p:cNvPr>
@@ -2991,7 +4159,7 @@
           <p:cNvPr id="3" name="Footer Placeholder 2">
             <a:extLst>
               <a:ext uri="{FF2B5EF4-FFF2-40B4-BE49-F238E27FC236}">
-                <a16:creationId xmlns:a16="http://schemas.microsoft.com/office/drawing/2014/main" xmlns="" id="{89D7A0E1-38AB-4FDA-8EC1-2D7617909C16}"/>
+                <a16:creationId xmlns="" xmlns:a16="http://schemas.microsoft.com/office/drawing/2014/main" id="{89D7A0E1-38AB-4FDA-8EC1-2D7617909C16}"/>
               </a:ext>
             </a:extLst>
           </p:cNvPr>
@@ -3016,7 +4184,7 @@
           <p:cNvPr id="4" name="Slide Number Placeholder 3">
             <a:extLst>
               <a:ext uri="{FF2B5EF4-FFF2-40B4-BE49-F238E27FC236}">
-                <a16:creationId xmlns:a16="http://schemas.microsoft.com/office/drawing/2014/main" xmlns="" id="{18A8E424-5A91-4557-9ADF-4A9422A0690D}"/>
+                <a16:creationId xmlns="" xmlns:a16="http://schemas.microsoft.com/office/drawing/2014/main" id="{18A8E424-5A91-4557-9ADF-4A9422A0690D}"/>
               </a:ext>
             </a:extLst>
           </p:cNvPr>
@@ -3075,7 +4243,7 @@
           <p:cNvPr id="2" name="Title 1">
             <a:extLst>
               <a:ext uri="{FF2B5EF4-FFF2-40B4-BE49-F238E27FC236}">
-                <a16:creationId xmlns:a16="http://schemas.microsoft.com/office/drawing/2014/main" xmlns="" id="{006BB935-0427-44CC-A384-333EAD83175F}"/>
+                <a16:creationId xmlns="" xmlns:a16="http://schemas.microsoft.com/office/drawing/2014/main" id="{006BB935-0427-44CC-A384-333EAD83175F}"/>
               </a:ext>
             </a:extLst>
           </p:cNvPr>
@@ -3113,7 +4281,7 @@
           <p:cNvPr id="3" name="Content Placeholder 2">
             <a:extLst>
               <a:ext uri="{FF2B5EF4-FFF2-40B4-BE49-F238E27FC236}">
-                <a16:creationId xmlns:a16="http://schemas.microsoft.com/office/drawing/2014/main" xmlns="" id="{CCB9DCF6-55CF-43EE-B135-BFC4B4D403CE}"/>
+                <a16:creationId xmlns="" xmlns:a16="http://schemas.microsoft.com/office/drawing/2014/main" id="{CCB9DCF6-55CF-43EE-B135-BFC4B4D403CE}"/>
               </a:ext>
             </a:extLst>
           </p:cNvPr>
@@ -3204,7 +4372,7 @@
           <p:cNvPr id="4" name="Text Placeholder 3">
             <a:extLst>
               <a:ext uri="{FF2B5EF4-FFF2-40B4-BE49-F238E27FC236}">
-                <a16:creationId xmlns:a16="http://schemas.microsoft.com/office/drawing/2014/main" xmlns="" id="{4337538E-A112-4E8F-A445-1A06B0C35309}"/>
+                <a16:creationId xmlns="" xmlns:a16="http://schemas.microsoft.com/office/drawing/2014/main" id="{4337538E-A112-4E8F-A445-1A06B0C35309}"/>
               </a:ext>
             </a:extLst>
           </p:cNvPr>
@@ -3275,7 +4443,7 @@
           <p:cNvPr id="5" name="Date Placeholder 4">
             <a:extLst>
               <a:ext uri="{FF2B5EF4-FFF2-40B4-BE49-F238E27FC236}">
-                <a16:creationId xmlns:a16="http://schemas.microsoft.com/office/drawing/2014/main" xmlns="" id="{E530D413-9505-4ED8-BFF1-5141BE9EE3C4}"/>
+                <a16:creationId xmlns="" xmlns:a16="http://schemas.microsoft.com/office/drawing/2014/main" id="{E530D413-9505-4ED8-BFF1-5141BE9EE3C4}"/>
               </a:ext>
             </a:extLst>
           </p:cNvPr>
@@ -3304,7 +4472,7 @@
           <p:cNvPr id="6" name="Footer Placeholder 5">
             <a:extLst>
               <a:ext uri="{FF2B5EF4-FFF2-40B4-BE49-F238E27FC236}">
-                <a16:creationId xmlns:a16="http://schemas.microsoft.com/office/drawing/2014/main" xmlns="" id="{F60815B0-4528-4FA2-8472-8F19C0F1650D}"/>
+                <a16:creationId xmlns="" xmlns:a16="http://schemas.microsoft.com/office/drawing/2014/main" id="{F60815B0-4528-4FA2-8472-8F19C0F1650D}"/>
               </a:ext>
             </a:extLst>
           </p:cNvPr>
@@ -3329,7 +4497,7 @@
           <p:cNvPr id="7" name="Slide Number Placeholder 6">
             <a:extLst>
               <a:ext uri="{FF2B5EF4-FFF2-40B4-BE49-F238E27FC236}">
-                <a16:creationId xmlns:a16="http://schemas.microsoft.com/office/drawing/2014/main" xmlns="" id="{B5C9FCEF-4406-4552-BFE4-6DA3761357F2}"/>
+                <a16:creationId xmlns="" xmlns:a16="http://schemas.microsoft.com/office/drawing/2014/main" id="{B5C9FCEF-4406-4552-BFE4-6DA3761357F2}"/>
               </a:ext>
             </a:extLst>
           </p:cNvPr>
@@ -3388,7 +4556,7 @@
           <p:cNvPr id="2" name="Title 1">
             <a:extLst>
               <a:ext uri="{FF2B5EF4-FFF2-40B4-BE49-F238E27FC236}">
-                <a16:creationId xmlns:a16="http://schemas.microsoft.com/office/drawing/2014/main" xmlns="" id="{F25CE22C-69D4-49EC-8858-787B3C67B0DA}"/>
+                <a16:creationId xmlns="" xmlns:a16="http://schemas.microsoft.com/office/drawing/2014/main" id="{F25CE22C-69D4-49EC-8858-787B3C67B0DA}"/>
               </a:ext>
             </a:extLst>
           </p:cNvPr>
@@ -3426,7 +4594,7 @@
           <p:cNvPr id="3" name="Picture Placeholder 2">
             <a:extLst>
               <a:ext uri="{FF2B5EF4-FFF2-40B4-BE49-F238E27FC236}">
-                <a16:creationId xmlns:a16="http://schemas.microsoft.com/office/drawing/2014/main" xmlns="" id="{346A4341-3C0B-4025-AE17-8F0F8FABF5D3}"/>
+                <a16:creationId xmlns="" xmlns:a16="http://schemas.microsoft.com/office/drawing/2014/main" id="{346A4341-3C0B-4025-AE17-8F0F8FABF5D3}"/>
               </a:ext>
             </a:extLst>
           </p:cNvPr>
@@ -3497,7 +4665,7 @@
           <p:cNvPr id="4" name="Text Placeholder 3">
             <a:extLst>
               <a:ext uri="{FF2B5EF4-FFF2-40B4-BE49-F238E27FC236}">
-                <a16:creationId xmlns:a16="http://schemas.microsoft.com/office/drawing/2014/main" xmlns="" id="{DEF5FF01-E0B6-419C-ABCC-70844E4EACB8}"/>
+                <a16:creationId xmlns="" xmlns:a16="http://schemas.microsoft.com/office/drawing/2014/main" id="{DEF5FF01-E0B6-419C-ABCC-70844E4EACB8}"/>
               </a:ext>
             </a:extLst>
           </p:cNvPr>
@@ -3568,7 +4736,7 @@
           <p:cNvPr id="5" name="Date Placeholder 4">
             <a:extLst>
               <a:ext uri="{FF2B5EF4-FFF2-40B4-BE49-F238E27FC236}">
-                <a16:creationId xmlns:a16="http://schemas.microsoft.com/office/drawing/2014/main" xmlns="" id="{92501218-FFD7-4F25-B220-F5DE5F70693C}"/>
+                <a16:creationId xmlns="" xmlns:a16="http://schemas.microsoft.com/office/drawing/2014/main" id="{92501218-FFD7-4F25-B220-F5DE5F70693C}"/>
               </a:ext>
             </a:extLst>
           </p:cNvPr>
@@ -3597,7 +4765,7 @@
           <p:cNvPr id="6" name="Footer Placeholder 5">
             <a:extLst>
               <a:ext uri="{FF2B5EF4-FFF2-40B4-BE49-F238E27FC236}">
-                <a16:creationId xmlns:a16="http://schemas.microsoft.com/office/drawing/2014/main" xmlns="" id="{9687CBFB-34A6-49D8-A1D2-45DF38876EED}"/>
+                <a16:creationId xmlns="" xmlns:a16="http://schemas.microsoft.com/office/drawing/2014/main" id="{9687CBFB-34A6-49D8-A1D2-45DF38876EED}"/>
               </a:ext>
             </a:extLst>
           </p:cNvPr>
@@ -3622,7 +4790,7 @@
           <p:cNvPr id="7" name="Slide Number Placeholder 6">
             <a:extLst>
               <a:ext uri="{FF2B5EF4-FFF2-40B4-BE49-F238E27FC236}">
-                <a16:creationId xmlns:a16="http://schemas.microsoft.com/office/drawing/2014/main" xmlns="" id="{0C2726A4-D33A-486A-B120-648AF3D8BA76}"/>
+                <a16:creationId xmlns="" xmlns:a16="http://schemas.microsoft.com/office/drawing/2014/main" id="{0C2726A4-D33A-486A-B120-648AF3D8BA76}"/>
               </a:ext>
             </a:extLst>
           </p:cNvPr>
@@ -3686,7 +4854,7 @@
           <p:cNvPr id="2" name="Title Placeholder 1">
             <a:extLst>
               <a:ext uri="{FF2B5EF4-FFF2-40B4-BE49-F238E27FC236}">
-                <a16:creationId xmlns:a16="http://schemas.microsoft.com/office/drawing/2014/main" xmlns="" id="{9C07C8C3-4165-4353-ABF2-492454AF91ED}"/>
+                <a16:creationId xmlns="" xmlns:a16="http://schemas.microsoft.com/office/drawing/2014/main" id="{9C07C8C3-4165-4353-ABF2-492454AF91ED}"/>
               </a:ext>
             </a:extLst>
           </p:cNvPr>
@@ -3725,7 +4893,7 @@
           <p:cNvPr id="3" name="Text Placeholder 2">
             <a:extLst>
               <a:ext uri="{FF2B5EF4-FFF2-40B4-BE49-F238E27FC236}">
-                <a16:creationId xmlns:a16="http://schemas.microsoft.com/office/drawing/2014/main" xmlns="" id="{289AA46A-3C66-4E4A-9907-225E50ABB7AE}"/>
+                <a16:creationId xmlns="" xmlns:a16="http://schemas.microsoft.com/office/drawing/2014/main" id="{289AA46A-3C66-4E4A-9907-225E50ABB7AE}"/>
               </a:ext>
             </a:extLst>
           </p:cNvPr>
@@ -3793,7 +4961,7 @@
           <p:cNvPr id="4" name="Date Placeholder 3">
             <a:extLst>
               <a:ext uri="{FF2B5EF4-FFF2-40B4-BE49-F238E27FC236}">
-                <a16:creationId xmlns:a16="http://schemas.microsoft.com/office/drawing/2014/main" xmlns="" id="{E57F8214-A11A-4309-9D51-44F35987D1BD}"/>
+                <a16:creationId xmlns="" xmlns:a16="http://schemas.microsoft.com/office/drawing/2014/main" id="{E57F8214-A11A-4309-9D51-44F35987D1BD}"/>
               </a:ext>
             </a:extLst>
           </p:cNvPr>
@@ -3840,7 +5008,7 @@
           <p:cNvPr id="5" name="Footer Placeholder 4">
             <a:extLst>
               <a:ext uri="{FF2B5EF4-FFF2-40B4-BE49-F238E27FC236}">
-                <a16:creationId xmlns:a16="http://schemas.microsoft.com/office/drawing/2014/main" xmlns="" id="{D6A334EB-8260-4F13-9553-5A8593D9DC6B}"/>
+                <a16:creationId xmlns="" xmlns:a16="http://schemas.microsoft.com/office/drawing/2014/main" id="{D6A334EB-8260-4F13-9553-5A8593D9DC6B}"/>
               </a:ext>
             </a:extLst>
           </p:cNvPr>
@@ -3883,7 +5051,7 @@
           <p:cNvPr id="6" name="Slide Number Placeholder 5">
             <a:extLst>
               <a:ext uri="{FF2B5EF4-FFF2-40B4-BE49-F238E27FC236}">
-                <a16:creationId xmlns:a16="http://schemas.microsoft.com/office/drawing/2014/main" xmlns="" id="{00C1EF96-E028-4E68-864E-9B77CF9F25E0}"/>
+                <a16:creationId xmlns="" xmlns:a16="http://schemas.microsoft.com/office/drawing/2014/main" id="{00C1EF96-E028-4E68-864E-9B77CF9F25E0}"/>
               </a:ext>
             </a:extLst>
           </p:cNvPr>
@@ -4259,10 +5427,10 @@
           <p:cNvPr id="11" name="Rectangle 10">
             <a:extLst>
               <a:ext uri="{FF2B5EF4-FFF2-40B4-BE49-F238E27FC236}">
-                <a16:creationId xmlns:a16="http://schemas.microsoft.com/office/drawing/2014/main" xmlns="" id="{C0B27210-D0CA-4654-B3E3-9ABB4F178EA1}"/>
+                <a16:creationId xmlns="" xmlns:a16="http://schemas.microsoft.com/office/drawing/2014/main" id="{C0B27210-D0CA-4654-B3E3-9ABB4F178EA1}"/>
               </a:ext>
               <a:ext uri="{C183D7F6-B498-43B3-948B-1728B52AA6E4}">
-                <adec:decorative xmlns:adec="http://schemas.microsoft.com/office/drawing/2017/decorative" xmlns="" val="1"/>
+                <adec:decorative xmlns="" xmlns:adec="http://schemas.microsoft.com/office/drawing/2017/decorative" val="1"/>
               </a:ext>
             </a:extLst>
           </p:cNvPr>
@@ -4272,7 +5440,7 @@
           <p:nvPr>
             <p:extLst>
               <p:ext uri="{386F3935-93C4-4BCD-93E2-E3B085C9AB24}">
-                <p16:designElem xmlns:p16="http://schemas.microsoft.com/office/powerpoint/2015/main" xmlns="" val="1"/>
+                <p16:designElem xmlns="" xmlns:p16="http://schemas.microsoft.com/office/powerpoint/2015/main" val="1"/>
               </p:ext>
             </p:extLst>
           </p:nvPr>
@@ -4450,10 +5618,10 @@
           <p:cNvPr id="13" name="Freeform: Shape 12">
             <a:extLst>
               <a:ext uri="{FF2B5EF4-FFF2-40B4-BE49-F238E27FC236}">
-                <a16:creationId xmlns:a16="http://schemas.microsoft.com/office/drawing/2014/main" xmlns="" id="{1DB7C82F-AB7E-4F0C-B829-FA1B9C415180}"/>
+                <a16:creationId xmlns="" xmlns:a16="http://schemas.microsoft.com/office/drawing/2014/main" id="{1DB7C82F-AB7E-4F0C-B829-FA1B9C415180}"/>
               </a:ext>
               <a:ext uri="{C183D7F6-B498-43B3-948B-1728B52AA6E4}">
-                <adec:decorative xmlns:adec="http://schemas.microsoft.com/office/drawing/2017/decorative" xmlns="" val="1"/>
+                <adec:decorative xmlns="" xmlns:adec="http://schemas.microsoft.com/office/drawing/2017/decorative" val="1"/>
               </a:ext>
             </a:extLst>
           </p:cNvPr>
@@ -4463,7 +5631,7 @@
           <p:nvPr>
             <p:extLst>
               <p:ext uri="{386F3935-93C4-4BCD-93E2-E3B085C9AB24}">
-                <p16:designElem xmlns:p16="http://schemas.microsoft.com/office/powerpoint/2015/main" xmlns="" val="1"/>
+                <p16:designElem xmlns="" xmlns:p16="http://schemas.microsoft.com/office/powerpoint/2015/main" val="1"/>
               </p:ext>
             </p:extLst>
           </p:nvPr>
@@ -4617,10 +5785,10 @@
           <p:cNvPr id="15" name="Freeform: Shape 14">
             <a:extLst>
               <a:ext uri="{FF2B5EF4-FFF2-40B4-BE49-F238E27FC236}">
-                <a16:creationId xmlns:a16="http://schemas.microsoft.com/office/drawing/2014/main" xmlns="" id="{70B66945-4967-4040-926D-DCA44313CDAB}"/>
+                <a16:creationId xmlns="" xmlns:a16="http://schemas.microsoft.com/office/drawing/2014/main" id="{70B66945-4967-4040-926D-DCA44313CDAB}"/>
               </a:ext>
               <a:ext uri="{C183D7F6-B498-43B3-948B-1728B52AA6E4}">
-                <adec:decorative xmlns:adec="http://schemas.microsoft.com/office/drawing/2017/decorative" xmlns="" val="1"/>
+                <adec:decorative xmlns="" xmlns:adec="http://schemas.microsoft.com/office/drawing/2017/decorative" val="1"/>
               </a:ext>
             </a:extLst>
           </p:cNvPr>
@@ -4630,7 +5798,7 @@
           <p:nvPr>
             <p:extLst>
               <p:ext uri="{386F3935-93C4-4BCD-93E2-E3B085C9AB24}">
-                <p16:designElem xmlns:p16="http://schemas.microsoft.com/office/powerpoint/2015/main" xmlns="" val="1"/>
+                <p16:designElem xmlns="" xmlns:p16="http://schemas.microsoft.com/office/powerpoint/2015/main" val="1"/>
               </p:ext>
             </p:extLst>
           </p:nvPr>
@@ -4857,10 +6025,10 @@
           <p:cNvPr id="9" name="Rectangle 8">
             <a:extLst>
               <a:ext uri="{FF2B5EF4-FFF2-40B4-BE49-F238E27FC236}">
-                <a16:creationId xmlns:a16="http://schemas.microsoft.com/office/drawing/2014/main" xmlns="" id="{3B854194-185D-494D-905C-7C7CB2E30F6E}"/>
+                <a16:creationId xmlns="" xmlns:a16="http://schemas.microsoft.com/office/drawing/2014/main" id="{3B854194-185D-494D-905C-7C7CB2E30F6E}"/>
               </a:ext>
               <a:ext uri="{C183D7F6-B498-43B3-948B-1728B52AA6E4}">
-                <adec:decorative xmlns:adec="http://schemas.microsoft.com/office/drawing/2017/decorative" xmlns="" val="1"/>
+                <adec:decorative xmlns="" xmlns:adec="http://schemas.microsoft.com/office/drawing/2017/decorative" val="1"/>
               </a:ext>
             </a:extLst>
           </p:cNvPr>
@@ -4870,7 +6038,7 @@
           <p:nvPr>
             <p:extLst>
               <p:ext uri="{386F3935-93C4-4BCD-93E2-E3B085C9AB24}">
-                <p16:designElem xmlns:p16="http://schemas.microsoft.com/office/powerpoint/2015/main" xmlns="" val="1"/>
+                <p16:designElem xmlns="" xmlns:p16="http://schemas.microsoft.com/office/powerpoint/2015/main" val="1"/>
               </p:ext>
             </p:extLst>
           </p:nvPr>
@@ -4917,10 +6085,10 @@
           <p:cNvPr id="11" name="Rectangle 10">
             <a:extLst>
               <a:ext uri="{FF2B5EF4-FFF2-40B4-BE49-F238E27FC236}">
-                <a16:creationId xmlns:a16="http://schemas.microsoft.com/office/drawing/2014/main" xmlns="" id="{B4F5FA0D-0104-4987-8241-EFF7C85B88DE}"/>
+                <a16:creationId xmlns="" xmlns:a16="http://schemas.microsoft.com/office/drawing/2014/main" id="{B4F5FA0D-0104-4987-8241-EFF7C85B88DE}"/>
               </a:ext>
               <a:ext uri="{C183D7F6-B498-43B3-948B-1728B52AA6E4}">
-                <adec:decorative xmlns:adec="http://schemas.microsoft.com/office/drawing/2017/decorative" xmlns="" val="1"/>
+                <adec:decorative xmlns="" xmlns:adec="http://schemas.microsoft.com/office/drawing/2017/decorative" val="1"/>
               </a:ext>
             </a:extLst>
           </p:cNvPr>
@@ -4930,7 +6098,7 @@
           <p:nvPr>
             <p:extLst>
               <p:ext uri="{386F3935-93C4-4BCD-93E2-E3B085C9AB24}">
-                <p16:designElem xmlns:p16="http://schemas.microsoft.com/office/powerpoint/2015/main" xmlns="" val="1"/>
+                <p16:designElem xmlns="" xmlns:p16="http://schemas.microsoft.com/office/powerpoint/2015/main" val="1"/>
               </p:ext>
             </p:extLst>
           </p:nvPr>
@@ -5002,10 +6170,10 @@
           <p:cNvPr id="13" name="Picture 12">
             <a:extLst>
               <a:ext uri="{FF2B5EF4-FFF2-40B4-BE49-F238E27FC236}">
-                <a16:creationId xmlns:a16="http://schemas.microsoft.com/office/drawing/2014/main" xmlns="" id="{2897127E-6CEF-446C-BE87-93B7C46E49D1}"/>
+                <a16:creationId xmlns="" xmlns:a16="http://schemas.microsoft.com/office/drawing/2014/main" id="{2897127E-6CEF-446C-BE87-93B7C46E49D1}"/>
               </a:ext>
               <a:ext uri="{C183D7F6-B498-43B3-948B-1728B52AA6E4}">
-                <adec:decorative xmlns:adec="http://schemas.microsoft.com/office/drawing/2017/decorative" xmlns="" val="1"/>
+                <adec:decorative xmlns="" xmlns:adec="http://schemas.microsoft.com/office/drawing/2017/decorative" val="1"/>
               </a:ext>
             </a:extLst>
           </p:cNvPr>
@@ -5015,7 +6183,7 @@
           <p:nvPr>
             <p:extLst>
               <p:ext uri="{386F3935-93C4-4BCD-93E2-E3B085C9AB24}">
-                <p16:designElem xmlns:p16="http://schemas.microsoft.com/office/powerpoint/2015/main" xmlns="" val="1"/>
+                <p16:designElem xmlns="" xmlns:p16="http://schemas.microsoft.com/office/powerpoint/2015/main" val="1"/>
               </p:ext>
             </p:extLst>
           </p:nvPr>
@@ -5244,10 +6412,10 @@
           <p:cNvPr id="9" name="Rectangle 8">
             <a:extLst>
               <a:ext uri="{FF2B5EF4-FFF2-40B4-BE49-F238E27FC236}">
-                <a16:creationId xmlns:a16="http://schemas.microsoft.com/office/drawing/2014/main" xmlns="" id="{3B854194-185D-494D-905C-7C7CB2E30F6E}"/>
+                <a16:creationId xmlns="" xmlns:a16="http://schemas.microsoft.com/office/drawing/2014/main" id="{3B854194-185D-494D-905C-7C7CB2E30F6E}"/>
               </a:ext>
               <a:ext uri="{C183D7F6-B498-43B3-948B-1728B52AA6E4}">
-                <adec:decorative xmlns:adec="http://schemas.microsoft.com/office/drawing/2017/decorative" xmlns="" val="1"/>
+                <adec:decorative xmlns="" xmlns:adec="http://schemas.microsoft.com/office/drawing/2017/decorative" val="1"/>
               </a:ext>
             </a:extLst>
           </p:cNvPr>
@@ -5257,7 +6425,7 @@
           <p:nvPr>
             <p:extLst>
               <p:ext uri="{386F3935-93C4-4BCD-93E2-E3B085C9AB24}">
-                <p16:designElem xmlns:p16="http://schemas.microsoft.com/office/powerpoint/2015/main" xmlns="" val="1"/>
+                <p16:designElem xmlns="" xmlns:p16="http://schemas.microsoft.com/office/powerpoint/2015/main" val="1"/>
               </p:ext>
             </p:extLst>
           </p:nvPr>
@@ -5304,10 +6472,10 @@
           <p:cNvPr id="11" name="Rectangle 10">
             <a:extLst>
               <a:ext uri="{FF2B5EF4-FFF2-40B4-BE49-F238E27FC236}">
-                <a16:creationId xmlns:a16="http://schemas.microsoft.com/office/drawing/2014/main" xmlns="" id="{B4F5FA0D-0104-4987-8241-EFF7C85B88DE}"/>
+                <a16:creationId xmlns="" xmlns:a16="http://schemas.microsoft.com/office/drawing/2014/main" id="{B4F5FA0D-0104-4987-8241-EFF7C85B88DE}"/>
               </a:ext>
               <a:ext uri="{C183D7F6-B498-43B3-948B-1728B52AA6E4}">
-                <adec:decorative xmlns:adec="http://schemas.microsoft.com/office/drawing/2017/decorative" xmlns="" val="1"/>
+                <adec:decorative xmlns="" xmlns:adec="http://schemas.microsoft.com/office/drawing/2017/decorative" val="1"/>
               </a:ext>
             </a:extLst>
           </p:cNvPr>
@@ -5317,7 +6485,7 @@
           <p:nvPr>
             <p:extLst>
               <p:ext uri="{386F3935-93C4-4BCD-93E2-E3B085C9AB24}">
-                <p16:designElem xmlns:p16="http://schemas.microsoft.com/office/powerpoint/2015/main" xmlns="" val="1"/>
+                <p16:designElem xmlns="" xmlns:p16="http://schemas.microsoft.com/office/powerpoint/2015/main" val="1"/>
               </p:ext>
             </p:extLst>
           </p:nvPr>
@@ -5389,10 +6557,10 @@
           <p:cNvPr id="13" name="Picture 12">
             <a:extLst>
               <a:ext uri="{FF2B5EF4-FFF2-40B4-BE49-F238E27FC236}">
-                <a16:creationId xmlns:a16="http://schemas.microsoft.com/office/drawing/2014/main" xmlns="" id="{2897127E-6CEF-446C-BE87-93B7C46E49D1}"/>
+                <a16:creationId xmlns="" xmlns:a16="http://schemas.microsoft.com/office/drawing/2014/main" id="{2897127E-6CEF-446C-BE87-93B7C46E49D1}"/>
               </a:ext>
               <a:ext uri="{C183D7F6-B498-43B3-948B-1728B52AA6E4}">
-                <adec:decorative xmlns:adec="http://schemas.microsoft.com/office/drawing/2017/decorative" xmlns="" val="1"/>
+                <adec:decorative xmlns="" xmlns:adec="http://schemas.microsoft.com/office/drawing/2017/decorative" val="1"/>
               </a:ext>
             </a:extLst>
           </p:cNvPr>
@@ -5402,7 +6570,7 @@
           <p:nvPr>
             <p:extLst>
               <p:ext uri="{386F3935-93C4-4BCD-93E2-E3B085C9AB24}">
-                <p16:designElem xmlns:p16="http://schemas.microsoft.com/office/powerpoint/2015/main" xmlns="" val="1"/>
+                <p16:designElem xmlns="" xmlns:p16="http://schemas.microsoft.com/office/powerpoint/2015/main" val="1"/>
               </p:ext>
             </p:extLst>
           </p:nvPr>
@@ -5593,10 +6761,10 @@
           <p:cNvPr id="9" name="Rectangle 8">
             <a:extLst>
               <a:ext uri="{FF2B5EF4-FFF2-40B4-BE49-F238E27FC236}">
-                <a16:creationId xmlns:a16="http://schemas.microsoft.com/office/drawing/2014/main" xmlns="" id="{3B854194-185D-494D-905C-7C7CB2E30F6E}"/>
+                <a16:creationId xmlns="" xmlns:a16="http://schemas.microsoft.com/office/drawing/2014/main" id="{3B854194-185D-494D-905C-7C7CB2E30F6E}"/>
               </a:ext>
               <a:ext uri="{C183D7F6-B498-43B3-948B-1728B52AA6E4}">
-                <adec:decorative xmlns:adec="http://schemas.microsoft.com/office/drawing/2017/decorative" xmlns="" val="1"/>
+                <adec:decorative xmlns="" xmlns:adec="http://schemas.microsoft.com/office/drawing/2017/decorative" val="1"/>
               </a:ext>
             </a:extLst>
           </p:cNvPr>
@@ -5606,7 +6774,7 @@
           <p:nvPr>
             <p:extLst>
               <p:ext uri="{386F3935-93C4-4BCD-93E2-E3B085C9AB24}">
-                <p16:designElem xmlns:p16="http://schemas.microsoft.com/office/powerpoint/2015/main" xmlns="" val="1"/>
+                <p16:designElem xmlns="" xmlns:p16="http://schemas.microsoft.com/office/powerpoint/2015/main" val="1"/>
               </p:ext>
             </p:extLst>
           </p:nvPr>
@@ -5653,10 +6821,10 @@
           <p:cNvPr id="11" name="Rectangle 10">
             <a:extLst>
               <a:ext uri="{FF2B5EF4-FFF2-40B4-BE49-F238E27FC236}">
-                <a16:creationId xmlns:a16="http://schemas.microsoft.com/office/drawing/2014/main" xmlns="" id="{B4F5FA0D-0104-4987-8241-EFF7C85B88DE}"/>
+                <a16:creationId xmlns="" xmlns:a16="http://schemas.microsoft.com/office/drawing/2014/main" id="{B4F5FA0D-0104-4987-8241-EFF7C85B88DE}"/>
               </a:ext>
               <a:ext uri="{C183D7F6-B498-43B3-948B-1728B52AA6E4}">
-                <adec:decorative xmlns:adec="http://schemas.microsoft.com/office/drawing/2017/decorative" xmlns="" val="1"/>
+                <adec:decorative xmlns="" xmlns:adec="http://schemas.microsoft.com/office/drawing/2017/decorative" val="1"/>
               </a:ext>
             </a:extLst>
           </p:cNvPr>
@@ -5666,7 +6834,7 @@
           <p:nvPr>
             <p:extLst>
               <p:ext uri="{386F3935-93C4-4BCD-93E2-E3B085C9AB24}">
-                <p16:designElem xmlns:p16="http://schemas.microsoft.com/office/powerpoint/2015/main" xmlns="" val="1"/>
+                <p16:designElem xmlns="" xmlns:p16="http://schemas.microsoft.com/office/powerpoint/2015/main" val="1"/>
               </p:ext>
             </p:extLst>
           </p:nvPr>
@@ -5738,10 +6906,10 @@
           <p:cNvPr id="13" name="Picture 12">
             <a:extLst>
               <a:ext uri="{FF2B5EF4-FFF2-40B4-BE49-F238E27FC236}">
-                <a16:creationId xmlns:a16="http://schemas.microsoft.com/office/drawing/2014/main" xmlns="" id="{2897127E-6CEF-446C-BE87-93B7C46E49D1}"/>
+                <a16:creationId xmlns="" xmlns:a16="http://schemas.microsoft.com/office/drawing/2014/main" id="{2897127E-6CEF-446C-BE87-93B7C46E49D1}"/>
               </a:ext>
               <a:ext uri="{C183D7F6-B498-43B3-948B-1728B52AA6E4}">
-                <adec:decorative xmlns:adec="http://schemas.microsoft.com/office/drawing/2017/decorative" xmlns="" val="1"/>
+                <adec:decorative xmlns="" xmlns:adec="http://schemas.microsoft.com/office/drawing/2017/decorative" val="1"/>
               </a:ext>
             </a:extLst>
           </p:cNvPr>
@@ -5751,7 +6919,7 @@
           <p:nvPr>
             <p:extLst>
               <p:ext uri="{386F3935-93C4-4BCD-93E2-E3B085C9AB24}">
-                <p16:designElem xmlns:p16="http://schemas.microsoft.com/office/powerpoint/2015/main" xmlns="" val="1"/>
+                <p16:designElem xmlns="" xmlns:p16="http://schemas.microsoft.com/office/powerpoint/2015/main" val="1"/>
               </p:ext>
             </p:extLst>
           </p:nvPr>
@@ -5952,10 +7120,10 @@
           <p:cNvPr id="9" name="Rectangle 8">
             <a:extLst>
               <a:ext uri="{FF2B5EF4-FFF2-40B4-BE49-F238E27FC236}">
-                <a16:creationId xmlns:a16="http://schemas.microsoft.com/office/drawing/2014/main" xmlns="" id="{23962611-DFD5-4092-AAFD-559E3DFCE2C9}"/>
+                <a16:creationId xmlns="" xmlns:a16="http://schemas.microsoft.com/office/drawing/2014/main" id="{23962611-DFD5-4092-AAFD-559E3DFCE2C9}"/>
               </a:ext>
               <a:ext uri="{C183D7F6-B498-43B3-948B-1728B52AA6E4}">
-                <adec:decorative xmlns:adec="http://schemas.microsoft.com/office/drawing/2017/decorative" xmlns="" val="1"/>
+                <adec:decorative xmlns="" xmlns:adec="http://schemas.microsoft.com/office/drawing/2017/decorative" val="1"/>
               </a:ext>
             </a:extLst>
           </p:cNvPr>
@@ -5965,7 +7133,7 @@
           <p:nvPr>
             <p:extLst>
               <p:ext uri="{386F3935-93C4-4BCD-93E2-E3B085C9AB24}">
-                <p16:designElem xmlns:p16="http://schemas.microsoft.com/office/powerpoint/2015/main" xmlns="" val="1"/>
+                <p16:designElem xmlns="" xmlns:p16="http://schemas.microsoft.com/office/powerpoint/2015/main" val="1"/>
               </p:ext>
             </p:extLst>
           </p:nvPr>
@@ -6037,10 +7205,10 @@
           <p:cNvPr id="11" name="Picture 10">
             <a:extLst>
               <a:ext uri="{FF2B5EF4-FFF2-40B4-BE49-F238E27FC236}">
-                <a16:creationId xmlns:a16="http://schemas.microsoft.com/office/drawing/2014/main" xmlns="" id="{2270F1FA-0425-408F-9861-80BF5AFB276D}"/>
+                <a16:creationId xmlns="" xmlns:a16="http://schemas.microsoft.com/office/drawing/2014/main" id="{2270F1FA-0425-408F-9861-80BF5AFB276D}"/>
               </a:ext>
               <a:ext uri="{C183D7F6-B498-43B3-948B-1728B52AA6E4}">
-                <adec:decorative xmlns:adec="http://schemas.microsoft.com/office/drawing/2017/decorative" xmlns="" val="1"/>
+                <adec:decorative xmlns="" xmlns:adec="http://schemas.microsoft.com/office/drawing/2017/decorative" val="1"/>
               </a:ext>
             </a:extLst>
           </p:cNvPr>
@@ -6050,7 +7218,7 @@
           <p:nvPr>
             <p:extLst>
               <p:ext uri="{386F3935-93C4-4BCD-93E2-E3B085C9AB24}">
-                <p16:designElem xmlns:p16="http://schemas.microsoft.com/office/powerpoint/2015/main" xmlns="" val="1"/>
+                <p16:designElem xmlns="" xmlns:p16="http://schemas.microsoft.com/office/powerpoint/2015/main" val="1"/>
               </p:ext>
             </p:extLst>
           </p:nvPr>
@@ -6780,10 +7948,10 @@
           <p:cNvPr id="9" name="Rectangle 8">
             <a:extLst>
               <a:ext uri="{FF2B5EF4-FFF2-40B4-BE49-F238E27FC236}">
-                <a16:creationId xmlns:a16="http://schemas.microsoft.com/office/drawing/2014/main" xmlns="" id="{23962611-DFD5-4092-AAFD-559E3DFCE2C9}"/>
+                <a16:creationId xmlns="" xmlns:a16="http://schemas.microsoft.com/office/drawing/2014/main" id="{23962611-DFD5-4092-AAFD-559E3DFCE2C9}"/>
               </a:ext>
               <a:ext uri="{C183D7F6-B498-43B3-948B-1728B52AA6E4}">
-                <adec:decorative xmlns:adec="http://schemas.microsoft.com/office/drawing/2017/decorative" xmlns="" val="1"/>
+                <adec:decorative xmlns="" xmlns:adec="http://schemas.microsoft.com/office/drawing/2017/decorative" val="1"/>
               </a:ext>
             </a:extLst>
           </p:cNvPr>
@@ -6793,7 +7961,7 @@
           <p:nvPr>
             <p:extLst>
               <p:ext uri="{386F3935-93C4-4BCD-93E2-E3B085C9AB24}">
-                <p16:designElem xmlns:p16="http://schemas.microsoft.com/office/powerpoint/2015/main" xmlns="" val="1"/>
+                <p16:designElem xmlns="" xmlns:p16="http://schemas.microsoft.com/office/powerpoint/2015/main" val="1"/>
               </p:ext>
             </p:extLst>
           </p:nvPr>
@@ -6865,10 +8033,10 @@
           <p:cNvPr id="11" name="Picture 10">
             <a:extLst>
               <a:ext uri="{FF2B5EF4-FFF2-40B4-BE49-F238E27FC236}">
-                <a16:creationId xmlns:a16="http://schemas.microsoft.com/office/drawing/2014/main" xmlns="" id="{2270F1FA-0425-408F-9861-80BF5AFB276D}"/>
+                <a16:creationId xmlns="" xmlns:a16="http://schemas.microsoft.com/office/drawing/2014/main" id="{2270F1FA-0425-408F-9861-80BF5AFB276D}"/>
               </a:ext>
               <a:ext uri="{C183D7F6-B498-43B3-948B-1728B52AA6E4}">
-                <adec:decorative xmlns:adec="http://schemas.microsoft.com/office/drawing/2017/decorative" xmlns="" val="1"/>
+                <adec:decorative xmlns="" xmlns:adec="http://schemas.microsoft.com/office/drawing/2017/decorative" val="1"/>
               </a:ext>
             </a:extLst>
           </p:cNvPr>
@@ -6878,7 +8046,7 @@
           <p:nvPr>
             <p:extLst>
               <p:ext uri="{386F3935-93C4-4BCD-93E2-E3B085C9AB24}">
-                <p16:designElem xmlns:p16="http://schemas.microsoft.com/office/powerpoint/2015/main" xmlns="" val="1"/>
+                <p16:designElem xmlns="" xmlns:p16="http://schemas.microsoft.com/office/powerpoint/2015/main" val="1"/>
               </p:ext>
             </p:extLst>
           </p:nvPr>
@@ -7608,10 +8776,10 @@
           <p:cNvPr id="9" name="Rectangle 8">
             <a:extLst>
               <a:ext uri="{FF2B5EF4-FFF2-40B4-BE49-F238E27FC236}">
-                <a16:creationId xmlns:a16="http://schemas.microsoft.com/office/drawing/2014/main" xmlns="" id="{23962611-DFD5-4092-AAFD-559E3DFCE2C9}"/>
+                <a16:creationId xmlns="" xmlns:a16="http://schemas.microsoft.com/office/drawing/2014/main" id="{23962611-DFD5-4092-AAFD-559E3DFCE2C9}"/>
               </a:ext>
               <a:ext uri="{C183D7F6-B498-43B3-948B-1728B52AA6E4}">
-                <adec:decorative xmlns:adec="http://schemas.microsoft.com/office/drawing/2017/decorative" xmlns="" val="1"/>
+                <adec:decorative xmlns="" xmlns:adec="http://schemas.microsoft.com/office/drawing/2017/decorative" val="1"/>
               </a:ext>
             </a:extLst>
           </p:cNvPr>
@@ -7621,7 +8789,7 @@
           <p:nvPr>
             <p:extLst>
               <p:ext uri="{386F3935-93C4-4BCD-93E2-E3B085C9AB24}">
-                <p16:designElem xmlns:p16="http://schemas.microsoft.com/office/powerpoint/2015/main" xmlns="" val="1"/>
+                <p16:designElem xmlns="" xmlns:p16="http://schemas.microsoft.com/office/powerpoint/2015/main" val="1"/>
               </p:ext>
             </p:extLst>
           </p:nvPr>
@@ -7693,10 +8861,10 @@
           <p:cNvPr id="11" name="Picture 10">
             <a:extLst>
               <a:ext uri="{FF2B5EF4-FFF2-40B4-BE49-F238E27FC236}">
-                <a16:creationId xmlns:a16="http://schemas.microsoft.com/office/drawing/2014/main" xmlns="" id="{2270F1FA-0425-408F-9861-80BF5AFB276D}"/>
+                <a16:creationId xmlns="" xmlns:a16="http://schemas.microsoft.com/office/drawing/2014/main" id="{2270F1FA-0425-408F-9861-80BF5AFB276D}"/>
               </a:ext>
               <a:ext uri="{C183D7F6-B498-43B3-948B-1728B52AA6E4}">
-                <adec:decorative xmlns:adec="http://schemas.microsoft.com/office/drawing/2017/decorative" xmlns="" val="1"/>
+                <adec:decorative xmlns="" xmlns:adec="http://schemas.microsoft.com/office/drawing/2017/decorative" val="1"/>
               </a:ext>
             </a:extLst>
           </p:cNvPr>
@@ -7706,7 +8874,7 @@
           <p:nvPr>
             <p:extLst>
               <p:ext uri="{386F3935-93C4-4BCD-93E2-E3B085C9AB24}">
-                <p16:designElem xmlns:p16="http://schemas.microsoft.com/office/powerpoint/2015/main" xmlns="" val="1"/>
+                <p16:designElem xmlns="" xmlns:p16="http://schemas.microsoft.com/office/powerpoint/2015/main" val="1"/>
               </p:ext>
             </p:extLst>
           </p:nvPr>
@@ -8431,7 +9599,10 @@
     <p:bg>
       <p:bgPr>
         <a:solidFill>
-          <a:schemeClr val="bg1"/>
+          <a:schemeClr val="accent1">
+            <a:lumMod val="20000"/>
+            <a:lumOff val="80000"/>
+          </a:schemeClr>
         </a:solidFill>
         <a:effectLst/>
       </p:bgPr>
@@ -8452,13 +9623,99 @@
       </p:grpSpPr>
       <p:sp>
         <p:nvSpPr>
+          <p:cNvPr id="13" name="Título 12"/>
+          <p:cNvSpPr>
+            <a:spLocks noGrp="1"/>
+          </p:cNvSpPr>
+          <p:nvPr>
+            <p:ph type="title"/>
+          </p:nvPr>
+        </p:nvSpPr>
+        <p:spPr/>
+        <p:txBody>
+          <a:bodyPr/>
+          <a:lstStyle/>
+          <a:p>
+            <a:pPr algn="ctr"/>
+            <a:r>
+              <a:rPr lang="es-AR" dirty="0" smtClean="0"/>
+              <a:t>Comparación de Resultados</a:t>
+            </a:r>
+            <a:endParaRPr lang="es-AR" dirty="0"/>
+          </a:p>
+        </p:txBody>
+      </p:sp>
+      <p:graphicFrame>
+        <p:nvGraphicFramePr>
+          <p:cNvPr id="19" name="Marcador de contenido 18"/>
+          <p:cNvGraphicFramePr>
+            <a:graphicFrameLocks noGrp="1"/>
+          </p:cNvGraphicFramePr>
+          <p:nvPr>
+            <p:ph idx="1"/>
+            <p:extLst>
+              <p:ext uri="{D42A27DB-BD31-4B8C-83A1-F6EECF244321}">
+                <p14:modId xmlns:p14="http://schemas.microsoft.com/office/powerpoint/2010/main" val="1584258671"/>
+              </p:ext>
+            </p:extLst>
+          </p:nvPr>
+        </p:nvGraphicFramePr>
+        <p:xfrm>
+          <a:off x="838200" y="1825625"/>
+          <a:ext cx="10515600" cy="4351338"/>
+        </p:xfrm>
+        <a:graphic>
+          <a:graphicData uri="http://schemas.openxmlformats.org/drawingml/2006/chart">
+            <c:chart xmlns:c="http://schemas.openxmlformats.org/drawingml/2006/chart" xmlns:r="http://schemas.openxmlformats.org/officeDocument/2006/relationships" r:id="rId3"/>
+          </a:graphicData>
+        </a:graphic>
+      </p:graphicFrame>
+    </p:spTree>
+    <p:extLst>
+      <p:ext uri="{BB962C8B-B14F-4D97-AF65-F5344CB8AC3E}">
+        <p14:creationId xmlns:p14="http://schemas.microsoft.com/office/powerpoint/2010/main" val="1052718980"/>
+      </p:ext>
+    </p:extLst>
+  </p:cSld>
+  <p:clrMapOvr>
+    <a:masterClrMapping/>
+  </p:clrMapOvr>
+  <p:timing>
+    <p:tnLst>
+      <p:par>
+        <p:cTn id="1" dur="indefinite" restart="never" nodeType="tmRoot"/>
+      </p:par>
+    </p:tnLst>
+  </p:timing>
+</p:sld>
+</file>
+
+<file path=ppt/slides/slide9.xml><?xml version="1.0" encoding="utf-8"?>
+<p:sld xmlns:a="http://schemas.openxmlformats.org/drawingml/2006/main" xmlns:r="http://schemas.openxmlformats.org/officeDocument/2006/relationships" xmlns:p="http://schemas.openxmlformats.org/presentationml/2006/main">
+  <p:cSld>
+    <p:spTree>
+      <p:nvGrpSpPr>
+        <p:cNvPr id="1" name=""/>
+        <p:cNvGrpSpPr/>
+        <p:nvPr/>
+      </p:nvGrpSpPr>
+      <p:grpSpPr>
+        <a:xfrm>
+          <a:off x="0" y="0"/>
+          <a:ext cx="0" cy="0"/>
+          <a:chOff x="0" y="0"/>
+          <a:chExt cx="0" cy="0"/>
+        </a:xfrm>
+      </p:grpSpPr>
+      <p:sp>
+        <p:nvSpPr>
           <p:cNvPr id="9" name="Rectangle 8">
             <a:extLst>
               <a:ext uri="{FF2B5EF4-FFF2-40B4-BE49-F238E27FC236}">
-                <a16:creationId xmlns:a16="http://schemas.microsoft.com/office/drawing/2014/main" xmlns="" id="{23962611-DFD5-4092-AAFD-559E3DFCE2C9}"/>
+                <a16:creationId xmlns="" xmlns:a16="http://schemas.microsoft.com/office/drawing/2014/main" id="{23962611-DFD5-4092-AAFD-559E3DFCE2C9}"/>
               </a:ext>
               <a:ext uri="{C183D7F6-B498-43B3-948B-1728B52AA6E4}">
-                <adec:decorative xmlns:adec="http://schemas.microsoft.com/office/drawing/2017/decorative" xmlns="" val="1"/>
+                <adec:decorative xmlns="" xmlns:adec="http://schemas.microsoft.com/office/drawing/2017/decorative" val="1"/>
               </a:ext>
             </a:extLst>
           </p:cNvPr>
@@ -8468,7 +9725,7 @@
           <p:nvPr>
             <p:extLst>
               <p:ext uri="{386F3935-93C4-4BCD-93E2-E3B085C9AB24}">
-                <p16:designElem xmlns:p16="http://schemas.microsoft.com/office/powerpoint/2015/main" xmlns="" val="1"/>
+                <p16:designElem xmlns="" xmlns:p16="http://schemas.microsoft.com/office/powerpoint/2015/main" val="1"/>
               </p:ext>
             </p:extLst>
           </p:nvPr>
@@ -8540,10 +9797,10 @@
           <p:cNvPr id="11" name="Picture 10">
             <a:extLst>
               <a:ext uri="{FF2B5EF4-FFF2-40B4-BE49-F238E27FC236}">
-                <a16:creationId xmlns:a16="http://schemas.microsoft.com/office/drawing/2014/main" xmlns="" id="{2270F1FA-0425-408F-9861-80BF5AFB276D}"/>
+                <a16:creationId xmlns="" xmlns:a16="http://schemas.microsoft.com/office/drawing/2014/main" id="{2270F1FA-0425-408F-9861-80BF5AFB276D}"/>
               </a:ext>
               <a:ext uri="{C183D7F6-B498-43B3-948B-1728B52AA6E4}">
-                <adec:decorative xmlns:adec="http://schemas.microsoft.com/office/drawing/2017/decorative" xmlns="" val="1"/>
+                <adec:decorative xmlns="" xmlns:adec="http://schemas.microsoft.com/office/drawing/2017/decorative" val="1"/>
               </a:ext>
             </a:extLst>
           </p:cNvPr>
@@ -8553,7 +9810,7 @@
           <p:nvPr>
             <p:extLst>
               <p:ext uri="{386F3935-93C4-4BCD-93E2-E3B085C9AB24}">
-                <p16:designElem xmlns:p16="http://schemas.microsoft.com/office/powerpoint/2015/main" xmlns="" val="1"/>
+                <p16:designElem xmlns="" xmlns:p16="http://schemas.microsoft.com/office/powerpoint/2015/main" val="1"/>
               </p:ext>
             </p:extLst>
           </p:nvPr>
@@ -8604,299 +9861,20 @@
           <a:p>
             <a:pPr algn="ctr"/>
             <a:r>
-              <a:rPr lang="en-US" sz="6000" kern="1200" dirty="0" smtClean="0">
+              <a:rPr lang="en-US" sz="6000" dirty="0" err="1" smtClean="0">
                 <a:solidFill>
                   <a:srgbClr val="FFFFFF"/>
                 </a:solidFill>
-                <a:latin typeface="+mj-lt"/>
-                <a:ea typeface="+mj-ea"/>
-                <a:cs typeface="+mj-cs"/>
               </a:rPr>
-              <a:t>GRAFICO COMPARATIVO</a:t>
-            </a:r>
-            <a:endParaRPr lang="en-US" sz="6000" kern="1200" dirty="0">
-              <a:solidFill>
-                <a:srgbClr val="FFFFFF"/>
-              </a:solidFill>
-              <a:latin typeface="+mj-lt"/>
-              <a:ea typeface="+mj-ea"/>
-              <a:cs typeface="+mj-cs"/>
-            </a:endParaRPr>
-          </a:p>
-        </p:txBody>
-      </p:sp>
-      <p:sp>
-        <p:nvSpPr>
-          <p:cNvPr id="10" name="Marcador de contenido 9"/>
-          <p:cNvSpPr>
-            <a:spLocks noGrp="1"/>
-          </p:cNvSpPr>
-          <p:nvPr>
-            <p:ph idx="1"/>
-          </p:nvPr>
-        </p:nvSpPr>
-        <p:spPr/>
-        <p:txBody>
-          <a:bodyPr/>
-          <a:lstStyle/>
-          <a:p>
-            <a:endParaRPr lang="es-AR"/>
-          </a:p>
-        </p:txBody>
-      </p:sp>
-    </p:spTree>
-    <p:extLst>
-      <p:ext uri="{BB962C8B-B14F-4D97-AF65-F5344CB8AC3E}">
-        <p14:creationId xmlns:p14="http://schemas.microsoft.com/office/powerpoint/2010/main" val="1052718980"/>
-      </p:ext>
-    </p:extLst>
-  </p:cSld>
-  <p:clrMapOvr>
-    <a:masterClrMapping/>
-  </p:clrMapOvr>
-  <p:timing>
-    <p:tnLst>
-      <p:par>
-        <p:cTn id="1" dur="indefinite" restart="never" nodeType="tmRoot"/>
-      </p:par>
-    </p:tnLst>
-  </p:timing>
-</p:sld>
-</file>
-
-<file path=ppt/slides/slide9.xml><?xml version="1.0" encoding="utf-8"?>
-<p:sld xmlns:a="http://schemas.openxmlformats.org/drawingml/2006/main" xmlns:r="http://schemas.openxmlformats.org/officeDocument/2006/relationships" xmlns:p="http://schemas.openxmlformats.org/presentationml/2006/main">
-  <p:cSld>
-    <p:bg>
-      <p:bgPr>
-        <a:solidFill>
-          <a:schemeClr val="bg1"/>
-        </a:solidFill>
-        <a:effectLst/>
-      </p:bgPr>
-    </p:bg>
-    <p:spTree>
-      <p:nvGrpSpPr>
-        <p:cNvPr id="1" name=""/>
-        <p:cNvGrpSpPr/>
-        <p:nvPr/>
-      </p:nvGrpSpPr>
-      <p:grpSpPr>
-        <a:xfrm>
-          <a:off x="0" y="0"/>
-          <a:ext cx="0" cy="0"/>
-          <a:chOff x="0" y="0"/>
-          <a:chExt cx="0" cy="0"/>
-        </a:xfrm>
-      </p:grpSpPr>
-      <p:sp>
-        <p:nvSpPr>
-          <p:cNvPr id="9" name="Rectangle 8">
-            <a:extLst>
-              <a:ext uri="{FF2B5EF4-FFF2-40B4-BE49-F238E27FC236}">
-                <a16:creationId xmlns:a16="http://schemas.microsoft.com/office/drawing/2014/main" xmlns="" id="{23962611-DFD5-4092-AAFD-559E3DFCE2C9}"/>
-              </a:ext>
-              <a:ext uri="{C183D7F6-B498-43B3-948B-1728B52AA6E4}">
-                <adec:decorative xmlns:adec="http://schemas.microsoft.com/office/drawing/2017/decorative" xmlns="" val="1"/>
-              </a:ext>
-            </a:extLst>
-          </p:cNvPr>
-          <p:cNvSpPr>
-            <a:spLocks noGrp="1" noRot="1" noChangeAspect="1" noMove="1" noResize="1" noEditPoints="1" noAdjustHandles="1" noChangeArrowheads="1" noChangeShapeType="1" noTextEdit="1"/>
-          </p:cNvSpPr>
-          <p:nvPr>
-            <p:extLst>
-              <p:ext uri="{386F3935-93C4-4BCD-93E2-E3B085C9AB24}">
-                <p16:designElem xmlns:p16="http://schemas.microsoft.com/office/powerpoint/2015/main" xmlns="" val="1"/>
-              </p:ext>
-            </p:extLst>
-          </p:nvPr>
-        </p:nvSpPr>
-        <p:spPr>
-          <a:xfrm>
-            <a:off x="475488" y="0"/>
-            <a:ext cx="10910292" cy="6858000"/>
-          </a:xfrm>
-          <a:prstGeom prst="rect">
-            <a:avLst/>
-          </a:prstGeom>
-          <a:gradFill>
-            <a:gsLst>
-              <a:gs pos="0">
-                <a:schemeClr val="accent1">
-                  <a:lumMod val="90000"/>
-                </a:schemeClr>
-              </a:gs>
-              <a:gs pos="25000">
-                <a:schemeClr val="accent1">
-                  <a:lumMod val="90000"/>
-                </a:schemeClr>
-              </a:gs>
-              <a:gs pos="94000">
-                <a:schemeClr val="bg2">
-                  <a:lumMod val="25000"/>
-                </a:schemeClr>
-              </a:gs>
-              <a:gs pos="100000">
-                <a:schemeClr val="bg2">
-                  <a:lumMod val="25000"/>
-                </a:schemeClr>
-              </a:gs>
-            </a:gsLst>
-            <a:lin ang="4200000" scaled="0"/>
-          </a:gradFill>
-          <a:ln>
-            <a:noFill/>
-          </a:ln>
-        </p:spPr>
-        <p:style>
-          <a:lnRef idx="2">
-            <a:schemeClr val="accent1">
-              <a:shade val="50000"/>
-            </a:schemeClr>
-          </a:lnRef>
-          <a:fillRef idx="1">
-            <a:schemeClr val="accent1"/>
-          </a:fillRef>
-          <a:effectRef idx="0">
-            <a:schemeClr val="accent1"/>
-          </a:effectRef>
-          <a:fontRef idx="minor">
-            <a:schemeClr val="lt1"/>
-          </a:fontRef>
-        </p:style>
-        <p:txBody>
-          <a:bodyPr rtlCol="0" anchor="ctr"/>
-          <a:lstStyle/>
-          <a:p>
-            <a:pPr algn="ctr"/>
-            <a:endParaRPr lang="en-US"/>
-          </a:p>
-        </p:txBody>
-      </p:sp>
-      <p:pic>
-        <p:nvPicPr>
-          <p:cNvPr id="11" name="Picture 10">
-            <a:extLst>
-              <a:ext uri="{FF2B5EF4-FFF2-40B4-BE49-F238E27FC236}">
-                <a16:creationId xmlns:a16="http://schemas.microsoft.com/office/drawing/2014/main" xmlns="" id="{2270F1FA-0425-408F-9861-80BF5AFB276D}"/>
-              </a:ext>
-              <a:ext uri="{C183D7F6-B498-43B3-948B-1728B52AA6E4}">
-                <adec:decorative xmlns:adec="http://schemas.microsoft.com/office/drawing/2017/decorative" xmlns="" val="1"/>
-              </a:ext>
-            </a:extLst>
-          </p:cNvPr>
-          <p:cNvPicPr>
-            <a:picLocks noGrp="1" noRot="1" noChangeAspect="1" noMove="1" noResize="1" noEditPoints="1" noAdjustHandles="1" noChangeArrowheads="1" noChangeShapeType="1" noCrop="1"/>
-          </p:cNvPicPr>
-          <p:nvPr>
-            <p:extLst>
-              <p:ext uri="{386F3935-93C4-4BCD-93E2-E3B085C9AB24}">
-                <p16:designElem xmlns:p16="http://schemas.microsoft.com/office/powerpoint/2015/main" xmlns="" val="1"/>
-              </p:ext>
-            </p:extLst>
-          </p:nvPr>
-        </p:nvPicPr>
-        <p:blipFill>
-          <a:blip r:embed="rId3">
-            <a:extLst>
-              <a:ext uri="{28A0092B-C50C-407E-A947-70E740481C1C}">
-                <a14:useLocalDpi xmlns:a14="http://schemas.microsoft.com/office/drawing/2010/main" val="0"/>
-              </a:ext>
-            </a:extLst>
-          </a:blip>
-          <a:stretch>
-            <a:fillRect/>
-          </a:stretch>
-        </p:blipFill>
-        <p:spPr>
-          <a:xfrm>
-            <a:off x="0" y="0"/>
-            <a:ext cx="12192000" cy="6858000"/>
-          </a:xfrm>
-          <a:prstGeom prst="rect">
-            <a:avLst/>
-          </a:prstGeom>
-        </p:spPr>
-      </p:pic>
-      <p:sp>
-        <p:nvSpPr>
-          <p:cNvPr id="2" name="Title 1"/>
-          <p:cNvSpPr>
-            <a:spLocks noGrp="1"/>
-          </p:cNvSpPr>
-          <p:nvPr>
-            <p:ph type="title"/>
-          </p:nvPr>
-        </p:nvSpPr>
-        <p:spPr>
-          <a:xfrm>
-            <a:off x="3045368" y="2043663"/>
-            <a:ext cx="6105194" cy="2031055"/>
-          </a:xfrm>
-        </p:spPr>
-        <p:txBody>
-          <a:bodyPr vert="horz" lIns="91440" tIns="45720" rIns="91440" bIns="45720" rtlCol="0" anchor="b">
-            <a:normAutofit fontScale="90000"/>
-          </a:bodyPr>
-          <a:lstStyle/>
-          <a:p>
-            <a:pPr algn="ctr"/>
-            <a:r>
-              <a:rPr lang="en-US" sz="6000" dirty="0" err="1" smtClean="0">
+              <a:t>Muchas</a:t>
+            </a:r>
+            <a:r>
+              <a:rPr lang="en-US" sz="6000" dirty="0" smtClean="0">
                 <a:solidFill>
                   <a:srgbClr val="FFFFFF"/>
                 </a:solidFill>
               </a:rPr>
-              <a:t>Conclusión</a:t>
-            </a:r>
-            <a:r>
-              <a:rPr lang="en-US" sz="6000" dirty="0" smtClean="0">
-                <a:solidFill>
-                  <a:srgbClr val="FFFFFF"/>
-                </a:solidFill>
-              </a:rPr>
-              <a:t> </a:t>
-            </a:r>
-            <a:r>
-              <a:rPr lang="en-US" sz="6000" dirty="0" err="1" smtClean="0">
-                <a:solidFill>
-                  <a:srgbClr val="FFFFFF"/>
-                </a:solidFill>
-              </a:rPr>
-              <a:t>respecto</a:t>
-            </a:r>
-            <a:r>
-              <a:rPr lang="en-US" sz="6000" dirty="0" smtClean="0">
-                <a:solidFill>
-                  <a:srgbClr val="FFFFFF"/>
-                </a:solidFill>
-              </a:rPr>
-              <a:t> </a:t>
-            </a:r>
-            <a:r>
-              <a:rPr lang="en-US" sz="6000" dirty="0" err="1" smtClean="0">
-                <a:solidFill>
-                  <a:srgbClr val="FFFFFF"/>
-                </a:solidFill>
-              </a:rPr>
-              <a:t>resultado</a:t>
-            </a:r>
-            <a:r>
-              <a:rPr lang="en-US" sz="6000" dirty="0" smtClean="0">
-                <a:solidFill>
-                  <a:srgbClr val="FFFFFF"/>
-                </a:solidFill>
-              </a:rPr>
-              <a:t> </a:t>
-            </a:r>
-            <a:r>
-              <a:rPr lang="en-US" sz="6000" dirty="0" err="1" smtClean="0">
-                <a:solidFill>
-                  <a:srgbClr val="FFFFFF"/>
-                </a:solidFill>
-              </a:rPr>
-              <a:t>obtenido</a:t>
+              <a:t> gracias</a:t>
             </a:r>
             <a:r>
               <a:rPr lang="en-US" sz="6000" dirty="0" smtClean="0">
@@ -8924,29 +9902,10 @@
           </a:p>
         </p:txBody>
       </p:sp>
-      <p:sp>
-        <p:nvSpPr>
-          <p:cNvPr id="4" name="Marcador de contenido 3"/>
-          <p:cNvSpPr>
-            <a:spLocks noGrp="1"/>
-          </p:cNvSpPr>
-          <p:nvPr>
-            <p:ph idx="1"/>
-          </p:nvPr>
-        </p:nvSpPr>
-        <p:spPr/>
-        <p:txBody>
-          <a:bodyPr/>
-          <a:lstStyle/>
-          <a:p>
-            <a:endParaRPr lang="es-AR"/>
-          </a:p>
-        </p:txBody>
-      </p:sp>
     </p:spTree>
     <p:extLst>
       <p:ext uri="{BB962C8B-B14F-4D97-AF65-F5344CB8AC3E}">
-        <p14:creationId xmlns:p14="http://schemas.microsoft.com/office/powerpoint/2010/main" val="1675998307"/>
+        <p14:creationId xmlns:p14="http://schemas.microsoft.com/office/powerpoint/2010/main" val="159628449"/>
       </p:ext>
     </p:extLst>
   </p:cSld>

--- a/Simulación/datos Sistema/UTN - Simulacion - Equipo 5 -TP N°6 Picolo.pptx
+++ b/Simulación/datos Sistema/UTN - Simulacion - Equipo 5 -TP N°6 Picolo.pptx
@@ -390,7 +390,7 @@
               <c:strCache>
                 <c:ptCount val="1"/>
                 <c:pt idx="0">
-                  <c:v>Tiempo Espera DMSTI</c:v>
+                  <c:v>Tiempo Espera MDSTI</c:v>
                 </c:pt>
               </c:strCache>
             </c:strRef>
@@ -510,7 +510,7 @@
               <c:strCache>
                 <c:ptCount val="1"/>
                 <c:pt idx="0">
-                  <c:v>Tiempo Ocioso DMSTI</c:v>
+                  <c:v>Tiempo Ocioso MDSTI</c:v>
                 </c:pt>
               </c:strCache>
             </c:strRef>
@@ -571,11 +571,11 @@
         </c:dLbls>
         <c:gapWidth val="219"/>
         <c:overlap val="-27"/>
-        <c:axId val="443323960"/>
-        <c:axId val="443324352"/>
+        <c:axId val="284538552"/>
+        <c:axId val="284537376"/>
       </c:barChart>
       <c:catAx>
-        <c:axId val="443323960"/>
+        <c:axId val="284538552"/>
         <c:scaling>
           <c:orientation val="minMax"/>
         </c:scaling>
@@ -618,7 +618,7 @@
             <a:endParaRPr lang="es-AR"/>
           </a:p>
         </c:txPr>
-        <c:crossAx val="443324352"/>
+        <c:crossAx val="284537376"/>
         <c:crosses val="autoZero"/>
         <c:auto val="1"/>
         <c:lblAlgn val="ctr"/>
@@ -626,7 +626,7 @@
         <c:noMultiLvlLbl val="0"/>
       </c:catAx>
       <c:valAx>
-        <c:axId val="443324352"/>
+        <c:axId val="284537376"/>
         <c:scaling>
           <c:orientation val="minMax"/>
         </c:scaling>
@@ -677,7 +677,7 @@
             <a:endParaRPr lang="es-AR"/>
           </a:p>
         </c:txPr>
-        <c:crossAx val="443323960"/>
+        <c:crossAx val="284538552"/>
         <c:crosses val="autoZero"/>
         <c:crossBetween val="between"/>
       </c:valAx>
@@ -2197,7 +2197,7 @@
           <p:cNvPr id="2" name="Title 1">
             <a:extLst>
               <a:ext uri="{FF2B5EF4-FFF2-40B4-BE49-F238E27FC236}">
-                <a16:creationId xmlns="" xmlns:a16="http://schemas.microsoft.com/office/drawing/2014/main" id="{DE0391AB-F383-4237-A071-AD1C6E9246D2}"/>
+                <a16:creationId xmlns:a16="http://schemas.microsoft.com/office/drawing/2014/main" xmlns="" id="{DE0391AB-F383-4237-A071-AD1C6E9246D2}"/>
               </a:ext>
             </a:extLst>
           </p:cNvPr>
@@ -2235,7 +2235,7 @@
           <p:cNvPr id="3" name="Subtitle 2">
             <a:extLst>
               <a:ext uri="{FF2B5EF4-FFF2-40B4-BE49-F238E27FC236}">
-                <a16:creationId xmlns="" xmlns:a16="http://schemas.microsoft.com/office/drawing/2014/main" id="{7F6636DA-4FDE-4B32-8CCE-37EFA3E75799}"/>
+                <a16:creationId xmlns:a16="http://schemas.microsoft.com/office/drawing/2014/main" xmlns="" id="{7F6636DA-4FDE-4B32-8CCE-37EFA3E75799}"/>
               </a:ext>
             </a:extLst>
           </p:cNvPr>
@@ -2306,7 +2306,7 @@
           <p:cNvPr id="4" name="Date Placeholder 3">
             <a:extLst>
               <a:ext uri="{FF2B5EF4-FFF2-40B4-BE49-F238E27FC236}">
-                <a16:creationId xmlns="" xmlns:a16="http://schemas.microsoft.com/office/drawing/2014/main" id="{30F87932-8FF0-4DF1-A776-9A3CE37618A7}"/>
+                <a16:creationId xmlns:a16="http://schemas.microsoft.com/office/drawing/2014/main" xmlns="" id="{30F87932-8FF0-4DF1-A776-9A3CE37618A7}"/>
               </a:ext>
             </a:extLst>
           </p:cNvPr>
@@ -2335,7 +2335,7 @@
           <p:cNvPr id="5" name="Footer Placeholder 4">
             <a:extLst>
               <a:ext uri="{FF2B5EF4-FFF2-40B4-BE49-F238E27FC236}">
-                <a16:creationId xmlns="" xmlns:a16="http://schemas.microsoft.com/office/drawing/2014/main" id="{5F38FAB8-C9F1-4DBB-B355-D8DEE370657B}"/>
+                <a16:creationId xmlns:a16="http://schemas.microsoft.com/office/drawing/2014/main" xmlns="" id="{5F38FAB8-C9F1-4DBB-B355-D8DEE370657B}"/>
               </a:ext>
             </a:extLst>
           </p:cNvPr>
@@ -2360,7 +2360,7 @@
           <p:cNvPr id="6" name="Slide Number Placeholder 5">
             <a:extLst>
               <a:ext uri="{FF2B5EF4-FFF2-40B4-BE49-F238E27FC236}">
-                <a16:creationId xmlns="" xmlns:a16="http://schemas.microsoft.com/office/drawing/2014/main" id="{F24490E3-D8E8-4766-9104-14009BF5636F}"/>
+                <a16:creationId xmlns:a16="http://schemas.microsoft.com/office/drawing/2014/main" xmlns="" id="{F24490E3-D8E8-4766-9104-14009BF5636F}"/>
               </a:ext>
             </a:extLst>
           </p:cNvPr>
@@ -2419,7 +2419,7 @@
           <p:cNvPr id="2" name="Title 1">
             <a:extLst>
               <a:ext uri="{FF2B5EF4-FFF2-40B4-BE49-F238E27FC236}">
-                <a16:creationId xmlns="" xmlns:a16="http://schemas.microsoft.com/office/drawing/2014/main" id="{303B8678-553E-4A5B-8CFE-5DB358BDF358}"/>
+                <a16:creationId xmlns:a16="http://schemas.microsoft.com/office/drawing/2014/main" xmlns="" id="{303B8678-553E-4A5B-8CFE-5DB358BDF358}"/>
               </a:ext>
             </a:extLst>
           </p:cNvPr>
@@ -2448,7 +2448,7 @@
           <p:cNvPr id="3" name="Vertical Text Placeholder 2">
             <a:extLst>
               <a:ext uri="{FF2B5EF4-FFF2-40B4-BE49-F238E27FC236}">
-                <a16:creationId xmlns="" xmlns:a16="http://schemas.microsoft.com/office/drawing/2014/main" id="{E43AF303-1F73-4575-83E6-561589F1632E}"/>
+                <a16:creationId xmlns:a16="http://schemas.microsoft.com/office/drawing/2014/main" xmlns="" id="{E43AF303-1F73-4575-83E6-561589F1632E}"/>
               </a:ext>
             </a:extLst>
           </p:cNvPr>
@@ -2506,7 +2506,7 @@
           <p:cNvPr id="4" name="Date Placeholder 3">
             <a:extLst>
               <a:ext uri="{FF2B5EF4-FFF2-40B4-BE49-F238E27FC236}">
-                <a16:creationId xmlns="" xmlns:a16="http://schemas.microsoft.com/office/drawing/2014/main" id="{2436EC56-7DCF-400D-A871-C26291EB10AD}"/>
+                <a16:creationId xmlns:a16="http://schemas.microsoft.com/office/drawing/2014/main" xmlns="" id="{2436EC56-7DCF-400D-A871-C26291EB10AD}"/>
               </a:ext>
             </a:extLst>
           </p:cNvPr>
@@ -2535,7 +2535,7 @@
           <p:cNvPr id="5" name="Footer Placeholder 4">
             <a:extLst>
               <a:ext uri="{FF2B5EF4-FFF2-40B4-BE49-F238E27FC236}">
-                <a16:creationId xmlns="" xmlns:a16="http://schemas.microsoft.com/office/drawing/2014/main" id="{17FFAC5B-7C77-4F8C-ADB0-8D208A2EB303}"/>
+                <a16:creationId xmlns:a16="http://schemas.microsoft.com/office/drawing/2014/main" xmlns="" id="{17FFAC5B-7C77-4F8C-ADB0-8D208A2EB303}"/>
               </a:ext>
             </a:extLst>
           </p:cNvPr>
@@ -2560,7 +2560,7 @@
           <p:cNvPr id="6" name="Slide Number Placeholder 5">
             <a:extLst>
               <a:ext uri="{FF2B5EF4-FFF2-40B4-BE49-F238E27FC236}">
-                <a16:creationId xmlns="" xmlns:a16="http://schemas.microsoft.com/office/drawing/2014/main" id="{BD2F48AF-AB8F-4DD2-BC77-7E2F42AD3B87}"/>
+                <a16:creationId xmlns:a16="http://schemas.microsoft.com/office/drawing/2014/main" xmlns="" id="{BD2F48AF-AB8F-4DD2-BC77-7E2F42AD3B87}"/>
               </a:ext>
             </a:extLst>
           </p:cNvPr>
@@ -2619,7 +2619,7 @@
           <p:cNvPr id="2" name="Vertical Title 1">
             <a:extLst>
               <a:ext uri="{FF2B5EF4-FFF2-40B4-BE49-F238E27FC236}">
-                <a16:creationId xmlns="" xmlns:a16="http://schemas.microsoft.com/office/drawing/2014/main" id="{A20ED820-BFE6-41B5-8064-984037A999A8}"/>
+                <a16:creationId xmlns:a16="http://schemas.microsoft.com/office/drawing/2014/main" xmlns="" id="{A20ED820-BFE6-41B5-8064-984037A999A8}"/>
               </a:ext>
             </a:extLst>
           </p:cNvPr>
@@ -2653,7 +2653,7 @@
           <p:cNvPr id="3" name="Vertical Text Placeholder 2">
             <a:extLst>
               <a:ext uri="{FF2B5EF4-FFF2-40B4-BE49-F238E27FC236}">
-                <a16:creationId xmlns="" xmlns:a16="http://schemas.microsoft.com/office/drawing/2014/main" id="{9CA27FEA-5359-474A-B4F8-FF510DD7489A}"/>
+                <a16:creationId xmlns:a16="http://schemas.microsoft.com/office/drawing/2014/main" xmlns="" id="{9CA27FEA-5359-474A-B4F8-FF510DD7489A}"/>
               </a:ext>
             </a:extLst>
           </p:cNvPr>
@@ -2716,7 +2716,7 @@
           <p:cNvPr id="4" name="Date Placeholder 3">
             <a:extLst>
               <a:ext uri="{FF2B5EF4-FFF2-40B4-BE49-F238E27FC236}">
-                <a16:creationId xmlns="" xmlns:a16="http://schemas.microsoft.com/office/drawing/2014/main" id="{D14DD33D-563C-4B8C-B8C1-625FF5C5B85D}"/>
+                <a16:creationId xmlns:a16="http://schemas.microsoft.com/office/drawing/2014/main" xmlns="" id="{D14DD33D-563C-4B8C-B8C1-625FF5C5B85D}"/>
               </a:ext>
             </a:extLst>
           </p:cNvPr>
@@ -2745,7 +2745,7 @@
           <p:cNvPr id="5" name="Footer Placeholder 4">
             <a:extLst>
               <a:ext uri="{FF2B5EF4-FFF2-40B4-BE49-F238E27FC236}">
-                <a16:creationId xmlns="" xmlns:a16="http://schemas.microsoft.com/office/drawing/2014/main" id="{40471877-89FD-46BE-832F-C5660A5567D2}"/>
+                <a16:creationId xmlns:a16="http://schemas.microsoft.com/office/drawing/2014/main" xmlns="" id="{40471877-89FD-46BE-832F-C5660A5567D2}"/>
               </a:ext>
             </a:extLst>
           </p:cNvPr>
@@ -2770,7 +2770,7 @@
           <p:cNvPr id="6" name="Slide Number Placeholder 5">
             <a:extLst>
               <a:ext uri="{FF2B5EF4-FFF2-40B4-BE49-F238E27FC236}">
-                <a16:creationId xmlns="" xmlns:a16="http://schemas.microsoft.com/office/drawing/2014/main" id="{0E6E675F-CC4D-48CF-90C8-53829EE08B8C}"/>
+                <a16:creationId xmlns:a16="http://schemas.microsoft.com/office/drawing/2014/main" xmlns="" id="{0E6E675F-CC4D-48CF-90C8-53829EE08B8C}"/>
               </a:ext>
             </a:extLst>
           </p:cNvPr>
@@ -2829,7 +2829,7 @@
           <p:cNvPr id="2" name="Title 1">
             <a:extLst>
               <a:ext uri="{FF2B5EF4-FFF2-40B4-BE49-F238E27FC236}">
-                <a16:creationId xmlns="" xmlns:a16="http://schemas.microsoft.com/office/drawing/2014/main" id="{E8CBC967-18DB-4664-9B4D-06177FB946B3}"/>
+                <a16:creationId xmlns:a16="http://schemas.microsoft.com/office/drawing/2014/main" xmlns="" id="{E8CBC967-18DB-4664-9B4D-06177FB946B3}"/>
               </a:ext>
             </a:extLst>
           </p:cNvPr>
@@ -2858,7 +2858,7 @@
           <p:cNvPr id="3" name="Content Placeholder 2">
             <a:extLst>
               <a:ext uri="{FF2B5EF4-FFF2-40B4-BE49-F238E27FC236}">
-                <a16:creationId xmlns="" xmlns:a16="http://schemas.microsoft.com/office/drawing/2014/main" id="{5ADF7174-64B4-4D8F-BF44-3DD1F66CAD00}"/>
+                <a16:creationId xmlns:a16="http://schemas.microsoft.com/office/drawing/2014/main" xmlns="" id="{5ADF7174-64B4-4D8F-BF44-3DD1F66CAD00}"/>
               </a:ext>
             </a:extLst>
           </p:cNvPr>
@@ -2916,7 +2916,7 @@
           <p:cNvPr id="4" name="Date Placeholder 3">
             <a:extLst>
               <a:ext uri="{FF2B5EF4-FFF2-40B4-BE49-F238E27FC236}">
-                <a16:creationId xmlns="" xmlns:a16="http://schemas.microsoft.com/office/drawing/2014/main" id="{55CD83D3-86C4-482F-A2DC-B4C55DBF3F7A}"/>
+                <a16:creationId xmlns:a16="http://schemas.microsoft.com/office/drawing/2014/main" xmlns="" id="{55CD83D3-86C4-482F-A2DC-B4C55DBF3F7A}"/>
               </a:ext>
             </a:extLst>
           </p:cNvPr>
@@ -2945,7 +2945,7 @@
           <p:cNvPr id="5" name="Footer Placeholder 4">
             <a:extLst>
               <a:ext uri="{FF2B5EF4-FFF2-40B4-BE49-F238E27FC236}">
-                <a16:creationId xmlns="" xmlns:a16="http://schemas.microsoft.com/office/drawing/2014/main" id="{DCF05BE2-6C23-4CB4-A63E-457E635BF267}"/>
+                <a16:creationId xmlns:a16="http://schemas.microsoft.com/office/drawing/2014/main" xmlns="" id="{DCF05BE2-6C23-4CB4-A63E-457E635BF267}"/>
               </a:ext>
             </a:extLst>
           </p:cNvPr>
@@ -2970,7 +2970,7 @@
           <p:cNvPr id="6" name="Slide Number Placeholder 5">
             <a:extLst>
               <a:ext uri="{FF2B5EF4-FFF2-40B4-BE49-F238E27FC236}">
-                <a16:creationId xmlns="" xmlns:a16="http://schemas.microsoft.com/office/drawing/2014/main" id="{1C097965-24FE-4C07-BE16-69AE439950EF}"/>
+                <a16:creationId xmlns:a16="http://schemas.microsoft.com/office/drawing/2014/main" xmlns="" id="{1C097965-24FE-4C07-BE16-69AE439950EF}"/>
               </a:ext>
             </a:extLst>
           </p:cNvPr>
@@ -3029,7 +3029,7 @@
           <p:cNvPr id="2" name="Title 1">
             <a:extLst>
               <a:ext uri="{FF2B5EF4-FFF2-40B4-BE49-F238E27FC236}">
-                <a16:creationId xmlns="" xmlns:a16="http://schemas.microsoft.com/office/drawing/2014/main" id="{7233394D-04EF-440C-B08B-114464B315C6}"/>
+                <a16:creationId xmlns:a16="http://schemas.microsoft.com/office/drawing/2014/main" xmlns="" id="{7233394D-04EF-440C-B08B-114464B315C6}"/>
               </a:ext>
             </a:extLst>
           </p:cNvPr>
@@ -3067,7 +3067,7 @@
           <p:cNvPr id="3" name="Text Placeholder 2">
             <a:extLst>
               <a:ext uri="{FF2B5EF4-FFF2-40B4-BE49-F238E27FC236}">
-                <a16:creationId xmlns="" xmlns:a16="http://schemas.microsoft.com/office/drawing/2014/main" id="{BBEBE3F6-F021-4D6B-8B0D-EF74D7461F93}"/>
+                <a16:creationId xmlns:a16="http://schemas.microsoft.com/office/drawing/2014/main" xmlns="" id="{BBEBE3F6-F021-4D6B-8B0D-EF74D7461F93}"/>
               </a:ext>
             </a:extLst>
           </p:cNvPr>
@@ -3192,7 +3192,7 @@
           <p:cNvPr id="4" name="Date Placeholder 3">
             <a:extLst>
               <a:ext uri="{FF2B5EF4-FFF2-40B4-BE49-F238E27FC236}">
-                <a16:creationId xmlns="" xmlns:a16="http://schemas.microsoft.com/office/drawing/2014/main" id="{B196233C-6806-4593-91C0-CF4ECD84A601}"/>
+                <a16:creationId xmlns:a16="http://schemas.microsoft.com/office/drawing/2014/main" xmlns="" id="{B196233C-6806-4593-91C0-CF4ECD84A601}"/>
               </a:ext>
             </a:extLst>
           </p:cNvPr>
@@ -3221,7 +3221,7 @@
           <p:cNvPr id="5" name="Footer Placeholder 4">
             <a:extLst>
               <a:ext uri="{FF2B5EF4-FFF2-40B4-BE49-F238E27FC236}">
-                <a16:creationId xmlns="" xmlns:a16="http://schemas.microsoft.com/office/drawing/2014/main" id="{963A761E-2D3A-4397-A82C-2F3B981DE045}"/>
+                <a16:creationId xmlns:a16="http://schemas.microsoft.com/office/drawing/2014/main" xmlns="" id="{963A761E-2D3A-4397-A82C-2F3B981DE045}"/>
               </a:ext>
             </a:extLst>
           </p:cNvPr>
@@ -3246,7 +3246,7 @@
           <p:cNvPr id="6" name="Slide Number Placeholder 5">
             <a:extLst>
               <a:ext uri="{FF2B5EF4-FFF2-40B4-BE49-F238E27FC236}">
-                <a16:creationId xmlns="" xmlns:a16="http://schemas.microsoft.com/office/drawing/2014/main" id="{68297E71-B59F-4260-B01B-2B7CEB0896BD}"/>
+                <a16:creationId xmlns:a16="http://schemas.microsoft.com/office/drawing/2014/main" xmlns="" id="{68297E71-B59F-4260-B01B-2B7CEB0896BD}"/>
               </a:ext>
             </a:extLst>
           </p:cNvPr>
@@ -3305,7 +3305,7 @@
           <p:cNvPr id="2" name="Title 1">
             <a:extLst>
               <a:ext uri="{FF2B5EF4-FFF2-40B4-BE49-F238E27FC236}">
-                <a16:creationId xmlns="" xmlns:a16="http://schemas.microsoft.com/office/drawing/2014/main" id="{5C94DFCB-DD40-4637-9CAB-2BAF24231C79}"/>
+                <a16:creationId xmlns:a16="http://schemas.microsoft.com/office/drawing/2014/main" xmlns="" id="{5C94DFCB-DD40-4637-9CAB-2BAF24231C79}"/>
               </a:ext>
             </a:extLst>
           </p:cNvPr>
@@ -3334,7 +3334,7 @@
           <p:cNvPr id="3" name="Content Placeholder 2">
             <a:extLst>
               <a:ext uri="{FF2B5EF4-FFF2-40B4-BE49-F238E27FC236}">
-                <a16:creationId xmlns="" xmlns:a16="http://schemas.microsoft.com/office/drawing/2014/main" id="{5394065F-4B44-4622-98EE-166F936489F5}"/>
+                <a16:creationId xmlns:a16="http://schemas.microsoft.com/office/drawing/2014/main" xmlns="" id="{5394065F-4B44-4622-98EE-166F936489F5}"/>
               </a:ext>
             </a:extLst>
           </p:cNvPr>
@@ -3397,7 +3397,7 @@
           <p:cNvPr id="4" name="Content Placeholder 3">
             <a:extLst>
               <a:ext uri="{FF2B5EF4-FFF2-40B4-BE49-F238E27FC236}">
-                <a16:creationId xmlns="" xmlns:a16="http://schemas.microsoft.com/office/drawing/2014/main" id="{67AF1249-B890-4466-9E24-84A24907008B}"/>
+                <a16:creationId xmlns:a16="http://schemas.microsoft.com/office/drawing/2014/main" xmlns="" id="{67AF1249-B890-4466-9E24-84A24907008B}"/>
               </a:ext>
             </a:extLst>
           </p:cNvPr>
@@ -3460,7 +3460,7 @@
           <p:cNvPr id="5" name="Date Placeholder 4">
             <a:extLst>
               <a:ext uri="{FF2B5EF4-FFF2-40B4-BE49-F238E27FC236}">
-                <a16:creationId xmlns="" xmlns:a16="http://schemas.microsoft.com/office/drawing/2014/main" id="{850FA9B4-D282-452F-B78A-FF5873ACF45A}"/>
+                <a16:creationId xmlns:a16="http://schemas.microsoft.com/office/drawing/2014/main" xmlns="" id="{850FA9B4-D282-452F-B78A-FF5873ACF45A}"/>
               </a:ext>
             </a:extLst>
           </p:cNvPr>
@@ -3489,7 +3489,7 @@
           <p:cNvPr id="6" name="Footer Placeholder 5">
             <a:extLst>
               <a:ext uri="{FF2B5EF4-FFF2-40B4-BE49-F238E27FC236}">
-                <a16:creationId xmlns="" xmlns:a16="http://schemas.microsoft.com/office/drawing/2014/main" id="{6E9B0F13-A139-4B66-9544-16480800F680}"/>
+                <a16:creationId xmlns:a16="http://schemas.microsoft.com/office/drawing/2014/main" xmlns="" id="{6E9B0F13-A139-4B66-9544-16480800F680}"/>
               </a:ext>
             </a:extLst>
           </p:cNvPr>
@@ -3514,7 +3514,7 @@
           <p:cNvPr id="7" name="Slide Number Placeholder 6">
             <a:extLst>
               <a:ext uri="{FF2B5EF4-FFF2-40B4-BE49-F238E27FC236}">
-                <a16:creationId xmlns="" xmlns:a16="http://schemas.microsoft.com/office/drawing/2014/main" id="{7B8791D0-EC30-4D8C-8764-475D8DB34F19}"/>
+                <a16:creationId xmlns:a16="http://schemas.microsoft.com/office/drawing/2014/main" xmlns="" id="{7B8791D0-EC30-4D8C-8764-475D8DB34F19}"/>
               </a:ext>
             </a:extLst>
           </p:cNvPr>
@@ -3573,7 +3573,7 @@
           <p:cNvPr id="2" name="Title 1">
             <a:extLst>
               <a:ext uri="{FF2B5EF4-FFF2-40B4-BE49-F238E27FC236}">
-                <a16:creationId xmlns="" xmlns:a16="http://schemas.microsoft.com/office/drawing/2014/main" id="{4133AA7D-15D2-4D5F-B1C4-501073416DE8}"/>
+                <a16:creationId xmlns:a16="http://schemas.microsoft.com/office/drawing/2014/main" xmlns="" id="{4133AA7D-15D2-4D5F-B1C4-501073416DE8}"/>
               </a:ext>
             </a:extLst>
           </p:cNvPr>
@@ -3607,7 +3607,7 @@
           <p:cNvPr id="3" name="Text Placeholder 2">
             <a:extLst>
               <a:ext uri="{FF2B5EF4-FFF2-40B4-BE49-F238E27FC236}">
-                <a16:creationId xmlns="" xmlns:a16="http://schemas.microsoft.com/office/drawing/2014/main" id="{65E80A0E-25B9-4E8E-8B0D-201E1C564096}"/>
+                <a16:creationId xmlns:a16="http://schemas.microsoft.com/office/drawing/2014/main" xmlns="" id="{65E80A0E-25B9-4E8E-8B0D-201E1C564096}"/>
               </a:ext>
             </a:extLst>
           </p:cNvPr>
@@ -3678,7 +3678,7 @@
           <p:cNvPr id="4" name="Content Placeholder 3">
             <a:extLst>
               <a:ext uri="{FF2B5EF4-FFF2-40B4-BE49-F238E27FC236}">
-                <a16:creationId xmlns="" xmlns:a16="http://schemas.microsoft.com/office/drawing/2014/main" id="{3189B111-0CA0-47CD-9F0B-DBCBA3AE3C28}"/>
+                <a16:creationId xmlns:a16="http://schemas.microsoft.com/office/drawing/2014/main" xmlns="" id="{3189B111-0CA0-47CD-9F0B-DBCBA3AE3C28}"/>
               </a:ext>
             </a:extLst>
           </p:cNvPr>
@@ -3741,7 +3741,7 @@
           <p:cNvPr id="5" name="Text Placeholder 4">
             <a:extLst>
               <a:ext uri="{FF2B5EF4-FFF2-40B4-BE49-F238E27FC236}">
-                <a16:creationId xmlns="" xmlns:a16="http://schemas.microsoft.com/office/drawing/2014/main" id="{EEF0E02D-3176-4B85-ACB6-721F2682742C}"/>
+                <a16:creationId xmlns:a16="http://schemas.microsoft.com/office/drawing/2014/main" xmlns="" id="{EEF0E02D-3176-4B85-ACB6-721F2682742C}"/>
               </a:ext>
             </a:extLst>
           </p:cNvPr>
@@ -3812,7 +3812,7 @@
           <p:cNvPr id="6" name="Content Placeholder 5">
             <a:extLst>
               <a:ext uri="{FF2B5EF4-FFF2-40B4-BE49-F238E27FC236}">
-                <a16:creationId xmlns="" xmlns:a16="http://schemas.microsoft.com/office/drawing/2014/main" id="{EC7D9317-BBE1-4F36-82FE-E348F6F18A97}"/>
+                <a16:creationId xmlns:a16="http://schemas.microsoft.com/office/drawing/2014/main" xmlns="" id="{EC7D9317-BBE1-4F36-82FE-E348F6F18A97}"/>
               </a:ext>
             </a:extLst>
           </p:cNvPr>
@@ -3875,7 +3875,7 @@
           <p:cNvPr id="7" name="Date Placeholder 6">
             <a:extLst>
               <a:ext uri="{FF2B5EF4-FFF2-40B4-BE49-F238E27FC236}">
-                <a16:creationId xmlns="" xmlns:a16="http://schemas.microsoft.com/office/drawing/2014/main" id="{D837DDCB-69F8-49FA-A111-C8AB271389E7}"/>
+                <a16:creationId xmlns:a16="http://schemas.microsoft.com/office/drawing/2014/main" xmlns="" id="{D837DDCB-69F8-49FA-A111-C8AB271389E7}"/>
               </a:ext>
             </a:extLst>
           </p:cNvPr>
@@ -3904,7 +3904,7 @@
           <p:cNvPr id="8" name="Footer Placeholder 7">
             <a:extLst>
               <a:ext uri="{FF2B5EF4-FFF2-40B4-BE49-F238E27FC236}">
-                <a16:creationId xmlns="" xmlns:a16="http://schemas.microsoft.com/office/drawing/2014/main" id="{4A18B0CD-1F68-412E-9232-F267114CA754}"/>
+                <a16:creationId xmlns:a16="http://schemas.microsoft.com/office/drawing/2014/main" xmlns="" id="{4A18B0CD-1F68-412E-9232-F267114CA754}"/>
               </a:ext>
             </a:extLst>
           </p:cNvPr>
@@ -3929,7 +3929,7 @@
           <p:cNvPr id="9" name="Slide Number Placeholder 8">
             <a:extLst>
               <a:ext uri="{FF2B5EF4-FFF2-40B4-BE49-F238E27FC236}">
-                <a16:creationId xmlns="" xmlns:a16="http://schemas.microsoft.com/office/drawing/2014/main" id="{429B21FC-12CC-472D-BC38-EF413158CC5D}"/>
+                <a16:creationId xmlns:a16="http://schemas.microsoft.com/office/drawing/2014/main" xmlns="" id="{429B21FC-12CC-472D-BC38-EF413158CC5D}"/>
               </a:ext>
             </a:extLst>
           </p:cNvPr>
@@ -3988,7 +3988,7 @@
           <p:cNvPr id="2" name="Title 1">
             <a:extLst>
               <a:ext uri="{FF2B5EF4-FFF2-40B4-BE49-F238E27FC236}">
-                <a16:creationId xmlns="" xmlns:a16="http://schemas.microsoft.com/office/drawing/2014/main" id="{D00F51AB-8384-4E67-914C-B39484AD2332}"/>
+                <a16:creationId xmlns:a16="http://schemas.microsoft.com/office/drawing/2014/main" xmlns="" id="{D00F51AB-8384-4E67-914C-B39484AD2332}"/>
               </a:ext>
             </a:extLst>
           </p:cNvPr>
@@ -4017,7 +4017,7 @@
           <p:cNvPr id="3" name="Date Placeholder 2">
             <a:extLst>
               <a:ext uri="{FF2B5EF4-FFF2-40B4-BE49-F238E27FC236}">
-                <a16:creationId xmlns="" xmlns:a16="http://schemas.microsoft.com/office/drawing/2014/main" id="{A0909660-3861-4545-BF68-9ED039B5D0F0}"/>
+                <a16:creationId xmlns:a16="http://schemas.microsoft.com/office/drawing/2014/main" xmlns="" id="{A0909660-3861-4545-BF68-9ED039B5D0F0}"/>
               </a:ext>
             </a:extLst>
           </p:cNvPr>
@@ -4046,7 +4046,7 @@
           <p:cNvPr id="4" name="Footer Placeholder 3">
             <a:extLst>
               <a:ext uri="{FF2B5EF4-FFF2-40B4-BE49-F238E27FC236}">
-                <a16:creationId xmlns="" xmlns:a16="http://schemas.microsoft.com/office/drawing/2014/main" id="{FDDD5392-AC3A-4EAF-ADE6-B6CF4B50ACAD}"/>
+                <a16:creationId xmlns:a16="http://schemas.microsoft.com/office/drawing/2014/main" xmlns="" id="{FDDD5392-AC3A-4EAF-ADE6-B6CF4B50ACAD}"/>
               </a:ext>
             </a:extLst>
           </p:cNvPr>
@@ -4071,7 +4071,7 @@
           <p:cNvPr id="5" name="Slide Number Placeholder 4">
             <a:extLst>
               <a:ext uri="{FF2B5EF4-FFF2-40B4-BE49-F238E27FC236}">
-                <a16:creationId xmlns="" xmlns:a16="http://schemas.microsoft.com/office/drawing/2014/main" id="{F5679880-BF48-4F4D-B8B3-4E99FC415FF9}"/>
+                <a16:creationId xmlns:a16="http://schemas.microsoft.com/office/drawing/2014/main" xmlns="" id="{F5679880-BF48-4F4D-B8B3-4E99FC415FF9}"/>
               </a:ext>
             </a:extLst>
           </p:cNvPr>
@@ -4130,7 +4130,7 @@
           <p:cNvPr id="2" name="Date Placeholder 1">
             <a:extLst>
               <a:ext uri="{FF2B5EF4-FFF2-40B4-BE49-F238E27FC236}">
-                <a16:creationId xmlns="" xmlns:a16="http://schemas.microsoft.com/office/drawing/2014/main" id="{C7F98E25-CF37-4F73-9E22-210238167867}"/>
+                <a16:creationId xmlns:a16="http://schemas.microsoft.com/office/drawing/2014/main" xmlns="" id="{C7F98E25-CF37-4F73-9E22-210238167867}"/>
               </a:ext>
             </a:extLst>
           </p:cNvPr>
@@ -4159,7 +4159,7 @@
           <p:cNvPr id="3" name="Footer Placeholder 2">
             <a:extLst>
               <a:ext uri="{FF2B5EF4-FFF2-40B4-BE49-F238E27FC236}">
-                <a16:creationId xmlns="" xmlns:a16="http://schemas.microsoft.com/office/drawing/2014/main" id="{89D7A0E1-38AB-4FDA-8EC1-2D7617909C16}"/>
+                <a16:creationId xmlns:a16="http://schemas.microsoft.com/office/drawing/2014/main" xmlns="" id="{89D7A0E1-38AB-4FDA-8EC1-2D7617909C16}"/>
               </a:ext>
             </a:extLst>
           </p:cNvPr>
@@ -4184,7 +4184,7 @@
           <p:cNvPr id="4" name="Slide Number Placeholder 3">
             <a:extLst>
               <a:ext uri="{FF2B5EF4-FFF2-40B4-BE49-F238E27FC236}">
-                <a16:creationId xmlns="" xmlns:a16="http://schemas.microsoft.com/office/drawing/2014/main" id="{18A8E424-5A91-4557-9ADF-4A9422A0690D}"/>
+                <a16:creationId xmlns:a16="http://schemas.microsoft.com/office/drawing/2014/main" xmlns="" id="{18A8E424-5A91-4557-9ADF-4A9422A0690D}"/>
               </a:ext>
             </a:extLst>
           </p:cNvPr>
@@ -4243,7 +4243,7 @@
           <p:cNvPr id="2" name="Title 1">
             <a:extLst>
               <a:ext uri="{FF2B5EF4-FFF2-40B4-BE49-F238E27FC236}">
-                <a16:creationId xmlns="" xmlns:a16="http://schemas.microsoft.com/office/drawing/2014/main" id="{006BB935-0427-44CC-A384-333EAD83175F}"/>
+                <a16:creationId xmlns:a16="http://schemas.microsoft.com/office/drawing/2014/main" xmlns="" id="{006BB935-0427-44CC-A384-333EAD83175F}"/>
               </a:ext>
             </a:extLst>
           </p:cNvPr>
@@ -4281,7 +4281,7 @@
           <p:cNvPr id="3" name="Content Placeholder 2">
             <a:extLst>
               <a:ext uri="{FF2B5EF4-FFF2-40B4-BE49-F238E27FC236}">
-                <a16:creationId xmlns="" xmlns:a16="http://schemas.microsoft.com/office/drawing/2014/main" id="{CCB9DCF6-55CF-43EE-B135-BFC4B4D403CE}"/>
+                <a16:creationId xmlns:a16="http://schemas.microsoft.com/office/drawing/2014/main" xmlns="" id="{CCB9DCF6-55CF-43EE-B135-BFC4B4D403CE}"/>
               </a:ext>
             </a:extLst>
           </p:cNvPr>
@@ -4372,7 +4372,7 @@
           <p:cNvPr id="4" name="Text Placeholder 3">
             <a:extLst>
               <a:ext uri="{FF2B5EF4-FFF2-40B4-BE49-F238E27FC236}">
-                <a16:creationId xmlns="" xmlns:a16="http://schemas.microsoft.com/office/drawing/2014/main" id="{4337538E-A112-4E8F-A445-1A06B0C35309}"/>
+                <a16:creationId xmlns:a16="http://schemas.microsoft.com/office/drawing/2014/main" xmlns="" id="{4337538E-A112-4E8F-A445-1A06B0C35309}"/>
               </a:ext>
             </a:extLst>
           </p:cNvPr>
@@ -4443,7 +4443,7 @@
           <p:cNvPr id="5" name="Date Placeholder 4">
             <a:extLst>
               <a:ext uri="{FF2B5EF4-FFF2-40B4-BE49-F238E27FC236}">
-                <a16:creationId xmlns="" xmlns:a16="http://schemas.microsoft.com/office/drawing/2014/main" id="{E530D413-9505-4ED8-BFF1-5141BE9EE3C4}"/>
+                <a16:creationId xmlns:a16="http://schemas.microsoft.com/office/drawing/2014/main" xmlns="" id="{E530D413-9505-4ED8-BFF1-5141BE9EE3C4}"/>
               </a:ext>
             </a:extLst>
           </p:cNvPr>
@@ -4472,7 +4472,7 @@
           <p:cNvPr id="6" name="Footer Placeholder 5">
             <a:extLst>
               <a:ext uri="{FF2B5EF4-FFF2-40B4-BE49-F238E27FC236}">
-                <a16:creationId xmlns="" xmlns:a16="http://schemas.microsoft.com/office/drawing/2014/main" id="{F60815B0-4528-4FA2-8472-8F19C0F1650D}"/>
+                <a16:creationId xmlns:a16="http://schemas.microsoft.com/office/drawing/2014/main" xmlns="" id="{F60815B0-4528-4FA2-8472-8F19C0F1650D}"/>
               </a:ext>
             </a:extLst>
           </p:cNvPr>
@@ -4497,7 +4497,7 @@
           <p:cNvPr id="7" name="Slide Number Placeholder 6">
             <a:extLst>
               <a:ext uri="{FF2B5EF4-FFF2-40B4-BE49-F238E27FC236}">
-                <a16:creationId xmlns="" xmlns:a16="http://schemas.microsoft.com/office/drawing/2014/main" id="{B5C9FCEF-4406-4552-BFE4-6DA3761357F2}"/>
+                <a16:creationId xmlns:a16="http://schemas.microsoft.com/office/drawing/2014/main" xmlns="" id="{B5C9FCEF-4406-4552-BFE4-6DA3761357F2}"/>
               </a:ext>
             </a:extLst>
           </p:cNvPr>
@@ -4556,7 +4556,7 @@
           <p:cNvPr id="2" name="Title 1">
             <a:extLst>
               <a:ext uri="{FF2B5EF4-FFF2-40B4-BE49-F238E27FC236}">
-                <a16:creationId xmlns="" xmlns:a16="http://schemas.microsoft.com/office/drawing/2014/main" id="{F25CE22C-69D4-49EC-8858-787B3C67B0DA}"/>
+                <a16:creationId xmlns:a16="http://schemas.microsoft.com/office/drawing/2014/main" xmlns="" id="{F25CE22C-69D4-49EC-8858-787B3C67B0DA}"/>
               </a:ext>
             </a:extLst>
           </p:cNvPr>
@@ -4594,7 +4594,7 @@
           <p:cNvPr id="3" name="Picture Placeholder 2">
             <a:extLst>
               <a:ext uri="{FF2B5EF4-FFF2-40B4-BE49-F238E27FC236}">
-                <a16:creationId xmlns="" xmlns:a16="http://schemas.microsoft.com/office/drawing/2014/main" id="{346A4341-3C0B-4025-AE17-8F0F8FABF5D3}"/>
+                <a16:creationId xmlns:a16="http://schemas.microsoft.com/office/drawing/2014/main" xmlns="" id="{346A4341-3C0B-4025-AE17-8F0F8FABF5D3}"/>
               </a:ext>
             </a:extLst>
           </p:cNvPr>
@@ -4665,7 +4665,7 @@
           <p:cNvPr id="4" name="Text Placeholder 3">
             <a:extLst>
               <a:ext uri="{FF2B5EF4-FFF2-40B4-BE49-F238E27FC236}">
-                <a16:creationId xmlns="" xmlns:a16="http://schemas.microsoft.com/office/drawing/2014/main" id="{DEF5FF01-E0B6-419C-ABCC-70844E4EACB8}"/>
+                <a16:creationId xmlns:a16="http://schemas.microsoft.com/office/drawing/2014/main" xmlns="" id="{DEF5FF01-E0B6-419C-ABCC-70844E4EACB8}"/>
               </a:ext>
             </a:extLst>
           </p:cNvPr>
@@ -4736,7 +4736,7 @@
           <p:cNvPr id="5" name="Date Placeholder 4">
             <a:extLst>
               <a:ext uri="{FF2B5EF4-FFF2-40B4-BE49-F238E27FC236}">
-                <a16:creationId xmlns="" xmlns:a16="http://schemas.microsoft.com/office/drawing/2014/main" id="{92501218-FFD7-4F25-B220-F5DE5F70693C}"/>
+                <a16:creationId xmlns:a16="http://schemas.microsoft.com/office/drawing/2014/main" xmlns="" id="{92501218-FFD7-4F25-B220-F5DE5F70693C}"/>
               </a:ext>
             </a:extLst>
           </p:cNvPr>
@@ -4765,7 +4765,7 @@
           <p:cNvPr id="6" name="Footer Placeholder 5">
             <a:extLst>
               <a:ext uri="{FF2B5EF4-FFF2-40B4-BE49-F238E27FC236}">
-                <a16:creationId xmlns="" xmlns:a16="http://schemas.microsoft.com/office/drawing/2014/main" id="{9687CBFB-34A6-49D8-A1D2-45DF38876EED}"/>
+                <a16:creationId xmlns:a16="http://schemas.microsoft.com/office/drawing/2014/main" xmlns="" id="{9687CBFB-34A6-49D8-A1D2-45DF38876EED}"/>
               </a:ext>
             </a:extLst>
           </p:cNvPr>
@@ -4790,7 +4790,7 @@
           <p:cNvPr id="7" name="Slide Number Placeholder 6">
             <a:extLst>
               <a:ext uri="{FF2B5EF4-FFF2-40B4-BE49-F238E27FC236}">
-                <a16:creationId xmlns="" xmlns:a16="http://schemas.microsoft.com/office/drawing/2014/main" id="{0C2726A4-D33A-486A-B120-648AF3D8BA76}"/>
+                <a16:creationId xmlns:a16="http://schemas.microsoft.com/office/drawing/2014/main" xmlns="" id="{0C2726A4-D33A-486A-B120-648AF3D8BA76}"/>
               </a:ext>
             </a:extLst>
           </p:cNvPr>
@@ -4854,7 +4854,7 @@
           <p:cNvPr id="2" name="Title Placeholder 1">
             <a:extLst>
               <a:ext uri="{FF2B5EF4-FFF2-40B4-BE49-F238E27FC236}">
-                <a16:creationId xmlns="" xmlns:a16="http://schemas.microsoft.com/office/drawing/2014/main" id="{9C07C8C3-4165-4353-ABF2-492454AF91ED}"/>
+                <a16:creationId xmlns:a16="http://schemas.microsoft.com/office/drawing/2014/main" xmlns="" id="{9C07C8C3-4165-4353-ABF2-492454AF91ED}"/>
               </a:ext>
             </a:extLst>
           </p:cNvPr>
@@ -4893,7 +4893,7 @@
           <p:cNvPr id="3" name="Text Placeholder 2">
             <a:extLst>
               <a:ext uri="{FF2B5EF4-FFF2-40B4-BE49-F238E27FC236}">
-                <a16:creationId xmlns="" xmlns:a16="http://schemas.microsoft.com/office/drawing/2014/main" id="{289AA46A-3C66-4E4A-9907-225E50ABB7AE}"/>
+                <a16:creationId xmlns:a16="http://schemas.microsoft.com/office/drawing/2014/main" xmlns="" id="{289AA46A-3C66-4E4A-9907-225E50ABB7AE}"/>
               </a:ext>
             </a:extLst>
           </p:cNvPr>
@@ -4961,7 +4961,7 @@
           <p:cNvPr id="4" name="Date Placeholder 3">
             <a:extLst>
               <a:ext uri="{FF2B5EF4-FFF2-40B4-BE49-F238E27FC236}">
-                <a16:creationId xmlns="" xmlns:a16="http://schemas.microsoft.com/office/drawing/2014/main" id="{E57F8214-A11A-4309-9D51-44F35987D1BD}"/>
+                <a16:creationId xmlns:a16="http://schemas.microsoft.com/office/drawing/2014/main" xmlns="" id="{E57F8214-A11A-4309-9D51-44F35987D1BD}"/>
               </a:ext>
             </a:extLst>
           </p:cNvPr>
@@ -5008,7 +5008,7 @@
           <p:cNvPr id="5" name="Footer Placeholder 4">
             <a:extLst>
               <a:ext uri="{FF2B5EF4-FFF2-40B4-BE49-F238E27FC236}">
-                <a16:creationId xmlns="" xmlns:a16="http://schemas.microsoft.com/office/drawing/2014/main" id="{D6A334EB-8260-4F13-9553-5A8593D9DC6B}"/>
+                <a16:creationId xmlns:a16="http://schemas.microsoft.com/office/drawing/2014/main" xmlns="" id="{D6A334EB-8260-4F13-9553-5A8593D9DC6B}"/>
               </a:ext>
             </a:extLst>
           </p:cNvPr>
@@ -5051,7 +5051,7 @@
           <p:cNvPr id="6" name="Slide Number Placeholder 5">
             <a:extLst>
               <a:ext uri="{FF2B5EF4-FFF2-40B4-BE49-F238E27FC236}">
-                <a16:creationId xmlns="" xmlns:a16="http://schemas.microsoft.com/office/drawing/2014/main" id="{00C1EF96-E028-4E68-864E-9B77CF9F25E0}"/>
+                <a16:creationId xmlns:a16="http://schemas.microsoft.com/office/drawing/2014/main" xmlns="" id="{00C1EF96-E028-4E68-864E-9B77CF9F25E0}"/>
               </a:ext>
             </a:extLst>
           </p:cNvPr>
@@ -5427,10 +5427,10 @@
           <p:cNvPr id="11" name="Rectangle 10">
             <a:extLst>
               <a:ext uri="{FF2B5EF4-FFF2-40B4-BE49-F238E27FC236}">
-                <a16:creationId xmlns="" xmlns:a16="http://schemas.microsoft.com/office/drawing/2014/main" id="{C0B27210-D0CA-4654-B3E3-9ABB4F178EA1}"/>
+                <a16:creationId xmlns:a16="http://schemas.microsoft.com/office/drawing/2014/main" xmlns="" id="{C0B27210-D0CA-4654-B3E3-9ABB4F178EA1}"/>
               </a:ext>
               <a:ext uri="{C183D7F6-B498-43B3-948B-1728B52AA6E4}">
-                <adec:decorative xmlns="" xmlns:adec="http://schemas.microsoft.com/office/drawing/2017/decorative" val="1"/>
+                <adec:decorative xmlns:adec="http://schemas.microsoft.com/office/drawing/2017/decorative" xmlns="" val="1"/>
               </a:ext>
             </a:extLst>
           </p:cNvPr>
@@ -5440,7 +5440,7 @@
           <p:nvPr>
             <p:extLst>
               <p:ext uri="{386F3935-93C4-4BCD-93E2-E3B085C9AB24}">
-                <p16:designElem xmlns="" xmlns:p16="http://schemas.microsoft.com/office/powerpoint/2015/main" val="1"/>
+                <p16:designElem xmlns:p16="http://schemas.microsoft.com/office/powerpoint/2015/main" xmlns="" val="1"/>
               </p:ext>
             </p:extLst>
           </p:nvPr>
@@ -5525,22 +5525,38 @@
                   <a:schemeClr val="bg1"/>
                 </a:solidFill>
               </a:rPr>
-              <a:t> TI</a:t>
+              <a:t> </a:t>
+            </a:r>
+            <a:r>
+              <a:rPr lang="en-US" dirty="0" smtClean="0">
+                <a:solidFill>
+                  <a:schemeClr val="bg1"/>
+                </a:solidFill>
+              </a:rPr>
+              <a:t>IT</a:t>
             </a:r>
             <a:br>
-              <a:rPr lang="en-US" dirty="0">
+              <a:rPr lang="en-US" dirty="0" smtClean="0">
                 <a:solidFill>
                   <a:schemeClr val="bg1"/>
                 </a:solidFill>
               </a:rPr>
             </a:br>
             <a:r>
+              <a:rPr lang="en-US" dirty="0" smtClean="0">
+                <a:solidFill>
+                  <a:schemeClr val="bg1"/>
+                </a:solidFill>
+              </a:rPr>
+              <a:t>Centro </a:t>
+            </a:r>
+            <a:r>
               <a:rPr lang="en-US" dirty="0">
                 <a:solidFill>
                   <a:schemeClr val="bg1"/>
                 </a:solidFill>
               </a:rPr>
-              <a:t>Centro de </a:t>
+              <a:t>de </a:t>
             </a:r>
             <a:r>
               <a:rPr lang="en-US" dirty="0" err="1">
@@ -5618,10 +5634,10 @@
           <p:cNvPr id="13" name="Freeform: Shape 12">
             <a:extLst>
               <a:ext uri="{FF2B5EF4-FFF2-40B4-BE49-F238E27FC236}">
-                <a16:creationId xmlns="" xmlns:a16="http://schemas.microsoft.com/office/drawing/2014/main" id="{1DB7C82F-AB7E-4F0C-B829-FA1B9C415180}"/>
+                <a16:creationId xmlns:a16="http://schemas.microsoft.com/office/drawing/2014/main" xmlns="" id="{1DB7C82F-AB7E-4F0C-B829-FA1B9C415180}"/>
               </a:ext>
               <a:ext uri="{C183D7F6-B498-43B3-948B-1728B52AA6E4}">
-                <adec:decorative xmlns="" xmlns:adec="http://schemas.microsoft.com/office/drawing/2017/decorative" val="1"/>
+                <adec:decorative xmlns:adec="http://schemas.microsoft.com/office/drawing/2017/decorative" xmlns="" val="1"/>
               </a:ext>
             </a:extLst>
           </p:cNvPr>
@@ -5631,7 +5647,7 @@
           <p:nvPr>
             <p:extLst>
               <p:ext uri="{386F3935-93C4-4BCD-93E2-E3B085C9AB24}">
-                <p16:designElem xmlns="" xmlns:p16="http://schemas.microsoft.com/office/powerpoint/2015/main" val="1"/>
+                <p16:designElem xmlns:p16="http://schemas.microsoft.com/office/powerpoint/2015/main" xmlns="" val="1"/>
               </p:ext>
             </p:extLst>
           </p:nvPr>
@@ -5785,10 +5801,10 @@
           <p:cNvPr id="15" name="Freeform: Shape 14">
             <a:extLst>
               <a:ext uri="{FF2B5EF4-FFF2-40B4-BE49-F238E27FC236}">
-                <a16:creationId xmlns="" xmlns:a16="http://schemas.microsoft.com/office/drawing/2014/main" id="{70B66945-4967-4040-926D-DCA44313CDAB}"/>
+                <a16:creationId xmlns:a16="http://schemas.microsoft.com/office/drawing/2014/main" xmlns="" id="{70B66945-4967-4040-926D-DCA44313CDAB}"/>
               </a:ext>
               <a:ext uri="{C183D7F6-B498-43B3-948B-1728B52AA6E4}">
-                <adec:decorative xmlns="" xmlns:adec="http://schemas.microsoft.com/office/drawing/2017/decorative" val="1"/>
+                <adec:decorative xmlns:adec="http://schemas.microsoft.com/office/drawing/2017/decorative" xmlns="" val="1"/>
               </a:ext>
             </a:extLst>
           </p:cNvPr>
@@ -5798,7 +5814,7 @@
           <p:nvPr>
             <p:extLst>
               <p:ext uri="{386F3935-93C4-4BCD-93E2-E3B085C9AB24}">
-                <p16:designElem xmlns="" xmlns:p16="http://schemas.microsoft.com/office/powerpoint/2015/main" val="1"/>
+                <p16:designElem xmlns:p16="http://schemas.microsoft.com/office/powerpoint/2015/main" xmlns="" val="1"/>
               </p:ext>
             </p:extLst>
           </p:nvPr>
@@ -6025,10 +6041,10 @@
           <p:cNvPr id="9" name="Rectangle 8">
             <a:extLst>
               <a:ext uri="{FF2B5EF4-FFF2-40B4-BE49-F238E27FC236}">
-                <a16:creationId xmlns="" xmlns:a16="http://schemas.microsoft.com/office/drawing/2014/main" id="{3B854194-185D-494D-905C-7C7CB2E30F6E}"/>
+                <a16:creationId xmlns:a16="http://schemas.microsoft.com/office/drawing/2014/main" xmlns="" id="{3B854194-185D-494D-905C-7C7CB2E30F6E}"/>
               </a:ext>
               <a:ext uri="{C183D7F6-B498-43B3-948B-1728B52AA6E4}">
-                <adec:decorative xmlns="" xmlns:adec="http://schemas.microsoft.com/office/drawing/2017/decorative" val="1"/>
+                <adec:decorative xmlns:adec="http://schemas.microsoft.com/office/drawing/2017/decorative" xmlns="" val="1"/>
               </a:ext>
             </a:extLst>
           </p:cNvPr>
@@ -6038,7 +6054,7 @@
           <p:nvPr>
             <p:extLst>
               <p:ext uri="{386F3935-93C4-4BCD-93E2-E3B085C9AB24}">
-                <p16:designElem xmlns="" xmlns:p16="http://schemas.microsoft.com/office/powerpoint/2015/main" val="1"/>
+                <p16:designElem xmlns:p16="http://schemas.microsoft.com/office/powerpoint/2015/main" xmlns="" val="1"/>
               </p:ext>
             </p:extLst>
           </p:nvPr>
@@ -6085,10 +6101,10 @@
           <p:cNvPr id="11" name="Rectangle 10">
             <a:extLst>
               <a:ext uri="{FF2B5EF4-FFF2-40B4-BE49-F238E27FC236}">
-                <a16:creationId xmlns="" xmlns:a16="http://schemas.microsoft.com/office/drawing/2014/main" id="{B4F5FA0D-0104-4987-8241-EFF7C85B88DE}"/>
+                <a16:creationId xmlns:a16="http://schemas.microsoft.com/office/drawing/2014/main" xmlns="" id="{B4F5FA0D-0104-4987-8241-EFF7C85B88DE}"/>
               </a:ext>
               <a:ext uri="{C183D7F6-B498-43B3-948B-1728B52AA6E4}">
-                <adec:decorative xmlns="" xmlns:adec="http://schemas.microsoft.com/office/drawing/2017/decorative" val="1"/>
+                <adec:decorative xmlns:adec="http://schemas.microsoft.com/office/drawing/2017/decorative" xmlns="" val="1"/>
               </a:ext>
             </a:extLst>
           </p:cNvPr>
@@ -6098,7 +6114,7 @@
           <p:nvPr>
             <p:extLst>
               <p:ext uri="{386F3935-93C4-4BCD-93E2-E3B085C9AB24}">
-                <p16:designElem xmlns="" xmlns:p16="http://schemas.microsoft.com/office/powerpoint/2015/main" val="1"/>
+                <p16:designElem xmlns:p16="http://schemas.microsoft.com/office/powerpoint/2015/main" xmlns="" val="1"/>
               </p:ext>
             </p:extLst>
           </p:nvPr>
@@ -6170,10 +6186,10 @@
           <p:cNvPr id="13" name="Picture 12">
             <a:extLst>
               <a:ext uri="{FF2B5EF4-FFF2-40B4-BE49-F238E27FC236}">
-                <a16:creationId xmlns="" xmlns:a16="http://schemas.microsoft.com/office/drawing/2014/main" id="{2897127E-6CEF-446C-BE87-93B7C46E49D1}"/>
+                <a16:creationId xmlns:a16="http://schemas.microsoft.com/office/drawing/2014/main" xmlns="" id="{2897127E-6CEF-446C-BE87-93B7C46E49D1}"/>
               </a:ext>
               <a:ext uri="{C183D7F6-B498-43B3-948B-1728B52AA6E4}">
-                <adec:decorative xmlns="" xmlns:adec="http://schemas.microsoft.com/office/drawing/2017/decorative" val="1"/>
+                <adec:decorative xmlns:adec="http://schemas.microsoft.com/office/drawing/2017/decorative" xmlns="" val="1"/>
               </a:ext>
             </a:extLst>
           </p:cNvPr>
@@ -6183,7 +6199,7 @@
           <p:nvPr>
             <p:extLst>
               <p:ext uri="{386F3935-93C4-4BCD-93E2-E3B085C9AB24}">
-                <p16:designElem xmlns="" xmlns:p16="http://schemas.microsoft.com/office/powerpoint/2015/main" val="1"/>
+                <p16:designElem xmlns:p16="http://schemas.microsoft.com/office/powerpoint/2015/main" xmlns="" val="1"/>
               </p:ext>
             </p:extLst>
           </p:nvPr>
@@ -6412,10 +6428,10 @@
           <p:cNvPr id="9" name="Rectangle 8">
             <a:extLst>
               <a:ext uri="{FF2B5EF4-FFF2-40B4-BE49-F238E27FC236}">
-                <a16:creationId xmlns="" xmlns:a16="http://schemas.microsoft.com/office/drawing/2014/main" id="{3B854194-185D-494D-905C-7C7CB2E30F6E}"/>
+                <a16:creationId xmlns:a16="http://schemas.microsoft.com/office/drawing/2014/main" xmlns="" id="{3B854194-185D-494D-905C-7C7CB2E30F6E}"/>
               </a:ext>
               <a:ext uri="{C183D7F6-B498-43B3-948B-1728B52AA6E4}">
-                <adec:decorative xmlns="" xmlns:adec="http://schemas.microsoft.com/office/drawing/2017/decorative" val="1"/>
+                <adec:decorative xmlns:adec="http://schemas.microsoft.com/office/drawing/2017/decorative" xmlns="" val="1"/>
               </a:ext>
             </a:extLst>
           </p:cNvPr>
@@ -6425,7 +6441,7 @@
           <p:nvPr>
             <p:extLst>
               <p:ext uri="{386F3935-93C4-4BCD-93E2-E3B085C9AB24}">
-                <p16:designElem xmlns="" xmlns:p16="http://schemas.microsoft.com/office/powerpoint/2015/main" val="1"/>
+                <p16:designElem xmlns:p16="http://schemas.microsoft.com/office/powerpoint/2015/main" xmlns="" val="1"/>
               </p:ext>
             </p:extLst>
           </p:nvPr>
@@ -6472,10 +6488,10 @@
           <p:cNvPr id="11" name="Rectangle 10">
             <a:extLst>
               <a:ext uri="{FF2B5EF4-FFF2-40B4-BE49-F238E27FC236}">
-                <a16:creationId xmlns="" xmlns:a16="http://schemas.microsoft.com/office/drawing/2014/main" id="{B4F5FA0D-0104-4987-8241-EFF7C85B88DE}"/>
+                <a16:creationId xmlns:a16="http://schemas.microsoft.com/office/drawing/2014/main" xmlns="" id="{B4F5FA0D-0104-4987-8241-EFF7C85B88DE}"/>
               </a:ext>
               <a:ext uri="{C183D7F6-B498-43B3-948B-1728B52AA6E4}">
-                <adec:decorative xmlns="" xmlns:adec="http://schemas.microsoft.com/office/drawing/2017/decorative" val="1"/>
+                <adec:decorative xmlns:adec="http://schemas.microsoft.com/office/drawing/2017/decorative" xmlns="" val="1"/>
               </a:ext>
             </a:extLst>
           </p:cNvPr>
@@ -6485,7 +6501,7 @@
           <p:nvPr>
             <p:extLst>
               <p:ext uri="{386F3935-93C4-4BCD-93E2-E3B085C9AB24}">
-                <p16:designElem xmlns="" xmlns:p16="http://schemas.microsoft.com/office/powerpoint/2015/main" val="1"/>
+                <p16:designElem xmlns:p16="http://schemas.microsoft.com/office/powerpoint/2015/main" xmlns="" val="1"/>
               </p:ext>
             </p:extLst>
           </p:nvPr>
@@ -6557,10 +6573,10 @@
           <p:cNvPr id="13" name="Picture 12">
             <a:extLst>
               <a:ext uri="{FF2B5EF4-FFF2-40B4-BE49-F238E27FC236}">
-                <a16:creationId xmlns="" xmlns:a16="http://schemas.microsoft.com/office/drawing/2014/main" id="{2897127E-6CEF-446C-BE87-93B7C46E49D1}"/>
+                <a16:creationId xmlns:a16="http://schemas.microsoft.com/office/drawing/2014/main" xmlns="" id="{2897127E-6CEF-446C-BE87-93B7C46E49D1}"/>
               </a:ext>
               <a:ext uri="{C183D7F6-B498-43B3-948B-1728B52AA6E4}">
-                <adec:decorative xmlns="" xmlns:adec="http://schemas.microsoft.com/office/drawing/2017/decorative" val="1"/>
+                <adec:decorative xmlns:adec="http://schemas.microsoft.com/office/drawing/2017/decorative" xmlns="" val="1"/>
               </a:ext>
             </a:extLst>
           </p:cNvPr>
@@ -6570,7 +6586,7 @@
           <p:nvPr>
             <p:extLst>
               <p:ext uri="{386F3935-93C4-4BCD-93E2-E3B085C9AB24}">
-                <p16:designElem xmlns="" xmlns:p16="http://schemas.microsoft.com/office/powerpoint/2015/main" val="1"/>
+                <p16:designElem xmlns:p16="http://schemas.microsoft.com/office/powerpoint/2015/main" xmlns="" val="1"/>
               </p:ext>
             </p:extLst>
           </p:nvPr>
@@ -6761,10 +6777,10 @@
           <p:cNvPr id="9" name="Rectangle 8">
             <a:extLst>
               <a:ext uri="{FF2B5EF4-FFF2-40B4-BE49-F238E27FC236}">
-                <a16:creationId xmlns="" xmlns:a16="http://schemas.microsoft.com/office/drawing/2014/main" id="{3B854194-185D-494D-905C-7C7CB2E30F6E}"/>
+                <a16:creationId xmlns:a16="http://schemas.microsoft.com/office/drawing/2014/main" xmlns="" id="{3B854194-185D-494D-905C-7C7CB2E30F6E}"/>
               </a:ext>
               <a:ext uri="{C183D7F6-B498-43B3-948B-1728B52AA6E4}">
-                <adec:decorative xmlns="" xmlns:adec="http://schemas.microsoft.com/office/drawing/2017/decorative" val="1"/>
+                <adec:decorative xmlns:adec="http://schemas.microsoft.com/office/drawing/2017/decorative" xmlns="" val="1"/>
               </a:ext>
             </a:extLst>
           </p:cNvPr>
@@ -6774,7 +6790,7 @@
           <p:nvPr>
             <p:extLst>
               <p:ext uri="{386F3935-93C4-4BCD-93E2-E3B085C9AB24}">
-                <p16:designElem xmlns="" xmlns:p16="http://schemas.microsoft.com/office/powerpoint/2015/main" val="1"/>
+                <p16:designElem xmlns:p16="http://schemas.microsoft.com/office/powerpoint/2015/main" xmlns="" val="1"/>
               </p:ext>
             </p:extLst>
           </p:nvPr>
@@ -6821,10 +6837,10 @@
           <p:cNvPr id="11" name="Rectangle 10">
             <a:extLst>
               <a:ext uri="{FF2B5EF4-FFF2-40B4-BE49-F238E27FC236}">
-                <a16:creationId xmlns="" xmlns:a16="http://schemas.microsoft.com/office/drawing/2014/main" id="{B4F5FA0D-0104-4987-8241-EFF7C85B88DE}"/>
+                <a16:creationId xmlns:a16="http://schemas.microsoft.com/office/drawing/2014/main" xmlns="" id="{B4F5FA0D-0104-4987-8241-EFF7C85B88DE}"/>
               </a:ext>
               <a:ext uri="{C183D7F6-B498-43B3-948B-1728B52AA6E4}">
-                <adec:decorative xmlns="" xmlns:adec="http://schemas.microsoft.com/office/drawing/2017/decorative" val="1"/>
+                <adec:decorative xmlns:adec="http://schemas.microsoft.com/office/drawing/2017/decorative" xmlns="" val="1"/>
               </a:ext>
             </a:extLst>
           </p:cNvPr>
@@ -6834,7 +6850,7 @@
           <p:nvPr>
             <p:extLst>
               <p:ext uri="{386F3935-93C4-4BCD-93E2-E3B085C9AB24}">
-                <p16:designElem xmlns="" xmlns:p16="http://schemas.microsoft.com/office/powerpoint/2015/main" val="1"/>
+                <p16:designElem xmlns:p16="http://schemas.microsoft.com/office/powerpoint/2015/main" xmlns="" val="1"/>
               </p:ext>
             </p:extLst>
           </p:nvPr>
@@ -6906,10 +6922,10 @@
           <p:cNvPr id="13" name="Picture 12">
             <a:extLst>
               <a:ext uri="{FF2B5EF4-FFF2-40B4-BE49-F238E27FC236}">
-                <a16:creationId xmlns="" xmlns:a16="http://schemas.microsoft.com/office/drawing/2014/main" id="{2897127E-6CEF-446C-BE87-93B7C46E49D1}"/>
+                <a16:creationId xmlns:a16="http://schemas.microsoft.com/office/drawing/2014/main" xmlns="" id="{2897127E-6CEF-446C-BE87-93B7C46E49D1}"/>
               </a:ext>
               <a:ext uri="{C183D7F6-B498-43B3-948B-1728B52AA6E4}">
-                <adec:decorative xmlns="" xmlns:adec="http://schemas.microsoft.com/office/drawing/2017/decorative" val="1"/>
+                <adec:decorative xmlns:adec="http://schemas.microsoft.com/office/drawing/2017/decorative" xmlns="" val="1"/>
               </a:ext>
             </a:extLst>
           </p:cNvPr>
@@ -6919,7 +6935,7 @@
           <p:nvPr>
             <p:extLst>
               <p:ext uri="{386F3935-93C4-4BCD-93E2-E3B085C9AB24}">
-                <p16:designElem xmlns="" xmlns:p16="http://schemas.microsoft.com/office/powerpoint/2015/main" val="1"/>
+                <p16:designElem xmlns:p16="http://schemas.microsoft.com/office/powerpoint/2015/main" xmlns="" val="1"/>
               </p:ext>
             </p:extLst>
           </p:nvPr>
@@ -7120,10 +7136,10 @@
           <p:cNvPr id="9" name="Rectangle 8">
             <a:extLst>
               <a:ext uri="{FF2B5EF4-FFF2-40B4-BE49-F238E27FC236}">
-                <a16:creationId xmlns="" xmlns:a16="http://schemas.microsoft.com/office/drawing/2014/main" id="{23962611-DFD5-4092-AAFD-559E3DFCE2C9}"/>
+                <a16:creationId xmlns:a16="http://schemas.microsoft.com/office/drawing/2014/main" xmlns="" id="{23962611-DFD5-4092-AAFD-559E3DFCE2C9}"/>
               </a:ext>
               <a:ext uri="{C183D7F6-B498-43B3-948B-1728B52AA6E4}">
-                <adec:decorative xmlns="" xmlns:adec="http://schemas.microsoft.com/office/drawing/2017/decorative" val="1"/>
+                <adec:decorative xmlns:adec="http://schemas.microsoft.com/office/drawing/2017/decorative" xmlns="" val="1"/>
               </a:ext>
             </a:extLst>
           </p:cNvPr>
@@ -7133,7 +7149,7 @@
           <p:nvPr>
             <p:extLst>
               <p:ext uri="{386F3935-93C4-4BCD-93E2-E3B085C9AB24}">
-                <p16:designElem xmlns="" xmlns:p16="http://schemas.microsoft.com/office/powerpoint/2015/main" val="1"/>
+                <p16:designElem xmlns:p16="http://schemas.microsoft.com/office/powerpoint/2015/main" xmlns="" val="1"/>
               </p:ext>
             </p:extLst>
           </p:nvPr>
@@ -7205,10 +7221,10 @@
           <p:cNvPr id="11" name="Picture 10">
             <a:extLst>
               <a:ext uri="{FF2B5EF4-FFF2-40B4-BE49-F238E27FC236}">
-                <a16:creationId xmlns="" xmlns:a16="http://schemas.microsoft.com/office/drawing/2014/main" id="{2270F1FA-0425-408F-9861-80BF5AFB276D}"/>
+                <a16:creationId xmlns:a16="http://schemas.microsoft.com/office/drawing/2014/main" xmlns="" id="{2270F1FA-0425-408F-9861-80BF5AFB276D}"/>
               </a:ext>
               <a:ext uri="{C183D7F6-B498-43B3-948B-1728B52AA6E4}">
-                <adec:decorative xmlns="" xmlns:adec="http://schemas.microsoft.com/office/drawing/2017/decorative" val="1"/>
+                <adec:decorative xmlns:adec="http://schemas.microsoft.com/office/drawing/2017/decorative" xmlns="" val="1"/>
               </a:ext>
             </a:extLst>
           </p:cNvPr>
@@ -7218,7 +7234,7 @@
           <p:nvPr>
             <p:extLst>
               <p:ext uri="{386F3935-93C4-4BCD-93E2-E3B085C9AB24}">
-                <p16:designElem xmlns="" xmlns:p16="http://schemas.microsoft.com/office/powerpoint/2015/main" val="1"/>
+                <p16:designElem xmlns:p16="http://schemas.microsoft.com/office/powerpoint/2015/main" xmlns="" val="1"/>
               </p:ext>
             </p:extLst>
           </p:nvPr>
@@ -7948,10 +7964,10 @@
           <p:cNvPr id="9" name="Rectangle 8">
             <a:extLst>
               <a:ext uri="{FF2B5EF4-FFF2-40B4-BE49-F238E27FC236}">
-                <a16:creationId xmlns="" xmlns:a16="http://schemas.microsoft.com/office/drawing/2014/main" id="{23962611-DFD5-4092-AAFD-559E3DFCE2C9}"/>
+                <a16:creationId xmlns:a16="http://schemas.microsoft.com/office/drawing/2014/main" xmlns="" id="{23962611-DFD5-4092-AAFD-559E3DFCE2C9}"/>
               </a:ext>
               <a:ext uri="{C183D7F6-B498-43B3-948B-1728B52AA6E4}">
-                <adec:decorative xmlns="" xmlns:adec="http://schemas.microsoft.com/office/drawing/2017/decorative" val="1"/>
+                <adec:decorative xmlns:adec="http://schemas.microsoft.com/office/drawing/2017/decorative" xmlns="" val="1"/>
               </a:ext>
             </a:extLst>
           </p:cNvPr>
@@ -7961,7 +7977,7 @@
           <p:nvPr>
             <p:extLst>
               <p:ext uri="{386F3935-93C4-4BCD-93E2-E3B085C9AB24}">
-                <p16:designElem xmlns="" xmlns:p16="http://schemas.microsoft.com/office/powerpoint/2015/main" val="1"/>
+                <p16:designElem xmlns:p16="http://schemas.microsoft.com/office/powerpoint/2015/main" xmlns="" val="1"/>
               </p:ext>
             </p:extLst>
           </p:nvPr>
@@ -8033,10 +8049,10 @@
           <p:cNvPr id="11" name="Picture 10">
             <a:extLst>
               <a:ext uri="{FF2B5EF4-FFF2-40B4-BE49-F238E27FC236}">
-                <a16:creationId xmlns="" xmlns:a16="http://schemas.microsoft.com/office/drawing/2014/main" id="{2270F1FA-0425-408F-9861-80BF5AFB276D}"/>
+                <a16:creationId xmlns:a16="http://schemas.microsoft.com/office/drawing/2014/main" xmlns="" id="{2270F1FA-0425-408F-9861-80BF5AFB276D}"/>
               </a:ext>
               <a:ext uri="{C183D7F6-B498-43B3-948B-1728B52AA6E4}">
-                <adec:decorative xmlns="" xmlns:adec="http://schemas.microsoft.com/office/drawing/2017/decorative" val="1"/>
+                <adec:decorative xmlns:adec="http://schemas.microsoft.com/office/drawing/2017/decorative" xmlns="" val="1"/>
               </a:ext>
             </a:extLst>
           </p:cNvPr>
@@ -8046,7 +8062,7 @@
           <p:nvPr>
             <p:extLst>
               <p:ext uri="{386F3935-93C4-4BCD-93E2-E3B085C9AB24}">
-                <p16:designElem xmlns="" xmlns:p16="http://schemas.microsoft.com/office/powerpoint/2015/main" val="1"/>
+                <p16:designElem xmlns:p16="http://schemas.microsoft.com/office/powerpoint/2015/main" xmlns="" val="1"/>
               </p:ext>
             </p:extLst>
           </p:nvPr>
@@ -8776,10 +8792,10 @@
           <p:cNvPr id="9" name="Rectangle 8">
             <a:extLst>
               <a:ext uri="{FF2B5EF4-FFF2-40B4-BE49-F238E27FC236}">
-                <a16:creationId xmlns="" xmlns:a16="http://schemas.microsoft.com/office/drawing/2014/main" id="{23962611-DFD5-4092-AAFD-559E3DFCE2C9}"/>
+                <a16:creationId xmlns:a16="http://schemas.microsoft.com/office/drawing/2014/main" xmlns="" id="{23962611-DFD5-4092-AAFD-559E3DFCE2C9}"/>
               </a:ext>
               <a:ext uri="{C183D7F6-B498-43B3-948B-1728B52AA6E4}">
-                <adec:decorative xmlns="" xmlns:adec="http://schemas.microsoft.com/office/drawing/2017/decorative" val="1"/>
+                <adec:decorative xmlns:adec="http://schemas.microsoft.com/office/drawing/2017/decorative" xmlns="" val="1"/>
               </a:ext>
             </a:extLst>
           </p:cNvPr>
@@ -8789,7 +8805,7 @@
           <p:nvPr>
             <p:extLst>
               <p:ext uri="{386F3935-93C4-4BCD-93E2-E3B085C9AB24}">
-                <p16:designElem xmlns="" xmlns:p16="http://schemas.microsoft.com/office/powerpoint/2015/main" val="1"/>
+                <p16:designElem xmlns:p16="http://schemas.microsoft.com/office/powerpoint/2015/main" xmlns="" val="1"/>
               </p:ext>
             </p:extLst>
           </p:nvPr>
@@ -8861,10 +8877,10 @@
           <p:cNvPr id="11" name="Picture 10">
             <a:extLst>
               <a:ext uri="{FF2B5EF4-FFF2-40B4-BE49-F238E27FC236}">
-                <a16:creationId xmlns="" xmlns:a16="http://schemas.microsoft.com/office/drawing/2014/main" id="{2270F1FA-0425-408F-9861-80BF5AFB276D}"/>
+                <a16:creationId xmlns:a16="http://schemas.microsoft.com/office/drawing/2014/main" xmlns="" id="{2270F1FA-0425-408F-9861-80BF5AFB276D}"/>
               </a:ext>
               <a:ext uri="{C183D7F6-B498-43B3-948B-1728B52AA6E4}">
-                <adec:decorative xmlns="" xmlns:adec="http://schemas.microsoft.com/office/drawing/2017/decorative" val="1"/>
+                <adec:decorative xmlns:adec="http://schemas.microsoft.com/office/drawing/2017/decorative" xmlns="" val="1"/>
               </a:ext>
             </a:extLst>
           </p:cNvPr>
@@ -8874,7 +8890,7 @@
           <p:nvPr>
             <p:extLst>
               <p:ext uri="{386F3935-93C4-4BCD-93E2-E3B085C9AB24}">
-                <p16:designElem xmlns="" xmlns:p16="http://schemas.microsoft.com/office/powerpoint/2015/main" val="1"/>
+                <p16:designElem xmlns:p16="http://schemas.microsoft.com/office/powerpoint/2015/main" xmlns="" val="1"/>
               </p:ext>
             </p:extLst>
           </p:nvPr>
@@ -9655,7 +9671,7 @@
             <p:ph idx="1"/>
             <p:extLst>
               <p:ext uri="{D42A27DB-BD31-4B8C-83A1-F6EECF244321}">
-                <p14:modId xmlns:p14="http://schemas.microsoft.com/office/powerpoint/2010/main" val="1584258671"/>
+                <p14:modId xmlns:p14="http://schemas.microsoft.com/office/powerpoint/2010/main" val="2052459668"/>
               </p:ext>
             </p:extLst>
           </p:nvPr>
@@ -9712,10 +9728,10 @@
           <p:cNvPr id="9" name="Rectangle 8">
             <a:extLst>
               <a:ext uri="{FF2B5EF4-FFF2-40B4-BE49-F238E27FC236}">
-                <a16:creationId xmlns="" xmlns:a16="http://schemas.microsoft.com/office/drawing/2014/main" id="{23962611-DFD5-4092-AAFD-559E3DFCE2C9}"/>
+                <a16:creationId xmlns:a16="http://schemas.microsoft.com/office/drawing/2014/main" xmlns="" id="{23962611-DFD5-4092-AAFD-559E3DFCE2C9}"/>
               </a:ext>
               <a:ext uri="{C183D7F6-B498-43B3-948B-1728B52AA6E4}">
-                <adec:decorative xmlns="" xmlns:adec="http://schemas.microsoft.com/office/drawing/2017/decorative" val="1"/>
+                <adec:decorative xmlns:adec="http://schemas.microsoft.com/office/drawing/2017/decorative" xmlns="" val="1"/>
               </a:ext>
             </a:extLst>
           </p:cNvPr>
@@ -9725,7 +9741,7 @@
           <p:nvPr>
             <p:extLst>
               <p:ext uri="{386F3935-93C4-4BCD-93E2-E3B085C9AB24}">
-                <p16:designElem xmlns="" xmlns:p16="http://schemas.microsoft.com/office/powerpoint/2015/main" val="1"/>
+                <p16:designElem xmlns:p16="http://schemas.microsoft.com/office/powerpoint/2015/main" xmlns="" val="1"/>
               </p:ext>
             </p:extLst>
           </p:nvPr>
@@ -9797,10 +9813,10 @@
           <p:cNvPr id="11" name="Picture 10">
             <a:extLst>
               <a:ext uri="{FF2B5EF4-FFF2-40B4-BE49-F238E27FC236}">
-                <a16:creationId xmlns="" xmlns:a16="http://schemas.microsoft.com/office/drawing/2014/main" id="{2270F1FA-0425-408F-9861-80BF5AFB276D}"/>
+                <a16:creationId xmlns:a16="http://schemas.microsoft.com/office/drawing/2014/main" xmlns="" id="{2270F1FA-0425-408F-9861-80BF5AFB276D}"/>
               </a:ext>
               <a:ext uri="{C183D7F6-B498-43B3-948B-1728B52AA6E4}">
-                <adec:decorative xmlns="" xmlns:adec="http://schemas.microsoft.com/office/drawing/2017/decorative" val="1"/>
+                <adec:decorative xmlns:adec="http://schemas.microsoft.com/office/drawing/2017/decorative" xmlns="" val="1"/>
               </a:ext>
             </a:extLst>
           </p:cNvPr>
@@ -9810,7 +9826,7 @@
           <p:nvPr>
             <p:extLst>
               <p:ext uri="{386F3935-93C4-4BCD-93E2-E3B085C9AB24}">
-                <p16:designElem xmlns="" xmlns:p16="http://schemas.microsoft.com/office/powerpoint/2015/main" val="1"/>
+                <p16:designElem xmlns:p16="http://schemas.microsoft.com/office/powerpoint/2015/main" xmlns="" val="1"/>
               </p:ext>
             </p:extLst>
           </p:nvPr>
@@ -9875,14 +9891,6 @@
                 </a:solidFill>
               </a:rPr>
               <a:t> gracias</a:t>
-            </a:r>
-            <a:r>
-              <a:rPr lang="en-US" sz="6000" dirty="0" smtClean="0">
-                <a:solidFill>
-                  <a:srgbClr val="FFFFFF"/>
-                </a:solidFill>
-              </a:rPr>
-              <a:t/>
             </a:r>
             <a:br>
               <a:rPr lang="en-US" sz="6000" dirty="0" smtClean="0">

--- a/Simulación/datos Sistema/UTN - Simulacion - Equipo 5 -TP N°6 Picolo.pptx
+++ b/Simulación/datos Sistema/UTN - Simulacion - Equipo 5 -TP N°6 Picolo.pptx
@@ -5,7 +5,7 @@
     <p:sldMasterId id="2147483648" r:id="rId1"/>
   </p:sldMasterIdLst>
   <p:notesMasterIdLst>
-    <p:notesMasterId r:id="rId11"/>
+    <p:notesMasterId r:id="rId9"/>
   </p:notesMasterIdLst>
   <p:sldIdLst>
     <p:sldId id="257" r:id="rId2"/>
@@ -13,10 +13,8 @@
     <p:sldId id="260" r:id="rId4"/>
     <p:sldId id="261" r:id="rId5"/>
     <p:sldId id="262" r:id="rId6"/>
-    <p:sldId id="270" r:id="rId7"/>
-    <p:sldId id="271" r:id="rId8"/>
-    <p:sldId id="264" r:id="rId9"/>
-    <p:sldId id="272" r:id="rId10"/>
+    <p:sldId id="273" r:id="rId7"/>
+    <p:sldId id="272" r:id="rId8"/>
   </p:sldIdLst>
   <p:sldSz cx="12192000" cy="6858000"/>
   <p:notesSz cx="6858000" cy="9144000"/>
@@ -123,1172 +121,3010 @@
 </p:presentation>
 </file>
 
-<file path=ppt/charts/chart1.xml><?xml version="1.0" encoding="utf-8"?>
-<c:chartSpace xmlns:c="http://schemas.openxmlformats.org/drawingml/2006/chart" xmlns:a="http://schemas.openxmlformats.org/drawingml/2006/main" xmlns:r="http://schemas.openxmlformats.org/officeDocument/2006/relationships">
-  <c:date1904 val="0"/>
-  <c:lang val="es-ES"/>
-  <c:roundedCorners val="0"/>
-  <mc:AlternateContent xmlns:mc="http://schemas.openxmlformats.org/markup-compatibility/2006">
-    <mc:Choice xmlns:c14="http://schemas.microsoft.com/office/drawing/2007/8/2/chart" Requires="c14">
-      <c14:style val="102"/>
-    </mc:Choice>
-    <mc:Fallback>
-      <c:style val="2"/>
-    </mc:Fallback>
-  </mc:AlternateContent>
-  <c:chart>
-    <c:title>
-      <c:tx>
-        <c:rich>
-          <a:bodyPr rot="0" spcFirstLastPara="1" vertOverflow="ellipsis" vert="horz" wrap="square" anchor="ctr" anchorCtr="1"/>
-          <a:lstStyle/>
-          <a:p>
-            <a:pPr>
-              <a:defRPr sz="1862" b="0" i="0" u="none" strike="noStrike" kern="1200" spc="0" baseline="0">
-                <a:solidFill>
-                  <a:schemeClr val="tx1">
-                    <a:lumMod val="65000"/>
-                    <a:lumOff val="35000"/>
-                  </a:schemeClr>
-                </a:solidFill>
-                <a:latin typeface="+mn-lt"/>
-                <a:ea typeface="+mn-ea"/>
-                <a:cs typeface="+mn-cs"/>
-              </a:defRPr>
-            </a:pPr>
-            <a:r>
-              <a:rPr lang="es-AR" dirty="0" smtClean="0"/>
-              <a:t>Simulaciones generadas</a:t>
-            </a:r>
-            <a:endParaRPr lang="es-AR" dirty="0"/>
-          </a:p>
-        </c:rich>
-      </c:tx>
-      <c:layout/>
-      <c:overlay val="0"/>
-      <c:spPr>
-        <a:noFill/>
-        <a:ln>
-          <a:noFill/>
+<file path=ppt/diagrams/colors1.xml><?xml version="1.0" encoding="utf-8"?>
+<dgm:colorsDef xmlns:dgm="http://schemas.openxmlformats.org/drawingml/2006/diagram" xmlns:a="http://schemas.openxmlformats.org/drawingml/2006/main" uniqueId="urn:microsoft.com/office/officeart/2005/8/colors/colorful5">
+  <dgm:title val=""/>
+  <dgm:desc val=""/>
+  <dgm:catLst>
+    <dgm:cat type="colorful" pri="10500"/>
+  </dgm:catLst>
+  <dgm:styleLbl name="node0">
+    <dgm:fillClrLst meth="repeat">
+      <a:schemeClr val="accent4"/>
+    </dgm:fillClrLst>
+    <dgm:linClrLst meth="repeat">
+      <a:schemeClr val="lt1"/>
+    </dgm:linClrLst>
+    <dgm:effectClrLst/>
+    <dgm:txLinClrLst/>
+    <dgm:txFillClrLst/>
+    <dgm:txEffectClrLst/>
+  </dgm:styleLbl>
+  <dgm:styleLbl name="node1">
+    <dgm:fillClrLst>
+      <a:schemeClr val="accent5"/>
+      <a:schemeClr val="accent6"/>
+    </dgm:fillClrLst>
+    <dgm:linClrLst meth="repeat">
+      <a:schemeClr val="lt1"/>
+    </dgm:linClrLst>
+    <dgm:effectClrLst/>
+    <dgm:txLinClrLst/>
+    <dgm:txFillClrLst/>
+    <dgm:txEffectClrLst/>
+  </dgm:styleLbl>
+  <dgm:styleLbl name="alignNode1">
+    <dgm:fillClrLst>
+      <a:schemeClr val="accent5"/>
+      <a:schemeClr val="accent6"/>
+    </dgm:fillClrLst>
+    <dgm:linClrLst>
+      <a:schemeClr val="accent5"/>
+      <a:schemeClr val="accent6"/>
+    </dgm:linClrLst>
+    <dgm:effectClrLst/>
+    <dgm:txLinClrLst/>
+    <dgm:txFillClrLst/>
+    <dgm:txEffectClrLst/>
+  </dgm:styleLbl>
+  <dgm:styleLbl name="lnNode1">
+    <dgm:fillClrLst>
+      <a:schemeClr val="accent5"/>
+      <a:schemeClr val="accent6"/>
+    </dgm:fillClrLst>
+    <dgm:linClrLst meth="repeat">
+      <a:schemeClr val="lt1"/>
+    </dgm:linClrLst>
+    <dgm:effectClrLst/>
+    <dgm:txLinClrLst/>
+    <dgm:txFillClrLst/>
+    <dgm:txEffectClrLst/>
+  </dgm:styleLbl>
+  <dgm:styleLbl name="vennNode1">
+    <dgm:fillClrLst>
+      <a:schemeClr val="accent5">
+        <a:alpha val="50000"/>
+      </a:schemeClr>
+      <a:schemeClr val="accent6">
+        <a:alpha val="50000"/>
+      </a:schemeClr>
+    </dgm:fillClrLst>
+    <dgm:linClrLst meth="repeat">
+      <a:schemeClr val="lt1"/>
+    </dgm:linClrLst>
+    <dgm:effectClrLst/>
+    <dgm:txLinClrLst/>
+    <dgm:txFillClrLst/>
+    <dgm:txEffectClrLst/>
+  </dgm:styleLbl>
+  <dgm:styleLbl name="node2">
+    <dgm:fillClrLst>
+      <a:schemeClr val="accent6"/>
+    </dgm:fillClrLst>
+    <dgm:linClrLst meth="repeat">
+      <a:schemeClr val="lt1"/>
+    </dgm:linClrLst>
+    <dgm:effectClrLst/>
+    <dgm:txLinClrLst/>
+    <dgm:txFillClrLst/>
+    <dgm:txEffectClrLst/>
+  </dgm:styleLbl>
+  <dgm:styleLbl name="node3">
+    <dgm:fillClrLst>
+      <a:schemeClr val="accent1"/>
+    </dgm:fillClrLst>
+    <dgm:linClrLst meth="repeat">
+      <a:schemeClr val="lt1"/>
+    </dgm:linClrLst>
+    <dgm:effectClrLst/>
+    <dgm:txLinClrLst/>
+    <dgm:txFillClrLst/>
+    <dgm:txEffectClrLst/>
+  </dgm:styleLbl>
+  <dgm:styleLbl name="node4">
+    <dgm:fillClrLst>
+      <a:schemeClr val="accent2"/>
+    </dgm:fillClrLst>
+    <dgm:linClrLst meth="repeat">
+      <a:schemeClr val="lt1"/>
+    </dgm:linClrLst>
+    <dgm:effectClrLst/>
+    <dgm:txLinClrLst/>
+    <dgm:txFillClrLst/>
+    <dgm:txEffectClrLst/>
+  </dgm:styleLbl>
+  <dgm:styleLbl name="fgImgPlace1">
+    <dgm:fillClrLst>
+      <a:schemeClr val="accent5">
+        <a:tint val="50000"/>
+      </a:schemeClr>
+      <a:schemeClr val="accent6">
+        <a:tint val="50000"/>
+      </a:schemeClr>
+    </dgm:fillClrLst>
+    <dgm:linClrLst meth="repeat">
+      <a:schemeClr val="lt1"/>
+    </dgm:linClrLst>
+    <dgm:effectClrLst/>
+    <dgm:txLinClrLst/>
+    <dgm:txFillClrLst meth="repeat">
+      <a:schemeClr val="lt1"/>
+    </dgm:txFillClrLst>
+    <dgm:txEffectClrLst/>
+  </dgm:styleLbl>
+  <dgm:styleLbl name="alignImgPlace1">
+    <dgm:fillClrLst>
+      <a:schemeClr val="accent5">
+        <a:tint val="50000"/>
+      </a:schemeClr>
+      <a:schemeClr val="accent6">
+        <a:tint val="20000"/>
+      </a:schemeClr>
+    </dgm:fillClrLst>
+    <dgm:linClrLst meth="repeat">
+      <a:schemeClr val="lt1"/>
+    </dgm:linClrLst>
+    <dgm:effectClrLst/>
+    <dgm:txLinClrLst/>
+    <dgm:txFillClrLst meth="repeat">
+      <a:schemeClr val="lt1"/>
+    </dgm:txFillClrLst>
+    <dgm:txEffectClrLst/>
+  </dgm:styleLbl>
+  <dgm:styleLbl name="bgImgPlace1">
+    <dgm:fillClrLst>
+      <a:schemeClr val="accent5">
+        <a:tint val="50000"/>
+      </a:schemeClr>
+      <a:schemeClr val="accent6">
+        <a:tint val="20000"/>
+      </a:schemeClr>
+    </dgm:fillClrLst>
+    <dgm:linClrLst meth="repeat">
+      <a:schemeClr val="lt1"/>
+    </dgm:linClrLst>
+    <dgm:effectClrLst/>
+    <dgm:txLinClrLst/>
+    <dgm:txFillClrLst meth="repeat">
+      <a:schemeClr val="lt1"/>
+    </dgm:txFillClrLst>
+    <dgm:txEffectClrLst/>
+  </dgm:styleLbl>
+  <dgm:styleLbl name="sibTrans2D1">
+    <dgm:fillClrLst>
+      <a:schemeClr val="accent5"/>
+      <a:schemeClr val="accent6"/>
+    </dgm:fillClrLst>
+    <dgm:linClrLst meth="repeat">
+      <a:schemeClr val="lt1"/>
+    </dgm:linClrLst>
+    <dgm:effectClrLst/>
+    <dgm:txLinClrLst/>
+    <dgm:txFillClrLst/>
+    <dgm:txEffectClrLst/>
+  </dgm:styleLbl>
+  <dgm:styleLbl name="fgSibTrans2D1">
+    <dgm:fillClrLst>
+      <a:schemeClr val="accent5"/>
+      <a:schemeClr val="accent6"/>
+    </dgm:fillClrLst>
+    <dgm:linClrLst meth="repeat">
+      <a:schemeClr val="lt1"/>
+    </dgm:linClrLst>
+    <dgm:effectClrLst/>
+    <dgm:txLinClrLst/>
+    <dgm:txFillClrLst meth="repeat">
+      <a:schemeClr val="lt1"/>
+    </dgm:txFillClrLst>
+    <dgm:txEffectClrLst/>
+  </dgm:styleLbl>
+  <dgm:styleLbl name="bgSibTrans2D1">
+    <dgm:fillClrLst>
+      <a:schemeClr val="accent5"/>
+      <a:schemeClr val="accent6"/>
+    </dgm:fillClrLst>
+    <dgm:linClrLst meth="repeat">
+      <a:schemeClr val="lt1"/>
+    </dgm:linClrLst>
+    <dgm:effectClrLst/>
+    <dgm:txLinClrLst/>
+    <dgm:txFillClrLst meth="repeat">
+      <a:schemeClr val="lt1"/>
+    </dgm:txFillClrLst>
+    <dgm:txEffectClrLst/>
+  </dgm:styleLbl>
+  <dgm:styleLbl name="sibTrans1D1">
+    <dgm:fillClrLst/>
+    <dgm:linClrLst>
+      <a:schemeClr val="accent5"/>
+      <a:schemeClr val="accent6"/>
+    </dgm:linClrLst>
+    <dgm:effectClrLst/>
+    <dgm:txLinClrLst/>
+    <dgm:txFillClrLst meth="repeat">
+      <a:schemeClr val="tx1"/>
+    </dgm:txFillClrLst>
+    <dgm:txEffectClrLst/>
+  </dgm:styleLbl>
+  <dgm:styleLbl name="callout">
+    <dgm:fillClrLst meth="repeat">
+      <a:schemeClr val="accent5"/>
+    </dgm:fillClrLst>
+    <dgm:linClrLst meth="repeat">
+      <a:schemeClr val="accent5">
+        <a:tint val="50000"/>
+      </a:schemeClr>
+    </dgm:linClrLst>
+    <dgm:effectClrLst/>
+    <dgm:txLinClrLst/>
+    <dgm:txFillClrLst meth="repeat">
+      <a:schemeClr val="tx1"/>
+    </dgm:txFillClrLst>
+    <dgm:txEffectClrLst/>
+  </dgm:styleLbl>
+  <dgm:styleLbl name="asst0">
+    <dgm:fillClrLst meth="repeat">
+      <a:schemeClr val="accent5"/>
+    </dgm:fillClrLst>
+    <dgm:linClrLst meth="repeat">
+      <a:schemeClr val="lt1">
+        <a:shade val="80000"/>
+      </a:schemeClr>
+    </dgm:linClrLst>
+    <dgm:effectClrLst/>
+    <dgm:txLinClrLst/>
+    <dgm:txFillClrLst/>
+    <dgm:txEffectClrLst/>
+  </dgm:styleLbl>
+  <dgm:styleLbl name="asst1">
+    <dgm:fillClrLst meth="repeat">
+      <a:schemeClr val="accent6"/>
+    </dgm:fillClrLst>
+    <dgm:linClrLst meth="repeat">
+      <a:schemeClr val="lt1">
+        <a:shade val="80000"/>
+      </a:schemeClr>
+    </dgm:linClrLst>
+    <dgm:effectClrLst/>
+    <dgm:txLinClrLst/>
+    <dgm:txFillClrLst/>
+    <dgm:txEffectClrLst/>
+  </dgm:styleLbl>
+  <dgm:styleLbl name="asst2">
+    <dgm:fillClrLst>
+      <a:schemeClr val="accent1"/>
+    </dgm:fillClrLst>
+    <dgm:linClrLst meth="repeat">
+      <a:schemeClr val="lt1"/>
+    </dgm:linClrLst>
+    <dgm:effectClrLst/>
+    <dgm:txLinClrLst/>
+    <dgm:txFillClrLst/>
+    <dgm:txEffectClrLst/>
+  </dgm:styleLbl>
+  <dgm:styleLbl name="asst3">
+    <dgm:fillClrLst>
+      <a:schemeClr val="accent2"/>
+    </dgm:fillClrLst>
+    <dgm:linClrLst meth="repeat">
+      <a:schemeClr val="lt1"/>
+    </dgm:linClrLst>
+    <dgm:effectClrLst/>
+    <dgm:txLinClrLst/>
+    <dgm:txFillClrLst/>
+    <dgm:txEffectClrLst/>
+  </dgm:styleLbl>
+  <dgm:styleLbl name="asst4">
+    <dgm:fillClrLst>
+      <a:schemeClr val="accent3"/>
+    </dgm:fillClrLst>
+    <dgm:linClrLst meth="repeat">
+      <a:schemeClr val="lt1"/>
+    </dgm:linClrLst>
+    <dgm:effectClrLst/>
+    <dgm:txLinClrLst/>
+    <dgm:txFillClrLst/>
+    <dgm:txEffectClrLst/>
+  </dgm:styleLbl>
+  <dgm:styleLbl name="parChTrans2D1">
+    <dgm:fillClrLst meth="repeat">
+      <a:schemeClr val="accent5"/>
+    </dgm:fillClrLst>
+    <dgm:linClrLst meth="repeat">
+      <a:schemeClr val="lt1"/>
+    </dgm:linClrLst>
+    <dgm:effectClrLst/>
+    <dgm:txLinClrLst/>
+    <dgm:txFillClrLst meth="repeat">
+      <a:schemeClr val="lt1"/>
+    </dgm:txFillClrLst>
+    <dgm:txEffectClrLst/>
+  </dgm:styleLbl>
+  <dgm:styleLbl name="parChTrans2D2">
+    <dgm:fillClrLst meth="repeat">
+      <a:schemeClr val="accent6"/>
+    </dgm:fillClrLst>
+    <dgm:linClrLst meth="repeat">
+      <a:schemeClr val="lt1"/>
+    </dgm:linClrLst>
+    <dgm:effectClrLst/>
+    <dgm:txLinClrLst/>
+    <dgm:txFillClrLst/>
+    <dgm:txEffectClrLst/>
+  </dgm:styleLbl>
+  <dgm:styleLbl name="parChTrans2D3">
+    <dgm:fillClrLst meth="repeat">
+      <a:schemeClr val="accent6"/>
+    </dgm:fillClrLst>
+    <dgm:linClrLst meth="repeat">
+      <a:schemeClr val="lt1"/>
+    </dgm:linClrLst>
+    <dgm:effectClrLst/>
+    <dgm:txLinClrLst/>
+    <dgm:txFillClrLst/>
+    <dgm:txEffectClrLst/>
+  </dgm:styleLbl>
+  <dgm:styleLbl name="parChTrans2D4">
+    <dgm:fillClrLst meth="repeat">
+      <a:schemeClr val="accent1"/>
+    </dgm:fillClrLst>
+    <dgm:linClrLst meth="repeat">
+      <a:schemeClr val="lt1"/>
+    </dgm:linClrLst>
+    <dgm:effectClrLst/>
+    <dgm:txLinClrLst/>
+    <dgm:txFillClrLst meth="repeat">
+      <a:schemeClr val="lt1"/>
+    </dgm:txFillClrLst>
+    <dgm:txEffectClrLst/>
+  </dgm:styleLbl>
+  <dgm:styleLbl name="parChTrans1D1">
+    <dgm:fillClrLst meth="repeat">
+      <a:schemeClr val="accent5"/>
+    </dgm:fillClrLst>
+    <dgm:linClrLst meth="repeat">
+      <a:schemeClr val="accent5"/>
+    </dgm:linClrLst>
+    <dgm:effectClrLst/>
+    <dgm:txLinClrLst/>
+    <dgm:txFillClrLst meth="repeat">
+      <a:schemeClr val="tx1"/>
+    </dgm:txFillClrLst>
+    <dgm:txEffectClrLst/>
+  </dgm:styleLbl>
+  <dgm:styleLbl name="parChTrans1D2">
+    <dgm:fillClrLst meth="repeat">
+      <a:schemeClr val="accent6">
+        <a:tint val="90000"/>
+      </a:schemeClr>
+    </dgm:fillClrLst>
+    <dgm:linClrLst meth="repeat">
+      <a:schemeClr val="accent6"/>
+    </dgm:linClrLst>
+    <dgm:effectClrLst/>
+    <dgm:txLinClrLst/>
+    <dgm:txFillClrLst meth="repeat">
+      <a:schemeClr val="tx1"/>
+    </dgm:txFillClrLst>
+    <dgm:txEffectClrLst/>
+  </dgm:styleLbl>
+  <dgm:styleLbl name="parChTrans1D3">
+    <dgm:fillClrLst meth="repeat">
+      <a:schemeClr val="accent6">
+        <a:tint val="70000"/>
+      </a:schemeClr>
+    </dgm:fillClrLst>
+    <dgm:linClrLst meth="repeat">
+      <a:schemeClr val="accent1"/>
+    </dgm:linClrLst>
+    <dgm:effectClrLst/>
+    <dgm:txLinClrLst/>
+    <dgm:txFillClrLst meth="repeat">
+      <a:schemeClr val="tx1"/>
+    </dgm:txFillClrLst>
+    <dgm:txEffectClrLst/>
+  </dgm:styleLbl>
+  <dgm:styleLbl name="parChTrans1D4">
+    <dgm:fillClrLst meth="repeat">
+      <a:schemeClr val="accent6">
+        <a:tint val="50000"/>
+      </a:schemeClr>
+    </dgm:fillClrLst>
+    <dgm:linClrLst meth="repeat">
+      <a:schemeClr val="accent2"/>
+    </dgm:linClrLst>
+    <dgm:effectClrLst/>
+    <dgm:txLinClrLst/>
+    <dgm:txFillClrLst meth="repeat">
+      <a:schemeClr val="tx1"/>
+    </dgm:txFillClrLst>
+    <dgm:txEffectClrLst/>
+  </dgm:styleLbl>
+  <dgm:styleLbl name="fgAcc1">
+    <dgm:fillClrLst meth="repeat">
+      <a:schemeClr val="lt1">
+        <a:alpha val="90000"/>
+      </a:schemeClr>
+    </dgm:fillClrLst>
+    <dgm:linClrLst>
+      <a:schemeClr val="accent5"/>
+      <a:schemeClr val="accent6"/>
+    </dgm:linClrLst>
+    <dgm:effectClrLst/>
+    <dgm:txLinClrLst/>
+    <dgm:txFillClrLst meth="repeat">
+      <a:schemeClr val="dk1"/>
+    </dgm:txFillClrLst>
+    <dgm:txEffectClrLst/>
+  </dgm:styleLbl>
+  <dgm:styleLbl name="conFgAcc1">
+    <dgm:fillClrLst meth="repeat">
+      <a:schemeClr val="lt1">
+        <a:alpha val="90000"/>
+      </a:schemeClr>
+    </dgm:fillClrLst>
+    <dgm:linClrLst>
+      <a:schemeClr val="accent5"/>
+      <a:schemeClr val="accent6"/>
+    </dgm:linClrLst>
+    <dgm:effectClrLst/>
+    <dgm:txLinClrLst/>
+    <dgm:txFillClrLst meth="repeat">
+      <a:schemeClr val="dk1"/>
+    </dgm:txFillClrLst>
+    <dgm:txEffectClrLst/>
+  </dgm:styleLbl>
+  <dgm:styleLbl name="alignAcc1">
+    <dgm:fillClrLst meth="repeat">
+      <a:schemeClr val="lt1">
+        <a:alpha val="90000"/>
+      </a:schemeClr>
+    </dgm:fillClrLst>
+    <dgm:linClrLst>
+      <a:schemeClr val="accent5"/>
+      <a:schemeClr val="accent6"/>
+    </dgm:linClrLst>
+    <dgm:effectClrLst/>
+    <dgm:txLinClrLst/>
+    <dgm:txFillClrLst meth="repeat">
+      <a:schemeClr val="dk1"/>
+    </dgm:txFillClrLst>
+    <dgm:txEffectClrLst/>
+  </dgm:styleLbl>
+  <dgm:styleLbl name="trAlignAcc1">
+    <dgm:fillClrLst meth="repeat">
+      <a:schemeClr val="lt1">
+        <a:alpha val="40000"/>
+      </a:schemeClr>
+    </dgm:fillClrLst>
+    <dgm:linClrLst meth="repeat">
+      <a:schemeClr val="accent5"/>
+    </dgm:linClrLst>
+    <dgm:effectClrLst/>
+    <dgm:txLinClrLst/>
+    <dgm:txFillClrLst meth="repeat">
+      <a:schemeClr val="dk1"/>
+    </dgm:txFillClrLst>
+    <dgm:txEffectClrLst/>
+  </dgm:styleLbl>
+  <dgm:styleLbl name="bgAcc1">
+    <dgm:fillClrLst meth="repeat">
+      <a:schemeClr val="lt1">
+        <a:alpha val="90000"/>
+      </a:schemeClr>
+    </dgm:fillClrLst>
+    <dgm:linClrLst>
+      <a:schemeClr val="accent5"/>
+      <a:schemeClr val="accent6"/>
+    </dgm:linClrLst>
+    <dgm:effectClrLst/>
+    <dgm:txLinClrLst/>
+    <dgm:txFillClrLst meth="repeat">
+      <a:schemeClr val="dk1"/>
+    </dgm:txFillClrLst>
+    <dgm:txEffectClrLst/>
+  </dgm:styleLbl>
+  <dgm:styleLbl name="solidFgAcc1">
+    <dgm:fillClrLst meth="repeat">
+      <a:schemeClr val="lt1"/>
+    </dgm:fillClrLst>
+    <dgm:linClrLst>
+      <a:schemeClr val="accent5"/>
+      <a:schemeClr val="accent6"/>
+    </dgm:linClrLst>
+    <dgm:effectClrLst/>
+    <dgm:txLinClrLst/>
+    <dgm:txFillClrLst meth="repeat">
+      <a:schemeClr val="dk1"/>
+    </dgm:txFillClrLst>
+    <dgm:txEffectClrLst/>
+  </dgm:styleLbl>
+  <dgm:styleLbl name="solidAlignAcc1">
+    <dgm:fillClrLst meth="repeat">
+      <a:schemeClr val="lt1"/>
+    </dgm:fillClrLst>
+    <dgm:linClrLst>
+      <a:schemeClr val="accent5"/>
+      <a:schemeClr val="accent6"/>
+    </dgm:linClrLst>
+    <dgm:effectClrLst/>
+    <dgm:txLinClrLst/>
+    <dgm:txFillClrLst meth="repeat">
+      <a:schemeClr val="dk1"/>
+    </dgm:txFillClrLst>
+    <dgm:txEffectClrLst/>
+  </dgm:styleLbl>
+  <dgm:styleLbl name="solidBgAcc1">
+    <dgm:fillClrLst meth="repeat">
+      <a:schemeClr val="lt1"/>
+    </dgm:fillClrLst>
+    <dgm:linClrLst>
+      <a:schemeClr val="accent5"/>
+      <a:schemeClr val="accent6"/>
+    </dgm:linClrLst>
+    <dgm:effectClrLst/>
+    <dgm:txLinClrLst/>
+    <dgm:txFillClrLst meth="repeat">
+      <a:schemeClr val="dk1"/>
+    </dgm:txFillClrLst>
+    <dgm:txEffectClrLst/>
+  </dgm:styleLbl>
+  <dgm:styleLbl name="fgAccFollowNode1">
+    <dgm:fillClrLst>
+      <a:schemeClr val="accent5">
+        <a:tint val="40000"/>
+        <a:alpha val="90000"/>
+      </a:schemeClr>
+      <a:schemeClr val="accent6">
+        <a:tint val="40000"/>
+        <a:alpha val="90000"/>
+      </a:schemeClr>
+    </dgm:fillClrLst>
+    <dgm:linClrLst>
+      <a:schemeClr val="accent5">
+        <a:tint val="40000"/>
+        <a:alpha val="90000"/>
+      </a:schemeClr>
+      <a:schemeClr val="accent5">
+        <a:tint val="40000"/>
+        <a:alpha val="90000"/>
+      </a:schemeClr>
+    </dgm:linClrLst>
+    <dgm:effectClrLst/>
+    <dgm:txLinClrLst/>
+    <dgm:txFillClrLst meth="repeat">
+      <a:schemeClr val="dk1"/>
+    </dgm:txFillClrLst>
+    <dgm:txEffectClrLst/>
+  </dgm:styleLbl>
+  <dgm:styleLbl name="alignAccFollowNode1">
+    <dgm:fillClrLst>
+      <a:schemeClr val="accent5">
+        <a:tint val="40000"/>
+        <a:alpha val="90000"/>
+      </a:schemeClr>
+      <a:schemeClr val="accent6">
+        <a:tint val="40000"/>
+        <a:alpha val="90000"/>
+      </a:schemeClr>
+    </dgm:fillClrLst>
+    <dgm:linClrLst>
+      <a:schemeClr val="accent5">
+        <a:tint val="40000"/>
+        <a:alpha val="90000"/>
+      </a:schemeClr>
+      <a:schemeClr val="accent6">
+        <a:tint val="40000"/>
+        <a:alpha val="90000"/>
+      </a:schemeClr>
+    </dgm:linClrLst>
+    <dgm:effectClrLst/>
+    <dgm:txLinClrLst/>
+    <dgm:txFillClrLst meth="repeat">
+      <a:schemeClr val="dk1"/>
+    </dgm:txFillClrLst>
+    <dgm:txEffectClrLst/>
+  </dgm:styleLbl>
+  <dgm:styleLbl name="bgAccFollowNode1">
+    <dgm:fillClrLst>
+      <a:schemeClr val="accent5">
+        <a:tint val="40000"/>
+        <a:alpha val="90000"/>
+      </a:schemeClr>
+      <a:schemeClr val="accent6">
+        <a:tint val="40000"/>
+        <a:alpha val="90000"/>
+      </a:schemeClr>
+    </dgm:fillClrLst>
+    <dgm:linClrLst>
+      <a:schemeClr val="accent5">
+        <a:tint val="40000"/>
+        <a:alpha val="90000"/>
+      </a:schemeClr>
+      <a:schemeClr val="accent6">
+        <a:tint val="40000"/>
+        <a:alpha val="90000"/>
+      </a:schemeClr>
+    </dgm:linClrLst>
+    <dgm:effectClrLst/>
+    <dgm:txLinClrLst/>
+    <dgm:txFillClrLst meth="repeat">
+      <a:schemeClr val="dk1"/>
+    </dgm:txFillClrLst>
+    <dgm:txEffectClrLst/>
+  </dgm:styleLbl>
+  <dgm:styleLbl name="fgAcc0">
+    <dgm:fillClrLst meth="repeat">
+      <a:schemeClr val="lt1">
+        <a:alpha val="90000"/>
+      </a:schemeClr>
+    </dgm:fillClrLst>
+    <dgm:linClrLst>
+      <a:schemeClr val="accent4"/>
+    </dgm:linClrLst>
+    <dgm:effectClrLst/>
+    <dgm:txLinClrLst/>
+    <dgm:txFillClrLst meth="repeat">
+      <a:schemeClr val="dk1"/>
+    </dgm:txFillClrLst>
+    <dgm:txEffectClrLst/>
+  </dgm:styleLbl>
+  <dgm:styleLbl name="fgAcc2">
+    <dgm:fillClrLst meth="repeat">
+      <a:schemeClr val="lt1">
+        <a:alpha val="90000"/>
+      </a:schemeClr>
+    </dgm:fillClrLst>
+    <dgm:linClrLst>
+      <a:schemeClr val="accent6"/>
+    </dgm:linClrLst>
+    <dgm:effectClrLst/>
+    <dgm:txLinClrLst/>
+    <dgm:txFillClrLst meth="repeat">
+      <a:schemeClr val="dk1"/>
+    </dgm:txFillClrLst>
+    <dgm:txEffectClrLst/>
+  </dgm:styleLbl>
+  <dgm:styleLbl name="fgAcc3">
+    <dgm:fillClrLst meth="repeat">
+      <a:schemeClr val="lt1">
+        <a:alpha val="90000"/>
+      </a:schemeClr>
+    </dgm:fillClrLst>
+    <dgm:linClrLst>
+      <a:schemeClr val="accent1"/>
+    </dgm:linClrLst>
+    <dgm:effectClrLst/>
+    <dgm:txLinClrLst/>
+    <dgm:txFillClrLst meth="repeat">
+      <a:schemeClr val="dk1"/>
+    </dgm:txFillClrLst>
+    <dgm:txEffectClrLst/>
+  </dgm:styleLbl>
+  <dgm:styleLbl name="fgAcc4">
+    <dgm:fillClrLst meth="repeat">
+      <a:schemeClr val="lt1">
+        <a:alpha val="90000"/>
+      </a:schemeClr>
+    </dgm:fillClrLst>
+    <dgm:linClrLst>
+      <a:schemeClr val="accent2"/>
+    </dgm:linClrLst>
+    <dgm:effectClrLst/>
+    <dgm:txLinClrLst/>
+    <dgm:txFillClrLst meth="repeat">
+      <a:schemeClr val="dk1"/>
+    </dgm:txFillClrLst>
+    <dgm:txEffectClrLst/>
+  </dgm:styleLbl>
+  <dgm:styleLbl name="bgShp">
+    <dgm:fillClrLst meth="repeat">
+      <a:schemeClr val="accent5">
+        <a:tint val="40000"/>
+      </a:schemeClr>
+    </dgm:fillClrLst>
+    <dgm:linClrLst meth="repeat">
+      <a:schemeClr val="dk1"/>
+    </dgm:linClrLst>
+    <dgm:effectClrLst/>
+    <dgm:txLinClrLst/>
+    <dgm:txFillClrLst meth="repeat">
+      <a:schemeClr val="dk1"/>
+    </dgm:txFillClrLst>
+    <dgm:txEffectClrLst/>
+  </dgm:styleLbl>
+  <dgm:styleLbl name="dkBgShp">
+    <dgm:fillClrLst meth="repeat">
+      <a:schemeClr val="accent5">
+        <a:shade val="90000"/>
+      </a:schemeClr>
+    </dgm:fillClrLst>
+    <dgm:linClrLst meth="repeat">
+      <a:schemeClr val="dk1"/>
+    </dgm:linClrLst>
+    <dgm:effectClrLst/>
+    <dgm:txLinClrLst/>
+    <dgm:txFillClrLst meth="repeat">
+      <a:schemeClr val="lt1"/>
+    </dgm:txFillClrLst>
+    <dgm:txEffectClrLst/>
+  </dgm:styleLbl>
+  <dgm:styleLbl name="trBgShp">
+    <dgm:fillClrLst meth="repeat">
+      <a:schemeClr val="accent5">
+        <a:tint val="50000"/>
+        <a:alpha val="40000"/>
+      </a:schemeClr>
+    </dgm:fillClrLst>
+    <dgm:linClrLst meth="repeat">
+      <a:schemeClr val="accent5"/>
+    </dgm:linClrLst>
+    <dgm:effectClrLst/>
+    <dgm:txLinClrLst/>
+    <dgm:txFillClrLst meth="repeat">
+      <a:schemeClr val="lt1"/>
+    </dgm:txFillClrLst>
+    <dgm:txEffectClrLst/>
+  </dgm:styleLbl>
+  <dgm:styleLbl name="fgShp">
+    <dgm:fillClrLst meth="repeat">
+      <a:schemeClr val="accent5">
+        <a:tint val="40000"/>
+      </a:schemeClr>
+    </dgm:fillClrLst>
+    <dgm:linClrLst meth="repeat">
+      <a:schemeClr val="lt1"/>
+    </dgm:linClrLst>
+    <dgm:effectClrLst/>
+    <dgm:txLinClrLst/>
+    <dgm:txFillClrLst meth="repeat">
+      <a:schemeClr val="dk1"/>
+    </dgm:txFillClrLst>
+    <dgm:txEffectClrLst/>
+  </dgm:styleLbl>
+  <dgm:styleLbl name="revTx">
+    <dgm:fillClrLst meth="repeat">
+      <a:schemeClr val="lt1">
+        <a:alpha val="0"/>
+      </a:schemeClr>
+    </dgm:fillClrLst>
+    <dgm:linClrLst meth="repeat">
+      <a:schemeClr val="dk1">
+        <a:alpha val="0"/>
+      </a:schemeClr>
+    </dgm:linClrLst>
+    <dgm:effectClrLst/>
+    <dgm:txLinClrLst/>
+    <dgm:txFillClrLst meth="repeat">
+      <a:schemeClr val="tx1"/>
+    </dgm:txFillClrLst>
+    <dgm:txEffectClrLst/>
+  </dgm:styleLbl>
+</dgm:colorsDef>
+</file>
+
+<file path=ppt/diagrams/data1.xml><?xml version="1.0" encoding="utf-8"?>
+<dgm:dataModel xmlns:dgm="http://schemas.openxmlformats.org/drawingml/2006/diagram" xmlns:a="http://schemas.openxmlformats.org/drawingml/2006/main">
+  <dgm:ptLst>
+    <dgm:pt modelId="{21FE30F6-EED4-40C9-9C2D-858AE46976A9}" type="doc">
+      <dgm:prSet loTypeId="urn:microsoft.com/office/officeart/2016/7/layout/LinearBlockProcessNumbered" loCatId="process" qsTypeId="urn:microsoft.com/office/officeart/2005/8/quickstyle/simple1" qsCatId="simple" csTypeId="urn:microsoft.com/office/officeart/2005/8/colors/colorful5" csCatId="colorful" phldr="1"/>
+      <dgm:spPr/>
+      <dgm:t>
+        <a:bodyPr/>
+        <a:lstStyle/>
+        <a:p>
+          <a:endParaRPr lang="en-US"/>
+        </a:p>
+      </dgm:t>
+    </dgm:pt>
+    <dgm:pt modelId="{BBB06C8F-E8ED-40B4-8F13-4CC7EB6D63E8}">
+      <dgm:prSet custT="1"/>
+      <dgm:spPr/>
+      <dgm:t>
+        <a:bodyPr/>
+        <a:lstStyle/>
+        <a:p>
+          <a:r>
+            <a:rPr lang="es-AR" sz="2000" dirty="0"/>
+            <a:t>Brindar información a los niveles gerenciales</a:t>
+          </a:r>
+          <a:endParaRPr lang="en-US" sz="2000" dirty="0"/>
+        </a:p>
+      </dgm:t>
+    </dgm:pt>
+    <dgm:pt modelId="{08D03523-AF4B-4860-BA79-E377B2BAD7EA}" type="parTrans" cxnId="{1E690C20-E425-4F47-95FD-965A047E3161}">
+      <dgm:prSet/>
+      <dgm:spPr/>
+      <dgm:t>
+        <a:bodyPr/>
+        <a:lstStyle/>
+        <a:p>
+          <a:endParaRPr lang="en-US" sz="2000"/>
+        </a:p>
+      </dgm:t>
+    </dgm:pt>
+    <dgm:pt modelId="{D1DBF331-0AC7-4D87-B557-490CEB7A8DE5}" type="sibTrans" cxnId="{1E690C20-E425-4F47-95FD-965A047E3161}">
+      <dgm:prSet phldrT="01" custT="1"/>
+      <dgm:spPr/>
+      <dgm:t>
+        <a:bodyPr/>
+        <a:lstStyle/>
+        <a:p>
+          <a:endParaRPr lang="en-US" sz="2000"/>
+        </a:p>
+      </dgm:t>
+    </dgm:pt>
+    <dgm:pt modelId="{41FD6B3A-3EF6-4818-B49F-3B0F8130C76F}">
+      <dgm:prSet custT="1"/>
+      <dgm:spPr/>
+      <dgm:t>
+        <a:bodyPr/>
+        <a:lstStyle/>
+        <a:p>
+          <a:r>
+            <a:rPr lang="es-AR" sz="2000" dirty="0"/>
+            <a:t>Reducir el tiempo de espera de los llamados</a:t>
+          </a:r>
+          <a:endParaRPr lang="en-US" sz="2000" dirty="0"/>
+        </a:p>
+      </dgm:t>
+    </dgm:pt>
+    <dgm:pt modelId="{0B404EE5-ED84-4A53-AA88-ECD63F24B9BC}" type="parTrans" cxnId="{4829290C-E2D9-40F3-A5C0-F2218FCE1AF9}">
+      <dgm:prSet/>
+      <dgm:spPr/>
+      <dgm:t>
+        <a:bodyPr/>
+        <a:lstStyle/>
+        <a:p>
+          <a:endParaRPr lang="en-US" sz="2000"/>
+        </a:p>
+      </dgm:t>
+    </dgm:pt>
+    <dgm:pt modelId="{A6EF63CB-8D82-42D3-95CF-F9AFF1C668BA}" type="sibTrans" cxnId="{4829290C-E2D9-40F3-A5C0-F2218FCE1AF9}">
+      <dgm:prSet phldrT="02" custT="1"/>
+      <dgm:spPr/>
+      <dgm:t>
+        <a:bodyPr/>
+        <a:lstStyle/>
+        <a:p>
+          <a:endParaRPr lang="en-US" sz="2000"/>
+        </a:p>
+      </dgm:t>
+    </dgm:pt>
+    <dgm:pt modelId="{D9E2DE66-AFD9-4183-AA76-06083A101168}">
+      <dgm:prSet custT="1"/>
+      <dgm:spPr/>
+      <dgm:t>
+        <a:bodyPr/>
+        <a:lstStyle/>
+        <a:p>
+          <a:r>
+            <a:rPr lang="es-AR" sz="2000" dirty="0"/>
+            <a:t>Reducir el tiempo ocioso de los Operadores</a:t>
+          </a:r>
+          <a:endParaRPr lang="en-US" sz="2000" dirty="0"/>
+        </a:p>
+      </dgm:t>
+    </dgm:pt>
+    <dgm:pt modelId="{4295604B-1B18-499E-A69F-6B1BB3C8B693}" type="parTrans" cxnId="{0E0287F8-9EEA-4EEC-83D1-611B73A772F1}">
+      <dgm:prSet/>
+      <dgm:spPr/>
+      <dgm:t>
+        <a:bodyPr/>
+        <a:lstStyle/>
+        <a:p>
+          <a:endParaRPr lang="en-US" sz="2000"/>
+        </a:p>
+      </dgm:t>
+    </dgm:pt>
+    <dgm:pt modelId="{BFB757BF-80A3-47B0-A125-AE9ACF66F784}" type="sibTrans" cxnId="{0E0287F8-9EEA-4EEC-83D1-611B73A772F1}">
+      <dgm:prSet phldrT="03" custT="1"/>
+      <dgm:spPr/>
+      <dgm:t>
+        <a:bodyPr/>
+        <a:lstStyle/>
+        <a:p>
+          <a:endParaRPr lang="en-US" sz="2000"/>
+        </a:p>
+      </dgm:t>
+    </dgm:pt>
+    <dgm:pt modelId="{CA877EA4-F6D0-401D-9A86-7340AAFBA362}">
+      <dgm:prSet custT="1"/>
+      <dgm:spPr/>
+      <dgm:t>
+        <a:bodyPr/>
+        <a:lstStyle/>
+        <a:p>
+          <a:r>
+            <a:rPr lang="es-AR" sz="2000" dirty="0"/>
+            <a:t>Contratar la menor cantidad de Operadores</a:t>
+          </a:r>
+          <a:endParaRPr lang="en-US" sz="2000" dirty="0"/>
+        </a:p>
+      </dgm:t>
+    </dgm:pt>
+    <dgm:pt modelId="{12E92071-F5EC-465A-9678-2785AD7A5666}" type="parTrans" cxnId="{FF987A65-990A-4550-810D-E668496DB799}">
+      <dgm:prSet/>
+      <dgm:spPr/>
+      <dgm:t>
+        <a:bodyPr/>
+        <a:lstStyle/>
+        <a:p>
+          <a:endParaRPr lang="en-US" sz="2000"/>
+        </a:p>
+      </dgm:t>
+    </dgm:pt>
+    <dgm:pt modelId="{6E2C5268-C9B3-4905-BDA0-AD490F509366}" type="sibTrans" cxnId="{FF987A65-990A-4550-810D-E668496DB799}">
+      <dgm:prSet phldrT="04" custT="1"/>
+      <dgm:spPr/>
+      <dgm:t>
+        <a:bodyPr/>
+        <a:lstStyle/>
+        <a:p>
+          <a:endParaRPr lang="en-US" sz="2000"/>
+        </a:p>
+      </dgm:t>
+    </dgm:pt>
+    <dgm:pt modelId="{65799A87-9B45-4CC5-B4BF-125ED71BF0D3}" type="pres">
+      <dgm:prSet presAssocID="{21FE30F6-EED4-40C9-9C2D-858AE46976A9}" presName="Name0" presStyleCnt="0">
+        <dgm:presLayoutVars>
+          <dgm:animLvl val="lvl"/>
+          <dgm:resizeHandles val="exact"/>
+        </dgm:presLayoutVars>
+      </dgm:prSet>
+      <dgm:spPr/>
+    </dgm:pt>
+    <dgm:pt modelId="{D8E33CA1-CCDF-4C3C-92DD-FBA31E116F65}" type="pres">
+      <dgm:prSet presAssocID="{BBB06C8F-E8ED-40B4-8F13-4CC7EB6D63E8}" presName="compositeNode" presStyleCnt="0">
+        <dgm:presLayoutVars>
+          <dgm:bulletEnabled val="1"/>
+        </dgm:presLayoutVars>
+      </dgm:prSet>
+      <dgm:spPr/>
+    </dgm:pt>
+    <dgm:pt modelId="{8E7E9C74-B3AB-45E9-A991-40135130A03F}" type="pres">
+      <dgm:prSet presAssocID="{BBB06C8F-E8ED-40B4-8F13-4CC7EB6D63E8}" presName="bgRect" presStyleLbl="alignNode1" presStyleIdx="0" presStyleCnt="4"/>
+      <dgm:spPr/>
+    </dgm:pt>
+    <dgm:pt modelId="{65A50992-64FB-4EEF-9432-71F40A87DC3A}" type="pres">
+      <dgm:prSet presAssocID="{D1DBF331-0AC7-4D87-B557-490CEB7A8DE5}" presName="sibTransNodeRect" presStyleLbl="alignNode1" presStyleIdx="0" presStyleCnt="4">
+        <dgm:presLayoutVars>
+          <dgm:chMax val="0"/>
+          <dgm:bulletEnabled val="1"/>
+        </dgm:presLayoutVars>
+      </dgm:prSet>
+      <dgm:spPr/>
+    </dgm:pt>
+    <dgm:pt modelId="{34366F6F-8981-4435-AE4A-2CD5C4B2881B}" type="pres">
+      <dgm:prSet presAssocID="{BBB06C8F-E8ED-40B4-8F13-4CC7EB6D63E8}" presName="nodeRect" presStyleLbl="alignNode1" presStyleIdx="0" presStyleCnt="4">
+        <dgm:presLayoutVars>
+          <dgm:bulletEnabled val="1"/>
+        </dgm:presLayoutVars>
+      </dgm:prSet>
+      <dgm:spPr/>
+    </dgm:pt>
+    <dgm:pt modelId="{841D5B65-6A4C-4A6F-87D0-1EE0F60A44BA}" type="pres">
+      <dgm:prSet presAssocID="{D1DBF331-0AC7-4D87-B557-490CEB7A8DE5}" presName="sibTrans" presStyleCnt="0"/>
+      <dgm:spPr/>
+    </dgm:pt>
+    <dgm:pt modelId="{3EF8C2E7-1880-4274-92B8-1B27C8D90432}" type="pres">
+      <dgm:prSet presAssocID="{41FD6B3A-3EF6-4818-B49F-3B0F8130C76F}" presName="compositeNode" presStyleCnt="0">
+        <dgm:presLayoutVars>
+          <dgm:bulletEnabled val="1"/>
+        </dgm:presLayoutVars>
+      </dgm:prSet>
+      <dgm:spPr/>
+    </dgm:pt>
+    <dgm:pt modelId="{433F3CC7-6513-4910-9F99-ADC51A38CF2B}" type="pres">
+      <dgm:prSet presAssocID="{41FD6B3A-3EF6-4818-B49F-3B0F8130C76F}" presName="bgRect" presStyleLbl="alignNode1" presStyleIdx="1" presStyleCnt="4"/>
+      <dgm:spPr/>
+    </dgm:pt>
+    <dgm:pt modelId="{502EDFF9-FBCC-4C31-9720-9AF174A3E27A}" type="pres">
+      <dgm:prSet presAssocID="{A6EF63CB-8D82-42D3-95CF-F9AFF1C668BA}" presName="sibTransNodeRect" presStyleLbl="alignNode1" presStyleIdx="1" presStyleCnt="4">
+        <dgm:presLayoutVars>
+          <dgm:chMax val="0"/>
+          <dgm:bulletEnabled val="1"/>
+        </dgm:presLayoutVars>
+      </dgm:prSet>
+      <dgm:spPr/>
+    </dgm:pt>
+    <dgm:pt modelId="{833AD9AE-640B-4257-9673-5E8AAC1426BD}" type="pres">
+      <dgm:prSet presAssocID="{41FD6B3A-3EF6-4818-B49F-3B0F8130C76F}" presName="nodeRect" presStyleLbl="alignNode1" presStyleIdx="1" presStyleCnt="4">
+        <dgm:presLayoutVars>
+          <dgm:bulletEnabled val="1"/>
+        </dgm:presLayoutVars>
+      </dgm:prSet>
+      <dgm:spPr/>
+    </dgm:pt>
+    <dgm:pt modelId="{D98D2368-8A79-4F81-9384-D3CD89DB0991}" type="pres">
+      <dgm:prSet presAssocID="{A6EF63CB-8D82-42D3-95CF-F9AFF1C668BA}" presName="sibTrans" presStyleCnt="0"/>
+      <dgm:spPr/>
+    </dgm:pt>
+    <dgm:pt modelId="{1147FE0A-4850-49AA-A46D-F0F9189CDC47}" type="pres">
+      <dgm:prSet presAssocID="{D9E2DE66-AFD9-4183-AA76-06083A101168}" presName="compositeNode" presStyleCnt="0">
+        <dgm:presLayoutVars>
+          <dgm:bulletEnabled val="1"/>
+        </dgm:presLayoutVars>
+      </dgm:prSet>
+      <dgm:spPr/>
+    </dgm:pt>
+    <dgm:pt modelId="{8A8B7A71-9A01-4C1A-9663-F23EB1E8A092}" type="pres">
+      <dgm:prSet presAssocID="{D9E2DE66-AFD9-4183-AA76-06083A101168}" presName="bgRect" presStyleLbl="alignNode1" presStyleIdx="2" presStyleCnt="4"/>
+      <dgm:spPr/>
+    </dgm:pt>
+    <dgm:pt modelId="{0B2D323B-5F64-4B3A-AC15-D3DC2BC7124C}" type="pres">
+      <dgm:prSet presAssocID="{BFB757BF-80A3-47B0-A125-AE9ACF66F784}" presName="sibTransNodeRect" presStyleLbl="alignNode1" presStyleIdx="2" presStyleCnt="4">
+        <dgm:presLayoutVars>
+          <dgm:chMax val="0"/>
+          <dgm:bulletEnabled val="1"/>
+        </dgm:presLayoutVars>
+      </dgm:prSet>
+      <dgm:spPr/>
+    </dgm:pt>
+    <dgm:pt modelId="{143E65D1-7E89-4D49-843C-1F5CF3AC57E7}" type="pres">
+      <dgm:prSet presAssocID="{D9E2DE66-AFD9-4183-AA76-06083A101168}" presName="nodeRect" presStyleLbl="alignNode1" presStyleIdx="2" presStyleCnt="4">
+        <dgm:presLayoutVars>
+          <dgm:bulletEnabled val="1"/>
+        </dgm:presLayoutVars>
+      </dgm:prSet>
+      <dgm:spPr/>
+    </dgm:pt>
+    <dgm:pt modelId="{16CEF422-BBA0-4270-A1C7-1749736A1D6F}" type="pres">
+      <dgm:prSet presAssocID="{BFB757BF-80A3-47B0-A125-AE9ACF66F784}" presName="sibTrans" presStyleCnt="0"/>
+      <dgm:spPr/>
+    </dgm:pt>
+    <dgm:pt modelId="{32A4F4C8-2408-49FB-B697-6B2050C29543}" type="pres">
+      <dgm:prSet presAssocID="{CA877EA4-F6D0-401D-9A86-7340AAFBA362}" presName="compositeNode" presStyleCnt="0">
+        <dgm:presLayoutVars>
+          <dgm:bulletEnabled val="1"/>
+        </dgm:presLayoutVars>
+      </dgm:prSet>
+      <dgm:spPr/>
+    </dgm:pt>
+    <dgm:pt modelId="{3614FA8F-1114-48EF-881F-6B8B32E3ED67}" type="pres">
+      <dgm:prSet presAssocID="{CA877EA4-F6D0-401D-9A86-7340AAFBA362}" presName="bgRect" presStyleLbl="alignNode1" presStyleIdx="3" presStyleCnt="4"/>
+      <dgm:spPr/>
+    </dgm:pt>
+    <dgm:pt modelId="{239DEE0D-8A3B-493D-A2EA-EA4A0020ABF2}" type="pres">
+      <dgm:prSet presAssocID="{6E2C5268-C9B3-4905-BDA0-AD490F509366}" presName="sibTransNodeRect" presStyleLbl="alignNode1" presStyleIdx="3" presStyleCnt="4">
+        <dgm:presLayoutVars>
+          <dgm:chMax val="0"/>
+          <dgm:bulletEnabled val="1"/>
+        </dgm:presLayoutVars>
+      </dgm:prSet>
+      <dgm:spPr/>
+    </dgm:pt>
+    <dgm:pt modelId="{D51427F6-6728-4BF2-9918-3213F1BA8024}" type="pres">
+      <dgm:prSet presAssocID="{CA877EA4-F6D0-401D-9A86-7340AAFBA362}" presName="nodeRect" presStyleLbl="alignNode1" presStyleIdx="3" presStyleCnt="4">
+        <dgm:presLayoutVars>
+          <dgm:bulletEnabled val="1"/>
+        </dgm:presLayoutVars>
+      </dgm:prSet>
+      <dgm:spPr/>
+    </dgm:pt>
+  </dgm:ptLst>
+  <dgm:cxnLst>
+    <dgm:cxn modelId="{4829290C-E2D9-40F3-A5C0-F2218FCE1AF9}" srcId="{21FE30F6-EED4-40C9-9C2D-858AE46976A9}" destId="{41FD6B3A-3EF6-4818-B49F-3B0F8130C76F}" srcOrd="1" destOrd="0" parTransId="{0B404EE5-ED84-4A53-AA88-ECD63F24B9BC}" sibTransId="{A6EF63CB-8D82-42D3-95CF-F9AFF1C668BA}"/>
+    <dgm:cxn modelId="{8004260D-36C5-40CA-8FD0-1661AEB299B3}" type="presOf" srcId="{6E2C5268-C9B3-4905-BDA0-AD490F509366}" destId="{239DEE0D-8A3B-493D-A2EA-EA4A0020ABF2}" srcOrd="0" destOrd="0" presId="urn:microsoft.com/office/officeart/2016/7/layout/LinearBlockProcessNumbered"/>
+    <dgm:cxn modelId="{62D53615-4469-4915-B3EC-0FBC9835D4C0}" type="presOf" srcId="{D9E2DE66-AFD9-4183-AA76-06083A101168}" destId="{8A8B7A71-9A01-4C1A-9663-F23EB1E8A092}" srcOrd="0" destOrd="0" presId="urn:microsoft.com/office/officeart/2016/7/layout/LinearBlockProcessNumbered"/>
+    <dgm:cxn modelId="{1E690C20-E425-4F47-95FD-965A047E3161}" srcId="{21FE30F6-EED4-40C9-9C2D-858AE46976A9}" destId="{BBB06C8F-E8ED-40B4-8F13-4CC7EB6D63E8}" srcOrd="0" destOrd="0" parTransId="{08D03523-AF4B-4860-BA79-E377B2BAD7EA}" sibTransId="{D1DBF331-0AC7-4D87-B557-490CEB7A8DE5}"/>
+    <dgm:cxn modelId="{76671535-E509-4C2F-8809-8A18F8A0435A}" type="presOf" srcId="{CA877EA4-F6D0-401D-9A86-7340AAFBA362}" destId="{D51427F6-6728-4BF2-9918-3213F1BA8024}" srcOrd="1" destOrd="0" presId="urn:microsoft.com/office/officeart/2016/7/layout/LinearBlockProcessNumbered"/>
+    <dgm:cxn modelId="{C1FAEB3B-CAD2-420C-9801-158514975D2A}" type="presOf" srcId="{D9E2DE66-AFD9-4183-AA76-06083A101168}" destId="{143E65D1-7E89-4D49-843C-1F5CF3AC57E7}" srcOrd="1" destOrd="0" presId="urn:microsoft.com/office/officeart/2016/7/layout/LinearBlockProcessNumbered"/>
+    <dgm:cxn modelId="{FF987A65-990A-4550-810D-E668496DB799}" srcId="{21FE30F6-EED4-40C9-9C2D-858AE46976A9}" destId="{CA877EA4-F6D0-401D-9A86-7340AAFBA362}" srcOrd="3" destOrd="0" parTransId="{12E92071-F5EC-465A-9678-2785AD7A5666}" sibTransId="{6E2C5268-C9B3-4905-BDA0-AD490F509366}"/>
+    <dgm:cxn modelId="{C048A969-52BC-4121-B8F1-6C9B99BB4778}" type="presOf" srcId="{CA877EA4-F6D0-401D-9A86-7340AAFBA362}" destId="{3614FA8F-1114-48EF-881F-6B8B32E3ED67}" srcOrd="0" destOrd="0" presId="urn:microsoft.com/office/officeart/2016/7/layout/LinearBlockProcessNumbered"/>
+    <dgm:cxn modelId="{E1FE1C5A-642E-4291-B2BC-21A3AF94E90A}" type="presOf" srcId="{41FD6B3A-3EF6-4818-B49F-3B0F8130C76F}" destId="{833AD9AE-640B-4257-9673-5E8AAC1426BD}" srcOrd="1" destOrd="0" presId="urn:microsoft.com/office/officeart/2016/7/layout/LinearBlockProcessNumbered"/>
+    <dgm:cxn modelId="{FFCB6490-B587-48F9-9F75-097EAC9D8828}" type="presOf" srcId="{21FE30F6-EED4-40C9-9C2D-858AE46976A9}" destId="{65799A87-9B45-4CC5-B4BF-125ED71BF0D3}" srcOrd="0" destOrd="0" presId="urn:microsoft.com/office/officeart/2016/7/layout/LinearBlockProcessNumbered"/>
+    <dgm:cxn modelId="{4D1EDBAD-850A-4712-8554-7C628657DC86}" type="presOf" srcId="{D1DBF331-0AC7-4D87-B557-490CEB7A8DE5}" destId="{65A50992-64FB-4EEF-9432-71F40A87DC3A}" srcOrd="0" destOrd="0" presId="urn:microsoft.com/office/officeart/2016/7/layout/LinearBlockProcessNumbered"/>
+    <dgm:cxn modelId="{787042BA-9027-472E-9722-E4BBAC13B5C6}" type="presOf" srcId="{BFB757BF-80A3-47B0-A125-AE9ACF66F784}" destId="{0B2D323B-5F64-4B3A-AC15-D3DC2BC7124C}" srcOrd="0" destOrd="0" presId="urn:microsoft.com/office/officeart/2016/7/layout/LinearBlockProcessNumbered"/>
+    <dgm:cxn modelId="{0E5744BE-0038-4E7D-B14E-0AD582002374}" type="presOf" srcId="{BBB06C8F-E8ED-40B4-8F13-4CC7EB6D63E8}" destId="{8E7E9C74-B3AB-45E9-A991-40135130A03F}" srcOrd="0" destOrd="0" presId="urn:microsoft.com/office/officeart/2016/7/layout/LinearBlockProcessNumbered"/>
+    <dgm:cxn modelId="{6A8F14DA-9AC9-48A1-BDA1-CB1E49E5E09F}" type="presOf" srcId="{41FD6B3A-3EF6-4818-B49F-3B0F8130C76F}" destId="{433F3CC7-6513-4910-9F99-ADC51A38CF2B}" srcOrd="0" destOrd="0" presId="urn:microsoft.com/office/officeart/2016/7/layout/LinearBlockProcessNumbered"/>
+    <dgm:cxn modelId="{5C9DA1DB-8ADA-4468-A098-278A6A9BDB29}" type="presOf" srcId="{A6EF63CB-8D82-42D3-95CF-F9AFF1C668BA}" destId="{502EDFF9-FBCC-4C31-9720-9AF174A3E27A}" srcOrd="0" destOrd="0" presId="urn:microsoft.com/office/officeart/2016/7/layout/LinearBlockProcessNumbered"/>
+    <dgm:cxn modelId="{341B5FE9-D6DA-45CA-9045-63492D77F79E}" type="presOf" srcId="{BBB06C8F-E8ED-40B4-8F13-4CC7EB6D63E8}" destId="{34366F6F-8981-4435-AE4A-2CD5C4B2881B}" srcOrd="1" destOrd="0" presId="urn:microsoft.com/office/officeart/2016/7/layout/LinearBlockProcessNumbered"/>
+    <dgm:cxn modelId="{0E0287F8-9EEA-4EEC-83D1-611B73A772F1}" srcId="{21FE30F6-EED4-40C9-9C2D-858AE46976A9}" destId="{D9E2DE66-AFD9-4183-AA76-06083A101168}" srcOrd="2" destOrd="0" parTransId="{4295604B-1B18-499E-A69F-6B1BB3C8B693}" sibTransId="{BFB757BF-80A3-47B0-A125-AE9ACF66F784}"/>
+    <dgm:cxn modelId="{B10D3618-3DEC-4CD3-9A33-26CD3EA7129B}" type="presParOf" srcId="{65799A87-9B45-4CC5-B4BF-125ED71BF0D3}" destId="{D8E33CA1-CCDF-4C3C-92DD-FBA31E116F65}" srcOrd="0" destOrd="0" presId="urn:microsoft.com/office/officeart/2016/7/layout/LinearBlockProcessNumbered"/>
+    <dgm:cxn modelId="{117D843C-92E1-4B2E-8C8B-99A3CF55547A}" type="presParOf" srcId="{D8E33CA1-CCDF-4C3C-92DD-FBA31E116F65}" destId="{8E7E9C74-B3AB-45E9-A991-40135130A03F}" srcOrd="0" destOrd="0" presId="urn:microsoft.com/office/officeart/2016/7/layout/LinearBlockProcessNumbered"/>
+    <dgm:cxn modelId="{3C5508E3-6457-4D7A-831B-A0AF3B778E6F}" type="presParOf" srcId="{D8E33CA1-CCDF-4C3C-92DD-FBA31E116F65}" destId="{65A50992-64FB-4EEF-9432-71F40A87DC3A}" srcOrd="1" destOrd="0" presId="urn:microsoft.com/office/officeart/2016/7/layout/LinearBlockProcessNumbered"/>
+    <dgm:cxn modelId="{A5087440-A3EC-4713-918B-9E2421BDC8F5}" type="presParOf" srcId="{D8E33CA1-CCDF-4C3C-92DD-FBA31E116F65}" destId="{34366F6F-8981-4435-AE4A-2CD5C4B2881B}" srcOrd="2" destOrd="0" presId="urn:microsoft.com/office/officeart/2016/7/layout/LinearBlockProcessNumbered"/>
+    <dgm:cxn modelId="{855DA11F-83E7-44E6-945E-38278C09DC17}" type="presParOf" srcId="{65799A87-9B45-4CC5-B4BF-125ED71BF0D3}" destId="{841D5B65-6A4C-4A6F-87D0-1EE0F60A44BA}" srcOrd="1" destOrd="0" presId="urn:microsoft.com/office/officeart/2016/7/layout/LinearBlockProcessNumbered"/>
+    <dgm:cxn modelId="{EB2508FC-75C9-411F-B548-2552A97B05CC}" type="presParOf" srcId="{65799A87-9B45-4CC5-B4BF-125ED71BF0D3}" destId="{3EF8C2E7-1880-4274-92B8-1B27C8D90432}" srcOrd="2" destOrd="0" presId="urn:microsoft.com/office/officeart/2016/7/layout/LinearBlockProcessNumbered"/>
+    <dgm:cxn modelId="{C7369355-CDA8-4209-9DAA-2563BBC758D8}" type="presParOf" srcId="{3EF8C2E7-1880-4274-92B8-1B27C8D90432}" destId="{433F3CC7-6513-4910-9F99-ADC51A38CF2B}" srcOrd="0" destOrd="0" presId="urn:microsoft.com/office/officeart/2016/7/layout/LinearBlockProcessNumbered"/>
+    <dgm:cxn modelId="{C5648E7E-FD0C-4BA4-876C-4438B01A8F2B}" type="presParOf" srcId="{3EF8C2E7-1880-4274-92B8-1B27C8D90432}" destId="{502EDFF9-FBCC-4C31-9720-9AF174A3E27A}" srcOrd="1" destOrd="0" presId="urn:microsoft.com/office/officeart/2016/7/layout/LinearBlockProcessNumbered"/>
+    <dgm:cxn modelId="{2FF90205-140C-4A7B-98C9-1075FD1E97D7}" type="presParOf" srcId="{3EF8C2E7-1880-4274-92B8-1B27C8D90432}" destId="{833AD9AE-640B-4257-9673-5E8AAC1426BD}" srcOrd="2" destOrd="0" presId="urn:microsoft.com/office/officeart/2016/7/layout/LinearBlockProcessNumbered"/>
+    <dgm:cxn modelId="{E59D6C12-E976-461F-B5FD-129F8A60D2F7}" type="presParOf" srcId="{65799A87-9B45-4CC5-B4BF-125ED71BF0D3}" destId="{D98D2368-8A79-4F81-9384-D3CD89DB0991}" srcOrd="3" destOrd="0" presId="urn:microsoft.com/office/officeart/2016/7/layout/LinearBlockProcessNumbered"/>
+    <dgm:cxn modelId="{D13BA244-6BB5-44B5-A58D-D7168CF0D44B}" type="presParOf" srcId="{65799A87-9B45-4CC5-B4BF-125ED71BF0D3}" destId="{1147FE0A-4850-49AA-A46D-F0F9189CDC47}" srcOrd="4" destOrd="0" presId="urn:microsoft.com/office/officeart/2016/7/layout/LinearBlockProcessNumbered"/>
+    <dgm:cxn modelId="{A2008926-064E-4BF2-A3D4-F5D3E4BAE488}" type="presParOf" srcId="{1147FE0A-4850-49AA-A46D-F0F9189CDC47}" destId="{8A8B7A71-9A01-4C1A-9663-F23EB1E8A092}" srcOrd="0" destOrd="0" presId="urn:microsoft.com/office/officeart/2016/7/layout/LinearBlockProcessNumbered"/>
+    <dgm:cxn modelId="{668A13DF-CEE8-4407-B2F1-1019A38A8D7E}" type="presParOf" srcId="{1147FE0A-4850-49AA-A46D-F0F9189CDC47}" destId="{0B2D323B-5F64-4B3A-AC15-D3DC2BC7124C}" srcOrd="1" destOrd="0" presId="urn:microsoft.com/office/officeart/2016/7/layout/LinearBlockProcessNumbered"/>
+    <dgm:cxn modelId="{117E0D5F-7CEC-4DE8-AE53-CDA7ED23A792}" type="presParOf" srcId="{1147FE0A-4850-49AA-A46D-F0F9189CDC47}" destId="{143E65D1-7E89-4D49-843C-1F5CF3AC57E7}" srcOrd="2" destOrd="0" presId="urn:microsoft.com/office/officeart/2016/7/layout/LinearBlockProcessNumbered"/>
+    <dgm:cxn modelId="{1DD18192-03B2-4EDC-86D2-E7DCC88E14CE}" type="presParOf" srcId="{65799A87-9B45-4CC5-B4BF-125ED71BF0D3}" destId="{16CEF422-BBA0-4270-A1C7-1749736A1D6F}" srcOrd="5" destOrd="0" presId="urn:microsoft.com/office/officeart/2016/7/layout/LinearBlockProcessNumbered"/>
+    <dgm:cxn modelId="{4467C84B-567D-4204-81C0-26045C5D07F4}" type="presParOf" srcId="{65799A87-9B45-4CC5-B4BF-125ED71BF0D3}" destId="{32A4F4C8-2408-49FB-B697-6B2050C29543}" srcOrd="6" destOrd="0" presId="urn:microsoft.com/office/officeart/2016/7/layout/LinearBlockProcessNumbered"/>
+    <dgm:cxn modelId="{D5D64E0F-90C1-485E-A87D-08C831118AE7}" type="presParOf" srcId="{32A4F4C8-2408-49FB-B697-6B2050C29543}" destId="{3614FA8F-1114-48EF-881F-6B8B32E3ED67}" srcOrd="0" destOrd="0" presId="urn:microsoft.com/office/officeart/2016/7/layout/LinearBlockProcessNumbered"/>
+    <dgm:cxn modelId="{2B86AD64-DE61-4BCE-95DC-59637164B41C}" type="presParOf" srcId="{32A4F4C8-2408-49FB-B697-6B2050C29543}" destId="{239DEE0D-8A3B-493D-A2EA-EA4A0020ABF2}" srcOrd="1" destOrd="0" presId="urn:microsoft.com/office/officeart/2016/7/layout/LinearBlockProcessNumbered"/>
+    <dgm:cxn modelId="{0B843CB2-312D-40E0-991C-97E5016B8F27}" type="presParOf" srcId="{32A4F4C8-2408-49FB-B697-6B2050C29543}" destId="{D51427F6-6728-4BF2-9918-3213F1BA8024}" srcOrd="2" destOrd="0" presId="urn:microsoft.com/office/officeart/2016/7/layout/LinearBlockProcessNumbered"/>
+  </dgm:cxnLst>
+  <dgm:bg/>
+  <dgm:whole/>
+  <dgm:extLst>
+    <a:ext uri="http://schemas.microsoft.com/office/drawing/2008/diagram">
+      <dsp:dataModelExt xmlns:dsp="http://schemas.microsoft.com/office/drawing/2008/diagram" relId="rId7" minVer="http://schemas.openxmlformats.org/drawingml/2006/diagram"/>
+    </a:ext>
+  </dgm:extLst>
+</dgm:dataModel>
+</file>
+
+<file path=ppt/diagrams/drawing1.xml><?xml version="1.0" encoding="utf-8"?>
+<dsp:drawing xmlns:dgm="http://schemas.openxmlformats.org/drawingml/2006/diagram" xmlns:dsp="http://schemas.microsoft.com/office/drawing/2008/diagram" xmlns:a="http://schemas.openxmlformats.org/drawingml/2006/main">
+  <dsp:spTree>
+    <dsp:nvGrpSpPr>
+      <dsp:cNvPr id="0" name=""/>
+      <dsp:cNvGrpSpPr/>
+    </dsp:nvGrpSpPr>
+    <dsp:grpSpPr/>
+    <dsp:sp modelId="{8E7E9C74-B3AB-45E9-A991-40135130A03F}">
+      <dsp:nvSpPr>
+        <dsp:cNvPr id="0" name=""/>
+        <dsp:cNvSpPr/>
+      </dsp:nvSpPr>
+      <dsp:spPr>
+        <a:xfrm>
+          <a:off x="197" y="133753"/>
+          <a:ext cx="2386548" cy="2863857"/>
+        </a:xfrm>
+        <a:prstGeom prst="rect">
+          <a:avLst/>
+        </a:prstGeom>
+        <a:solidFill>
+          <a:schemeClr val="accent5">
+            <a:hueOff val="0"/>
+            <a:satOff val="0"/>
+            <a:lumOff val="0"/>
+            <a:alphaOff val="0"/>
+          </a:schemeClr>
+        </a:solidFill>
+        <a:ln w="12700" cap="flat" cmpd="sng" algn="ctr">
+          <a:solidFill>
+            <a:schemeClr val="accent5">
+              <a:hueOff val="0"/>
+              <a:satOff val="0"/>
+              <a:lumOff val="0"/>
+              <a:alphaOff val="0"/>
+            </a:schemeClr>
+          </a:solidFill>
+          <a:prstDash val="solid"/>
+          <a:miter lim="800000"/>
         </a:ln>
         <a:effectLst/>
-      </c:spPr>
-      <c:txPr>
-        <a:bodyPr rot="0" spcFirstLastPara="1" vertOverflow="ellipsis" vert="horz" wrap="square" anchor="ctr" anchorCtr="1"/>
+      </dsp:spPr>
+      <dsp:style>
+        <a:lnRef idx="2">
+          <a:scrgbClr r="0" g="0" b="0"/>
+        </a:lnRef>
+        <a:fillRef idx="1">
+          <a:scrgbClr r="0" g="0" b="0"/>
+        </a:fillRef>
+        <a:effectRef idx="0">
+          <a:scrgbClr r="0" g="0" b="0"/>
+        </a:effectRef>
+        <a:fontRef idx="minor">
+          <a:schemeClr val="lt1"/>
+        </a:fontRef>
+      </dsp:style>
+      <dsp:txBody>
+        <a:bodyPr spcFirstLastPara="0" vert="horz" wrap="square" lIns="235738" tIns="0" rIns="235738" bIns="330200" numCol="1" spcCol="1270" anchor="t" anchorCtr="0">
+          <a:noAutofit/>
+        </a:bodyPr>
         <a:lstStyle/>
         <a:p>
-          <a:pPr>
-            <a:defRPr sz="1862" b="0" i="0" u="none" strike="noStrike" kern="1200" spc="0" baseline="0">
-              <a:solidFill>
-                <a:schemeClr val="tx1">
-                  <a:lumMod val="65000"/>
-                  <a:lumOff val="35000"/>
-                </a:schemeClr>
-              </a:solidFill>
-              <a:latin typeface="+mn-lt"/>
-              <a:ea typeface="+mn-ea"/>
-              <a:cs typeface="+mn-cs"/>
-            </a:defRPr>
+          <a:pPr marL="0" lvl="0" indent="0" algn="l" defTabSz="889000">
+            <a:lnSpc>
+              <a:spcPct val="90000"/>
+            </a:lnSpc>
+            <a:spcBef>
+              <a:spcPct val="0"/>
+            </a:spcBef>
+            <a:spcAft>
+              <a:spcPct val="35000"/>
+            </a:spcAft>
+            <a:buNone/>
           </a:pPr>
-          <a:endParaRPr lang="es-AR"/>
+          <a:r>
+            <a:rPr lang="es-AR" sz="2000" kern="1200" dirty="0"/>
+            <a:t>Brindar información a los niveles gerenciales</a:t>
+          </a:r>
+          <a:endParaRPr lang="en-US" sz="2000" kern="1200" dirty="0"/>
         </a:p>
-      </c:txPr>
-    </c:title>
-    <c:autoTitleDeleted val="0"/>
-    <c:plotArea>
-      <c:layout/>
-      <c:barChart>
-        <c:barDir val="col"/>
-        <c:grouping val="clustered"/>
-        <c:varyColors val="0"/>
-        <c:ser>
-          <c:idx val="0"/>
-          <c:order val="0"/>
-          <c:tx>
-            <c:strRef>
-              <c:f>Hoja1!$B$1</c:f>
-              <c:strCache>
-                <c:ptCount val="1"/>
-                <c:pt idx="0">
-                  <c:v>Operadores SAP</c:v>
-                </c:pt>
-              </c:strCache>
-            </c:strRef>
-          </c:tx>
-          <c:spPr>
-            <a:solidFill>
-              <a:schemeClr val="accent1"/>
-            </a:solidFill>
-            <a:ln>
-              <a:noFill/>
-            </a:ln>
-            <a:effectLst/>
-          </c:spPr>
-          <c:invertIfNegative val="0"/>
-          <c:cat>
-            <c:strRef>
-              <c:f>Hoja1!$A$2:$A$4</c:f>
-              <c:strCache>
-                <c:ptCount val="3"/>
-                <c:pt idx="0">
-                  <c:v>Simulación 1</c:v>
-                </c:pt>
-                <c:pt idx="1">
-                  <c:v>Simulación 2</c:v>
-                </c:pt>
-                <c:pt idx="2">
-                  <c:v>Simulacion 3</c:v>
-                </c:pt>
-              </c:strCache>
-            </c:strRef>
-          </c:cat>
-          <c:val>
-            <c:numRef>
-              <c:f>Hoja1!$B$2:$B$4</c:f>
-              <c:numCache>
-                <c:formatCode>General</c:formatCode>
-                <c:ptCount val="3"/>
-                <c:pt idx="0">
-                  <c:v>1</c:v>
-                </c:pt>
-                <c:pt idx="1">
-                  <c:v>5</c:v>
-                </c:pt>
-                <c:pt idx="2">
-                  <c:v>10</c:v>
-                </c:pt>
-              </c:numCache>
-            </c:numRef>
-          </c:val>
-        </c:ser>
-        <c:ser>
-          <c:idx val="1"/>
-          <c:order val="1"/>
-          <c:tx>
-            <c:strRef>
-              <c:f>Hoja1!$C$1</c:f>
-              <c:strCache>
-                <c:ptCount val="1"/>
-                <c:pt idx="0">
-                  <c:v>Operadores DMSTI</c:v>
-                </c:pt>
-              </c:strCache>
-            </c:strRef>
-          </c:tx>
-          <c:spPr>
-            <a:solidFill>
-              <a:schemeClr val="accent2"/>
-            </a:solidFill>
-            <a:ln>
-              <a:noFill/>
-            </a:ln>
-            <a:effectLst/>
-          </c:spPr>
-          <c:invertIfNegative val="0"/>
-          <c:cat>
-            <c:strRef>
-              <c:f>Hoja1!$A$2:$A$4</c:f>
-              <c:strCache>
-                <c:ptCount val="3"/>
-                <c:pt idx="0">
-                  <c:v>Simulación 1</c:v>
-                </c:pt>
-                <c:pt idx="1">
-                  <c:v>Simulación 2</c:v>
-                </c:pt>
-                <c:pt idx="2">
-                  <c:v>Simulacion 3</c:v>
-                </c:pt>
-              </c:strCache>
-            </c:strRef>
-          </c:cat>
-          <c:val>
-            <c:numRef>
-              <c:f>Hoja1!$C$2:$C$4</c:f>
-              <c:numCache>
-                <c:formatCode>General</c:formatCode>
-                <c:ptCount val="3"/>
-                <c:pt idx="0">
-                  <c:v>1</c:v>
-                </c:pt>
-                <c:pt idx="1">
-                  <c:v>5</c:v>
-                </c:pt>
-                <c:pt idx="2">
-                  <c:v>10</c:v>
-                </c:pt>
-              </c:numCache>
-            </c:numRef>
-          </c:val>
-        </c:ser>
-        <c:ser>
-          <c:idx val="2"/>
-          <c:order val="2"/>
-          <c:tx>
-            <c:strRef>
-              <c:f>Hoja1!$D$1</c:f>
-              <c:strCache>
-                <c:ptCount val="1"/>
-                <c:pt idx="0">
-                  <c:v>Tiempo Espera SAP</c:v>
-                </c:pt>
-              </c:strCache>
-            </c:strRef>
-          </c:tx>
-          <c:spPr>
-            <a:solidFill>
-              <a:schemeClr val="accent3"/>
-            </a:solidFill>
-            <a:ln>
-              <a:noFill/>
-            </a:ln>
-            <a:effectLst/>
-          </c:spPr>
-          <c:invertIfNegative val="0"/>
-          <c:cat>
-            <c:strRef>
-              <c:f>Hoja1!$A$2:$A$4</c:f>
-              <c:strCache>
-                <c:ptCount val="3"/>
-                <c:pt idx="0">
-                  <c:v>Simulación 1</c:v>
-                </c:pt>
-                <c:pt idx="1">
-                  <c:v>Simulación 2</c:v>
-                </c:pt>
-                <c:pt idx="2">
-                  <c:v>Simulacion 3</c:v>
-                </c:pt>
-              </c:strCache>
-            </c:strRef>
-          </c:cat>
-          <c:val>
-            <c:numRef>
-              <c:f>Hoja1!$D$2:$D$4</c:f>
-              <c:numCache>
-                <c:formatCode>General</c:formatCode>
-                <c:ptCount val="3"/>
-                <c:pt idx="0">
-                  <c:v>10</c:v>
-                </c:pt>
-                <c:pt idx="1">
-                  <c:v>3</c:v>
-                </c:pt>
-                <c:pt idx="2">
-                  <c:v>1</c:v>
-                </c:pt>
-              </c:numCache>
-            </c:numRef>
-          </c:val>
-        </c:ser>
-        <c:ser>
-          <c:idx val="3"/>
-          <c:order val="3"/>
-          <c:tx>
-            <c:strRef>
-              <c:f>Hoja1!$E$1</c:f>
-              <c:strCache>
-                <c:ptCount val="1"/>
-                <c:pt idx="0">
-                  <c:v>Tiempo Espera DMSTI</c:v>
-                </c:pt>
-              </c:strCache>
-            </c:strRef>
-          </c:tx>
-          <c:spPr>
-            <a:solidFill>
-              <a:schemeClr val="accent4"/>
-            </a:solidFill>
-            <a:ln>
-              <a:noFill/>
-            </a:ln>
-            <a:effectLst/>
-          </c:spPr>
-          <c:invertIfNegative val="0"/>
-          <c:cat>
-            <c:strRef>
-              <c:f>Hoja1!$A$2:$A$4</c:f>
-              <c:strCache>
-                <c:ptCount val="3"/>
-                <c:pt idx="0">
-                  <c:v>Simulación 1</c:v>
-                </c:pt>
-                <c:pt idx="1">
-                  <c:v>Simulación 2</c:v>
-                </c:pt>
-                <c:pt idx="2">
-                  <c:v>Simulacion 3</c:v>
-                </c:pt>
-              </c:strCache>
-            </c:strRef>
-          </c:cat>
-          <c:val>
-            <c:numRef>
-              <c:f>Hoja1!$E$2:$E$4</c:f>
-              <c:numCache>
-                <c:formatCode>General</c:formatCode>
-                <c:ptCount val="3"/>
-                <c:pt idx="0">
-                  <c:v>8</c:v>
-                </c:pt>
-                <c:pt idx="1">
-                  <c:v>2</c:v>
-                </c:pt>
-                <c:pt idx="2">
-                  <c:v>1</c:v>
-                </c:pt>
-              </c:numCache>
-            </c:numRef>
-          </c:val>
-        </c:ser>
-        <c:ser>
-          <c:idx val="4"/>
-          <c:order val="4"/>
-          <c:tx>
-            <c:strRef>
-              <c:f>Hoja1!$F$1</c:f>
-              <c:strCache>
-                <c:ptCount val="1"/>
-                <c:pt idx="0">
-                  <c:v>Tiempo Ocioso SAP</c:v>
-                </c:pt>
-              </c:strCache>
-            </c:strRef>
-          </c:tx>
-          <c:spPr>
-            <a:solidFill>
-              <a:schemeClr val="accent5"/>
-            </a:solidFill>
-            <a:ln>
-              <a:noFill/>
-            </a:ln>
-            <a:effectLst/>
-          </c:spPr>
-          <c:invertIfNegative val="0"/>
-          <c:cat>
-            <c:strRef>
-              <c:f>Hoja1!$A$2:$A$4</c:f>
-              <c:strCache>
-                <c:ptCount val="3"/>
-                <c:pt idx="0">
-                  <c:v>Simulación 1</c:v>
-                </c:pt>
-                <c:pt idx="1">
-                  <c:v>Simulación 2</c:v>
-                </c:pt>
-                <c:pt idx="2">
-                  <c:v>Simulacion 3</c:v>
-                </c:pt>
-              </c:strCache>
-            </c:strRef>
-          </c:cat>
-          <c:val>
-            <c:numRef>
-              <c:f>Hoja1!$F$2:$F$4</c:f>
-              <c:numCache>
-                <c:formatCode>General</c:formatCode>
-                <c:ptCount val="3"/>
-                <c:pt idx="0">
-                  <c:v>0.5</c:v>
-                </c:pt>
-                <c:pt idx="1">
-                  <c:v>2</c:v>
-                </c:pt>
-                <c:pt idx="2">
-                  <c:v>5</c:v>
-                </c:pt>
-              </c:numCache>
-            </c:numRef>
-          </c:val>
-        </c:ser>
-        <c:ser>
-          <c:idx val="5"/>
-          <c:order val="5"/>
-          <c:tx>
-            <c:strRef>
-              <c:f>Hoja1!$G$1</c:f>
-              <c:strCache>
-                <c:ptCount val="1"/>
-                <c:pt idx="0">
-                  <c:v>Tiempo Ocioso DMSTI</c:v>
-                </c:pt>
-              </c:strCache>
-            </c:strRef>
-          </c:tx>
-          <c:spPr>
-            <a:solidFill>
-              <a:schemeClr val="accent6"/>
-            </a:solidFill>
-            <a:ln>
-              <a:noFill/>
-            </a:ln>
-            <a:effectLst/>
-          </c:spPr>
-          <c:invertIfNegative val="0"/>
-          <c:cat>
-            <c:strRef>
-              <c:f>Hoja1!$A$2:$A$4</c:f>
-              <c:strCache>
-                <c:ptCount val="3"/>
-                <c:pt idx="0">
-                  <c:v>Simulación 1</c:v>
-                </c:pt>
-                <c:pt idx="1">
-                  <c:v>Simulación 2</c:v>
-                </c:pt>
-                <c:pt idx="2">
-                  <c:v>Simulacion 3</c:v>
-                </c:pt>
-              </c:strCache>
-            </c:strRef>
-          </c:cat>
-          <c:val>
-            <c:numRef>
-              <c:f>Hoja1!$G$2:$G$4</c:f>
-              <c:numCache>
-                <c:formatCode>General</c:formatCode>
-                <c:ptCount val="3"/>
-                <c:pt idx="0">
-                  <c:v>1</c:v>
-                </c:pt>
-                <c:pt idx="1">
-                  <c:v>3</c:v>
-                </c:pt>
-                <c:pt idx="2">
-                  <c:v>10</c:v>
-                </c:pt>
-              </c:numCache>
-            </c:numRef>
-          </c:val>
-        </c:ser>
-        <c:dLbls>
-          <c:showLegendKey val="0"/>
-          <c:showVal val="0"/>
-          <c:showCatName val="0"/>
-          <c:showSerName val="0"/>
-          <c:showPercent val="0"/>
-          <c:showBubbleSize val="0"/>
-        </c:dLbls>
-        <c:gapWidth val="219"/>
-        <c:overlap val="-27"/>
-        <c:axId val="443323960"/>
-        <c:axId val="443324352"/>
-      </c:barChart>
-      <c:catAx>
-        <c:axId val="443323960"/>
-        <c:scaling>
-          <c:orientation val="minMax"/>
-        </c:scaling>
-        <c:delete val="0"/>
-        <c:axPos val="b"/>
-        <c:numFmt formatCode="General" sourceLinked="1"/>
-        <c:majorTickMark val="none"/>
-        <c:minorTickMark val="none"/>
-        <c:tickLblPos val="nextTo"/>
-        <c:spPr>
+      </dsp:txBody>
+      <dsp:txXfrm>
+        <a:off x="197" y="1279296"/>
+        <a:ext cx="2386548" cy="1718314"/>
+      </dsp:txXfrm>
+    </dsp:sp>
+    <dsp:sp modelId="{65A50992-64FB-4EEF-9432-71F40A87DC3A}">
+      <dsp:nvSpPr>
+        <dsp:cNvPr id="0" name=""/>
+        <dsp:cNvSpPr/>
+      </dsp:nvSpPr>
+      <dsp:spPr>
+        <a:xfrm>
+          <a:off x="197" y="133753"/>
+          <a:ext cx="2386548" cy="1145543"/>
+        </a:xfrm>
+        <a:prstGeom prst="rect">
+          <a:avLst/>
+        </a:prstGeom>
+        <a:noFill/>
+        <a:ln w="12700" cap="flat" cmpd="sng" algn="ctr">
           <a:noFill/>
-          <a:ln w="9525" cap="flat" cmpd="sng" algn="ctr">
-            <a:solidFill>
-              <a:schemeClr val="tx1">
-                <a:lumMod val="15000"/>
-                <a:lumOff val="85000"/>
-              </a:schemeClr>
-            </a:solidFill>
-            <a:round/>
-          </a:ln>
-          <a:effectLst/>
-        </c:spPr>
-        <c:txPr>
-          <a:bodyPr rot="-60000000" spcFirstLastPara="1" vertOverflow="ellipsis" vert="horz" wrap="square" anchor="ctr" anchorCtr="1"/>
-          <a:lstStyle/>
-          <a:p>
-            <a:pPr>
-              <a:defRPr sz="1197" b="0" i="0" u="none" strike="noStrike" kern="1200" baseline="0">
-                <a:solidFill>
-                  <a:schemeClr val="tx1">
-                    <a:lumMod val="65000"/>
-                    <a:lumOff val="35000"/>
-                  </a:schemeClr>
-                </a:solidFill>
-                <a:latin typeface="+mn-lt"/>
-                <a:ea typeface="+mn-ea"/>
-                <a:cs typeface="+mn-cs"/>
-              </a:defRPr>
-            </a:pPr>
-            <a:endParaRPr lang="es-AR"/>
-          </a:p>
-        </c:txPr>
-        <c:crossAx val="443324352"/>
-        <c:crosses val="autoZero"/>
-        <c:auto val="1"/>
-        <c:lblAlgn val="ctr"/>
-        <c:lblOffset val="100"/>
-        <c:noMultiLvlLbl val="0"/>
-      </c:catAx>
-      <c:valAx>
-        <c:axId val="443324352"/>
-        <c:scaling>
-          <c:orientation val="minMax"/>
-        </c:scaling>
-        <c:delete val="0"/>
-        <c:axPos val="l"/>
-        <c:majorGridlines>
-          <c:spPr>
-            <a:ln w="9525" cap="flat" cmpd="sng" algn="ctr">
-              <a:solidFill>
-                <a:schemeClr val="tx1">
-                  <a:lumMod val="15000"/>
-                  <a:lumOff val="85000"/>
-                </a:schemeClr>
-              </a:solidFill>
-              <a:round/>
-            </a:ln>
-            <a:effectLst/>
-          </c:spPr>
-        </c:majorGridlines>
-        <c:numFmt formatCode="General" sourceLinked="1"/>
-        <c:majorTickMark val="none"/>
-        <c:minorTickMark val="none"/>
-        <c:tickLblPos val="nextTo"/>
-        <c:spPr>
-          <a:noFill/>
-          <a:ln>
-            <a:noFill/>
-          </a:ln>
-          <a:effectLst/>
-        </c:spPr>
-        <c:txPr>
-          <a:bodyPr rot="-60000000" spcFirstLastPara="1" vertOverflow="ellipsis" vert="horz" wrap="square" anchor="ctr" anchorCtr="1"/>
-          <a:lstStyle/>
-          <a:p>
-            <a:pPr>
-              <a:defRPr sz="1197" b="0" i="0" u="none" strike="noStrike" kern="1200" baseline="0">
-                <a:solidFill>
-                  <a:schemeClr val="tx1">
-                    <a:lumMod val="65000"/>
-                    <a:lumOff val="35000"/>
-                  </a:schemeClr>
-                </a:solidFill>
-                <a:latin typeface="+mn-lt"/>
-                <a:ea typeface="+mn-ea"/>
-                <a:cs typeface="+mn-cs"/>
-              </a:defRPr>
-            </a:pPr>
-            <a:endParaRPr lang="es-AR"/>
-          </a:p>
-        </c:txPr>
-        <c:crossAx val="443323960"/>
-        <c:crosses val="autoZero"/>
-        <c:crossBetween val="between"/>
-      </c:valAx>
-      <c:spPr>
-        <a:noFill/>
-        <a:ln>
-          <a:noFill/>
+          <a:prstDash val="solid"/>
+          <a:miter lim="800000"/>
         </a:ln>
         <a:effectLst/>
-      </c:spPr>
-    </c:plotArea>
-    <c:legend>
-      <c:legendPos val="b"/>
-      <c:layout/>
-      <c:overlay val="0"/>
-      <c:spPr>
-        <a:noFill/>
-        <a:ln>
-          <a:noFill/>
+        <a:sp3d/>
+      </dsp:spPr>
+      <dsp:style>
+        <a:lnRef idx="2">
+          <a:scrgbClr r="0" g="0" b="0"/>
+        </a:lnRef>
+        <a:fillRef idx="1">
+          <a:scrgbClr r="0" g="0" b="0"/>
+        </a:fillRef>
+        <a:effectRef idx="0">
+          <a:scrgbClr r="0" g="0" b="0"/>
+        </a:effectRef>
+        <a:fontRef idx="minor">
+          <a:schemeClr val="lt1"/>
+        </a:fontRef>
+      </dsp:style>
+      <dsp:txBody>
+        <a:bodyPr spcFirstLastPara="0" vert="horz" wrap="square" lIns="235738" tIns="165100" rIns="235738" bIns="165100" numCol="1" spcCol="1270" anchor="ctr" anchorCtr="0">
+          <a:noAutofit/>
+        </a:bodyPr>
+        <a:lstStyle/>
+        <a:p>
+          <a:pPr marL="0" lvl="0" indent="0" algn="l" defTabSz="889000">
+            <a:lnSpc>
+              <a:spcPct val="90000"/>
+            </a:lnSpc>
+            <a:spcBef>
+              <a:spcPct val="0"/>
+            </a:spcBef>
+            <a:spcAft>
+              <a:spcPct val="35000"/>
+            </a:spcAft>
+            <a:buNone/>
+          </a:pPr>
+          <a:endParaRPr lang="en-US" sz="2000" kern="1200"/>
+        </a:p>
+      </dsp:txBody>
+      <dsp:txXfrm>
+        <a:off x="197" y="133753"/>
+        <a:ext cx="2386548" cy="1145543"/>
+      </dsp:txXfrm>
+    </dsp:sp>
+    <dsp:sp modelId="{433F3CC7-6513-4910-9F99-ADC51A38CF2B}">
+      <dsp:nvSpPr>
+        <dsp:cNvPr id="0" name=""/>
+        <dsp:cNvSpPr/>
+      </dsp:nvSpPr>
+      <dsp:spPr>
+        <a:xfrm>
+          <a:off x="2577669" y="133753"/>
+          <a:ext cx="2386548" cy="2863857"/>
+        </a:xfrm>
+        <a:prstGeom prst="rect">
+          <a:avLst/>
+        </a:prstGeom>
+        <a:solidFill>
+          <a:schemeClr val="accent5">
+            <a:hueOff val="-2252848"/>
+            <a:satOff val="-5806"/>
+            <a:lumOff val="-3922"/>
+            <a:alphaOff val="0"/>
+          </a:schemeClr>
+        </a:solidFill>
+        <a:ln w="12700" cap="flat" cmpd="sng" algn="ctr">
+          <a:solidFill>
+            <a:schemeClr val="accent5">
+              <a:hueOff val="-2252848"/>
+              <a:satOff val="-5806"/>
+              <a:lumOff val="-3922"/>
+              <a:alphaOff val="0"/>
+            </a:schemeClr>
+          </a:solidFill>
+          <a:prstDash val="solid"/>
+          <a:miter lim="800000"/>
         </a:ln>
         <a:effectLst/>
-      </c:spPr>
-      <c:txPr>
-        <a:bodyPr rot="0" spcFirstLastPara="1" vertOverflow="ellipsis" vert="horz" wrap="square" anchor="ctr" anchorCtr="1"/>
+      </dsp:spPr>
+      <dsp:style>
+        <a:lnRef idx="2">
+          <a:scrgbClr r="0" g="0" b="0"/>
+        </a:lnRef>
+        <a:fillRef idx="1">
+          <a:scrgbClr r="0" g="0" b="0"/>
+        </a:fillRef>
+        <a:effectRef idx="0">
+          <a:scrgbClr r="0" g="0" b="0"/>
+        </a:effectRef>
+        <a:fontRef idx="minor">
+          <a:schemeClr val="lt1"/>
+        </a:fontRef>
+      </dsp:style>
+      <dsp:txBody>
+        <a:bodyPr spcFirstLastPara="0" vert="horz" wrap="square" lIns="235738" tIns="0" rIns="235738" bIns="330200" numCol="1" spcCol="1270" anchor="t" anchorCtr="0">
+          <a:noAutofit/>
+        </a:bodyPr>
         <a:lstStyle/>
         <a:p>
-          <a:pPr>
-            <a:defRPr sz="1197" b="0" i="0" u="none" strike="noStrike" kern="1200" baseline="0">
-              <a:solidFill>
-                <a:schemeClr val="tx1">
-                  <a:lumMod val="65000"/>
-                  <a:lumOff val="35000"/>
-                </a:schemeClr>
-              </a:solidFill>
-              <a:latin typeface="+mn-lt"/>
-              <a:ea typeface="+mn-ea"/>
-              <a:cs typeface="+mn-cs"/>
-            </a:defRPr>
+          <a:pPr marL="0" lvl="0" indent="0" algn="l" defTabSz="889000">
+            <a:lnSpc>
+              <a:spcPct val="90000"/>
+            </a:lnSpc>
+            <a:spcBef>
+              <a:spcPct val="0"/>
+            </a:spcBef>
+            <a:spcAft>
+              <a:spcPct val="35000"/>
+            </a:spcAft>
+            <a:buNone/>
           </a:pPr>
-          <a:endParaRPr lang="es-AR"/>
+          <a:r>
+            <a:rPr lang="es-AR" sz="2000" kern="1200" dirty="0"/>
+            <a:t>Reducir el tiempo de espera de los llamados</a:t>
+          </a:r>
+          <a:endParaRPr lang="en-US" sz="2000" kern="1200" dirty="0"/>
         </a:p>
-      </c:txPr>
-    </c:legend>
-    <c:plotVisOnly val="1"/>
-    <c:dispBlanksAs val="gap"/>
-    <c:showDLblsOverMax val="0"/>
-  </c:chart>
-  <c:spPr>
-    <a:noFill/>
-    <a:ln>
-      <a:noFill/>
-    </a:ln>
-    <a:effectLst/>
-  </c:spPr>
-  <c:txPr>
-    <a:bodyPr/>
-    <a:lstStyle/>
-    <a:p>
-      <a:pPr>
-        <a:defRPr/>
-      </a:pPr>
-      <a:endParaRPr lang="es-AR"/>
-    </a:p>
-  </c:txPr>
-  <c:externalData r:id="rId3">
-    <c:autoUpdate val="0"/>
-  </c:externalData>
-</c:chartSpace>
+      </dsp:txBody>
+      <dsp:txXfrm>
+        <a:off x="2577669" y="1279296"/>
+        <a:ext cx="2386548" cy="1718314"/>
+      </dsp:txXfrm>
+    </dsp:sp>
+    <dsp:sp modelId="{502EDFF9-FBCC-4C31-9720-9AF174A3E27A}">
+      <dsp:nvSpPr>
+        <dsp:cNvPr id="0" name=""/>
+        <dsp:cNvSpPr/>
+      </dsp:nvSpPr>
+      <dsp:spPr>
+        <a:xfrm>
+          <a:off x="2577669" y="133753"/>
+          <a:ext cx="2386548" cy="1145543"/>
+        </a:xfrm>
+        <a:prstGeom prst="rect">
+          <a:avLst/>
+        </a:prstGeom>
+        <a:noFill/>
+        <a:ln w="12700" cap="flat" cmpd="sng" algn="ctr">
+          <a:noFill/>
+          <a:prstDash val="solid"/>
+          <a:miter lim="800000"/>
+        </a:ln>
+        <a:effectLst/>
+        <a:sp3d/>
+      </dsp:spPr>
+      <dsp:style>
+        <a:lnRef idx="2">
+          <a:scrgbClr r="0" g="0" b="0"/>
+        </a:lnRef>
+        <a:fillRef idx="1">
+          <a:scrgbClr r="0" g="0" b="0"/>
+        </a:fillRef>
+        <a:effectRef idx="0">
+          <a:scrgbClr r="0" g="0" b="0"/>
+        </a:effectRef>
+        <a:fontRef idx="minor">
+          <a:schemeClr val="lt1"/>
+        </a:fontRef>
+      </dsp:style>
+      <dsp:txBody>
+        <a:bodyPr spcFirstLastPara="0" vert="horz" wrap="square" lIns="235738" tIns="165100" rIns="235738" bIns="165100" numCol="1" spcCol="1270" anchor="ctr" anchorCtr="0">
+          <a:noAutofit/>
+        </a:bodyPr>
+        <a:lstStyle/>
+        <a:p>
+          <a:pPr marL="0" lvl="0" indent="0" algn="l" defTabSz="889000">
+            <a:lnSpc>
+              <a:spcPct val="90000"/>
+            </a:lnSpc>
+            <a:spcBef>
+              <a:spcPct val="0"/>
+            </a:spcBef>
+            <a:spcAft>
+              <a:spcPct val="35000"/>
+            </a:spcAft>
+            <a:buNone/>
+          </a:pPr>
+          <a:endParaRPr lang="en-US" sz="2000" kern="1200"/>
+        </a:p>
+      </dsp:txBody>
+      <dsp:txXfrm>
+        <a:off x="2577669" y="133753"/>
+        <a:ext cx="2386548" cy="1145543"/>
+      </dsp:txXfrm>
+    </dsp:sp>
+    <dsp:sp modelId="{8A8B7A71-9A01-4C1A-9663-F23EB1E8A092}">
+      <dsp:nvSpPr>
+        <dsp:cNvPr id="0" name=""/>
+        <dsp:cNvSpPr/>
+      </dsp:nvSpPr>
+      <dsp:spPr>
+        <a:xfrm>
+          <a:off x="5155141" y="133753"/>
+          <a:ext cx="2386548" cy="2863857"/>
+        </a:xfrm>
+        <a:prstGeom prst="rect">
+          <a:avLst/>
+        </a:prstGeom>
+        <a:solidFill>
+          <a:schemeClr val="accent5">
+            <a:hueOff val="-4505695"/>
+            <a:satOff val="-11613"/>
+            <a:lumOff val="-7843"/>
+            <a:alphaOff val="0"/>
+          </a:schemeClr>
+        </a:solidFill>
+        <a:ln w="12700" cap="flat" cmpd="sng" algn="ctr">
+          <a:solidFill>
+            <a:schemeClr val="accent5">
+              <a:hueOff val="-4505695"/>
+              <a:satOff val="-11613"/>
+              <a:lumOff val="-7843"/>
+              <a:alphaOff val="0"/>
+            </a:schemeClr>
+          </a:solidFill>
+          <a:prstDash val="solid"/>
+          <a:miter lim="800000"/>
+        </a:ln>
+        <a:effectLst/>
+      </dsp:spPr>
+      <dsp:style>
+        <a:lnRef idx="2">
+          <a:scrgbClr r="0" g="0" b="0"/>
+        </a:lnRef>
+        <a:fillRef idx="1">
+          <a:scrgbClr r="0" g="0" b="0"/>
+        </a:fillRef>
+        <a:effectRef idx="0">
+          <a:scrgbClr r="0" g="0" b="0"/>
+        </a:effectRef>
+        <a:fontRef idx="minor">
+          <a:schemeClr val="lt1"/>
+        </a:fontRef>
+      </dsp:style>
+      <dsp:txBody>
+        <a:bodyPr spcFirstLastPara="0" vert="horz" wrap="square" lIns="235738" tIns="0" rIns="235738" bIns="330200" numCol="1" spcCol="1270" anchor="t" anchorCtr="0">
+          <a:noAutofit/>
+        </a:bodyPr>
+        <a:lstStyle/>
+        <a:p>
+          <a:pPr marL="0" lvl="0" indent="0" algn="l" defTabSz="889000">
+            <a:lnSpc>
+              <a:spcPct val="90000"/>
+            </a:lnSpc>
+            <a:spcBef>
+              <a:spcPct val="0"/>
+            </a:spcBef>
+            <a:spcAft>
+              <a:spcPct val="35000"/>
+            </a:spcAft>
+            <a:buNone/>
+          </a:pPr>
+          <a:r>
+            <a:rPr lang="es-AR" sz="2000" kern="1200" dirty="0"/>
+            <a:t>Reducir el tiempo ocioso de los Operadores</a:t>
+          </a:r>
+          <a:endParaRPr lang="en-US" sz="2000" kern="1200" dirty="0"/>
+        </a:p>
+      </dsp:txBody>
+      <dsp:txXfrm>
+        <a:off x="5155141" y="1279296"/>
+        <a:ext cx="2386548" cy="1718314"/>
+      </dsp:txXfrm>
+    </dsp:sp>
+    <dsp:sp modelId="{0B2D323B-5F64-4B3A-AC15-D3DC2BC7124C}">
+      <dsp:nvSpPr>
+        <dsp:cNvPr id="0" name=""/>
+        <dsp:cNvSpPr/>
+      </dsp:nvSpPr>
+      <dsp:spPr>
+        <a:xfrm>
+          <a:off x="5155141" y="133753"/>
+          <a:ext cx="2386548" cy="1145543"/>
+        </a:xfrm>
+        <a:prstGeom prst="rect">
+          <a:avLst/>
+        </a:prstGeom>
+        <a:noFill/>
+        <a:ln w="12700" cap="flat" cmpd="sng" algn="ctr">
+          <a:noFill/>
+          <a:prstDash val="solid"/>
+          <a:miter lim="800000"/>
+        </a:ln>
+        <a:effectLst/>
+        <a:sp3d/>
+      </dsp:spPr>
+      <dsp:style>
+        <a:lnRef idx="2">
+          <a:scrgbClr r="0" g="0" b="0"/>
+        </a:lnRef>
+        <a:fillRef idx="1">
+          <a:scrgbClr r="0" g="0" b="0"/>
+        </a:fillRef>
+        <a:effectRef idx="0">
+          <a:scrgbClr r="0" g="0" b="0"/>
+        </a:effectRef>
+        <a:fontRef idx="minor">
+          <a:schemeClr val="lt1"/>
+        </a:fontRef>
+      </dsp:style>
+      <dsp:txBody>
+        <a:bodyPr spcFirstLastPara="0" vert="horz" wrap="square" lIns="235738" tIns="165100" rIns="235738" bIns="165100" numCol="1" spcCol="1270" anchor="ctr" anchorCtr="0">
+          <a:noAutofit/>
+        </a:bodyPr>
+        <a:lstStyle/>
+        <a:p>
+          <a:pPr marL="0" lvl="0" indent="0" algn="l" defTabSz="889000">
+            <a:lnSpc>
+              <a:spcPct val="90000"/>
+            </a:lnSpc>
+            <a:spcBef>
+              <a:spcPct val="0"/>
+            </a:spcBef>
+            <a:spcAft>
+              <a:spcPct val="35000"/>
+            </a:spcAft>
+            <a:buNone/>
+          </a:pPr>
+          <a:endParaRPr lang="en-US" sz="2000" kern="1200"/>
+        </a:p>
+      </dsp:txBody>
+      <dsp:txXfrm>
+        <a:off x="5155141" y="133753"/>
+        <a:ext cx="2386548" cy="1145543"/>
+      </dsp:txXfrm>
+    </dsp:sp>
+    <dsp:sp modelId="{3614FA8F-1114-48EF-881F-6B8B32E3ED67}">
+      <dsp:nvSpPr>
+        <dsp:cNvPr id="0" name=""/>
+        <dsp:cNvSpPr/>
+      </dsp:nvSpPr>
+      <dsp:spPr>
+        <a:xfrm>
+          <a:off x="7732614" y="133753"/>
+          <a:ext cx="2386548" cy="2863857"/>
+        </a:xfrm>
+        <a:prstGeom prst="rect">
+          <a:avLst/>
+        </a:prstGeom>
+        <a:solidFill>
+          <a:schemeClr val="accent5">
+            <a:hueOff val="-6758543"/>
+            <a:satOff val="-17419"/>
+            <a:lumOff val="-11765"/>
+            <a:alphaOff val="0"/>
+          </a:schemeClr>
+        </a:solidFill>
+        <a:ln w="12700" cap="flat" cmpd="sng" algn="ctr">
+          <a:solidFill>
+            <a:schemeClr val="accent5">
+              <a:hueOff val="-6758543"/>
+              <a:satOff val="-17419"/>
+              <a:lumOff val="-11765"/>
+              <a:alphaOff val="0"/>
+            </a:schemeClr>
+          </a:solidFill>
+          <a:prstDash val="solid"/>
+          <a:miter lim="800000"/>
+        </a:ln>
+        <a:effectLst/>
+      </dsp:spPr>
+      <dsp:style>
+        <a:lnRef idx="2">
+          <a:scrgbClr r="0" g="0" b="0"/>
+        </a:lnRef>
+        <a:fillRef idx="1">
+          <a:scrgbClr r="0" g="0" b="0"/>
+        </a:fillRef>
+        <a:effectRef idx="0">
+          <a:scrgbClr r="0" g="0" b="0"/>
+        </a:effectRef>
+        <a:fontRef idx="minor">
+          <a:schemeClr val="lt1"/>
+        </a:fontRef>
+      </dsp:style>
+      <dsp:txBody>
+        <a:bodyPr spcFirstLastPara="0" vert="horz" wrap="square" lIns="235738" tIns="0" rIns="235738" bIns="330200" numCol="1" spcCol="1270" anchor="t" anchorCtr="0">
+          <a:noAutofit/>
+        </a:bodyPr>
+        <a:lstStyle/>
+        <a:p>
+          <a:pPr marL="0" lvl="0" indent="0" algn="l" defTabSz="889000">
+            <a:lnSpc>
+              <a:spcPct val="90000"/>
+            </a:lnSpc>
+            <a:spcBef>
+              <a:spcPct val="0"/>
+            </a:spcBef>
+            <a:spcAft>
+              <a:spcPct val="35000"/>
+            </a:spcAft>
+            <a:buNone/>
+          </a:pPr>
+          <a:r>
+            <a:rPr lang="es-AR" sz="2000" kern="1200" dirty="0"/>
+            <a:t>Contratar la menor cantidad de Operadores</a:t>
+          </a:r>
+          <a:endParaRPr lang="en-US" sz="2000" kern="1200" dirty="0"/>
+        </a:p>
+      </dsp:txBody>
+      <dsp:txXfrm>
+        <a:off x="7732614" y="1279296"/>
+        <a:ext cx="2386548" cy="1718314"/>
+      </dsp:txXfrm>
+    </dsp:sp>
+    <dsp:sp modelId="{239DEE0D-8A3B-493D-A2EA-EA4A0020ABF2}">
+      <dsp:nvSpPr>
+        <dsp:cNvPr id="0" name=""/>
+        <dsp:cNvSpPr/>
+      </dsp:nvSpPr>
+      <dsp:spPr>
+        <a:xfrm>
+          <a:off x="7732614" y="133753"/>
+          <a:ext cx="2386548" cy="1145543"/>
+        </a:xfrm>
+        <a:prstGeom prst="rect">
+          <a:avLst/>
+        </a:prstGeom>
+        <a:noFill/>
+        <a:ln w="12700" cap="flat" cmpd="sng" algn="ctr">
+          <a:noFill/>
+          <a:prstDash val="solid"/>
+          <a:miter lim="800000"/>
+        </a:ln>
+        <a:effectLst/>
+        <a:sp3d/>
+      </dsp:spPr>
+      <dsp:style>
+        <a:lnRef idx="2">
+          <a:scrgbClr r="0" g="0" b="0"/>
+        </a:lnRef>
+        <a:fillRef idx="1">
+          <a:scrgbClr r="0" g="0" b="0"/>
+        </a:fillRef>
+        <a:effectRef idx="0">
+          <a:scrgbClr r="0" g="0" b="0"/>
+        </a:effectRef>
+        <a:fontRef idx="minor">
+          <a:schemeClr val="lt1"/>
+        </a:fontRef>
+      </dsp:style>
+      <dsp:txBody>
+        <a:bodyPr spcFirstLastPara="0" vert="horz" wrap="square" lIns="235738" tIns="165100" rIns="235738" bIns="165100" numCol="1" spcCol="1270" anchor="ctr" anchorCtr="0">
+          <a:noAutofit/>
+        </a:bodyPr>
+        <a:lstStyle/>
+        <a:p>
+          <a:pPr marL="0" lvl="0" indent="0" algn="l" defTabSz="889000">
+            <a:lnSpc>
+              <a:spcPct val="90000"/>
+            </a:lnSpc>
+            <a:spcBef>
+              <a:spcPct val="0"/>
+            </a:spcBef>
+            <a:spcAft>
+              <a:spcPct val="35000"/>
+            </a:spcAft>
+            <a:buNone/>
+          </a:pPr>
+          <a:endParaRPr lang="en-US" sz="2000" kern="1200"/>
+        </a:p>
+      </dsp:txBody>
+      <dsp:txXfrm>
+        <a:off x="7732614" y="133753"/>
+        <a:ext cx="2386548" cy="1145543"/>
+      </dsp:txXfrm>
+    </dsp:sp>
+  </dsp:spTree>
+</dsp:drawing>
 </file>
 
-<file path=ppt/charts/colors1.xml><?xml version="1.0" encoding="utf-8"?>
-<cs:colorStyle xmlns:cs="http://schemas.microsoft.com/office/drawing/2012/chartStyle" xmlns:a="http://schemas.openxmlformats.org/drawingml/2006/main" meth="cycle" id="10">
-  <a:schemeClr val="accent1"/>
-  <a:schemeClr val="accent2"/>
-  <a:schemeClr val="accent3"/>
-  <a:schemeClr val="accent4"/>
-  <a:schemeClr val="accent5"/>
-  <a:schemeClr val="accent6"/>
-  <cs:variation/>
-  <cs:variation>
-    <a:lumMod val="60000"/>
-  </cs:variation>
-  <cs:variation>
-    <a:lumMod val="80000"/>
-    <a:lumOff val="20000"/>
-  </cs:variation>
-  <cs:variation>
-    <a:lumMod val="80000"/>
-  </cs:variation>
-  <cs:variation>
-    <a:lumMod val="60000"/>
-    <a:lumOff val="40000"/>
-  </cs:variation>
-  <cs:variation>
-    <a:lumMod val="50000"/>
-  </cs:variation>
-  <cs:variation>
-    <a:lumMod val="70000"/>
-    <a:lumOff val="30000"/>
-  </cs:variation>
-  <cs:variation>
-    <a:lumMod val="70000"/>
-  </cs:variation>
-  <cs:variation>
-    <a:lumMod val="50000"/>
-    <a:lumOff val="50000"/>
-  </cs:variation>
-</cs:colorStyle>
+<file path=ppt/diagrams/layout1.xml><?xml version="1.0" encoding="utf-8"?>
+<dgm:layoutDef xmlns:dgm="http://schemas.openxmlformats.org/drawingml/2006/diagram" xmlns:a="http://schemas.openxmlformats.org/drawingml/2006/main" uniqueId="urn:microsoft.com/office/officeart/2016/7/layout/LinearBlockProcessNumbered">
+  <dgm:title val="Linear Block Process Numbered"/>
+  <dgm:desc val="Used to show a progression; a timeline; sequential steps in a task, process, or workflow; or to emphasize movement or direction. Automatic numbers have been introduced to show the steps of the process. Level 1 text and Level 2 text both appears in a rectangle."/>
+  <dgm:catLst>
+    <dgm:cat type="process" pri="500"/>
+  </dgm:catLst>
+  <dgm:sampData>
+    <dgm:dataModel>
+      <dgm:ptLst>
+        <dgm:pt modelId="0" type="doc"/>
+        <dgm:pt modelId="1">
+          <dgm:prSet phldr="1"/>
+        </dgm:pt>
+        <dgm:pt modelId="11">
+          <dgm:prSet phldr="1"/>
+        </dgm:pt>
+        <dgm:pt modelId="2">
+          <dgm:prSet phldr="1"/>
+        </dgm:pt>
+        <dgm:pt modelId="21">
+          <dgm:prSet phldr="1"/>
+        </dgm:pt>
+        <dgm:pt modelId="3">
+          <dgm:prSet phldr="1"/>
+        </dgm:pt>
+        <dgm:pt modelId="31">
+          <dgm:prSet phldr="1"/>
+        </dgm:pt>
+        <dgm:pt modelId="101" type="sibTrans" cxnId="4">
+          <dgm:prSet phldrT="1"/>
+          <dgm:t>
+            <a:bodyPr/>
+            <a:lstStyle/>
+            <a:p>
+              <a:r>
+                <a:t>01</a:t>
+              </a:r>
+            </a:p>
+          </dgm:t>
+        </dgm:pt>
+        <dgm:pt modelId="201" type="sibTrans" cxnId="5">
+          <dgm:prSet phldrT="2"/>
+          <dgm:t>
+            <a:bodyPr/>
+            <a:lstStyle/>
+            <a:p>
+              <a:r>
+                <a:t>02</a:t>
+              </a:r>
+            </a:p>
+          </dgm:t>
+        </dgm:pt>
+        <dgm:pt modelId="301" type="sibTrans" cxnId="6">
+          <dgm:prSet phldrT="3"/>
+          <dgm:t>
+            <a:bodyPr/>
+            <a:lstStyle/>
+            <a:p>
+              <a:r>
+                <a:t>03</a:t>
+              </a:r>
+            </a:p>
+          </dgm:t>
+        </dgm:pt>
+      </dgm:ptLst>
+      <dgm:cxnLst>
+        <dgm:cxn modelId="4" srcId="0" destId="1" srcOrd="0" destOrd="0" sibTransId="101"/>
+        <dgm:cxn modelId="5" srcId="0" destId="2" srcOrd="1" destOrd="0" sibTransId="201"/>
+        <dgm:cxn modelId="6" srcId="0" destId="3" srcOrd="2" destOrd="0" sibTransId="301"/>
+        <dgm:cxn modelId="13" srcId="1" destId="11" srcOrd="0" destOrd="0"/>
+        <dgm:cxn modelId="23" srcId="2" destId="21" srcOrd="0" destOrd="0"/>
+        <dgm:cxn modelId="33" srcId="3" destId="31" srcOrd="0" destOrd="0"/>
+      </dgm:cxnLst>
+      <dgm:bg/>
+      <dgm:whole/>
+    </dgm:dataModel>
+  </dgm:sampData>
+  <dgm:styleData>
+    <dgm:dataModel>
+      <dgm:ptLst>
+        <dgm:pt modelId="0" type="doc"/>
+        <dgm:pt modelId="1"/>
+        <dgm:pt modelId="11"/>
+        <dgm:pt modelId="2"/>
+        <dgm:pt modelId="21"/>
+      </dgm:ptLst>
+      <dgm:cxnLst>
+        <dgm:cxn modelId="4" srcId="0" destId="1" srcOrd="0" destOrd="0"/>
+        <dgm:cxn modelId="5" srcId="0" destId="2" srcOrd="1" destOrd="0"/>
+        <dgm:cxn modelId="13" srcId="1" destId="11" srcOrd="0" destOrd="0"/>
+        <dgm:cxn modelId="23" srcId="2" destId="21" srcOrd="0" destOrd="0"/>
+      </dgm:cxnLst>
+      <dgm:bg/>
+      <dgm:whole/>
+    </dgm:dataModel>
+  </dgm:styleData>
+  <dgm:clrData>
+    <dgm:dataModel>
+      <dgm:ptLst>
+        <dgm:pt modelId="0" type="doc"/>
+        <dgm:pt modelId="1"/>
+        <dgm:pt modelId="11"/>
+        <dgm:pt modelId="2"/>
+        <dgm:pt modelId="21"/>
+        <dgm:pt modelId="3"/>
+        <dgm:pt modelId="31"/>
+        <dgm:pt modelId="4"/>
+        <dgm:pt modelId="41"/>
+      </dgm:ptLst>
+      <dgm:cxnLst>
+        <dgm:cxn modelId="5" srcId="0" destId="1" srcOrd="0" destOrd="0"/>
+        <dgm:cxn modelId="6" srcId="0" destId="2" srcOrd="1" destOrd="0"/>
+        <dgm:cxn modelId="7" srcId="0" destId="3" srcOrd="2" destOrd="0"/>
+        <dgm:cxn modelId="8" srcId="0" destId="4" srcOrd="3" destOrd="0"/>
+        <dgm:cxn modelId="13" srcId="1" destId="11" srcOrd="0" destOrd="0"/>
+        <dgm:cxn modelId="23" srcId="2" destId="21" srcOrd="0" destOrd="0"/>
+        <dgm:cxn modelId="33" srcId="3" destId="31" srcOrd="0" destOrd="0"/>
+        <dgm:cxn modelId="43" srcId="4" destId="41" srcOrd="0" destOrd="0"/>
+      </dgm:cxnLst>
+      <dgm:bg/>
+      <dgm:whole/>
+    </dgm:dataModel>
+  </dgm:clrData>
+  <dgm:layoutNode name="Name0">
+    <dgm:varLst>
+      <dgm:animLvl val="lvl"/>
+      <dgm:resizeHandles val="exact"/>
+    </dgm:varLst>
+    <dgm:alg type="lin">
+      <dgm:param type="linDir" val="fromL"/>
+      <dgm:param type="nodeVertAlign" val="t"/>
+    </dgm:alg>
+    <dgm:shape xmlns:r="http://schemas.openxmlformats.org/officeDocument/2006/relationships" r:blip="">
+      <dgm:adjLst/>
+    </dgm:shape>
+    <dgm:presOf/>
+    <dgm:constrLst>
+      <dgm:constr type="h" for="ch" forName="compositeNode" refType="h"/>
+      <dgm:constr type="w" for="ch" forName="compositeNode" refType="w"/>
+      <dgm:constr type="w" for="des" forName="simulatedConn" refType="w" refFor="ch" refForName="compositeNode" fact="0.15"/>
+      <dgm:constr type="h" for="des" forName="simulatedConn" refType="w" refFor="des" refForName="simulatedConn"/>
+      <dgm:constr type="h" for="des" forName="vSp1" refType="w" refFor="ch" refForName="compositeNode" fact="0.8"/>
+      <dgm:constr type="h" for="des" forName="vSp2" refType="w" refFor="ch" refForName="compositeNode" fact="0.07"/>
+      <dgm:constr type="w" for="ch" forName="vProcSp" refType="w" refFor="des" refForName="simulatedConn" op="equ"/>
+      <dgm:constr type="h" for="ch" forName="vProcSp" refType="h" refFor="ch" refForName="compositeNode" op="equ"/>
+      <dgm:constr type="w" for="ch" forName="sibTrans" refType="w" refFor="ch" refForName="compositeNode" fact="0.08"/>
+      <dgm:constr type="primFontSz" for="des" forName="sibTransNodeRect" op="equ"/>
+      <dgm:constr type="primFontSz" for="des" forName="nodeRect" op="equ"/>
+    </dgm:constrLst>
+    <dgm:ruleLst/>
+    <dgm:forEach name="Name4" axis="ch" ptType="node">
+      <dgm:layoutNode name="compositeNode">
+        <dgm:varLst>
+          <dgm:bulletEnabled val="1"/>
+        </dgm:varLst>
+        <dgm:alg type="composite"/>
+        <dgm:constrLst>
+          <dgm:constr type="h" refType="w" op="lte" fact="1.2"/>
+          <dgm:constr type="w" for="ch" forName="bgRect" refType="w"/>
+          <dgm:constr type="h" for="ch" forName="bgRect" refType="h"/>
+          <dgm:constr type="t" for="ch" forName="bgRect"/>
+          <dgm:constr type="l" for="ch" forName="bgRect"/>
+          <dgm:constr type="w" for="ch" forName="sibTransNodeRect" refType="w" refFor="ch" refForName="bgRect"/>
+          <dgm:constr type="h" for="ch" forName="sibTransNodeRect" refType="h" refFor="ch" refForName="bgRect" fact="0.4"/>
+          <dgm:constr type="t" for="ch" forName="sibTransNodeRect"/>
+          <dgm:constr type="l" for="ch" forName="sibTransNodeRect"/>
+          <dgm:constr type="r" for="ch" forName="nodeRect" refType="r" refFor="ch" refForName="bgRect"/>
+          <dgm:constr type="h" for="ch" forName="nodeRect" refType="h" refFor="ch" refForName="bgRect" fact="0.6"/>
+          <dgm:constr type="t" for="ch" forName="nodeRect" refType="b" refFor="ch" refForName="sibTransNodeRect"/>
+          <dgm:constr type="l" for="ch" forName="nodeRect" refType="l" refFor="ch" refForName="bgRect"/>
+        </dgm:constrLst>
+        <dgm:ruleLst>
+          <dgm:rule type="w" for="ch" forName="nodeRect" val="NaN" fact="NaN" max="30"/>
+        </dgm:ruleLst>
+        <dgm:layoutNode name="bgRect" styleLbl="alignNode1">
+          <dgm:alg type="sp"/>
+          <dgm:shape xmlns:r="http://schemas.openxmlformats.org/officeDocument/2006/relationships" type="rect" r:blip="">
+            <dgm:adjLst>
+              <dgm:adj idx="1" val="0.05"/>
+            </dgm:adjLst>
+          </dgm:shape>
+          <dgm:presOf axis="self"/>
+          <dgm:constrLst/>
+          <dgm:ruleLst/>
+        </dgm:layoutNode>
+        <dgm:forEach name="Name19" axis="followSib" ptType="sibTrans" hideLastTrans="0" cnt="1">
+          <dgm:layoutNode name="sibTransNodeRect" styleLbl="alignNode1">
+            <dgm:varLst>
+              <dgm:chMax val="0"/>
+              <dgm:bulletEnabled val="1"/>
+            </dgm:varLst>
+            <dgm:presOf axis="self"/>
+            <dgm:alg type="tx">
+              <dgm:param type="parTxLTRAlign" val="l"/>
+              <dgm:param type="parTxRTLAlign" val="l"/>
+            </dgm:alg>
+            <dgm:shape xmlns:r="http://schemas.openxmlformats.org/officeDocument/2006/relationships" type="rect" r:blip="" hideGeom="1">
+              <dgm:adjLst/>
+            </dgm:shape>
+            <dgm:constrLst>
+              <dgm:constr type="primFontSz" val="66"/>
+              <dgm:constr type="tMarg" val="13"/>
+              <dgm:constr type="lMarg" refType="w" fact="0.28"/>
+              <dgm:constr type="rMarg" refType="w" fact="0.28"/>
+              <dgm:constr type="bMarg" val="13"/>
+            </dgm:constrLst>
+            <dgm:ruleLst>
+              <dgm:rule type="primFontSz" val="14" fact="NaN" max="NaN"/>
+              <dgm:rule type="tMarg" val="13" fact="NaN" max="NaN"/>
+            </dgm:ruleLst>
+          </dgm:layoutNode>
+        </dgm:forEach>
+        <dgm:layoutNode name="nodeRect" styleLbl="alignNode1" moveWith="bgRect">
+          <dgm:varLst>
+            <dgm:bulletEnabled val="1"/>
+          </dgm:varLst>
+          <dgm:alg type="tx">
+            <dgm:param type="parTxLTRAlign" val="l"/>
+            <dgm:param type="parTxRTLAlign" val="r"/>
+            <dgm:param type="txAnchorVert" val="t"/>
+            <dgm:param type="stBulletLvl" val="2"/>
+          </dgm:alg>
+          <dgm:shape xmlns:r="http://schemas.openxmlformats.org/officeDocument/2006/relationships" type="rect" r:blip="" hideGeom="1">
+            <dgm:adjLst/>
+          </dgm:shape>
+          <dgm:presOf axis="desOrSelf" ptType="node"/>
+          <dgm:constrLst>
+            <dgm:constr type="primFontSz" val="26"/>
+            <dgm:constr type="tMarg"/>
+            <dgm:constr type="lMarg" refType="w" fact="0.28"/>
+            <dgm:constr type="rMarg" refType="w" fact="0.28"/>
+            <dgm:constr type="bMarg" val="26"/>
+          </dgm:constrLst>
+          <dgm:ruleLst>
+            <dgm:rule type="primFontSz" val="11" fact="NaN" max="NaN"/>
+          </dgm:ruleLst>
+        </dgm:layoutNode>
+      </dgm:layoutNode>
+      <dgm:forEach name="Name14" axis="followSib" ptType="sibTrans" cnt="1">
+        <dgm:layoutNode name="sibTrans">
+          <dgm:alg type="sp"/>
+          <dgm:shape xmlns:r="http://schemas.openxmlformats.org/officeDocument/2006/relationships" r:blip="">
+            <dgm:adjLst/>
+          </dgm:shape>
+          <dgm:presOf/>
+          <dgm:constrLst/>
+          <dgm:ruleLst/>
+        </dgm:layoutNode>
+      </dgm:forEach>
+    </dgm:forEach>
+  </dgm:layoutNode>
+  <dgm:extLst>
+    <a:ext uri="{4F341089-5ED1-44EC-B178-C955D00A3D55}">
+      <dgm1611:autoBuNodeInfoLst xmlns:dgm1611="http://schemas.microsoft.com/office/drawing/2016/11/diagram">
+        <dgm1611:autoBuNodeInfo lvl="1" ptType="sibTrans">
+          <dgm1611:buPr prefix="" leadZeros="1">
+            <a:buAutoNum type="arabicParenBoth"/>
+          </dgm1611:buPr>
+        </dgm1611:autoBuNodeInfo>
+      </dgm1611:autoBuNodeInfoLst>
+    </a:ext>
+  </dgm:extLst>
+</dgm:layoutDef>
 </file>
 
-<file path=ppt/charts/style1.xml><?xml version="1.0" encoding="utf-8"?>
-<cs:chartStyle xmlns:cs="http://schemas.microsoft.com/office/drawing/2012/chartStyle" xmlns:a="http://schemas.openxmlformats.org/drawingml/2006/main" id="201">
-  <cs:axisTitle>
-    <cs:lnRef idx="0"/>
-    <cs:fillRef idx="0"/>
-    <cs:effectRef idx="0"/>
-    <cs:fontRef idx="minor">
-      <a:schemeClr val="tx1">
-        <a:lumMod val="65000"/>
-        <a:lumOff val="35000"/>
-      </a:schemeClr>
-    </cs:fontRef>
-    <cs:defRPr sz="1330" kern="1200"/>
-  </cs:axisTitle>
-  <cs:categoryAxis>
-    <cs:lnRef idx="0"/>
-    <cs:fillRef idx="0"/>
-    <cs:effectRef idx="0"/>
-    <cs:fontRef idx="minor">
-      <a:schemeClr val="tx1">
-        <a:lumMod val="65000"/>
-        <a:lumOff val="35000"/>
-      </a:schemeClr>
-    </cs:fontRef>
-    <cs:spPr>
-      <a:ln w="9525" cap="flat" cmpd="sng" algn="ctr">
-        <a:solidFill>
-          <a:schemeClr val="tx1">
-            <a:lumMod val="15000"/>
-            <a:lumOff val="85000"/>
-          </a:schemeClr>
-        </a:solidFill>
-        <a:round/>
-      </a:ln>
-    </cs:spPr>
-    <cs:defRPr sz="1197" kern="1200"/>
-  </cs:categoryAxis>
-  <cs:chartArea mods="allowNoFillOverride allowNoLineOverride">
-    <cs:lnRef idx="0"/>
-    <cs:fillRef idx="0"/>
-    <cs:effectRef idx="0"/>
-    <cs:fontRef idx="minor">
-      <a:schemeClr val="tx1"/>
-    </cs:fontRef>
-    <cs:spPr>
-      <a:solidFill>
-        <a:schemeClr val="bg1"/>
-      </a:solidFill>
-      <a:ln w="9525" cap="flat" cmpd="sng" algn="ctr">
-        <a:solidFill>
-          <a:schemeClr val="tx1">
-            <a:lumMod val="15000"/>
-            <a:lumOff val="85000"/>
-          </a:schemeClr>
-        </a:solidFill>
-        <a:round/>
-      </a:ln>
-    </cs:spPr>
-    <cs:defRPr sz="1330" kern="1200"/>
-  </cs:chartArea>
-  <cs:dataLabel>
-    <cs:lnRef idx="0"/>
-    <cs:fillRef idx="0"/>
-    <cs:effectRef idx="0"/>
-    <cs:fontRef idx="minor">
-      <a:schemeClr val="tx1">
-        <a:lumMod val="75000"/>
-        <a:lumOff val="25000"/>
-      </a:schemeClr>
-    </cs:fontRef>
-    <cs:defRPr sz="1197" kern="1200"/>
-  </cs:dataLabel>
-  <cs:dataLabelCallout>
-    <cs:lnRef idx="0"/>
-    <cs:fillRef idx="0"/>
-    <cs:effectRef idx="0"/>
-    <cs:fontRef idx="minor">
-      <a:schemeClr val="dk1">
-        <a:lumMod val="65000"/>
-        <a:lumOff val="35000"/>
-      </a:schemeClr>
-    </cs:fontRef>
-    <cs:spPr>
-      <a:solidFill>
+<file path=ppt/diagrams/quickStyle1.xml><?xml version="1.0" encoding="utf-8"?>
+<dgm:styleDef xmlns:dgm="http://schemas.openxmlformats.org/drawingml/2006/diagram" xmlns:a="http://schemas.openxmlformats.org/drawingml/2006/main" uniqueId="urn:microsoft.com/office/officeart/2005/8/quickstyle/simple1">
+  <dgm:title val=""/>
+  <dgm:desc val=""/>
+  <dgm:catLst>
+    <dgm:cat type="simple" pri="10100"/>
+  </dgm:catLst>
+  <dgm:scene3d>
+    <a:camera prst="orthographicFront"/>
+    <a:lightRig rig="threePt" dir="t"/>
+  </dgm:scene3d>
+  <dgm:styleLbl name="node0">
+    <dgm:scene3d>
+      <a:camera prst="orthographicFront"/>
+      <a:lightRig rig="threePt" dir="t"/>
+    </dgm:scene3d>
+    <dgm:sp3d/>
+    <dgm:txPr/>
+    <dgm:style>
+      <a:lnRef idx="2">
+        <a:scrgbClr r="0" g="0" b="0"/>
+      </a:lnRef>
+      <a:fillRef idx="1">
+        <a:scrgbClr r="0" g="0" b="0"/>
+      </a:fillRef>
+      <a:effectRef idx="0">
+        <a:scrgbClr r="0" g="0" b="0"/>
+      </a:effectRef>
+      <a:fontRef idx="minor">
         <a:schemeClr val="lt1"/>
-      </a:solidFill>
-      <a:ln>
-        <a:solidFill>
-          <a:schemeClr val="dk1">
-            <a:lumMod val="25000"/>
-            <a:lumOff val="75000"/>
-          </a:schemeClr>
-        </a:solidFill>
-      </a:ln>
-    </cs:spPr>
-    <cs:defRPr sz="1197" kern="1200"/>
-    <cs:bodyPr rot="0" spcFirstLastPara="1" vertOverflow="clip" horzOverflow="clip" vert="horz" wrap="square" lIns="36576" tIns="18288" rIns="36576" bIns="18288" anchor="ctr" anchorCtr="1">
-      <a:spAutoFit/>
-    </cs:bodyPr>
-  </cs:dataLabelCallout>
-  <cs:dataPoint>
-    <cs:lnRef idx="0"/>
-    <cs:fillRef idx="1">
-      <cs:styleClr val="auto"/>
-    </cs:fillRef>
-    <cs:effectRef idx="0"/>
-    <cs:fontRef idx="minor">
-      <a:schemeClr val="tx1"/>
-    </cs:fontRef>
-  </cs:dataPoint>
-  <cs:dataPoint3D>
-    <cs:lnRef idx="0"/>
-    <cs:fillRef idx="1">
-      <cs:styleClr val="auto"/>
-    </cs:fillRef>
-    <cs:effectRef idx="0"/>
-    <cs:fontRef idx="minor">
-      <a:schemeClr val="tx1"/>
-    </cs:fontRef>
-  </cs:dataPoint3D>
-  <cs:dataPointLine>
-    <cs:lnRef idx="0">
-      <cs:styleClr val="auto"/>
-    </cs:lnRef>
-    <cs:fillRef idx="1"/>
-    <cs:effectRef idx="0"/>
-    <cs:fontRef idx="minor">
-      <a:schemeClr val="tx1"/>
-    </cs:fontRef>
-    <cs:spPr>
-      <a:ln w="28575" cap="rnd">
-        <a:solidFill>
-          <a:schemeClr val="phClr"/>
-        </a:solidFill>
-        <a:round/>
-      </a:ln>
-    </cs:spPr>
-  </cs:dataPointLine>
-  <cs:dataPointMarker>
-    <cs:lnRef idx="0">
-      <cs:styleClr val="auto"/>
-    </cs:lnRef>
-    <cs:fillRef idx="1">
-      <cs:styleClr val="auto"/>
-    </cs:fillRef>
-    <cs:effectRef idx="0"/>
-    <cs:fontRef idx="minor">
-      <a:schemeClr val="tx1"/>
-    </cs:fontRef>
-    <cs:spPr>
-      <a:ln w="9525">
-        <a:solidFill>
-          <a:schemeClr val="phClr"/>
-        </a:solidFill>
-      </a:ln>
-    </cs:spPr>
-  </cs:dataPointMarker>
-  <cs:dataPointMarkerLayout symbol="circle" size="5"/>
-  <cs:dataPointWireframe>
-    <cs:lnRef idx="0">
-      <cs:styleClr val="auto"/>
-    </cs:lnRef>
-    <cs:fillRef idx="1"/>
-    <cs:effectRef idx="0"/>
-    <cs:fontRef idx="minor">
-      <a:schemeClr val="tx1"/>
-    </cs:fontRef>
-    <cs:spPr>
-      <a:ln w="9525" cap="rnd">
-        <a:solidFill>
-          <a:schemeClr val="phClr"/>
-        </a:solidFill>
-        <a:round/>
-      </a:ln>
-    </cs:spPr>
-  </cs:dataPointWireframe>
-  <cs:dataTable>
-    <cs:lnRef idx="0"/>
-    <cs:fillRef idx="0"/>
-    <cs:effectRef idx="0"/>
-    <cs:fontRef idx="minor">
-      <a:schemeClr val="tx1">
-        <a:lumMod val="65000"/>
-        <a:lumOff val="35000"/>
-      </a:schemeClr>
-    </cs:fontRef>
-    <cs:spPr>
-      <a:noFill/>
-      <a:ln w="9525" cap="flat" cmpd="sng" algn="ctr">
-        <a:solidFill>
-          <a:schemeClr val="tx1">
-            <a:lumMod val="15000"/>
-            <a:lumOff val="85000"/>
-          </a:schemeClr>
-        </a:solidFill>
-        <a:round/>
-      </a:ln>
-    </cs:spPr>
-    <cs:defRPr sz="1197" kern="1200"/>
-  </cs:dataTable>
-  <cs:downBar>
-    <cs:lnRef idx="0"/>
-    <cs:fillRef idx="0"/>
-    <cs:effectRef idx="0"/>
-    <cs:fontRef idx="minor">
-      <a:schemeClr val="dk1"/>
-    </cs:fontRef>
-    <cs:spPr>
-      <a:solidFill>
-        <a:schemeClr val="dk1">
-          <a:lumMod val="65000"/>
-          <a:lumOff val="35000"/>
-        </a:schemeClr>
-      </a:solidFill>
-      <a:ln w="9525">
-        <a:solidFill>
-          <a:schemeClr val="tx1">
-            <a:lumMod val="65000"/>
-            <a:lumOff val="35000"/>
-          </a:schemeClr>
-        </a:solidFill>
-      </a:ln>
-    </cs:spPr>
-  </cs:downBar>
-  <cs:dropLine>
-    <cs:lnRef idx="0"/>
-    <cs:fillRef idx="0"/>
-    <cs:effectRef idx="0"/>
-    <cs:fontRef idx="minor">
-      <a:schemeClr val="tx1"/>
-    </cs:fontRef>
-    <cs:spPr>
-      <a:ln w="9525" cap="flat" cmpd="sng" algn="ctr">
-        <a:solidFill>
-          <a:schemeClr val="tx1">
-            <a:lumMod val="35000"/>
-            <a:lumOff val="65000"/>
-          </a:schemeClr>
-        </a:solidFill>
-        <a:round/>
-      </a:ln>
-    </cs:spPr>
-  </cs:dropLine>
-  <cs:errorBar>
-    <cs:lnRef idx="0"/>
-    <cs:fillRef idx="0"/>
-    <cs:effectRef idx="0"/>
-    <cs:fontRef idx="minor">
-      <a:schemeClr val="tx1"/>
-    </cs:fontRef>
-    <cs:spPr>
-      <a:ln w="9525" cap="flat" cmpd="sng" algn="ctr">
-        <a:solidFill>
-          <a:schemeClr val="tx1">
-            <a:lumMod val="65000"/>
-            <a:lumOff val="35000"/>
-          </a:schemeClr>
-        </a:solidFill>
-        <a:round/>
-      </a:ln>
-    </cs:spPr>
-  </cs:errorBar>
-  <cs:floor>
-    <cs:lnRef idx="0"/>
-    <cs:fillRef idx="0"/>
-    <cs:effectRef idx="0"/>
-    <cs:fontRef idx="minor">
-      <a:schemeClr val="tx1"/>
-    </cs:fontRef>
-    <cs:spPr>
-      <a:noFill/>
-      <a:ln>
-        <a:noFill/>
-      </a:ln>
-    </cs:spPr>
-  </cs:floor>
-  <cs:gridlineMajor>
-    <cs:lnRef idx="0"/>
-    <cs:fillRef idx="0"/>
-    <cs:effectRef idx="0"/>
-    <cs:fontRef idx="minor">
-      <a:schemeClr val="tx1"/>
-    </cs:fontRef>
-    <cs:spPr>
-      <a:ln w="9525" cap="flat" cmpd="sng" algn="ctr">
-        <a:solidFill>
-          <a:schemeClr val="tx1">
-            <a:lumMod val="15000"/>
-            <a:lumOff val="85000"/>
-          </a:schemeClr>
-        </a:solidFill>
-        <a:round/>
-      </a:ln>
-    </cs:spPr>
-  </cs:gridlineMajor>
-  <cs:gridlineMinor>
-    <cs:lnRef idx="0"/>
-    <cs:fillRef idx="0"/>
-    <cs:effectRef idx="0"/>
-    <cs:fontRef idx="minor">
-      <a:schemeClr val="tx1"/>
-    </cs:fontRef>
-    <cs:spPr>
-      <a:ln w="9525" cap="flat" cmpd="sng" algn="ctr">
-        <a:solidFill>
-          <a:schemeClr val="tx1">
-            <a:lumMod val="5000"/>
-            <a:lumOff val="95000"/>
-          </a:schemeClr>
-        </a:solidFill>
-        <a:round/>
-      </a:ln>
-    </cs:spPr>
-  </cs:gridlineMinor>
-  <cs:hiLoLine>
-    <cs:lnRef idx="0"/>
-    <cs:fillRef idx="0"/>
-    <cs:effectRef idx="0"/>
-    <cs:fontRef idx="minor">
-      <a:schemeClr val="tx1"/>
-    </cs:fontRef>
-    <cs:spPr>
-      <a:ln w="9525" cap="flat" cmpd="sng" algn="ctr">
-        <a:solidFill>
-          <a:schemeClr val="tx1">
-            <a:lumMod val="75000"/>
-            <a:lumOff val="25000"/>
-          </a:schemeClr>
-        </a:solidFill>
-        <a:round/>
-      </a:ln>
-    </cs:spPr>
-  </cs:hiLoLine>
-  <cs:leaderLine>
-    <cs:lnRef idx="0"/>
-    <cs:fillRef idx="0"/>
-    <cs:effectRef idx="0"/>
-    <cs:fontRef idx="minor">
-      <a:schemeClr val="tx1"/>
-    </cs:fontRef>
-    <cs:spPr>
-      <a:ln w="9525" cap="flat" cmpd="sng" algn="ctr">
-        <a:solidFill>
-          <a:schemeClr val="tx1">
-            <a:lumMod val="35000"/>
-            <a:lumOff val="65000"/>
-          </a:schemeClr>
-        </a:solidFill>
-        <a:round/>
-      </a:ln>
-    </cs:spPr>
-  </cs:leaderLine>
-  <cs:legend>
-    <cs:lnRef idx="0"/>
-    <cs:fillRef idx="0"/>
-    <cs:effectRef idx="0"/>
-    <cs:fontRef idx="minor">
-      <a:schemeClr val="tx1">
-        <a:lumMod val="65000"/>
-        <a:lumOff val="35000"/>
-      </a:schemeClr>
-    </cs:fontRef>
-    <cs:defRPr sz="1197" kern="1200"/>
-  </cs:legend>
-  <cs:plotArea mods="allowNoFillOverride allowNoLineOverride">
-    <cs:lnRef idx="0"/>
-    <cs:fillRef idx="0"/>
-    <cs:effectRef idx="0"/>
-    <cs:fontRef idx="minor">
-      <a:schemeClr val="tx1"/>
-    </cs:fontRef>
-  </cs:plotArea>
-  <cs:plotArea3D mods="allowNoFillOverride allowNoLineOverride">
-    <cs:lnRef idx="0"/>
-    <cs:fillRef idx="0"/>
-    <cs:effectRef idx="0"/>
-    <cs:fontRef idx="minor">
-      <a:schemeClr val="tx1"/>
-    </cs:fontRef>
-  </cs:plotArea3D>
-  <cs:seriesAxis>
-    <cs:lnRef idx="0"/>
-    <cs:fillRef idx="0"/>
-    <cs:effectRef idx="0"/>
-    <cs:fontRef idx="minor">
-      <a:schemeClr val="tx1">
-        <a:lumMod val="65000"/>
-        <a:lumOff val="35000"/>
-      </a:schemeClr>
-    </cs:fontRef>
-    <cs:defRPr sz="1197" kern="1200"/>
-  </cs:seriesAxis>
-  <cs:seriesLine>
-    <cs:lnRef idx="0"/>
-    <cs:fillRef idx="0"/>
-    <cs:effectRef idx="0"/>
-    <cs:fontRef idx="minor">
-      <a:schemeClr val="tx1"/>
-    </cs:fontRef>
-    <cs:spPr>
-      <a:ln w="9525" cap="flat" cmpd="sng" algn="ctr">
-        <a:solidFill>
-          <a:schemeClr val="tx1">
-            <a:lumMod val="35000"/>
-            <a:lumOff val="65000"/>
-          </a:schemeClr>
-        </a:solidFill>
-        <a:round/>
-      </a:ln>
-    </cs:spPr>
-  </cs:seriesLine>
-  <cs:title>
-    <cs:lnRef idx="0"/>
-    <cs:fillRef idx="0"/>
-    <cs:effectRef idx="0"/>
-    <cs:fontRef idx="minor">
-      <a:schemeClr val="tx1">
-        <a:lumMod val="65000"/>
-        <a:lumOff val="35000"/>
-      </a:schemeClr>
-    </cs:fontRef>
-    <cs:defRPr sz="1862" b="0" kern="1200" spc="0" baseline="0"/>
-  </cs:title>
-  <cs:trendline>
-    <cs:lnRef idx="0">
-      <cs:styleClr val="auto"/>
-    </cs:lnRef>
-    <cs:fillRef idx="0"/>
-    <cs:effectRef idx="0"/>
-    <cs:fontRef idx="minor">
-      <a:schemeClr val="tx1"/>
-    </cs:fontRef>
-    <cs:spPr>
-      <a:ln w="19050" cap="rnd">
-        <a:solidFill>
-          <a:schemeClr val="phClr"/>
-        </a:solidFill>
-        <a:prstDash val="sysDot"/>
-      </a:ln>
-    </cs:spPr>
-  </cs:trendline>
-  <cs:trendlineLabel>
-    <cs:lnRef idx="0"/>
-    <cs:fillRef idx="0"/>
-    <cs:effectRef idx="0"/>
-    <cs:fontRef idx="minor">
-      <a:schemeClr val="tx1">
-        <a:lumMod val="65000"/>
-        <a:lumOff val="35000"/>
-      </a:schemeClr>
-    </cs:fontRef>
-    <cs:defRPr sz="1197" kern="1200"/>
-  </cs:trendlineLabel>
-  <cs:upBar>
-    <cs:lnRef idx="0"/>
-    <cs:fillRef idx="0"/>
-    <cs:effectRef idx="0"/>
-    <cs:fontRef idx="minor">
-      <a:schemeClr val="dk1"/>
-    </cs:fontRef>
-    <cs:spPr>
-      <a:solidFill>
+      </a:fontRef>
+    </dgm:style>
+  </dgm:styleLbl>
+  <dgm:styleLbl name="lnNode1">
+    <dgm:scene3d>
+      <a:camera prst="orthographicFront"/>
+      <a:lightRig rig="threePt" dir="t"/>
+    </dgm:scene3d>
+    <dgm:sp3d/>
+    <dgm:txPr/>
+    <dgm:style>
+      <a:lnRef idx="2">
+        <a:scrgbClr r="0" g="0" b="0"/>
+      </a:lnRef>
+      <a:fillRef idx="1">
+        <a:scrgbClr r="0" g="0" b="0"/>
+      </a:fillRef>
+      <a:effectRef idx="0">
+        <a:scrgbClr r="0" g="0" b="0"/>
+      </a:effectRef>
+      <a:fontRef idx="minor">
         <a:schemeClr val="lt1"/>
-      </a:solidFill>
-      <a:ln w="9525">
-        <a:solidFill>
-          <a:schemeClr val="tx1">
-            <a:lumMod val="15000"/>
-            <a:lumOff val="85000"/>
-          </a:schemeClr>
-        </a:solidFill>
-      </a:ln>
-    </cs:spPr>
-  </cs:upBar>
-  <cs:valueAxis>
-    <cs:lnRef idx="0"/>
-    <cs:fillRef idx="0"/>
-    <cs:effectRef idx="0"/>
-    <cs:fontRef idx="minor">
-      <a:schemeClr val="tx1">
-        <a:lumMod val="65000"/>
-        <a:lumOff val="35000"/>
-      </a:schemeClr>
-    </cs:fontRef>
-    <cs:defRPr sz="1197" kern="1200"/>
-  </cs:valueAxis>
-  <cs:wall>
-    <cs:lnRef idx="0"/>
-    <cs:fillRef idx="0"/>
-    <cs:effectRef idx="0"/>
-    <cs:fontRef idx="minor">
-      <a:schemeClr val="tx1"/>
-    </cs:fontRef>
-    <cs:spPr>
-      <a:noFill/>
-      <a:ln>
-        <a:noFill/>
-      </a:ln>
-    </cs:spPr>
-  </cs:wall>
-</cs:chartStyle>
+      </a:fontRef>
+    </dgm:style>
+  </dgm:styleLbl>
+  <dgm:styleLbl name="vennNode1">
+    <dgm:scene3d>
+      <a:camera prst="orthographicFront"/>
+      <a:lightRig rig="threePt" dir="t"/>
+    </dgm:scene3d>
+    <dgm:sp3d/>
+    <dgm:txPr/>
+    <dgm:style>
+      <a:lnRef idx="2">
+        <a:scrgbClr r="0" g="0" b="0"/>
+      </a:lnRef>
+      <a:fillRef idx="1">
+        <a:scrgbClr r="0" g="0" b="0"/>
+      </a:fillRef>
+      <a:effectRef idx="0">
+        <a:scrgbClr r="0" g="0" b="0"/>
+      </a:effectRef>
+      <a:fontRef idx="minor">
+        <a:schemeClr val="tx1"/>
+      </a:fontRef>
+    </dgm:style>
+  </dgm:styleLbl>
+  <dgm:styleLbl name="alignNode1">
+    <dgm:scene3d>
+      <a:camera prst="orthographicFront"/>
+      <a:lightRig rig="threePt" dir="t"/>
+    </dgm:scene3d>
+    <dgm:sp3d/>
+    <dgm:txPr/>
+    <dgm:style>
+      <a:lnRef idx="2">
+        <a:scrgbClr r="0" g="0" b="0"/>
+      </a:lnRef>
+      <a:fillRef idx="1">
+        <a:scrgbClr r="0" g="0" b="0"/>
+      </a:fillRef>
+      <a:effectRef idx="0">
+        <a:scrgbClr r="0" g="0" b="0"/>
+      </a:effectRef>
+      <a:fontRef idx="minor">
+        <a:schemeClr val="lt1"/>
+      </a:fontRef>
+    </dgm:style>
+  </dgm:styleLbl>
+  <dgm:styleLbl name="node1">
+    <dgm:scene3d>
+      <a:camera prst="orthographicFront"/>
+      <a:lightRig rig="threePt" dir="t"/>
+    </dgm:scene3d>
+    <dgm:sp3d/>
+    <dgm:txPr/>
+    <dgm:style>
+      <a:lnRef idx="2">
+        <a:scrgbClr r="0" g="0" b="0"/>
+      </a:lnRef>
+      <a:fillRef idx="1">
+        <a:scrgbClr r="0" g="0" b="0"/>
+      </a:fillRef>
+      <a:effectRef idx="0">
+        <a:scrgbClr r="0" g="0" b="0"/>
+      </a:effectRef>
+      <a:fontRef idx="minor">
+        <a:schemeClr val="lt1"/>
+      </a:fontRef>
+    </dgm:style>
+  </dgm:styleLbl>
+  <dgm:styleLbl name="node2">
+    <dgm:scene3d>
+      <a:camera prst="orthographicFront"/>
+      <a:lightRig rig="threePt" dir="t"/>
+    </dgm:scene3d>
+    <dgm:sp3d/>
+    <dgm:txPr/>
+    <dgm:style>
+      <a:lnRef idx="2">
+        <a:scrgbClr r="0" g="0" b="0"/>
+      </a:lnRef>
+      <a:fillRef idx="1">
+        <a:scrgbClr r="0" g="0" b="0"/>
+      </a:fillRef>
+      <a:effectRef idx="0">
+        <a:scrgbClr r="0" g="0" b="0"/>
+      </a:effectRef>
+      <a:fontRef idx="minor">
+        <a:schemeClr val="lt1"/>
+      </a:fontRef>
+    </dgm:style>
+  </dgm:styleLbl>
+  <dgm:styleLbl name="node3">
+    <dgm:scene3d>
+      <a:camera prst="orthographicFront"/>
+      <a:lightRig rig="threePt" dir="t"/>
+    </dgm:scene3d>
+    <dgm:sp3d/>
+    <dgm:txPr/>
+    <dgm:style>
+      <a:lnRef idx="2">
+        <a:scrgbClr r="0" g="0" b="0"/>
+      </a:lnRef>
+      <a:fillRef idx="1">
+        <a:scrgbClr r="0" g="0" b="0"/>
+      </a:fillRef>
+      <a:effectRef idx="0">
+        <a:scrgbClr r="0" g="0" b="0"/>
+      </a:effectRef>
+      <a:fontRef idx="minor">
+        <a:schemeClr val="lt1"/>
+      </a:fontRef>
+    </dgm:style>
+  </dgm:styleLbl>
+  <dgm:styleLbl name="node4">
+    <dgm:scene3d>
+      <a:camera prst="orthographicFront"/>
+      <a:lightRig rig="threePt" dir="t"/>
+    </dgm:scene3d>
+    <dgm:sp3d/>
+    <dgm:txPr/>
+    <dgm:style>
+      <a:lnRef idx="2">
+        <a:scrgbClr r="0" g="0" b="0"/>
+      </a:lnRef>
+      <a:fillRef idx="1">
+        <a:scrgbClr r="0" g="0" b="0"/>
+      </a:fillRef>
+      <a:effectRef idx="0">
+        <a:scrgbClr r="0" g="0" b="0"/>
+      </a:effectRef>
+      <a:fontRef idx="minor">
+        <a:schemeClr val="lt1"/>
+      </a:fontRef>
+    </dgm:style>
+  </dgm:styleLbl>
+  <dgm:styleLbl name="fgImgPlace1">
+    <dgm:scene3d>
+      <a:camera prst="orthographicFront"/>
+      <a:lightRig rig="threePt" dir="t"/>
+    </dgm:scene3d>
+    <dgm:sp3d/>
+    <dgm:txPr/>
+    <dgm:style>
+      <a:lnRef idx="2">
+        <a:scrgbClr r="0" g="0" b="0"/>
+      </a:lnRef>
+      <a:fillRef idx="1">
+        <a:scrgbClr r="0" g="0" b="0"/>
+      </a:fillRef>
+      <a:effectRef idx="0">
+        <a:scrgbClr r="0" g="0" b="0"/>
+      </a:effectRef>
+      <a:fontRef idx="minor"/>
+    </dgm:style>
+  </dgm:styleLbl>
+  <dgm:styleLbl name="alignImgPlace1">
+    <dgm:scene3d>
+      <a:camera prst="orthographicFront"/>
+      <a:lightRig rig="threePt" dir="t"/>
+    </dgm:scene3d>
+    <dgm:sp3d/>
+    <dgm:txPr/>
+    <dgm:style>
+      <a:lnRef idx="2">
+        <a:scrgbClr r="0" g="0" b="0"/>
+      </a:lnRef>
+      <a:fillRef idx="1">
+        <a:scrgbClr r="0" g="0" b="0"/>
+      </a:fillRef>
+      <a:effectRef idx="0">
+        <a:scrgbClr r="0" g="0" b="0"/>
+      </a:effectRef>
+      <a:fontRef idx="minor"/>
+    </dgm:style>
+  </dgm:styleLbl>
+  <dgm:styleLbl name="bgImgPlace1">
+    <dgm:scene3d>
+      <a:camera prst="orthographicFront"/>
+      <a:lightRig rig="threePt" dir="t"/>
+    </dgm:scene3d>
+    <dgm:sp3d/>
+    <dgm:txPr/>
+    <dgm:style>
+      <a:lnRef idx="2">
+        <a:scrgbClr r="0" g="0" b="0"/>
+      </a:lnRef>
+      <a:fillRef idx="1">
+        <a:scrgbClr r="0" g="0" b="0"/>
+      </a:fillRef>
+      <a:effectRef idx="0">
+        <a:scrgbClr r="0" g="0" b="0"/>
+      </a:effectRef>
+      <a:fontRef idx="minor"/>
+    </dgm:style>
+  </dgm:styleLbl>
+  <dgm:styleLbl name="sibTrans2D1">
+    <dgm:scene3d>
+      <a:camera prst="orthographicFront"/>
+      <a:lightRig rig="threePt" dir="t"/>
+    </dgm:scene3d>
+    <dgm:sp3d/>
+    <dgm:txPr/>
+    <dgm:style>
+      <a:lnRef idx="0">
+        <a:scrgbClr r="0" g="0" b="0"/>
+      </a:lnRef>
+      <a:fillRef idx="1">
+        <a:scrgbClr r="0" g="0" b="0"/>
+      </a:fillRef>
+      <a:effectRef idx="0">
+        <a:scrgbClr r="0" g="0" b="0"/>
+      </a:effectRef>
+      <a:fontRef idx="minor">
+        <a:schemeClr val="lt1"/>
+      </a:fontRef>
+    </dgm:style>
+  </dgm:styleLbl>
+  <dgm:styleLbl name="fgSibTrans2D1">
+    <dgm:scene3d>
+      <a:camera prst="orthographicFront"/>
+      <a:lightRig rig="threePt" dir="t"/>
+    </dgm:scene3d>
+    <dgm:sp3d/>
+    <dgm:txPr/>
+    <dgm:style>
+      <a:lnRef idx="0">
+        <a:scrgbClr r="0" g="0" b="0"/>
+      </a:lnRef>
+      <a:fillRef idx="1">
+        <a:scrgbClr r="0" g="0" b="0"/>
+      </a:fillRef>
+      <a:effectRef idx="0">
+        <a:scrgbClr r="0" g="0" b="0"/>
+      </a:effectRef>
+      <a:fontRef idx="minor">
+        <a:schemeClr val="lt1"/>
+      </a:fontRef>
+    </dgm:style>
+  </dgm:styleLbl>
+  <dgm:styleLbl name="bgSibTrans2D1">
+    <dgm:scene3d>
+      <a:camera prst="orthographicFront"/>
+      <a:lightRig rig="threePt" dir="t"/>
+    </dgm:scene3d>
+    <dgm:sp3d/>
+    <dgm:txPr/>
+    <dgm:style>
+      <a:lnRef idx="0">
+        <a:scrgbClr r="0" g="0" b="0"/>
+      </a:lnRef>
+      <a:fillRef idx="1">
+        <a:scrgbClr r="0" g="0" b="0"/>
+      </a:fillRef>
+      <a:effectRef idx="0">
+        <a:scrgbClr r="0" g="0" b="0"/>
+      </a:effectRef>
+      <a:fontRef idx="minor">
+        <a:schemeClr val="lt1"/>
+      </a:fontRef>
+    </dgm:style>
+  </dgm:styleLbl>
+  <dgm:styleLbl name="sibTrans1D1">
+    <dgm:scene3d>
+      <a:camera prst="orthographicFront"/>
+      <a:lightRig rig="threePt" dir="t"/>
+    </dgm:scene3d>
+    <dgm:sp3d/>
+    <dgm:txPr/>
+    <dgm:style>
+      <a:lnRef idx="1">
+        <a:scrgbClr r="0" g="0" b="0"/>
+      </a:lnRef>
+      <a:fillRef idx="0">
+        <a:scrgbClr r="0" g="0" b="0"/>
+      </a:fillRef>
+      <a:effectRef idx="0">
+        <a:scrgbClr r="0" g="0" b="0"/>
+      </a:effectRef>
+      <a:fontRef idx="minor"/>
+    </dgm:style>
+  </dgm:styleLbl>
+  <dgm:styleLbl name="callout">
+    <dgm:scene3d>
+      <a:camera prst="orthographicFront"/>
+      <a:lightRig rig="threePt" dir="t"/>
+    </dgm:scene3d>
+    <dgm:sp3d/>
+    <dgm:txPr/>
+    <dgm:style>
+      <a:lnRef idx="2">
+        <a:scrgbClr r="0" g="0" b="0"/>
+      </a:lnRef>
+      <a:fillRef idx="1">
+        <a:scrgbClr r="0" g="0" b="0"/>
+      </a:fillRef>
+      <a:effectRef idx="0">
+        <a:scrgbClr r="0" g="0" b="0"/>
+      </a:effectRef>
+      <a:fontRef idx="minor"/>
+    </dgm:style>
+  </dgm:styleLbl>
+  <dgm:styleLbl name="asst0">
+    <dgm:scene3d>
+      <a:camera prst="orthographicFront"/>
+      <a:lightRig rig="threePt" dir="t"/>
+    </dgm:scene3d>
+    <dgm:sp3d/>
+    <dgm:txPr/>
+    <dgm:style>
+      <a:lnRef idx="2">
+        <a:scrgbClr r="0" g="0" b="0"/>
+      </a:lnRef>
+      <a:fillRef idx="1">
+        <a:scrgbClr r="0" g="0" b="0"/>
+      </a:fillRef>
+      <a:effectRef idx="0">
+        <a:scrgbClr r="0" g="0" b="0"/>
+      </a:effectRef>
+      <a:fontRef idx="minor">
+        <a:schemeClr val="lt1"/>
+      </a:fontRef>
+    </dgm:style>
+  </dgm:styleLbl>
+  <dgm:styleLbl name="asst1">
+    <dgm:scene3d>
+      <a:camera prst="orthographicFront"/>
+      <a:lightRig rig="threePt" dir="t"/>
+    </dgm:scene3d>
+    <dgm:sp3d/>
+    <dgm:txPr/>
+    <dgm:style>
+      <a:lnRef idx="2">
+        <a:scrgbClr r="0" g="0" b="0"/>
+      </a:lnRef>
+      <a:fillRef idx="1">
+        <a:scrgbClr r="0" g="0" b="0"/>
+      </a:fillRef>
+      <a:effectRef idx="0">
+        <a:scrgbClr r="0" g="0" b="0"/>
+      </a:effectRef>
+      <a:fontRef idx="minor">
+        <a:schemeClr val="lt1"/>
+      </a:fontRef>
+    </dgm:style>
+  </dgm:styleLbl>
+  <dgm:styleLbl name="asst2">
+    <dgm:scene3d>
+      <a:camera prst="orthographicFront"/>
+      <a:lightRig rig="threePt" dir="t"/>
+    </dgm:scene3d>
+    <dgm:sp3d/>
+    <dgm:txPr/>
+    <dgm:style>
+      <a:lnRef idx="2">
+        <a:scrgbClr r="0" g="0" b="0"/>
+      </a:lnRef>
+      <a:fillRef idx="1">
+        <a:scrgbClr r="0" g="0" b="0"/>
+      </a:fillRef>
+      <a:effectRef idx="0">
+        <a:scrgbClr r="0" g="0" b="0"/>
+      </a:effectRef>
+      <a:fontRef idx="minor">
+        <a:schemeClr val="lt1"/>
+      </a:fontRef>
+    </dgm:style>
+  </dgm:styleLbl>
+  <dgm:styleLbl name="asst3">
+    <dgm:scene3d>
+      <a:camera prst="orthographicFront"/>
+      <a:lightRig rig="threePt" dir="t"/>
+    </dgm:scene3d>
+    <dgm:sp3d/>
+    <dgm:txPr/>
+    <dgm:style>
+      <a:lnRef idx="2">
+        <a:scrgbClr r="0" g="0" b="0"/>
+      </a:lnRef>
+      <a:fillRef idx="1">
+        <a:scrgbClr r="0" g="0" b="0"/>
+      </a:fillRef>
+      <a:effectRef idx="0">
+        <a:scrgbClr r="0" g="0" b="0"/>
+      </a:effectRef>
+      <a:fontRef idx="minor">
+        <a:schemeClr val="lt1"/>
+      </a:fontRef>
+    </dgm:style>
+  </dgm:styleLbl>
+  <dgm:styleLbl name="asst4">
+    <dgm:scene3d>
+      <a:camera prst="orthographicFront"/>
+      <a:lightRig rig="threePt" dir="t"/>
+    </dgm:scene3d>
+    <dgm:sp3d/>
+    <dgm:txPr/>
+    <dgm:style>
+      <a:lnRef idx="2">
+        <a:scrgbClr r="0" g="0" b="0"/>
+      </a:lnRef>
+      <a:fillRef idx="1">
+        <a:scrgbClr r="0" g="0" b="0"/>
+      </a:fillRef>
+      <a:effectRef idx="0">
+        <a:scrgbClr r="0" g="0" b="0"/>
+      </a:effectRef>
+      <a:fontRef idx="minor">
+        <a:schemeClr val="lt1"/>
+      </a:fontRef>
+    </dgm:style>
+  </dgm:styleLbl>
+  <dgm:styleLbl name="parChTrans2D1">
+    <dgm:scene3d>
+      <a:camera prst="orthographicFront"/>
+      <a:lightRig rig="threePt" dir="t"/>
+    </dgm:scene3d>
+    <dgm:sp3d/>
+    <dgm:txPr/>
+    <dgm:style>
+      <a:lnRef idx="2">
+        <a:scrgbClr r="0" g="0" b="0"/>
+      </a:lnRef>
+      <a:fillRef idx="1">
+        <a:scrgbClr r="0" g="0" b="0"/>
+      </a:fillRef>
+      <a:effectRef idx="0">
+        <a:scrgbClr r="0" g="0" b="0"/>
+      </a:effectRef>
+      <a:fontRef idx="minor">
+        <a:schemeClr val="lt1"/>
+      </a:fontRef>
+    </dgm:style>
+  </dgm:styleLbl>
+  <dgm:styleLbl name="parChTrans2D2">
+    <dgm:scene3d>
+      <a:camera prst="orthographicFront"/>
+      <a:lightRig rig="threePt" dir="t"/>
+    </dgm:scene3d>
+    <dgm:sp3d/>
+    <dgm:txPr/>
+    <dgm:style>
+      <a:lnRef idx="2">
+        <a:scrgbClr r="0" g="0" b="0"/>
+      </a:lnRef>
+      <a:fillRef idx="1">
+        <a:scrgbClr r="0" g="0" b="0"/>
+      </a:fillRef>
+      <a:effectRef idx="0">
+        <a:scrgbClr r="0" g="0" b="0"/>
+      </a:effectRef>
+      <a:fontRef idx="minor">
+        <a:schemeClr val="lt1"/>
+      </a:fontRef>
+    </dgm:style>
+  </dgm:styleLbl>
+  <dgm:styleLbl name="parChTrans2D3">
+    <dgm:scene3d>
+      <a:camera prst="orthographicFront"/>
+      <a:lightRig rig="threePt" dir="t"/>
+    </dgm:scene3d>
+    <dgm:sp3d/>
+    <dgm:txPr/>
+    <dgm:style>
+      <a:lnRef idx="2">
+        <a:scrgbClr r="0" g="0" b="0"/>
+      </a:lnRef>
+      <a:fillRef idx="1">
+        <a:scrgbClr r="0" g="0" b="0"/>
+      </a:fillRef>
+      <a:effectRef idx="0">
+        <a:scrgbClr r="0" g="0" b="0"/>
+      </a:effectRef>
+      <a:fontRef idx="minor">
+        <a:schemeClr val="lt1"/>
+      </a:fontRef>
+    </dgm:style>
+  </dgm:styleLbl>
+  <dgm:styleLbl name="parChTrans2D4">
+    <dgm:scene3d>
+      <a:camera prst="orthographicFront"/>
+      <a:lightRig rig="threePt" dir="t"/>
+    </dgm:scene3d>
+    <dgm:sp3d/>
+    <dgm:txPr/>
+    <dgm:style>
+      <a:lnRef idx="2">
+        <a:scrgbClr r="0" g="0" b="0"/>
+      </a:lnRef>
+      <a:fillRef idx="1">
+        <a:scrgbClr r="0" g="0" b="0"/>
+      </a:fillRef>
+      <a:effectRef idx="0">
+        <a:scrgbClr r="0" g="0" b="0"/>
+      </a:effectRef>
+      <a:fontRef idx="minor">
+        <a:schemeClr val="lt1"/>
+      </a:fontRef>
+    </dgm:style>
+  </dgm:styleLbl>
+  <dgm:styleLbl name="parChTrans1D1">
+    <dgm:scene3d>
+      <a:camera prst="orthographicFront"/>
+      <a:lightRig rig="threePt" dir="t"/>
+    </dgm:scene3d>
+    <dgm:sp3d/>
+    <dgm:txPr/>
+    <dgm:style>
+      <a:lnRef idx="2">
+        <a:scrgbClr r="0" g="0" b="0"/>
+      </a:lnRef>
+      <a:fillRef idx="0">
+        <a:scrgbClr r="0" g="0" b="0"/>
+      </a:fillRef>
+      <a:effectRef idx="0">
+        <a:scrgbClr r="0" g="0" b="0"/>
+      </a:effectRef>
+      <a:fontRef idx="minor"/>
+    </dgm:style>
+  </dgm:styleLbl>
+  <dgm:styleLbl name="parChTrans1D2">
+    <dgm:scene3d>
+      <a:camera prst="orthographicFront"/>
+      <a:lightRig rig="threePt" dir="t"/>
+    </dgm:scene3d>
+    <dgm:sp3d/>
+    <dgm:txPr/>
+    <dgm:style>
+      <a:lnRef idx="2">
+        <a:scrgbClr r="0" g="0" b="0"/>
+      </a:lnRef>
+      <a:fillRef idx="0">
+        <a:scrgbClr r="0" g="0" b="0"/>
+      </a:fillRef>
+      <a:effectRef idx="0">
+        <a:scrgbClr r="0" g="0" b="0"/>
+      </a:effectRef>
+      <a:fontRef idx="minor"/>
+    </dgm:style>
+  </dgm:styleLbl>
+  <dgm:styleLbl name="parChTrans1D3">
+    <dgm:scene3d>
+      <a:camera prst="orthographicFront"/>
+      <a:lightRig rig="threePt" dir="t"/>
+    </dgm:scene3d>
+    <dgm:sp3d/>
+    <dgm:txPr/>
+    <dgm:style>
+      <a:lnRef idx="2">
+        <a:scrgbClr r="0" g="0" b="0"/>
+      </a:lnRef>
+      <a:fillRef idx="0">
+        <a:scrgbClr r="0" g="0" b="0"/>
+      </a:fillRef>
+      <a:effectRef idx="0">
+        <a:scrgbClr r="0" g="0" b="0"/>
+      </a:effectRef>
+      <a:fontRef idx="minor"/>
+    </dgm:style>
+  </dgm:styleLbl>
+  <dgm:styleLbl name="parChTrans1D4">
+    <dgm:scene3d>
+      <a:camera prst="orthographicFront"/>
+      <a:lightRig rig="threePt" dir="t"/>
+    </dgm:scene3d>
+    <dgm:sp3d/>
+    <dgm:txPr/>
+    <dgm:style>
+      <a:lnRef idx="2">
+        <a:scrgbClr r="0" g="0" b="0"/>
+      </a:lnRef>
+      <a:fillRef idx="0">
+        <a:scrgbClr r="0" g="0" b="0"/>
+      </a:fillRef>
+      <a:effectRef idx="0">
+        <a:scrgbClr r="0" g="0" b="0"/>
+      </a:effectRef>
+      <a:fontRef idx="minor"/>
+    </dgm:style>
+  </dgm:styleLbl>
+  <dgm:styleLbl name="fgAcc1">
+    <dgm:scene3d>
+      <a:camera prst="orthographicFront"/>
+      <a:lightRig rig="threePt" dir="t"/>
+    </dgm:scene3d>
+    <dgm:sp3d/>
+    <dgm:txPr/>
+    <dgm:style>
+      <a:lnRef idx="2">
+        <a:scrgbClr r="0" g="0" b="0"/>
+      </a:lnRef>
+      <a:fillRef idx="1">
+        <a:scrgbClr r="0" g="0" b="0"/>
+      </a:fillRef>
+      <a:effectRef idx="0">
+        <a:scrgbClr r="0" g="0" b="0"/>
+      </a:effectRef>
+      <a:fontRef idx="minor"/>
+    </dgm:style>
+  </dgm:styleLbl>
+  <dgm:styleLbl name="conFgAcc1">
+    <dgm:scene3d>
+      <a:camera prst="orthographicFront"/>
+      <a:lightRig rig="threePt" dir="t"/>
+    </dgm:scene3d>
+    <dgm:sp3d/>
+    <dgm:txPr/>
+    <dgm:style>
+      <a:lnRef idx="2">
+        <a:scrgbClr r="0" g="0" b="0"/>
+      </a:lnRef>
+      <a:fillRef idx="1">
+        <a:scrgbClr r="0" g="0" b="0"/>
+      </a:fillRef>
+      <a:effectRef idx="0">
+        <a:scrgbClr r="0" g="0" b="0"/>
+      </a:effectRef>
+      <a:fontRef idx="minor"/>
+    </dgm:style>
+  </dgm:styleLbl>
+  <dgm:styleLbl name="alignAcc1">
+    <dgm:scene3d>
+      <a:camera prst="orthographicFront"/>
+      <a:lightRig rig="threePt" dir="t"/>
+    </dgm:scene3d>
+    <dgm:sp3d/>
+    <dgm:txPr/>
+    <dgm:style>
+      <a:lnRef idx="2">
+        <a:scrgbClr r="0" g="0" b="0"/>
+      </a:lnRef>
+      <a:fillRef idx="1">
+        <a:scrgbClr r="0" g="0" b="0"/>
+      </a:fillRef>
+      <a:effectRef idx="0">
+        <a:scrgbClr r="0" g="0" b="0"/>
+      </a:effectRef>
+      <a:fontRef idx="minor"/>
+    </dgm:style>
+  </dgm:styleLbl>
+  <dgm:styleLbl name="trAlignAcc1">
+    <dgm:scene3d>
+      <a:camera prst="orthographicFront"/>
+      <a:lightRig rig="threePt" dir="t"/>
+    </dgm:scene3d>
+    <dgm:sp3d/>
+    <dgm:txPr/>
+    <dgm:style>
+      <a:lnRef idx="1">
+        <a:scrgbClr r="0" g="0" b="0"/>
+      </a:lnRef>
+      <a:fillRef idx="1">
+        <a:scrgbClr r="0" g="0" b="0"/>
+      </a:fillRef>
+      <a:effectRef idx="0">
+        <a:scrgbClr r="0" g="0" b="0"/>
+      </a:effectRef>
+      <a:fontRef idx="minor"/>
+    </dgm:style>
+  </dgm:styleLbl>
+  <dgm:styleLbl name="bgAcc1">
+    <dgm:scene3d>
+      <a:camera prst="orthographicFront"/>
+      <a:lightRig rig="threePt" dir="t"/>
+    </dgm:scene3d>
+    <dgm:sp3d/>
+    <dgm:txPr/>
+    <dgm:style>
+      <a:lnRef idx="2">
+        <a:scrgbClr r="0" g="0" b="0"/>
+      </a:lnRef>
+      <a:fillRef idx="1">
+        <a:scrgbClr r="0" g="0" b="0"/>
+      </a:fillRef>
+      <a:effectRef idx="0">
+        <a:scrgbClr r="0" g="0" b="0"/>
+      </a:effectRef>
+      <a:fontRef idx="minor"/>
+    </dgm:style>
+  </dgm:styleLbl>
+  <dgm:styleLbl name="solidFgAcc1">
+    <dgm:scene3d>
+      <a:camera prst="orthographicFront"/>
+      <a:lightRig rig="threePt" dir="t"/>
+    </dgm:scene3d>
+    <dgm:sp3d/>
+    <dgm:txPr/>
+    <dgm:style>
+      <a:lnRef idx="2">
+        <a:scrgbClr r="0" g="0" b="0"/>
+      </a:lnRef>
+      <a:fillRef idx="1">
+        <a:scrgbClr r="0" g="0" b="0"/>
+      </a:fillRef>
+      <a:effectRef idx="0">
+        <a:scrgbClr r="0" g="0" b="0"/>
+      </a:effectRef>
+      <a:fontRef idx="minor"/>
+    </dgm:style>
+  </dgm:styleLbl>
+  <dgm:styleLbl name="solidAlignAcc1">
+    <dgm:scene3d>
+      <a:camera prst="orthographicFront"/>
+      <a:lightRig rig="threePt" dir="t"/>
+    </dgm:scene3d>
+    <dgm:sp3d/>
+    <dgm:txPr/>
+    <dgm:style>
+      <a:lnRef idx="2">
+        <a:scrgbClr r="0" g="0" b="0"/>
+      </a:lnRef>
+      <a:fillRef idx="1">
+        <a:scrgbClr r="0" g="0" b="0"/>
+      </a:fillRef>
+      <a:effectRef idx="0">
+        <a:scrgbClr r="0" g="0" b="0"/>
+      </a:effectRef>
+      <a:fontRef idx="minor"/>
+    </dgm:style>
+  </dgm:styleLbl>
+  <dgm:styleLbl name="solidBgAcc1">
+    <dgm:scene3d>
+      <a:camera prst="orthographicFront"/>
+      <a:lightRig rig="threePt" dir="t"/>
+    </dgm:scene3d>
+    <dgm:sp3d/>
+    <dgm:txPr/>
+    <dgm:style>
+      <a:lnRef idx="2">
+        <a:scrgbClr r="0" g="0" b="0"/>
+      </a:lnRef>
+      <a:fillRef idx="1">
+        <a:scrgbClr r="0" g="0" b="0"/>
+      </a:fillRef>
+      <a:effectRef idx="0">
+        <a:scrgbClr r="0" g="0" b="0"/>
+      </a:effectRef>
+      <a:fontRef idx="minor"/>
+    </dgm:style>
+  </dgm:styleLbl>
+  <dgm:styleLbl name="fgAccFollowNode1">
+    <dgm:scene3d>
+      <a:camera prst="orthographicFront"/>
+      <a:lightRig rig="threePt" dir="t"/>
+    </dgm:scene3d>
+    <dgm:sp3d/>
+    <dgm:txPr/>
+    <dgm:style>
+      <a:lnRef idx="2">
+        <a:scrgbClr r="0" g="0" b="0"/>
+      </a:lnRef>
+      <a:fillRef idx="1">
+        <a:scrgbClr r="0" g="0" b="0"/>
+      </a:fillRef>
+      <a:effectRef idx="0">
+        <a:scrgbClr r="0" g="0" b="0"/>
+      </a:effectRef>
+      <a:fontRef idx="minor"/>
+    </dgm:style>
+  </dgm:styleLbl>
+  <dgm:styleLbl name="alignAccFollowNode1">
+    <dgm:scene3d>
+      <a:camera prst="orthographicFront"/>
+      <a:lightRig rig="threePt" dir="t"/>
+    </dgm:scene3d>
+    <dgm:sp3d/>
+    <dgm:txPr/>
+    <dgm:style>
+      <a:lnRef idx="2">
+        <a:scrgbClr r="0" g="0" b="0"/>
+      </a:lnRef>
+      <a:fillRef idx="1">
+        <a:scrgbClr r="0" g="0" b="0"/>
+      </a:fillRef>
+      <a:effectRef idx="0">
+        <a:scrgbClr r="0" g="0" b="0"/>
+      </a:effectRef>
+      <a:fontRef idx="minor"/>
+    </dgm:style>
+  </dgm:styleLbl>
+  <dgm:styleLbl name="bgAccFollowNode1">
+    <dgm:scene3d>
+      <a:camera prst="orthographicFront"/>
+      <a:lightRig rig="threePt" dir="t"/>
+    </dgm:scene3d>
+    <dgm:sp3d/>
+    <dgm:txPr/>
+    <dgm:style>
+      <a:lnRef idx="2">
+        <a:scrgbClr r="0" g="0" b="0"/>
+      </a:lnRef>
+      <a:fillRef idx="1">
+        <a:scrgbClr r="0" g="0" b="0"/>
+      </a:fillRef>
+      <a:effectRef idx="0">
+        <a:scrgbClr r="0" g="0" b="0"/>
+      </a:effectRef>
+      <a:fontRef idx="minor"/>
+    </dgm:style>
+  </dgm:styleLbl>
+  <dgm:styleLbl name="fgAcc0">
+    <dgm:scene3d>
+      <a:camera prst="orthographicFront"/>
+      <a:lightRig rig="threePt" dir="t"/>
+    </dgm:scene3d>
+    <dgm:sp3d/>
+    <dgm:txPr/>
+    <dgm:style>
+      <a:lnRef idx="2">
+        <a:scrgbClr r="0" g="0" b="0"/>
+      </a:lnRef>
+      <a:fillRef idx="1">
+        <a:scrgbClr r="0" g="0" b="0"/>
+      </a:fillRef>
+      <a:effectRef idx="0">
+        <a:scrgbClr r="0" g="0" b="0"/>
+      </a:effectRef>
+      <a:fontRef idx="minor"/>
+    </dgm:style>
+  </dgm:styleLbl>
+  <dgm:styleLbl name="fgAcc2">
+    <dgm:scene3d>
+      <a:camera prst="orthographicFront"/>
+      <a:lightRig rig="threePt" dir="t"/>
+    </dgm:scene3d>
+    <dgm:sp3d/>
+    <dgm:txPr/>
+    <dgm:style>
+      <a:lnRef idx="2">
+        <a:scrgbClr r="0" g="0" b="0"/>
+      </a:lnRef>
+      <a:fillRef idx="1">
+        <a:scrgbClr r="0" g="0" b="0"/>
+      </a:fillRef>
+      <a:effectRef idx="0">
+        <a:scrgbClr r="0" g="0" b="0"/>
+      </a:effectRef>
+      <a:fontRef idx="minor"/>
+    </dgm:style>
+  </dgm:styleLbl>
+  <dgm:styleLbl name="fgAcc3">
+    <dgm:scene3d>
+      <a:camera prst="orthographicFront"/>
+      <a:lightRig rig="threePt" dir="t"/>
+    </dgm:scene3d>
+    <dgm:sp3d/>
+    <dgm:txPr/>
+    <dgm:style>
+      <a:lnRef idx="2">
+        <a:scrgbClr r="0" g="0" b="0"/>
+      </a:lnRef>
+      <a:fillRef idx="1">
+        <a:scrgbClr r="0" g="0" b="0"/>
+      </a:fillRef>
+      <a:effectRef idx="0">
+        <a:scrgbClr r="0" g="0" b="0"/>
+      </a:effectRef>
+      <a:fontRef idx="minor"/>
+    </dgm:style>
+  </dgm:styleLbl>
+  <dgm:styleLbl name="fgAcc4">
+    <dgm:scene3d>
+      <a:camera prst="orthographicFront"/>
+      <a:lightRig rig="threePt" dir="t"/>
+    </dgm:scene3d>
+    <dgm:sp3d/>
+    <dgm:txPr/>
+    <dgm:style>
+      <a:lnRef idx="2">
+        <a:scrgbClr r="0" g="0" b="0"/>
+      </a:lnRef>
+      <a:fillRef idx="1">
+        <a:scrgbClr r="0" g="0" b="0"/>
+      </a:fillRef>
+      <a:effectRef idx="0">
+        <a:scrgbClr r="0" g="0" b="0"/>
+      </a:effectRef>
+      <a:fontRef idx="minor"/>
+    </dgm:style>
+  </dgm:styleLbl>
+  <dgm:styleLbl name="bgShp">
+    <dgm:scene3d>
+      <a:camera prst="orthographicFront"/>
+      <a:lightRig rig="threePt" dir="t"/>
+    </dgm:scene3d>
+    <dgm:sp3d/>
+    <dgm:txPr/>
+    <dgm:style>
+      <a:lnRef idx="0">
+        <a:scrgbClr r="0" g="0" b="0"/>
+      </a:lnRef>
+      <a:fillRef idx="1">
+        <a:scrgbClr r="0" g="0" b="0"/>
+      </a:fillRef>
+      <a:effectRef idx="0">
+        <a:scrgbClr r="0" g="0" b="0"/>
+      </a:effectRef>
+      <a:fontRef idx="minor"/>
+    </dgm:style>
+  </dgm:styleLbl>
+  <dgm:styleLbl name="dkBgShp">
+    <dgm:scene3d>
+      <a:camera prst="orthographicFront"/>
+      <a:lightRig rig="threePt" dir="t"/>
+    </dgm:scene3d>
+    <dgm:sp3d/>
+    <dgm:txPr/>
+    <dgm:style>
+      <a:lnRef idx="0">
+        <a:scrgbClr r="0" g="0" b="0"/>
+      </a:lnRef>
+      <a:fillRef idx="1">
+        <a:scrgbClr r="0" g="0" b="0"/>
+      </a:fillRef>
+      <a:effectRef idx="0">
+        <a:scrgbClr r="0" g="0" b="0"/>
+      </a:effectRef>
+      <a:fontRef idx="minor"/>
+    </dgm:style>
+  </dgm:styleLbl>
+  <dgm:styleLbl name="trBgShp">
+    <dgm:scene3d>
+      <a:camera prst="orthographicFront"/>
+      <a:lightRig rig="threePt" dir="t"/>
+    </dgm:scene3d>
+    <dgm:sp3d/>
+    <dgm:txPr/>
+    <dgm:style>
+      <a:lnRef idx="0">
+        <a:scrgbClr r="0" g="0" b="0"/>
+      </a:lnRef>
+      <a:fillRef idx="1">
+        <a:scrgbClr r="0" g="0" b="0"/>
+      </a:fillRef>
+      <a:effectRef idx="0">
+        <a:scrgbClr r="0" g="0" b="0"/>
+      </a:effectRef>
+      <a:fontRef idx="minor"/>
+    </dgm:style>
+  </dgm:styleLbl>
+  <dgm:styleLbl name="fgShp">
+    <dgm:scene3d>
+      <a:camera prst="orthographicFront"/>
+      <a:lightRig rig="threePt" dir="t"/>
+    </dgm:scene3d>
+    <dgm:sp3d/>
+    <dgm:txPr/>
+    <dgm:style>
+      <a:lnRef idx="2">
+        <a:scrgbClr r="0" g="0" b="0"/>
+      </a:lnRef>
+      <a:fillRef idx="1">
+        <a:scrgbClr r="0" g="0" b="0"/>
+      </a:fillRef>
+      <a:effectRef idx="0">
+        <a:scrgbClr r="0" g="0" b="0"/>
+      </a:effectRef>
+      <a:fontRef idx="minor"/>
+    </dgm:style>
+  </dgm:styleLbl>
+  <dgm:styleLbl name="revTx">
+    <dgm:scene3d>
+      <a:camera prst="orthographicFront"/>
+      <a:lightRig rig="threePt" dir="t"/>
+    </dgm:scene3d>
+    <dgm:sp3d/>
+    <dgm:txPr/>
+    <dgm:style>
+      <a:lnRef idx="0">
+        <a:scrgbClr r="0" g="0" b="0"/>
+      </a:lnRef>
+      <a:fillRef idx="0">
+        <a:scrgbClr r="0" g="0" b="0"/>
+      </a:fillRef>
+      <a:effectRef idx="0">
+        <a:scrgbClr r="0" g="0" b="0"/>
+      </a:effectRef>
+      <a:fontRef idx="minor"/>
+    </dgm:style>
+  </dgm:styleLbl>
+</dgm:styleDef>
 </file>
 
 <file path=ppt/notesMasters/notesMaster1.xml><?xml version="1.0" encoding="utf-8"?>
@@ -1373,7 +3209,7 @@
           <a:p>
             <a:fld id="{A5C20BB3-3CCB-4FE5-991B-82F6BCB48AF3}" type="datetimeFigureOut">
               <a:rPr lang="en-US" smtClean="0"/>
-              <a:t>5/8/2019</a:t>
+              <a:t>5/9/2019</a:t>
             </a:fld>
             <a:endParaRPr lang="en-US"/>
           </a:p>
@@ -1659,7 +3495,7 @@
       </p:grpSpPr>
       <p:sp>
         <p:nvSpPr>
-          <p:cNvPr id="2" name="Slide Image Placeholder 1"/>
+          <p:cNvPr id="2" name="Marcador de imagen de diapositiva 1"/>
           <p:cNvSpPr>
             <a:spLocks noGrp="1" noRot="1" noChangeAspect="1"/>
           </p:cNvSpPr>
@@ -1671,7 +3507,7 @@
       </p:sp>
       <p:sp>
         <p:nvSpPr>
-          <p:cNvPr id="3" name="Notes Placeholder 2"/>
+          <p:cNvPr id="3" name="Marcador de notas 2"/>
           <p:cNvSpPr>
             <a:spLocks noGrp="1"/>
           </p:cNvSpPr>
@@ -1684,41 +3520,24 @@
           <a:bodyPr/>
           <a:lstStyle/>
           <a:p>
-            <a:r>
-              <a:rPr lang="en-US" dirty="0"/>
-              <a:t>Considere la posibilidad de hablar acerca de:</a:t>
-            </a:r>
-          </a:p>
-          <a:p>
-            <a:pPr marL="171450" indent="-171450">
-              <a:buFont typeface="Arial" panose="020B0604020202020204" pitchFamily="34" charset="0"/>
-              <a:buChar char="•"/>
+            <a:pPr marL="228600" indent="-228600">
+              <a:buAutoNum type="arabicPeriod"/>
             </a:pPr>
             <a:r>
-              <a:rPr lang="en-US" dirty="0"/>
-              <a:t>Supervisores</a:t>
-            </a:r>
-          </a:p>
-          <a:p>
-            <a:pPr marL="171450" indent="-171450">
-              <a:buFont typeface="Arial" panose="020B0604020202020204" pitchFamily="34" charset="0"/>
-              <a:buChar char="•"/>
-            </a:pPr>
-            <a:r>
-              <a:rPr lang="en-US" dirty="0"/>
-              <a:t>Coordinadores</a:t>
+              <a:rPr lang="es-AR" dirty="0"/>
+              <a:t>Algunos llamados esperan mucho tiempo en cola para ser atendidos.</a:t>
             </a:r>
           </a:p>
         </p:txBody>
       </p:sp>
       <p:sp>
         <p:nvSpPr>
-          <p:cNvPr id="4" name="Slide Number Placeholder 3"/>
+          <p:cNvPr id="4" name="Marcador de número de diapositiva 3"/>
           <p:cNvSpPr>
             <a:spLocks noGrp="1"/>
           </p:cNvSpPr>
           <p:nvPr>
-            <p:ph type="sldNum" sz="quarter" idx="10"/>
+            <p:ph type="sldNum" sz="quarter" idx="5"/>
           </p:nvPr>
         </p:nvSpPr>
         <p:spPr/>
@@ -1728,7 +3547,7 @@
           <a:p>
             <a:fld id="{E0746DE6-3336-457D-A091-FA20AC1C536E}" type="slidenum">
               <a:rPr lang="en-US" smtClean="0"/>
-              <a:t>5</a:t>
+              <a:t>2</a:t>
             </a:fld>
             <a:endParaRPr lang="en-US"/>
           </a:p>
@@ -1737,7 +3556,7 @@
     </p:spTree>
     <p:extLst>
       <p:ext uri="{BB962C8B-B14F-4D97-AF65-F5344CB8AC3E}">
-        <p14:creationId xmlns:p14="http://schemas.microsoft.com/office/powerpoint/2010/main" val="1925550573"/>
+        <p14:creationId xmlns:p14="http://schemas.microsoft.com/office/powerpoint/2010/main" val="4255324632"/>
       </p:ext>
     </p:extLst>
   </p:cSld>
@@ -1835,7 +3654,7 @@
           <a:p>
             <a:fld id="{E0746DE6-3336-457D-A091-FA20AC1C536E}" type="slidenum">
               <a:rPr lang="en-US" smtClean="0"/>
-              <a:t>6</a:t>
+              <a:t>5</a:t>
             </a:fld>
             <a:endParaRPr lang="en-US"/>
           </a:p>
@@ -1844,7 +3663,7 @@
     </p:spTree>
     <p:extLst>
       <p:ext uri="{BB962C8B-B14F-4D97-AF65-F5344CB8AC3E}">
-        <p14:creationId xmlns:p14="http://schemas.microsoft.com/office/powerpoint/2010/main" val="4217777783"/>
+        <p14:creationId xmlns:p14="http://schemas.microsoft.com/office/powerpoint/2010/main" val="1925550573"/>
       </p:ext>
     </p:extLst>
   </p:cSld>
@@ -1910,7 +3729,7 @@
             </a:pPr>
             <a:r>
               <a:rPr lang="en-US" dirty="0"/>
-              <a:t>Supervisores</a:t>
+              <a:t>Calidad del aire, ruido y ergonomía</a:t>
             </a:r>
           </a:p>
           <a:p>
@@ -1920,7 +3739,17 @@
             </a:pPr>
             <a:r>
               <a:rPr lang="en-US" dirty="0"/>
-              <a:t>Coordinadores</a:t>
+              <a:t>Elevado nivel de estrés</a:t>
+            </a:r>
+          </a:p>
+          <a:p>
+            <a:pPr marL="171450" indent="-171450">
+              <a:buFont typeface="Arial" panose="020B0604020202020204" pitchFamily="34" charset="0"/>
+              <a:buChar char="•"/>
+            </a:pPr>
+            <a:r>
+              <a:rPr lang="en-US" dirty="0"/>
+              <a:t>Afectación de cuello, hombros, espalda, vista, oído y voz</a:t>
             </a:r>
           </a:p>
         </p:txBody>
@@ -1943,220 +3772,6 @@
             <a:fld id="{E0746DE6-3336-457D-A091-FA20AC1C536E}" type="slidenum">
               <a:rPr lang="en-US" smtClean="0"/>
               <a:t>7</a:t>
-            </a:fld>
-            <a:endParaRPr lang="en-US"/>
-          </a:p>
-        </p:txBody>
-      </p:sp>
-    </p:spTree>
-    <p:extLst>
-      <p:ext uri="{BB962C8B-B14F-4D97-AF65-F5344CB8AC3E}">
-        <p14:creationId xmlns:p14="http://schemas.microsoft.com/office/powerpoint/2010/main" val="2400237436"/>
-      </p:ext>
-    </p:extLst>
-  </p:cSld>
-  <p:clrMapOvr>
-    <a:masterClrMapping/>
-  </p:clrMapOvr>
-</p:notes>
-</file>
-
-<file path=ppt/notesSlides/notesSlide4.xml><?xml version="1.0" encoding="utf-8"?>
-<p:notes xmlns:a="http://schemas.openxmlformats.org/drawingml/2006/main" xmlns:r="http://schemas.openxmlformats.org/officeDocument/2006/relationships" xmlns:p="http://schemas.openxmlformats.org/presentationml/2006/main">
-  <p:cSld>
-    <p:spTree>
-      <p:nvGrpSpPr>
-        <p:cNvPr id="1" name=""/>
-        <p:cNvGrpSpPr/>
-        <p:nvPr/>
-      </p:nvGrpSpPr>
-      <p:grpSpPr>
-        <a:xfrm>
-          <a:off x="0" y="0"/>
-          <a:ext cx="0" cy="0"/>
-          <a:chOff x="0" y="0"/>
-          <a:chExt cx="0" cy="0"/>
-        </a:xfrm>
-      </p:grpSpPr>
-      <p:sp>
-        <p:nvSpPr>
-          <p:cNvPr id="2" name="Slide Image Placeholder 1"/>
-          <p:cNvSpPr>
-            <a:spLocks noGrp="1" noRot="1" noChangeAspect="1"/>
-          </p:cNvSpPr>
-          <p:nvPr>
-            <p:ph type="sldImg"/>
-          </p:nvPr>
-        </p:nvSpPr>
-        <p:spPr/>
-      </p:sp>
-      <p:sp>
-        <p:nvSpPr>
-          <p:cNvPr id="3" name="Notes Placeholder 2"/>
-          <p:cNvSpPr>
-            <a:spLocks noGrp="1"/>
-          </p:cNvSpPr>
-          <p:nvPr>
-            <p:ph type="body" idx="1"/>
-          </p:nvPr>
-        </p:nvSpPr>
-        <p:spPr/>
-        <p:txBody>
-          <a:bodyPr/>
-          <a:lstStyle/>
-          <a:p>
-            <a:r>
-              <a:rPr lang="en-US" dirty="0"/>
-              <a:t>Considere la posibilidad de hablar acerca de:</a:t>
-            </a:r>
-          </a:p>
-          <a:p>
-            <a:pPr marL="171450" indent="-171450">
-              <a:buFont typeface="Arial" panose="020B0604020202020204" pitchFamily="34" charset="0"/>
-              <a:buChar char="•"/>
-            </a:pPr>
-            <a:r>
-              <a:rPr lang="en-US" dirty="0"/>
-              <a:t>Factores que se consideran para seleccionar una localización</a:t>
-            </a:r>
-          </a:p>
-        </p:txBody>
-      </p:sp>
-      <p:sp>
-        <p:nvSpPr>
-          <p:cNvPr id="4" name="Slide Number Placeholder 3"/>
-          <p:cNvSpPr>
-            <a:spLocks noGrp="1"/>
-          </p:cNvSpPr>
-          <p:nvPr>
-            <p:ph type="sldNum" sz="quarter" idx="10"/>
-          </p:nvPr>
-        </p:nvSpPr>
-        <p:spPr/>
-        <p:txBody>
-          <a:bodyPr/>
-          <a:lstStyle/>
-          <a:p>
-            <a:fld id="{E0746DE6-3336-457D-A091-FA20AC1C536E}" type="slidenum">
-              <a:rPr lang="en-US" smtClean="0"/>
-              <a:t>8</a:t>
-            </a:fld>
-            <a:endParaRPr lang="en-US"/>
-          </a:p>
-        </p:txBody>
-      </p:sp>
-    </p:spTree>
-    <p:extLst>
-      <p:ext uri="{BB962C8B-B14F-4D97-AF65-F5344CB8AC3E}">
-        <p14:creationId xmlns:p14="http://schemas.microsoft.com/office/powerpoint/2010/main" val="1386906928"/>
-      </p:ext>
-    </p:extLst>
-  </p:cSld>
-  <p:clrMapOvr>
-    <a:masterClrMapping/>
-  </p:clrMapOvr>
-</p:notes>
-</file>
-
-<file path=ppt/notesSlides/notesSlide5.xml><?xml version="1.0" encoding="utf-8"?>
-<p:notes xmlns:a="http://schemas.openxmlformats.org/drawingml/2006/main" xmlns:r="http://schemas.openxmlformats.org/officeDocument/2006/relationships" xmlns:p="http://schemas.openxmlformats.org/presentationml/2006/main">
-  <p:cSld>
-    <p:spTree>
-      <p:nvGrpSpPr>
-        <p:cNvPr id="1" name=""/>
-        <p:cNvGrpSpPr/>
-        <p:nvPr/>
-      </p:nvGrpSpPr>
-      <p:grpSpPr>
-        <a:xfrm>
-          <a:off x="0" y="0"/>
-          <a:ext cx="0" cy="0"/>
-          <a:chOff x="0" y="0"/>
-          <a:chExt cx="0" cy="0"/>
-        </a:xfrm>
-      </p:grpSpPr>
-      <p:sp>
-        <p:nvSpPr>
-          <p:cNvPr id="2" name="Slide Image Placeholder 1"/>
-          <p:cNvSpPr>
-            <a:spLocks noGrp="1" noRot="1" noChangeAspect="1"/>
-          </p:cNvSpPr>
-          <p:nvPr>
-            <p:ph type="sldImg"/>
-          </p:nvPr>
-        </p:nvSpPr>
-        <p:spPr/>
-      </p:sp>
-      <p:sp>
-        <p:nvSpPr>
-          <p:cNvPr id="3" name="Notes Placeholder 2"/>
-          <p:cNvSpPr>
-            <a:spLocks noGrp="1"/>
-          </p:cNvSpPr>
-          <p:nvPr>
-            <p:ph type="body" idx="1"/>
-          </p:nvPr>
-        </p:nvSpPr>
-        <p:spPr/>
-        <p:txBody>
-          <a:bodyPr/>
-          <a:lstStyle/>
-          <a:p>
-            <a:r>
-              <a:rPr lang="en-US" dirty="0"/>
-              <a:t>Considere la posibilidad de hablar acerca de:</a:t>
-            </a:r>
-          </a:p>
-          <a:p>
-            <a:pPr marL="171450" indent="-171450">
-              <a:buFont typeface="Arial" panose="020B0604020202020204" pitchFamily="34" charset="0"/>
-              <a:buChar char="•"/>
-            </a:pPr>
-            <a:r>
-              <a:rPr lang="en-US" dirty="0"/>
-              <a:t>Calidad del aire, ruido y ergonomía</a:t>
-            </a:r>
-          </a:p>
-          <a:p>
-            <a:pPr marL="171450" indent="-171450">
-              <a:buFont typeface="Arial" panose="020B0604020202020204" pitchFamily="34" charset="0"/>
-              <a:buChar char="•"/>
-            </a:pPr>
-            <a:r>
-              <a:rPr lang="en-US" dirty="0"/>
-              <a:t>Elevado nivel de estrés</a:t>
-            </a:r>
-          </a:p>
-          <a:p>
-            <a:pPr marL="171450" indent="-171450">
-              <a:buFont typeface="Arial" panose="020B0604020202020204" pitchFamily="34" charset="0"/>
-              <a:buChar char="•"/>
-            </a:pPr>
-            <a:r>
-              <a:rPr lang="en-US" dirty="0"/>
-              <a:t>Afectación de cuello, hombros, espalda, vista, oído y voz</a:t>
-            </a:r>
-          </a:p>
-        </p:txBody>
-      </p:sp>
-      <p:sp>
-        <p:nvSpPr>
-          <p:cNvPr id="4" name="Slide Number Placeholder 3"/>
-          <p:cNvSpPr>
-            <a:spLocks noGrp="1"/>
-          </p:cNvSpPr>
-          <p:nvPr>
-            <p:ph type="sldNum" sz="quarter" idx="10"/>
-          </p:nvPr>
-        </p:nvSpPr>
-        <p:spPr/>
-        <p:txBody>
-          <a:bodyPr/>
-          <a:lstStyle/>
-          <a:p>
-            <a:fld id="{E0746DE6-3336-457D-A091-FA20AC1C536E}" type="slidenum">
-              <a:rPr lang="en-US" smtClean="0"/>
-              <a:t>9</a:t>
             </a:fld>
             <a:endParaRPr lang="en-US"/>
           </a:p>
@@ -2197,7 +3812,7 @@
           <p:cNvPr id="2" name="Title 1">
             <a:extLst>
               <a:ext uri="{FF2B5EF4-FFF2-40B4-BE49-F238E27FC236}">
-                <a16:creationId xmlns="" xmlns:a16="http://schemas.microsoft.com/office/drawing/2014/main" id="{DE0391AB-F383-4237-A071-AD1C6E9246D2}"/>
+                <a16:creationId xmlns:a16="http://schemas.microsoft.com/office/drawing/2014/main" id="{DE0391AB-F383-4237-A071-AD1C6E9246D2}"/>
               </a:ext>
             </a:extLst>
           </p:cNvPr>
@@ -2235,7 +3850,7 @@
           <p:cNvPr id="3" name="Subtitle 2">
             <a:extLst>
               <a:ext uri="{FF2B5EF4-FFF2-40B4-BE49-F238E27FC236}">
-                <a16:creationId xmlns="" xmlns:a16="http://schemas.microsoft.com/office/drawing/2014/main" id="{7F6636DA-4FDE-4B32-8CCE-37EFA3E75799}"/>
+                <a16:creationId xmlns:a16="http://schemas.microsoft.com/office/drawing/2014/main" id="{7F6636DA-4FDE-4B32-8CCE-37EFA3E75799}"/>
               </a:ext>
             </a:extLst>
           </p:cNvPr>
@@ -2306,7 +3921,7 @@
           <p:cNvPr id="4" name="Date Placeholder 3">
             <a:extLst>
               <a:ext uri="{FF2B5EF4-FFF2-40B4-BE49-F238E27FC236}">
-                <a16:creationId xmlns="" xmlns:a16="http://schemas.microsoft.com/office/drawing/2014/main" id="{30F87932-8FF0-4DF1-A776-9A3CE37618A7}"/>
+                <a16:creationId xmlns:a16="http://schemas.microsoft.com/office/drawing/2014/main" id="{30F87932-8FF0-4DF1-A776-9A3CE37618A7}"/>
               </a:ext>
             </a:extLst>
           </p:cNvPr>
@@ -2324,7 +3939,7 @@
           <a:p>
             <a:fld id="{5D6495F3-B757-4FAF-98AA-EDA7D1485485}" type="datetimeFigureOut">
               <a:rPr lang="en-US" smtClean="0"/>
-              <a:t>5/8/2019</a:t>
+              <a:t>5/9/2019</a:t>
             </a:fld>
             <a:endParaRPr lang="en-US"/>
           </a:p>
@@ -2335,7 +3950,7 @@
           <p:cNvPr id="5" name="Footer Placeholder 4">
             <a:extLst>
               <a:ext uri="{FF2B5EF4-FFF2-40B4-BE49-F238E27FC236}">
-                <a16:creationId xmlns="" xmlns:a16="http://schemas.microsoft.com/office/drawing/2014/main" id="{5F38FAB8-C9F1-4DBB-B355-D8DEE370657B}"/>
+                <a16:creationId xmlns:a16="http://schemas.microsoft.com/office/drawing/2014/main" id="{5F38FAB8-C9F1-4DBB-B355-D8DEE370657B}"/>
               </a:ext>
             </a:extLst>
           </p:cNvPr>
@@ -2360,7 +3975,7 @@
           <p:cNvPr id="6" name="Slide Number Placeholder 5">
             <a:extLst>
               <a:ext uri="{FF2B5EF4-FFF2-40B4-BE49-F238E27FC236}">
-                <a16:creationId xmlns="" xmlns:a16="http://schemas.microsoft.com/office/drawing/2014/main" id="{F24490E3-D8E8-4766-9104-14009BF5636F}"/>
+                <a16:creationId xmlns:a16="http://schemas.microsoft.com/office/drawing/2014/main" id="{F24490E3-D8E8-4766-9104-14009BF5636F}"/>
               </a:ext>
             </a:extLst>
           </p:cNvPr>
@@ -2419,7 +4034,7 @@
           <p:cNvPr id="2" name="Title 1">
             <a:extLst>
               <a:ext uri="{FF2B5EF4-FFF2-40B4-BE49-F238E27FC236}">
-                <a16:creationId xmlns="" xmlns:a16="http://schemas.microsoft.com/office/drawing/2014/main" id="{303B8678-553E-4A5B-8CFE-5DB358BDF358}"/>
+                <a16:creationId xmlns:a16="http://schemas.microsoft.com/office/drawing/2014/main" id="{303B8678-553E-4A5B-8CFE-5DB358BDF358}"/>
               </a:ext>
             </a:extLst>
           </p:cNvPr>
@@ -2448,7 +4063,7 @@
           <p:cNvPr id="3" name="Vertical Text Placeholder 2">
             <a:extLst>
               <a:ext uri="{FF2B5EF4-FFF2-40B4-BE49-F238E27FC236}">
-                <a16:creationId xmlns="" xmlns:a16="http://schemas.microsoft.com/office/drawing/2014/main" id="{E43AF303-1F73-4575-83E6-561589F1632E}"/>
+                <a16:creationId xmlns:a16="http://schemas.microsoft.com/office/drawing/2014/main" id="{E43AF303-1F73-4575-83E6-561589F1632E}"/>
               </a:ext>
             </a:extLst>
           </p:cNvPr>
@@ -2506,7 +4121,7 @@
           <p:cNvPr id="4" name="Date Placeholder 3">
             <a:extLst>
               <a:ext uri="{FF2B5EF4-FFF2-40B4-BE49-F238E27FC236}">
-                <a16:creationId xmlns="" xmlns:a16="http://schemas.microsoft.com/office/drawing/2014/main" id="{2436EC56-7DCF-400D-A871-C26291EB10AD}"/>
+                <a16:creationId xmlns:a16="http://schemas.microsoft.com/office/drawing/2014/main" id="{2436EC56-7DCF-400D-A871-C26291EB10AD}"/>
               </a:ext>
             </a:extLst>
           </p:cNvPr>
@@ -2524,7 +4139,7 @@
           <a:p>
             <a:fld id="{5D6495F3-B757-4FAF-98AA-EDA7D1485485}" type="datetimeFigureOut">
               <a:rPr lang="en-US" smtClean="0"/>
-              <a:t>5/8/2019</a:t>
+              <a:t>5/9/2019</a:t>
             </a:fld>
             <a:endParaRPr lang="en-US"/>
           </a:p>
@@ -2535,7 +4150,7 @@
           <p:cNvPr id="5" name="Footer Placeholder 4">
             <a:extLst>
               <a:ext uri="{FF2B5EF4-FFF2-40B4-BE49-F238E27FC236}">
-                <a16:creationId xmlns="" xmlns:a16="http://schemas.microsoft.com/office/drawing/2014/main" id="{17FFAC5B-7C77-4F8C-ADB0-8D208A2EB303}"/>
+                <a16:creationId xmlns:a16="http://schemas.microsoft.com/office/drawing/2014/main" id="{17FFAC5B-7C77-4F8C-ADB0-8D208A2EB303}"/>
               </a:ext>
             </a:extLst>
           </p:cNvPr>
@@ -2560,7 +4175,7 @@
           <p:cNvPr id="6" name="Slide Number Placeholder 5">
             <a:extLst>
               <a:ext uri="{FF2B5EF4-FFF2-40B4-BE49-F238E27FC236}">
-                <a16:creationId xmlns="" xmlns:a16="http://schemas.microsoft.com/office/drawing/2014/main" id="{BD2F48AF-AB8F-4DD2-BC77-7E2F42AD3B87}"/>
+                <a16:creationId xmlns:a16="http://schemas.microsoft.com/office/drawing/2014/main" id="{BD2F48AF-AB8F-4DD2-BC77-7E2F42AD3B87}"/>
               </a:ext>
             </a:extLst>
           </p:cNvPr>
@@ -2619,7 +4234,7 @@
           <p:cNvPr id="2" name="Vertical Title 1">
             <a:extLst>
               <a:ext uri="{FF2B5EF4-FFF2-40B4-BE49-F238E27FC236}">
-                <a16:creationId xmlns="" xmlns:a16="http://schemas.microsoft.com/office/drawing/2014/main" id="{A20ED820-BFE6-41B5-8064-984037A999A8}"/>
+                <a16:creationId xmlns:a16="http://schemas.microsoft.com/office/drawing/2014/main" id="{A20ED820-BFE6-41B5-8064-984037A999A8}"/>
               </a:ext>
             </a:extLst>
           </p:cNvPr>
@@ -2653,7 +4268,7 @@
           <p:cNvPr id="3" name="Vertical Text Placeholder 2">
             <a:extLst>
               <a:ext uri="{FF2B5EF4-FFF2-40B4-BE49-F238E27FC236}">
-                <a16:creationId xmlns="" xmlns:a16="http://schemas.microsoft.com/office/drawing/2014/main" id="{9CA27FEA-5359-474A-B4F8-FF510DD7489A}"/>
+                <a16:creationId xmlns:a16="http://schemas.microsoft.com/office/drawing/2014/main" id="{9CA27FEA-5359-474A-B4F8-FF510DD7489A}"/>
               </a:ext>
             </a:extLst>
           </p:cNvPr>
@@ -2716,7 +4331,7 @@
           <p:cNvPr id="4" name="Date Placeholder 3">
             <a:extLst>
               <a:ext uri="{FF2B5EF4-FFF2-40B4-BE49-F238E27FC236}">
-                <a16:creationId xmlns="" xmlns:a16="http://schemas.microsoft.com/office/drawing/2014/main" id="{D14DD33D-563C-4B8C-B8C1-625FF5C5B85D}"/>
+                <a16:creationId xmlns:a16="http://schemas.microsoft.com/office/drawing/2014/main" id="{D14DD33D-563C-4B8C-B8C1-625FF5C5B85D}"/>
               </a:ext>
             </a:extLst>
           </p:cNvPr>
@@ -2734,7 +4349,7 @@
           <a:p>
             <a:fld id="{5D6495F3-B757-4FAF-98AA-EDA7D1485485}" type="datetimeFigureOut">
               <a:rPr lang="en-US" smtClean="0"/>
-              <a:t>5/8/2019</a:t>
+              <a:t>5/9/2019</a:t>
             </a:fld>
             <a:endParaRPr lang="en-US"/>
           </a:p>
@@ -2745,7 +4360,7 @@
           <p:cNvPr id="5" name="Footer Placeholder 4">
             <a:extLst>
               <a:ext uri="{FF2B5EF4-FFF2-40B4-BE49-F238E27FC236}">
-                <a16:creationId xmlns="" xmlns:a16="http://schemas.microsoft.com/office/drawing/2014/main" id="{40471877-89FD-46BE-832F-C5660A5567D2}"/>
+                <a16:creationId xmlns:a16="http://schemas.microsoft.com/office/drawing/2014/main" id="{40471877-89FD-46BE-832F-C5660A5567D2}"/>
               </a:ext>
             </a:extLst>
           </p:cNvPr>
@@ -2770,7 +4385,7 @@
           <p:cNvPr id="6" name="Slide Number Placeholder 5">
             <a:extLst>
               <a:ext uri="{FF2B5EF4-FFF2-40B4-BE49-F238E27FC236}">
-                <a16:creationId xmlns="" xmlns:a16="http://schemas.microsoft.com/office/drawing/2014/main" id="{0E6E675F-CC4D-48CF-90C8-53829EE08B8C}"/>
+                <a16:creationId xmlns:a16="http://schemas.microsoft.com/office/drawing/2014/main" id="{0E6E675F-CC4D-48CF-90C8-53829EE08B8C}"/>
               </a:ext>
             </a:extLst>
           </p:cNvPr>
@@ -2829,7 +4444,7 @@
           <p:cNvPr id="2" name="Title 1">
             <a:extLst>
               <a:ext uri="{FF2B5EF4-FFF2-40B4-BE49-F238E27FC236}">
-                <a16:creationId xmlns="" xmlns:a16="http://schemas.microsoft.com/office/drawing/2014/main" id="{E8CBC967-18DB-4664-9B4D-06177FB946B3}"/>
+                <a16:creationId xmlns:a16="http://schemas.microsoft.com/office/drawing/2014/main" id="{E8CBC967-18DB-4664-9B4D-06177FB946B3}"/>
               </a:ext>
             </a:extLst>
           </p:cNvPr>
@@ -2858,7 +4473,7 @@
           <p:cNvPr id="3" name="Content Placeholder 2">
             <a:extLst>
               <a:ext uri="{FF2B5EF4-FFF2-40B4-BE49-F238E27FC236}">
-                <a16:creationId xmlns="" xmlns:a16="http://schemas.microsoft.com/office/drawing/2014/main" id="{5ADF7174-64B4-4D8F-BF44-3DD1F66CAD00}"/>
+                <a16:creationId xmlns:a16="http://schemas.microsoft.com/office/drawing/2014/main" id="{5ADF7174-64B4-4D8F-BF44-3DD1F66CAD00}"/>
               </a:ext>
             </a:extLst>
           </p:cNvPr>
@@ -2916,7 +4531,7 @@
           <p:cNvPr id="4" name="Date Placeholder 3">
             <a:extLst>
               <a:ext uri="{FF2B5EF4-FFF2-40B4-BE49-F238E27FC236}">
-                <a16:creationId xmlns="" xmlns:a16="http://schemas.microsoft.com/office/drawing/2014/main" id="{55CD83D3-86C4-482F-A2DC-B4C55DBF3F7A}"/>
+                <a16:creationId xmlns:a16="http://schemas.microsoft.com/office/drawing/2014/main" id="{55CD83D3-86C4-482F-A2DC-B4C55DBF3F7A}"/>
               </a:ext>
             </a:extLst>
           </p:cNvPr>
@@ -2934,7 +4549,7 @@
           <a:p>
             <a:fld id="{5D6495F3-B757-4FAF-98AA-EDA7D1485485}" type="datetimeFigureOut">
               <a:rPr lang="en-US" smtClean="0"/>
-              <a:t>5/8/2019</a:t>
+              <a:t>5/9/2019</a:t>
             </a:fld>
             <a:endParaRPr lang="en-US"/>
           </a:p>
@@ -2945,7 +4560,7 @@
           <p:cNvPr id="5" name="Footer Placeholder 4">
             <a:extLst>
               <a:ext uri="{FF2B5EF4-FFF2-40B4-BE49-F238E27FC236}">
-                <a16:creationId xmlns="" xmlns:a16="http://schemas.microsoft.com/office/drawing/2014/main" id="{DCF05BE2-6C23-4CB4-A63E-457E635BF267}"/>
+                <a16:creationId xmlns:a16="http://schemas.microsoft.com/office/drawing/2014/main" id="{DCF05BE2-6C23-4CB4-A63E-457E635BF267}"/>
               </a:ext>
             </a:extLst>
           </p:cNvPr>
@@ -2970,7 +4585,7 @@
           <p:cNvPr id="6" name="Slide Number Placeholder 5">
             <a:extLst>
               <a:ext uri="{FF2B5EF4-FFF2-40B4-BE49-F238E27FC236}">
-                <a16:creationId xmlns="" xmlns:a16="http://schemas.microsoft.com/office/drawing/2014/main" id="{1C097965-24FE-4C07-BE16-69AE439950EF}"/>
+                <a16:creationId xmlns:a16="http://schemas.microsoft.com/office/drawing/2014/main" id="{1C097965-24FE-4C07-BE16-69AE439950EF}"/>
               </a:ext>
             </a:extLst>
           </p:cNvPr>
@@ -3029,7 +4644,7 @@
           <p:cNvPr id="2" name="Title 1">
             <a:extLst>
               <a:ext uri="{FF2B5EF4-FFF2-40B4-BE49-F238E27FC236}">
-                <a16:creationId xmlns="" xmlns:a16="http://schemas.microsoft.com/office/drawing/2014/main" id="{7233394D-04EF-440C-B08B-114464B315C6}"/>
+                <a16:creationId xmlns:a16="http://schemas.microsoft.com/office/drawing/2014/main" id="{7233394D-04EF-440C-B08B-114464B315C6}"/>
               </a:ext>
             </a:extLst>
           </p:cNvPr>
@@ -3067,7 +4682,7 @@
           <p:cNvPr id="3" name="Text Placeholder 2">
             <a:extLst>
               <a:ext uri="{FF2B5EF4-FFF2-40B4-BE49-F238E27FC236}">
-                <a16:creationId xmlns="" xmlns:a16="http://schemas.microsoft.com/office/drawing/2014/main" id="{BBEBE3F6-F021-4D6B-8B0D-EF74D7461F93}"/>
+                <a16:creationId xmlns:a16="http://schemas.microsoft.com/office/drawing/2014/main" id="{BBEBE3F6-F021-4D6B-8B0D-EF74D7461F93}"/>
               </a:ext>
             </a:extLst>
           </p:cNvPr>
@@ -3192,7 +4807,7 @@
           <p:cNvPr id="4" name="Date Placeholder 3">
             <a:extLst>
               <a:ext uri="{FF2B5EF4-FFF2-40B4-BE49-F238E27FC236}">
-                <a16:creationId xmlns="" xmlns:a16="http://schemas.microsoft.com/office/drawing/2014/main" id="{B196233C-6806-4593-91C0-CF4ECD84A601}"/>
+                <a16:creationId xmlns:a16="http://schemas.microsoft.com/office/drawing/2014/main" id="{B196233C-6806-4593-91C0-CF4ECD84A601}"/>
               </a:ext>
             </a:extLst>
           </p:cNvPr>
@@ -3210,7 +4825,7 @@
           <a:p>
             <a:fld id="{5D6495F3-B757-4FAF-98AA-EDA7D1485485}" type="datetimeFigureOut">
               <a:rPr lang="en-US" smtClean="0"/>
-              <a:t>5/8/2019</a:t>
+              <a:t>5/9/2019</a:t>
             </a:fld>
             <a:endParaRPr lang="en-US"/>
           </a:p>
@@ -3221,7 +4836,7 @@
           <p:cNvPr id="5" name="Footer Placeholder 4">
             <a:extLst>
               <a:ext uri="{FF2B5EF4-FFF2-40B4-BE49-F238E27FC236}">
-                <a16:creationId xmlns="" xmlns:a16="http://schemas.microsoft.com/office/drawing/2014/main" id="{963A761E-2D3A-4397-A82C-2F3B981DE045}"/>
+                <a16:creationId xmlns:a16="http://schemas.microsoft.com/office/drawing/2014/main" id="{963A761E-2D3A-4397-A82C-2F3B981DE045}"/>
               </a:ext>
             </a:extLst>
           </p:cNvPr>
@@ -3246,7 +4861,7 @@
           <p:cNvPr id="6" name="Slide Number Placeholder 5">
             <a:extLst>
               <a:ext uri="{FF2B5EF4-FFF2-40B4-BE49-F238E27FC236}">
-                <a16:creationId xmlns="" xmlns:a16="http://schemas.microsoft.com/office/drawing/2014/main" id="{68297E71-B59F-4260-B01B-2B7CEB0896BD}"/>
+                <a16:creationId xmlns:a16="http://schemas.microsoft.com/office/drawing/2014/main" id="{68297E71-B59F-4260-B01B-2B7CEB0896BD}"/>
               </a:ext>
             </a:extLst>
           </p:cNvPr>
@@ -3305,7 +4920,7 @@
           <p:cNvPr id="2" name="Title 1">
             <a:extLst>
               <a:ext uri="{FF2B5EF4-FFF2-40B4-BE49-F238E27FC236}">
-                <a16:creationId xmlns="" xmlns:a16="http://schemas.microsoft.com/office/drawing/2014/main" id="{5C94DFCB-DD40-4637-9CAB-2BAF24231C79}"/>
+                <a16:creationId xmlns:a16="http://schemas.microsoft.com/office/drawing/2014/main" id="{5C94DFCB-DD40-4637-9CAB-2BAF24231C79}"/>
               </a:ext>
             </a:extLst>
           </p:cNvPr>
@@ -3334,7 +4949,7 @@
           <p:cNvPr id="3" name="Content Placeholder 2">
             <a:extLst>
               <a:ext uri="{FF2B5EF4-FFF2-40B4-BE49-F238E27FC236}">
-                <a16:creationId xmlns="" xmlns:a16="http://schemas.microsoft.com/office/drawing/2014/main" id="{5394065F-4B44-4622-98EE-166F936489F5}"/>
+                <a16:creationId xmlns:a16="http://schemas.microsoft.com/office/drawing/2014/main" id="{5394065F-4B44-4622-98EE-166F936489F5}"/>
               </a:ext>
             </a:extLst>
           </p:cNvPr>
@@ -3397,7 +5012,7 @@
           <p:cNvPr id="4" name="Content Placeholder 3">
             <a:extLst>
               <a:ext uri="{FF2B5EF4-FFF2-40B4-BE49-F238E27FC236}">
-                <a16:creationId xmlns="" xmlns:a16="http://schemas.microsoft.com/office/drawing/2014/main" id="{67AF1249-B890-4466-9E24-84A24907008B}"/>
+                <a16:creationId xmlns:a16="http://schemas.microsoft.com/office/drawing/2014/main" id="{67AF1249-B890-4466-9E24-84A24907008B}"/>
               </a:ext>
             </a:extLst>
           </p:cNvPr>
@@ -3460,7 +5075,7 @@
           <p:cNvPr id="5" name="Date Placeholder 4">
             <a:extLst>
               <a:ext uri="{FF2B5EF4-FFF2-40B4-BE49-F238E27FC236}">
-                <a16:creationId xmlns="" xmlns:a16="http://schemas.microsoft.com/office/drawing/2014/main" id="{850FA9B4-D282-452F-B78A-FF5873ACF45A}"/>
+                <a16:creationId xmlns:a16="http://schemas.microsoft.com/office/drawing/2014/main" id="{850FA9B4-D282-452F-B78A-FF5873ACF45A}"/>
               </a:ext>
             </a:extLst>
           </p:cNvPr>
@@ -3478,7 +5093,7 @@
           <a:p>
             <a:fld id="{5D6495F3-B757-4FAF-98AA-EDA7D1485485}" type="datetimeFigureOut">
               <a:rPr lang="en-US" smtClean="0"/>
-              <a:t>5/8/2019</a:t>
+              <a:t>5/9/2019</a:t>
             </a:fld>
             <a:endParaRPr lang="en-US"/>
           </a:p>
@@ -3489,7 +5104,7 @@
           <p:cNvPr id="6" name="Footer Placeholder 5">
             <a:extLst>
               <a:ext uri="{FF2B5EF4-FFF2-40B4-BE49-F238E27FC236}">
-                <a16:creationId xmlns="" xmlns:a16="http://schemas.microsoft.com/office/drawing/2014/main" id="{6E9B0F13-A139-4B66-9544-16480800F680}"/>
+                <a16:creationId xmlns:a16="http://schemas.microsoft.com/office/drawing/2014/main" id="{6E9B0F13-A139-4B66-9544-16480800F680}"/>
               </a:ext>
             </a:extLst>
           </p:cNvPr>
@@ -3514,7 +5129,7 @@
           <p:cNvPr id="7" name="Slide Number Placeholder 6">
             <a:extLst>
               <a:ext uri="{FF2B5EF4-FFF2-40B4-BE49-F238E27FC236}">
-                <a16:creationId xmlns="" xmlns:a16="http://schemas.microsoft.com/office/drawing/2014/main" id="{7B8791D0-EC30-4D8C-8764-475D8DB34F19}"/>
+                <a16:creationId xmlns:a16="http://schemas.microsoft.com/office/drawing/2014/main" id="{7B8791D0-EC30-4D8C-8764-475D8DB34F19}"/>
               </a:ext>
             </a:extLst>
           </p:cNvPr>
@@ -3573,7 +5188,7 @@
           <p:cNvPr id="2" name="Title 1">
             <a:extLst>
               <a:ext uri="{FF2B5EF4-FFF2-40B4-BE49-F238E27FC236}">
-                <a16:creationId xmlns="" xmlns:a16="http://schemas.microsoft.com/office/drawing/2014/main" id="{4133AA7D-15D2-4D5F-B1C4-501073416DE8}"/>
+                <a16:creationId xmlns:a16="http://schemas.microsoft.com/office/drawing/2014/main" id="{4133AA7D-15D2-4D5F-B1C4-501073416DE8}"/>
               </a:ext>
             </a:extLst>
           </p:cNvPr>
@@ -3607,7 +5222,7 @@
           <p:cNvPr id="3" name="Text Placeholder 2">
             <a:extLst>
               <a:ext uri="{FF2B5EF4-FFF2-40B4-BE49-F238E27FC236}">
-                <a16:creationId xmlns="" xmlns:a16="http://schemas.microsoft.com/office/drawing/2014/main" id="{65E80A0E-25B9-4E8E-8B0D-201E1C564096}"/>
+                <a16:creationId xmlns:a16="http://schemas.microsoft.com/office/drawing/2014/main" id="{65E80A0E-25B9-4E8E-8B0D-201E1C564096}"/>
               </a:ext>
             </a:extLst>
           </p:cNvPr>
@@ -3678,7 +5293,7 @@
           <p:cNvPr id="4" name="Content Placeholder 3">
             <a:extLst>
               <a:ext uri="{FF2B5EF4-FFF2-40B4-BE49-F238E27FC236}">
-                <a16:creationId xmlns="" xmlns:a16="http://schemas.microsoft.com/office/drawing/2014/main" id="{3189B111-0CA0-47CD-9F0B-DBCBA3AE3C28}"/>
+                <a16:creationId xmlns:a16="http://schemas.microsoft.com/office/drawing/2014/main" id="{3189B111-0CA0-47CD-9F0B-DBCBA3AE3C28}"/>
               </a:ext>
             </a:extLst>
           </p:cNvPr>
@@ -3741,7 +5356,7 @@
           <p:cNvPr id="5" name="Text Placeholder 4">
             <a:extLst>
               <a:ext uri="{FF2B5EF4-FFF2-40B4-BE49-F238E27FC236}">
-                <a16:creationId xmlns="" xmlns:a16="http://schemas.microsoft.com/office/drawing/2014/main" id="{EEF0E02D-3176-4B85-ACB6-721F2682742C}"/>
+                <a16:creationId xmlns:a16="http://schemas.microsoft.com/office/drawing/2014/main" id="{EEF0E02D-3176-4B85-ACB6-721F2682742C}"/>
               </a:ext>
             </a:extLst>
           </p:cNvPr>
@@ -3812,7 +5427,7 @@
           <p:cNvPr id="6" name="Content Placeholder 5">
             <a:extLst>
               <a:ext uri="{FF2B5EF4-FFF2-40B4-BE49-F238E27FC236}">
-                <a16:creationId xmlns="" xmlns:a16="http://schemas.microsoft.com/office/drawing/2014/main" id="{EC7D9317-BBE1-4F36-82FE-E348F6F18A97}"/>
+                <a16:creationId xmlns:a16="http://schemas.microsoft.com/office/drawing/2014/main" id="{EC7D9317-BBE1-4F36-82FE-E348F6F18A97}"/>
               </a:ext>
             </a:extLst>
           </p:cNvPr>
@@ -3875,7 +5490,7 @@
           <p:cNvPr id="7" name="Date Placeholder 6">
             <a:extLst>
               <a:ext uri="{FF2B5EF4-FFF2-40B4-BE49-F238E27FC236}">
-                <a16:creationId xmlns="" xmlns:a16="http://schemas.microsoft.com/office/drawing/2014/main" id="{D837DDCB-69F8-49FA-A111-C8AB271389E7}"/>
+                <a16:creationId xmlns:a16="http://schemas.microsoft.com/office/drawing/2014/main" id="{D837DDCB-69F8-49FA-A111-C8AB271389E7}"/>
               </a:ext>
             </a:extLst>
           </p:cNvPr>
@@ -3893,7 +5508,7 @@
           <a:p>
             <a:fld id="{5D6495F3-B757-4FAF-98AA-EDA7D1485485}" type="datetimeFigureOut">
               <a:rPr lang="en-US" smtClean="0"/>
-              <a:t>5/8/2019</a:t>
+              <a:t>5/9/2019</a:t>
             </a:fld>
             <a:endParaRPr lang="en-US"/>
           </a:p>
@@ -3904,7 +5519,7 @@
           <p:cNvPr id="8" name="Footer Placeholder 7">
             <a:extLst>
               <a:ext uri="{FF2B5EF4-FFF2-40B4-BE49-F238E27FC236}">
-                <a16:creationId xmlns="" xmlns:a16="http://schemas.microsoft.com/office/drawing/2014/main" id="{4A18B0CD-1F68-412E-9232-F267114CA754}"/>
+                <a16:creationId xmlns:a16="http://schemas.microsoft.com/office/drawing/2014/main" id="{4A18B0CD-1F68-412E-9232-F267114CA754}"/>
               </a:ext>
             </a:extLst>
           </p:cNvPr>
@@ -3929,7 +5544,7 @@
           <p:cNvPr id="9" name="Slide Number Placeholder 8">
             <a:extLst>
               <a:ext uri="{FF2B5EF4-FFF2-40B4-BE49-F238E27FC236}">
-                <a16:creationId xmlns="" xmlns:a16="http://schemas.microsoft.com/office/drawing/2014/main" id="{429B21FC-12CC-472D-BC38-EF413158CC5D}"/>
+                <a16:creationId xmlns:a16="http://schemas.microsoft.com/office/drawing/2014/main" id="{429B21FC-12CC-472D-BC38-EF413158CC5D}"/>
               </a:ext>
             </a:extLst>
           </p:cNvPr>
@@ -3988,7 +5603,7 @@
           <p:cNvPr id="2" name="Title 1">
             <a:extLst>
               <a:ext uri="{FF2B5EF4-FFF2-40B4-BE49-F238E27FC236}">
-                <a16:creationId xmlns="" xmlns:a16="http://schemas.microsoft.com/office/drawing/2014/main" id="{D00F51AB-8384-4E67-914C-B39484AD2332}"/>
+                <a16:creationId xmlns:a16="http://schemas.microsoft.com/office/drawing/2014/main" id="{D00F51AB-8384-4E67-914C-B39484AD2332}"/>
               </a:ext>
             </a:extLst>
           </p:cNvPr>
@@ -4017,7 +5632,7 @@
           <p:cNvPr id="3" name="Date Placeholder 2">
             <a:extLst>
               <a:ext uri="{FF2B5EF4-FFF2-40B4-BE49-F238E27FC236}">
-                <a16:creationId xmlns="" xmlns:a16="http://schemas.microsoft.com/office/drawing/2014/main" id="{A0909660-3861-4545-BF68-9ED039B5D0F0}"/>
+                <a16:creationId xmlns:a16="http://schemas.microsoft.com/office/drawing/2014/main" id="{A0909660-3861-4545-BF68-9ED039B5D0F0}"/>
               </a:ext>
             </a:extLst>
           </p:cNvPr>
@@ -4035,7 +5650,7 @@
           <a:p>
             <a:fld id="{5D6495F3-B757-4FAF-98AA-EDA7D1485485}" type="datetimeFigureOut">
               <a:rPr lang="en-US" smtClean="0"/>
-              <a:t>5/8/2019</a:t>
+              <a:t>5/9/2019</a:t>
             </a:fld>
             <a:endParaRPr lang="en-US"/>
           </a:p>
@@ -4046,7 +5661,7 @@
           <p:cNvPr id="4" name="Footer Placeholder 3">
             <a:extLst>
               <a:ext uri="{FF2B5EF4-FFF2-40B4-BE49-F238E27FC236}">
-                <a16:creationId xmlns="" xmlns:a16="http://schemas.microsoft.com/office/drawing/2014/main" id="{FDDD5392-AC3A-4EAF-ADE6-B6CF4B50ACAD}"/>
+                <a16:creationId xmlns:a16="http://schemas.microsoft.com/office/drawing/2014/main" id="{FDDD5392-AC3A-4EAF-ADE6-B6CF4B50ACAD}"/>
               </a:ext>
             </a:extLst>
           </p:cNvPr>
@@ -4071,7 +5686,7 @@
           <p:cNvPr id="5" name="Slide Number Placeholder 4">
             <a:extLst>
               <a:ext uri="{FF2B5EF4-FFF2-40B4-BE49-F238E27FC236}">
-                <a16:creationId xmlns="" xmlns:a16="http://schemas.microsoft.com/office/drawing/2014/main" id="{F5679880-BF48-4F4D-B8B3-4E99FC415FF9}"/>
+                <a16:creationId xmlns:a16="http://schemas.microsoft.com/office/drawing/2014/main" id="{F5679880-BF48-4F4D-B8B3-4E99FC415FF9}"/>
               </a:ext>
             </a:extLst>
           </p:cNvPr>
@@ -4130,7 +5745,7 @@
           <p:cNvPr id="2" name="Date Placeholder 1">
             <a:extLst>
               <a:ext uri="{FF2B5EF4-FFF2-40B4-BE49-F238E27FC236}">
-                <a16:creationId xmlns="" xmlns:a16="http://schemas.microsoft.com/office/drawing/2014/main" id="{C7F98E25-CF37-4F73-9E22-210238167867}"/>
+                <a16:creationId xmlns:a16="http://schemas.microsoft.com/office/drawing/2014/main" id="{C7F98E25-CF37-4F73-9E22-210238167867}"/>
               </a:ext>
             </a:extLst>
           </p:cNvPr>
@@ -4148,7 +5763,7 @@
           <a:p>
             <a:fld id="{5D6495F3-B757-4FAF-98AA-EDA7D1485485}" type="datetimeFigureOut">
               <a:rPr lang="en-US" smtClean="0"/>
-              <a:t>5/8/2019</a:t>
+              <a:t>5/9/2019</a:t>
             </a:fld>
             <a:endParaRPr lang="en-US"/>
           </a:p>
@@ -4159,7 +5774,7 @@
           <p:cNvPr id="3" name="Footer Placeholder 2">
             <a:extLst>
               <a:ext uri="{FF2B5EF4-FFF2-40B4-BE49-F238E27FC236}">
-                <a16:creationId xmlns="" xmlns:a16="http://schemas.microsoft.com/office/drawing/2014/main" id="{89D7A0E1-38AB-4FDA-8EC1-2D7617909C16}"/>
+                <a16:creationId xmlns:a16="http://schemas.microsoft.com/office/drawing/2014/main" id="{89D7A0E1-38AB-4FDA-8EC1-2D7617909C16}"/>
               </a:ext>
             </a:extLst>
           </p:cNvPr>
@@ -4184,7 +5799,7 @@
           <p:cNvPr id="4" name="Slide Number Placeholder 3">
             <a:extLst>
               <a:ext uri="{FF2B5EF4-FFF2-40B4-BE49-F238E27FC236}">
-                <a16:creationId xmlns="" xmlns:a16="http://schemas.microsoft.com/office/drawing/2014/main" id="{18A8E424-5A91-4557-9ADF-4A9422A0690D}"/>
+                <a16:creationId xmlns:a16="http://schemas.microsoft.com/office/drawing/2014/main" id="{18A8E424-5A91-4557-9ADF-4A9422A0690D}"/>
               </a:ext>
             </a:extLst>
           </p:cNvPr>
@@ -4243,7 +5858,7 @@
           <p:cNvPr id="2" name="Title 1">
             <a:extLst>
               <a:ext uri="{FF2B5EF4-FFF2-40B4-BE49-F238E27FC236}">
-                <a16:creationId xmlns="" xmlns:a16="http://schemas.microsoft.com/office/drawing/2014/main" id="{006BB935-0427-44CC-A384-333EAD83175F}"/>
+                <a16:creationId xmlns:a16="http://schemas.microsoft.com/office/drawing/2014/main" id="{006BB935-0427-44CC-A384-333EAD83175F}"/>
               </a:ext>
             </a:extLst>
           </p:cNvPr>
@@ -4281,7 +5896,7 @@
           <p:cNvPr id="3" name="Content Placeholder 2">
             <a:extLst>
               <a:ext uri="{FF2B5EF4-FFF2-40B4-BE49-F238E27FC236}">
-                <a16:creationId xmlns="" xmlns:a16="http://schemas.microsoft.com/office/drawing/2014/main" id="{CCB9DCF6-55CF-43EE-B135-BFC4B4D403CE}"/>
+                <a16:creationId xmlns:a16="http://schemas.microsoft.com/office/drawing/2014/main" id="{CCB9DCF6-55CF-43EE-B135-BFC4B4D403CE}"/>
               </a:ext>
             </a:extLst>
           </p:cNvPr>
@@ -4372,7 +5987,7 @@
           <p:cNvPr id="4" name="Text Placeholder 3">
             <a:extLst>
               <a:ext uri="{FF2B5EF4-FFF2-40B4-BE49-F238E27FC236}">
-                <a16:creationId xmlns="" xmlns:a16="http://schemas.microsoft.com/office/drawing/2014/main" id="{4337538E-A112-4E8F-A445-1A06B0C35309}"/>
+                <a16:creationId xmlns:a16="http://schemas.microsoft.com/office/drawing/2014/main" id="{4337538E-A112-4E8F-A445-1A06B0C35309}"/>
               </a:ext>
             </a:extLst>
           </p:cNvPr>
@@ -4443,7 +6058,7 @@
           <p:cNvPr id="5" name="Date Placeholder 4">
             <a:extLst>
               <a:ext uri="{FF2B5EF4-FFF2-40B4-BE49-F238E27FC236}">
-                <a16:creationId xmlns="" xmlns:a16="http://schemas.microsoft.com/office/drawing/2014/main" id="{E530D413-9505-4ED8-BFF1-5141BE9EE3C4}"/>
+                <a16:creationId xmlns:a16="http://schemas.microsoft.com/office/drawing/2014/main" id="{E530D413-9505-4ED8-BFF1-5141BE9EE3C4}"/>
               </a:ext>
             </a:extLst>
           </p:cNvPr>
@@ -4461,7 +6076,7 @@
           <a:p>
             <a:fld id="{5D6495F3-B757-4FAF-98AA-EDA7D1485485}" type="datetimeFigureOut">
               <a:rPr lang="en-US" smtClean="0"/>
-              <a:t>5/8/2019</a:t>
+              <a:t>5/9/2019</a:t>
             </a:fld>
             <a:endParaRPr lang="en-US"/>
           </a:p>
@@ -4472,7 +6087,7 @@
           <p:cNvPr id="6" name="Footer Placeholder 5">
             <a:extLst>
               <a:ext uri="{FF2B5EF4-FFF2-40B4-BE49-F238E27FC236}">
-                <a16:creationId xmlns="" xmlns:a16="http://schemas.microsoft.com/office/drawing/2014/main" id="{F60815B0-4528-4FA2-8472-8F19C0F1650D}"/>
+                <a16:creationId xmlns:a16="http://schemas.microsoft.com/office/drawing/2014/main" id="{F60815B0-4528-4FA2-8472-8F19C0F1650D}"/>
               </a:ext>
             </a:extLst>
           </p:cNvPr>
@@ -4497,7 +6112,7 @@
           <p:cNvPr id="7" name="Slide Number Placeholder 6">
             <a:extLst>
               <a:ext uri="{FF2B5EF4-FFF2-40B4-BE49-F238E27FC236}">
-                <a16:creationId xmlns="" xmlns:a16="http://schemas.microsoft.com/office/drawing/2014/main" id="{B5C9FCEF-4406-4552-BFE4-6DA3761357F2}"/>
+                <a16:creationId xmlns:a16="http://schemas.microsoft.com/office/drawing/2014/main" id="{B5C9FCEF-4406-4552-BFE4-6DA3761357F2}"/>
               </a:ext>
             </a:extLst>
           </p:cNvPr>
@@ -4556,7 +6171,7 @@
           <p:cNvPr id="2" name="Title 1">
             <a:extLst>
               <a:ext uri="{FF2B5EF4-FFF2-40B4-BE49-F238E27FC236}">
-                <a16:creationId xmlns="" xmlns:a16="http://schemas.microsoft.com/office/drawing/2014/main" id="{F25CE22C-69D4-49EC-8858-787B3C67B0DA}"/>
+                <a16:creationId xmlns:a16="http://schemas.microsoft.com/office/drawing/2014/main" id="{F25CE22C-69D4-49EC-8858-787B3C67B0DA}"/>
               </a:ext>
             </a:extLst>
           </p:cNvPr>
@@ -4594,7 +6209,7 @@
           <p:cNvPr id="3" name="Picture Placeholder 2">
             <a:extLst>
               <a:ext uri="{FF2B5EF4-FFF2-40B4-BE49-F238E27FC236}">
-                <a16:creationId xmlns="" xmlns:a16="http://schemas.microsoft.com/office/drawing/2014/main" id="{346A4341-3C0B-4025-AE17-8F0F8FABF5D3}"/>
+                <a16:creationId xmlns:a16="http://schemas.microsoft.com/office/drawing/2014/main" id="{346A4341-3C0B-4025-AE17-8F0F8FABF5D3}"/>
               </a:ext>
             </a:extLst>
           </p:cNvPr>
@@ -4665,7 +6280,7 @@
           <p:cNvPr id="4" name="Text Placeholder 3">
             <a:extLst>
               <a:ext uri="{FF2B5EF4-FFF2-40B4-BE49-F238E27FC236}">
-                <a16:creationId xmlns="" xmlns:a16="http://schemas.microsoft.com/office/drawing/2014/main" id="{DEF5FF01-E0B6-419C-ABCC-70844E4EACB8}"/>
+                <a16:creationId xmlns:a16="http://schemas.microsoft.com/office/drawing/2014/main" id="{DEF5FF01-E0B6-419C-ABCC-70844E4EACB8}"/>
               </a:ext>
             </a:extLst>
           </p:cNvPr>
@@ -4736,7 +6351,7 @@
           <p:cNvPr id="5" name="Date Placeholder 4">
             <a:extLst>
               <a:ext uri="{FF2B5EF4-FFF2-40B4-BE49-F238E27FC236}">
-                <a16:creationId xmlns="" xmlns:a16="http://schemas.microsoft.com/office/drawing/2014/main" id="{92501218-FFD7-4F25-B220-F5DE5F70693C}"/>
+                <a16:creationId xmlns:a16="http://schemas.microsoft.com/office/drawing/2014/main" id="{92501218-FFD7-4F25-B220-F5DE5F70693C}"/>
               </a:ext>
             </a:extLst>
           </p:cNvPr>
@@ -4754,7 +6369,7 @@
           <a:p>
             <a:fld id="{5D6495F3-B757-4FAF-98AA-EDA7D1485485}" type="datetimeFigureOut">
               <a:rPr lang="en-US" smtClean="0"/>
-              <a:t>5/8/2019</a:t>
+              <a:t>5/9/2019</a:t>
             </a:fld>
             <a:endParaRPr lang="en-US"/>
           </a:p>
@@ -4765,7 +6380,7 @@
           <p:cNvPr id="6" name="Footer Placeholder 5">
             <a:extLst>
               <a:ext uri="{FF2B5EF4-FFF2-40B4-BE49-F238E27FC236}">
-                <a16:creationId xmlns="" xmlns:a16="http://schemas.microsoft.com/office/drawing/2014/main" id="{9687CBFB-34A6-49D8-A1D2-45DF38876EED}"/>
+                <a16:creationId xmlns:a16="http://schemas.microsoft.com/office/drawing/2014/main" id="{9687CBFB-34A6-49D8-A1D2-45DF38876EED}"/>
               </a:ext>
             </a:extLst>
           </p:cNvPr>
@@ -4790,7 +6405,7 @@
           <p:cNvPr id="7" name="Slide Number Placeholder 6">
             <a:extLst>
               <a:ext uri="{FF2B5EF4-FFF2-40B4-BE49-F238E27FC236}">
-                <a16:creationId xmlns="" xmlns:a16="http://schemas.microsoft.com/office/drawing/2014/main" id="{0C2726A4-D33A-486A-B120-648AF3D8BA76}"/>
+                <a16:creationId xmlns:a16="http://schemas.microsoft.com/office/drawing/2014/main" id="{0C2726A4-D33A-486A-B120-648AF3D8BA76}"/>
               </a:ext>
             </a:extLst>
           </p:cNvPr>
@@ -4854,7 +6469,7 @@
           <p:cNvPr id="2" name="Title Placeholder 1">
             <a:extLst>
               <a:ext uri="{FF2B5EF4-FFF2-40B4-BE49-F238E27FC236}">
-                <a16:creationId xmlns="" xmlns:a16="http://schemas.microsoft.com/office/drawing/2014/main" id="{9C07C8C3-4165-4353-ABF2-492454AF91ED}"/>
+                <a16:creationId xmlns:a16="http://schemas.microsoft.com/office/drawing/2014/main" id="{9C07C8C3-4165-4353-ABF2-492454AF91ED}"/>
               </a:ext>
             </a:extLst>
           </p:cNvPr>
@@ -4893,7 +6508,7 @@
           <p:cNvPr id="3" name="Text Placeholder 2">
             <a:extLst>
               <a:ext uri="{FF2B5EF4-FFF2-40B4-BE49-F238E27FC236}">
-                <a16:creationId xmlns="" xmlns:a16="http://schemas.microsoft.com/office/drawing/2014/main" id="{289AA46A-3C66-4E4A-9907-225E50ABB7AE}"/>
+                <a16:creationId xmlns:a16="http://schemas.microsoft.com/office/drawing/2014/main" id="{289AA46A-3C66-4E4A-9907-225E50ABB7AE}"/>
               </a:ext>
             </a:extLst>
           </p:cNvPr>
@@ -4961,7 +6576,7 @@
           <p:cNvPr id="4" name="Date Placeholder 3">
             <a:extLst>
               <a:ext uri="{FF2B5EF4-FFF2-40B4-BE49-F238E27FC236}">
-                <a16:creationId xmlns="" xmlns:a16="http://schemas.microsoft.com/office/drawing/2014/main" id="{E57F8214-A11A-4309-9D51-44F35987D1BD}"/>
+                <a16:creationId xmlns:a16="http://schemas.microsoft.com/office/drawing/2014/main" id="{E57F8214-A11A-4309-9D51-44F35987D1BD}"/>
               </a:ext>
             </a:extLst>
           </p:cNvPr>
@@ -4997,7 +6612,7 @@
           <a:p>
             <a:fld id="{5D6495F3-B757-4FAF-98AA-EDA7D1485485}" type="datetimeFigureOut">
               <a:rPr lang="en-US" smtClean="0"/>
-              <a:t>5/8/2019</a:t>
+              <a:t>5/9/2019</a:t>
             </a:fld>
             <a:endParaRPr lang="en-US"/>
           </a:p>
@@ -5008,7 +6623,7 @@
           <p:cNvPr id="5" name="Footer Placeholder 4">
             <a:extLst>
               <a:ext uri="{FF2B5EF4-FFF2-40B4-BE49-F238E27FC236}">
-                <a16:creationId xmlns="" xmlns:a16="http://schemas.microsoft.com/office/drawing/2014/main" id="{D6A334EB-8260-4F13-9553-5A8593D9DC6B}"/>
+                <a16:creationId xmlns:a16="http://schemas.microsoft.com/office/drawing/2014/main" id="{D6A334EB-8260-4F13-9553-5A8593D9DC6B}"/>
               </a:ext>
             </a:extLst>
           </p:cNvPr>
@@ -5051,7 +6666,7 @@
           <p:cNvPr id="6" name="Slide Number Placeholder 5">
             <a:extLst>
               <a:ext uri="{FF2B5EF4-FFF2-40B4-BE49-F238E27FC236}">
-                <a16:creationId xmlns="" xmlns:a16="http://schemas.microsoft.com/office/drawing/2014/main" id="{00C1EF96-E028-4E68-864E-9B77CF9F25E0}"/>
+                <a16:creationId xmlns:a16="http://schemas.microsoft.com/office/drawing/2014/main" id="{00C1EF96-E028-4E68-864E-9B77CF9F25E0}"/>
               </a:ext>
             </a:extLst>
           </p:cNvPr>
@@ -5424,13 +7039,13 @@
       </p:grpSpPr>
       <p:sp>
         <p:nvSpPr>
-          <p:cNvPr id="11" name="Rectangle 10">
+          <p:cNvPr id="27" name="Rectangle 26">
             <a:extLst>
               <a:ext uri="{FF2B5EF4-FFF2-40B4-BE49-F238E27FC236}">
-                <a16:creationId xmlns="" xmlns:a16="http://schemas.microsoft.com/office/drawing/2014/main" id="{C0B27210-D0CA-4654-B3E3-9ABB4F178EA1}"/>
+                <a16:creationId xmlns:a16="http://schemas.microsoft.com/office/drawing/2014/main" id="{0BC9EFE1-D8CB-4668-9980-DB108327A794}"/>
               </a:ext>
               <a:ext uri="{C183D7F6-B498-43B3-948B-1728B52AA6E4}">
-                <adec:decorative xmlns="" xmlns:adec="http://schemas.microsoft.com/office/drawing/2017/decorative" val="1"/>
+                <adec:decorative xmlns:adec="http://schemas.microsoft.com/office/drawing/2017/decorative" val="1"/>
               </a:ext>
             </a:extLst>
           </p:cNvPr>
@@ -5440,25 +7055,45 @@
           <p:nvPr>
             <p:extLst>
               <p:ext uri="{386F3935-93C4-4BCD-93E2-E3B085C9AB24}">
-                <p16:designElem xmlns="" xmlns:p16="http://schemas.microsoft.com/office/powerpoint/2015/main" val="1"/>
+                <p16:designElem xmlns:p16="http://schemas.microsoft.com/office/powerpoint/2015/main" val="1"/>
               </p:ext>
             </p:extLst>
           </p:nvPr>
         </p:nvSpPr>
         <p:spPr>
           <a:xfrm>
-            <a:off x="0" y="0"/>
-            <a:ext cx="12192000" cy="6858000"/>
+            <a:off x="-305" y="0"/>
+            <a:ext cx="6271569" cy="6858000"/>
           </a:xfrm>
           <a:prstGeom prst="rect">
             <a:avLst/>
           </a:prstGeom>
-          <a:solidFill>
-            <a:schemeClr val="tx1">
-              <a:lumMod val="75000"/>
-              <a:lumOff val="25000"/>
-            </a:schemeClr>
-          </a:solidFill>
+          <a:gradFill>
+            <a:gsLst>
+              <a:gs pos="0">
+                <a:schemeClr val="accent1">
+                  <a:lumMod val="100000"/>
+                  <a:alpha val="82000"/>
+                </a:schemeClr>
+              </a:gs>
+              <a:gs pos="25000">
+                <a:schemeClr val="accent1">
+                  <a:alpha val="60000"/>
+                </a:schemeClr>
+              </a:gs>
+              <a:gs pos="94000">
+                <a:schemeClr val="bg2">
+                  <a:lumMod val="75000"/>
+                </a:schemeClr>
+              </a:gs>
+              <a:gs pos="100000">
+                <a:schemeClr val="bg2">
+                  <a:lumMod val="75000"/>
+                </a:schemeClr>
+              </a:gs>
+            </a:gsLst>
+            <a:lin ang="4200000" scaled="0"/>
+          </a:gradFill>
           <a:ln>
             <a:noFill/>
           </a:ln>
@@ -5488,6 +7123,51 @@
           </a:p>
         </p:txBody>
       </p:sp>
+      <p:pic>
+        <p:nvPicPr>
+          <p:cNvPr id="29" name="Picture 28">
+            <a:extLst>
+              <a:ext uri="{FF2B5EF4-FFF2-40B4-BE49-F238E27FC236}">
+                <a16:creationId xmlns:a16="http://schemas.microsoft.com/office/drawing/2014/main" id="{7CBAE1BD-B8E4-4029-8AA2-C77E4FED9864}"/>
+              </a:ext>
+              <a:ext uri="{C183D7F6-B498-43B3-948B-1728B52AA6E4}">
+                <adec:decorative xmlns:adec="http://schemas.microsoft.com/office/drawing/2017/decorative" val="1"/>
+              </a:ext>
+            </a:extLst>
+          </p:cNvPr>
+          <p:cNvPicPr>
+            <a:picLocks noGrp="1" noRot="1" noChangeAspect="1" noMove="1" noResize="1" noEditPoints="1" noAdjustHandles="1" noChangeArrowheads="1" noChangeShapeType="1" noCrop="1"/>
+          </p:cNvPicPr>
+          <p:nvPr>
+            <p:extLst>
+              <p:ext uri="{386F3935-93C4-4BCD-93E2-E3B085C9AB24}">
+                <p16:designElem xmlns:p16="http://schemas.microsoft.com/office/powerpoint/2015/main" val="1"/>
+              </p:ext>
+            </p:extLst>
+          </p:nvPr>
+        </p:nvPicPr>
+        <p:blipFill>
+          <a:blip r:embed="rId2">
+            <a:extLst>
+              <a:ext uri="{28A0092B-C50C-407E-A947-70E740481C1C}">
+                <a14:useLocalDpi xmlns:a14="http://schemas.microsoft.com/office/drawing/2010/main" val="0"/>
+              </a:ext>
+            </a:extLst>
+          </a:blip>
+          <a:stretch>
+            <a:fillRect/>
+          </a:stretch>
+        </p:blipFill>
+        <p:spPr>
+          <a:xfrm>
+            <a:off x="0" y="0"/>
+            <a:ext cx="12192000" cy="6858000"/>
+          </a:xfrm>
+          <a:prstGeom prst="rect">
+            <a:avLst/>
+          </a:prstGeom>
+        </p:spPr>
+      </p:pic>
       <p:sp>
         <p:nvSpPr>
           <p:cNvPr id="2" name="Title 1"/>
@@ -5500,61 +7180,40 @@
         </p:nvSpPr>
         <p:spPr>
           <a:xfrm>
-            <a:off x="6746628" y="1783959"/>
-            <a:ext cx="4645250" cy="2889114"/>
+            <a:off x="6585882" y="4267832"/>
+            <a:ext cx="4805996" cy="1401448"/>
           </a:xfrm>
         </p:spPr>
         <p:txBody>
-          <a:bodyPr anchor="b">
+          <a:bodyPr anchor="t">
             <a:normAutofit/>
           </a:bodyPr>
           <a:lstStyle/>
           <a:p>
             <a:pPr algn="l"/>
             <a:r>
-              <a:rPr lang="en-US" dirty="0" err="1">
+              <a:rPr lang="en-US" sz="4400">
                 <a:solidFill>
-                  <a:schemeClr val="bg1"/>
+                  <a:srgbClr val="000000"/>
                 </a:solidFill>
               </a:rPr>
-              <a:t>Servicio</a:t>
-            </a:r>
-            <a:r>
-              <a:rPr lang="en-US" dirty="0">
-                <a:solidFill>
-                  <a:schemeClr val="bg1"/>
-                </a:solidFill>
-              </a:rPr>
-              <a:t> TI</a:t>
+              <a:t>IT Services</a:t>
             </a:r>
             <a:br>
-              <a:rPr lang="en-US" dirty="0">
+              <a:rPr lang="en-US" sz="4400">
                 <a:solidFill>
-                  <a:schemeClr val="bg1"/>
+                  <a:srgbClr val="000000"/>
                 </a:solidFill>
               </a:rPr>
             </a:br>
             <a:r>
-              <a:rPr lang="en-US" dirty="0">
+              <a:rPr lang="en-US" sz="4400">
                 <a:solidFill>
-                  <a:schemeClr val="bg1"/>
+                  <a:srgbClr val="000000"/>
                 </a:solidFill>
               </a:rPr>
-              <a:t>Centro de </a:t>
+              <a:t>CallCenter</a:t>
             </a:r>
-            <a:r>
-              <a:rPr lang="en-US" dirty="0" err="1">
-                <a:solidFill>
-                  <a:schemeClr val="bg1"/>
-                </a:solidFill>
-              </a:rPr>
-              <a:t>llamadas</a:t>
-            </a:r>
-            <a:endParaRPr lang="en-US" dirty="0">
-              <a:solidFill>
-                <a:schemeClr val="bg1"/>
-              </a:solidFill>
-            </a:endParaRPr>
           </a:p>
         </p:txBody>
       </p:sp>
@@ -5570,58 +7229,37 @@
         </p:nvSpPr>
         <p:spPr>
           <a:xfrm>
-            <a:off x="6746627" y="4750893"/>
-            <a:ext cx="4645250" cy="1147863"/>
+            <a:off x="6586186" y="3428999"/>
+            <a:ext cx="4805691" cy="838831"/>
           </a:xfrm>
         </p:spPr>
         <p:txBody>
-          <a:bodyPr anchor="t">
+          <a:bodyPr anchor="b">
             <a:normAutofit/>
           </a:bodyPr>
           <a:lstStyle/>
           <a:p>
             <a:pPr algn="l"/>
             <a:r>
-              <a:rPr lang="es-AR" sz="2000" dirty="0" err="1">
+              <a:rPr lang="es-AR" sz="1800">
                 <a:solidFill>
-                  <a:schemeClr val="bg1"/>
+                  <a:srgbClr val="000000"/>
                 </a:solidFill>
               </a:rPr>
-              <a:t>Picolo</a:t>
+              <a:t>Picolo Enterprice</a:t>
             </a:r>
-            <a:r>
-              <a:rPr lang="es-AR" sz="2000" dirty="0">
-                <a:solidFill>
-                  <a:schemeClr val="bg1"/>
-                </a:solidFill>
-              </a:rPr>
-              <a:t> </a:t>
-            </a:r>
-            <a:r>
-              <a:rPr lang="es-AR" sz="2000" dirty="0" err="1">
-                <a:solidFill>
-                  <a:schemeClr val="bg1"/>
-                </a:solidFill>
-              </a:rPr>
-              <a:t>Enterprice</a:t>
-            </a:r>
-            <a:endParaRPr sz="2000" dirty="0">
-              <a:solidFill>
-                <a:schemeClr val="bg1"/>
-              </a:solidFill>
-            </a:endParaRPr>
           </a:p>
         </p:txBody>
       </p:sp>
       <p:sp>
         <p:nvSpPr>
-          <p:cNvPr id="13" name="Freeform: Shape 12">
+          <p:cNvPr id="31" name="Freeform 49">
             <a:extLst>
               <a:ext uri="{FF2B5EF4-FFF2-40B4-BE49-F238E27FC236}">
-                <a16:creationId xmlns="" xmlns:a16="http://schemas.microsoft.com/office/drawing/2014/main" id="{1DB7C82F-AB7E-4F0C-B829-FA1B9C415180}"/>
+                <a16:creationId xmlns:a16="http://schemas.microsoft.com/office/drawing/2014/main" id="{77DA6D33-2D62-458C-BF5D-DBF612FD557E}"/>
               </a:ext>
               <a:ext uri="{C183D7F6-B498-43B3-948B-1728B52AA6E4}">
-                <adec:decorative xmlns="" xmlns:adec="http://schemas.microsoft.com/office/drawing/2017/decorative" val="1"/>
+                <adec:decorative xmlns:adec="http://schemas.microsoft.com/office/drawing/2017/decorative" val="1"/>
               </a:ext>
             </a:extLst>
           </p:cNvPr>
@@ -5631,33 +7269,41 @@
           <p:nvPr>
             <p:extLst>
               <p:ext uri="{386F3935-93C4-4BCD-93E2-E3B085C9AB24}">
-                <p16:designElem xmlns="" xmlns:p16="http://schemas.microsoft.com/office/powerpoint/2015/main" val="1"/>
+                <p16:designElem xmlns:p16="http://schemas.microsoft.com/office/powerpoint/2015/main" val="1"/>
               </p:ext>
             </p:extLst>
           </p:nvPr>
         </p:nvSpPr>
         <p:spPr>
-          <a:xfrm flipH="1">
-            <a:off x="0" y="0"/>
-            <a:ext cx="6172782" cy="6858000"/>
+          <a:xfrm>
+            <a:off x="1" y="590635"/>
+            <a:ext cx="5478085" cy="6276841"/>
           </a:xfrm>
           <a:custGeom>
             <a:avLst/>
             <a:gdLst>
-              <a:gd name="connsiteX0" fmla="*/ 6172782 w 6172782"/>
-              <a:gd name="connsiteY0" fmla="*/ 0 h 6858000"/>
-              <a:gd name="connsiteX1" fmla="*/ 69075 w 6172782"/>
-              <a:gd name="connsiteY1" fmla="*/ 0 h 6858000"/>
-              <a:gd name="connsiteX2" fmla="*/ 35131 w 6172782"/>
-              <a:gd name="connsiteY2" fmla="*/ 267128 h 6858000"/>
-              <a:gd name="connsiteX3" fmla="*/ 0 w 6172782"/>
-              <a:gd name="connsiteY3" fmla="*/ 962845 h 6858000"/>
-              <a:gd name="connsiteX4" fmla="*/ 3276103 w 6172782"/>
-              <a:gd name="connsiteY4" fmla="*/ 6782205 h 6858000"/>
-              <a:gd name="connsiteX5" fmla="*/ 3407923 w 6172782"/>
-              <a:gd name="connsiteY5" fmla="*/ 6858000 h 6858000"/>
-              <a:gd name="connsiteX6" fmla="*/ 6172782 w 6172782"/>
-              <a:gd name="connsiteY6" fmla="*/ 6858000 h 6858000"/>
+              <a:gd name="connsiteX0" fmla="*/ 2178155 w 5478085"/>
+              <a:gd name="connsiteY0" fmla="*/ 0 h 6276841"/>
+              <a:gd name="connsiteX1" fmla="*/ 5478085 w 5478085"/>
+              <a:gd name="connsiteY1" fmla="*/ 3299930 h 6276841"/>
+              <a:gd name="connsiteX2" fmla="*/ 3751098 w 5478085"/>
+              <a:gd name="connsiteY2" fmla="*/ 6201577 h 6276841"/>
+              <a:gd name="connsiteX3" fmla="*/ 3594858 w 5478085"/>
+              <a:gd name="connsiteY3" fmla="*/ 6276841 h 6276841"/>
+              <a:gd name="connsiteX4" fmla="*/ 761453 w 5478085"/>
+              <a:gd name="connsiteY4" fmla="*/ 6276841 h 6276841"/>
+              <a:gd name="connsiteX5" fmla="*/ 605213 w 5478085"/>
+              <a:gd name="connsiteY5" fmla="*/ 6201577 h 6276841"/>
+              <a:gd name="connsiteX6" fmla="*/ 79093 w 5478085"/>
+              <a:gd name="connsiteY6" fmla="*/ 5846317 h 6276841"/>
+              <a:gd name="connsiteX7" fmla="*/ 0 w 5478085"/>
+              <a:gd name="connsiteY7" fmla="*/ 5774432 h 6276841"/>
+              <a:gd name="connsiteX8" fmla="*/ 0 w 5478085"/>
+              <a:gd name="connsiteY8" fmla="*/ 825429 h 6276841"/>
+              <a:gd name="connsiteX9" fmla="*/ 79093 w 5478085"/>
+              <a:gd name="connsiteY9" fmla="*/ 753544 h 6276841"/>
+              <a:gd name="connsiteX10" fmla="*/ 2178155 w 5478085"/>
+              <a:gd name="connsiteY10" fmla="*/ 0 h 6276841"/>
             </a:gdLst>
             <a:ahLst/>
             <a:cxnLst>
@@ -5682,46 +7328,94 @@
               <a:cxn ang="0">
                 <a:pos x="connsiteX6" y="connsiteY6"/>
               </a:cxn>
+              <a:cxn ang="0">
+                <a:pos x="connsiteX7" y="connsiteY7"/>
+              </a:cxn>
+              <a:cxn ang="0">
+                <a:pos x="connsiteX8" y="connsiteY8"/>
+              </a:cxn>
+              <a:cxn ang="0">
+                <a:pos x="connsiteX9" y="connsiteY9"/>
+              </a:cxn>
+              <a:cxn ang="0">
+                <a:pos x="connsiteX10" y="connsiteY10"/>
+              </a:cxn>
             </a:cxnLst>
             <a:rect l="l" t="t" r="r" b="b"/>
             <a:pathLst>
-              <a:path w="6172782" h="6858000">
+              <a:path w="5478085" h="6276841">
                 <a:moveTo>
-                  <a:pt x="6172782" y="0"/>
+                  <a:pt x="2178155" y="0"/>
                 </a:moveTo>
+                <a:cubicBezTo>
+                  <a:pt x="4000656" y="0"/>
+                  <a:pt x="5478085" y="1477429"/>
+                  <a:pt x="5478085" y="3299930"/>
+                </a:cubicBezTo>
+                <a:cubicBezTo>
+                  <a:pt x="5478085" y="4552900"/>
+                  <a:pt x="4779769" y="5642769"/>
+                  <a:pt x="3751098" y="6201577"/>
+                </a:cubicBezTo>
                 <a:lnTo>
-                  <a:pt x="69075" y="0"/>
+                  <a:pt x="3594858" y="6276841"/>
                 </a:lnTo>
                 <a:lnTo>
-                  <a:pt x="35131" y="267128"/>
+                  <a:pt x="761453" y="6276841"/>
+                </a:lnTo>
+                <a:lnTo>
+                  <a:pt x="605213" y="6201577"/>
                 </a:lnTo>
                 <a:cubicBezTo>
-                  <a:pt x="11901" y="495874"/>
-                  <a:pt x="0" y="727970"/>
-                  <a:pt x="0" y="962845"/>
-                </a:cubicBezTo>
-                <a:cubicBezTo>
-                  <a:pt x="0" y="3429034"/>
-                  <a:pt x="1312002" y="5588789"/>
-                  <a:pt x="3276103" y="6782205"/>
+                  <a:pt x="418182" y="6099975"/>
+                  <a:pt x="242071" y="5980818"/>
+                  <a:pt x="79093" y="5846317"/>
                 </a:cubicBezTo>
                 <a:lnTo>
-                  <a:pt x="3407923" y="6858000"/>
+                  <a:pt x="0" y="5774432"/>
                 </a:lnTo>
                 <a:lnTo>
-                  <a:pt x="6172782" y="6858000"/>
+                  <a:pt x="0" y="825429"/>
                 </a:lnTo>
+                <a:lnTo>
+                  <a:pt x="79093" y="753544"/>
+                </a:lnTo>
+                <a:cubicBezTo>
+                  <a:pt x="649516" y="282789"/>
+                  <a:pt x="1380811" y="0"/>
+                  <a:pt x="2178155" y="0"/>
+                </a:cubicBezTo>
                 <a:close/>
               </a:path>
             </a:pathLst>
           </a:custGeom>
           <a:solidFill>
-            <a:schemeClr val="bg1">
-              <a:alpha val="80000"/>
-            </a:schemeClr>
+            <a:srgbClr val="FFFFFF"/>
           </a:solidFill>
           <a:ln>
-            <a:noFill/>
+            <a:gradFill>
+              <a:gsLst>
+                <a:gs pos="0">
+                  <a:schemeClr val="accent1">
+                    <a:lumMod val="40000"/>
+                    <a:lumOff val="60000"/>
+                  </a:schemeClr>
+                </a:gs>
+                <a:gs pos="23000">
+                  <a:schemeClr val="accent1">
+                    <a:lumMod val="45000"/>
+                    <a:lumOff val="55000"/>
+                  </a:schemeClr>
+                </a:gs>
+                <a:gs pos="83000">
+                  <a:schemeClr val="accent3"/>
+                </a:gs>
+                <a:gs pos="100000">
+                  <a:schemeClr val="accent3"/>
+                </a:gs>
+              </a:gsLst>
+              <a:lin ang="5400000" scaled="1"/>
+            </a:gradFill>
           </a:ln>
         </p:spPr>
         <p:style>
@@ -5746,85 +7440,61 @@
           </a:bodyPr>
           <a:lstStyle/>
           <a:p>
-            <a:pPr marL="0" marR="0" lvl="0" indent="0" algn="ctr" defTabSz="914400" rtl="0" eaLnBrk="1" fontAlgn="auto" latinLnBrk="0" hangingPunct="1">
-              <a:lnSpc>
-                <a:spcPct val="100000"/>
-              </a:lnSpc>
-              <a:spcBef>
-                <a:spcPts val="0"/>
-              </a:spcBef>
-              <a:spcAft>
-                <a:spcPts val="0"/>
-              </a:spcAft>
-              <a:buClrTx/>
-              <a:buSzTx/>
-              <a:buFontTx/>
-              <a:buNone/>
-              <a:tabLst/>
-              <a:defRPr/>
-            </a:pPr>
-            <a:endParaRPr kumimoji="0" lang="en-US" sz="1800" b="0" i="0" u="none" strike="noStrike" kern="1200" cap="none" spc="0" normalizeH="0" baseline="0" noProof="0">
-              <a:ln>
-                <a:noFill/>
-              </a:ln>
-              <a:solidFill>
-                <a:prstClr val="white"/>
-              </a:solidFill>
-              <a:effectLst/>
-              <a:uLnTx/>
-              <a:uFillTx/>
-              <a:latin typeface="Calibri" panose="020F0502020204030204"/>
-              <a:ea typeface="+mn-ea"/>
-              <a:cs typeface="+mn-cs"/>
-            </a:endParaRPr>
+            <a:pPr algn="ctr"/>
+            <a:endParaRPr lang="en-US"/>
           </a:p>
         </p:txBody>
       </p:sp>
-      <p:sp>
-        <p:nvSpPr>
-          <p:cNvPr id="15" name="Freeform: Shape 14">
+      <p:pic>
+        <p:nvPicPr>
+          <p:cNvPr id="4" name="Picture 3" descr="Contact Center - Taxis Libres. Bogotá Colombia"/>
+          <p:cNvPicPr>
+            <a:picLocks noChangeAspect="1"/>
+          </p:cNvPicPr>
+          <p:nvPr/>
+        </p:nvPicPr>
+        <p:blipFill rotWithShape="1">
+          <a:blip r:embed="rId3">
+            <a:alphaModFix/>
             <a:extLst>
-              <a:ext uri="{FF2B5EF4-FFF2-40B4-BE49-F238E27FC236}">
-                <a16:creationId xmlns="" xmlns:a16="http://schemas.microsoft.com/office/drawing/2014/main" id="{70B66945-4967-4040-926D-DCA44313CDAB}"/>
-              </a:ext>
-              <a:ext uri="{C183D7F6-B498-43B3-948B-1728B52AA6E4}">
-                <adec:decorative xmlns="" xmlns:adec="http://schemas.microsoft.com/office/drawing/2017/decorative" val="1"/>
+              <a:ext uri="{28A0092B-C50C-407E-A947-70E740481C1C}">
+                <a14:useLocalDpi xmlns:a14="http://schemas.microsoft.com/office/drawing/2010/main" val="0"/>
               </a:ext>
             </a:extLst>
-          </p:cNvPr>
-          <p:cNvSpPr>
-            <a:spLocks noGrp="1" noRot="1" noChangeAspect="1" noMove="1" noResize="1" noEditPoints="1" noAdjustHandles="1" noChangeArrowheads="1" noChangeShapeType="1" noTextEdit="1"/>
-          </p:cNvSpPr>
-          <p:nvPr>
-            <p:extLst>
-              <p:ext uri="{386F3935-93C4-4BCD-93E2-E3B085C9AB24}">
-                <p16:designElem xmlns="" xmlns:p16="http://schemas.microsoft.com/office/powerpoint/2015/main" val="1"/>
-              </p:ext>
-            </p:extLst>
-          </p:nvPr>
-        </p:nvSpPr>
+          </a:blip>
+          <a:srcRect t="5666" r="-2" b="8027"/>
+          <a:stretch/>
+        </p:blipFill>
         <p:spPr>
           <a:xfrm>
-            <a:off x="0" y="0"/>
-            <a:ext cx="6024154" cy="6858000"/>
+            <a:off x="1" y="770037"/>
+            <a:ext cx="5298683" cy="6097438"/>
           </a:xfrm>
           <a:custGeom>
             <a:avLst/>
             <a:gdLst>
-              <a:gd name="connsiteX0" fmla="*/ 0 w 6024154"/>
-              <a:gd name="connsiteY0" fmla="*/ 0 h 6858000"/>
-              <a:gd name="connsiteX1" fmla="*/ 5953780 w 6024154"/>
-              <a:gd name="connsiteY1" fmla="*/ 0 h 6858000"/>
-              <a:gd name="connsiteX2" fmla="*/ 5989880 w 6024154"/>
-              <a:gd name="connsiteY2" fmla="*/ 284091 h 6858000"/>
-              <a:gd name="connsiteX3" fmla="*/ 6024154 w 6024154"/>
-              <a:gd name="connsiteY3" fmla="*/ 962844 h 6858000"/>
-              <a:gd name="connsiteX4" fmla="*/ 2549934 w 6024154"/>
-              <a:gd name="connsiteY4" fmla="*/ 6800152 h 6858000"/>
-              <a:gd name="connsiteX5" fmla="*/ 2436987 w 6024154"/>
-              <a:gd name="connsiteY5" fmla="*/ 6858000 h 6858000"/>
-              <a:gd name="connsiteX6" fmla="*/ 0 w 6024154"/>
-              <a:gd name="connsiteY6" fmla="*/ 6858000 h 6858000"/>
+              <a:gd name="connsiteX0" fmla="*/ 2178155 w 5298683"/>
+              <a:gd name="connsiteY0" fmla="*/ 0 h 6097438"/>
+              <a:gd name="connsiteX1" fmla="*/ 5298683 w 5298683"/>
+              <a:gd name="connsiteY1" fmla="*/ 3120527 h 6097438"/>
+              <a:gd name="connsiteX2" fmla="*/ 3392805 w 5298683"/>
+              <a:gd name="connsiteY2" fmla="*/ 5995828 h 6097438"/>
+              <a:gd name="connsiteX3" fmla="*/ 3115184 w 5298683"/>
+              <a:gd name="connsiteY3" fmla="*/ 6097438 h 6097438"/>
+              <a:gd name="connsiteX4" fmla="*/ 1241127 w 5298683"/>
+              <a:gd name="connsiteY4" fmla="*/ 6097438 h 6097438"/>
+              <a:gd name="connsiteX5" fmla="*/ 963506 w 5298683"/>
+              <a:gd name="connsiteY5" fmla="*/ 5995828 h 6097438"/>
+              <a:gd name="connsiteX6" fmla="*/ 193210 w 5298683"/>
+              <a:gd name="connsiteY6" fmla="*/ 5528477 h 6097438"/>
+              <a:gd name="connsiteX7" fmla="*/ 0 w 5298683"/>
+              <a:gd name="connsiteY7" fmla="*/ 5352876 h 6097438"/>
+              <a:gd name="connsiteX8" fmla="*/ 0 w 5298683"/>
+              <a:gd name="connsiteY8" fmla="*/ 888178 h 6097438"/>
+              <a:gd name="connsiteX9" fmla="*/ 193210 w 5298683"/>
+              <a:gd name="connsiteY9" fmla="*/ 712577 h 6097438"/>
+              <a:gd name="connsiteX10" fmla="*/ 2178155 w 5298683"/>
+              <a:gd name="connsiteY10" fmla="*/ 0 h 6097438"/>
             </a:gdLst>
             <a:ahLst/>
             <a:cxnLst>
@@ -5849,130 +7519,70 @@
               <a:cxn ang="0">
                 <a:pos x="connsiteX6" y="connsiteY6"/>
               </a:cxn>
+              <a:cxn ang="0">
+                <a:pos x="connsiteX7" y="connsiteY7"/>
+              </a:cxn>
+              <a:cxn ang="0">
+                <a:pos x="connsiteX8" y="connsiteY8"/>
+              </a:cxn>
+              <a:cxn ang="0">
+                <a:pos x="connsiteX9" y="connsiteY9"/>
+              </a:cxn>
+              <a:cxn ang="0">
+                <a:pos x="connsiteX10" y="connsiteY10"/>
+              </a:cxn>
             </a:cxnLst>
             <a:rect l="l" t="t" r="r" b="b"/>
             <a:pathLst>
-              <a:path w="6024154" h="6858000">
+              <a:path w="5298683" h="6097438">
                 <a:moveTo>
-                  <a:pt x="0" y="0"/>
+                  <a:pt x="2178155" y="0"/>
                 </a:moveTo>
+                <a:cubicBezTo>
+                  <a:pt x="3901575" y="0"/>
+                  <a:pt x="5298683" y="1397108"/>
+                  <a:pt x="5298683" y="3120527"/>
+                </a:cubicBezTo>
+                <a:cubicBezTo>
+                  <a:pt x="5298683" y="4413092"/>
+                  <a:pt x="4512810" y="5522106"/>
+                  <a:pt x="3392805" y="5995828"/>
+                </a:cubicBezTo>
                 <a:lnTo>
-                  <a:pt x="5953780" y="0"/>
+                  <a:pt x="3115184" y="6097438"/>
                 </a:lnTo>
                 <a:lnTo>
-                  <a:pt x="5989880" y="284091"/>
+                  <a:pt x="1241127" y="6097438"/>
+                </a:lnTo>
+                <a:lnTo>
+                  <a:pt x="963506" y="5995828"/>
                 </a:lnTo>
                 <a:cubicBezTo>
-                  <a:pt x="6012544" y="507260"/>
-                  <a:pt x="6024154" y="733696"/>
-                  <a:pt x="6024154" y="962844"/>
-                </a:cubicBezTo>
-                <a:cubicBezTo>
-                  <a:pt x="6024154" y="3483472"/>
-                  <a:pt x="4619336" y="5675986"/>
-                  <a:pt x="2549934" y="6800152"/>
+                  <a:pt x="683504" y="5877397"/>
+                  <a:pt x="424387" y="5719261"/>
+                  <a:pt x="193210" y="5528477"/>
                 </a:cubicBezTo>
                 <a:lnTo>
-                  <a:pt x="2436987" y="6858000"/>
+                  <a:pt x="0" y="5352876"/>
                 </a:lnTo>
                 <a:lnTo>
-                  <a:pt x="0" y="6858000"/>
+                  <a:pt x="0" y="888178"/>
                 </a:lnTo>
+                <a:lnTo>
+                  <a:pt x="193210" y="712577"/>
+                </a:lnTo>
+                <a:cubicBezTo>
+                  <a:pt x="732621" y="267415"/>
+                  <a:pt x="1424159" y="0"/>
+                  <a:pt x="2178155" y="0"/>
+                </a:cubicBezTo>
                 <a:close/>
               </a:path>
             </a:pathLst>
           </a:custGeom>
-          <a:solidFill>
-            <a:schemeClr val="bg1"/>
-          </a:solidFill>
-          <a:ln>
-            <a:noFill/>
-          </a:ln>
-        </p:spPr>
-        <p:style>
-          <a:lnRef idx="2">
-            <a:schemeClr val="accent1">
-              <a:shade val="50000"/>
-            </a:schemeClr>
-          </a:lnRef>
-          <a:fillRef idx="1">
-            <a:schemeClr val="accent1"/>
-          </a:fillRef>
-          <a:effectRef idx="0">
-            <a:schemeClr val="accent1"/>
-          </a:effectRef>
-          <a:fontRef idx="minor">
-            <a:schemeClr val="lt1"/>
-          </a:fontRef>
-        </p:style>
-        <p:txBody>
-          <a:bodyPr wrap="square" rtlCol="0" anchor="ctr">
-            <a:noAutofit/>
-          </a:bodyPr>
-          <a:lstStyle/>
-          <a:p>
-            <a:pPr marL="0" marR="0" lvl="0" indent="0" algn="ctr" defTabSz="914400" rtl="0" eaLnBrk="1" fontAlgn="auto" latinLnBrk="0" hangingPunct="1">
-              <a:lnSpc>
-                <a:spcPct val="100000"/>
-              </a:lnSpc>
-              <a:spcBef>
-                <a:spcPts val="0"/>
-              </a:spcBef>
-              <a:spcAft>
-                <a:spcPts val="0"/>
-              </a:spcAft>
-              <a:buClrTx/>
-              <a:buSzTx/>
-              <a:buFontTx/>
-              <a:buNone/>
-              <a:tabLst/>
-              <a:defRPr/>
-            </a:pPr>
-            <a:endParaRPr kumimoji="0" lang="en-US" sz="1800" b="0" i="0" u="none" strike="noStrike" kern="1200" cap="none" spc="0" normalizeH="0" baseline="0" noProof="0">
-              <a:ln>
-                <a:noFill/>
-              </a:ln>
-              <a:solidFill>
-                <a:prstClr val="white"/>
-              </a:solidFill>
-              <a:effectLst/>
-              <a:uLnTx/>
-              <a:uFillTx/>
-              <a:latin typeface="Calibri" panose="020F0502020204030204"/>
-              <a:ea typeface="+mn-ea"/>
-              <a:cs typeface="+mn-cs"/>
-            </a:endParaRPr>
-          </a:p>
-        </p:txBody>
-      </p:sp>
-      <p:pic>
-        <p:nvPicPr>
-          <p:cNvPr id="4" name="Picture 3" descr="Contact Center - Taxis Libres. Bogotá Colombia"/>
-          <p:cNvPicPr>
-            <a:picLocks noChangeAspect="1"/>
-          </p:cNvPicPr>
-          <p:nvPr/>
-        </p:nvPicPr>
-        <p:blipFill>
-          <a:blip r:embed="rId2">
-            <a:extLst>
-              <a:ext uri="{28A0092B-C50C-407E-A947-70E740481C1C}">
-                <a14:useLocalDpi xmlns:a14="http://schemas.microsoft.com/office/drawing/2010/main" val="0"/>
-              </a:ext>
-            </a:extLst>
-          </a:blip>
-          <a:stretch>
-            <a:fillRect/>
-          </a:stretch>
-        </p:blipFill>
-        <p:spPr>
-          <a:xfrm>
-            <a:off x="751521" y="489204"/>
-            <a:ext cx="3383565" cy="4511421"/>
-          </a:xfrm>
-          <a:prstGeom prst="rect">
-            <a:avLst/>
-          </a:prstGeom>
+          <a:effectLst>
+            <a:softEdge rad="0"/>
+          </a:effectLst>
         </p:spPr>
       </p:pic>
     </p:spTree>
@@ -5985,13 +7595,6 @@
   <p:clrMapOvr>
     <a:masterClrMapping/>
   </p:clrMapOvr>
-  <p:timing>
-    <p:tnLst>
-      <p:par>
-        <p:cTn id="1" dur="indefinite" restart="never" nodeType="tmRoot"/>
-      </p:par>
-    </p:tnLst>
-  </p:timing>
 </p:sld>
 </file>
 
@@ -6022,13 +7625,13 @@
       </p:grpSpPr>
       <p:sp useBgFill="1">
         <p:nvSpPr>
-          <p:cNvPr id="9" name="Rectangle 8">
+          <p:cNvPr id="18" name="Rectangle 17">
             <a:extLst>
               <a:ext uri="{FF2B5EF4-FFF2-40B4-BE49-F238E27FC236}">
-                <a16:creationId xmlns="" xmlns:a16="http://schemas.microsoft.com/office/drawing/2014/main" id="{3B854194-185D-494D-905C-7C7CB2E30F6E}"/>
+                <a16:creationId xmlns:a16="http://schemas.microsoft.com/office/drawing/2014/main" id="{3B854194-185D-494D-905C-7C7CB2E30F6E}"/>
               </a:ext>
               <a:ext uri="{C183D7F6-B498-43B3-948B-1728B52AA6E4}">
-                <adec:decorative xmlns="" xmlns:adec="http://schemas.microsoft.com/office/drawing/2017/decorative" val="1"/>
+                <adec:decorative xmlns:adec="http://schemas.microsoft.com/office/drawing/2017/decorative" val="1"/>
               </a:ext>
             </a:extLst>
           </p:cNvPr>
@@ -6038,7 +7641,7 @@
           <p:nvPr>
             <p:extLst>
               <p:ext uri="{386F3935-93C4-4BCD-93E2-E3B085C9AB24}">
-                <p16:designElem xmlns="" xmlns:p16="http://schemas.microsoft.com/office/powerpoint/2015/main" val="1"/>
+                <p16:designElem xmlns:p16="http://schemas.microsoft.com/office/powerpoint/2015/main" val="1"/>
               </p:ext>
             </p:extLst>
           </p:nvPr>
@@ -6082,13 +7685,13 @@
       </p:sp>
       <p:sp>
         <p:nvSpPr>
-          <p:cNvPr id="11" name="Rectangle 10">
+          <p:cNvPr id="28" name="Rectangle 19">
             <a:extLst>
               <a:ext uri="{FF2B5EF4-FFF2-40B4-BE49-F238E27FC236}">
-                <a16:creationId xmlns="" xmlns:a16="http://schemas.microsoft.com/office/drawing/2014/main" id="{B4F5FA0D-0104-4987-8241-EFF7C85B88DE}"/>
+                <a16:creationId xmlns:a16="http://schemas.microsoft.com/office/drawing/2014/main" id="{B4F5FA0D-0104-4987-8241-EFF7C85B88DE}"/>
               </a:ext>
               <a:ext uri="{C183D7F6-B498-43B3-948B-1728B52AA6E4}">
-                <adec:decorative xmlns="" xmlns:adec="http://schemas.microsoft.com/office/drawing/2017/decorative" val="1"/>
+                <adec:decorative xmlns:adec="http://schemas.microsoft.com/office/drawing/2017/decorative" val="1"/>
               </a:ext>
             </a:extLst>
           </p:cNvPr>
@@ -6098,7 +7701,7 @@
           <p:nvPr>
             <p:extLst>
               <p:ext uri="{386F3935-93C4-4BCD-93E2-E3B085C9AB24}">
-                <p16:designElem xmlns="" xmlns:p16="http://schemas.microsoft.com/office/powerpoint/2015/main" val="1"/>
+                <p16:designElem xmlns:p16="http://schemas.microsoft.com/office/powerpoint/2015/main" val="1"/>
               </p:ext>
             </p:extLst>
           </p:nvPr>
@@ -6167,13 +7770,13 @@
       </p:sp>
       <p:pic>
         <p:nvPicPr>
-          <p:cNvPr id="13" name="Picture 12">
+          <p:cNvPr id="22" name="Picture 21">
             <a:extLst>
               <a:ext uri="{FF2B5EF4-FFF2-40B4-BE49-F238E27FC236}">
-                <a16:creationId xmlns="" xmlns:a16="http://schemas.microsoft.com/office/drawing/2014/main" id="{2897127E-6CEF-446C-BE87-93B7C46E49D1}"/>
+                <a16:creationId xmlns:a16="http://schemas.microsoft.com/office/drawing/2014/main" id="{2897127E-6CEF-446C-BE87-93B7C46E49D1}"/>
               </a:ext>
               <a:ext uri="{C183D7F6-B498-43B3-948B-1728B52AA6E4}">
-                <adec:decorative xmlns="" xmlns:adec="http://schemas.microsoft.com/office/drawing/2017/decorative" val="1"/>
+                <adec:decorative xmlns:adec="http://schemas.microsoft.com/office/drawing/2017/decorative" val="1"/>
               </a:ext>
             </a:extLst>
           </p:cNvPr>
@@ -6183,13 +7786,13 @@
           <p:nvPr>
             <p:extLst>
               <p:ext uri="{386F3935-93C4-4BCD-93E2-E3B085C9AB24}">
-                <p16:designElem xmlns="" xmlns:p16="http://schemas.microsoft.com/office/powerpoint/2015/main" val="1"/>
+                <p16:designElem xmlns:p16="http://schemas.microsoft.com/office/powerpoint/2015/main" val="1"/>
               </p:ext>
             </p:extLst>
           </p:nvPr>
         </p:nvPicPr>
         <p:blipFill>
-          <a:blip r:embed="rId2">
+          <a:blip r:embed="rId3">
             <a:extLst>
               <a:ext uri="{28A0092B-C50C-407E-A947-70E740481C1C}">
                 <a14:useLocalDpi xmlns:a14="http://schemas.microsoft.com/office/drawing/2010/main" val="0"/>
@@ -6232,31 +7835,24 @@
           </a:bodyPr>
           <a:lstStyle/>
           <a:p>
+            <a:pPr algn="ctr"/>
             <a:r>
-              <a:rPr lang="en-US" dirty="0" err="1" smtClean="0">
+              <a:rPr lang="en-US" dirty="0" err="1">
                 <a:solidFill>
                   <a:srgbClr val="FFFFFF"/>
                 </a:solidFill>
               </a:rPr>
               <a:t>Introducción</a:t>
             </a:r>
-            <a:r>
-              <a:rPr lang="en-US" dirty="0" smtClean="0">
-                <a:solidFill>
-                  <a:srgbClr val="FFFFFF"/>
-                </a:solidFill>
-              </a:rPr>
-              <a:t/>
-            </a:r>
             <a:br>
-              <a:rPr lang="en-US" dirty="0" smtClean="0">
+              <a:rPr lang="en-US" dirty="0">
                 <a:solidFill>
                   <a:srgbClr val="FFFFFF"/>
                 </a:solidFill>
               </a:rPr>
             </a:br>
             <a:r>
-              <a:rPr lang="en-US" dirty="0" smtClean="0">
+              <a:rPr lang="en-US" dirty="0">
                 <a:solidFill>
                   <a:srgbClr val="FFFFFF"/>
                 </a:solidFill>
@@ -6264,7 +7860,7 @@
               <a:t>a la </a:t>
             </a:r>
             <a:r>
-              <a:rPr lang="en-US" dirty="0" err="1" smtClean="0">
+              <a:rPr lang="en-US" dirty="0" err="1">
                 <a:solidFill>
                   <a:srgbClr val="FFFFFF"/>
                 </a:solidFill>
@@ -6302,17 +7898,33 @@
           <a:lstStyle/>
           <a:p>
             <a:r>
-              <a:rPr lang="es-AR" sz="2400" dirty="0" smtClean="0">
+              <a:rPr lang="es-ES" sz="2400">
                 <a:solidFill>
                   <a:srgbClr val="000000"/>
                 </a:solidFill>
               </a:rPr>
-              <a:t>El Centro de atención de llamados de soporte IT está generando problemas encolando llamados sin llegar a ser atendidos.</a:t>
+              <a:t>El </a:t>
             </a:r>
-          </a:p>
-          <a:p>
             <a:r>
-              <a:rPr lang="es-AR" sz="2400" dirty="0" smtClean="0">
+              <a:rPr lang="es-AR" sz="2400">
+                <a:solidFill>
+                  <a:srgbClr val="000000"/>
+                </a:solidFill>
+              </a:rPr>
+              <a:t>CallCenter</a:t>
+            </a:r>
+            <a:r>
+              <a:rPr lang="es-ES" sz="2400">
+                <a:solidFill>
+                  <a:srgbClr val="000000"/>
+                </a:solidFill>
+              </a:rPr>
+              <a:t> de soporte IT está encolando las llamadas entrantes, provocando una mala atención a los usuarios.</a:t>
+            </a:r>
+          </a:p>
+          <a:p>
+            <a:r>
+              <a:rPr lang="es-ES" sz="2400">
                 <a:solidFill>
                   <a:srgbClr val="000000"/>
                 </a:solidFill>
@@ -6321,19 +7933,12 @@
             </a:r>
           </a:p>
           <a:p>
-            <a:endParaRPr lang="es-AR" sz="2400" dirty="0" smtClean="0">
-              <a:solidFill>
-                <a:srgbClr val="000000"/>
-              </a:solidFill>
-            </a:endParaRPr>
-          </a:p>
-          <a:p>
-            <a:pPr>
+            <a:pPr lvl="1">
               <a:buFont typeface="Wingdings" panose="05000000000000000000" pitchFamily="2" charset="2"/>
               <a:buChar char="ü"/>
             </a:pPr>
             <a:r>
-              <a:rPr lang="es-AR" sz="2400" dirty="0" smtClean="0">
+              <a:rPr lang="es-ES">
                 <a:solidFill>
                   <a:srgbClr val="000000"/>
                 </a:solidFill>
@@ -6342,19 +7947,19 @@
             </a:r>
           </a:p>
           <a:p>
-            <a:pPr>
+            <a:pPr lvl="1">
               <a:buFont typeface="Wingdings" panose="05000000000000000000" pitchFamily="2" charset="2"/>
               <a:buChar char="ü"/>
             </a:pPr>
             <a:r>
-              <a:rPr lang="es-AR" sz="2400" dirty="0" smtClean="0">
+              <a:rPr lang="es-ES">
                 <a:solidFill>
                   <a:srgbClr val="000000"/>
                 </a:solidFill>
               </a:rPr>
               <a:t>Para MDSTI</a:t>
             </a:r>
-            <a:endParaRPr sz="2400" dirty="0">
+            <a:endParaRPr lang="es-ES" dirty="0">
               <a:solidFill>
                 <a:srgbClr val="000000"/>
               </a:solidFill>
@@ -6372,17 +7977,248 @@
   <p:clrMapOvr>
     <a:masterClrMapping/>
   </p:clrMapOvr>
-  <p:timing>
-    <p:tnLst>
-      <p:par>
-        <p:cTn id="1" dur="indefinite" restart="never" nodeType="tmRoot"/>
-      </p:par>
-    </p:tnLst>
-  </p:timing>
 </p:sld>
 </file>
 
 <file path=ppt/slides/slide3.xml><?xml version="1.0" encoding="utf-8"?>
+<p:sld xmlns:a="http://schemas.openxmlformats.org/drawingml/2006/main" xmlns:r="http://schemas.openxmlformats.org/officeDocument/2006/relationships" xmlns:p="http://schemas.openxmlformats.org/presentationml/2006/main">
+  <p:cSld>
+    <p:bg>
+      <p:bgPr>
+        <a:solidFill>
+          <a:srgbClr val="FFFFFF"/>
+        </a:solidFill>
+        <a:effectLst/>
+      </p:bgPr>
+    </p:bg>
+    <p:spTree>
+      <p:nvGrpSpPr>
+        <p:cNvPr id="1" name=""/>
+        <p:cNvGrpSpPr/>
+        <p:nvPr/>
+      </p:nvGrpSpPr>
+      <p:grpSpPr>
+        <a:xfrm>
+          <a:off x="0" y="0"/>
+          <a:ext cx="0" cy="0"/>
+          <a:chOff x="0" y="0"/>
+          <a:chExt cx="0" cy="0"/>
+        </a:xfrm>
+      </p:grpSpPr>
+      <p:sp>
+        <p:nvSpPr>
+          <p:cNvPr id="44" name="Rectangle 43">
+            <a:extLst>
+              <a:ext uri="{FF2B5EF4-FFF2-40B4-BE49-F238E27FC236}">
+                <a16:creationId xmlns:a16="http://schemas.microsoft.com/office/drawing/2014/main" id="{4351DFE5-F63D-4BE0-BDA9-E3EB88F01AA5}"/>
+              </a:ext>
+              <a:ext uri="{C183D7F6-B498-43B3-948B-1728B52AA6E4}">
+                <adec:decorative xmlns:adec="http://schemas.microsoft.com/office/drawing/2017/decorative" val="1"/>
+              </a:ext>
+            </a:extLst>
+          </p:cNvPr>
+          <p:cNvSpPr>
+            <a:spLocks noGrp="1" noRot="1" noChangeAspect="1" noMove="1" noResize="1" noEditPoints="1" noAdjustHandles="1" noChangeArrowheads="1" noChangeShapeType="1" noTextEdit="1"/>
+          </p:cNvSpPr>
+          <p:nvPr>
+            <p:extLst>
+              <p:ext uri="{386F3935-93C4-4BCD-93E2-E3B085C9AB24}">
+                <p16:designElem xmlns:p16="http://schemas.microsoft.com/office/powerpoint/2015/main" val="1"/>
+              </p:ext>
+            </p:extLst>
+          </p:nvPr>
+        </p:nvSpPr>
+        <p:spPr>
+          <a:xfrm>
+            <a:off x="355601" y="0"/>
+            <a:ext cx="11480494" cy="2753936"/>
+          </a:xfrm>
+          <a:prstGeom prst="rect">
+            <a:avLst/>
+          </a:prstGeom>
+          <a:gradFill>
+            <a:gsLst>
+              <a:gs pos="0">
+                <a:schemeClr val="accent1">
+                  <a:lumMod val="90000"/>
+                </a:schemeClr>
+              </a:gs>
+              <a:gs pos="25000">
+                <a:schemeClr val="accent1">
+                  <a:lumMod val="90000"/>
+                </a:schemeClr>
+              </a:gs>
+              <a:gs pos="94000">
+                <a:schemeClr val="bg2">
+                  <a:lumMod val="25000"/>
+                </a:schemeClr>
+              </a:gs>
+              <a:gs pos="100000">
+                <a:schemeClr val="bg2">
+                  <a:lumMod val="25000"/>
+                </a:schemeClr>
+              </a:gs>
+            </a:gsLst>
+            <a:lin ang="4200000" scaled="0"/>
+          </a:gradFill>
+          <a:ln>
+            <a:noFill/>
+          </a:ln>
+        </p:spPr>
+        <p:style>
+          <a:lnRef idx="2">
+            <a:schemeClr val="accent1">
+              <a:shade val="50000"/>
+            </a:schemeClr>
+          </a:lnRef>
+          <a:fillRef idx="1">
+            <a:schemeClr val="accent1"/>
+          </a:fillRef>
+          <a:effectRef idx="0">
+            <a:schemeClr val="accent1"/>
+          </a:effectRef>
+          <a:fontRef idx="minor">
+            <a:schemeClr val="lt1"/>
+          </a:fontRef>
+        </p:style>
+        <p:txBody>
+          <a:bodyPr rtlCol="0" anchor="ctr"/>
+          <a:lstStyle/>
+          <a:p>
+            <a:pPr algn="ctr"/>
+            <a:endParaRPr lang="en-US"/>
+          </a:p>
+        </p:txBody>
+      </p:sp>
+      <p:pic>
+        <p:nvPicPr>
+          <p:cNvPr id="46" name="Picture 45">
+            <a:extLst>
+              <a:ext uri="{FF2B5EF4-FFF2-40B4-BE49-F238E27FC236}">
+                <a16:creationId xmlns:a16="http://schemas.microsoft.com/office/drawing/2014/main" id="{02DD2BC0-6F29-4B4F-8D61-2DCF6D2E8E73}"/>
+              </a:ext>
+              <a:ext uri="{C183D7F6-B498-43B3-948B-1728B52AA6E4}">
+                <adec:decorative xmlns:adec="http://schemas.microsoft.com/office/drawing/2017/decorative" val="1"/>
+              </a:ext>
+            </a:extLst>
+          </p:cNvPr>
+          <p:cNvPicPr>
+            <a:picLocks noGrp="1" noRot="1" noChangeAspect="1" noMove="1" noResize="1" noEditPoints="1" noAdjustHandles="1" noChangeArrowheads="1" noChangeShapeType="1" noCrop="1"/>
+          </p:cNvPicPr>
+          <p:nvPr>
+            <p:extLst>
+              <p:ext uri="{386F3935-93C4-4BCD-93E2-E3B085C9AB24}">
+                <p16:designElem xmlns:p16="http://schemas.microsoft.com/office/powerpoint/2015/main" val="1"/>
+              </p:ext>
+            </p:extLst>
+          </p:nvPr>
+        </p:nvPicPr>
+        <p:blipFill>
+          <a:blip r:embed="rId2">
+            <a:extLst>
+              <a:ext uri="{28A0092B-C50C-407E-A947-70E740481C1C}">
+                <a14:useLocalDpi xmlns:a14="http://schemas.microsoft.com/office/drawing/2010/main" val="0"/>
+              </a:ext>
+            </a:extLst>
+          </a:blip>
+          <a:stretch>
+            <a:fillRect/>
+          </a:stretch>
+        </p:blipFill>
+        <p:spPr>
+          <a:xfrm>
+            <a:off x="0" y="0"/>
+            <a:ext cx="12192000" cy="6858000"/>
+          </a:xfrm>
+          <a:prstGeom prst="rect">
+            <a:avLst/>
+          </a:prstGeom>
+        </p:spPr>
+      </p:pic>
+      <p:sp>
+        <p:nvSpPr>
+          <p:cNvPr id="2" name="Title 1"/>
+          <p:cNvSpPr>
+            <a:spLocks noGrp="1"/>
+          </p:cNvSpPr>
+          <p:nvPr>
+            <p:ph type="title"/>
+          </p:nvPr>
+        </p:nvSpPr>
+        <p:spPr>
+          <a:xfrm>
+            <a:off x="1179226" y="826680"/>
+            <a:ext cx="9833548" cy="1325563"/>
+          </a:xfrm>
+        </p:spPr>
+        <p:txBody>
+          <a:bodyPr>
+            <a:normAutofit/>
+          </a:bodyPr>
+          <a:lstStyle/>
+          <a:p>
+            <a:pPr algn="ctr"/>
+            <a:r>
+              <a:rPr lang="en-US" sz="6600" dirty="0" err="1">
+                <a:solidFill>
+                  <a:srgbClr val="FFFFFF"/>
+                </a:solidFill>
+              </a:rPr>
+              <a:t>Objetivo</a:t>
+            </a:r>
+            <a:endParaRPr lang="en-US" sz="6600" dirty="0">
+              <a:solidFill>
+                <a:srgbClr val="FFFFFF"/>
+              </a:solidFill>
+            </a:endParaRPr>
+          </a:p>
+        </p:txBody>
+      </p:sp>
+      <p:graphicFrame>
+        <p:nvGraphicFramePr>
+          <p:cNvPr id="15" name="Content Placeholder 2">
+            <a:extLst>
+              <a:ext uri="{FF2B5EF4-FFF2-40B4-BE49-F238E27FC236}">
+                <a16:creationId xmlns:a16="http://schemas.microsoft.com/office/drawing/2014/main" id="{2AD70888-89C1-4A4A-9DD1-7A773BD9F0E1}"/>
+              </a:ext>
+            </a:extLst>
+          </p:cNvPr>
+          <p:cNvGraphicFramePr>
+            <a:graphicFrameLocks noGrp="1"/>
+          </p:cNvGraphicFramePr>
+          <p:nvPr>
+            <p:ph idx="1"/>
+            <p:extLst>
+              <p:ext uri="{D42A27DB-BD31-4B8C-83A1-F6EECF244321}">
+                <p14:modId xmlns:p14="http://schemas.microsoft.com/office/powerpoint/2010/main" val="2867929035"/>
+              </p:ext>
+            </p:extLst>
+          </p:nvPr>
+        </p:nvGraphicFramePr>
+        <p:xfrm>
+          <a:off x="1036320" y="2899956"/>
+          <a:ext cx="10119360" cy="3131364"/>
+        </p:xfrm>
+        <a:graphic>
+          <a:graphicData uri="http://schemas.openxmlformats.org/drawingml/2006/diagram">
+            <dgm:relIds xmlns:dgm="http://schemas.openxmlformats.org/drawingml/2006/diagram" xmlns:r="http://schemas.openxmlformats.org/officeDocument/2006/relationships" r:dm="rId3" r:lo="rId4" r:qs="rId5" r:cs="rId6"/>
+          </a:graphicData>
+        </a:graphic>
+      </p:graphicFrame>
+    </p:spTree>
+    <p:extLst>
+      <p:ext uri="{BB962C8B-B14F-4D97-AF65-F5344CB8AC3E}">
+        <p14:creationId xmlns:p14="http://schemas.microsoft.com/office/powerpoint/2010/main" val="2219068898"/>
+      </p:ext>
+    </p:extLst>
+  </p:cSld>
+  <p:clrMapOvr>
+    <a:masterClrMapping/>
+  </p:clrMapOvr>
+</p:sld>
+</file>
+
+<file path=ppt/slides/slide4.xml><?xml version="1.0" encoding="utf-8"?>
 <p:sld xmlns:a="http://schemas.openxmlformats.org/drawingml/2006/main" xmlns:r="http://schemas.openxmlformats.org/officeDocument/2006/relationships" xmlns:p="http://schemas.openxmlformats.org/presentationml/2006/main">
   <p:cSld>
     <p:bg>
@@ -6409,13 +8245,13 @@
       </p:grpSpPr>
       <p:sp useBgFill="1">
         <p:nvSpPr>
-          <p:cNvPr id="9" name="Rectangle 8">
+          <p:cNvPr id="35" name="Rectangle 17">
             <a:extLst>
               <a:ext uri="{FF2B5EF4-FFF2-40B4-BE49-F238E27FC236}">
-                <a16:creationId xmlns="" xmlns:a16="http://schemas.microsoft.com/office/drawing/2014/main" id="{3B854194-185D-494D-905C-7C7CB2E30F6E}"/>
+                <a16:creationId xmlns:a16="http://schemas.microsoft.com/office/drawing/2014/main" id="{3B854194-185D-494D-905C-7C7CB2E30F6E}"/>
               </a:ext>
               <a:ext uri="{C183D7F6-B498-43B3-948B-1728B52AA6E4}">
-                <adec:decorative xmlns="" xmlns:adec="http://schemas.microsoft.com/office/drawing/2017/decorative" val="1"/>
+                <adec:decorative xmlns:adec="http://schemas.microsoft.com/office/drawing/2017/decorative" val="1"/>
               </a:ext>
             </a:extLst>
           </p:cNvPr>
@@ -6425,7 +8261,7 @@
           <p:nvPr>
             <p:extLst>
               <p:ext uri="{386F3935-93C4-4BCD-93E2-E3B085C9AB24}">
-                <p16:designElem xmlns="" xmlns:p16="http://schemas.microsoft.com/office/powerpoint/2015/main" val="1"/>
+                <p16:designElem xmlns:p16="http://schemas.microsoft.com/office/powerpoint/2015/main" val="1"/>
               </p:ext>
             </p:extLst>
           </p:nvPr>
@@ -6469,13 +8305,13 @@
       </p:sp>
       <p:sp>
         <p:nvSpPr>
-          <p:cNvPr id="11" name="Rectangle 10">
+          <p:cNvPr id="36" name="Rectangle 19">
             <a:extLst>
               <a:ext uri="{FF2B5EF4-FFF2-40B4-BE49-F238E27FC236}">
-                <a16:creationId xmlns="" xmlns:a16="http://schemas.microsoft.com/office/drawing/2014/main" id="{B4F5FA0D-0104-4987-8241-EFF7C85B88DE}"/>
+                <a16:creationId xmlns:a16="http://schemas.microsoft.com/office/drawing/2014/main" id="{B4F5FA0D-0104-4987-8241-EFF7C85B88DE}"/>
               </a:ext>
               <a:ext uri="{C183D7F6-B498-43B3-948B-1728B52AA6E4}">
-                <adec:decorative xmlns="" xmlns:adec="http://schemas.microsoft.com/office/drawing/2017/decorative" val="1"/>
+                <adec:decorative xmlns:adec="http://schemas.microsoft.com/office/drawing/2017/decorative" val="1"/>
               </a:ext>
             </a:extLst>
           </p:cNvPr>
@@ -6485,7 +8321,7 @@
           <p:nvPr>
             <p:extLst>
               <p:ext uri="{386F3935-93C4-4BCD-93E2-E3B085C9AB24}">
-                <p16:designElem xmlns="" xmlns:p16="http://schemas.microsoft.com/office/powerpoint/2015/main" val="1"/>
+                <p16:designElem xmlns:p16="http://schemas.microsoft.com/office/powerpoint/2015/main" val="1"/>
               </p:ext>
             </p:extLst>
           </p:nvPr>
@@ -6554,13 +8390,13 @@
       </p:sp>
       <p:pic>
         <p:nvPicPr>
-          <p:cNvPr id="13" name="Picture 12">
+          <p:cNvPr id="22" name="Picture 21">
             <a:extLst>
               <a:ext uri="{FF2B5EF4-FFF2-40B4-BE49-F238E27FC236}">
-                <a16:creationId xmlns="" xmlns:a16="http://schemas.microsoft.com/office/drawing/2014/main" id="{2897127E-6CEF-446C-BE87-93B7C46E49D1}"/>
+                <a16:creationId xmlns:a16="http://schemas.microsoft.com/office/drawing/2014/main" id="{2897127E-6CEF-446C-BE87-93B7C46E49D1}"/>
               </a:ext>
               <a:ext uri="{C183D7F6-B498-43B3-948B-1728B52AA6E4}">
-                <adec:decorative xmlns="" xmlns:adec="http://schemas.microsoft.com/office/drawing/2017/decorative" val="1"/>
+                <adec:decorative xmlns:adec="http://schemas.microsoft.com/office/drawing/2017/decorative" val="1"/>
               </a:ext>
             </a:extLst>
           </p:cNvPr>
@@ -6570,7 +8406,7 @@
           <p:nvPr>
             <p:extLst>
               <p:ext uri="{386F3935-93C4-4BCD-93E2-E3B085C9AB24}">
-                <p16:designElem xmlns="" xmlns:p16="http://schemas.microsoft.com/office/powerpoint/2015/main" val="1"/>
+                <p16:designElem xmlns:p16="http://schemas.microsoft.com/office/powerpoint/2015/main" val="1"/>
               </p:ext>
             </p:extLst>
           </p:nvPr>
@@ -6620,30 +8456,14 @@
           <a:lstStyle/>
           <a:p>
             <a:r>
-              <a:rPr lang="en-US" dirty="0" err="1" smtClean="0">
+              <a:rPr lang="en-US" sz="6600" dirty="0" err="1">
                 <a:solidFill>
                   <a:srgbClr val="FFFFFF"/>
                 </a:solidFill>
               </a:rPr>
-              <a:t>Objetivos</a:t>
+              <a:t>Solución</a:t>
             </a:r>
-            <a:r>
-              <a:rPr lang="en-US" dirty="0" smtClean="0">
-                <a:solidFill>
-                  <a:srgbClr val="FFFFFF"/>
-                </a:solidFill>
-              </a:rPr>
-              <a:t> </a:t>
-            </a:r>
-            <a:r>
-              <a:rPr lang="en-US" dirty="0" err="1" smtClean="0">
-                <a:solidFill>
-                  <a:srgbClr val="FFFFFF"/>
-                </a:solidFill>
-              </a:rPr>
-              <a:t>buscados</a:t>
-            </a:r>
-            <a:endParaRPr lang="en-US" dirty="0">
+            <a:endParaRPr lang="en-US" sz="6600" dirty="0">
               <a:solidFill>
                 <a:srgbClr val="FFFFFF"/>
               </a:solidFill>
@@ -6653,7 +8473,7 @@
       </p:sp>
       <p:sp>
         <p:nvSpPr>
-          <p:cNvPr id="3" name="Content Placeholder 2"/>
+          <p:cNvPr id="37" name="Content Placeholder 2"/>
           <p:cNvSpPr>
             <a:spLocks noGrp="1"/>
           </p:cNvSpPr>
@@ -6674,36 +8494,24 @@
           <a:lstStyle/>
           <a:p>
             <a:r>
-              <a:rPr lang="es-AR" sz="2400" dirty="0" smtClean="0">
+              <a:rPr lang="es-AR" sz="2400">
                 <a:solidFill>
                   <a:srgbClr val="000000"/>
                 </a:solidFill>
               </a:rPr>
-              <a:t>Reducir el tiempo de espera de los llamados.</a:t>
+              <a:t>Mediante un desarrollo de Software realizado en .NET Core simularemos distintos escenarios para obtener información que ayude en la toma decisiones</a:t>
             </a:r>
           </a:p>
           <a:p>
             <a:r>
-              <a:rPr lang="es-AR" sz="2400" dirty="0" smtClean="0">
+              <a:rPr lang="es-AR" sz="2400">
                 <a:solidFill>
                   <a:srgbClr val="000000"/>
                 </a:solidFill>
               </a:rPr>
-              <a:t>Reducir tiempo ocioso de los Operadores.</a:t>
+              <a:t>Dentro de las infinitas simulaciones posibles se plantean 3 escenarios, durante el transcurso de 3 meses.</a:t>
             </a:r>
-          </a:p>
-          <a:p>
-            <a:r>
-              <a:rPr lang="es-AR" sz="2400" dirty="0" smtClean="0">
-                <a:solidFill>
-                  <a:srgbClr val="000000"/>
-                </a:solidFill>
-              </a:rPr>
-              <a:t>Contratar la menor cantidad de Operadores.</a:t>
-            </a:r>
-          </a:p>
-          <a:p>
-            <a:endParaRPr sz="2400" dirty="0">
+            <a:endParaRPr sz="2400">
               <a:solidFill>
                 <a:srgbClr val="000000"/>
               </a:solidFill>
@@ -6714,24 +8522,17 @@
     </p:spTree>
     <p:extLst>
       <p:ext uri="{BB962C8B-B14F-4D97-AF65-F5344CB8AC3E}">
-        <p14:creationId xmlns:p14="http://schemas.microsoft.com/office/powerpoint/2010/main" val="2219068898"/>
+        <p14:creationId xmlns:p14="http://schemas.microsoft.com/office/powerpoint/2010/main" val="2912080145"/>
       </p:ext>
     </p:extLst>
   </p:cSld>
   <p:clrMapOvr>
     <a:masterClrMapping/>
   </p:clrMapOvr>
-  <p:timing>
-    <p:tnLst>
-      <p:par>
-        <p:cTn id="1" dur="indefinite" restart="never" nodeType="tmRoot"/>
-      </p:par>
-    </p:tnLst>
-  </p:timing>
 </p:sld>
 </file>
 
-<file path=ppt/slides/slide4.xml><?xml version="1.0" encoding="utf-8"?>
+<file path=ppt/slides/slide5.xml><?xml version="1.0" encoding="utf-8"?>
 <p:sld xmlns:a="http://schemas.openxmlformats.org/drawingml/2006/main" xmlns:r="http://schemas.openxmlformats.org/officeDocument/2006/relationships" xmlns:p="http://schemas.openxmlformats.org/presentationml/2006/main">
   <p:cSld>
     <p:bg>
@@ -6756,15 +8557,15 @@
           <a:chExt cx="0" cy="0"/>
         </a:xfrm>
       </p:grpSpPr>
-      <p:sp useBgFill="1">
+      <p:sp>
         <p:nvSpPr>
-          <p:cNvPr id="9" name="Rectangle 8">
+          <p:cNvPr id="27" name="Rectangle 23">
             <a:extLst>
               <a:ext uri="{FF2B5EF4-FFF2-40B4-BE49-F238E27FC236}">
-                <a16:creationId xmlns="" xmlns:a16="http://schemas.microsoft.com/office/drawing/2014/main" id="{3B854194-185D-494D-905C-7C7CB2E30F6E}"/>
+                <a16:creationId xmlns:a16="http://schemas.microsoft.com/office/drawing/2014/main" id="{84867EAF-AE1D-4322-9DE8-383AE3F7BCD9}"/>
               </a:ext>
               <a:ext uri="{C183D7F6-B498-43B3-948B-1728B52AA6E4}">
-                <adec:decorative xmlns="" xmlns:adec="http://schemas.microsoft.com/office/drawing/2017/decorative" val="1"/>
+                <adec:decorative xmlns:adec="http://schemas.microsoft.com/office/drawing/2017/decorative" val="1"/>
               </a:ext>
             </a:extLst>
           </p:cNvPr>
@@ -6774,75 +8575,15 @@
           <p:nvPr>
             <p:extLst>
               <p:ext uri="{386F3935-93C4-4BCD-93E2-E3B085C9AB24}">
-                <p16:designElem xmlns="" xmlns:p16="http://schemas.microsoft.com/office/powerpoint/2015/main" val="1"/>
+                <p16:designElem xmlns:p16="http://schemas.microsoft.com/office/powerpoint/2015/main" val="1"/>
               </p:ext>
             </p:extLst>
           </p:nvPr>
         </p:nvSpPr>
         <p:spPr>
           <a:xfrm>
-            <a:off x="1" y="0"/>
-            <a:ext cx="6082110" cy="6858000"/>
-          </a:xfrm>
-          <a:prstGeom prst="rect">
-            <a:avLst/>
-          </a:prstGeom>
-          <a:ln>
-            <a:noFill/>
-          </a:ln>
-        </p:spPr>
-        <p:style>
-          <a:lnRef idx="2">
-            <a:schemeClr val="accent1">
-              <a:shade val="50000"/>
-            </a:schemeClr>
-          </a:lnRef>
-          <a:fillRef idx="1">
-            <a:schemeClr val="accent1"/>
-          </a:fillRef>
-          <a:effectRef idx="0">
-            <a:schemeClr val="accent1"/>
-          </a:effectRef>
-          <a:fontRef idx="minor">
-            <a:schemeClr val="lt1"/>
-          </a:fontRef>
-        </p:style>
-        <p:txBody>
-          <a:bodyPr rtlCol="0" anchor="ctr"/>
-          <a:lstStyle/>
-          <a:p>
-            <a:pPr algn="ctr"/>
-            <a:endParaRPr lang="en-US"/>
-          </a:p>
-        </p:txBody>
-      </p:sp>
-      <p:sp>
-        <p:nvSpPr>
-          <p:cNvPr id="11" name="Rectangle 10">
-            <a:extLst>
-              <a:ext uri="{FF2B5EF4-FFF2-40B4-BE49-F238E27FC236}">
-                <a16:creationId xmlns="" xmlns:a16="http://schemas.microsoft.com/office/drawing/2014/main" id="{B4F5FA0D-0104-4987-8241-EFF7C85B88DE}"/>
-              </a:ext>
-              <a:ext uri="{C183D7F6-B498-43B3-948B-1728B52AA6E4}">
-                <adec:decorative xmlns="" xmlns:adec="http://schemas.microsoft.com/office/drawing/2017/decorative" val="1"/>
-              </a:ext>
-            </a:extLst>
-          </p:cNvPr>
-          <p:cNvSpPr>
-            <a:spLocks noGrp="1" noRot="1" noChangeAspect="1" noMove="1" noResize="1" noEditPoints="1" noAdjustHandles="1" noChangeArrowheads="1" noChangeShapeType="1" noTextEdit="1"/>
-          </p:cNvSpPr>
-          <p:nvPr>
-            <p:extLst>
-              <p:ext uri="{386F3935-93C4-4BCD-93E2-E3B085C9AB24}">
-                <p16:designElem xmlns="" xmlns:p16="http://schemas.microsoft.com/office/powerpoint/2015/main" val="1"/>
-              </p:ext>
-            </p:extLst>
-          </p:nvPr>
-        </p:nvSpPr>
-        <p:spPr>
-          <a:xfrm>
-            <a:off x="1" y="0"/>
-            <a:ext cx="12191998" cy="6858000"/>
+            <a:off x="6096" y="-4691"/>
+            <a:ext cx="5446920" cy="6858000"/>
           </a:xfrm>
           <a:prstGeom prst="rect">
             <a:avLst/>
@@ -6903,13 +8644,13 @@
       </p:sp>
       <p:pic>
         <p:nvPicPr>
-          <p:cNvPr id="13" name="Picture 12">
+          <p:cNvPr id="26" name="Picture 25">
             <a:extLst>
               <a:ext uri="{FF2B5EF4-FFF2-40B4-BE49-F238E27FC236}">
-                <a16:creationId xmlns="" xmlns:a16="http://schemas.microsoft.com/office/drawing/2014/main" id="{2897127E-6CEF-446C-BE87-93B7C46E49D1}"/>
+                <a16:creationId xmlns:a16="http://schemas.microsoft.com/office/drawing/2014/main" id="{40676238-7F95-4EEB-836A-7D23927873AD}"/>
               </a:ext>
               <a:ext uri="{C183D7F6-B498-43B3-948B-1728B52AA6E4}">
-                <adec:decorative xmlns="" xmlns:adec="http://schemas.microsoft.com/office/drawing/2017/decorative" val="1"/>
+                <adec:decorative xmlns:adec="http://schemas.microsoft.com/office/drawing/2017/decorative" val="1"/>
               </a:ext>
             </a:extLst>
           </p:cNvPr>
@@ -6919,13 +8660,13 @@
           <p:nvPr>
             <p:extLst>
               <p:ext uri="{386F3935-93C4-4BCD-93E2-E3B085C9AB24}">
-                <p16:designElem xmlns="" xmlns:p16="http://schemas.microsoft.com/office/powerpoint/2015/main" val="1"/>
+                <p16:designElem xmlns:p16="http://schemas.microsoft.com/office/powerpoint/2015/main" val="1"/>
               </p:ext>
             </p:extLst>
           </p:nvPr>
         </p:nvPicPr>
         <p:blipFill>
-          <a:blip r:embed="rId2">
+          <a:blip r:embed="rId3">
             <a:extLst>
               <a:ext uri="{28A0092B-C50C-407E-A947-70E740481C1C}">
                 <a14:useLocalDpi xmlns:a14="http://schemas.microsoft.com/office/drawing/2010/main" val="0"/>
@@ -6958,421 +8699,28 @@
         </p:nvSpPr>
         <p:spPr>
           <a:xfrm>
-            <a:off x="640079" y="2053641"/>
-            <a:ext cx="3669161" cy="2760098"/>
+            <a:off x="561146" y="2893521"/>
+            <a:ext cx="4037695" cy="1066268"/>
           </a:xfrm>
         </p:spPr>
         <p:txBody>
-          <a:bodyPr>
+          <a:bodyPr vert="horz" lIns="91440" tIns="45720" rIns="91440" bIns="45720" rtlCol="0" anchor="t">
             <a:normAutofit/>
           </a:bodyPr>
           <a:lstStyle/>
           <a:p>
             <a:r>
-              <a:rPr lang="en-US" dirty="0" err="1" smtClean="0">
+              <a:rPr lang="en-US" sz="6600" dirty="0" err="1">
                 <a:solidFill>
                   <a:srgbClr val="FFFFFF"/>
                 </a:solidFill>
               </a:rPr>
-              <a:t>Metodología</a:t>
+              <a:t>Escenarios</a:t>
             </a:r>
-            <a:r>
-              <a:rPr lang="en-US" dirty="0" smtClean="0">
-                <a:solidFill>
-                  <a:srgbClr val="FFFFFF"/>
-                </a:solidFill>
-              </a:rPr>
-              <a:t/>
-            </a:r>
-            <a:br>
-              <a:rPr lang="en-US" dirty="0" smtClean="0">
-                <a:solidFill>
-                  <a:srgbClr val="FFFFFF"/>
-                </a:solidFill>
-              </a:rPr>
-            </a:br>
-            <a:r>
-              <a:rPr lang="en-US" dirty="0" smtClean="0">
-                <a:solidFill>
-                  <a:srgbClr val="FFFFFF"/>
-                </a:solidFill>
-              </a:rPr>
-              <a:t>a </a:t>
-            </a:r>
-            <a:r>
-              <a:rPr lang="en-US" dirty="0" err="1" smtClean="0">
-                <a:solidFill>
-                  <a:srgbClr val="FFFFFF"/>
-                </a:solidFill>
-              </a:rPr>
-              <a:t>utilizar</a:t>
-            </a:r>
-            <a:endParaRPr lang="en-US" dirty="0">
+            <a:endParaRPr lang="en-US" sz="6600" dirty="0">
               <a:solidFill>
                 <a:srgbClr val="FFFFFF"/>
               </a:solidFill>
-            </a:endParaRPr>
-          </a:p>
-        </p:txBody>
-      </p:sp>
-      <p:sp>
-        <p:nvSpPr>
-          <p:cNvPr id="3" name="Content Placeholder 2"/>
-          <p:cNvSpPr>
-            <a:spLocks noGrp="1"/>
-          </p:cNvSpPr>
-          <p:nvPr>
-            <p:ph idx="1"/>
-          </p:nvPr>
-        </p:nvSpPr>
-        <p:spPr>
-          <a:xfrm>
-            <a:off x="6090574" y="801866"/>
-            <a:ext cx="5306084" cy="5230634"/>
-          </a:xfrm>
-        </p:spPr>
-        <p:txBody>
-          <a:bodyPr anchor="ctr">
-            <a:normAutofit/>
-          </a:bodyPr>
-          <a:lstStyle/>
-          <a:p>
-            <a:r>
-              <a:rPr lang="es-AR" sz="2400" dirty="0" smtClean="0">
-                <a:solidFill>
-                  <a:srgbClr val="000000"/>
-                </a:solidFill>
-              </a:rPr>
-              <a:t>Mediante un desarrollo de Software realizado en el Framework .NET simularemos la cantidad óptima de operadores teniendo en cuenta su especialización.</a:t>
-            </a:r>
-          </a:p>
-          <a:p>
-            <a:endParaRPr lang="es-AR" sz="2400" dirty="0">
-              <a:solidFill>
-                <a:srgbClr val="000000"/>
-              </a:solidFill>
-            </a:endParaRPr>
-          </a:p>
-          <a:p>
-            <a:r>
-              <a:rPr lang="es-AR" sz="2400" dirty="0" smtClean="0">
-                <a:solidFill>
-                  <a:srgbClr val="000000"/>
-                </a:solidFill>
-              </a:rPr>
-              <a:t>Dentro de las infinitas simulaciones posibles se plantean 3 escenarios.</a:t>
-            </a:r>
-            <a:endParaRPr sz="2400" dirty="0">
-              <a:solidFill>
-                <a:srgbClr val="000000"/>
-              </a:solidFill>
-            </a:endParaRPr>
-          </a:p>
-        </p:txBody>
-      </p:sp>
-    </p:spTree>
-    <p:extLst>
-      <p:ext uri="{BB962C8B-B14F-4D97-AF65-F5344CB8AC3E}">
-        <p14:creationId xmlns:p14="http://schemas.microsoft.com/office/powerpoint/2010/main" val="2912080145"/>
-      </p:ext>
-    </p:extLst>
-  </p:cSld>
-  <p:clrMapOvr>
-    <a:masterClrMapping/>
-  </p:clrMapOvr>
-  <p:timing>
-    <p:tnLst>
-      <p:par>
-        <p:cTn id="1" dur="indefinite" restart="never" nodeType="tmRoot"/>
-      </p:par>
-    </p:tnLst>
-  </p:timing>
-</p:sld>
-</file>
-
-<file path=ppt/slides/slide5.xml><?xml version="1.0" encoding="utf-8"?>
-<p:sld xmlns:a="http://schemas.openxmlformats.org/drawingml/2006/main" xmlns:r="http://schemas.openxmlformats.org/officeDocument/2006/relationships" xmlns:p="http://schemas.openxmlformats.org/presentationml/2006/main">
-  <p:cSld>
-    <p:bg>
-      <p:bgPr>
-        <a:solidFill>
-          <a:schemeClr val="bg1"/>
-        </a:solidFill>
-        <a:effectLst/>
-      </p:bgPr>
-    </p:bg>
-    <p:spTree>
-      <p:nvGrpSpPr>
-        <p:cNvPr id="1" name=""/>
-        <p:cNvGrpSpPr/>
-        <p:nvPr/>
-      </p:nvGrpSpPr>
-      <p:grpSpPr>
-        <a:xfrm>
-          <a:off x="0" y="0"/>
-          <a:ext cx="0" cy="0"/>
-          <a:chOff x="0" y="0"/>
-          <a:chExt cx="0" cy="0"/>
-        </a:xfrm>
-      </p:grpSpPr>
-      <p:sp>
-        <p:nvSpPr>
-          <p:cNvPr id="9" name="Rectangle 8">
-            <a:extLst>
-              <a:ext uri="{FF2B5EF4-FFF2-40B4-BE49-F238E27FC236}">
-                <a16:creationId xmlns="" xmlns:a16="http://schemas.microsoft.com/office/drawing/2014/main" id="{23962611-DFD5-4092-AAFD-559E3DFCE2C9}"/>
-              </a:ext>
-              <a:ext uri="{C183D7F6-B498-43B3-948B-1728B52AA6E4}">
-                <adec:decorative xmlns="" xmlns:adec="http://schemas.microsoft.com/office/drawing/2017/decorative" val="1"/>
-              </a:ext>
-            </a:extLst>
-          </p:cNvPr>
-          <p:cNvSpPr>
-            <a:spLocks noGrp="1" noRot="1" noChangeAspect="1" noMove="1" noResize="1" noEditPoints="1" noAdjustHandles="1" noChangeArrowheads="1" noChangeShapeType="1" noTextEdit="1"/>
-          </p:cNvSpPr>
-          <p:nvPr>
-            <p:extLst>
-              <p:ext uri="{386F3935-93C4-4BCD-93E2-E3B085C9AB24}">
-                <p16:designElem xmlns="" xmlns:p16="http://schemas.microsoft.com/office/powerpoint/2015/main" val="1"/>
-              </p:ext>
-            </p:extLst>
-          </p:nvPr>
-        </p:nvSpPr>
-        <p:spPr>
-          <a:xfrm>
-            <a:off x="475488" y="0"/>
-            <a:ext cx="10910292" cy="6858000"/>
-          </a:xfrm>
-          <a:prstGeom prst="rect">
-            <a:avLst/>
-          </a:prstGeom>
-          <a:gradFill>
-            <a:gsLst>
-              <a:gs pos="0">
-                <a:schemeClr val="accent1">
-                  <a:lumMod val="90000"/>
-                </a:schemeClr>
-              </a:gs>
-              <a:gs pos="25000">
-                <a:schemeClr val="accent1">
-                  <a:lumMod val="90000"/>
-                </a:schemeClr>
-              </a:gs>
-              <a:gs pos="94000">
-                <a:schemeClr val="bg2">
-                  <a:lumMod val="25000"/>
-                </a:schemeClr>
-              </a:gs>
-              <a:gs pos="100000">
-                <a:schemeClr val="bg2">
-                  <a:lumMod val="25000"/>
-                </a:schemeClr>
-              </a:gs>
-            </a:gsLst>
-            <a:lin ang="4200000" scaled="0"/>
-          </a:gradFill>
-          <a:ln>
-            <a:noFill/>
-          </a:ln>
-        </p:spPr>
-        <p:style>
-          <a:lnRef idx="2">
-            <a:schemeClr val="accent1">
-              <a:shade val="50000"/>
-            </a:schemeClr>
-          </a:lnRef>
-          <a:fillRef idx="1">
-            <a:schemeClr val="accent1"/>
-          </a:fillRef>
-          <a:effectRef idx="0">
-            <a:schemeClr val="accent1"/>
-          </a:effectRef>
-          <a:fontRef idx="minor">
-            <a:schemeClr val="lt1"/>
-          </a:fontRef>
-        </p:style>
-        <p:txBody>
-          <a:bodyPr rtlCol="0" anchor="ctr"/>
-          <a:lstStyle/>
-          <a:p>
-            <a:pPr algn="ctr"/>
-            <a:endParaRPr lang="en-US"/>
-          </a:p>
-        </p:txBody>
-      </p:sp>
-      <p:pic>
-        <p:nvPicPr>
-          <p:cNvPr id="11" name="Picture 10">
-            <a:extLst>
-              <a:ext uri="{FF2B5EF4-FFF2-40B4-BE49-F238E27FC236}">
-                <a16:creationId xmlns="" xmlns:a16="http://schemas.microsoft.com/office/drawing/2014/main" id="{2270F1FA-0425-408F-9861-80BF5AFB276D}"/>
-              </a:ext>
-              <a:ext uri="{C183D7F6-B498-43B3-948B-1728B52AA6E4}">
-                <adec:decorative xmlns="" xmlns:adec="http://schemas.microsoft.com/office/drawing/2017/decorative" val="1"/>
-              </a:ext>
-            </a:extLst>
-          </p:cNvPr>
-          <p:cNvPicPr>
-            <a:picLocks noGrp="1" noRot="1" noChangeAspect="1" noMove="1" noResize="1" noEditPoints="1" noAdjustHandles="1" noChangeArrowheads="1" noChangeShapeType="1" noCrop="1"/>
-          </p:cNvPicPr>
-          <p:nvPr>
-            <p:extLst>
-              <p:ext uri="{386F3935-93C4-4BCD-93E2-E3B085C9AB24}">
-                <p16:designElem xmlns="" xmlns:p16="http://schemas.microsoft.com/office/powerpoint/2015/main" val="1"/>
-              </p:ext>
-            </p:extLst>
-          </p:nvPr>
-        </p:nvPicPr>
-        <p:blipFill>
-          <a:blip r:embed="rId3">
-            <a:extLst>
-              <a:ext uri="{28A0092B-C50C-407E-A947-70E740481C1C}">
-                <a14:useLocalDpi xmlns:a14="http://schemas.microsoft.com/office/drawing/2010/main" val="0"/>
-              </a:ext>
-            </a:extLst>
-          </a:blip>
-          <a:stretch>
-            <a:fillRect/>
-          </a:stretch>
-        </p:blipFill>
-        <p:spPr>
-          <a:xfrm>
-            <a:off x="0" y="0"/>
-            <a:ext cx="12192000" cy="6858000"/>
-          </a:xfrm>
-          <a:prstGeom prst="rect">
-            <a:avLst/>
-          </a:prstGeom>
-        </p:spPr>
-      </p:pic>
-      <p:sp>
-        <p:nvSpPr>
-          <p:cNvPr id="2" name="Title 1"/>
-          <p:cNvSpPr>
-            <a:spLocks noGrp="1"/>
-          </p:cNvSpPr>
-          <p:nvPr>
-            <p:ph type="title"/>
-          </p:nvPr>
-        </p:nvSpPr>
-        <p:spPr>
-          <a:xfrm>
-            <a:off x="2878037" y="1522146"/>
-            <a:ext cx="6105194" cy="902737"/>
-          </a:xfrm>
-        </p:spPr>
-        <p:txBody>
-          <a:bodyPr vert="horz" lIns="91440" tIns="45720" rIns="91440" bIns="45720" rtlCol="0" anchor="b">
-            <a:normAutofit fontScale="90000"/>
-          </a:bodyPr>
-          <a:lstStyle/>
-          <a:p>
-            <a:pPr algn="ctr"/>
-            <a:r>
-              <a:rPr lang="en-US" sz="6000" u="sng" kern="1200" dirty="0" smtClean="0">
-                <a:solidFill>
-                  <a:srgbClr val="FFFFFF"/>
-                </a:solidFill>
-                <a:latin typeface="+mj-lt"/>
-                <a:ea typeface="+mj-ea"/>
-                <a:cs typeface="+mj-cs"/>
-              </a:rPr>
-              <a:t>Primer </a:t>
-            </a:r>
-            <a:r>
-              <a:rPr lang="en-US" sz="6000" u="sng" kern="1200" dirty="0" err="1" smtClean="0">
-                <a:solidFill>
-                  <a:srgbClr val="FFFFFF"/>
-                </a:solidFill>
-                <a:latin typeface="+mj-lt"/>
-                <a:ea typeface="+mj-ea"/>
-                <a:cs typeface="+mj-cs"/>
-              </a:rPr>
-              <a:t>escenario</a:t>
-            </a:r>
-            <a:endParaRPr lang="en-US" sz="6000" u="sng" kern="1200" dirty="0">
-              <a:solidFill>
-                <a:srgbClr val="FFFFFF"/>
-              </a:solidFill>
-              <a:latin typeface="+mj-lt"/>
-              <a:ea typeface="+mj-ea"/>
-              <a:cs typeface="+mj-cs"/>
-            </a:endParaRPr>
-          </a:p>
-        </p:txBody>
-      </p:sp>
-      <p:sp>
-        <p:nvSpPr>
-          <p:cNvPr id="3" name="Content Placeholder 2"/>
-          <p:cNvSpPr>
-            <a:spLocks noGrp="1"/>
-          </p:cNvSpPr>
-          <p:nvPr>
-            <p:ph idx="1"/>
-          </p:nvPr>
-        </p:nvSpPr>
-        <p:spPr>
-          <a:xfrm>
-            <a:off x="3043403" y="2825038"/>
-            <a:ext cx="6105194" cy="682079"/>
-          </a:xfrm>
-        </p:spPr>
-        <p:txBody>
-          <a:bodyPr vert="horz" lIns="91440" tIns="45720" rIns="91440" bIns="45720" rtlCol="0">
-            <a:normAutofit/>
-          </a:bodyPr>
-          <a:lstStyle/>
-          <a:p>
-            <a:pPr marL="0" indent="0" algn="ctr">
-              <a:buNone/>
-            </a:pPr>
-            <a:r>
-              <a:rPr lang="en-US" sz="2000" dirty="0" smtClean="0">
-                <a:solidFill>
-                  <a:srgbClr val="FFFFFF"/>
-                </a:solidFill>
-              </a:rPr>
-              <a:t>N </a:t>
-            </a:r>
-            <a:r>
-              <a:rPr lang="en-US" sz="2000" dirty="0" err="1" smtClean="0">
-                <a:solidFill>
-                  <a:srgbClr val="FFFFFF"/>
-                </a:solidFill>
-              </a:rPr>
-              <a:t>operadores</a:t>
-            </a:r>
-            <a:r>
-              <a:rPr lang="en-US" sz="2000" dirty="0" smtClean="0">
-                <a:solidFill>
-                  <a:srgbClr val="FFFFFF"/>
-                </a:solidFill>
-              </a:rPr>
-              <a:t> SAP y M </a:t>
-            </a:r>
-            <a:r>
-              <a:rPr lang="en-US" sz="2000" dirty="0" err="1" smtClean="0">
-                <a:solidFill>
-                  <a:srgbClr val="FFFFFF"/>
-                </a:solidFill>
-              </a:rPr>
-              <a:t>operadores</a:t>
-            </a:r>
-            <a:r>
-              <a:rPr lang="en-US" sz="2000" dirty="0" smtClean="0">
-                <a:solidFill>
-                  <a:srgbClr val="FFFFFF"/>
-                </a:solidFill>
-              </a:rPr>
-              <a:t> MDSTI</a:t>
-            </a:r>
-            <a:endParaRPr lang="en-US" sz="2000" kern="1200" dirty="0">
-              <a:solidFill>
-                <a:srgbClr val="FFFFFF"/>
-              </a:solidFill>
-              <a:latin typeface="+mn-lt"/>
-              <a:ea typeface="+mn-ea"/>
-              <a:cs typeface="+mn-cs"/>
             </a:endParaRPr>
           </a:p>
         </p:txBody>
@@ -7575,337 +8923,291 @@
           </a:p>
         </p:txBody>
       </p:sp>
-      <p:sp>
-        <p:nvSpPr>
-          <p:cNvPr id="7" name="Content Placeholder 2"/>
-          <p:cNvSpPr txBox="1">
-            <a:spLocks/>
-          </p:cNvSpPr>
-          <p:nvPr/>
-        </p:nvSpPr>
-        <p:spPr>
-          <a:xfrm>
-            <a:off x="3074849" y="3507117"/>
-            <a:ext cx="6105194" cy="1433371"/>
-          </a:xfrm>
-          <a:prstGeom prst="rect">
-            <a:avLst/>
-          </a:prstGeom>
-        </p:spPr>
-        <p:txBody>
-          <a:bodyPr vert="horz" lIns="91440" tIns="45720" rIns="91440" bIns="45720" rtlCol="0">
-            <a:normAutofit/>
-          </a:bodyPr>
-          <a:lstStyle>
-            <a:lvl1pPr marL="228600" indent="-228600" algn="l" defTabSz="914400" rtl="0" eaLnBrk="1" latinLnBrk="0" hangingPunct="1">
-              <a:lnSpc>
-                <a:spcPct val="90000"/>
-              </a:lnSpc>
-              <a:spcBef>
-                <a:spcPts val="1000"/>
-              </a:spcBef>
-              <a:buFont typeface="Arial" panose="020B0604020202020204" pitchFamily="34" charset="0"/>
-              <a:buChar char="•"/>
-              <a:defRPr sz="2800" kern="1200">
-                <a:solidFill>
-                  <a:schemeClr val="tx1"/>
-                </a:solidFill>
-                <a:latin typeface="+mn-lt"/>
-                <a:ea typeface="+mn-ea"/>
-                <a:cs typeface="+mn-cs"/>
-              </a:defRPr>
-            </a:lvl1pPr>
-            <a:lvl2pPr marL="685800" indent="-228600" algn="l" defTabSz="914400" rtl="0" eaLnBrk="1" latinLnBrk="0" hangingPunct="1">
-              <a:lnSpc>
-                <a:spcPct val="90000"/>
-              </a:lnSpc>
-              <a:spcBef>
-                <a:spcPts val="500"/>
-              </a:spcBef>
-              <a:buFont typeface="Arial" panose="020B0604020202020204" pitchFamily="34" charset="0"/>
-              <a:buChar char="•"/>
-              <a:defRPr sz="2400" kern="1200">
-                <a:solidFill>
-                  <a:schemeClr val="tx1"/>
-                </a:solidFill>
-                <a:latin typeface="+mn-lt"/>
-                <a:ea typeface="+mn-ea"/>
-                <a:cs typeface="+mn-cs"/>
-              </a:defRPr>
-            </a:lvl2pPr>
-            <a:lvl3pPr marL="1143000" indent="-228600" algn="l" defTabSz="914400" rtl="0" eaLnBrk="1" latinLnBrk="0" hangingPunct="1">
-              <a:lnSpc>
-                <a:spcPct val="90000"/>
-              </a:lnSpc>
-              <a:spcBef>
-                <a:spcPts val="500"/>
-              </a:spcBef>
-              <a:buFont typeface="Arial" panose="020B0604020202020204" pitchFamily="34" charset="0"/>
-              <a:buChar char="•"/>
-              <a:defRPr sz="2000" kern="1200">
-                <a:solidFill>
-                  <a:schemeClr val="tx1"/>
-                </a:solidFill>
-                <a:latin typeface="+mn-lt"/>
-                <a:ea typeface="+mn-ea"/>
-                <a:cs typeface="+mn-cs"/>
-              </a:defRPr>
-            </a:lvl3pPr>
-            <a:lvl4pPr marL="1600200" indent="-228600" algn="l" defTabSz="914400" rtl="0" eaLnBrk="1" latinLnBrk="0" hangingPunct="1">
-              <a:lnSpc>
-                <a:spcPct val="90000"/>
-              </a:lnSpc>
-              <a:spcBef>
-                <a:spcPts val="500"/>
-              </a:spcBef>
-              <a:buFont typeface="Arial" panose="020B0604020202020204" pitchFamily="34" charset="0"/>
-              <a:buChar char="•"/>
-              <a:defRPr sz="1800" kern="1200">
-                <a:solidFill>
-                  <a:schemeClr val="tx1"/>
-                </a:solidFill>
-                <a:latin typeface="+mn-lt"/>
-                <a:ea typeface="+mn-ea"/>
-                <a:cs typeface="+mn-cs"/>
-              </a:defRPr>
-            </a:lvl4pPr>
-            <a:lvl5pPr marL="2057400" indent="-228600" algn="l" defTabSz="914400" rtl="0" eaLnBrk="1" latinLnBrk="0" hangingPunct="1">
-              <a:lnSpc>
-                <a:spcPct val="90000"/>
-              </a:lnSpc>
-              <a:spcBef>
-                <a:spcPts val="500"/>
-              </a:spcBef>
-              <a:buFont typeface="Arial" panose="020B0604020202020204" pitchFamily="34" charset="0"/>
-              <a:buChar char="•"/>
-              <a:defRPr sz="1800" kern="1200">
-                <a:solidFill>
-                  <a:schemeClr val="tx1"/>
-                </a:solidFill>
-                <a:latin typeface="+mn-lt"/>
-                <a:ea typeface="+mn-ea"/>
-                <a:cs typeface="+mn-cs"/>
-              </a:defRPr>
-            </a:lvl5pPr>
-            <a:lvl6pPr marL="2514600" indent="-228600" algn="l" defTabSz="914400" rtl="0" eaLnBrk="1" latinLnBrk="0" hangingPunct="1">
-              <a:lnSpc>
-                <a:spcPct val="90000"/>
-              </a:lnSpc>
-              <a:spcBef>
-                <a:spcPts val="500"/>
-              </a:spcBef>
-              <a:buFont typeface="Arial" panose="020B0604020202020204" pitchFamily="34" charset="0"/>
-              <a:buChar char="•"/>
-              <a:defRPr sz="1800" kern="1200">
-                <a:solidFill>
-                  <a:schemeClr val="tx1"/>
-                </a:solidFill>
-                <a:latin typeface="+mn-lt"/>
-                <a:ea typeface="+mn-ea"/>
-                <a:cs typeface="+mn-cs"/>
-              </a:defRPr>
-            </a:lvl6pPr>
-            <a:lvl7pPr marL="2971800" indent="-228600" algn="l" defTabSz="914400" rtl="0" eaLnBrk="1" latinLnBrk="0" hangingPunct="1">
-              <a:lnSpc>
-                <a:spcPct val="90000"/>
-              </a:lnSpc>
-              <a:spcBef>
-                <a:spcPts val="500"/>
-              </a:spcBef>
-              <a:buFont typeface="Arial" panose="020B0604020202020204" pitchFamily="34" charset="0"/>
-              <a:buChar char="•"/>
-              <a:defRPr sz="1800" kern="1200">
-                <a:solidFill>
-                  <a:schemeClr val="tx1"/>
-                </a:solidFill>
-                <a:latin typeface="+mn-lt"/>
-                <a:ea typeface="+mn-ea"/>
-                <a:cs typeface="+mn-cs"/>
-              </a:defRPr>
-            </a:lvl7pPr>
-            <a:lvl8pPr marL="3429000" indent="-228600" algn="l" defTabSz="914400" rtl="0" eaLnBrk="1" latinLnBrk="0" hangingPunct="1">
-              <a:lnSpc>
-                <a:spcPct val="90000"/>
-              </a:lnSpc>
-              <a:spcBef>
-                <a:spcPts val="500"/>
-              </a:spcBef>
-              <a:buFont typeface="Arial" panose="020B0604020202020204" pitchFamily="34" charset="0"/>
-              <a:buChar char="•"/>
-              <a:defRPr sz="1800" kern="1200">
-                <a:solidFill>
-                  <a:schemeClr val="tx1"/>
-                </a:solidFill>
-                <a:latin typeface="+mn-lt"/>
-                <a:ea typeface="+mn-ea"/>
-                <a:cs typeface="+mn-cs"/>
-              </a:defRPr>
-            </a:lvl8pPr>
-            <a:lvl9pPr marL="3886200" indent="-228600" algn="l" defTabSz="914400" rtl="0" eaLnBrk="1" latinLnBrk="0" hangingPunct="1">
-              <a:lnSpc>
-                <a:spcPct val="90000"/>
-              </a:lnSpc>
-              <a:spcBef>
-                <a:spcPts val="500"/>
-              </a:spcBef>
-              <a:buFont typeface="Arial" panose="020B0604020202020204" pitchFamily="34" charset="0"/>
-              <a:buChar char="•"/>
-              <a:defRPr sz="1800" kern="1200">
-                <a:solidFill>
-                  <a:schemeClr val="tx1"/>
-                </a:solidFill>
-                <a:latin typeface="+mn-lt"/>
-                <a:ea typeface="+mn-ea"/>
-                <a:cs typeface="+mn-cs"/>
-              </a:defRPr>
-            </a:lvl9pPr>
-          </a:lstStyle>
-          <a:p>
-            <a:pPr marL="0" indent="0">
-              <a:buFont typeface="Arial" panose="020B0604020202020204" pitchFamily="34" charset="0"/>
-              <a:buNone/>
-            </a:pPr>
-            <a:r>
-              <a:rPr lang="en-US" sz="2000" dirty="0" smtClean="0">
-                <a:solidFill>
-                  <a:srgbClr val="FFFFFF"/>
-                </a:solidFill>
-              </a:rPr>
-              <a:t>RESULTADO:</a:t>
-            </a:r>
-          </a:p>
-          <a:p>
-            <a:pPr>
-              <a:buFont typeface="Wingdings" panose="05000000000000000000" pitchFamily="2" charset="2"/>
-              <a:buChar char="ü"/>
-            </a:pPr>
-            <a:r>
-              <a:rPr lang="en-US" sz="2000" dirty="0" err="1" smtClean="0">
-                <a:solidFill>
-                  <a:srgbClr val="FFFFFF"/>
-                </a:solidFill>
-              </a:rPr>
-              <a:t>Porcentaje</a:t>
-            </a:r>
-            <a:r>
-              <a:rPr lang="en-US" sz="2000" dirty="0" smtClean="0">
-                <a:solidFill>
-                  <a:srgbClr val="FFFFFF"/>
-                </a:solidFill>
-              </a:rPr>
-              <a:t> de </a:t>
-            </a:r>
-            <a:r>
-              <a:rPr lang="en-US" sz="2000" dirty="0" err="1" smtClean="0">
-                <a:solidFill>
-                  <a:srgbClr val="FFFFFF"/>
-                </a:solidFill>
-              </a:rPr>
-              <a:t>tiempo</a:t>
-            </a:r>
-            <a:r>
-              <a:rPr lang="en-US" sz="2000" dirty="0" smtClean="0">
-                <a:solidFill>
-                  <a:srgbClr val="FFFFFF"/>
-                </a:solidFill>
-              </a:rPr>
-              <a:t> </a:t>
-            </a:r>
-            <a:r>
-              <a:rPr lang="en-US" sz="2000" dirty="0" err="1" smtClean="0">
-                <a:solidFill>
-                  <a:srgbClr val="FFFFFF"/>
-                </a:solidFill>
-              </a:rPr>
-              <a:t>ocioso</a:t>
-            </a:r>
-            <a:r>
-              <a:rPr lang="en-US" sz="2000" dirty="0" smtClean="0">
-                <a:solidFill>
-                  <a:srgbClr val="FFFFFF"/>
-                </a:solidFill>
-              </a:rPr>
-              <a:t>: xxx</a:t>
-            </a:r>
-          </a:p>
-          <a:p>
-            <a:pPr>
-              <a:buFont typeface="Wingdings" panose="05000000000000000000" pitchFamily="2" charset="2"/>
-              <a:buChar char="ü"/>
-            </a:pPr>
-            <a:r>
-              <a:rPr lang="en-US" sz="2000" dirty="0" err="1" smtClean="0">
-                <a:solidFill>
-                  <a:srgbClr val="FFFFFF"/>
-                </a:solidFill>
-              </a:rPr>
-              <a:t>Cantidad</a:t>
-            </a:r>
-            <a:r>
-              <a:rPr lang="en-US" sz="2000" dirty="0" smtClean="0">
-                <a:solidFill>
-                  <a:srgbClr val="FFFFFF"/>
-                </a:solidFill>
-              </a:rPr>
-              <a:t> de </a:t>
-            </a:r>
-            <a:r>
-              <a:rPr lang="en-US" sz="2000" dirty="0" err="1" smtClean="0">
-                <a:solidFill>
-                  <a:srgbClr val="FFFFFF"/>
-                </a:solidFill>
-              </a:rPr>
-              <a:t>llamadas</a:t>
-            </a:r>
-            <a:r>
-              <a:rPr lang="en-US" sz="2000" dirty="0" smtClean="0">
-                <a:solidFill>
-                  <a:srgbClr val="FFFFFF"/>
-                </a:solidFill>
-              </a:rPr>
-              <a:t> </a:t>
-            </a:r>
-            <a:r>
-              <a:rPr lang="en-US" sz="2000" dirty="0" err="1" smtClean="0">
-                <a:solidFill>
-                  <a:srgbClr val="FFFFFF"/>
-                </a:solidFill>
-              </a:rPr>
-              <a:t>atendidas</a:t>
-            </a:r>
-            <a:r>
-              <a:rPr lang="en-US" sz="2000" dirty="0" smtClean="0">
-                <a:solidFill>
-                  <a:srgbClr val="FFFFFF"/>
-                </a:solidFill>
-              </a:rPr>
-              <a:t>: xxx</a:t>
-            </a:r>
-          </a:p>
-          <a:p>
-            <a:pPr>
-              <a:buFont typeface="Wingdings" panose="05000000000000000000" pitchFamily="2" charset="2"/>
-              <a:buChar char="ü"/>
-            </a:pPr>
-            <a:endParaRPr lang="en-US" sz="2000" dirty="0" smtClean="0">
-              <a:solidFill>
-                <a:srgbClr val="FFFFFF"/>
-              </a:solidFill>
-            </a:endParaRPr>
-          </a:p>
-          <a:p>
-            <a:pPr marL="0" indent="0" algn="ctr">
-              <a:buFont typeface="Arial" panose="020B0604020202020204" pitchFamily="34" charset="0"/>
-              <a:buNone/>
-            </a:pPr>
-            <a:endParaRPr lang="en-US" sz="2000" dirty="0">
-              <a:solidFill>
-                <a:srgbClr val="FFFFFF"/>
-              </a:solidFill>
-            </a:endParaRPr>
-          </a:p>
-        </p:txBody>
-      </p:sp>
+      <p:graphicFrame>
+        <p:nvGraphicFramePr>
+          <p:cNvPr id="5" name="Tabla 4">
+            <a:extLst>
+              <a:ext uri="{FF2B5EF4-FFF2-40B4-BE49-F238E27FC236}">
+                <a16:creationId xmlns:a16="http://schemas.microsoft.com/office/drawing/2014/main" id="{C00B5407-98C7-4A5F-84D7-152727FE1026}"/>
+              </a:ext>
+            </a:extLst>
+          </p:cNvPr>
+          <p:cNvGraphicFramePr>
+            <a:graphicFrameLocks noGrp="1"/>
+          </p:cNvGraphicFramePr>
+          <p:nvPr>
+            <p:extLst>
+              <p:ext uri="{D42A27DB-BD31-4B8C-83A1-F6EECF244321}">
+                <p14:modId xmlns:p14="http://schemas.microsoft.com/office/powerpoint/2010/main" val="3594942471"/>
+              </p:ext>
+            </p:extLst>
+          </p:nvPr>
+        </p:nvGraphicFramePr>
+        <p:xfrm>
+          <a:off x="5713503" y="2152355"/>
+          <a:ext cx="5976754" cy="2785401"/>
+        </p:xfrm>
+        <a:graphic>
+          <a:graphicData uri="http://schemas.openxmlformats.org/drawingml/2006/table">
+            <a:tbl>
+              <a:tblPr firstRow="1" bandRow="1">
+                <a:tableStyleId>{5C22544A-7EE6-4342-B048-85BDC9FD1C3A}</a:tableStyleId>
+              </a:tblPr>
+              <a:tblGrid>
+                <a:gridCol w="1493449">
+                  <a:extLst>
+                    <a:ext uri="{9D8B030D-6E8A-4147-A177-3AD203B41FA5}">
+                      <a16:colId xmlns:a16="http://schemas.microsoft.com/office/drawing/2014/main" val="995733403"/>
+                    </a:ext>
+                  </a:extLst>
+                </a:gridCol>
+                <a:gridCol w="1494435">
+                  <a:extLst>
+                    <a:ext uri="{9D8B030D-6E8A-4147-A177-3AD203B41FA5}">
+                      <a16:colId xmlns:a16="http://schemas.microsoft.com/office/drawing/2014/main" val="3678549874"/>
+                    </a:ext>
+                  </a:extLst>
+                </a:gridCol>
+                <a:gridCol w="1494435">
+                  <a:extLst>
+                    <a:ext uri="{9D8B030D-6E8A-4147-A177-3AD203B41FA5}">
+                      <a16:colId xmlns:a16="http://schemas.microsoft.com/office/drawing/2014/main" val="967120097"/>
+                    </a:ext>
+                  </a:extLst>
+                </a:gridCol>
+                <a:gridCol w="1494435">
+                  <a:extLst>
+                    <a:ext uri="{9D8B030D-6E8A-4147-A177-3AD203B41FA5}">
+                      <a16:colId xmlns:a16="http://schemas.microsoft.com/office/drawing/2014/main" val="1564495358"/>
+                    </a:ext>
+                  </a:extLst>
+                </a:gridCol>
+              </a:tblGrid>
+              <a:tr h="928467">
+                <a:tc>
+                  <a:txBody>
+                    <a:bodyPr/>
+                    <a:lstStyle/>
+                    <a:p>
+                      <a:pPr algn="ctr"/>
+                      <a:r>
+                        <a:rPr lang="es-AR" sz="1500" dirty="0"/>
+                        <a:t>Variable de Control</a:t>
+                      </a:r>
+                    </a:p>
+                  </a:txBody>
+                  <a:tcPr marL="75845" marR="75845" marT="37922" marB="37922" anchor="ctr"/>
+                </a:tc>
+                <a:tc>
+                  <a:txBody>
+                    <a:bodyPr/>
+                    <a:lstStyle/>
+                    <a:p>
+                      <a:pPr algn="ctr"/>
+                      <a:r>
+                        <a:rPr lang="es-AR" sz="1500"/>
+                        <a:t>Escenario 1 (actual)</a:t>
+                      </a:r>
+                    </a:p>
+                  </a:txBody>
+                  <a:tcPr marL="75845" marR="75845" marT="37922" marB="37922" anchor="ctr"/>
+                </a:tc>
+                <a:tc>
+                  <a:txBody>
+                    <a:bodyPr/>
+                    <a:lstStyle/>
+                    <a:p>
+                      <a:pPr algn="ctr"/>
+                      <a:r>
+                        <a:rPr lang="es-AR" sz="1500"/>
+                        <a:t>Escenario 2</a:t>
+                      </a:r>
+                    </a:p>
+                  </a:txBody>
+                  <a:tcPr marL="75845" marR="75845" marT="37922" marB="37922" anchor="ctr"/>
+                </a:tc>
+                <a:tc>
+                  <a:txBody>
+                    <a:bodyPr/>
+                    <a:lstStyle/>
+                    <a:p>
+                      <a:pPr algn="ctr"/>
+                      <a:r>
+                        <a:rPr lang="es-AR" sz="1500"/>
+                        <a:t>Escenario 3</a:t>
+                      </a:r>
+                    </a:p>
+                  </a:txBody>
+                  <a:tcPr marL="75845" marR="75845" marT="37922" marB="37922" anchor="ctr"/>
+                </a:tc>
+                <a:extLst>
+                  <a:ext uri="{0D108BD9-81ED-4DB2-BD59-A6C34878D82A}">
+                    <a16:rowId xmlns:a16="http://schemas.microsoft.com/office/drawing/2014/main" val="3397976400"/>
+                  </a:ext>
+                </a:extLst>
+              </a:tr>
+              <a:tr h="928467">
+                <a:tc>
+                  <a:txBody>
+                    <a:bodyPr/>
+                    <a:lstStyle/>
+                    <a:p>
+                      <a:pPr marL="0" marR="0" lvl="0" indent="0" algn="ctr" defTabSz="914400" rtl="0" eaLnBrk="1" fontAlgn="auto" latinLnBrk="0" hangingPunct="1">
+                        <a:lnSpc>
+                          <a:spcPct val="100000"/>
+                        </a:lnSpc>
+                        <a:spcBef>
+                          <a:spcPts val="0"/>
+                        </a:spcBef>
+                        <a:spcAft>
+                          <a:spcPts val="0"/>
+                        </a:spcAft>
+                        <a:buClrTx/>
+                        <a:buSzTx/>
+                        <a:buFontTx/>
+                        <a:buNone/>
+                        <a:tabLst/>
+                        <a:defRPr/>
+                      </a:pPr>
+                      <a:r>
+                        <a:rPr lang="es-AR" sz="1500"/>
+                        <a:t>Operadores SAP</a:t>
+                      </a:r>
+                    </a:p>
+                  </a:txBody>
+                  <a:tcPr marL="75845" marR="75845" marT="37922" marB="37922" anchor="ctr"/>
+                </a:tc>
+                <a:tc>
+                  <a:txBody>
+                    <a:bodyPr/>
+                    <a:lstStyle/>
+                    <a:p>
+                      <a:pPr algn="ctr"/>
+                      <a:r>
+                        <a:rPr lang="es-AR" sz="1500"/>
+                        <a:t>1</a:t>
+                      </a:r>
+                    </a:p>
+                  </a:txBody>
+                  <a:tcPr marL="75845" marR="75845" marT="37922" marB="37922" anchor="ctr"/>
+                </a:tc>
+                <a:tc>
+                  <a:txBody>
+                    <a:bodyPr/>
+                    <a:lstStyle/>
+                    <a:p>
+                      <a:pPr algn="ctr"/>
+                      <a:r>
+                        <a:rPr lang="es-AR" sz="1500"/>
+                        <a:t>2</a:t>
+                      </a:r>
+                    </a:p>
+                  </a:txBody>
+                  <a:tcPr marL="75845" marR="75845" marT="37922" marB="37922" anchor="ctr"/>
+                </a:tc>
+                <a:tc>
+                  <a:txBody>
+                    <a:bodyPr/>
+                    <a:lstStyle/>
+                    <a:p>
+                      <a:pPr algn="ctr"/>
+                      <a:r>
+                        <a:rPr lang="es-AR" sz="1500"/>
+                        <a:t>3</a:t>
+                      </a:r>
+                    </a:p>
+                  </a:txBody>
+                  <a:tcPr marL="75845" marR="75845" marT="37922" marB="37922" anchor="ctr"/>
+                </a:tc>
+                <a:extLst>
+                  <a:ext uri="{0D108BD9-81ED-4DB2-BD59-A6C34878D82A}">
+                    <a16:rowId xmlns:a16="http://schemas.microsoft.com/office/drawing/2014/main" val="2695858497"/>
+                  </a:ext>
+                </a:extLst>
+              </a:tr>
+              <a:tr h="928467">
+                <a:tc>
+                  <a:txBody>
+                    <a:bodyPr/>
+                    <a:lstStyle/>
+                    <a:p>
+                      <a:pPr marL="0" marR="0" lvl="0" indent="0" algn="ctr" defTabSz="914400" rtl="0" eaLnBrk="1" fontAlgn="auto" latinLnBrk="0" hangingPunct="1">
+                        <a:lnSpc>
+                          <a:spcPct val="100000"/>
+                        </a:lnSpc>
+                        <a:spcBef>
+                          <a:spcPts val="0"/>
+                        </a:spcBef>
+                        <a:spcAft>
+                          <a:spcPts val="0"/>
+                        </a:spcAft>
+                        <a:buClrTx/>
+                        <a:buSzTx/>
+                        <a:buFontTx/>
+                        <a:buNone/>
+                        <a:tabLst/>
+                        <a:defRPr/>
+                      </a:pPr>
+                      <a:r>
+                        <a:rPr lang="es-AR" sz="1500"/>
+                        <a:t>Operadores MDSTI</a:t>
+                      </a:r>
+                    </a:p>
+                  </a:txBody>
+                  <a:tcPr marL="75845" marR="75845" marT="37922" marB="37922" anchor="ctr"/>
+                </a:tc>
+                <a:tc>
+                  <a:txBody>
+                    <a:bodyPr/>
+                    <a:lstStyle/>
+                    <a:p>
+                      <a:pPr algn="ctr"/>
+                      <a:r>
+                        <a:rPr lang="es-AR" sz="1500"/>
+                        <a:t>3</a:t>
+                      </a:r>
+                    </a:p>
+                  </a:txBody>
+                  <a:tcPr marL="75845" marR="75845" marT="37922" marB="37922" anchor="ctr"/>
+                </a:tc>
+                <a:tc>
+                  <a:txBody>
+                    <a:bodyPr/>
+                    <a:lstStyle/>
+                    <a:p>
+                      <a:pPr algn="ctr"/>
+                      <a:r>
+                        <a:rPr lang="es-AR" sz="1500"/>
+                        <a:t>6</a:t>
+                      </a:r>
+                    </a:p>
+                  </a:txBody>
+                  <a:tcPr marL="75845" marR="75845" marT="37922" marB="37922" anchor="ctr"/>
+                </a:tc>
+                <a:tc>
+                  <a:txBody>
+                    <a:bodyPr/>
+                    <a:lstStyle/>
+                    <a:p>
+                      <a:pPr algn="ctr"/>
+                      <a:r>
+                        <a:rPr lang="es-AR" sz="1500" dirty="0"/>
+                        <a:t>9</a:t>
+                      </a:r>
+                    </a:p>
+                  </a:txBody>
+                  <a:tcPr marL="75845" marR="75845" marT="37922" marB="37922" anchor="ctr"/>
+                </a:tc>
+                <a:extLst>
+                  <a:ext uri="{0D108BD9-81ED-4DB2-BD59-A6C34878D82A}">
+                    <a16:rowId xmlns:a16="http://schemas.microsoft.com/office/drawing/2014/main" val="2159754249"/>
+                  </a:ext>
+                </a:extLst>
+              </a:tr>
+            </a:tbl>
+          </a:graphicData>
+        </a:graphic>
+      </p:graphicFrame>
     </p:spTree>
     <p:extLst>
       <p:ext uri="{BB962C8B-B14F-4D97-AF65-F5344CB8AC3E}">
@@ -7916,17 +9218,62 @@
   <p:clrMapOvr>
     <a:masterClrMapping/>
   </p:clrMapOvr>
-  <p:timing>
-    <p:tnLst>
-      <p:par>
-        <p:cTn id="1" dur="indefinite" restart="never" nodeType="tmRoot"/>
-      </p:par>
-    </p:tnLst>
-  </p:timing>
 </p:sld>
 </file>
 
 <file path=ppt/slides/slide6.xml><?xml version="1.0" encoding="utf-8"?>
+<p:sld xmlns:a="http://schemas.openxmlformats.org/drawingml/2006/main" xmlns:r="http://schemas.openxmlformats.org/officeDocument/2006/relationships" xmlns:p="http://schemas.openxmlformats.org/presentationml/2006/main">
+  <p:cSld>
+    <p:spTree>
+      <p:nvGrpSpPr>
+        <p:cNvPr id="1" name=""/>
+        <p:cNvGrpSpPr/>
+        <p:nvPr/>
+      </p:nvGrpSpPr>
+      <p:grpSpPr>
+        <a:xfrm>
+          <a:off x="0" y="0"/>
+          <a:ext cx="0" cy="0"/>
+          <a:chOff x="0" y="0"/>
+          <a:chExt cx="0" cy="0"/>
+        </a:xfrm>
+      </p:grpSpPr>
+      <p:pic>
+        <p:nvPicPr>
+          <p:cNvPr id="3" name="Picture">
+            <a:hlinkClick r:id="rId2"/>
+          </p:cNvPr>
+          <p:cNvPicPr>
+            <a:picLocks noChangeAspect="1"/>
+          </p:cNvPicPr>
+          <p:nvPr/>
+        </p:nvPicPr>
+        <p:blipFill>
+          <a:blip r:embed="rId3"/>
+          <a:stretch>
+            <a:fillRect/>
+          </a:stretch>
+        </p:blipFill>
+        <p:spPr>
+          <a:xfrm>
+            <a:off x="76200" y="0"/>
+            <a:ext cx="12020550" cy="6858000"/>
+          </a:xfrm>
+          <a:prstGeom prst="rect">
+            <a:avLst/>
+          </a:prstGeom>
+          <a:noFill/>
+        </p:spPr>
+      </p:pic>
+    </p:spTree>
+  </p:cSld>
+  <p:clrMapOvr>
+    <a:masterClrMapping/>
+  </p:clrMapOvr>
+</p:sld>
+</file>
+
+<file path=ppt/slides/slide7.xml><?xml version="1.0" encoding="utf-8"?>
 <p:sld xmlns:a="http://schemas.openxmlformats.org/drawingml/2006/main" xmlns:r="http://schemas.openxmlformats.org/officeDocument/2006/relationships" xmlns:p="http://schemas.openxmlformats.org/presentationml/2006/main">
   <p:cSld>
     <p:spTree>
@@ -7948,10 +9295,10 @@
           <p:cNvPr id="9" name="Rectangle 8">
             <a:extLst>
               <a:ext uri="{FF2B5EF4-FFF2-40B4-BE49-F238E27FC236}">
-                <a16:creationId xmlns="" xmlns:a16="http://schemas.microsoft.com/office/drawing/2014/main" id="{23962611-DFD5-4092-AAFD-559E3DFCE2C9}"/>
+                <a16:creationId xmlns:a16="http://schemas.microsoft.com/office/drawing/2014/main" id="{23962611-DFD5-4092-AAFD-559E3DFCE2C9}"/>
               </a:ext>
               <a:ext uri="{C183D7F6-B498-43B3-948B-1728B52AA6E4}">
-                <adec:decorative xmlns="" xmlns:adec="http://schemas.microsoft.com/office/drawing/2017/decorative" val="1"/>
+                <adec:decorative xmlns:adec="http://schemas.microsoft.com/office/drawing/2017/decorative" val="1"/>
               </a:ext>
             </a:extLst>
           </p:cNvPr>
@@ -7961,7 +9308,7 @@
           <p:nvPr>
             <p:extLst>
               <p:ext uri="{386F3935-93C4-4BCD-93E2-E3B085C9AB24}">
-                <p16:designElem xmlns="" xmlns:p16="http://schemas.microsoft.com/office/powerpoint/2015/main" val="1"/>
+                <p16:designElem xmlns:p16="http://schemas.microsoft.com/office/powerpoint/2015/main" val="1"/>
               </p:ext>
             </p:extLst>
           </p:nvPr>
@@ -8033,10 +9380,10 @@
           <p:cNvPr id="11" name="Picture 10">
             <a:extLst>
               <a:ext uri="{FF2B5EF4-FFF2-40B4-BE49-F238E27FC236}">
-                <a16:creationId xmlns="" xmlns:a16="http://schemas.microsoft.com/office/drawing/2014/main" id="{2270F1FA-0425-408F-9861-80BF5AFB276D}"/>
+                <a16:creationId xmlns:a16="http://schemas.microsoft.com/office/drawing/2014/main" id="{2270F1FA-0425-408F-9861-80BF5AFB276D}"/>
               </a:ext>
               <a:ext uri="{C183D7F6-B498-43B3-948B-1728B52AA6E4}">
-                <adec:decorative xmlns="" xmlns:adec="http://schemas.microsoft.com/office/drawing/2017/decorative" val="1"/>
+                <adec:decorative xmlns:adec="http://schemas.microsoft.com/office/drawing/2017/decorative" val="1"/>
               </a:ext>
             </a:extLst>
           </p:cNvPr>
@@ -8046,7 +9393,7 @@
           <p:nvPr>
             <p:extLst>
               <p:ext uri="{386F3935-93C4-4BCD-93E2-E3B085C9AB24}">
-                <p16:designElem xmlns="" xmlns:p16="http://schemas.microsoft.com/office/powerpoint/2015/main" val="1"/>
+                <p16:designElem xmlns:p16="http://schemas.microsoft.com/office/powerpoint/2015/main" val="1"/>
               </p:ext>
             </p:extLst>
           </p:nvPr>
@@ -8085,8 +9432,8 @@
         </p:nvSpPr>
         <p:spPr>
           <a:xfrm>
-            <a:off x="2878037" y="1522146"/>
-            <a:ext cx="6105194" cy="902737"/>
+            <a:off x="3829877" y="2928732"/>
+            <a:ext cx="4605066" cy="907448"/>
           </a:xfrm>
         </p:spPr>
         <p:txBody>
@@ -8097,1771 +9444,7 @@
           <a:p>
             <a:pPr algn="ctr"/>
             <a:r>
-              <a:rPr lang="en-US" sz="6000" u="sng" kern="1200" dirty="0" smtClean="0">
-                <a:solidFill>
-                  <a:srgbClr val="FFFFFF"/>
-                </a:solidFill>
-                <a:latin typeface="+mj-lt"/>
-                <a:ea typeface="+mj-ea"/>
-                <a:cs typeface="+mj-cs"/>
-              </a:rPr>
-              <a:t>Segundo </a:t>
-            </a:r>
-            <a:r>
-              <a:rPr lang="en-US" sz="6000" u="sng" kern="1200" dirty="0" err="1" smtClean="0">
-                <a:solidFill>
-                  <a:srgbClr val="FFFFFF"/>
-                </a:solidFill>
-                <a:latin typeface="+mj-lt"/>
-                <a:ea typeface="+mj-ea"/>
-                <a:cs typeface="+mj-cs"/>
-              </a:rPr>
-              <a:t>escenario</a:t>
-            </a:r>
-            <a:endParaRPr lang="en-US" sz="6000" u="sng" kern="1200" dirty="0">
-              <a:solidFill>
-                <a:srgbClr val="FFFFFF"/>
-              </a:solidFill>
-              <a:latin typeface="+mj-lt"/>
-              <a:ea typeface="+mj-ea"/>
-              <a:cs typeface="+mj-cs"/>
-            </a:endParaRPr>
-          </a:p>
-        </p:txBody>
-      </p:sp>
-      <p:sp>
-        <p:nvSpPr>
-          <p:cNvPr id="3" name="Content Placeholder 2"/>
-          <p:cNvSpPr>
-            <a:spLocks noGrp="1"/>
-          </p:cNvSpPr>
-          <p:nvPr>
-            <p:ph idx="1"/>
-          </p:nvPr>
-        </p:nvSpPr>
-        <p:spPr>
-          <a:xfrm>
-            <a:off x="3043403" y="2825038"/>
-            <a:ext cx="6105194" cy="682079"/>
-          </a:xfrm>
-        </p:spPr>
-        <p:txBody>
-          <a:bodyPr vert="horz" lIns="91440" tIns="45720" rIns="91440" bIns="45720" rtlCol="0">
-            <a:normAutofit/>
-          </a:bodyPr>
-          <a:lstStyle/>
-          <a:p>
-            <a:pPr marL="0" indent="0" algn="ctr">
-              <a:buNone/>
-            </a:pPr>
-            <a:r>
-              <a:rPr lang="en-US" sz="2000" dirty="0" smtClean="0">
-                <a:solidFill>
-                  <a:srgbClr val="FFFFFF"/>
-                </a:solidFill>
-              </a:rPr>
-              <a:t>N </a:t>
-            </a:r>
-            <a:r>
-              <a:rPr lang="en-US" sz="2000" dirty="0" err="1" smtClean="0">
-                <a:solidFill>
-                  <a:srgbClr val="FFFFFF"/>
-                </a:solidFill>
-              </a:rPr>
-              <a:t>operadores</a:t>
-            </a:r>
-            <a:r>
-              <a:rPr lang="en-US" sz="2000" dirty="0" smtClean="0">
-                <a:solidFill>
-                  <a:srgbClr val="FFFFFF"/>
-                </a:solidFill>
-              </a:rPr>
-              <a:t> SAP y M </a:t>
-            </a:r>
-            <a:r>
-              <a:rPr lang="en-US" sz="2000" dirty="0" err="1" smtClean="0">
-                <a:solidFill>
-                  <a:srgbClr val="FFFFFF"/>
-                </a:solidFill>
-              </a:rPr>
-              <a:t>operadores</a:t>
-            </a:r>
-            <a:r>
-              <a:rPr lang="en-US" sz="2000" dirty="0" smtClean="0">
-                <a:solidFill>
-                  <a:srgbClr val="FFFFFF"/>
-                </a:solidFill>
-              </a:rPr>
-              <a:t> MDSTI</a:t>
-            </a:r>
-            <a:endParaRPr lang="en-US" sz="2000" kern="1200" dirty="0">
-              <a:solidFill>
-                <a:srgbClr val="FFFFFF"/>
-              </a:solidFill>
-              <a:latin typeface="+mn-lt"/>
-              <a:ea typeface="+mn-ea"/>
-              <a:cs typeface="+mn-cs"/>
-            </a:endParaRPr>
-          </a:p>
-        </p:txBody>
-      </p:sp>
-      <p:sp>
-        <p:nvSpPr>
-          <p:cNvPr id="6" name="Content Placeholder 2"/>
-          <p:cNvSpPr txBox="1">
-            <a:spLocks/>
-          </p:cNvSpPr>
-          <p:nvPr/>
-        </p:nvSpPr>
-        <p:spPr>
-          <a:xfrm>
-            <a:off x="2962123" y="3429000"/>
-            <a:ext cx="6105194" cy="1447800"/>
-          </a:xfrm>
-          <a:prstGeom prst="rect">
-            <a:avLst/>
-          </a:prstGeom>
-        </p:spPr>
-        <p:txBody>
-          <a:bodyPr vert="horz" lIns="91440" tIns="45720" rIns="91440" bIns="45720" rtlCol="0">
-            <a:normAutofit/>
-          </a:bodyPr>
-          <a:lstStyle>
-            <a:lvl1pPr marL="228600" indent="-228600" algn="l" defTabSz="914400" rtl="0" eaLnBrk="1" latinLnBrk="0" hangingPunct="1">
-              <a:lnSpc>
-                <a:spcPct val="90000"/>
-              </a:lnSpc>
-              <a:spcBef>
-                <a:spcPts val="1000"/>
-              </a:spcBef>
-              <a:buFont typeface="Arial" panose="020B0604020202020204" pitchFamily="34" charset="0"/>
-              <a:buChar char="•"/>
-              <a:defRPr sz="2800" kern="1200">
-                <a:solidFill>
-                  <a:schemeClr val="tx1"/>
-                </a:solidFill>
-                <a:latin typeface="+mn-lt"/>
-                <a:ea typeface="+mn-ea"/>
-                <a:cs typeface="+mn-cs"/>
-              </a:defRPr>
-            </a:lvl1pPr>
-            <a:lvl2pPr marL="685800" indent="-228600" algn="l" defTabSz="914400" rtl="0" eaLnBrk="1" latinLnBrk="0" hangingPunct="1">
-              <a:lnSpc>
-                <a:spcPct val="90000"/>
-              </a:lnSpc>
-              <a:spcBef>
-                <a:spcPts val="500"/>
-              </a:spcBef>
-              <a:buFont typeface="Arial" panose="020B0604020202020204" pitchFamily="34" charset="0"/>
-              <a:buChar char="•"/>
-              <a:defRPr sz="2400" kern="1200">
-                <a:solidFill>
-                  <a:schemeClr val="tx1"/>
-                </a:solidFill>
-                <a:latin typeface="+mn-lt"/>
-                <a:ea typeface="+mn-ea"/>
-                <a:cs typeface="+mn-cs"/>
-              </a:defRPr>
-            </a:lvl2pPr>
-            <a:lvl3pPr marL="1143000" indent="-228600" algn="l" defTabSz="914400" rtl="0" eaLnBrk="1" latinLnBrk="0" hangingPunct="1">
-              <a:lnSpc>
-                <a:spcPct val="90000"/>
-              </a:lnSpc>
-              <a:spcBef>
-                <a:spcPts val="500"/>
-              </a:spcBef>
-              <a:buFont typeface="Arial" panose="020B0604020202020204" pitchFamily="34" charset="0"/>
-              <a:buChar char="•"/>
-              <a:defRPr sz="2000" kern="1200">
-                <a:solidFill>
-                  <a:schemeClr val="tx1"/>
-                </a:solidFill>
-                <a:latin typeface="+mn-lt"/>
-                <a:ea typeface="+mn-ea"/>
-                <a:cs typeface="+mn-cs"/>
-              </a:defRPr>
-            </a:lvl3pPr>
-            <a:lvl4pPr marL="1600200" indent="-228600" algn="l" defTabSz="914400" rtl="0" eaLnBrk="1" latinLnBrk="0" hangingPunct="1">
-              <a:lnSpc>
-                <a:spcPct val="90000"/>
-              </a:lnSpc>
-              <a:spcBef>
-                <a:spcPts val="500"/>
-              </a:spcBef>
-              <a:buFont typeface="Arial" panose="020B0604020202020204" pitchFamily="34" charset="0"/>
-              <a:buChar char="•"/>
-              <a:defRPr sz="1800" kern="1200">
-                <a:solidFill>
-                  <a:schemeClr val="tx1"/>
-                </a:solidFill>
-                <a:latin typeface="+mn-lt"/>
-                <a:ea typeface="+mn-ea"/>
-                <a:cs typeface="+mn-cs"/>
-              </a:defRPr>
-            </a:lvl4pPr>
-            <a:lvl5pPr marL="2057400" indent="-228600" algn="l" defTabSz="914400" rtl="0" eaLnBrk="1" latinLnBrk="0" hangingPunct="1">
-              <a:lnSpc>
-                <a:spcPct val="90000"/>
-              </a:lnSpc>
-              <a:spcBef>
-                <a:spcPts val="500"/>
-              </a:spcBef>
-              <a:buFont typeface="Arial" panose="020B0604020202020204" pitchFamily="34" charset="0"/>
-              <a:buChar char="•"/>
-              <a:defRPr sz="1800" kern="1200">
-                <a:solidFill>
-                  <a:schemeClr val="tx1"/>
-                </a:solidFill>
-                <a:latin typeface="+mn-lt"/>
-                <a:ea typeface="+mn-ea"/>
-                <a:cs typeface="+mn-cs"/>
-              </a:defRPr>
-            </a:lvl5pPr>
-            <a:lvl6pPr marL="2514600" indent="-228600" algn="l" defTabSz="914400" rtl="0" eaLnBrk="1" latinLnBrk="0" hangingPunct="1">
-              <a:lnSpc>
-                <a:spcPct val="90000"/>
-              </a:lnSpc>
-              <a:spcBef>
-                <a:spcPts val="500"/>
-              </a:spcBef>
-              <a:buFont typeface="Arial" panose="020B0604020202020204" pitchFamily="34" charset="0"/>
-              <a:buChar char="•"/>
-              <a:defRPr sz="1800" kern="1200">
-                <a:solidFill>
-                  <a:schemeClr val="tx1"/>
-                </a:solidFill>
-                <a:latin typeface="+mn-lt"/>
-                <a:ea typeface="+mn-ea"/>
-                <a:cs typeface="+mn-cs"/>
-              </a:defRPr>
-            </a:lvl6pPr>
-            <a:lvl7pPr marL="2971800" indent="-228600" algn="l" defTabSz="914400" rtl="0" eaLnBrk="1" latinLnBrk="0" hangingPunct="1">
-              <a:lnSpc>
-                <a:spcPct val="90000"/>
-              </a:lnSpc>
-              <a:spcBef>
-                <a:spcPts val="500"/>
-              </a:spcBef>
-              <a:buFont typeface="Arial" panose="020B0604020202020204" pitchFamily="34" charset="0"/>
-              <a:buChar char="•"/>
-              <a:defRPr sz="1800" kern="1200">
-                <a:solidFill>
-                  <a:schemeClr val="tx1"/>
-                </a:solidFill>
-                <a:latin typeface="+mn-lt"/>
-                <a:ea typeface="+mn-ea"/>
-                <a:cs typeface="+mn-cs"/>
-              </a:defRPr>
-            </a:lvl7pPr>
-            <a:lvl8pPr marL="3429000" indent="-228600" algn="l" defTabSz="914400" rtl="0" eaLnBrk="1" latinLnBrk="0" hangingPunct="1">
-              <a:lnSpc>
-                <a:spcPct val="90000"/>
-              </a:lnSpc>
-              <a:spcBef>
-                <a:spcPts val="500"/>
-              </a:spcBef>
-              <a:buFont typeface="Arial" panose="020B0604020202020204" pitchFamily="34" charset="0"/>
-              <a:buChar char="•"/>
-              <a:defRPr sz="1800" kern="1200">
-                <a:solidFill>
-                  <a:schemeClr val="tx1"/>
-                </a:solidFill>
-                <a:latin typeface="+mn-lt"/>
-                <a:ea typeface="+mn-ea"/>
-                <a:cs typeface="+mn-cs"/>
-              </a:defRPr>
-            </a:lvl8pPr>
-            <a:lvl9pPr marL="3886200" indent="-228600" algn="l" defTabSz="914400" rtl="0" eaLnBrk="1" latinLnBrk="0" hangingPunct="1">
-              <a:lnSpc>
-                <a:spcPct val="90000"/>
-              </a:lnSpc>
-              <a:spcBef>
-                <a:spcPts val="500"/>
-              </a:spcBef>
-              <a:buFont typeface="Arial" panose="020B0604020202020204" pitchFamily="34" charset="0"/>
-              <a:buChar char="•"/>
-              <a:defRPr sz="1800" kern="1200">
-                <a:solidFill>
-                  <a:schemeClr val="tx1"/>
-                </a:solidFill>
-                <a:latin typeface="+mn-lt"/>
-                <a:ea typeface="+mn-ea"/>
-                <a:cs typeface="+mn-cs"/>
-              </a:defRPr>
-            </a:lvl9pPr>
-          </a:lstStyle>
-          <a:p>
-            <a:pPr marL="0" indent="0" algn="ctr">
-              <a:buFont typeface="Arial" panose="020B0604020202020204" pitchFamily="34" charset="0"/>
-              <a:buNone/>
-            </a:pPr>
-            <a:endParaRPr lang="en-US" sz="2000" dirty="0">
-              <a:solidFill>
-                <a:srgbClr val="FFFFFF"/>
-              </a:solidFill>
-            </a:endParaRPr>
-          </a:p>
-        </p:txBody>
-      </p:sp>
-      <p:sp>
-        <p:nvSpPr>
-          <p:cNvPr id="7" name="Content Placeholder 2"/>
-          <p:cNvSpPr txBox="1">
-            <a:spLocks/>
-          </p:cNvSpPr>
-          <p:nvPr/>
-        </p:nvSpPr>
-        <p:spPr>
-          <a:xfrm>
-            <a:off x="3074849" y="3507117"/>
-            <a:ext cx="6105194" cy="1433371"/>
-          </a:xfrm>
-          <a:prstGeom prst="rect">
-            <a:avLst/>
-          </a:prstGeom>
-        </p:spPr>
-        <p:txBody>
-          <a:bodyPr vert="horz" lIns="91440" tIns="45720" rIns="91440" bIns="45720" rtlCol="0">
-            <a:normAutofit/>
-          </a:bodyPr>
-          <a:lstStyle>
-            <a:lvl1pPr marL="228600" indent="-228600" algn="l" defTabSz="914400" rtl="0" eaLnBrk="1" latinLnBrk="0" hangingPunct="1">
-              <a:lnSpc>
-                <a:spcPct val="90000"/>
-              </a:lnSpc>
-              <a:spcBef>
-                <a:spcPts val="1000"/>
-              </a:spcBef>
-              <a:buFont typeface="Arial" panose="020B0604020202020204" pitchFamily="34" charset="0"/>
-              <a:buChar char="•"/>
-              <a:defRPr sz="2800" kern="1200">
-                <a:solidFill>
-                  <a:schemeClr val="tx1"/>
-                </a:solidFill>
-                <a:latin typeface="+mn-lt"/>
-                <a:ea typeface="+mn-ea"/>
-                <a:cs typeface="+mn-cs"/>
-              </a:defRPr>
-            </a:lvl1pPr>
-            <a:lvl2pPr marL="685800" indent="-228600" algn="l" defTabSz="914400" rtl="0" eaLnBrk="1" latinLnBrk="0" hangingPunct="1">
-              <a:lnSpc>
-                <a:spcPct val="90000"/>
-              </a:lnSpc>
-              <a:spcBef>
-                <a:spcPts val="500"/>
-              </a:spcBef>
-              <a:buFont typeface="Arial" panose="020B0604020202020204" pitchFamily="34" charset="0"/>
-              <a:buChar char="•"/>
-              <a:defRPr sz="2400" kern="1200">
-                <a:solidFill>
-                  <a:schemeClr val="tx1"/>
-                </a:solidFill>
-                <a:latin typeface="+mn-lt"/>
-                <a:ea typeface="+mn-ea"/>
-                <a:cs typeface="+mn-cs"/>
-              </a:defRPr>
-            </a:lvl2pPr>
-            <a:lvl3pPr marL="1143000" indent="-228600" algn="l" defTabSz="914400" rtl="0" eaLnBrk="1" latinLnBrk="0" hangingPunct="1">
-              <a:lnSpc>
-                <a:spcPct val="90000"/>
-              </a:lnSpc>
-              <a:spcBef>
-                <a:spcPts val="500"/>
-              </a:spcBef>
-              <a:buFont typeface="Arial" panose="020B0604020202020204" pitchFamily="34" charset="0"/>
-              <a:buChar char="•"/>
-              <a:defRPr sz="2000" kern="1200">
-                <a:solidFill>
-                  <a:schemeClr val="tx1"/>
-                </a:solidFill>
-                <a:latin typeface="+mn-lt"/>
-                <a:ea typeface="+mn-ea"/>
-                <a:cs typeface="+mn-cs"/>
-              </a:defRPr>
-            </a:lvl3pPr>
-            <a:lvl4pPr marL="1600200" indent="-228600" algn="l" defTabSz="914400" rtl="0" eaLnBrk="1" latinLnBrk="0" hangingPunct="1">
-              <a:lnSpc>
-                <a:spcPct val="90000"/>
-              </a:lnSpc>
-              <a:spcBef>
-                <a:spcPts val="500"/>
-              </a:spcBef>
-              <a:buFont typeface="Arial" panose="020B0604020202020204" pitchFamily="34" charset="0"/>
-              <a:buChar char="•"/>
-              <a:defRPr sz="1800" kern="1200">
-                <a:solidFill>
-                  <a:schemeClr val="tx1"/>
-                </a:solidFill>
-                <a:latin typeface="+mn-lt"/>
-                <a:ea typeface="+mn-ea"/>
-                <a:cs typeface="+mn-cs"/>
-              </a:defRPr>
-            </a:lvl4pPr>
-            <a:lvl5pPr marL="2057400" indent="-228600" algn="l" defTabSz="914400" rtl="0" eaLnBrk="1" latinLnBrk="0" hangingPunct="1">
-              <a:lnSpc>
-                <a:spcPct val="90000"/>
-              </a:lnSpc>
-              <a:spcBef>
-                <a:spcPts val="500"/>
-              </a:spcBef>
-              <a:buFont typeface="Arial" panose="020B0604020202020204" pitchFamily="34" charset="0"/>
-              <a:buChar char="•"/>
-              <a:defRPr sz="1800" kern="1200">
-                <a:solidFill>
-                  <a:schemeClr val="tx1"/>
-                </a:solidFill>
-                <a:latin typeface="+mn-lt"/>
-                <a:ea typeface="+mn-ea"/>
-                <a:cs typeface="+mn-cs"/>
-              </a:defRPr>
-            </a:lvl5pPr>
-            <a:lvl6pPr marL="2514600" indent="-228600" algn="l" defTabSz="914400" rtl="0" eaLnBrk="1" latinLnBrk="0" hangingPunct="1">
-              <a:lnSpc>
-                <a:spcPct val="90000"/>
-              </a:lnSpc>
-              <a:spcBef>
-                <a:spcPts val="500"/>
-              </a:spcBef>
-              <a:buFont typeface="Arial" panose="020B0604020202020204" pitchFamily="34" charset="0"/>
-              <a:buChar char="•"/>
-              <a:defRPr sz="1800" kern="1200">
-                <a:solidFill>
-                  <a:schemeClr val="tx1"/>
-                </a:solidFill>
-                <a:latin typeface="+mn-lt"/>
-                <a:ea typeface="+mn-ea"/>
-                <a:cs typeface="+mn-cs"/>
-              </a:defRPr>
-            </a:lvl6pPr>
-            <a:lvl7pPr marL="2971800" indent="-228600" algn="l" defTabSz="914400" rtl="0" eaLnBrk="1" latinLnBrk="0" hangingPunct="1">
-              <a:lnSpc>
-                <a:spcPct val="90000"/>
-              </a:lnSpc>
-              <a:spcBef>
-                <a:spcPts val="500"/>
-              </a:spcBef>
-              <a:buFont typeface="Arial" panose="020B0604020202020204" pitchFamily="34" charset="0"/>
-              <a:buChar char="•"/>
-              <a:defRPr sz="1800" kern="1200">
-                <a:solidFill>
-                  <a:schemeClr val="tx1"/>
-                </a:solidFill>
-                <a:latin typeface="+mn-lt"/>
-                <a:ea typeface="+mn-ea"/>
-                <a:cs typeface="+mn-cs"/>
-              </a:defRPr>
-            </a:lvl7pPr>
-            <a:lvl8pPr marL="3429000" indent="-228600" algn="l" defTabSz="914400" rtl="0" eaLnBrk="1" latinLnBrk="0" hangingPunct="1">
-              <a:lnSpc>
-                <a:spcPct val="90000"/>
-              </a:lnSpc>
-              <a:spcBef>
-                <a:spcPts val="500"/>
-              </a:spcBef>
-              <a:buFont typeface="Arial" panose="020B0604020202020204" pitchFamily="34" charset="0"/>
-              <a:buChar char="•"/>
-              <a:defRPr sz="1800" kern="1200">
-                <a:solidFill>
-                  <a:schemeClr val="tx1"/>
-                </a:solidFill>
-                <a:latin typeface="+mn-lt"/>
-                <a:ea typeface="+mn-ea"/>
-                <a:cs typeface="+mn-cs"/>
-              </a:defRPr>
-            </a:lvl8pPr>
-            <a:lvl9pPr marL="3886200" indent="-228600" algn="l" defTabSz="914400" rtl="0" eaLnBrk="1" latinLnBrk="0" hangingPunct="1">
-              <a:lnSpc>
-                <a:spcPct val="90000"/>
-              </a:lnSpc>
-              <a:spcBef>
-                <a:spcPts val="500"/>
-              </a:spcBef>
-              <a:buFont typeface="Arial" panose="020B0604020202020204" pitchFamily="34" charset="0"/>
-              <a:buChar char="•"/>
-              <a:defRPr sz="1800" kern="1200">
-                <a:solidFill>
-                  <a:schemeClr val="tx1"/>
-                </a:solidFill>
-                <a:latin typeface="+mn-lt"/>
-                <a:ea typeface="+mn-ea"/>
-                <a:cs typeface="+mn-cs"/>
-              </a:defRPr>
-            </a:lvl9pPr>
-          </a:lstStyle>
-          <a:p>
-            <a:pPr marL="0" indent="0">
-              <a:buFont typeface="Arial" panose="020B0604020202020204" pitchFamily="34" charset="0"/>
-              <a:buNone/>
-            </a:pPr>
-            <a:r>
-              <a:rPr lang="en-US" sz="2000" dirty="0" smtClean="0">
-                <a:solidFill>
-                  <a:srgbClr val="FFFFFF"/>
-                </a:solidFill>
-              </a:rPr>
-              <a:t>RESULTADO:</a:t>
-            </a:r>
-          </a:p>
-          <a:p>
-            <a:pPr>
-              <a:buFont typeface="Wingdings" panose="05000000000000000000" pitchFamily="2" charset="2"/>
-              <a:buChar char="ü"/>
-            </a:pPr>
-            <a:r>
-              <a:rPr lang="en-US" sz="2000" dirty="0" err="1" smtClean="0">
-                <a:solidFill>
-                  <a:srgbClr val="FFFFFF"/>
-                </a:solidFill>
-              </a:rPr>
-              <a:t>Porcentaje</a:t>
-            </a:r>
-            <a:r>
-              <a:rPr lang="en-US" sz="2000" dirty="0" smtClean="0">
-                <a:solidFill>
-                  <a:srgbClr val="FFFFFF"/>
-                </a:solidFill>
-              </a:rPr>
-              <a:t> de </a:t>
-            </a:r>
-            <a:r>
-              <a:rPr lang="en-US" sz="2000" dirty="0" err="1" smtClean="0">
-                <a:solidFill>
-                  <a:srgbClr val="FFFFFF"/>
-                </a:solidFill>
-              </a:rPr>
-              <a:t>tiempo</a:t>
-            </a:r>
-            <a:r>
-              <a:rPr lang="en-US" sz="2000" dirty="0" smtClean="0">
-                <a:solidFill>
-                  <a:srgbClr val="FFFFFF"/>
-                </a:solidFill>
-              </a:rPr>
-              <a:t> </a:t>
-            </a:r>
-            <a:r>
-              <a:rPr lang="en-US" sz="2000" dirty="0" err="1" smtClean="0">
-                <a:solidFill>
-                  <a:srgbClr val="FFFFFF"/>
-                </a:solidFill>
-              </a:rPr>
-              <a:t>ocioso</a:t>
-            </a:r>
-            <a:r>
-              <a:rPr lang="en-US" sz="2000" dirty="0" smtClean="0">
-                <a:solidFill>
-                  <a:srgbClr val="FFFFFF"/>
-                </a:solidFill>
-              </a:rPr>
-              <a:t>: xxx</a:t>
-            </a:r>
-          </a:p>
-          <a:p>
-            <a:pPr>
-              <a:buFont typeface="Wingdings" panose="05000000000000000000" pitchFamily="2" charset="2"/>
-              <a:buChar char="ü"/>
-            </a:pPr>
-            <a:r>
-              <a:rPr lang="en-US" sz="2000" dirty="0" err="1" smtClean="0">
-                <a:solidFill>
-                  <a:srgbClr val="FFFFFF"/>
-                </a:solidFill>
-              </a:rPr>
-              <a:t>Cantidad</a:t>
-            </a:r>
-            <a:r>
-              <a:rPr lang="en-US" sz="2000" dirty="0" smtClean="0">
-                <a:solidFill>
-                  <a:srgbClr val="FFFFFF"/>
-                </a:solidFill>
-              </a:rPr>
-              <a:t> de </a:t>
-            </a:r>
-            <a:r>
-              <a:rPr lang="en-US" sz="2000" dirty="0" err="1" smtClean="0">
-                <a:solidFill>
-                  <a:srgbClr val="FFFFFF"/>
-                </a:solidFill>
-              </a:rPr>
-              <a:t>llamadas</a:t>
-            </a:r>
-            <a:r>
-              <a:rPr lang="en-US" sz="2000" dirty="0" smtClean="0">
-                <a:solidFill>
-                  <a:srgbClr val="FFFFFF"/>
-                </a:solidFill>
-              </a:rPr>
-              <a:t> </a:t>
-            </a:r>
-            <a:r>
-              <a:rPr lang="en-US" sz="2000" dirty="0" err="1" smtClean="0">
-                <a:solidFill>
-                  <a:srgbClr val="FFFFFF"/>
-                </a:solidFill>
-              </a:rPr>
-              <a:t>atendidas</a:t>
-            </a:r>
-            <a:r>
-              <a:rPr lang="en-US" sz="2000" dirty="0" smtClean="0">
-                <a:solidFill>
-                  <a:srgbClr val="FFFFFF"/>
-                </a:solidFill>
-              </a:rPr>
-              <a:t>: xxx</a:t>
-            </a:r>
-          </a:p>
-          <a:p>
-            <a:pPr>
-              <a:buFont typeface="Wingdings" panose="05000000000000000000" pitchFamily="2" charset="2"/>
-              <a:buChar char="ü"/>
-            </a:pPr>
-            <a:endParaRPr lang="en-US" sz="2000" dirty="0" smtClean="0">
-              <a:solidFill>
-                <a:srgbClr val="FFFFFF"/>
-              </a:solidFill>
-            </a:endParaRPr>
-          </a:p>
-          <a:p>
-            <a:pPr marL="0" indent="0" algn="ctr">
-              <a:buFont typeface="Arial" panose="020B0604020202020204" pitchFamily="34" charset="0"/>
-              <a:buNone/>
-            </a:pPr>
-            <a:endParaRPr lang="en-US" sz="2000" dirty="0">
-              <a:solidFill>
-                <a:srgbClr val="FFFFFF"/>
-              </a:solidFill>
-            </a:endParaRPr>
-          </a:p>
-        </p:txBody>
-      </p:sp>
-    </p:spTree>
-    <p:extLst>
-      <p:ext uri="{BB962C8B-B14F-4D97-AF65-F5344CB8AC3E}">
-        <p14:creationId xmlns:p14="http://schemas.microsoft.com/office/powerpoint/2010/main" val="3942324183"/>
-      </p:ext>
-    </p:extLst>
-  </p:cSld>
-  <p:clrMapOvr>
-    <a:masterClrMapping/>
-  </p:clrMapOvr>
-  <p:timing>
-    <p:tnLst>
-      <p:par>
-        <p:cTn id="1" dur="indefinite" restart="never" nodeType="tmRoot"/>
-      </p:par>
-    </p:tnLst>
-  </p:timing>
-</p:sld>
-</file>
-
-<file path=ppt/slides/slide7.xml><?xml version="1.0" encoding="utf-8"?>
-<p:sld xmlns:a="http://schemas.openxmlformats.org/drawingml/2006/main" xmlns:r="http://schemas.openxmlformats.org/officeDocument/2006/relationships" xmlns:p="http://schemas.openxmlformats.org/presentationml/2006/main">
-  <p:cSld>
-    <p:spTree>
-      <p:nvGrpSpPr>
-        <p:cNvPr id="1" name=""/>
-        <p:cNvGrpSpPr/>
-        <p:nvPr/>
-      </p:nvGrpSpPr>
-      <p:grpSpPr>
-        <a:xfrm>
-          <a:off x="0" y="0"/>
-          <a:ext cx="0" cy="0"/>
-          <a:chOff x="0" y="0"/>
-          <a:chExt cx="0" cy="0"/>
-        </a:xfrm>
-      </p:grpSpPr>
-      <p:sp>
-        <p:nvSpPr>
-          <p:cNvPr id="9" name="Rectangle 8">
-            <a:extLst>
-              <a:ext uri="{FF2B5EF4-FFF2-40B4-BE49-F238E27FC236}">
-                <a16:creationId xmlns="" xmlns:a16="http://schemas.microsoft.com/office/drawing/2014/main" id="{23962611-DFD5-4092-AAFD-559E3DFCE2C9}"/>
-              </a:ext>
-              <a:ext uri="{C183D7F6-B498-43B3-948B-1728B52AA6E4}">
-                <adec:decorative xmlns="" xmlns:adec="http://schemas.microsoft.com/office/drawing/2017/decorative" val="1"/>
-              </a:ext>
-            </a:extLst>
-          </p:cNvPr>
-          <p:cNvSpPr>
-            <a:spLocks noGrp="1" noRot="1" noChangeAspect="1" noMove="1" noResize="1" noEditPoints="1" noAdjustHandles="1" noChangeArrowheads="1" noChangeShapeType="1" noTextEdit="1"/>
-          </p:cNvSpPr>
-          <p:nvPr>
-            <p:extLst>
-              <p:ext uri="{386F3935-93C4-4BCD-93E2-E3B085C9AB24}">
-                <p16:designElem xmlns="" xmlns:p16="http://schemas.microsoft.com/office/powerpoint/2015/main" val="1"/>
-              </p:ext>
-            </p:extLst>
-          </p:nvPr>
-        </p:nvSpPr>
-        <p:spPr>
-          <a:xfrm>
-            <a:off x="475488" y="0"/>
-            <a:ext cx="10910292" cy="6858000"/>
-          </a:xfrm>
-          <a:prstGeom prst="rect">
-            <a:avLst/>
-          </a:prstGeom>
-          <a:gradFill>
-            <a:gsLst>
-              <a:gs pos="0">
-                <a:schemeClr val="accent1">
-                  <a:lumMod val="90000"/>
-                </a:schemeClr>
-              </a:gs>
-              <a:gs pos="25000">
-                <a:schemeClr val="accent1">
-                  <a:lumMod val="90000"/>
-                </a:schemeClr>
-              </a:gs>
-              <a:gs pos="94000">
-                <a:schemeClr val="bg2">
-                  <a:lumMod val="25000"/>
-                </a:schemeClr>
-              </a:gs>
-              <a:gs pos="100000">
-                <a:schemeClr val="bg2">
-                  <a:lumMod val="25000"/>
-                </a:schemeClr>
-              </a:gs>
-            </a:gsLst>
-            <a:lin ang="4200000" scaled="0"/>
-          </a:gradFill>
-          <a:ln>
-            <a:noFill/>
-          </a:ln>
-        </p:spPr>
-        <p:style>
-          <a:lnRef idx="2">
-            <a:schemeClr val="accent1">
-              <a:shade val="50000"/>
-            </a:schemeClr>
-          </a:lnRef>
-          <a:fillRef idx="1">
-            <a:schemeClr val="accent1"/>
-          </a:fillRef>
-          <a:effectRef idx="0">
-            <a:schemeClr val="accent1"/>
-          </a:effectRef>
-          <a:fontRef idx="minor">
-            <a:schemeClr val="lt1"/>
-          </a:fontRef>
-        </p:style>
-        <p:txBody>
-          <a:bodyPr rtlCol="0" anchor="ctr"/>
-          <a:lstStyle/>
-          <a:p>
-            <a:pPr algn="ctr"/>
-            <a:endParaRPr lang="en-US"/>
-          </a:p>
-        </p:txBody>
-      </p:sp>
-      <p:pic>
-        <p:nvPicPr>
-          <p:cNvPr id="11" name="Picture 10">
-            <a:extLst>
-              <a:ext uri="{FF2B5EF4-FFF2-40B4-BE49-F238E27FC236}">
-                <a16:creationId xmlns="" xmlns:a16="http://schemas.microsoft.com/office/drawing/2014/main" id="{2270F1FA-0425-408F-9861-80BF5AFB276D}"/>
-              </a:ext>
-              <a:ext uri="{C183D7F6-B498-43B3-948B-1728B52AA6E4}">
-                <adec:decorative xmlns="" xmlns:adec="http://schemas.microsoft.com/office/drawing/2017/decorative" val="1"/>
-              </a:ext>
-            </a:extLst>
-          </p:cNvPr>
-          <p:cNvPicPr>
-            <a:picLocks noGrp="1" noRot="1" noChangeAspect="1" noMove="1" noResize="1" noEditPoints="1" noAdjustHandles="1" noChangeArrowheads="1" noChangeShapeType="1" noCrop="1"/>
-          </p:cNvPicPr>
-          <p:nvPr>
-            <p:extLst>
-              <p:ext uri="{386F3935-93C4-4BCD-93E2-E3B085C9AB24}">
-                <p16:designElem xmlns="" xmlns:p16="http://schemas.microsoft.com/office/powerpoint/2015/main" val="1"/>
-              </p:ext>
-            </p:extLst>
-          </p:nvPr>
-        </p:nvPicPr>
-        <p:blipFill>
-          <a:blip r:embed="rId3">
-            <a:extLst>
-              <a:ext uri="{28A0092B-C50C-407E-A947-70E740481C1C}">
-                <a14:useLocalDpi xmlns:a14="http://schemas.microsoft.com/office/drawing/2010/main" val="0"/>
-              </a:ext>
-            </a:extLst>
-          </a:blip>
-          <a:stretch>
-            <a:fillRect/>
-          </a:stretch>
-        </p:blipFill>
-        <p:spPr>
-          <a:xfrm>
-            <a:off x="0" y="0"/>
-            <a:ext cx="12192000" cy="6858000"/>
-          </a:xfrm>
-          <a:prstGeom prst="rect">
-            <a:avLst/>
-          </a:prstGeom>
-        </p:spPr>
-      </p:pic>
-      <p:sp>
-        <p:nvSpPr>
-          <p:cNvPr id="2" name="Title 1"/>
-          <p:cNvSpPr>
-            <a:spLocks noGrp="1"/>
-          </p:cNvSpPr>
-          <p:nvPr>
-            <p:ph type="title"/>
-          </p:nvPr>
-        </p:nvSpPr>
-        <p:spPr>
-          <a:xfrm>
-            <a:off x="2878037" y="1522146"/>
-            <a:ext cx="6105194" cy="902737"/>
-          </a:xfrm>
-        </p:spPr>
-        <p:txBody>
-          <a:bodyPr vert="horz" lIns="91440" tIns="45720" rIns="91440" bIns="45720" rtlCol="0" anchor="b">
-            <a:normAutofit fontScale="90000"/>
-          </a:bodyPr>
-          <a:lstStyle/>
-          <a:p>
-            <a:pPr algn="ctr"/>
-            <a:r>
-              <a:rPr lang="en-US" sz="6000" u="sng" kern="1200" dirty="0" err="1" smtClean="0">
-                <a:solidFill>
-                  <a:srgbClr val="FFFFFF"/>
-                </a:solidFill>
-                <a:latin typeface="+mj-lt"/>
-                <a:ea typeface="+mj-ea"/>
-                <a:cs typeface="+mj-cs"/>
-              </a:rPr>
-              <a:t>Tercer</a:t>
-            </a:r>
-            <a:r>
-              <a:rPr lang="en-US" sz="6000" u="sng" kern="1200" dirty="0" smtClean="0">
-                <a:solidFill>
-                  <a:srgbClr val="FFFFFF"/>
-                </a:solidFill>
-                <a:latin typeface="+mj-lt"/>
-                <a:ea typeface="+mj-ea"/>
-                <a:cs typeface="+mj-cs"/>
-              </a:rPr>
-              <a:t> </a:t>
-            </a:r>
-            <a:r>
-              <a:rPr lang="en-US" sz="6000" u="sng" kern="1200" dirty="0" err="1" smtClean="0">
-                <a:solidFill>
-                  <a:srgbClr val="FFFFFF"/>
-                </a:solidFill>
-                <a:latin typeface="+mj-lt"/>
-                <a:ea typeface="+mj-ea"/>
-                <a:cs typeface="+mj-cs"/>
-              </a:rPr>
-              <a:t>escenario</a:t>
-            </a:r>
-            <a:endParaRPr lang="en-US" sz="6000" u="sng" kern="1200" dirty="0">
-              <a:solidFill>
-                <a:srgbClr val="FFFFFF"/>
-              </a:solidFill>
-              <a:latin typeface="+mj-lt"/>
-              <a:ea typeface="+mj-ea"/>
-              <a:cs typeface="+mj-cs"/>
-            </a:endParaRPr>
-          </a:p>
-        </p:txBody>
-      </p:sp>
-      <p:sp>
-        <p:nvSpPr>
-          <p:cNvPr id="3" name="Content Placeholder 2"/>
-          <p:cNvSpPr>
-            <a:spLocks noGrp="1"/>
-          </p:cNvSpPr>
-          <p:nvPr>
-            <p:ph idx="1"/>
-          </p:nvPr>
-        </p:nvSpPr>
-        <p:spPr>
-          <a:xfrm>
-            <a:off x="3043403" y="2825038"/>
-            <a:ext cx="6105194" cy="682079"/>
-          </a:xfrm>
-        </p:spPr>
-        <p:txBody>
-          <a:bodyPr vert="horz" lIns="91440" tIns="45720" rIns="91440" bIns="45720" rtlCol="0">
-            <a:normAutofit/>
-          </a:bodyPr>
-          <a:lstStyle/>
-          <a:p>
-            <a:pPr marL="0" indent="0" algn="ctr">
-              <a:buNone/>
-            </a:pPr>
-            <a:r>
-              <a:rPr lang="en-US" sz="2000" dirty="0" smtClean="0">
-                <a:solidFill>
-                  <a:srgbClr val="FFFFFF"/>
-                </a:solidFill>
-              </a:rPr>
-              <a:t>N </a:t>
-            </a:r>
-            <a:r>
-              <a:rPr lang="en-US" sz="2000" dirty="0" err="1" smtClean="0">
-                <a:solidFill>
-                  <a:srgbClr val="FFFFFF"/>
-                </a:solidFill>
-              </a:rPr>
-              <a:t>operadores</a:t>
-            </a:r>
-            <a:r>
-              <a:rPr lang="en-US" sz="2000" dirty="0" smtClean="0">
-                <a:solidFill>
-                  <a:srgbClr val="FFFFFF"/>
-                </a:solidFill>
-              </a:rPr>
-              <a:t> SAP y M </a:t>
-            </a:r>
-            <a:r>
-              <a:rPr lang="en-US" sz="2000" dirty="0" err="1" smtClean="0">
-                <a:solidFill>
-                  <a:srgbClr val="FFFFFF"/>
-                </a:solidFill>
-              </a:rPr>
-              <a:t>operadores</a:t>
-            </a:r>
-            <a:r>
-              <a:rPr lang="en-US" sz="2000" dirty="0" smtClean="0">
-                <a:solidFill>
-                  <a:srgbClr val="FFFFFF"/>
-                </a:solidFill>
-              </a:rPr>
-              <a:t> MDSTI</a:t>
-            </a:r>
-            <a:endParaRPr lang="en-US" sz="2000" kern="1200" dirty="0">
-              <a:solidFill>
-                <a:srgbClr val="FFFFFF"/>
-              </a:solidFill>
-              <a:latin typeface="+mn-lt"/>
-              <a:ea typeface="+mn-ea"/>
-              <a:cs typeface="+mn-cs"/>
-            </a:endParaRPr>
-          </a:p>
-        </p:txBody>
-      </p:sp>
-      <p:sp>
-        <p:nvSpPr>
-          <p:cNvPr id="6" name="Content Placeholder 2"/>
-          <p:cNvSpPr txBox="1">
-            <a:spLocks/>
-          </p:cNvSpPr>
-          <p:nvPr/>
-        </p:nvSpPr>
-        <p:spPr>
-          <a:xfrm>
-            <a:off x="2962123" y="3429000"/>
-            <a:ext cx="6105194" cy="1447800"/>
-          </a:xfrm>
-          <a:prstGeom prst="rect">
-            <a:avLst/>
-          </a:prstGeom>
-        </p:spPr>
-        <p:txBody>
-          <a:bodyPr vert="horz" lIns="91440" tIns="45720" rIns="91440" bIns="45720" rtlCol="0">
-            <a:normAutofit/>
-          </a:bodyPr>
-          <a:lstStyle>
-            <a:lvl1pPr marL="228600" indent="-228600" algn="l" defTabSz="914400" rtl="0" eaLnBrk="1" latinLnBrk="0" hangingPunct="1">
-              <a:lnSpc>
-                <a:spcPct val="90000"/>
-              </a:lnSpc>
-              <a:spcBef>
-                <a:spcPts val="1000"/>
-              </a:spcBef>
-              <a:buFont typeface="Arial" panose="020B0604020202020204" pitchFamily="34" charset="0"/>
-              <a:buChar char="•"/>
-              <a:defRPr sz="2800" kern="1200">
-                <a:solidFill>
-                  <a:schemeClr val="tx1"/>
-                </a:solidFill>
-                <a:latin typeface="+mn-lt"/>
-                <a:ea typeface="+mn-ea"/>
-                <a:cs typeface="+mn-cs"/>
-              </a:defRPr>
-            </a:lvl1pPr>
-            <a:lvl2pPr marL="685800" indent="-228600" algn="l" defTabSz="914400" rtl="0" eaLnBrk="1" latinLnBrk="0" hangingPunct="1">
-              <a:lnSpc>
-                <a:spcPct val="90000"/>
-              </a:lnSpc>
-              <a:spcBef>
-                <a:spcPts val="500"/>
-              </a:spcBef>
-              <a:buFont typeface="Arial" panose="020B0604020202020204" pitchFamily="34" charset="0"/>
-              <a:buChar char="•"/>
-              <a:defRPr sz="2400" kern="1200">
-                <a:solidFill>
-                  <a:schemeClr val="tx1"/>
-                </a:solidFill>
-                <a:latin typeface="+mn-lt"/>
-                <a:ea typeface="+mn-ea"/>
-                <a:cs typeface="+mn-cs"/>
-              </a:defRPr>
-            </a:lvl2pPr>
-            <a:lvl3pPr marL="1143000" indent="-228600" algn="l" defTabSz="914400" rtl="0" eaLnBrk="1" latinLnBrk="0" hangingPunct="1">
-              <a:lnSpc>
-                <a:spcPct val="90000"/>
-              </a:lnSpc>
-              <a:spcBef>
-                <a:spcPts val="500"/>
-              </a:spcBef>
-              <a:buFont typeface="Arial" panose="020B0604020202020204" pitchFamily="34" charset="0"/>
-              <a:buChar char="•"/>
-              <a:defRPr sz="2000" kern="1200">
-                <a:solidFill>
-                  <a:schemeClr val="tx1"/>
-                </a:solidFill>
-                <a:latin typeface="+mn-lt"/>
-                <a:ea typeface="+mn-ea"/>
-                <a:cs typeface="+mn-cs"/>
-              </a:defRPr>
-            </a:lvl3pPr>
-            <a:lvl4pPr marL="1600200" indent="-228600" algn="l" defTabSz="914400" rtl="0" eaLnBrk="1" latinLnBrk="0" hangingPunct="1">
-              <a:lnSpc>
-                <a:spcPct val="90000"/>
-              </a:lnSpc>
-              <a:spcBef>
-                <a:spcPts val="500"/>
-              </a:spcBef>
-              <a:buFont typeface="Arial" panose="020B0604020202020204" pitchFamily="34" charset="0"/>
-              <a:buChar char="•"/>
-              <a:defRPr sz="1800" kern="1200">
-                <a:solidFill>
-                  <a:schemeClr val="tx1"/>
-                </a:solidFill>
-                <a:latin typeface="+mn-lt"/>
-                <a:ea typeface="+mn-ea"/>
-                <a:cs typeface="+mn-cs"/>
-              </a:defRPr>
-            </a:lvl4pPr>
-            <a:lvl5pPr marL="2057400" indent="-228600" algn="l" defTabSz="914400" rtl="0" eaLnBrk="1" latinLnBrk="0" hangingPunct="1">
-              <a:lnSpc>
-                <a:spcPct val="90000"/>
-              </a:lnSpc>
-              <a:spcBef>
-                <a:spcPts val="500"/>
-              </a:spcBef>
-              <a:buFont typeface="Arial" panose="020B0604020202020204" pitchFamily="34" charset="0"/>
-              <a:buChar char="•"/>
-              <a:defRPr sz="1800" kern="1200">
-                <a:solidFill>
-                  <a:schemeClr val="tx1"/>
-                </a:solidFill>
-                <a:latin typeface="+mn-lt"/>
-                <a:ea typeface="+mn-ea"/>
-                <a:cs typeface="+mn-cs"/>
-              </a:defRPr>
-            </a:lvl5pPr>
-            <a:lvl6pPr marL="2514600" indent="-228600" algn="l" defTabSz="914400" rtl="0" eaLnBrk="1" latinLnBrk="0" hangingPunct="1">
-              <a:lnSpc>
-                <a:spcPct val="90000"/>
-              </a:lnSpc>
-              <a:spcBef>
-                <a:spcPts val="500"/>
-              </a:spcBef>
-              <a:buFont typeface="Arial" panose="020B0604020202020204" pitchFamily="34" charset="0"/>
-              <a:buChar char="•"/>
-              <a:defRPr sz="1800" kern="1200">
-                <a:solidFill>
-                  <a:schemeClr val="tx1"/>
-                </a:solidFill>
-                <a:latin typeface="+mn-lt"/>
-                <a:ea typeface="+mn-ea"/>
-                <a:cs typeface="+mn-cs"/>
-              </a:defRPr>
-            </a:lvl6pPr>
-            <a:lvl7pPr marL="2971800" indent="-228600" algn="l" defTabSz="914400" rtl="0" eaLnBrk="1" latinLnBrk="0" hangingPunct="1">
-              <a:lnSpc>
-                <a:spcPct val="90000"/>
-              </a:lnSpc>
-              <a:spcBef>
-                <a:spcPts val="500"/>
-              </a:spcBef>
-              <a:buFont typeface="Arial" panose="020B0604020202020204" pitchFamily="34" charset="0"/>
-              <a:buChar char="•"/>
-              <a:defRPr sz="1800" kern="1200">
-                <a:solidFill>
-                  <a:schemeClr val="tx1"/>
-                </a:solidFill>
-                <a:latin typeface="+mn-lt"/>
-                <a:ea typeface="+mn-ea"/>
-                <a:cs typeface="+mn-cs"/>
-              </a:defRPr>
-            </a:lvl7pPr>
-            <a:lvl8pPr marL="3429000" indent="-228600" algn="l" defTabSz="914400" rtl="0" eaLnBrk="1" latinLnBrk="0" hangingPunct="1">
-              <a:lnSpc>
-                <a:spcPct val="90000"/>
-              </a:lnSpc>
-              <a:spcBef>
-                <a:spcPts val="500"/>
-              </a:spcBef>
-              <a:buFont typeface="Arial" panose="020B0604020202020204" pitchFamily="34" charset="0"/>
-              <a:buChar char="•"/>
-              <a:defRPr sz="1800" kern="1200">
-                <a:solidFill>
-                  <a:schemeClr val="tx1"/>
-                </a:solidFill>
-                <a:latin typeface="+mn-lt"/>
-                <a:ea typeface="+mn-ea"/>
-                <a:cs typeface="+mn-cs"/>
-              </a:defRPr>
-            </a:lvl8pPr>
-            <a:lvl9pPr marL="3886200" indent="-228600" algn="l" defTabSz="914400" rtl="0" eaLnBrk="1" latinLnBrk="0" hangingPunct="1">
-              <a:lnSpc>
-                <a:spcPct val="90000"/>
-              </a:lnSpc>
-              <a:spcBef>
-                <a:spcPts val="500"/>
-              </a:spcBef>
-              <a:buFont typeface="Arial" panose="020B0604020202020204" pitchFamily="34" charset="0"/>
-              <a:buChar char="•"/>
-              <a:defRPr sz="1800" kern="1200">
-                <a:solidFill>
-                  <a:schemeClr val="tx1"/>
-                </a:solidFill>
-                <a:latin typeface="+mn-lt"/>
-                <a:ea typeface="+mn-ea"/>
-                <a:cs typeface="+mn-cs"/>
-              </a:defRPr>
-            </a:lvl9pPr>
-          </a:lstStyle>
-          <a:p>
-            <a:pPr marL="0" indent="0" algn="ctr">
-              <a:buFont typeface="Arial" panose="020B0604020202020204" pitchFamily="34" charset="0"/>
-              <a:buNone/>
-            </a:pPr>
-            <a:endParaRPr lang="en-US" sz="2000" dirty="0">
-              <a:solidFill>
-                <a:srgbClr val="FFFFFF"/>
-              </a:solidFill>
-            </a:endParaRPr>
-          </a:p>
-        </p:txBody>
-      </p:sp>
-      <p:sp>
-        <p:nvSpPr>
-          <p:cNvPr id="7" name="Content Placeholder 2"/>
-          <p:cNvSpPr txBox="1">
-            <a:spLocks/>
-          </p:cNvSpPr>
-          <p:nvPr/>
-        </p:nvSpPr>
-        <p:spPr>
-          <a:xfrm>
-            <a:off x="3074849" y="3507117"/>
-            <a:ext cx="6105194" cy="1433371"/>
-          </a:xfrm>
-          <a:prstGeom prst="rect">
-            <a:avLst/>
-          </a:prstGeom>
-        </p:spPr>
-        <p:txBody>
-          <a:bodyPr vert="horz" lIns="91440" tIns="45720" rIns="91440" bIns="45720" rtlCol="0">
-            <a:normAutofit/>
-          </a:bodyPr>
-          <a:lstStyle>
-            <a:lvl1pPr marL="228600" indent="-228600" algn="l" defTabSz="914400" rtl="0" eaLnBrk="1" latinLnBrk="0" hangingPunct="1">
-              <a:lnSpc>
-                <a:spcPct val="90000"/>
-              </a:lnSpc>
-              <a:spcBef>
-                <a:spcPts val="1000"/>
-              </a:spcBef>
-              <a:buFont typeface="Arial" panose="020B0604020202020204" pitchFamily="34" charset="0"/>
-              <a:buChar char="•"/>
-              <a:defRPr sz="2800" kern="1200">
-                <a:solidFill>
-                  <a:schemeClr val="tx1"/>
-                </a:solidFill>
-                <a:latin typeface="+mn-lt"/>
-                <a:ea typeface="+mn-ea"/>
-                <a:cs typeface="+mn-cs"/>
-              </a:defRPr>
-            </a:lvl1pPr>
-            <a:lvl2pPr marL="685800" indent="-228600" algn="l" defTabSz="914400" rtl="0" eaLnBrk="1" latinLnBrk="0" hangingPunct="1">
-              <a:lnSpc>
-                <a:spcPct val="90000"/>
-              </a:lnSpc>
-              <a:spcBef>
-                <a:spcPts val="500"/>
-              </a:spcBef>
-              <a:buFont typeface="Arial" panose="020B0604020202020204" pitchFamily="34" charset="0"/>
-              <a:buChar char="•"/>
-              <a:defRPr sz="2400" kern="1200">
-                <a:solidFill>
-                  <a:schemeClr val="tx1"/>
-                </a:solidFill>
-                <a:latin typeface="+mn-lt"/>
-                <a:ea typeface="+mn-ea"/>
-                <a:cs typeface="+mn-cs"/>
-              </a:defRPr>
-            </a:lvl2pPr>
-            <a:lvl3pPr marL="1143000" indent="-228600" algn="l" defTabSz="914400" rtl="0" eaLnBrk="1" latinLnBrk="0" hangingPunct="1">
-              <a:lnSpc>
-                <a:spcPct val="90000"/>
-              </a:lnSpc>
-              <a:spcBef>
-                <a:spcPts val="500"/>
-              </a:spcBef>
-              <a:buFont typeface="Arial" panose="020B0604020202020204" pitchFamily="34" charset="0"/>
-              <a:buChar char="•"/>
-              <a:defRPr sz="2000" kern="1200">
-                <a:solidFill>
-                  <a:schemeClr val="tx1"/>
-                </a:solidFill>
-                <a:latin typeface="+mn-lt"/>
-                <a:ea typeface="+mn-ea"/>
-                <a:cs typeface="+mn-cs"/>
-              </a:defRPr>
-            </a:lvl3pPr>
-            <a:lvl4pPr marL="1600200" indent="-228600" algn="l" defTabSz="914400" rtl="0" eaLnBrk="1" latinLnBrk="0" hangingPunct="1">
-              <a:lnSpc>
-                <a:spcPct val="90000"/>
-              </a:lnSpc>
-              <a:spcBef>
-                <a:spcPts val="500"/>
-              </a:spcBef>
-              <a:buFont typeface="Arial" panose="020B0604020202020204" pitchFamily="34" charset="0"/>
-              <a:buChar char="•"/>
-              <a:defRPr sz="1800" kern="1200">
-                <a:solidFill>
-                  <a:schemeClr val="tx1"/>
-                </a:solidFill>
-                <a:latin typeface="+mn-lt"/>
-                <a:ea typeface="+mn-ea"/>
-                <a:cs typeface="+mn-cs"/>
-              </a:defRPr>
-            </a:lvl4pPr>
-            <a:lvl5pPr marL="2057400" indent="-228600" algn="l" defTabSz="914400" rtl="0" eaLnBrk="1" latinLnBrk="0" hangingPunct="1">
-              <a:lnSpc>
-                <a:spcPct val="90000"/>
-              </a:lnSpc>
-              <a:spcBef>
-                <a:spcPts val="500"/>
-              </a:spcBef>
-              <a:buFont typeface="Arial" panose="020B0604020202020204" pitchFamily="34" charset="0"/>
-              <a:buChar char="•"/>
-              <a:defRPr sz="1800" kern="1200">
-                <a:solidFill>
-                  <a:schemeClr val="tx1"/>
-                </a:solidFill>
-                <a:latin typeface="+mn-lt"/>
-                <a:ea typeface="+mn-ea"/>
-                <a:cs typeface="+mn-cs"/>
-              </a:defRPr>
-            </a:lvl5pPr>
-            <a:lvl6pPr marL="2514600" indent="-228600" algn="l" defTabSz="914400" rtl="0" eaLnBrk="1" latinLnBrk="0" hangingPunct="1">
-              <a:lnSpc>
-                <a:spcPct val="90000"/>
-              </a:lnSpc>
-              <a:spcBef>
-                <a:spcPts val="500"/>
-              </a:spcBef>
-              <a:buFont typeface="Arial" panose="020B0604020202020204" pitchFamily="34" charset="0"/>
-              <a:buChar char="•"/>
-              <a:defRPr sz="1800" kern="1200">
-                <a:solidFill>
-                  <a:schemeClr val="tx1"/>
-                </a:solidFill>
-                <a:latin typeface="+mn-lt"/>
-                <a:ea typeface="+mn-ea"/>
-                <a:cs typeface="+mn-cs"/>
-              </a:defRPr>
-            </a:lvl6pPr>
-            <a:lvl7pPr marL="2971800" indent="-228600" algn="l" defTabSz="914400" rtl="0" eaLnBrk="1" latinLnBrk="0" hangingPunct="1">
-              <a:lnSpc>
-                <a:spcPct val="90000"/>
-              </a:lnSpc>
-              <a:spcBef>
-                <a:spcPts val="500"/>
-              </a:spcBef>
-              <a:buFont typeface="Arial" panose="020B0604020202020204" pitchFamily="34" charset="0"/>
-              <a:buChar char="•"/>
-              <a:defRPr sz="1800" kern="1200">
-                <a:solidFill>
-                  <a:schemeClr val="tx1"/>
-                </a:solidFill>
-                <a:latin typeface="+mn-lt"/>
-                <a:ea typeface="+mn-ea"/>
-                <a:cs typeface="+mn-cs"/>
-              </a:defRPr>
-            </a:lvl7pPr>
-            <a:lvl8pPr marL="3429000" indent="-228600" algn="l" defTabSz="914400" rtl="0" eaLnBrk="1" latinLnBrk="0" hangingPunct="1">
-              <a:lnSpc>
-                <a:spcPct val="90000"/>
-              </a:lnSpc>
-              <a:spcBef>
-                <a:spcPts val="500"/>
-              </a:spcBef>
-              <a:buFont typeface="Arial" panose="020B0604020202020204" pitchFamily="34" charset="0"/>
-              <a:buChar char="•"/>
-              <a:defRPr sz="1800" kern="1200">
-                <a:solidFill>
-                  <a:schemeClr val="tx1"/>
-                </a:solidFill>
-                <a:latin typeface="+mn-lt"/>
-                <a:ea typeface="+mn-ea"/>
-                <a:cs typeface="+mn-cs"/>
-              </a:defRPr>
-            </a:lvl8pPr>
-            <a:lvl9pPr marL="3886200" indent="-228600" algn="l" defTabSz="914400" rtl="0" eaLnBrk="1" latinLnBrk="0" hangingPunct="1">
-              <a:lnSpc>
-                <a:spcPct val="90000"/>
-              </a:lnSpc>
-              <a:spcBef>
-                <a:spcPts val="500"/>
-              </a:spcBef>
-              <a:buFont typeface="Arial" panose="020B0604020202020204" pitchFamily="34" charset="0"/>
-              <a:buChar char="•"/>
-              <a:defRPr sz="1800" kern="1200">
-                <a:solidFill>
-                  <a:schemeClr val="tx1"/>
-                </a:solidFill>
-                <a:latin typeface="+mn-lt"/>
-                <a:ea typeface="+mn-ea"/>
-                <a:cs typeface="+mn-cs"/>
-              </a:defRPr>
-            </a:lvl9pPr>
-          </a:lstStyle>
-          <a:p>
-            <a:pPr marL="0" indent="0">
-              <a:buFont typeface="Arial" panose="020B0604020202020204" pitchFamily="34" charset="0"/>
-              <a:buNone/>
-            </a:pPr>
-            <a:r>
-              <a:rPr lang="en-US" sz="2000" dirty="0" smtClean="0">
-                <a:solidFill>
-                  <a:srgbClr val="FFFFFF"/>
-                </a:solidFill>
-              </a:rPr>
-              <a:t>RESULTADO:</a:t>
-            </a:r>
-          </a:p>
-          <a:p>
-            <a:pPr>
-              <a:buFont typeface="Wingdings" panose="05000000000000000000" pitchFamily="2" charset="2"/>
-              <a:buChar char="ü"/>
-            </a:pPr>
-            <a:r>
-              <a:rPr lang="en-US" sz="2000" dirty="0" err="1" smtClean="0">
-                <a:solidFill>
-                  <a:srgbClr val="FFFFFF"/>
-                </a:solidFill>
-              </a:rPr>
-              <a:t>Porcentaje</a:t>
-            </a:r>
-            <a:r>
-              <a:rPr lang="en-US" sz="2000" dirty="0" smtClean="0">
-                <a:solidFill>
-                  <a:srgbClr val="FFFFFF"/>
-                </a:solidFill>
-              </a:rPr>
-              <a:t> de </a:t>
-            </a:r>
-            <a:r>
-              <a:rPr lang="en-US" sz="2000" dirty="0" err="1" smtClean="0">
-                <a:solidFill>
-                  <a:srgbClr val="FFFFFF"/>
-                </a:solidFill>
-              </a:rPr>
-              <a:t>tiempo</a:t>
-            </a:r>
-            <a:r>
-              <a:rPr lang="en-US" sz="2000" dirty="0" smtClean="0">
-                <a:solidFill>
-                  <a:srgbClr val="FFFFFF"/>
-                </a:solidFill>
-              </a:rPr>
-              <a:t> </a:t>
-            </a:r>
-            <a:r>
-              <a:rPr lang="en-US" sz="2000" dirty="0" err="1" smtClean="0">
-                <a:solidFill>
-                  <a:srgbClr val="FFFFFF"/>
-                </a:solidFill>
-              </a:rPr>
-              <a:t>ocioso</a:t>
-            </a:r>
-            <a:r>
-              <a:rPr lang="en-US" sz="2000" dirty="0" smtClean="0">
-                <a:solidFill>
-                  <a:srgbClr val="FFFFFF"/>
-                </a:solidFill>
-              </a:rPr>
-              <a:t>: xxx</a:t>
-            </a:r>
-          </a:p>
-          <a:p>
-            <a:pPr>
-              <a:buFont typeface="Wingdings" panose="05000000000000000000" pitchFamily="2" charset="2"/>
-              <a:buChar char="ü"/>
-            </a:pPr>
-            <a:r>
-              <a:rPr lang="en-US" sz="2000" dirty="0" err="1" smtClean="0">
-                <a:solidFill>
-                  <a:srgbClr val="FFFFFF"/>
-                </a:solidFill>
-              </a:rPr>
-              <a:t>Cantidad</a:t>
-            </a:r>
-            <a:r>
-              <a:rPr lang="en-US" sz="2000" dirty="0" smtClean="0">
-                <a:solidFill>
-                  <a:srgbClr val="FFFFFF"/>
-                </a:solidFill>
-              </a:rPr>
-              <a:t> de </a:t>
-            </a:r>
-            <a:r>
-              <a:rPr lang="en-US" sz="2000" dirty="0" err="1" smtClean="0">
-                <a:solidFill>
-                  <a:srgbClr val="FFFFFF"/>
-                </a:solidFill>
-              </a:rPr>
-              <a:t>llamadas</a:t>
-            </a:r>
-            <a:r>
-              <a:rPr lang="en-US" sz="2000" dirty="0" smtClean="0">
-                <a:solidFill>
-                  <a:srgbClr val="FFFFFF"/>
-                </a:solidFill>
-              </a:rPr>
-              <a:t> </a:t>
-            </a:r>
-            <a:r>
-              <a:rPr lang="en-US" sz="2000" dirty="0" err="1" smtClean="0">
-                <a:solidFill>
-                  <a:srgbClr val="FFFFFF"/>
-                </a:solidFill>
-              </a:rPr>
-              <a:t>atendidas</a:t>
-            </a:r>
-            <a:r>
-              <a:rPr lang="en-US" sz="2000" dirty="0" smtClean="0">
-                <a:solidFill>
-                  <a:srgbClr val="FFFFFF"/>
-                </a:solidFill>
-              </a:rPr>
-              <a:t>: xxx</a:t>
-            </a:r>
-          </a:p>
-          <a:p>
-            <a:pPr>
-              <a:buFont typeface="Wingdings" panose="05000000000000000000" pitchFamily="2" charset="2"/>
-              <a:buChar char="ü"/>
-            </a:pPr>
-            <a:endParaRPr lang="en-US" sz="2000" dirty="0" smtClean="0">
-              <a:solidFill>
-                <a:srgbClr val="FFFFFF"/>
-              </a:solidFill>
-            </a:endParaRPr>
-          </a:p>
-          <a:p>
-            <a:pPr marL="0" indent="0" algn="ctr">
-              <a:buFont typeface="Arial" panose="020B0604020202020204" pitchFamily="34" charset="0"/>
-              <a:buNone/>
-            </a:pPr>
-            <a:endParaRPr lang="en-US" sz="2000" dirty="0">
-              <a:solidFill>
-                <a:srgbClr val="FFFFFF"/>
-              </a:solidFill>
-            </a:endParaRPr>
-          </a:p>
-        </p:txBody>
-      </p:sp>
-    </p:spTree>
-    <p:extLst>
-      <p:ext uri="{BB962C8B-B14F-4D97-AF65-F5344CB8AC3E}">
-        <p14:creationId xmlns:p14="http://schemas.microsoft.com/office/powerpoint/2010/main" val="1650866718"/>
-      </p:ext>
-    </p:extLst>
-  </p:cSld>
-  <p:clrMapOvr>
-    <a:masterClrMapping/>
-  </p:clrMapOvr>
-  <p:timing>
-    <p:tnLst>
-      <p:par>
-        <p:cTn id="1" dur="indefinite" restart="never" nodeType="tmRoot"/>
-      </p:par>
-    </p:tnLst>
-  </p:timing>
-</p:sld>
-</file>
-
-<file path=ppt/slides/slide8.xml><?xml version="1.0" encoding="utf-8"?>
-<p:sld xmlns:a="http://schemas.openxmlformats.org/drawingml/2006/main" xmlns:r="http://schemas.openxmlformats.org/officeDocument/2006/relationships" xmlns:p="http://schemas.openxmlformats.org/presentationml/2006/main">
-  <p:cSld>
-    <p:bg>
-      <p:bgPr>
-        <a:solidFill>
-          <a:schemeClr val="accent1">
-            <a:lumMod val="20000"/>
-            <a:lumOff val="80000"/>
-          </a:schemeClr>
-        </a:solidFill>
-        <a:effectLst/>
-      </p:bgPr>
-    </p:bg>
-    <p:spTree>
-      <p:nvGrpSpPr>
-        <p:cNvPr id="1" name=""/>
-        <p:cNvGrpSpPr/>
-        <p:nvPr/>
-      </p:nvGrpSpPr>
-      <p:grpSpPr>
-        <a:xfrm>
-          <a:off x="0" y="0"/>
-          <a:ext cx="0" cy="0"/>
-          <a:chOff x="0" y="0"/>
-          <a:chExt cx="0" cy="0"/>
-        </a:xfrm>
-      </p:grpSpPr>
-      <p:sp>
-        <p:nvSpPr>
-          <p:cNvPr id="13" name="Título 12"/>
-          <p:cNvSpPr>
-            <a:spLocks noGrp="1"/>
-          </p:cNvSpPr>
-          <p:nvPr>
-            <p:ph type="title"/>
-          </p:nvPr>
-        </p:nvSpPr>
-        <p:spPr/>
-        <p:txBody>
-          <a:bodyPr/>
-          <a:lstStyle/>
-          <a:p>
-            <a:pPr algn="ctr"/>
-            <a:r>
-              <a:rPr lang="es-AR" dirty="0" smtClean="0"/>
-              <a:t>Comparación de Resultados</a:t>
-            </a:r>
-            <a:endParaRPr lang="es-AR" dirty="0"/>
-          </a:p>
-        </p:txBody>
-      </p:sp>
-      <p:graphicFrame>
-        <p:nvGraphicFramePr>
-          <p:cNvPr id="19" name="Marcador de contenido 18"/>
-          <p:cNvGraphicFramePr>
-            <a:graphicFrameLocks noGrp="1"/>
-          </p:cNvGraphicFramePr>
-          <p:nvPr>
-            <p:ph idx="1"/>
-            <p:extLst>
-              <p:ext uri="{D42A27DB-BD31-4B8C-83A1-F6EECF244321}">
-                <p14:modId xmlns:p14="http://schemas.microsoft.com/office/powerpoint/2010/main" val="1584258671"/>
-              </p:ext>
-            </p:extLst>
-          </p:nvPr>
-        </p:nvGraphicFramePr>
-        <p:xfrm>
-          <a:off x="838200" y="1825625"/>
-          <a:ext cx="10515600" cy="4351338"/>
-        </p:xfrm>
-        <a:graphic>
-          <a:graphicData uri="http://schemas.openxmlformats.org/drawingml/2006/chart">
-            <c:chart xmlns:c="http://schemas.openxmlformats.org/drawingml/2006/chart" xmlns:r="http://schemas.openxmlformats.org/officeDocument/2006/relationships" r:id="rId3"/>
-          </a:graphicData>
-        </a:graphic>
-      </p:graphicFrame>
-    </p:spTree>
-    <p:extLst>
-      <p:ext uri="{BB962C8B-B14F-4D97-AF65-F5344CB8AC3E}">
-        <p14:creationId xmlns:p14="http://schemas.microsoft.com/office/powerpoint/2010/main" val="1052718980"/>
-      </p:ext>
-    </p:extLst>
-  </p:cSld>
-  <p:clrMapOvr>
-    <a:masterClrMapping/>
-  </p:clrMapOvr>
-  <p:timing>
-    <p:tnLst>
-      <p:par>
-        <p:cTn id="1" dur="indefinite" restart="never" nodeType="tmRoot"/>
-      </p:par>
-    </p:tnLst>
-  </p:timing>
-</p:sld>
-</file>
-
-<file path=ppt/slides/slide9.xml><?xml version="1.0" encoding="utf-8"?>
-<p:sld xmlns:a="http://schemas.openxmlformats.org/drawingml/2006/main" xmlns:r="http://schemas.openxmlformats.org/officeDocument/2006/relationships" xmlns:p="http://schemas.openxmlformats.org/presentationml/2006/main">
-  <p:cSld>
-    <p:spTree>
-      <p:nvGrpSpPr>
-        <p:cNvPr id="1" name=""/>
-        <p:cNvGrpSpPr/>
-        <p:nvPr/>
-      </p:nvGrpSpPr>
-      <p:grpSpPr>
-        <a:xfrm>
-          <a:off x="0" y="0"/>
-          <a:ext cx="0" cy="0"/>
-          <a:chOff x="0" y="0"/>
-          <a:chExt cx="0" cy="0"/>
-        </a:xfrm>
-      </p:grpSpPr>
-      <p:sp>
-        <p:nvSpPr>
-          <p:cNvPr id="9" name="Rectangle 8">
-            <a:extLst>
-              <a:ext uri="{FF2B5EF4-FFF2-40B4-BE49-F238E27FC236}">
-                <a16:creationId xmlns="" xmlns:a16="http://schemas.microsoft.com/office/drawing/2014/main" id="{23962611-DFD5-4092-AAFD-559E3DFCE2C9}"/>
-              </a:ext>
-              <a:ext uri="{C183D7F6-B498-43B3-948B-1728B52AA6E4}">
-                <adec:decorative xmlns="" xmlns:adec="http://schemas.microsoft.com/office/drawing/2017/decorative" val="1"/>
-              </a:ext>
-            </a:extLst>
-          </p:cNvPr>
-          <p:cNvSpPr>
-            <a:spLocks noGrp="1" noRot="1" noChangeAspect="1" noMove="1" noResize="1" noEditPoints="1" noAdjustHandles="1" noChangeArrowheads="1" noChangeShapeType="1" noTextEdit="1"/>
-          </p:cNvSpPr>
-          <p:nvPr>
-            <p:extLst>
-              <p:ext uri="{386F3935-93C4-4BCD-93E2-E3B085C9AB24}">
-                <p16:designElem xmlns="" xmlns:p16="http://schemas.microsoft.com/office/powerpoint/2015/main" val="1"/>
-              </p:ext>
-            </p:extLst>
-          </p:nvPr>
-        </p:nvSpPr>
-        <p:spPr>
-          <a:xfrm>
-            <a:off x="475488" y="0"/>
-            <a:ext cx="10910292" cy="6858000"/>
-          </a:xfrm>
-          <a:prstGeom prst="rect">
-            <a:avLst/>
-          </a:prstGeom>
-          <a:gradFill>
-            <a:gsLst>
-              <a:gs pos="0">
-                <a:schemeClr val="accent1">
-                  <a:lumMod val="90000"/>
-                </a:schemeClr>
-              </a:gs>
-              <a:gs pos="25000">
-                <a:schemeClr val="accent1">
-                  <a:lumMod val="90000"/>
-                </a:schemeClr>
-              </a:gs>
-              <a:gs pos="94000">
-                <a:schemeClr val="bg2">
-                  <a:lumMod val="25000"/>
-                </a:schemeClr>
-              </a:gs>
-              <a:gs pos="100000">
-                <a:schemeClr val="bg2">
-                  <a:lumMod val="25000"/>
-                </a:schemeClr>
-              </a:gs>
-            </a:gsLst>
-            <a:lin ang="4200000" scaled="0"/>
-          </a:gradFill>
-          <a:ln>
-            <a:noFill/>
-          </a:ln>
-        </p:spPr>
-        <p:style>
-          <a:lnRef idx="2">
-            <a:schemeClr val="accent1">
-              <a:shade val="50000"/>
-            </a:schemeClr>
-          </a:lnRef>
-          <a:fillRef idx="1">
-            <a:schemeClr val="accent1"/>
-          </a:fillRef>
-          <a:effectRef idx="0">
-            <a:schemeClr val="accent1"/>
-          </a:effectRef>
-          <a:fontRef idx="minor">
-            <a:schemeClr val="lt1"/>
-          </a:fontRef>
-        </p:style>
-        <p:txBody>
-          <a:bodyPr rtlCol="0" anchor="ctr"/>
-          <a:lstStyle/>
-          <a:p>
-            <a:pPr algn="ctr"/>
-            <a:endParaRPr lang="en-US"/>
-          </a:p>
-        </p:txBody>
-      </p:sp>
-      <p:pic>
-        <p:nvPicPr>
-          <p:cNvPr id="11" name="Picture 10">
-            <a:extLst>
-              <a:ext uri="{FF2B5EF4-FFF2-40B4-BE49-F238E27FC236}">
-                <a16:creationId xmlns="" xmlns:a16="http://schemas.microsoft.com/office/drawing/2014/main" id="{2270F1FA-0425-408F-9861-80BF5AFB276D}"/>
-              </a:ext>
-              <a:ext uri="{C183D7F6-B498-43B3-948B-1728B52AA6E4}">
-                <adec:decorative xmlns="" xmlns:adec="http://schemas.microsoft.com/office/drawing/2017/decorative" val="1"/>
-              </a:ext>
-            </a:extLst>
-          </p:cNvPr>
-          <p:cNvPicPr>
-            <a:picLocks noGrp="1" noRot="1" noChangeAspect="1" noMove="1" noResize="1" noEditPoints="1" noAdjustHandles="1" noChangeArrowheads="1" noChangeShapeType="1" noCrop="1"/>
-          </p:cNvPicPr>
-          <p:nvPr>
-            <p:extLst>
-              <p:ext uri="{386F3935-93C4-4BCD-93E2-E3B085C9AB24}">
-                <p16:designElem xmlns="" xmlns:p16="http://schemas.microsoft.com/office/powerpoint/2015/main" val="1"/>
-              </p:ext>
-            </p:extLst>
-          </p:nvPr>
-        </p:nvPicPr>
-        <p:blipFill>
-          <a:blip r:embed="rId3">
-            <a:extLst>
-              <a:ext uri="{28A0092B-C50C-407E-A947-70E740481C1C}">
-                <a14:useLocalDpi xmlns:a14="http://schemas.microsoft.com/office/drawing/2010/main" val="0"/>
-              </a:ext>
-            </a:extLst>
-          </a:blip>
-          <a:stretch>
-            <a:fillRect/>
-          </a:stretch>
-        </p:blipFill>
-        <p:spPr>
-          <a:xfrm>
-            <a:off x="0" y="0"/>
-            <a:ext cx="12192000" cy="6858000"/>
-          </a:xfrm>
-          <a:prstGeom prst="rect">
-            <a:avLst/>
-          </a:prstGeom>
-        </p:spPr>
-      </p:pic>
-      <p:sp>
-        <p:nvSpPr>
-          <p:cNvPr id="2" name="Title 1"/>
-          <p:cNvSpPr>
-            <a:spLocks noGrp="1"/>
-          </p:cNvSpPr>
-          <p:nvPr>
-            <p:ph type="title"/>
-          </p:nvPr>
-        </p:nvSpPr>
-        <p:spPr>
-          <a:xfrm>
-            <a:off x="3045368" y="2043663"/>
-            <a:ext cx="6105194" cy="2031055"/>
-          </a:xfrm>
-        </p:spPr>
-        <p:txBody>
-          <a:bodyPr vert="horz" lIns="91440" tIns="45720" rIns="91440" bIns="45720" rtlCol="0" anchor="b">
-            <a:normAutofit/>
-          </a:bodyPr>
-          <a:lstStyle/>
-          <a:p>
-            <a:pPr algn="ctr"/>
-            <a:r>
-              <a:rPr lang="en-US" sz="6000" dirty="0" err="1" smtClean="0">
+              <a:rPr lang="en-US" sz="6000" dirty="0" err="1">
                 <a:solidFill>
                   <a:srgbClr val="FFFFFF"/>
                 </a:solidFill>
@@ -9869,28 +9452,13 @@
               <a:t>Muchas</a:t>
             </a:r>
             <a:r>
-              <a:rPr lang="en-US" sz="6000" dirty="0" smtClean="0">
+              <a:rPr lang="en-US" sz="6000" dirty="0">
                 <a:solidFill>
                   <a:srgbClr val="FFFFFF"/>
                 </a:solidFill>
               </a:rPr>
               <a:t> gracias</a:t>
             </a:r>
-            <a:r>
-              <a:rPr lang="en-US" sz="6000" dirty="0" smtClean="0">
-                <a:solidFill>
-                  <a:srgbClr val="FFFFFF"/>
-                </a:solidFill>
-              </a:rPr>
-              <a:t/>
-            </a:r>
-            <a:br>
-              <a:rPr lang="en-US" sz="6000" dirty="0" smtClean="0">
-                <a:solidFill>
-                  <a:srgbClr val="FFFFFF"/>
-                </a:solidFill>
-              </a:rPr>
-            </a:br>
             <a:endParaRPr lang="en-US" sz="6000" kern="1200" dirty="0">
               <a:solidFill>
                 <a:srgbClr val="FFFFFF"/>
@@ -9912,13 +9480,6 @@
   <p:clrMapOvr>
     <a:masterClrMapping/>
   </p:clrMapOvr>
-  <p:timing>
-    <p:tnLst>
-      <p:par>
-        <p:cTn id="1" dur="indefinite" restart="never" nodeType="tmRoot"/>
-      </p:par>
-    </p:tnLst>
-  </p:timing>
 </p:sld>
 </file>
 

--- a/Simulación/datos Sistema/UTN - Simulacion - Equipo 5 -TP N°6 Picolo.pptx
+++ b/Simulación/datos Sistema/UTN - Simulacion - Equipo 5 -TP N°6 Picolo.pptx
@@ -1073,6 +1073,13 @@
         </dgm:presLayoutVars>
       </dgm:prSet>
       <dgm:spPr/>
+      <dgm:t>
+        <a:bodyPr/>
+        <a:lstStyle/>
+        <a:p>
+          <a:endParaRPr lang="es-AR"/>
+        </a:p>
+      </dgm:t>
     </dgm:pt>
     <dgm:pt modelId="{D8E33CA1-CCDF-4C3C-92DD-FBA31E116F65}" type="pres">
       <dgm:prSet presAssocID="{BBB06C8F-E8ED-40B4-8F13-4CC7EB6D63E8}" presName="compositeNode" presStyleCnt="0">
@@ -1085,6 +1092,13 @@
     <dgm:pt modelId="{8E7E9C74-B3AB-45E9-A991-40135130A03F}" type="pres">
       <dgm:prSet presAssocID="{BBB06C8F-E8ED-40B4-8F13-4CC7EB6D63E8}" presName="bgRect" presStyleLbl="alignNode1" presStyleIdx="0" presStyleCnt="4"/>
       <dgm:spPr/>
+      <dgm:t>
+        <a:bodyPr/>
+        <a:lstStyle/>
+        <a:p>
+          <a:endParaRPr lang="es-AR"/>
+        </a:p>
+      </dgm:t>
     </dgm:pt>
     <dgm:pt modelId="{65A50992-64FB-4EEF-9432-71F40A87DC3A}" type="pres">
       <dgm:prSet presAssocID="{D1DBF331-0AC7-4D87-B557-490CEB7A8DE5}" presName="sibTransNodeRect" presStyleLbl="alignNode1" presStyleIdx="0" presStyleCnt="4">
@@ -1094,6 +1108,13 @@
         </dgm:presLayoutVars>
       </dgm:prSet>
       <dgm:spPr/>
+      <dgm:t>
+        <a:bodyPr/>
+        <a:lstStyle/>
+        <a:p>
+          <a:endParaRPr lang="es-AR"/>
+        </a:p>
+      </dgm:t>
     </dgm:pt>
     <dgm:pt modelId="{34366F6F-8981-4435-AE4A-2CD5C4B2881B}" type="pres">
       <dgm:prSet presAssocID="{BBB06C8F-E8ED-40B4-8F13-4CC7EB6D63E8}" presName="nodeRect" presStyleLbl="alignNode1" presStyleIdx="0" presStyleCnt="4">
@@ -1102,6 +1123,13 @@
         </dgm:presLayoutVars>
       </dgm:prSet>
       <dgm:spPr/>
+      <dgm:t>
+        <a:bodyPr/>
+        <a:lstStyle/>
+        <a:p>
+          <a:endParaRPr lang="es-AR"/>
+        </a:p>
+      </dgm:t>
     </dgm:pt>
     <dgm:pt modelId="{841D5B65-6A4C-4A6F-87D0-1EE0F60A44BA}" type="pres">
       <dgm:prSet presAssocID="{D1DBF331-0AC7-4D87-B557-490CEB7A8DE5}" presName="sibTrans" presStyleCnt="0"/>
@@ -1118,6 +1146,13 @@
     <dgm:pt modelId="{433F3CC7-6513-4910-9F99-ADC51A38CF2B}" type="pres">
       <dgm:prSet presAssocID="{41FD6B3A-3EF6-4818-B49F-3B0F8130C76F}" presName="bgRect" presStyleLbl="alignNode1" presStyleIdx="1" presStyleCnt="4"/>
       <dgm:spPr/>
+      <dgm:t>
+        <a:bodyPr/>
+        <a:lstStyle/>
+        <a:p>
+          <a:endParaRPr lang="es-AR"/>
+        </a:p>
+      </dgm:t>
     </dgm:pt>
     <dgm:pt modelId="{502EDFF9-FBCC-4C31-9720-9AF174A3E27A}" type="pres">
       <dgm:prSet presAssocID="{A6EF63CB-8D82-42D3-95CF-F9AFF1C668BA}" presName="sibTransNodeRect" presStyleLbl="alignNode1" presStyleIdx="1" presStyleCnt="4">
@@ -1127,6 +1162,13 @@
         </dgm:presLayoutVars>
       </dgm:prSet>
       <dgm:spPr/>
+      <dgm:t>
+        <a:bodyPr/>
+        <a:lstStyle/>
+        <a:p>
+          <a:endParaRPr lang="es-AR"/>
+        </a:p>
+      </dgm:t>
     </dgm:pt>
     <dgm:pt modelId="{833AD9AE-640B-4257-9673-5E8AAC1426BD}" type="pres">
       <dgm:prSet presAssocID="{41FD6B3A-3EF6-4818-B49F-3B0F8130C76F}" presName="nodeRect" presStyleLbl="alignNode1" presStyleIdx="1" presStyleCnt="4">
@@ -1135,6 +1177,13 @@
         </dgm:presLayoutVars>
       </dgm:prSet>
       <dgm:spPr/>
+      <dgm:t>
+        <a:bodyPr/>
+        <a:lstStyle/>
+        <a:p>
+          <a:endParaRPr lang="es-AR"/>
+        </a:p>
+      </dgm:t>
     </dgm:pt>
     <dgm:pt modelId="{D98D2368-8A79-4F81-9384-D3CD89DB0991}" type="pres">
       <dgm:prSet presAssocID="{A6EF63CB-8D82-42D3-95CF-F9AFF1C668BA}" presName="sibTrans" presStyleCnt="0"/>
@@ -1151,6 +1200,13 @@
     <dgm:pt modelId="{8A8B7A71-9A01-4C1A-9663-F23EB1E8A092}" type="pres">
       <dgm:prSet presAssocID="{D9E2DE66-AFD9-4183-AA76-06083A101168}" presName="bgRect" presStyleLbl="alignNode1" presStyleIdx="2" presStyleCnt="4"/>
       <dgm:spPr/>
+      <dgm:t>
+        <a:bodyPr/>
+        <a:lstStyle/>
+        <a:p>
+          <a:endParaRPr lang="es-AR"/>
+        </a:p>
+      </dgm:t>
     </dgm:pt>
     <dgm:pt modelId="{0B2D323B-5F64-4B3A-AC15-D3DC2BC7124C}" type="pres">
       <dgm:prSet presAssocID="{BFB757BF-80A3-47B0-A125-AE9ACF66F784}" presName="sibTransNodeRect" presStyleLbl="alignNode1" presStyleIdx="2" presStyleCnt="4">
@@ -1160,6 +1216,13 @@
         </dgm:presLayoutVars>
       </dgm:prSet>
       <dgm:spPr/>
+      <dgm:t>
+        <a:bodyPr/>
+        <a:lstStyle/>
+        <a:p>
+          <a:endParaRPr lang="es-AR"/>
+        </a:p>
+      </dgm:t>
     </dgm:pt>
     <dgm:pt modelId="{143E65D1-7E89-4D49-843C-1F5CF3AC57E7}" type="pres">
       <dgm:prSet presAssocID="{D9E2DE66-AFD9-4183-AA76-06083A101168}" presName="nodeRect" presStyleLbl="alignNode1" presStyleIdx="2" presStyleCnt="4">
@@ -1168,6 +1231,13 @@
         </dgm:presLayoutVars>
       </dgm:prSet>
       <dgm:spPr/>
+      <dgm:t>
+        <a:bodyPr/>
+        <a:lstStyle/>
+        <a:p>
+          <a:endParaRPr lang="es-AR"/>
+        </a:p>
+      </dgm:t>
     </dgm:pt>
     <dgm:pt modelId="{16CEF422-BBA0-4270-A1C7-1749736A1D6F}" type="pres">
       <dgm:prSet presAssocID="{BFB757BF-80A3-47B0-A125-AE9ACF66F784}" presName="sibTrans" presStyleCnt="0"/>
@@ -1184,6 +1254,13 @@
     <dgm:pt modelId="{3614FA8F-1114-48EF-881F-6B8B32E3ED67}" type="pres">
       <dgm:prSet presAssocID="{CA877EA4-F6D0-401D-9A86-7340AAFBA362}" presName="bgRect" presStyleLbl="alignNode1" presStyleIdx="3" presStyleCnt="4"/>
       <dgm:spPr/>
+      <dgm:t>
+        <a:bodyPr/>
+        <a:lstStyle/>
+        <a:p>
+          <a:endParaRPr lang="es-AR"/>
+        </a:p>
+      </dgm:t>
     </dgm:pt>
     <dgm:pt modelId="{239DEE0D-8A3B-493D-A2EA-EA4A0020ABF2}" type="pres">
       <dgm:prSet presAssocID="{6E2C5268-C9B3-4905-BDA0-AD490F509366}" presName="sibTransNodeRect" presStyleLbl="alignNode1" presStyleIdx="3" presStyleCnt="4">
@@ -1193,6 +1270,13 @@
         </dgm:presLayoutVars>
       </dgm:prSet>
       <dgm:spPr/>
+      <dgm:t>
+        <a:bodyPr/>
+        <a:lstStyle/>
+        <a:p>
+          <a:endParaRPr lang="es-AR"/>
+        </a:p>
+      </dgm:t>
     </dgm:pt>
     <dgm:pt modelId="{D51427F6-6728-4BF2-9918-3213F1BA8024}" type="pres">
       <dgm:prSet presAssocID="{CA877EA4-F6D0-401D-9A86-7340AAFBA362}" presName="nodeRect" presStyleLbl="alignNode1" presStyleIdx="3" presStyleCnt="4">
@@ -1201,26 +1285,33 @@
         </dgm:presLayoutVars>
       </dgm:prSet>
       <dgm:spPr/>
+      <dgm:t>
+        <a:bodyPr/>
+        <a:lstStyle/>
+        <a:p>
+          <a:endParaRPr lang="es-AR"/>
+        </a:p>
+      </dgm:t>
     </dgm:pt>
   </dgm:ptLst>
   <dgm:cxnLst>
-    <dgm:cxn modelId="{4829290C-E2D9-40F3-A5C0-F2218FCE1AF9}" srcId="{21FE30F6-EED4-40C9-9C2D-858AE46976A9}" destId="{41FD6B3A-3EF6-4818-B49F-3B0F8130C76F}" srcOrd="1" destOrd="0" parTransId="{0B404EE5-ED84-4A53-AA88-ECD63F24B9BC}" sibTransId="{A6EF63CB-8D82-42D3-95CF-F9AFF1C668BA}"/>
+    <dgm:cxn modelId="{0E0287F8-9EEA-4EEC-83D1-611B73A772F1}" srcId="{21FE30F6-EED4-40C9-9C2D-858AE46976A9}" destId="{D9E2DE66-AFD9-4183-AA76-06083A101168}" srcOrd="2" destOrd="0" parTransId="{4295604B-1B18-499E-A69F-6B1BB3C8B693}" sibTransId="{BFB757BF-80A3-47B0-A125-AE9ACF66F784}"/>
     <dgm:cxn modelId="{8004260D-36C5-40CA-8FD0-1661AEB299B3}" type="presOf" srcId="{6E2C5268-C9B3-4905-BDA0-AD490F509366}" destId="{239DEE0D-8A3B-493D-A2EA-EA4A0020ABF2}" srcOrd="0" destOrd="0" presId="urn:microsoft.com/office/officeart/2016/7/layout/LinearBlockProcessNumbered"/>
-    <dgm:cxn modelId="{62D53615-4469-4915-B3EC-0FBC9835D4C0}" type="presOf" srcId="{D9E2DE66-AFD9-4183-AA76-06083A101168}" destId="{8A8B7A71-9A01-4C1A-9663-F23EB1E8A092}" srcOrd="0" destOrd="0" presId="urn:microsoft.com/office/officeart/2016/7/layout/LinearBlockProcessNumbered"/>
-    <dgm:cxn modelId="{1E690C20-E425-4F47-95FD-965A047E3161}" srcId="{21FE30F6-EED4-40C9-9C2D-858AE46976A9}" destId="{BBB06C8F-E8ED-40B4-8F13-4CC7EB6D63E8}" srcOrd="0" destOrd="0" parTransId="{08D03523-AF4B-4860-BA79-E377B2BAD7EA}" sibTransId="{D1DBF331-0AC7-4D87-B557-490CEB7A8DE5}"/>
-    <dgm:cxn modelId="{76671535-E509-4C2F-8809-8A18F8A0435A}" type="presOf" srcId="{CA877EA4-F6D0-401D-9A86-7340AAFBA362}" destId="{D51427F6-6728-4BF2-9918-3213F1BA8024}" srcOrd="1" destOrd="0" presId="urn:microsoft.com/office/officeart/2016/7/layout/LinearBlockProcessNumbered"/>
-    <dgm:cxn modelId="{C1FAEB3B-CAD2-420C-9801-158514975D2A}" type="presOf" srcId="{D9E2DE66-AFD9-4183-AA76-06083A101168}" destId="{143E65D1-7E89-4D49-843C-1F5CF3AC57E7}" srcOrd="1" destOrd="0" presId="urn:microsoft.com/office/officeart/2016/7/layout/LinearBlockProcessNumbered"/>
-    <dgm:cxn modelId="{FF987A65-990A-4550-810D-E668496DB799}" srcId="{21FE30F6-EED4-40C9-9C2D-858AE46976A9}" destId="{CA877EA4-F6D0-401D-9A86-7340AAFBA362}" srcOrd="3" destOrd="0" parTransId="{12E92071-F5EC-465A-9678-2785AD7A5666}" sibTransId="{6E2C5268-C9B3-4905-BDA0-AD490F509366}"/>
-    <dgm:cxn modelId="{C048A969-52BC-4121-B8F1-6C9B99BB4778}" type="presOf" srcId="{CA877EA4-F6D0-401D-9A86-7340AAFBA362}" destId="{3614FA8F-1114-48EF-881F-6B8B32E3ED67}" srcOrd="0" destOrd="0" presId="urn:microsoft.com/office/officeart/2016/7/layout/LinearBlockProcessNumbered"/>
-    <dgm:cxn modelId="{E1FE1C5A-642E-4291-B2BC-21A3AF94E90A}" type="presOf" srcId="{41FD6B3A-3EF6-4818-B49F-3B0F8130C76F}" destId="{833AD9AE-640B-4257-9673-5E8AAC1426BD}" srcOrd="1" destOrd="0" presId="urn:microsoft.com/office/officeart/2016/7/layout/LinearBlockProcessNumbered"/>
+    <dgm:cxn modelId="{5C9DA1DB-8ADA-4468-A098-278A6A9BDB29}" type="presOf" srcId="{A6EF63CB-8D82-42D3-95CF-F9AFF1C668BA}" destId="{502EDFF9-FBCC-4C31-9720-9AF174A3E27A}" srcOrd="0" destOrd="0" presId="urn:microsoft.com/office/officeart/2016/7/layout/LinearBlockProcessNumbered"/>
     <dgm:cxn modelId="{FFCB6490-B587-48F9-9F75-097EAC9D8828}" type="presOf" srcId="{21FE30F6-EED4-40C9-9C2D-858AE46976A9}" destId="{65799A87-9B45-4CC5-B4BF-125ED71BF0D3}" srcOrd="0" destOrd="0" presId="urn:microsoft.com/office/officeart/2016/7/layout/LinearBlockProcessNumbered"/>
     <dgm:cxn modelId="{4D1EDBAD-850A-4712-8554-7C628657DC86}" type="presOf" srcId="{D1DBF331-0AC7-4D87-B557-490CEB7A8DE5}" destId="{65A50992-64FB-4EEF-9432-71F40A87DC3A}" srcOrd="0" destOrd="0" presId="urn:microsoft.com/office/officeart/2016/7/layout/LinearBlockProcessNumbered"/>
     <dgm:cxn modelId="{787042BA-9027-472E-9722-E4BBAC13B5C6}" type="presOf" srcId="{BFB757BF-80A3-47B0-A125-AE9ACF66F784}" destId="{0B2D323B-5F64-4B3A-AC15-D3DC2BC7124C}" srcOrd="0" destOrd="0" presId="urn:microsoft.com/office/officeart/2016/7/layout/LinearBlockProcessNumbered"/>
+    <dgm:cxn modelId="{1E690C20-E425-4F47-95FD-965A047E3161}" srcId="{21FE30F6-EED4-40C9-9C2D-858AE46976A9}" destId="{BBB06C8F-E8ED-40B4-8F13-4CC7EB6D63E8}" srcOrd="0" destOrd="0" parTransId="{08D03523-AF4B-4860-BA79-E377B2BAD7EA}" sibTransId="{D1DBF331-0AC7-4D87-B557-490CEB7A8DE5}"/>
+    <dgm:cxn modelId="{FF987A65-990A-4550-810D-E668496DB799}" srcId="{21FE30F6-EED4-40C9-9C2D-858AE46976A9}" destId="{CA877EA4-F6D0-401D-9A86-7340AAFBA362}" srcOrd="3" destOrd="0" parTransId="{12E92071-F5EC-465A-9678-2785AD7A5666}" sibTransId="{6E2C5268-C9B3-4905-BDA0-AD490F509366}"/>
+    <dgm:cxn modelId="{E1FE1C5A-642E-4291-B2BC-21A3AF94E90A}" type="presOf" srcId="{41FD6B3A-3EF6-4818-B49F-3B0F8130C76F}" destId="{833AD9AE-640B-4257-9673-5E8AAC1426BD}" srcOrd="1" destOrd="0" presId="urn:microsoft.com/office/officeart/2016/7/layout/LinearBlockProcessNumbered"/>
+    <dgm:cxn modelId="{C048A969-52BC-4121-B8F1-6C9B99BB4778}" type="presOf" srcId="{CA877EA4-F6D0-401D-9A86-7340AAFBA362}" destId="{3614FA8F-1114-48EF-881F-6B8B32E3ED67}" srcOrd="0" destOrd="0" presId="urn:microsoft.com/office/officeart/2016/7/layout/LinearBlockProcessNumbered"/>
+    <dgm:cxn modelId="{62D53615-4469-4915-B3EC-0FBC9835D4C0}" type="presOf" srcId="{D9E2DE66-AFD9-4183-AA76-06083A101168}" destId="{8A8B7A71-9A01-4C1A-9663-F23EB1E8A092}" srcOrd="0" destOrd="0" presId="urn:microsoft.com/office/officeart/2016/7/layout/LinearBlockProcessNumbered"/>
+    <dgm:cxn modelId="{6A8F14DA-9AC9-48A1-BDA1-CB1E49E5E09F}" type="presOf" srcId="{41FD6B3A-3EF6-4818-B49F-3B0F8130C76F}" destId="{433F3CC7-6513-4910-9F99-ADC51A38CF2B}" srcOrd="0" destOrd="0" presId="urn:microsoft.com/office/officeart/2016/7/layout/LinearBlockProcessNumbered"/>
     <dgm:cxn modelId="{0E5744BE-0038-4E7D-B14E-0AD582002374}" type="presOf" srcId="{BBB06C8F-E8ED-40B4-8F13-4CC7EB6D63E8}" destId="{8E7E9C74-B3AB-45E9-A991-40135130A03F}" srcOrd="0" destOrd="0" presId="urn:microsoft.com/office/officeart/2016/7/layout/LinearBlockProcessNumbered"/>
-    <dgm:cxn modelId="{6A8F14DA-9AC9-48A1-BDA1-CB1E49E5E09F}" type="presOf" srcId="{41FD6B3A-3EF6-4818-B49F-3B0F8130C76F}" destId="{433F3CC7-6513-4910-9F99-ADC51A38CF2B}" srcOrd="0" destOrd="0" presId="urn:microsoft.com/office/officeart/2016/7/layout/LinearBlockProcessNumbered"/>
-    <dgm:cxn modelId="{5C9DA1DB-8ADA-4468-A098-278A6A9BDB29}" type="presOf" srcId="{A6EF63CB-8D82-42D3-95CF-F9AFF1C668BA}" destId="{502EDFF9-FBCC-4C31-9720-9AF174A3E27A}" srcOrd="0" destOrd="0" presId="urn:microsoft.com/office/officeart/2016/7/layout/LinearBlockProcessNumbered"/>
+    <dgm:cxn modelId="{C1FAEB3B-CAD2-420C-9801-158514975D2A}" type="presOf" srcId="{D9E2DE66-AFD9-4183-AA76-06083A101168}" destId="{143E65D1-7E89-4D49-843C-1F5CF3AC57E7}" srcOrd="1" destOrd="0" presId="urn:microsoft.com/office/officeart/2016/7/layout/LinearBlockProcessNumbered"/>
+    <dgm:cxn modelId="{4829290C-E2D9-40F3-A5C0-F2218FCE1AF9}" srcId="{21FE30F6-EED4-40C9-9C2D-858AE46976A9}" destId="{41FD6B3A-3EF6-4818-B49F-3B0F8130C76F}" srcOrd="1" destOrd="0" parTransId="{0B404EE5-ED84-4A53-AA88-ECD63F24B9BC}" sibTransId="{A6EF63CB-8D82-42D3-95CF-F9AFF1C668BA}"/>
     <dgm:cxn modelId="{341B5FE9-D6DA-45CA-9045-63492D77F79E}" type="presOf" srcId="{BBB06C8F-E8ED-40B4-8F13-4CC7EB6D63E8}" destId="{34366F6F-8981-4435-AE4A-2CD5C4B2881B}" srcOrd="1" destOrd="0" presId="urn:microsoft.com/office/officeart/2016/7/layout/LinearBlockProcessNumbered"/>
-    <dgm:cxn modelId="{0E0287F8-9EEA-4EEC-83D1-611B73A772F1}" srcId="{21FE30F6-EED4-40C9-9C2D-858AE46976A9}" destId="{D9E2DE66-AFD9-4183-AA76-06083A101168}" srcOrd="2" destOrd="0" parTransId="{4295604B-1B18-499E-A69F-6B1BB3C8B693}" sibTransId="{BFB757BF-80A3-47B0-A125-AE9ACF66F784}"/>
+    <dgm:cxn modelId="{76671535-E509-4C2F-8809-8A18F8A0435A}" type="presOf" srcId="{CA877EA4-F6D0-401D-9A86-7340AAFBA362}" destId="{D51427F6-6728-4BF2-9918-3213F1BA8024}" srcOrd="1" destOrd="0" presId="urn:microsoft.com/office/officeart/2016/7/layout/LinearBlockProcessNumbered"/>
     <dgm:cxn modelId="{B10D3618-3DEC-4CD3-9A33-26CD3EA7129B}" type="presParOf" srcId="{65799A87-9B45-4CC5-B4BF-125ED71BF0D3}" destId="{D8E33CA1-CCDF-4C3C-92DD-FBA31E116F65}" srcOrd="0" destOrd="0" presId="urn:microsoft.com/office/officeart/2016/7/layout/LinearBlockProcessNumbered"/>
     <dgm:cxn modelId="{117D843C-92E1-4B2E-8C8B-99A3CF55547A}" type="presParOf" srcId="{D8E33CA1-CCDF-4C3C-92DD-FBA31E116F65}" destId="{8E7E9C74-B3AB-45E9-A991-40135130A03F}" srcOrd="0" destOrd="0" presId="urn:microsoft.com/office/officeart/2016/7/layout/LinearBlockProcessNumbered"/>
     <dgm:cxn modelId="{3C5508E3-6457-4D7A-831B-A0AF3B778E6F}" type="presParOf" srcId="{D8E33CA1-CCDF-4C3C-92DD-FBA31E116F65}" destId="{65A50992-64FB-4EEF-9432-71F40A87DC3A}" srcOrd="1" destOrd="0" presId="urn:microsoft.com/office/officeart/2016/7/layout/LinearBlockProcessNumbered"/>
@@ -1314,7 +1405,7 @@
         </a:bodyPr>
         <a:lstStyle/>
         <a:p>
-          <a:pPr marL="0" lvl="0" indent="0" algn="l" defTabSz="889000">
+          <a:pPr lvl="0" algn="l" defTabSz="889000">
             <a:lnSpc>
               <a:spcPct val="90000"/>
             </a:lnSpc>
@@ -1324,7 +1415,6 @@
             <a:spcAft>
               <a:spcPct val="35000"/>
             </a:spcAft>
-            <a:buNone/>
           </a:pPr>
           <a:r>
             <a:rPr lang="es-AR" sz="2000" kern="1200" dirty="0"/>
@@ -1380,7 +1470,7 @@
         </a:bodyPr>
         <a:lstStyle/>
         <a:p>
-          <a:pPr marL="0" lvl="0" indent="0" algn="l" defTabSz="889000">
+          <a:pPr lvl="0" algn="l" defTabSz="889000">
             <a:lnSpc>
               <a:spcPct val="90000"/>
             </a:lnSpc>
@@ -1390,7 +1480,6 @@
             <a:spcAft>
               <a:spcPct val="35000"/>
             </a:spcAft>
-            <a:buNone/>
           </a:pPr>
           <a:endParaRPr lang="en-US" sz="2000" kern="1200"/>
         </a:p>
@@ -1455,7 +1544,7 @@
         </a:bodyPr>
         <a:lstStyle/>
         <a:p>
-          <a:pPr marL="0" lvl="0" indent="0" algn="l" defTabSz="889000">
+          <a:pPr lvl="0" algn="l" defTabSz="889000">
             <a:lnSpc>
               <a:spcPct val="90000"/>
             </a:lnSpc>
@@ -1465,7 +1554,6 @@
             <a:spcAft>
               <a:spcPct val="35000"/>
             </a:spcAft>
-            <a:buNone/>
           </a:pPr>
           <a:r>
             <a:rPr lang="es-AR" sz="2000" kern="1200" dirty="0"/>
@@ -1521,7 +1609,7 @@
         </a:bodyPr>
         <a:lstStyle/>
         <a:p>
-          <a:pPr marL="0" lvl="0" indent="0" algn="l" defTabSz="889000">
+          <a:pPr lvl="0" algn="l" defTabSz="889000">
             <a:lnSpc>
               <a:spcPct val="90000"/>
             </a:lnSpc>
@@ -1531,7 +1619,6 @@
             <a:spcAft>
               <a:spcPct val="35000"/>
             </a:spcAft>
-            <a:buNone/>
           </a:pPr>
           <a:endParaRPr lang="en-US" sz="2000" kern="1200"/>
         </a:p>
@@ -1596,7 +1683,7 @@
         </a:bodyPr>
         <a:lstStyle/>
         <a:p>
-          <a:pPr marL="0" lvl="0" indent="0" algn="l" defTabSz="889000">
+          <a:pPr lvl="0" algn="l" defTabSz="889000">
             <a:lnSpc>
               <a:spcPct val="90000"/>
             </a:lnSpc>
@@ -1606,7 +1693,6 @@
             <a:spcAft>
               <a:spcPct val="35000"/>
             </a:spcAft>
-            <a:buNone/>
           </a:pPr>
           <a:r>
             <a:rPr lang="es-AR" sz="2000" kern="1200" dirty="0"/>
@@ -1662,7 +1748,7 @@
         </a:bodyPr>
         <a:lstStyle/>
         <a:p>
-          <a:pPr marL="0" lvl="0" indent="0" algn="l" defTabSz="889000">
+          <a:pPr lvl="0" algn="l" defTabSz="889000">
             <a:lnSpc>
               <a:spcPct val="90000"/>
             </a:lnSpc>
@@ -1672,7 +1758,6 @@
             <a:spcAft>
               <a:spcPct val="35000"/>
             </a:spcAft>
-            <a:buNone/>
           </a:pPr>
           <a:endParaRPr lang="en-US" sz="2000" kern="1200"/>
         </a:p>
@@ -1737,7 +1822,7 @@
         </a:bodyPr>
         <a:lstStyle/>
         <a:p>
-          <a:pPr marL="0" lvl="0" indent="0" algn="l" defTabSz="889000">
+          <a:pPr lvl="0" algn="l" defTabSz="889000">
             <a:lnSpc>
               <a:spcPct val="90000"/>
             </a:lnSpc>
@@ -1747,7 +1832,6 @@
             <a:spcAft>
               <a:spcPct val="35000"/>
             </a:spcAft>
-            <a:buNone/>
           </a:pPr>
           <a:r>
             <a:rPr lang="es-AR" sz="2000" kern="1200" dirty="0"/>
@@ -1803,7 +1887,7 @@
         </a:bodyPr>
         <a:lstStyle/>
         <a:p>
-          <a:pPr marL="0" lvl="0" indent="0" algn="l" defTabSz="889000">
+          <a:pPr lvl="0" algn="l" defTabSz="889000">
             <a:lnSpc>
               <a:spcPct val="90000"/>
             </a:lnSpc>
@@ -1813,7 +1897,6 @@
             <a:spcAft>
               <a:spcPct val="35000"/>
             </a:spcAft>
-            <a:buNone/>
           </a:pPr>
           <a:endParaRPr lang="en-US" sz="2000" kern="1200"/>
         </a:p>
@@ -2081,7 +2164,7 @@
   </dgm:layoutNode>
   <dgm:extLst>
     <a:ext uri="{4F341089-5ED1-44EC-B178-C955D00A3D55}">
-      <dgm1611:autoBuNodeInfoLst xmlns:dgm1611="http://schemas.microsoft.com/office/drawing/2016/11/diagram">
+      <dgm1611:autoBuNodeInfoLst xmlns:dgm1611="http://schemas.microsoft.com/office/drawing/2016/11/diagram" xmlns="">
         <dgm1611:autoBuNodeInfo lvl="1" ptType="sibTrans">
           <dgm1611:buPr prefix="" leadZeros="1">
             <a:buAutoNum type="arabicParenBoth"/>
@@ -3692,6 +3775,146 @@
       </p:grpSpPr>
       <p:sp>
         <p:nvSpPr>
+          <p:cNvPr id="2" name="Marcador de imagen de diapositiva 1"/>
+          <p:cNvSpPr>
+            <a:spLocks noGrp="1" noRot="1" noChangeAspect="1"/>
+          </p:cNvSpPr>
+          <p:nvPr>
+            <p:ph type="sldImg"/>
+          </p:nvPr>
+        </p:nvSpPr>
+        <p:spPr/>
+      </p:sp>
+      <p:sp>
+        <p:nvSpPr>
+          <p:cNvPr id="3" name="Marcador de notas 2"/>
+          <p:cNvSpPr>
+            <a:spLocks noGrp="1"/>
+          </p:cNvSpPr>
+          <p:nvPr>
+            <p:ph type="body" idx="1"/>
+          </p:nvPr>
+        </p:nvSpPr>
+        <p:spPr/>
+        <p:txBody>
+          <a:bodyPr/>
+          <a:lstStyle/>
+          <a:p>
+            <a:r>
+              <a:rPr lang="es-AR" dirty="0" smtClean="0"/>
+              <a:t>Temas a tener en cuenta:</a:t>
+            </a:r>
+          </a:p>
+          <a:p>
+            <a:pPr marL="171450" indent="-171450">
+              <a:buFontTx/>
+              <a:buChar char="-"/>
+            </a:pPr>
+            <a:r>
+              <a:rPr lang="es-AR" dirty="0" smtClean="0"/>
+              <a:t>Se reduce el tiempo de espera a medida que se suman</a:t>
+            </a:r>
+            <a:r>
+              <a:rPr lang="es-AR" baseline="0" dirty="0" smtClean="0"/>
+              <a:t> mas operadores MDSTI</a:t>
+            </a:r>
+          </a:p>
+          <a:p>
+            <a:pPr marL="171450" indent="-171450">
+              <a:buFontTx/>
+              <a:buChar char="-"/>
+            </a:pPr>
+            <a:r>
+              <a:rPr lang="es-AR" baseline="0" dirty="0" smtClean="0"/>
+              <a:t>Hay mayor cantidad de llamados para MDSTI</a:t>
+            </a:r>
+          </a:p>
+          <a:p>
+            <a:pPr marL="171450" indent="-171450">
+              <a:buFontTx/>
+              <a:buChar char="-"/>
+            </a:pPr>
+            <a:r>
+              <a:rPr lang="es-AR" baseline="0" dirty="0" smtClean="0"/>
+              <a:t>Promedio del tiempo ocioso de </a:t>
+            </a:r>
+            <a:r>
+              <a:rPr lang="es-AR" baseline="0" dirty="0" err="1" smtClean="0"/>
+              <a:t>Sap</a:t>
+            </a:r>
+            <a:r>
+              <a:rPr lang="es-AR" baseline="0" dirty="0" smtClean="0"/>
+              <a:t> se mantiene debido a los pocos </a:t>
+            </a:r>
+            <a:r>
+              <a:rPr lang="es-AR" baseline="0" smtClean="0"/>
+              <a:t>llamados que tiene.</a:t>
+            </a:r>
+          </a:p>
+          <a:p>
+            <a:pPr marL="171450" indent="-171450">
+              <a:buFontTx/>
+              <a:buChar char="-"/>
+            </a:pPr>
+            <a:endParaRPr lang="es-AR" baseline="0" dirty="0" smtClean="0"/>
+          </a:p>
+        </p:txBody>
+      </p:sp>
+      <p:sp>
+        <p:nvSpPr>
+          <p:cNvPr id="4" name="Marcador de número de diapositiva 3"/>
+          <p:cNvSpPr>
+            <a:spLocks noGrp="1"/>
+          </p:cNvSpPr>
+          <p:nvPr>
+            <p:ph type="sldNum" sz="quarter" idx="10"/>
+          </p:nvPr>
+        </p:nvSpPr>
+        <p:spPr/>
+        <p:txBody>
+          <a:bodyPr/>
+          <a:lstStyle/>
+          <a:p>
+            <a:fld id="{E0746DE6-3336-457D-A091-FA20AC1C536E}" type="slidenum">
+              <a:rPr lang="en-US" smtClean="0"/>
+              <a:t>6</a:t>
+            </a:fld>
+            <a:endParaRPr lang="en-US"/>
+          </a:p>
+        </p:txBody>
+      </p:sp>
+    </p:spTree>
+    <p:extLst>
+      <p:ext uri="{BB962C8B-B14F-4D97-AF65-F5344CB8AC3E}">
+        <p14:creationId xmlns:p14="http://schemas.microsoft.com/office/powerpoint/2010/main" val="3335587376"/>
+      </p:ext>
+    </p:extLst>
+  </p:cSld>
+  <p:clrMapOvr>
+    <a:masterClrMapping/>
+  </p:clrMapOvr>
+</p:notes>
+</file>
+
+<file path=ppt/notesSlides/notesSlide4.xml><?xml version="1.0" encoding="utf-8"?>
+<p:notes xmlns:a="http://schemas.openxmlformats.org/drawingml/2006/main" xmlns:r="http://schemas.openxmlformats.org/officeDocument/2006/relationships" xmlns:p="http://schemas.openxmlformats.org/presentationml/2006/main">
+  <p:cSld>
+    <p:spTree>
+      <p:nvGrpSpPr>
+        <p:cNvPr id="1" name=""/>
+        <p:cNvGrpSpPr/>
+        <p:nvPr/>
+      </p:nvGrpSpPr>
+      <p:grpSpPr>
+        <a:xfrm>
+          <a:off x="0" y="0"/>
+          <a:ext cx="0" cy="0"/>
+          <a:chOff x="0" y="0"/>
+          <a:chExt cx="0" cy="0"/>
+        </a:xfrm>
+      </p:grpSpPr>
+      <p:sp>
+        <p:nvSpPr>
           <p:cNvPr id="2" name="Slide Image Placeholder 1"/>
           <p:cNvSpPr>
             <a:spLocks noGrp="1" noRot="1" noChangeAspect="1"/>
@@ -3812,7 +4035,7 @@
           <p:cNvPr id="2" name="Title 1">
             <a:extLst>
               <a:ext uri="{FF2B5EF4-FFF2-40B4-BE49-F238E27FC236}">
-                <a16:creationId xmlns:a16="http://schemas.microsoft.com/office/drawing/2014/main" id="{DE0391AB-F383-4237-A071-AD1C6E9246D2}"/>
+                <a16:creationId xmlns:a16="http://schemas.microsoft.com/office/drawing/2014/main" xmlns="" id="{DE0391AB-F383-4237-A071-AD1C6E9246D2}"/>
               </a:ext>
             </a:extLst>
           </p:cNvPr>
@@ -3850,7 +4073,7 @@
           <p:cNvPr id="3" name="Subtitle 2">
             <a:extLst>
               <a:ext uri="{FF2B5EF4-FFF2-40B4-BE49-F238E27FC236}">
-                <a16:creationId xmlns:a16="http://schemas.microsoft.com/office/drawing/2014/main" id="{7F6636DA-4FDE-4B32-8CCE-37EFA3E75799}"/>
+                <a16:creationId xmlns:a16="http://schemas.microsoft.com/office/drawing/2014/main" xmlns="" id="{7F6636DA-4FDE-4B32-8CCE-37EFA3E75799}"/>
               </a:ext>
             </a:extLst>
           </p:cNvPr>
@@ -3921,7 +4144,7 @@
           <p:cNvPr id="4" name="Date Placeholder 3">
             <a:extLst>
               <a:ext uri="{FF2B5EF4-FFF2-40B4-BE49-F238E27FC236}">
-                <a16:creationId xmlns:a16="http://schemas.microsoft.com/office/drawing/2014/main" id="{30F87932-8FF0-4DF1-A776-9A3CE37618A7}"/>
+                <a16:creationId xmlns:a16="http://schemas.microsoft.com/office/drawing/2014/main" xmlns="" id="{30F87932-8FF0-4DF1-A776-9A3CE37618A7}"/>
               </a:ext>
             </a:extLst>
           </p:cNvPr>
@@ -3950,7 +4173,7 @@
           <p:cNvPr id="5" name="Footer Placeholder 4">
             <a:extLst>
               <a:ext uri="{FF2B5EF4-FFF2-40B4-BE49-F238E27FC236}">
-                <a16:creationId xmlns:a16="http://schemas.microsoft.com/office/drawing/2014/main" id="{5F38FAB8-C9F1-4DBB-B355-D8DEE370657B}"/>
+                <a16:creationId xmlns:a16="http://schemas.microsoft.com/office/drawing/2014/main" xmlns="" id="{5F38FAB8-C9F1-4DBB-B355-D8DEE370657B}"/>
               </a:ext>
             </a:extLst>
           </p:cNvPr>
@@ -3975,7 +4198,7 @@
           <p:cNvPr id="6" name="Slide Number Placeholder 5">
             <a:extLst>
               <a:ext uri="{FF2B5EF4-FFF2-40B4-BE49-F238E27FC236}">
-                <a16:creationId xmlns:a16="http://schemas.microsoft.com/office/drawing/2014/main" id="{F24490E3-D8E8-4766-9104-14009BF5636F}"/>
+                <a16:creationId xmlns:a16="http://schemas.microsoft.com/office/drawing/2014/main" xmlns="" id="{F24490E3-D8E8-4766-9104-14009BF5636F}"/>
               </a:ext>
             </a:extLst>
           </p:cNvPr>
@@ -4034,7 +4257,7 @@
           <p:cNvPr id="2" name="Title 1">
             <a:extLst>
               <a:ext uri="{FF2B5EF4-FFF2-40B4-BE49-F238E27FC236}">
-                <a16:creationId xmlns:a16="http://schemas.microsoft.com/office/drawing/2014/main" id="{303B8678-553E-4A5B-8CFE-5DB358BDF358}"/>
+                <a16:creationId xmlns:a16="http://schemas.microsoft.com/office/drawing/2014/main" xmlns="" id="{303B8678-553E-4A5B-8CFE-5DB358BDF358}"/>
               </a:ext>
             </a:extLst>
           </p:cNvPr>
@@ -4063,7 +4286,7 @@
           <p:cNvPr id="3" name="Vertical Text Placeholder 2">
             <a:extLst>
               <a:ext uri="{FF2B5EF4-FFF2-40B4-BE49-F238E27FC236}">
-                <a16:creationId xmlns:a16="http://schemas.microsoft.com/office/drawing/2014/main" id="{E43AF303-1F73-4575-83E6-561589F1632E}"/>
+                <a16:creationId xmlns:a16="http://schemas.microsoft.com/office/drawing/2014/main" xmlns="" id="{E43AF303-1F73-4575-83E6-561589F1632E}"/>
               </a:ext>
             </a:extLst>
           </p:cNvPr>
@@ -4121,7 +4344,7 @@
           <p:cNvPr id="4" name="Date Placeholder 3">
             <a:extLst>
               <a:ext uri="{FF2B5EF4-FFF2-40B4-BE49-F238E27FC236}">
-                <a16:creationId xmlns:a16="http://schemas.microsoft.com/office/drawing/2014/main" id="{2436EC56-7DCF-400D-A871-C26291EB10AD}"/>
+                <a16:creationId xmlns:a16="http://schemas.microsoft.com/office/drawing/2014/main" xmlns="" id="{2436EC56-7DCF-400D-A871-C26291EB10AD}"/>
               </a:ext>
             </a:extLst>
           </p:cNvPr>
@@ -4150,7 +4373,7 @@
           <p:cNvPr id="5" name="Footer Placeholder 4">
             <a:extLst>
               <a:ext uri="{FF2B5EF4-FFF2-40B4-BE49-F238E27FC236}">
-                <a16:creationId xmlns:a16="http://schemas.microsoft.com/office/drawing/2014/main" id="{17FFAC5B-7C77-4F8C-ADB0-8D208A2EB303}"/>
+                <a16:creationId xmlns:a16="http://schemas.microsoft.com/office/drawing/2014/main" xmlns="" id="{17FFAC5B-7C77-4F8C-ADB0-8D208A2EB303}"/>
               </a:ext>
             </a:extLst>
           </p:cNvPr>
@@ -4175,7 +4398,7 @@
           <p:cNvPr id="6" name="Slide Number Placeholder 5">
             <a:extLst>
               <a:ext uri="{FF2B5EF4-FFF2-40B4-BE49-F238E27FC236}">
-                <a16:creationId xmlns:a16="http://schemas.microsoft.com/office/drawing/2014/main" id="{BD2F48AF-AB8F-4DD2-BC77-7E2F42AD3B87}"/>
+                <a16:creationId xmlns:a16="http://schemas.microsoft.com/office/drawing/2014/main" xmlns="" id="{BD2F48AF-AB8F-4DD2-BC77-7E2F42AD3B87}"/>
               </a:ext>
             </a:extLst>
           </p:cNvPr>
@@ -4234,7 +4457,7 @@
           <p:cNvPr id="2" name="Vertical Title 1">
             <a:extLst>
               <a:ext uri="{FF2B5EF4-FFF2-40B4-BE49-F238E27FC236}">
-                <a16:creationId xmlns:a16="http://schemas.microsoft.com/office/drawing/2014/main" id="{A20ED820-BFE6-41B5-8064-984037A999A8}"/>
+                <a16:creationId xmlns:a16="http://schemas.microsoft.com/office/drawing/2014/main" xmlns="" id="{A20ED820-BFE6-41B5-8064-984037A999A8}"/>
               </a:ext>
             </a:extLst>
           </p:cNvPr>
@@ -4268,7 +4491,7 @@
           <p:cNvPr id="3" name="Vertical Text Placeholder 2">
             <a:extLst>
               <a:ext uri="{FF2B5EF4-FFF2-40B4-BE49-F238E27FC236}">
-                <a16:creationId xmlns:a16="http://schemas.microsoft.com/office/drawing/2014/main" id="{9CA27FEA-5359-474A-B4F8-FF510DD7489A}"/>
+                <a16:creationId xmlns:a16="http://schemas.microsoft.com/office/drawing/2014/main" xmlns="" id="{9CA27FEA-5359-474A-B4F8-FF510DD7489A}"/>
               </a:ext>
             </a:extLst>
           </p:cNvPr>
@@ -4331,7 +4554,7 @@
           <p:cNvPr id="4" name="Date Placeholder 3">
             <a:extLst>
               <a:ext uri="{FF2B5EF4-FFF2-40B4-BE49-F238E27FC236}">
-                <a16:creationId xmlns:a16="http://schemas.microsoft.com/office/drawing/2014/main" id="{D14DD33D-563C-4B8C-B8C1-625FF5C5B85D}"/>
+                <a16:creationId xmlns:a16="http://schemas.microsoft.com/office/drawing/2014/main" xmlns="" id="{D14DD33D-563C-4B8C-B8C1-625FF5C5B85D}"/>
               </a:ext>
             </a:extLst>
           </p:cNvPr>
@@ -4360,7 +4583,7 @@
           <p:cNvPr id="5" name="Footer Placeholder 4">
             <a:extLst>
               <a:ext uri="{FF2B5EF4-FFF2-40B4-BE49-F238E27FC236}">
-                <a16:creationId xmlns:a16="http://schemas.microsoft.com/office/drawing/2014/main" id="{40471877-89FD-46BE-832F-C5660A5567D2}"/>
+                <a16:creationId xmlns:a16="http://schemas.microsoft.com/office/drawing/2014/main" xmlns="" id="{40471877-89FD-46BE-832F-C5660A5567D2}"/>
               </a:ext>
             </a:extLst>
           </p:cNvPr>
@@ -4385,7 +4608,7 @@
           <p:cNvPr id="6" name="Slide Number Placeholder 5">
             <a:extLst>
               <a:ext uri="{FF2B5EF4-FFF2-40B4-BE49-F238E27FC236}">
-                <a16:creationId xmlns:a16="http://schemas.microsoft.com/office/drawing/2014/main" id="{0E6E675F-CC4D-48CF-90C8-53829EE08B8C}"/>
+                <a16:creationId xmlns:a16="http://schemas.microsoft.com/office/drawing/2014/main" xmlns="" id="{0E6E675F-CC4D-48CF-90C8-53829EE08B8C}"/>
               </a:ext>
             </a:extLst>
           </p:cNvPr>
@@ -4444,7 +4667,7 @@
           <p:cNvPr id="2" name="Title 1">
             <a:extLst>
               <a:ext uri="{FF2B5EF4-FFF2-40B4-BE49-F238E27FC236}">
-                <a16:creationId xmlns:a16="http://schemas.microsoft.com/office/drawing/2014/main" id="{E8CBC967-18DB-4664-9B4D-06177FB946B3}"/>
+                <a16:creationId xmlns:a16="http://schemas.microsoft.com/office/drawing/2014/main" xmlns="" id="{E8CBC967-18DB-4664-9B4D-06177FB946B3}"/>
               </a:ext>
             </a:extLst>
           </p:cNvPr>
@@ -4473,7 +4696,7 @@
           <p:cNvPr id="3" name="Content Placeholder 2">
             <a:extLst>
               <a:ext uri="{FF2B5EF4-FFF2-40B4-BE49-F238E27FC236}">
-                <a16:creationId xmlns:a16="http://schemas.microsoft.com/office/drawing/2014/main" id="{5ADF7174-64B4-4D8F-BF44-3DD1F66CAD00}"/>
+                <a16:creationId xmlns:a16="http://schemas.microsoft.com/office/drawing/2014/main" xmlns="" id="{5ADF7174-64B4-4D8F-BF44-3DD1F66CAD00}"/>
               </a:ext>
             </a:extLst>
           </p:cNvPr>
@@ -4531,7 +4754,7 @@
           <p:cNvPr id="4" name="Date Placeholder 3">
             <a:extLst>
               <a:ext uri="{FF2B5EF4-FFF2-40B4-BE49-F238E27FC236}">
-                <a16:creationId xmlns:a16="http://schemas.microsoft.com/office/drawing/2014/main" id="{55CD83D3-86C4-482F-A2DC-B4C55DBF3F7A}"/>
+                <a16:creationId xmlns:a16="http://schemas.microsoft.com/office/drawing/2014/main" xmlns="" id="{55CD83D3-86C4-482F-A2DC-B4C55DBF3F7A}"/>
               </a:ext>
             </a:extLst>
           </p:cNvPr>
@@ -4560,7 +4783,7 @@
           <p:cNvPr id="5" name="Footer Placeholder 4">
             <a:extLst>
               <a:ext uri="{FF2B5EF4-FFF2-40B4-BE49-F238E27FC236}">
-                <a16:creationId xmlns:a16="http://schemas.microsoft.com/office/drawing/2014/main" id="{DCF05BE2-6C23-4CB4-A63E-457E635BF267}"/>
+                <a16:creationId xmlns:a16="http://schemas.microsoft.com/office/drawing/2014/main" xmlns="" id="{DCF05BE2-6C23-4CB4-A63E-457E635BF267}"/>
               </a:ext>
             </a:extLst>
           </p:cNvPr>
@@ -4585,7 +4808,7 @@
           <p:cNvPr id="6" name="Slide Number Placeholder 5">
             <a:extLst>
               <a:ext uri="{FF2B5EF4-FFF2-40B4-BE49-F238E27FC236}">
-                <a16:creationId xmlns:a16="http://schemas.microsoft.com/office/drawing/2014/main" id="{1C097965-24FE-4C07-BE16-69AE439950EF}"/>
+                <a16:creationId xmlns:a16="http://schemas.microsoft.com/office/drawing/2014/main" xmlns="" id="{1C097965-24FE-4C07-BE16-69AE439950EF}"/>
               </a:ext>
             </a:extLst>
           </p:cNvPr>
@@ -4644,7 +4867,7 @@
           <p:cNvPr id="2" name="Title 1">
             <a:extLst>
               <a:ext uri="{FF2B5EF4-FFF2-40B4-BE49-F238E27FC236}">
-                <a16:creationId xmlns:a16="http://schemas.microsoft.com/office/drawing/2014/main" id="{7233394D-04EF-440C-B08B-114464B315C6}"/>
+                <a16:creationId xmlns:a16="http://schemas.microsoft.com/office/drawing/2014/main" xmlns="" id="{7233394D-04EF-440C-B08B-114464B315C6}"/>
               </a:ext>
             </a:extLst>
           </p:cNvPr>
@@ -4682,7 +4905,7 @@
           <p:cNvPr id="3" name="Text Placeholder 2">
             <a:extLst>
               <a:ext uri="{FF2B5EF4-FFF2-40B4-BE49-F238E27FC236}">
-                <a16:creationId xmlns:a16="http://schemas.microsoft.com/office/drawing/2014/main" id="{BBEBE3F6-F021-4D6B-8B0D-EF74D7461F93}"/>
+                <a16:creationId xmlns:a16="http://schemas.microsoft.com/office/drawing/2014/main" xmlns="" id="{BBEBE3F6-F021-4D6B-8B0D-EF74D7461F93}"/>
               </a:ext>
             </a:extLst>
           </p:cNvPr>
@@ -4807,7 +5030,7 @@
           <p:cNvPr id="4" name="Date Placeholder 3">
             <a:extLst>
               <a:ext uri="{FF2B5EF4-FFF2-40B4-BE49-F238E27FC236}">
-                <a16:creationId xmlns:a16="http://schemas.microsoft.com/office/drawing/2014/main" id="{B196233C-6806-4593-91C0-CF4ECD84A601}"/>
+                <a16:creationId xmlns:a16="http://schemas.microsoft.com/office/drawing/2014/main" xmlns="" id="{B196233C-6806-4593-91C0-CF4ECD84A601}"/>
               </a:ext>
             </a:extLst>
           </p:cNvPr>
@@ -4836,7 +5059,7 @@
           <p:cNvPr id="5" name="Footer Placeholder 4">
             <a:extLst>
               <a:ext uri="{FF2B5EF4-FFF2-40B4-BE49-F238E27FC236}">
-                <a16:creationId xmlns:a16="http://schemas.microsoft.com/office/drawing/2014/main" id="{963A761E-2D3A-4397-A82C-2F3B981DE045}"/>
+                <a16:creationId xmlns:a16="http://schemas.microsoft.com/office/drawing/2014/main" xmlns="" id="{963A761E-2D3A-4397-A82C-2F3B981DE045}"/>
               </a:ext>
             </a:extLst>
           </p:cNvPr>
@@ -4861,7 +5084,7 @@
           <p:cNvPr id="6" name="Slide Number Placeholder 5">
             <a:extLst>
               <a:ext uri="{FF2B5EF4-FFF2-40B4-BE49-F238E27FC236}">
-                <a16:creationId xmlns:a16="http://schemas.microsoft.com/office/drawing/2014/main" id="{68297E71-B59F-4260-B01B-2B7CEB0896BD}"/>
+                <a16:creationId xmlns:a16="http://schemas.microsoft.com/office/drawing/2014/main" xmlns="" id="{68297E71-B59F-4260-B01B-2B7CEB0896BD}"/>
               </a:ext>
             </a:extLst>
           </p:cNvPr>
@@ -4920,7 +5143,7 @@
           <p:cNvPr id="2" name="Title 1">
             <a:extLst>
               <a:ext uri="{FF2B5EF4-FFF2-40B4-BE49-F238E27FC236}">
-                <a16:creationId xmlns:a16="http://schemas.microsoft.com/office/drawing/2014/main" id="{5C94DFCB-DD40-4637-9CAB-2BAF24231C79}"/>
+                <a16:creationId xmlns:a16="http://schemas.microsoft.com/office/drawing/2014/main" xmlns="" id="{5C94DFCB-DD40-4637-9CAB-2BAF24231C79}"/>
               </a:ext>
             </a:extLst>
           </p:cNvPr>
@@ -4949,7 +5172,7 @@
           <p:cNvPr id="3" name="Content Placeholder 2">
             <a:extLst>
               <a:ext uri="{FF2B5EF4-FFF2-40B4-BE49-F238E27FC236}">
-                <a16:creationId xmlns:a16="http://schemas.microsoft.com/office/drawing/2014/main" id="{5394065F-4B44-4622-98EE-166F936489F5}"/>
+                <a16:creationId xmlns:a16="http://schemas.microsoft.com/office/drawing/2014/main" xmlns="" id="{5394065F-4B44-4622-98EE-166F936489F5}"/>
               </a:ext>
             </a:extLst>
           </p:cNvPr>
@@ -5012,7 +5235,7 @@
           <p:cNvPr id="4" name="Content Placeholder 3">
             <a:extLst>
               <a:ext uri="{FF2B5EF4-FFF2-40B4-BE49-F238E27FC236}">
-                <a16:creationId xmlns:a16="http://schemas.microsoft.com/office/drawing/2014/main" id="{67AF1249-B890-4466-9E24-84A24907008B}"/>
+                <a16:creationId xmlns:a16="http://schemas.microsoft.com/office/drawing/2014/main" xmlns="" id="{67AF1249-B890-4466-9E24-84A24907008B}"/>
               </a:ext>
             </a:extLst>
           </p:cNvPr>
@@ -5075,7 +5298,7 @@
           <p:cNvPr id="5" name="Date Placeholder 4">
             <a:extLst>
               <a:ext uri="{FF2B5EF4-FFF2-40B4-BE49-F238E27FC236}">
-                <a16:creationId xmlns:a16="http://schemas.microsoft.com/office/drawing/2014/main" id="{850FA9B4-D282-452F-B78A-FF5873ACF45A}"/>
+                <a16:creationId xmlns:a16="http://schemas.microsoft.com/office/drawing/2014/main" xmlns="" id="{850FA9B4-D282-452F-B78A-FF5873ACF45A}"/>
               </a:ext>
             </a:extLst>
           </p:cNvPr>
@@ -5104,7 +5327,7 @@
           <p:cNvPr id="6" name="Footer Placeholder 5">
             <a:extLst>
               <a:ext uri="{FF2B5EF4-FFF2-40B4-BE49-F238E27FC236}">
-                <a16:creationId xmlns:a16="http://schemas.microsoft.com/office/drawing/2014/main" id="{6E9B0F13-A139-4B66-9544-16480800F680}"/>
+                <a16:creationId xmlns:a16="http://schemas.microsoft.com/office/drawing/2014/main" xmlns="" id="{6E9B0F13-A139-4B66-9544-16480800F680}"/>
               </a:ext>
             </a:extLst>
           </p:cNvPr>
@@ -5129,7 +5352,7 @@
           <p:cNvPr id="7" name="Slide Number Placeholder 6">
             <a:extLst>
               <a:ext uri="{FF2B5EF4-FFF2-40B4-BE49-F238E27FC236}">
-                <a16:creationId xmlns:a16="http://schemas.microsoft.com/office/drawing/2014/main" id="{7B8791D0-EC30-4D8C-8764-475D8DB34F19}"/>
+                <a16:creationId xmlns:a16="http://schemas.microsoft.com/office/drawing/2014/main" xmlns="" id="{7B8791D0-EC30-4D8C-8764-475D8DB34F19}"/>
               </a:ext>
             </a:extLst>
           </p:cNvPr>
@@ -5188,7 +5411,7 @@
           <p:cNvPr id="2" name="Title 1">
             <a:extLst>
               <a:ext uri="{FF2B5EF4-FFF2-40B4-BE49-F238E27FC236}">
-                <a16:creationId xmlns:a16="http://schemas.microsoft.com/office/drawing/2014/main" id="{4133AA7D-15D2-4D5F-B1C4-501073416DE8}"/>
+                <a16:creationId xmlns:a16="http://schemas.microsoft.com/office/drawing/2014/main" xmlns="" id="{4133AA7D-15D2-4D5F-B1C4-501073416DE8}"/>
               </a:ext>
             </a:extLst>
           </p:cNvPr>
@@ -5222,7 +5445,7 @@
           <p:cNvPr id="3" name="Text Placeholder 2">
             <a:extLst>
               <a:ext uri="{FF2B5EF4-FFF2-40B4-BE49-F238E27FC236}">
-                <a16:creationId xmlns:a16="http://schemas.microsoft.com/office/drawing/2014/main" id="{65E80A0E-25B9-4E8E-8B0D-201E1C564096}"/>
+                <a16:creationId xmlns:a16="http://schemas.microsoft.com/office/drawing/2014/main" xmlns="" id="{65E80A0E-25B9-4E8E-8B0D-201E1C564096}"/>
               </a:ext>
             </a:extLst>
           </p:cNvPr>
@@ -5293,7 +5516,7 @@
           <p:cNvPr id="4" name="Content Placeholder 3">
             <a:extLst>
               <a:ext uri="{FF2B5EF4-FFF2-40B4-BE49-F238E27FC236}">
-                <a16:creationId xmlns:a16="http://schemas.microsoft.com/office/drawing/2014/main" id="{3189B111-0CA0-47CD-9F0B-DBCBA3AE3C28}"/>
+                <a16:creationId xmlns:a16="http://schemas.microsoft.com/office/drawing/2014/main" xmlns="" id="{3189B111-0CA0-47CD-9F0B-DBCBA3AE3C28}"/>
               </a:ext>
             </a:extLst>
           </p:cNvPr>
@@ -5356,7 +5579,7 @@
           <p:cNvPr id="5" name="Text Placeholder 4">
             <a:extLst>
               <a:ext uri="{FF2B5EF4-FFF2-40B4-BE49-F238E27FC236}">
-                <a16:creationId xmlns:a16="http://schemas.microsoft.com/office/drawing/2014/main" id="{EEF0E02D-3176-4B85-ACB6-721F2682742C}"/>
+                <a16:creationId xmlns:a16="http://schemas.microsoft.com/office/drawing/2014/main" xmlns="" id="{EEF0E02D-3176-4B85-ACB6-721F2682742C}"/>
               </a:ext>
             </a:extLst>
           </p:cNvPr>
@@ -5427,7 +5650,7 @@
           <p:cNvPr id="6" name="Content Placeholder 5">
             <a:extLst>
               <a:ext uri="{FF2B5EF4-FFF2-40B4-BE49-F238E27FC236}">
-                <a16:creationId xmlns:a16="http://schemas.microsoft.com/office/drawing/2014/main" id="{EC7D9317-BBE1-4F36-82FE-E348F6F18A97}"/>
+                <a16:creationId xmlns:a16="http://schemas.microsoft.com/office/drawing/2014/main" xmlns="" id="{EC7D9317-BBE1-4F36-82FE-E348F6F18A97}"/>
               </a:ext>
             </a:extLst>
           </p:cNvPr>
@@ -5490,7 +5713,7 @@
           <p:cNvPr id="7" name="Date Placeholder 6">
             <a:extLst>
               <a:ext uri="{FF2B5EF4-FFF2-40B4-BE49-F238E27FC236}">
-                <a16:creationId xmlns:a16="http://schemas.microsoft.com/office/drawing/2014/main" id="{D837DDCB-69F8-49FA-A111-C8AB271389E7}"/>
+                <a16:creationId xmlns:a16="http://schemas.microsoft.com/office/drawing/2014/main" xmlns="" id="{D837DDCB-69F8-49FA-A111-C8AB271389E7}"/>
               </a:ext>
             </a:extLst>
           </p:cNvPr>
@@ -5519,7 +5742,7 @@
           <p:cNvPr id="8" name="Footer Placeholder 7">
             <a:extLst>
               <a:ext uri="{FF2B5EF4-FFF2-40B4-BE49-F238E27FC236}">
-                <a16:creationId xmlns:a16="http://schemas.microsoft.com/office/drawing/2014/main" id="{4A18B0CD-1F68-412E-9232-F267114CA754}"/>
+                <a16:creationId xmlns:a16="http://schemas.microsoft.com/office/drawing/2014/main" xmlns="" id="{4A18B0CD-1F68-412E-9232-F267114CA754}"/>
               </a:ext>
             </a:extLst>
           </p:cNvPr>
@@ -5544,7 +5767,7 @@
           <p:cNvPr id="9" name="Slide Number Placeholder 8">
             <a:extLst>
               <a:ext uri="{FF2B5EF4-FFF2-40B4-BE49-F238E27FC236}">
-                <a16:creationId xmlns:a16="http://schemas.microsoft.com/office/drawing/2014/main" id="{429B21FC-12CC-472D-BC38-EF413158CC5D}"/>
+                <a16:creationId xmlns:a16="http://schemas.microsoft.com/office/drawing/2014/main" xmlns="" id="{429B21FC-12CC-472D-BC38-EF413158CC5D}"/>
               </a:ext>
             </a:extLst>
           </p:cNvPr>
@@ -5603,7 +5826,7 @@
           <p:cNvPr id="2" name="Title 1">
             <a:extLst>
               <a:ext uri="{FF2B5EF4-FFF2-40B4-BE49-F238E27FC236}">
-                <a16:creationId xmlns:a16="http://schemas.microsoft.com/office/drawing/2014/main" id="{D00F51AB-8384-4E67-914C-B39484AD2332}"/>
+                <a16:creationId xmlns:a16="http://schemas.microsoft.com/office/drawing/2014/main" xmlns="" id="{D00F51AB-8384-4E67-914C-B39484AD2332}"/>
               </a:ext>
             </a:extLst>
           </p:cNvPr>
@@ -5632,7 +5855,7 @@
           <p:cNvPr id="3" name="Date Placeholder 2">
             <a:extLst>
               <a:ext uri="{FF2B5EF4-FFF2-40B4-BE49-F238E27FC236}">
-                <a16:creationId xmlns:a16="http://schemas.microsoft.com/office/drawing/2014/main" id="{A0909660-3861-4545-BF68-9ED039B5D0F0}"/>
+                <a16:creationId xmlns:a16="http://schemas.microsoft.com/office/drawing/2014/main" xmlns="" id="{A0909660-3861-4545-BF68-9ED039B5D0F0}"/>
               </a:ext>
             </a:extLst>
           </p:cNvPr>
@@ -5661,7 +5884,7 @@
           <p:cNvPr id="4" name="Footer Placeholder 3">
             <a:extLst>
               <a:ext uri="{FF2B5EF4-FFF2-40B4-BE49-F238E27FC236}">
-                <a16:creationId xmlns:a16="http://schemas.microsoft.com/office/drawing/2014/main" id="{FDDD5392-AC3A-4EAF-ADE6-B6CF4B50ACAD}"/>
+                <a16:creationId xmlns:a16="http://schemas.microsoft.com/office/drawing/2014/main" xmlns="" id="{FDDD5392-AC3A-4EAF-ADE6-B6CF4B50ACAD}"/>
               </a:ext>
             </a:extLst>
           </p:cNvPr>
@@ -5686,7 +5909,7 @@
           <p:cNvPr id="5" name="Slide Number Placeholder 4">
             <a:extLst>
               <a:ext uri="{FF2B5EF4-FFF2-40B4-BE49-F238E27FC236}">
-                <a16:creationId xmlns:a16="http://schemas.microsoft.com/office/drawing/2014/main" id="{F5679880-BF48-4F4D-B8B3-4E99FC415FF9}"/>
+                <a16:creationId xmlns:a16="http://schemas.microsoft.com/office/drawing/2014/main" xmlns="" id="{F5679880-BF48-4F4D-B8B3-4E99FC415FF9}"/>
               </a:ext>
             </a:extLst>
           </p:cNvPr>
@@ -5745,7 +5968,7 @@
           <p:cNvPr id="2" name="Date Placeholder 1">
             <a:extLst>
               <a:ext uri="{FF2B5EF4-FFF2-40B4-BE49-F238E27FC236}">
-                <a16:creationId xmlns:a16="http://schemas.microsoft.com/office/drawing/2014/main" id="{C7F98E25-CF37-4F73-9E22-210238167867}"/>
+                <a16:creationId xmlns:a16="http://schemas.microsoft.com/office/drawing/2014/main" xmlns="" id="{C7F98E25-CF37-4F73-9E22-210238167867}"/>
               </a:ext>
             </a:extLst>
           </p:cNvPr>
@@ -5774,7 +5997,7 @@
           <p:cNvPr id="3" name="Footer Placeholder 2">
             <a:extLst>
               <a:ext uri="{FF2B5EF4-FFF2-40B4-BE49-F238E27FC236}">
-                <a16:creationId xmlns:a16="http://schemas.microsoft.com/office/drawing/2014/main" id="{89D7A0E1-38AB-4FDA-8EC1-2D7617909C16}"/>
+                <a16:creationId xmlns:a16="http://schemas.microsoft.com/office/drawing/2014/main" xmlns="" id="{89D7A0E1-38AB-4FDA-8EC1-2D7617909C16}"/>
               </a:ext>
             </a:extLst>
           </p:cNvPr>
@@ -5799,7 +6022,7 @@
           <p:cNvPr id="4" name="Slide Number Placeholder 3">
             <a:extLst>
               <a:ext uri="{FF2B5EF4-FFF2-40B4-BE49-F238E27FC236}">
-                <a16:creationId xmlns:a16="http://schemas.microsoft.com/office/drawing/2014/main" id="{18A8E424-5A91-4557-9ADF-4A9422A0690D}"/>
+                <a16:creationId xmlns:a16="http://schemas.microsoft.com/office/drawing/2014/main" xmlns="" id="{18A8E424-5A91-4557-9ADF-4A9422A0690D}"/>
               </a:ext>
             </a:extLst>
           </p:cNvPr>
@@ -5858,7 +6081,7 @@
           <p:cNvPr id="2" name="Title 1">
             <a:extLst>
               <a:ext uri="{FF2B5EF4-FFF2-40B4-BE49-F238E27FC236}">
-                <a16:creationId xmlns:a16="http://schemas.microsoft.com/office/drawing/2014/main" id="{006BB935-0427-44CC-A384-333EAD83175F}"/>
+                <a16:creationId xmlns:a16="http://schemas.microsoft.com/office/drawing/2014/main" xmlns="" id="{006BB935-0427-44CC-A384-333EAD83175F}"/>
               </a:ext>
             </a:extLst>
           </p:cNvPr>
@@ -5896,7 +6119,7 @@
           <p:cNvPr id="3" name="Content Placeholder 2">
             <a:extLst>
               <a:ext uri="{FF2B5EF4-FFF2-40B4-BE49-F238E27FC236}">
-                <a16:creationId xmlns:a16="http://schemas.microsoft.com/office/drawing/2014/main" id="{CCB9DCF6-55CF-43EE-B135-BFC4B4D403CE}"/>
+                <a16:creationId xmlns:a16="http://schemas.microsoft.com/office/drawing/2014/main" xmlns="" id="{CCB9DCF6-55CF-43EE-B135-BFC4B4D403CE}"/>
               </a:ext>
             </a:extLst>
           </p:cNvPr>
@@ -5987,7 +6210,7 @@
           <p:cNvPr id="4" name="Text Placeholder 3">
             <a:extLst>
               <a:ext uri="{FF2B5EF4-FFF2-40B4-BE49-F238E27FC236}">
-                <a16:creationId xmlns:a16="http://schemas.microsoft.com/office/drawing/2014/main" id="{4337538E-A112-4E8F-A445-1A06B0C35309}"/>
+                <a16:creationId xmlns:a16="http://schemas.microsoft.com/office/drawing/2014/main" xmlns="" id="{4337538E-A112-4E8F-A445-1A06B0C35309}"/>
               </a:ext>
             </a:extLst>
           </p:cNvPr>
@@ -6058,7 +6281,7 @@
           <p:cNvPr id="5" name="Date Placeholder 4">
             <a:extLst>
               <a:ext uri="{FF2B5EF4-FFF2-40B4-BE49-F238E27FC236}">
-                <a16:creationId xmlns:a16="http://schemas.microsoft.com/office/drawing/2014/main" id="{E530D413-9505-4ED8-BFF1-5141BE9EE3C4}"/>
+                <a16:creationId xmlns:a16="http://schemas.microsoft.com/office/drawing/2014/main" xmlns="" id="{E530D413-9505-4ED8-BFF1-5141BE9EE3C4}"/>
               </a:ext>
             </a:extLst>
           </p:cNvPr>
@@ -6087,7 +6310,7 @@
           <p:cNvPr id="6" name="Footer Placeholder 5">
             <a:extLst>
               <a:ext uri="{FF2B5EF4-FFF2-40B4-BE49-F238E27FC236}">
-                <a16:creationId xmlns:a16="http://schemas.microsoft.com/office/drawing/2014/main" id="{F60815B0-4528-4FA2-8472-8F19C0F1650D}"/>
+                <a16:creationId xmlns:a16="http://schemas.microsoft.com/office/drawing/2014/main" xmlns="" id="{F60815B0-4528-4FA2-8472-8F19C0F1650D}"/>
               </a:ext>
             </a:extLst>
           </p:cNvPr>
@@ -6112,7 +6335,7 @@
           <p:cNvPr id="7" name="Slide Number Placeholder 6">
             <a:extLst>
               <a:ext uri="{FF2B5EF4-FFF2-40B4-BE49-F238E27FC236}">
-                <a16:creationId xmlns:a16="http://schemas.microsoft.com/office/drawing/2014/main" id="{B5C9FCEF-4406-4552-BFE4-6DA3761357F2}"/>
+                <a16:creationId xmlns:a16="http://schemas.microsoft.com/office/drawing/2014/main" xmlns="" id="{B5C9FCEF-4406-4552-BFE4-6DA3761357F2}"/>
               </a:ext>
             </a:extLst>
           </p:cNvPr>
@@ -6171,7 +6394,7 @@
           <p:cNvPr id="2" name="Title 1">
             <a:extLst>
               <a:ext uri="{FF2B5EF4-FFF2-40B4-BE49-F238E27FC236}">
-                <a16:creationId xmlns:a16="http://schemas.microsoft.com/office/drawing/2014/main" id="{F25CE22C-69D4-49EC-8858-787B3C67B0DA}"/>
+                <a16:creationId xmlns:a16="http://schemas.microsoft.com/office/drawing/2014/main" xmlns="" id="{F25CE22C-69D4-49EC-8858-787B3C67B0DA}"/>
               </a:ext>
             </a:extLst>
           </p:cNvPr>
@@ -6209,7 +6432,7 @@
           <p:cNvPr id="3" name="Picture Placeholder 2">
             <a:extLst>
               <a:ext uri="{FF2B5EF4-FFF2-40B4-BE49-F238E27FC236}">
-                <a16:creationId xmlns:a16="http://schemas.microsoft.com/office/drawing/2014/main" id="{346A4341-3C0B-4025-AE17-8F0F8FABF5D3}"/>
+                <a16:creationId xmlns:a16="http://schemas.microsoft.com/office/drawing/2014/main" xmlns="" id="{346A4341-3C0B-4025-AE17-8F0F8FABF5D3}"/>
               </a:ext>
             </a:extLst>
           </p:cNvPr>
@@ -6280,7 +6503,7 @@
           <p:cNvPr id="4" name="Text Placeholder 3">
             <a:extLst>
               <a:ext uri="{FF2B5EF4-FFF2-40B4-BE49-F238E27FC236}">
-                <a16:creationId xmlns:a16="http://schemas.microsoft.com/office/drawing/2014/main" id="{DEF5FF01-E0B6-419C-ABCC-70844E4EACB8}"/>
+                <a16:creationId xmlns:a16="http://schemas.microsoft.com/office/drawing/2014/main" xmlns="" id="{DEF5FF01-E0B6-419C-ABCC-70844E4EACB8}"/>
               </a:ext>
             </a:extLst>
           </p:cNvPr>
@@ -6351,7 +6574,7 @@
           <p:cNvPr id="5" name="Date Placeholder 4">
             <a:extLst>
               <a:ext uri="{FF2B5EF4-FFF2-40B4-BE49-F238E27FC236}">
-                <a16:creationId xmlns:a16="http://schemas.microsoft.com/office/drawing/2014/main" id="{92501218-FFD7-4F25-B220-F5DE5F70693C}"/>
+                <a16:creationId xmlns:a16="http://schemas.microsoft.com/office/drawing/2014/main" xmlns="" id="{92501218-FFD7-4F25-B220-F5DE5F70693C}"/>
               </a:ext>
             </a:extLst>
           </p:cNvPr>
@@ -6380,7 +6603,7 @@
           <p:cNvPr id="6" name="Footer Placeholder 5">
             <a:extLst>
               <a:ext uri="{FF2B5EF4-FFF2-40B4-BE49-F238E27FC236}">
-                <a16:creationId xmlns:a16="http://schemas.microsoft.com/office/drawing/2014/main" id="{9687CBFB-34A6-49D8-A1D2-45DF38876EED}"/>
+                <a16:creationId xmlns:a16="http://schemas.microsoft.com/office/drawing/2014/main" xmlns="" id="{9687CBFB-34A6-49D8-A1D2-45DF38876EED}"/>
               </a:ext>
             </a:extLst>
           </p:cNvPr>
@@ -6405,7 +6628,7 @@
           <p:cNvPr id="7" name="Slide Number Placeholder 6">
             <a:extLst>
               <a:ext uri="{FF2B5EF4-FFF2-40B4-BE49-F238E27FC236}">
-                <a16:creationId xmlns:a16="http://schemas.microsoft.com/office/drawing/2014/main" id="{0C2726A4-D33A-486A-B120-648AF3D8BA76}"/>
+                <a16:creationId xmlns:a16="http://schemas.microsoft.com/office/drawing/2014/main" xmlns="" id="{0C2726A4-D33A-486A-B120-648AF3D8BA76}"/>
               </a:ext>
             </a:extLst>
           </p:cNvPr>
@@ -6469,7 +6692,7 @@
           <p:cNvPr id="2" name="Title Placeholder 1">
             <a:extLst>
               <a:ext uri="{FF2B5EF4-FFF2-40B4-BE49-F238E27FC236}">
-                <a16:creationId xmlns:a16="http://schemas.microsoft.com/office/drawing/2014/main" id="{9C07C8C3-4165-4353-ABF2-492454AF91ED}"/>
+                <a16:creationId xmlns:a16="http://schemas.microsoft.com/office/drawing/2014/main" xmlns="" id="{9C07C8C3-4165-4353-ABF2-492454AF91ED}"/>
               </a:ext>
             </a:extLst>
           </p:cNvPr>
@@ -6508,7 +6731,7 @@
           <p:cNvPr id="3" name="Text Placeholder 2">
             <a:extLst>
               <a:ext uri="{FF2B5EF4-FFF2-40B4-BE49-F238E27FC236}">
-                <a16:creationId xmlns:a16="http://schemas.microsoft.com/office/drawing/2014/main" id="{289AA46A-3C66-4E4A-9907-225E50ABB7AE}"/>
+                <a16:creationId xmlns:a16="http://schemas.microsoft.com/office/drawing/2014/main" xmlns="" id="{289AA46A-3C66-4E4A-9907-225E50ABB7AE}"/>
               </a:ext>
             </a:extLst>
           </p:cNvPr>
@@ -6576,7 +6799,7 @@
           <p:cNvPr id="4" name="Date Placeholder 3">
             <a:extLst>
               <a:ext uri="{FF2B5EF4-FFF2-40B4-BE49-F238E27FC236}">
-                <a16:creationId xmlns:a16="http://schemas.microsoft.com/office/drawing/2014/main" id="{E57F8214-A11A-4309-9D51-44F35987D1BD}"/>
+                <a16:creationId xmlns:a16="http://schemas.microsoft.com/office/drawing/2014/main" xmlns="" id="{E57F8214-A11A-4309-9D51-44F35987D1BD}"/>
               </a:ext>
             </a:extLst>
           </p:cNvPr>
@@ -6623,7 +6846,7 @@
           <p:cNvPr id="5" name="Footer Placeholder 4">
             <a:extLst>
               <a:ext uri="{FF2B5EF4-FFF2-40B4-BE49-F238E27FC236}">
-                <a16:creationId xmlns:a16="http://schemas.microsoft.com/office/drawing/2014/main" id="{D6A334EB-8260-4F13-9553-5A8593D9DC6B}"/>
+                <a16:creationId xmlns:a16="http://schemas.microsoft.com/office/drawing/2014/main" xmlns="" id="{D6A334EB-8260-4F13-9553-5A8593D9DC6B}"/>
               </a:ext>
             </a:extLst>
           </p:cNvPr>
@@ -6666,7 +6889,7 @@
           <p:cNvPr id="6" name="Slide Number Placeholder 5">
             <a:extLst>
               <a:ext uri="{FF2B5EF4-FFF2-40B4-BE49-F238E27FC236}">
-                <a16:creationId xmlns:a16="http://schemas.microsoft.com/office/drawing/2014/main" id="{00C1EF96-E028-4E68-864E-9B77CF9F25E0}"/>
+                <a16:creationId xmlns:a16="http://schemas.microsoft.com/office/drawing/2014/main" xmlns="" id="{00C1EF96-E028-4E68-864E-9B77CF9F25E0}"/>
               </a:ext>
             </a:extLst>
           </p:cNvPr>
@@ -7042,10 +7265,10 @@
           <p:cNvPr id="27" name="Rectangle 26">
             <a:extLst>
               <a:ext uri="{FF2B5EF4-FFF2-40B4-BE49-F238E27FC236}">
-                <a16:creationId xmlns:a16="http://schemas.microsoft.com/office/drawing/2014/main" id="{0BC9EFE1-D8CB-4668-9980-DB108327A794}"/>
+                <a16:creationId xmlns:a16="http://schemas.microsoft.com/office/drawing/2014/main" xmlns="" id="{0BC9EFE1-D8CB-4668-9980-DB108327A794}"/>
               </a:ext>
               <a:ext uri="{C183D7F6-B498-43B3-948B-1728B52AA6E4}">
-                <adec:decorative xmlns:adec="http://schemas.microsoft.com/office/drawing/2017/decorative" val="1"/>
+                <adec:decorative xmlns:adec="http://schemas.microsoft.com/office/drawing/2017/decorative" xmlns="" val="1"/>
               </a:ext>
             </a:extLst>
           </p:cNvPr>
@@ -7055,7 +7278,7 @@
           <p:nvPr>
             <p:extLst>
               <p:ext uri="{386F3935-93C4-4BCD-93E2-E3B085C9AB24}">
-                <p16:designElem xmlns:p16="http://schemas.microsoft.com/office/powerpoint/2015/main" val="1"/>
+                <p16:designElem xmlns:p16="http://schemas.microsoft.com/office/powerpoint/2015/main" xmlns="" val="1"/>
               </p:ext>
             </p:extLst>
           </p:nvPr>
@@ -7128,10 +7351,10 @@
           <p:cNvPr id="29" name="Picture 28">
             <a:extLst>
               <a:ext uri="{FF2B5EF4-FFF2-40B4-BE49-F238E27FC236}">
-                <a16:creationId xmlns:a16="http://schemas.microsoft.com/office/drawing/2014/main" id="{7CBAE1BD-B8E4-4029-8AA2-C77E4FED9864}"/>
+                <a16:creationId xmlns:a16="http://schemas.microsoft.com/office/drawing/2014/main" xmlns="" id="{7CBAE1BD-B8E4-4029-8AA2-C77E4FED9864}"/>
               </a:ext>
               <a:ext uri="{C183D7F6-B498-43B3-948B-1728B52AA6E4}">
-                <adec:decorative xmlns:adec="http://schemas.microsoft.com/office/drawing/2017/decorative" val="1"/>
+                <adec:decorative xmlns:adec="http://schemas.microsoft.com/office/drawing/2017/decorative" xmlns="" val="1"/>
               </a:ext>
             </a:extLst>
           </p:cNvPr>
@@ -7141,7 +7364,7 @@
           <p:nvPr>
             <p:extLst>
               <p:ext uri="{386F3935-93C4-4BCD-93E2-E3B085C9AB24}">
-                <p16:designElem xmlns:p16="http://schemas.microsoft.com/office/powerpoint/2015/main" val="1"/>
+                <p16:designElem xmlns:p16="http://schemas.microsoft.com/office/powerpoint/2015/main" xmlns="" val="1"/>
               </p:ext>
             </p:extLst>
           </p:nvPr>
@@ -7256,10 +7479,10 @@
           <p:cNvPr id="31" name="Freeform 49">
             <a:extLst>
               <a:ext uri="{FF2B5EF4-FFF2-40B4-BE49-F238E27FC236}">
-                <a16:creationId xmlns:a16="http://schemas.microsoft.com/office/drawing/2014/main" id="{77DA6D33-2D62-458C-BF5D-DBF612FD557E}"/>
+                <a16:creationId xmlns:a16="http://schemas.microsoft.com/office/drawing/2014/main" xmlns="" id="{77DA6D33-2D62-458C-BF5D-DBF612FD557E}"/>
               </a:ext>
               <a:ext uri="{C183D7F6-B498-43B3-948B-1728B52AA6E4}">
-                <adec:decorative xmlns:adec="http://schemas.microsoft.com/office/drawing/2017/decorative" val="1"/>
+                <adec:decorative xmlns:adec="http://schemas.microsoft.com/office/drawing/2017/decorative" xmlns="" val="1"/>
               </a:ext>
             </a:extLst>
           </p:cNvPr>
@@ -7269,7 +7492,7 @@
           <p:nvPr>
             <p:extLst>
               <p:ext uri="{386F3935-93C4-4BCD-93E2-E3B085C9AB24}">
-                <p16:designElem xmlns:p16="http://schemas.microsoft.com/office/powerpoint/2015/main" val="1"/>
+                <p16:designElem xmlns:p16="http://schemas.microsoft.com/office/powerpoint/2015/main" xmlns="" val="1"/>
               </p:ext>
             </p:extLst>
           </p:nvPr>
@@ -7595,6 +7818,13 @@
   <p:clrMapOvr>
     <a:masterClrMapping/>
   </p:clrMapOvr>
+  <p:timing>
+    <p:tnLst>
+      <p:par>
+        <p:cTn id="1" dur="indefinite" restart="never" nodeType="tmRoot"/>
+      </p:par>
+    </p:tnLst>
+  </p:timing>
 </p:sld>
 </file>
 
@@ -7628,10 +7858,10 @@
           <p:cNvPr id="18" name="Rectangle 17">
             <a:extLst>
               <a:ext uri="{FF2B5EF4-FFF2-40B4-BE49-F238E27FC236}">
-                <a16:creationId xmlns:a16="http://schemas.microsoft.com/office/drawing/2014/main" id="{3B854194-185D-494D-905C-7C7CB2E30F6E}"/>
+                <a16:creationId xmlns:a16="http://schemas.microsoft.com/office/drawing/2014/main" xmlns="" id="{3B854194-185D-494D-905C-7C7CB2E30F6E}"/>
               </a:ext>
               <a:ext uri="{C183D7F6-B498-43B3-948B-1728B52AA6E4}">
-                <adec:decorative xmlns:adec="http://schemas.microsoft.com/office/drawing/2017/decorative" val="1"/>
+                <adec:decorative xmlns:adec="http://schemas.microsoft.com/office/drawing/2017/decorative" xmlns="" val="1"/>
               </a:ext>
             </a:extLst>
           </p:cNvPr>
@@ -7641,7 +7871,7 @@
           <p:nvPr>
             <p:extLst>
               <p:ext uri="{386F3935-93C4-4BCD-93E2-E3B085C9AB24}">
-                <p16:designElem xmlns:p16="http://schemas.microsoft.com/office/powerpoint/2015/main" val="1"/>
+                <p16:designElem xmlns:p16="http://schemas.microsoft.com/office/powerpoint/2015/main" xmlns="" val="1"/>
               </p:ext>
             </p:extLst>
           </p:nvPr>
@@ -7688,10 +7918,10 @@
           <p:cNvPr id="28" name="Rectangle 19">
             <a:extLst>
               <a:ext uri="{FF2B5EF4-FFF2-40B4-BE49-F238E27FC236}">
-                <a16:creationId xmlns:a16="http://schemas.microsoft.com/office/drawing/2014/main" id="{B4F5FA0D-0104-4987-8241-EFF7C85B88DE}"/>
+                <a16:creationId xmlns:a16="http://schemas.microsoft.com/office/drawing/2014/main" xmlns="" id="{B4F5FA0D-0104-4987-8241-EFF7C85B88DE}"/>
               </a:ext>
               <a:ext uri="{C183D7F6-B498-43B3-948B-1728B52AA6E4}">
-                <adec:decorative xmlns:adec="http://schemas.microsoft.com/office/drawing/2017/decorative" val="1"/>
+                <adec:decorative xmlns:adec="http://schemas.microsoft.com/office/drawing/2017/decorative" xmlns="" val="1"/>
               </a:ext>
             </a:extLst>
           </p:cNvPr>
@@ -7701,7 +7931,7 @@
           <p:nvPr>
             <p:extLst>
               <p:ext uri="{386F3935-93C4-4BCD-93E2-E3B085C9AB24}">
-                <p16:designElem xmlns:p16="http://schemas.microsoft.com/office/powerpoint/2015/main" val="1"/>
+                <p16:designElem xmlns:p16="http://schemas.microsoft.com/office/powerpoint/2015/main" xmlns="" val="1"/>
               </p:ext>
             </p:extLst>
           </p:nvPr>
@@ -7773,10 +8003,10 @@
           <p:cNvPr id="22" name="Picture 21">
             <a:extLst>
               <a:ext uri="{FF2B5EF4-FFF2-40B4-BE49-F238E27FC236}">
-                <a16:creationId xmlns:a16="http://schemas.microsoft.com/office/drawing/2014/main" id="{2897127E-6CEF-446C-BE87-93B7C46E49D1}"/>
+                <a16:creationId xmlns:a16="http://schemas.microsoft.com/office/drawing/2014/main" xmlns="" id="{2897127E-6CEF-446C-BE87-93B7C46E49D1}"/>
               </a:ext>
               <a:ext uri="{C183D7F6-B498-43B3-948B-1728B52AA6E4}">
-                <adec:decorative xmlns:adec="http://schemas.microsoft.com/office/drawing/2017/decorative" val="1"/>
+                <adec:decorative xmlns:adec="http://schemas.microsoft.com/office/drawing/2017/decorative" xmlns="" val="1"/>
               </a:ext>
             </a:extLst>
           </p:cNvPr>
@@ -7786,7 +8016,7 @@
           <p:nvPr>
             <p:extLst>
               <p:ext uri="{386F3935-93C4-4BCD-93E2-E3B085C9AB24}">
-                <p16:designElem xmlns:p16="http://schemas.microsoft.com/office/powerpoint/2015/main" val="1"/>
+                <p16:designElem xmlns:p16="http://schemas.microsoft.com/office/powerpoint/2015/main" xmlns="" val="1"/>
               </p:ext>
             </p:extLst>
           </p:nvPr>
@@ -7844,6 +8074,14 @@
               </a:rPr>
               <a:t>Introducción</a:t>
             </a:r>
+            <a:r>
+              <a:rPr lang="en-US" dirty="0">
+                <a:solidFill>
+                  <a:srgbClr val="FFFFFF"/>
+                </a:solidFill>
+              </a:rPr>
+              <a:t/>
+            </a:r>
             <a:br>
               <a:rPr lang="en-US" dirty="0">
                 <a:solidFill>
@@ -7977,6 +8215,13 @@
   <p:clrMapOvr>
     <a:masterClrMapping/>
   </p:clrMapOvr>
+  <p:timing>
+    <p:tnLst>
+      <p:par>
+        <p:cTn id="1" dur="indefinite" restart="never" nodeType="tmRoot"/>
+      </p:par>
+    </p:tnLst>
+  </p:timing>
 </p:sld>
 </file>
 
@@ -8010,10 +8255,10 @@
           <p:cNvPr id="44" name="Rectangle 43">
             <a:extLst>
               <a:ext uri="{FF2B5EF4-FFF2-40B4-BE49-F238E27FC236}">
-                <a16:creationId xmlns:a16="http://schemas.microsoft.com/office/drawing/2014/main" id="{4351DFE5-F63D-4BE0-BDA9-E3EB88F01AA5}"/>
+                <a16:creationId xmlns:a16="http://schemas.microsoft.com/office/drawing/2014/main" xmlns="" id="{4351DFE5-F63D-4BE0-BDA9-E3EB88F01AA5}"/>
               </a:ext>
               <a:ext uri="{C183D7F6-B498-43B3-948B-1728B52AA6E4}">
-                <adec:decorative xmlns:adec="http://schemas.microsoft.com/office/drawing/2017/decorative" val="1"/>
+                <adec:decorative xmlns:adec="http://schemas.microsoft.com/office/drawing/2017/decorative" xmlns="" val="1"/>
               </a:ext>
             </a:extLst>
           </p:cNvPr>
@@ -8023,7 +8268,7 @@
           <p:nvPr>
             <p:extLst>
               <p:ext uri="{386F3935-93C4-4BCD-93E2-E3B085C9AB24}">
-                <p16:designElem xmlns:p16="http://schemas.microsoft.com/office/powerpoint/2015/main" val="1"/>
+                <p16:designElem xmlns:p16="http://schemas.microsoft.com/office/powerpoint/2015/main" xmlns="" val="1"/>
               </p:ext>
             </p:extLst>
           </p:nvPr>
@@ -8095,10 +8340,10 @@
           <p:cNvPr id="46" name="Picture 45">
             <a:extLst>
               <a:ext uri="{FF2B5EF4-FFF2-40B4-BE49-F238E27FC236}">
-                <a16:creationId xmlns:a16="http://schemas.microsoft.com/office/drawing/2014/main" id="{02DD2BC0-6F29-4B4F-8D61-2DCF6D2E8E73}"/>
+                <a16:creationId xmlns:a16="http://schemas.microsoft.com/office/drawing/2014/main" xmlns="" id="{02DD2BC0-6F29-4B4F-8D61-2DCF6D2E8E73}"/>
               </a:ext>
               <a:ext uri="{C183D7F6-B498-43B3-948B-1728B52AA6E4}">
-                <adec:decorative xmlns:adec="http://schemas.microsoft.com/office/drawing/2017/decorative" val="1"/>
+                <adec:decorative xmlns:adec="http://schemas.microsoft.com/office/drawing/2017/decorative" xmlns="" val="1"/>
               </a:ext>
             </a:extLst>
           </p:cNvPr>
@@ -8108,7 +8353,7 @@
           <p:nvPr>
             <p:extLst>
               <p:ext uri="{386F3935-93C4-4BCD-93E2-E3B085C9AB24}">
-                <p16:designElem xmlns:p16="http://schemas.microsoft.com/office/powerpoint/2015/main" val="1"/>
+                <p16:designElem xmlns:p16="http://schemas.microsoft.com/office/powerpoint/2015/main" xmlns="" val="1"/>
               </p:ext>
             </p:extLst>
           </p:nvPr>
@@ -8179,7 +8424,7 @@
           <p:cNvPr id="15" name="Content Placeholder 2">
             <a:extLst>
               <a:ext uri="{FF2B5EF4-FFF2-40B4-BE49-F238E27FC236}">
-                <a16:creationId xmlns:a16="http://schemas.microsoft.com/office/drawing/2014/main" id="{2AD70888-89C1-4A4A-9DD1-7A773BD9F0E1}"/>
+                <a16:creationId xmlns:a16="http://schemas.microsoft.com/office/drawing/2014/main" xmlns="" id="{2AD70888-89C1-4A4A-9DD1-7A773BD9F0E1}"/>
               </a:ext>
             </a:extLst>
           </p:cNvPr>
@@ -8215,6 +8460,13 @@
   <p:clrMapOvr>
     <a:masterClrMapping/>
   </p:clrMapOvr>
+  <p:timing>
+    <p:tnLst>
+      <p:par>
+        <p:cTn id="1" dur="indefinite" restart="never" nodeType="tmRoot"/>
+      </p:par>
+    </p:tnLst>
+  </p:timing>
 </p:sld>
 </file>
 
@@ -8248,10 +8500,10 @@
           <p:cNvPr id="35" name="Rectangle 17">
             <a:extLst>
               <a:ext uri="{FF2B5EF4-FFF2-40B4-BE49-F238E27FC236}">
-                <a16:creationId xmlns:a16="http://schemas.microsoft.com/office/drawing/2014/main" id="{3B854194-185D-494D-905C-7C7CB2E30F6E}"/>
+                <a16:creationId xmlns:a16="http://schemas.microsoft.com/office/drawing/2014/main" xmlns="" id="{3B854194-185D-494D-905C-7C7CB2E30F6E}"/>
               </a:ext>
               <a:ext uri="{C183D7F6-B498-43B3-948B-1728B52AA6E4}">
-                <adec:decorative xmlns:adec="http://schemas.microsoft.com/office/drawing/2017/decorative" val="1"/>
+                <adec:decorative xmlns:adec="http://schemas.microsoft.com/office/drawing/2017/decorative" xmlns="" val="1"/>
               </a:ext>
             </a:extLst>
           </p:cNvPr>
@@ -8261,7 +8513,7 @@
           <p:nvPr>
             <p:extLst>
               <p:ext uri="{386F3935-93C4-4BCD-93E2-E3B085C9AB24}">
-                <p16:designElem xmlns:p16="http://schemas.microsoft.com/office/powerpoint/2015/main" val="1"/>
+                <p16:designElem xmlns:p16="http://schemas.microsoft.com/office/powerpoint/2015/main" xmlns="" val="1"/>
               </p:ext>
             </p:extLst>
           </p:nvPr>
@@ -8308,10 +8560,10 @@
           <p:cNvPr id="36" name="Rectangle 19">
             <a:extLst>
               <a:ext uri="{FF2B5EF4-FFF2-40B4-BE49-F238E27FC236}">
-                <a16:creationId xmlns:a16="http://schemas.microsoft.com/office/drawing/2014/main" id="{B4F5FA0D-0104-4987-8241-EFF7C85B88DE}"/>
+                <a16:creationId xmlns:a16="http://schemas.microsoft.com/office/drawing/2014/main" xmlns="" id="{B4F5FA0D-0104-4987-8241-EFF7C85B88DE}"/>
               </a:ext>
               <a:ext uri="{C183D7F6-B498-43B3-948B-1728B52AA6E4}">
-                <adec:decorative xmlns:adec="http://schemas.microsoft.com/office/drawing/2017/decorative" val="1"/>
+                <adec:decorative xmlns:adec="http://schemas.microsoft.com/office/drawing/2017/decorative" xmlns="" val="1"/>
               </a:ext>
             </a:extLst>
           </p:cNvPr>
@@ -8321,7 +8573,7 @@
           <p:nvPr>
             <p:extLst>
               <p:ext uri="{386F3935-93C4-4BCD-93E2-E3B085C9AB24}">
-                <p16:designElem xmlns:p16="http://schemas.microsoft.com/office/powerpoint/2015/main" val="1"/>
+                <p16:designElem xmlns:p16="http://schemas.microsoft.com/office/powerpoint/2015/main" xmlns="" val="1"/>
               </p:ext>
             </p:extLst>
           </p:nvPr>
@@ -8393,10 +8645,10 @@
           <p:cNvPr id="22" name="Picture 21">
             <a:extLst>
               <a:ext uri="{FF2B5EF4-FFF2-40B4-BE49-F238E27FC236}">
-                <a16:creationId xmlns:a16="http://schemas.microsoft.com/office/drawing/2014/main" id="{2897127E-6CEF-446C-BE87-93B7C46E49D1}"/>
+                <a16:creationId xmlns:a16="http://schemas.microsoft.com/office/drawing/2014/main" xmlns="" id="{2897127E-6CEF-446C-BE87-93B7C46E49D1}"/>
               </a:ext>
               <a:ext uri="{C183D7F6-B498-43B3-948B-1728B52AA6E4}">
-                <adec:decorative xmlns:adec="http://schemas.microsoft.com/office/drawing/2017/decorative" val="1"/>
+                <adec:decorative xmlns:adec="http://schemas.microsoft.com/office/drawing/2017/decorative" xmlns="" val="1"/>
               </a:ext>
             </a:extLst>
           </p:cNvPr>
@@ -8406,7 +8658,7 @@
           <p:nvPr>
             <p:extLst>
               <p:ext uri="{386F3935-93C4-4BCD-93E2-E3B085C9AB24}">
-                <p16:designElem xmlns:p16="http://schemas.microsoft.com/office/powerpoint/2015/main" val="1"/>
+                <p16:designElem xmlns:p16="http://schemas.microsoft.com/office/powerpoint/2015/main" xmlns="" val="1"/>
               </p:ext>
             </p:extLst>
           </p:nvPr>
@@ -8529,6 +8781,13 @@
   <p:clrMapOvr>
     <a:masterClrMapping/>
   </p:clrMapOvr>
+  <p:timing>
+    <p:tnLst>
+      <p:par>
+        <p:cTn id="1" dur="indefinite" restart="never" nodeType="tmRoot"/>
+      </p:par>
+    </p:tnLst>
+  </p:timing>
 </p:sld>
 </file>
 
@@ -8562,10 +8821,10 @@
           <p:cNvPr id="27" name="Rectangle 23">
             <a:extLst>
               <a:ext uri="{FF2B5EF4-FFF2-40B4-BE49-F238E27FC236}">
-                <a16:creationId xmlns:a16="http://schemas.microsoft.com/office/drawing/2014/main" id="{84867EAF-AE1D-4322-9DE8-383AE3F7BCD9}"/>
+                <a16:creationId xmlns:a16="http://schemas.microsoft.com/office/drawing/2014/main" xmlns="" id="{84867EAF-AE1D-4322-9DE8-383AE3F7BCD9}"/>
               </a:ext>
               <a:ext uri="{C183D7F6-B498-43B3-948B-1728B52AA6E4}">
-                <adec:decorative xmlns:adec="http://schemas.microsoft.com/office/drawing/2017/decorative" val="1"/>
+                <adec:decorative xmlns:adec="http://schemas.microsoft.com/office/drawing/2017/decorative" xmlns="" val="1"/>
               </a:ext>
             </a:extLst>
           </p:cNvPr>
@@ -8575,7 +8834,7 @@
           <p:nvPr>
             <p:extLst>
               <p:ext uri="{386F3935-93C4-4BCD-93E2-E3B085C9AB24}">
-                <p16:designElem xmlns:p16="http://schemas.microsoft.com/office/powerpoint/2015/main" val="1"/>
+                <p16:designElem xmlns:p16="http://schemas.microsoft.com/office/powerpoint/2015/main" xmlns="" val="1"/>
               </p:ext>
             </p:extLst>
           </p:nvPr>
@@ -8647,10 +8906,10 @@
           <p:cNvPr id="26" name="Picture 25">
             <a:extLst>
               <a:ext uri="{FF2B5EF4-FFF2-40B4-BE49-F238E27FC236}">
-                <a16:creationId xmlns:a16="http://schemas.microsoft.com/office/drawing/2014/main" id="{40676238-7F95-4EEB-836A-7D23927873AD}"/>
+                <a16:creationId xmlns:a16="http://schemas.microsoft.com/office/drawing/2014/main" xmlns="" id="{40676238-7F95-4EEB-836A-7D23927873AD}"/>
               </a:ext>
               <a:ext uri="{C183D7F6-B498-43B3-948B-1728B52AA6E4}">
-                <adec:decorative xmlns:adec="http://schemas.microsoft.com/office/drawing/2017/decorative" val="1"/>
+                <adec:decorative xmlns:adec="http://schemas.microsoft.com/office/drawing/2017/decorative" xmlns="" val="1"/>
               </a:ext>
             </a:extLst>
           </p:cNvPr>
@@ -8660,7 +8919,7 @@
           <p:nvPr>
             <p:extLst>
               <p:ext uri="{386F3935-93C4-4BCD-93E2-E3B085C9AB24}">
-                <p16:designElem xmlns:p16="http://schemas.microsoft.com/office/powerpoint/2015/main" val="1"/>
+                <p16:designElem xmlns:p16="http://schemas.microsoft.com/office/powerpoint/2015/main" xmlns="" val="1"/>
               </p:ext>
             </p:extLst>
           </p:nvPr>
@@ -8928,7 +9187,7 @@
           <p:cNvPr id="5" name="Tabla 4">
             <a:extLst>
               <a:ext uri="{FF2B5EF4-FFF2-40B4-BE49-F238E27FC236}">
-                <a16:creationId xmlns:a16="http://schemas.microsoft.com/office/drawing/2014/main" id="{C00B5407-98C7-4A5F-84D7-152727FE1026}"/>
+                <a16:creationId xmlns:a16="http://schemas.microsoft.com/office/drawing/2014/main" xmlns="" id="{C00B5407-98C7-4A5F-84D7-152727FE1026}"/>
               </a:ext>
             </a:extLst>
           </p:cNvPr>
@@ -8957,28 +9216,28 @@
                 <a:gridCol w="1493449">
                   <a:extLst>
                     <a:ext uri="{9D8B030D-6E8A-4147-A177-3AD203B41FA5}">
-                      <a16:colId xmlns:a16="http://schemas.microsoft.com/office/drawing/2014/main" val="995733403"/>
+                      <a16:colId xmlns:a16="http://schemas.microsoft.com/office/drawing/2014/main" xmlns="" val="995733403"/>
                     </a:ext>
                   </a:extLst>
                 </a:gridCol>
                 <a:gridCol w="1494435">
                   <a:extLst>
                     <a:ext uri="{9D8B030D-6E8A-4147-A177-3AD203B41FA5}">
-                      <a16:colId xmlns:a16="http://schemas.microsoft.com/office/drawing/2014/main" val="3678549874"/>
+                      <a16:colId xmlns:a16="http://schemas.microsoft.com/office/drawing/2014/main" xmlns="" val="3678549874"/>
                     </a:ext>
                   </a:extLst>
                 </a:gridCol>
                 <a:gridCol w="1494435">
                   <a:extLst>
                     <a:ext uri="{9D8B030D-6E8A-4147-A177-3AD203B41FA5}">
-                      <a16:colId xmlns:a16="http://schemas.microsoft.com/office/drawing/2014/main" val="967120097"/>
+                      <a16:colId xmlns:a16="http://schemas.microsoft.com/office/drawing/2014/main" xmlns="" val="967120097"/>
                     </a:ext>
                   </a:extLst>
                 </a:gridCol>
                 <a:gridCol w="1494435">
                   <a:extLst>
                     <a:ext uri="{9D8B030D-6E8A-4147-A177-3AD203B41FA5}">
-                      <a16:colId xmlns:a16="http://schemas.microsoft.com/office/drawing/2014/main" val="1564495358"/>
+                      <a16:colId xmlns:a16="http://schemas.microsoft.com/office/drawing/2014/main" xmlns="" val="1564495358"/>
                     </a:ext>
                   </a:extLst>
                 </a:gridCol>
@@ -9042,7 +9301,7 @@
                 </a:tc>
                 <a:extLst>
                   <a:ext uri="{0D108BD9-81ED-4DB2-BD59-A6C34878D82A}">
-                    <a16:rowId xmlns:a16="http://schemas.microsoft.com/office/drawing/2014/main" val="3397976400"/>
+                    <a16:rowId xmlns:a16="http://schemas.microsoft.com/office/drawing/2014/main" xmlns="" val="3397976400"/>
                   </a:ext>
                 </a:extLst>
               </a:tr>
@@ -9121,7 +9380,7 @@
                 </a:tc>
                 <a:extLst>
                   <a:ext uri="{0D108BD9-81ED-4DB2-BD59-A6C34878D82A}">
-                    <a16:rowId xmlns:a16="http://schemas.microsoft.com/office/drawing/2014/main" val="2695858497"/>
+                    <a16:rowId xmlns:a16="http://schemas.microsoft.com/office/drawing/2014/main" xmlns="" val="2695858497"/>
                   </a:ext>
                 </a:extLst>
               </a:tr>
@@ -9200,7 +9459,7 @@
                 </a:tc>
                 <a:extLst>
                   <a:ext uri="{0D108BD9-81ED-4DB2-BD59-A6C34878D82A}">
-                    <a16:rowId xmlns:a16="http://schemas.microsoft.com/office/drawing/2014/main" val="2159754249"/>
+                    <a16:rowId xmlns:a16="http://schemas.microsoft.com/office/drawing/2014/main" xmlns="" val="2159754249"/>
                   </a:ext>
                 </a:extLst>
               </a:tr>
@@ -9218,6 +9477,13 @@
   <p:clrMapOvr>
     <a:masterClrMapping/>
   </p:clrMapOvr>
+  <p:timing>
+    <p:tnLst>
+      <p:par>
+        <p:cTn id="1" dur="indefinite" restart="never" nodeType="tmRoot"/>
+      </p:par>
+    </p:tnLst>
+  </p:timing>
 </p:sld>
 </file>
 
@@ -9241,7 +9507,7 @@
       <p:pic>
         <p:nvPicPr>
           <p:cNvPr id="3" name="Picture">
-            <a:hlinkClick r:id="rId2"/>
+            <a:hlinkClick r:id="rId3"/>
           </p:cNvPr>
           <p:cNvPicPr>
             <a:picLocks noChangeAspect="1"/>
@@ -9249,7 +9515,7 @@
           <p:nvPr/>
         </p:nvPicPr>
         <p:blipFill>
-          <a:blip r:embed="rId3"/>
+          <a:blip r:embed="rId4"/>
           <a:stretch>
             <a:fillRect/>
           </a:stretch>
@@ -9270,6 +9536,13 @@
   <p:clrMapOvr>
     <a:masterClrMapping/>
   </p:clrMapOvr>
+  <p:timing>
+    <p:tnLst>
+      <p:par>
+        <p:cTn id="1" dur="indefinite" restart="never" nodeType="tmRoot"/>
+      </p:par>
+    </p:tnLst>
+  </p:timing>
 </p:sld>
 </file>
 
@@ -9295,10 +9568,10 @@
           <p:cNvPr id="9" name="Rectangle 8">
             <a:extLst>
               <a:ext uri="{FF2B5EF4-FFF2-40B4-BE49-F238E27FC236}">
-                <a16:creationId xmlns:a16="http://schemas.microsoft.com/office/drawing/2014/main" id="{23962611-DFD5-4092-AAFD-559E3DFCE2C9}"/>
+                <a16:creationId xmlns:a16="http://schemas.microsoft.com/office/drawing/2014/main" xmlns="" id="{23962611-DFD5-4092-AAFD-559E3DFCE2C9}"/>
               </a:ext>
               <a:ext uri="{C183D7F6-B498-43B3-948B-1728B52AA6E4}">
-                <adec:decorative xmlns:adec="http://schemas.microsoft.com/office/drawing/2017/decorative" val="1"/>
+                <adec:decorative xmlns:adec="http://schemas.microsoft.com/office/drawing/2017/decorative" xmlns="" val="1"/>
               </a:ext>
             </a:extLst>
           </p:cNvPr>
@@ -9308,7 +9581,7 @@
           <p:nvPr>
             <p:extLst>
               <p:ext uri="{386F3935-93C4-4BCD-93E2-E3B085C9AB24}">
-                <p16:designElem xmlns:p16="http://schemas.microsoft.com/office/powerpoint/2015/main" val="1"/>
+                <p16:designElem xmlns:p16="http://schemas.microsoft.com/office/powerpoint/2015/main" xmlns="" val="1"/>
               </p:ext>
             </p:extLst>
           </p:nvPr>
@@ -9380,10 +9653,10 @@
           <p:cNvPr id="11" name="Picture 10">
             <a:extLst>
               <a:ext uri="{FF2B5EF4-FFF2-40B4-BE49-F238E27FC236}">
-                <a16:creationId xmlns:a16="http://schemas.microsoft.com/office/drawing/2014/main" id="{2270F1FA-0425-408F-9861-80BF5AFB276D}"/>
+                <a16:creationId xmlns:a16="http://schemas.microsoft.com/office/drawing/2014/main" xmlns="" id="{2270F1FA-0425-408F-9861-80BF5AFB276D}"/>
               </a:ext>
               <a:ext uri="{C183D7F6-B498-43B3-948B-1728B52AA6E4}">
-                <adec:decorative xmlns:adec="http://schemas.microsoft.com/office/drawing/2017/decorative" val="1"/>
+                <adec:decorative xmlns:adec="http://schemas.microsoft.com/office/drawing/2017/decorative" xmlns="" val="1"/>
               </a:ext>
             </a:extLst>
           </p:cNvPr>
@@ -9393,7 +9666,7 @@
           <p:nvPr>
             <p:extLst>
               <p:ext uri="{386F3935-93C4-4BCD-93E2-E3B085C9AB24}">
-                <p16:designElem xmlns:p16="http://schemas.microsoft.com/office/powerpoint/2015/main" val="1"/>
+                <p16:designElem xmlns:p16="http://schemas.microsoft.com/office/powerpoint/2015/main" xmlns="" val="1"/>
               </p:ext>
             </p:extLst>
           </p:nvPr>
@@ -9480,6 +9753,13 @@
   <p:clrMapOvr>
     <a:masterClrMapping/>
   </p:clrMapOvr>
+  <p:timing>
+    <p:tnLst>
+      <p:par>
+        <p:cTn id="1" dur="indefinite" restart="never" nodeType="tmRoot"/>
+      </p:par>
+    </p:tnLst>
+  </p:timing>
 </p:sld>
 </file>
 

--- a/Simulación/datos Sistema/UTN - Simulacion - Equipo 5 -TP N°6 Picolo.pptx
+++ b/Simulación/datos Sistema/UTN - Simulacion - Equipo 5 -TP N°6 Picolo.pptx
@@ -119,6 +119,18 @@
     </p:ext>
   </p:extLst>
 </p:presentation>
+</file>
+
+<file path=ppt/commentAuthors.xml><?xml version="1.0" encoding="utf-8"?>
+<p:cmAuthorLst xmlns:a="http://schemas.openxmlformats.org/drawingml/2006/main" xmlns:r="http://schemas.openxmlformats.org/officeDocument/2006/relationships" xmlns:p="http://schemas.openxmlformats.org/presentationml/2006/main">
+  <p:cmAuthor id="1" name="Ramiro Calvo" initials="RC" lastIdx="11" clrIdx="0">
+    <p:extLst>
+      <p:ext uri="{19B8F6BF-5375-455C-9EA6-DF929625EA0E}">
+        <p15:presenceInfo xmlns:p15="http://schemas.microsoft.com/office/powerpoint/2012/main" userId="S::RCalvo@irsacorp.com.ar::7a2be980-e6f6-4cb5-845e-995c0b19a265" providerId="AD"/>
+      </p:ext>
+    </p:extLst>
+  </p:cmAuthor>
+</p:cmAuthorLst>
 </file>
 
 <file path=ppt/diagrams/colors1.xml><?xml version="1.0" encoding="utf-8"?>
@@ -3692,6 +3704,90 @@
       </p:grpSpPr>
       <p:sp>
         <p:nvSpPr>
+          <p:cNvPr id="2" name="Marcador de imagen de diapositiva 1"/>
+          <p:cNvSpPr>
+            <a:spLocks noGrp="1" noRot="1" noChangeAspect="1"/>
+          </p:cNvSpPr>
+          <p:nvPr>
+            <p:ph type="sldImg"/>
+          </p:nvPr>
+        </p:nvSpPr>
+        <p:spPr/>
+      </p:sp>
+      <p:sp>
+        <p:nvSpPr>
+          <p:cNvPr id="3" name="Marcador de notas 2"/>
+          <p:cNvSpPr>
+            <a:spLocks noGrp="1"/>
+          </p:cNvSpPr>
+          <p:nvPr>
+            <p:ph type="body" idx="1"/>
+          </p:nvPr>
+        </p:nvSpPr>
+        <p:spPr/>
+        <p:txBody>
+          <a:bodyPr/>
+          <a:lstStyle/>
+          <a:p>
+            <a:endParaRPr lang="es-AR"/>
+          </a:p>
+        </p:txBody>
+      </p:sp>
+      <p:sp>
+        <p:nvSpPr>
+          <p:cNvPr id="4" name="Marcador de número de diapositiva 3"/>
+          <p:cNvSpPr>
+            <a:spLocks noGrp="1"/>
+          </p:cNvSpPr>
+          <p:nvPr>
+            <p:ph type="sldNum" sz="quarter" idx="5"/>
+          </p:nvPr>
+        </p:nvSpPr>
+        <p:spPr/>
+        <p:txBody>
+          <a:bodyPr/>
+          <a:lstStyle/>
+          <a:p>
+            <a:fld id="{E0746DE6-3336-457D-A091-FA20AC1C536E}" type="slidenum">
+              <a:rPr lang="en-US" smtClean="0"/>
+              <a:t>6</a:t>
+            </a:fld>
+            <a:endParaRPr lang="en-US"/>
+          </a:p>
+        </p:txBody>
+      </p:sp>
+    </p:spTree>
+    <p:extLst>
+      <p:ext uri="{BB962C8B-B14F-4D97-AF65-F5344CB8AC3E}">
+        <p14:creationId xmlns:p14="http://schemas.microsoft.com/office/powerpoint/2010/main" val="1362970489"/>
+      </p:ext>
+    </p:extLst>
+  </p:cSld>
+  <p:clrMapOvr>
+    <a:masterClrMapping/>
+  </p:clrMapOvr>
+</p:notes>
+</file>
+
+<file path=ppt/notesSlides/notesSlide4.xml><?xml version="1.0" encoding="utf-8"?>
+<p:notes xmlns:a="http://schemas.openxmlformats.org/drawingml/2006/main" xmlns:r="http://schemas.openxmlformats.org/officeDocument/2006/relationships" xmlns:p="http://schemas.openxmlformats.org/presentationml/2006/main">
+  <p:cSld>
+    <p:spTree>
+      <p:nvGrpSpPr>
+        <p:cNvPr id="1" name=""/>
+        <p:cNvGrpSpPr/>
+        <p:nvPr/>
+      </p:nvGrpSpPr>
+      <p:grpSpPr>
+        <a:xfrm>
+          <a:off x="0" y="0"/>
+          <a:ext cx="0" cy="0"/>
+          <a:chOff x="0" y="0"/>
+          <a:chExt cx="0" cy="0"/>
+        </a:xfrm>
+      </p:grpSpPr>
+      <p:sp>
+        <p:nvSpPr>
           <p:cNvPr id="2" name="Slide Image Placeholder 1"/>
           <p:cNvSpPr>
             <a:spLocks noGrp="1" noRot="1" noChangeAspect="1"/>
@@ -7898,7 +7994,49 @@
           <a:lstStyle/>
           <a:p>
             <a:r>
-              <a:rPr lang="es-ES" sz="2400">
+              <a:rPr lang="es-ES" sz="2400" dirty="0">
+                <a:solidFill>
+                  <a:srgbClr val="000000"/>
+                </a:solidFill>
+              </a:rPr>
+              <a:t>Contexto: </a:t>
+            </a:r>
+            <a:r>
+              <a:rPr lang="es-ES" sz="2400" dirty="0" err="1">
+                <a:solidFill>
+                  <a:srgbClr val="000000"/>
+                </a:solidFill>
+              </a:rPr>
+              <a:t>Picolo</a:t>
+            </a:r>
+            <a:r>
+              <a:rPr lang="es-ES" sz="2400" dirty="0">
+                <a:solidFill>
+                  <a:srgbClr val="000000"/>
+                </a:solidFill>
+              </a:rPr>
+              <a:t> </a:t>
+            </a:r>
+            <a:r>
+              <a:rPr lang="es-ES" sz="2400" dirty="0" err="1">
+                <a:solidFill>
+                  <a:srgbClr val="000000"/>
+                </a:solidFill>
+              </a:rPr>
+              <a:t>Enterprice</a:t>
+            </a:r>
+            <a:r>
+              <a:rPr lang="es-ES" sz="2400" dirty="0">
+                <a:solidFill>
+                  <a:srgbClr val="000000"/>
+                </a:solidFill>
+              </a:rPr>
+              <a:t>, empresa grande inmobiliaria de argentina, centro de servicios de la compañía.</a:t>
+            </a:r>
+          </a:p>
+          <a:p>
+            <a:r>
+              <a:rPr lang="es-ES" sz="2400" dirty="0">
                 <a:solidFill>
                   <a:srgbClr val="000000"/>
                 </a:solidFill>
@@ -7906,7 +8044,7 @@
               <a:t>El </a:t>
             </a:r>
             <a:r>
-              <a:rPr lang="es-AR" sz="2400">
+              <a:rPr lang="es-AR" sz="2400" dirty="0" err="1">
                 <a:solidFill>
                   <a:srgbClr val="000000"/>
                 </a:solidFill>
@@ -7914,7 +8052,7 @@
               <a:t>CallCenter</a:t>
             </a:r>
             <a:r>
-              <a:rPr lang="es-ES" sz="2400">
+              <a:rPr lang="es-ES" sz="2400" dirty="0">
                 <a:solidFill>
                   <a:srgbClr val="000000"/>
                 </a:solidFill>
@@ -7924,7 +8062,7 @@
           </a:p>
           <a:p>
             <a:r>
-              <a:rPr lang="es-ES" sz="2400">
+              <a:rPr lang="es-ES" sz="2400" dirty="0">
                 <a:solidFill>
                   <a:srgbClr val="000000"/>
                 </a:solidFill>
@@ -7938,7 +8076,7 @@
               <a:buChar char="ü"/>
             </a:pPr>
             <a:r>
-              <a:rPr lang="es-ES">
+              <a:rPr lang="es-ES" dirty="0">
                 <a:solidFill>
                   <a:srgbClr val="000000"/>
                 </a:solidFill>
@@ -7952,18 +8090,13 @@
               <a:buChar char="ü"/>
             </a:pPr>
             <a:r>
-              <a:rPr lang="es-ES">
+              <a:rPr lang="es-ES" dirty="0">
                 <a:solidFill>
                   <a:srgbClr val="000000"/>
                 </a:solidFill>
               </a:rPr>
               <a:t>Para MDSTI</a:t>
             </a:r>
-            <a:endParaRPr lang="es-ES" dirty="0">
-              <a:solidFill>
-                <a:srgbClr val="000000"/>
-              </a:solidFill>
-            </a:endParaRPr>
           </a:p>
         </p:txBody>
       </p:sp>
@@ -9240,9 +9373,7 @@
       </p:grpSpPr>
       <p:pic>
         <p:nvPicPr>
-          <p:cNvPr id="3" name="Picture">
-            <a:hlinkClick r:id="rId2"/>
-          </p:cNvPr>
+          <p:cNvPr id="3" name="Picture"/>
           <p:cNvPicPr>
             <a:picLocks noChangeAspect="1"/>
           </p:cNvPicPr>
@@ -9265,6 +9396,518 @@
           <a:noFill/>
         </p:spPr>
       </p:pic>
+      <p:sp>
+        <p:nvSpPr>
+          <p:cNvPr id="4" name="CuadroTexto 3" descr="   ">
+            <a:hlinkClick r:id="rId4" action="ppaction://hlinkfile" tooltip="Cantidad de Arrepentidos"/>
+            <a:extLst>
+              <a:ext uri="{FF2B5EF4-FFF2-40B4-BE49-F238E27FC236}">
+                <a16:creationId xmlns:a16="http://schemas.microsoft.com/office/drawing/2014/main" id="{443A87B9-8FAB-44B4-B53C-9BE29ED0554D}"/>
+              </a:ext>
+            </a:extLst>
+          </p:cNvPr>
+          <p:cNvSpPr txBox="1"/>
+          <p:nvPr/>
+        </p:nvSpPr>
+        <p:spPr>
+          <a:xfrm>
+            <a:off x="914400" y="5160384"/>
+            <a:ext cx="1153551" cy="1477328"/>
+          </a:xfrm>
+          <a:prstGeom prst="rect">
+            <a:avLst/>
+          </a:prstGeom>
+          <a:noFill/>
+        </p:spPr>
+        <p:txBody>
+          <a:bodyPr wrap="square" rtlCol="0">
+            <a:spAutoFit/>
+          </a:bodyPr>
+          <a:lstStyle/>
+          <a:p>
+            <a:br>
+              <a:rPr lang="es-AR" dirty="0"/>
+            </a:br>
+            <a:br>
+              <a:rPr lang="es-AR" dirty="0"/>
+            </a:br>
+            <a:br>
+              <a:rPr lang="es-AR" dirty="0"/>
+            </a:br>
+            <a:br>
+              <a:rPr lang="es-AR" dirty="0"/>
+            </a:br>
+            <a:endParaRPr lang="es-AR" dirty="0"/>
+          </a:p>
+        </p:txBody>
+      </p:sp>
+      <p:sp>
+        <p:nvSpPr>
+          <p:cNvPr id="5" name="CuadroTexto 4" descr="   ">
+            <a:hlinkClick r:id="rId4" action="ppaction://hlinkfile" tooltip="Personas Entrantes MDSTI"/>
+            <a:extLst>
+              <a:ext uri="{FF2B5EF4-FFF2-40B4-BE49-F238E27FC236}">
+                <a16:creationId xmlns:a16="http://schemas.microsoft.com/office/drawing/2014/main" id="{825C2381-38C0-41DE-B086-6049E6D781EB}"/>
+              </a:ext>
+            </a:extLst>
+          </p:cNvPr>
+          <p:cNvSpPr txBox="1"/>
+          <p:nvPr/>
+        </p:nvSpPr>
+        <p:spPr>
+          <a:xfrm>
+            <a:off x="2067951" y="1062111"/>
+            <a:ext cx="1153551" cy="5355312"/>
+          </a:xfrm>
+          <a:prstGeom prst="rect">
+            <a:avLst/>
+          </a:prstGeom>
+          <a:noFill/>
+        </p:spPr>
+        <p:txBody>
+          <a:bodyPr wrap="square" rtlCol="0">
+            <a:spAutoFit/>
+          </a:bodyPr>
+          <a:lstStyle/>
+          <a:p>
+            <a:r>
+              <a:rPr lang="es-AR" dirty="0"/>
+              <a:t>                </a:t>
+            </a:r>
+            <a:br>
+              <a:rPr lang="es-AR" dirty="0"/>
+            </a:br>
+            <a:br>
+              <a:rPr lang="es-AR" dirty="0"/>
+            </a:br>
+            <a:br>
+              <a:rPr lang="es-AR" dirty="0"/>
+            </a:br>
+            <a:br>
+              <a:rPr lang="es-AR" dirty="0"/>
+            </a:br>
+            <a:br>
+              <a:rPr lang="es-AR" dirty="0"/>
+            </a:br>
+            <a:br>
+              <a:rPr lang="es-AR" dirty="0"/>
+            </a:br>
+            <a:br>
+              <a:rPr lang="es-AR" dirty="0"/>
+            </a:br>
+            <a:br>
+              <a:rPr lang="es-AR" dirty="0"/>
+            </a:br>
+            <a:br>
+              <a:rPr lang="es-AR" dirty="0"/>
+            </a:br>
+            <a:br>
+              <a:rPr lang="es-AR" dirty="0"/>
+            </a:br>
+            <a:br>
+              <a:rPr lang="es-AR" dirty="0"/>
+            </a:br>
+            <a:br>
+              <a:rPr lang="es-AR" dirty="0"/>
+            </a:br>
+            <a:br>
+              <a:rPr lang="es-AR" dirty="0"/>
+            </a:br>
+            <a:br>
+              <a:rPr lang="es-AR" dirty="0"/>
+            </a:br>
+            <a:br>
+              <a:rPr lang="es-AR" dirty="0"/>
+            </a:br>
+            <a:br>
+              <a:rPr lang="es-AR" dirty="0"/>
+            </a:br>
+            <a:br>
+              <a:rPr lang="es-AR" dirty="0"/>
+            </a:br>
+            <a:br>
+              <a:rPr lang="es-AR" dirty="0"/>
+            </a:br>
+            <a:endParaRPr lang="es-AR" dirty="0"/>
+          </a:p>
+        </p:txBody>
+      </p:sp>
+      <p:sp>
+        <p:nvSpPr>
+          <p:cNvPr id="6" name="CuadroTexto 5" descr="   ">
+            <a:hlinkClick r:id="rId5" action="ppaction://hlinkfile" tooltip="Personas Entrantes SAP"/>
+            <a:extLst>
+              <a:ext uri="{FF2B5EF4-FFF2-40B4-BE49-F238E27FC236}">
+                <a16:creationId xmlns:a16="http://schemas.microsoft.com/office/drawing/2014/main" id="{0A2C78AB-A9E3-491D-AEAB-2E6328F0B447}"/>
+              </a:ext>
+            </a:extLst>
+          </p:cNvPr>
+          <p:cNvSpPr txBox="1"/>
+          <p:nvPr/>
+        </p:nvSpPr>
+        <p:spPr>
+          <a:xfrm>
+            <a:off x="3221502" y="5160384"/>
+            <a:ext cx="1153551" cy="1477328"/>
+          </a:xfrm>
+          <a:prstGeom prst="rect">
+            <a:avLst/>
+          </a:prstGeom>
+          <a:noFill/>
+        </p:spPr>
+        <p:txBody>
+          <a:bodyPr wrap="square" rtlCol="0">
+            <a:spAutoFit/>
+          </a:bodyPr>
+          <a:lstStyle/>
+          <a:p>
+            <a:br>
+              <a:rPr lang="es-AR" dirty="0"/>
+            </a:br>
+            <a:br>
+              <a:rPr lang="es-AR" dirty="0"/>
+            </a:br>
+            <a:br>
+              <a:rPr lang="es-AR" dirty="0"/>
+            </a:br>
+            <a:br>
+              <a:rPr lang="es-AR" dirty="0"/>
+            </a:br>
+            <a:endParaRPr lang="es-AR" dirty="0"/>
+          </a:p>
+        </p:txBody>
+      </p:sp>
+      <p:sp>
+        <p:nvSpPr>
+          <p:cNvPr id="7" name="CuadroTexto 6" descr="   ">
+            <a:hlinkClick r:id="rId4" action="ppaction://hlinkfile" tooltip="Promedio Espera en Cola MDSTI"/>
+            <a:extLst>
+              <a:ext uri="{FF2B5EF4-FFF2-40B4-BE49-F238E27FC236}">
+                <a16:creationId xmlns:a16="http://schemas.microsoft.com/office/drawing/2014/main" id="{4BA6153C-2A21-41DD-9223-0ECF478E2285}"/>
+              </a:ext>
+            </a:extLst>
+          </p:cNvPr>
+          <p:cNvSpPr txBox="1"/>
+          <p:nvPr/>
+        </p:nvSpPr>
+        <p:spPr>
+          <a:xfrm>
+            <a:off x="4375053" y="3729223"/>
+            <a:ext cx="1153551" cy="2862322"/>
+          </a:xfrm>
+          <a:prstGeom prst="rect">
+            <a:avLst/>
+          </a:prstGeom>
+          <a:noFill/>
+        </p:spPr>
+        <p:txBody>
+          <a:bodyPr wrap="square" rtlCol="0">
+            <a:spAutoFit/>
+          </a:bodyPr>
+          <a:lstStyle/>
+          <a:p>
+            <a:endParaRPr lang="es-AR" dirty="0"/>
+          </a:p>
+          <a:p>
+            <a:endParaRPr lang="es-AR" dirty="0"/>
+          </a:p>
+          <a:p>
+            <a:endParaRPr lang="es-AR" dirty="0"/>
+          </a:p>
+          <a:p>
+            <a:endParaRPr lang="es-AR" dirty="0"/>
+          </a:p>
+          <a:p>
+            <a:endParaRPr lang="es-AR" dirty="0"/>
+          </a:p>
+          <a:p>
+            <a:endParaRPr lang="es-AR" dirty="0"/>
+          </a:p>
+          <a:p>
+            <a:endParaRPr lang="es-AR" dirty="0"/>
+          </a:p>
+          <a:p>
+            <a:endParaRPr lang="es-AR" dirty="0"/>
+          </a:p>
+          <a:p>
+            <a:endParaRPr lang="es-AR" dirty="0"/>
+          </a:p>
+          <a:p>
+            <a:endParaRPr lang="es-AR" dirty="0"/>
+          </a:p>
+        </p:txBody>
+      </p:sp>
+      <p:sp>
+        <p:nvSpPr>
+          <p:cNvPr id="8" name="CuadroTexto 7" descr="   ">
+            <a:hlinkClick r:id="rId4" action="ppaction://hlinkfile" tooltip="Promedio Espera en Cola SAP"/>
+            <a:extLst>
+              <a:ext uri="{FF2B5EF4-FFF2-40B4-BE49-F238E27FC236}">
+                <a16:creationId xmlns:a16="http://schemas.microsoft.com/office/drawing/2014/main" id="{E5896934-16F7-47E8-B29C-FC5AA064EE52}"/>
+              </a:ext>
+            </a:extLst>
+          </p:cNvPr>
+          <p:cNvSpPr txBox="1"/>
+          <p:nvPr/>
+        </p:nvSpPr>
+        <p:spPr>
+          <a:xfrm>
+            <a:off x="5528604" y="5160384"/>
+            <a:ext cx="1153551" cy="1477328"/>
+          </a:xfrm>
+          <a:prstGeom prst="rect">
+            <a:avLst/>
+          </a:prstGeom>
+          <a:noFill/>
+        </p:spPr>
+        <p:txBody>
+          <a:bodyPr wrap="square" rtlCol="0">
+            <a:spAutoFit/>
+          </a:bodyPr>
+          <a:lstStyle/>
+          <a:p>
+            <a:br>
+              <a:rPr lang="es-AR" dirty="0"/>
+            </a:br>
+            <a:br>
+              <a:rPr lang="es-AR" dirty="0"/>
+            </a:br>
+            <a:br>
+              <a:rPr lang="es-AR" dirty="0"/>
+            </a:br>
+            <a:br>
+              <a:rPr lang="es-AR" dirty="0"/>
+            </a:br>
+            <a:endParaRPr lang="es-AR" dirty="0"/>
+          </a:p>
+        </p:txBody>
+      </p:sp>
+      <p:sp>
+        <p:nvSpPr>
+          <p:cNvPr id="10" name="CuadroTexto 9" descr="   ">
+            <a:hlinkClick r:id="rId6" action="ppaction://hlinkfile" tooltip="Promedio Permanencia Sistema Cola MDSTI"/>
+            <a:extLst>
+              <a:ext uri="{FF2B5EF4-FFF2-40B4-BE49-F238E27FC236}">
+                <a16:creationId xmlns:a16="http://schemas.microsoft.com/office/drawing/2014/main" id="{EDE22F9F-4289-4A44-9A08-9B9B10F29ADF}"/>
+              </a:ext>
+            </a:extLst>
+          </p:cNvPr>
+          <p:cNvSpPr txBox="1"/>
+          <p:nvPr/>
+        </p:nvSpPr>
+        <p:spPr>
+          <a:xfrm>
+            <a:off x="6822831" y="1051567"/>
+            <a:ext cx="1153551" cy="5355312"/>
+          </a:xfrm>
+          <a:prstGeom prst="rect">
+            <a:avLst/>
+          </a:prstGeom>
+          <a:noFill/>
+        </p:spPr>
+        <p:txBody>
+          <a:bodyPr wrap="square" rtlCol="0">
+            <a:spAutoFit/>
+          </a:bodyPr>
+          <a:lstStyle/>
+          <a:p>
+            <a:r>
+              <a:rPr lang="es-AR" dirty="0"/>
+              <a:t>                </a:t>
+            </a:r>
+            <a:br>
+              <a:rPr lang="es-AR" dirty="0"/>
+            </a:br>
+            <a:br>
+              <a:rPr lang="es-AR" dirty="0"/>
+            </a:br>
+            <a:br>
+              <a:rPr lang="es-AR" dirty="0"/>
+            </a:br>
+            <a:br>
+              <a:rPr lang="es-AR" dirty="0"/>
+            </a:br>
+            <a:br>
+              <a:rPr lang="es-AR" dirty="0"/>
+            </a:br>
+            <a:br>
+              <a:rPr lang="es-AR" dirty="0"/>
+            </a:br>
+            <a:br>
+              <a:rPr lang="es-AR" dirty="0"/>
+            </a:br>
+            <a:br>
+              <a:rPr lang="es-AR" dirty="0"/>
+            </a:br>
+            <a:br>
+              <a:rPr lang="es-AR" dirty="0"/>
+            </a:br>
+            <a:br>
+              <a:rPr lang="es-AR" dirty="0"/>
+            </a:br>
+            <a:br>
+              <a:rPr lang="es-AR" dirty="0"/>
+            </a:br>
+            <a:br>
+              <a:rPr lang="es-AR" dirty="0"/>
+            </a:br>
+            <a:br>
+              <a:rPr lang="es-AR" dirty="0"/>
+            </a:br>
+            <a:br>
+              <a:rPr lang="es-AR" dirty="0"/>
+            </a:br>
+            <a:br>
+              <a:rPr lang="es-AR" dirty="0"/>
+            </a:br>
+            <a:br>
+              <a:rPr lang="es-AR" dirty="0"/>
+            </a:br>
+            <a:br>
+              <a:rPr lang="es-AR" dirty="0"/>
+            </a:br>
+            <a:br>
+              <a:rPr lang="es-AR" dirty="0"/>
+            </a:br>
+            <a:endParaRPr lang="es-AR" dirty="0"/>
+          </a:p>
+        </p:txBody>
+      </p:sp>
+      <p:sp>
+        <p:nvSpPr>
+          <p:cNvPr id="11" name="CuadroTexto 10" descr="   ">
+            <a:hlinkClick r:id="rId4" action="ppaction://hlinkfile" tooltip="Promedio Permanencia Sistema Cola SAP"/>
+            <a:extLst>
+              <a:ext uri="{FF2B5EF4-FFF2-40B4-BE49-F238E27FC236}">
+                <a16:creationId xmlns:a16="http://schemas.microsoft.com/office/drawing/2014/main" id="{269A7D48-A0F9-4CEE-81EA-3144E93FDE75}"/>
+              </a:ext>
+            </a:extLst>
+          </p:cNvPr>
+          <p:cNvSpPr txBox="1"/>
+          <p:nvPr/>
+        </p:nvSpPr>
+        <p:spPr>
+          <a:xfrm>
+            <a:off x="7906046" y="4954163"/>
+            <a:ext cx="1153551" cy="1477328"/>
+          </a:xfrm>
+          <a:prstGeom prst="rect">
+            <a:avLst/>
+          </a:prstGeom>
+          <a:noFill/>
+        </p:spPr>
+        <p:txBody>
+          <a:bodyPr wrap="square" rtlCol="0">
+            <a:spAutoFit/>
+          </a:bodyPr>
+          <a:lstStyle/>
+          <a:p>
+            <a:br>
+              <a:rPr lang="es-AR" dirty="0"/>
+            </a:br>
+            <a:br>
+              <a:rPr lang="es-AR" dirty="0"/>
+            </a:br>
+            <a:br>
+              <a:rPr lang="es-AR" dirty="0"/>
+            </a:br>
+            <a:br>
+              <a:rPr lang="es-AR" dirty="0"/>
+            </a:br>
+            <a:endParaRPr lang="es-AR" dirty="0"/>
+          </a:p>
+        </p:txBody>
+      </p:sp>
+      <p:sp>
+        <p:nvSpPr>
+          <p:cNvPr id="12" name="CuadroTexto 11" descr="   ">
+            <a:hlinkClick r:id="rId4" action="ppaction://hlinkfile" tooltip="Porcentaje de Tiempo Ocioso MDSTI"/>
+            <a:extLst>
+              <a:ext uri="{FF2B5EF4-FFF2-40B4-BE49-F238E27FC236}">
+                <a16:creationId xmlns:a16="http://schemas.microsoft.com/office/drawing/2014/main" id="{E7C31A6B-CCA7-4F71-983D-31A15FBBA5C8}"/>
+              </a:ext>
+            </a:extLst>
+          </p:cNvPr>
+          <p:cNvSpPr txBox="1"/>
+          <p:nvPr/>
+        </p:nvSpPr>
+        <p:spPr>
+          <a:xfrm>
+            <a:off x="9065903" y="4991778"/>
+            <a:ext cx="1153551" cy="1477328"/>
+          </a:xfrm>
+          <a:prstGeom prst="rect">
+            <a:avLst/>
+          </a:prstGeom>
+          <a:noFill/>
+        </p:spPr>
+        <p:txBody>
+          <a:bodyPr wrap="square" rtlCol="0">
+            <a:spAutoFit/>
+          </a:bodyPr>
+          <a:lstStyle/>
+          <a:p>
+            <a:br>
+              <a:rPr lang="es-AR" dirty="0"/>
+            </a:br>
+            <a:br>
+              <a:rPr lang="es-AR" dirty="0"/>
+            </a:br>
+            <a:br>
+              <a:rPr lang="es-AR" dirty="0"/>
+            </a:br>
+            <a:br>
+              <a:rPr lang="es-AR" dirty="0"/>
+            </a:br>
+            <a:endParaRPr lang="es-AR" dirty="0"/>
+          </a:p>
+        </p:txBody>
+      </p:sp>
+      <p:sp>
+        <p:nvSpPr>
+          <p:cNvPr id="13" name="CuadroTexto 12" descr="   ">
+            <a:hlinkClick r:id="rId4" action="ppaction://hlinkfile" tooltip="Porcentaje de Tiempo Ocioso SAP"/>
+            <a:extLst>
+              <a:ext uri="{FF2B5EF4-FFF2-40B4-BE49-F238E27FC236}">
+                <a16:creationId xmlns:a16="http://schemas.microsoft.com/office/drawing/2014/main" id="{FF64A085-C8CE-478C-8C94-4E5E4339E63E}"/>
+              </a:ext>
+            </a:extLst>
+          </p:cNvPr>
+          <p:cNvSpPr txBox="1"/>
+          <p:nvPr/>
+        </p:nvSpPr>
+        <p:spPr>
+          <a:xfrm>
+            <a:off x="10273378" y="5087908"/>
+            <a:ext cx="1153551" cy="1477328"/>
+          </a:xfrm>
+          <a:prstGeom prst="rect">
+            <a:avLst/>
+          </a:prstGeom>
+          <a:noFill/>
+        </p:spPr>
+        <p:txBody>
+          <a:bodyPr wrap="square" rtlCol="0">
+            <a:spAutoFit/>
+          </a:bodyPr>
+          <a:lstStyle/>
+          <a:p>
+            <a:br>
+              <a:rPr lang="es-AR" dirty="0"/>
+            </a:br>
+            <a:br>
+              <a:rPr lang="es-AR" dirty="0"/>
+            </a:br>
+            <a:br>
+              <a:rPr lang="es-AR" dirty="0"/>
+            </a:br>
+            <a:br>
+              <a:rPr lang="es-AR" dirty="0"/>
+            </a:br>
+            <a:endParaRPr lang="es-AR" dirty="0"/>
+          </a:p>
+        </p:txBody>
+      </p:sp>
     </p:spTree>
   </p:cSld>
   <p:clrMapOvr>

--- a/Simulación/datos Sistema/UTN - Simulacion - Equipo 5 -TP N°6 Picolo.pptx
+++ b/Simulación/datos Sistema/UTN - Simulacion - Equipo 5 -TP N°6 Picolo.pptx
@@ -3741,11 +3741,7 @@
             </a:pPr>
             <a:r>
               <a:rPr lang="es-AR" dirty="0"/>
-              <a:t>Se reduce el tiempo de espera a medida que se suman</a:t>
-            </a:r>
-            <a:r>
-              <a:rPr lang="es-AR" baseline="0" dirty="0"/>
-              <a:t> mas operadores MDSTI</a:t>
+              <a:t>Se reduce considerablemente el Promedio espera en cola de MDSTI</a:t>
             </a:r>
           </a:p>
           <a:p>
@@ -3755,26 +3751,13 @@
             </a:pPr>
             <a:r>
               <a:rPr lang="es-AR" baseline="0" dirty="0"/>
-              <a:t>Hay mayor cantidad de llamados para MDSTI</a:t>
-            </a:r>
-          </a:p>
-          <a:p>
-            <a:pPr marL="171450" indent="-171450">
-              <a:buFontTx/>
-              <a:buChar char="-"/>
-            </a:pPr>
-            <a:r>
-              <a:rPr lang="es-AR" baseline="0" dirty="0"/>
-              <a:t>Promedio del tiempo ocioso de </a:t>
+              <a:t>Se reduce en un </a:t>
             </a:r>
             <a:r>
-              <a:rPr lang="es-AR" baseline="0" dirty="0" err="1"/>
-              <a:t>Sap</a:t>
+              <a:rPr lang="es-AR" baseline="0"/>
+              <a:t>45 porciento el</a:t>
             </a:r>
-            <a:r>
-              <a:rPr lang="es-AR" baseline="0" dirty="0"/>
-              <a:t> se mantiene debido a los pocos llamados que tiene.</a:t>
-            </a:r>
+            <a:endParaRPr lang="es-AR" baseline="0" dirty="0"/>
           </a:p>
           <a:p>
             <a:endParaRPr lang="es-AR" dirty="0"/>

--- a/Simulación/datos Sistema/UTN - Simulacion - Equipo 5 -TP N°6 Picolo.pptx
+++ b/Simulación/datos Sistema/UTN - Simulacion - Equipo 5 -TP N°6 Picolo.pptx
@@ -3623,29 +3623,35 @@
           <a:lstStyle/>
           <a:p>
             <a:r>
+              <a:rPr lang="en-US" dirty="0" err="1"/>
+              <a:t>Simulación</a:t>
+            </a:r>
+            <a:r>
               <a:rPr lang="en-US" dirty="0"/>
-              <a:t>Considere la posibilidad de hablar acerca de:</a:t>
-            </a:r>
-          </a:p>
-          <a:p>
-            <a:pPr marL="171450" indent="-171450">
-              <a:buFont typeface="Arial" panose="020B0604020202020204" pitchFamily="34" charset="0"/>
-              <a:buChar char="•"/>
-            </a:pPr>
+              <a:t> a 30 </a:t>
+            </a:r>
+            <a:r>
+              <a:rPr lang="en-US" dirty="0" err="1"/>
+              <a:t>días</a:t>
+            </a:r>
             <a:r>
               <a:rPr lang="en-US" dirty="0"/>
-              <a:t>Supervisores</a:t>
-            </a:r>
-          </a:p>
-          <a:p>
-            <a:pPr marL="171450" indent="-171450">
-              <a:buFont typeface="Arial" panose="020B0604020202020204" pitchFamily="34" charset="0"/>
-              <a:buChar char="•"/>
-            </a:pPr>
+              <a:t>.</a:t>
+            </a:r>
+          </a:p>
+          <a:p>
             <a:r>
               <a:rPr lang="en-US" dirty="0"/>
-              <a:t>Coordinadores</a:t>
-            </a:r>
+              <a:t>8:00 a 18 </a:t>
+            </a:r>
+            <a:r>
+              <a:rPr lang="en-US" dirty="0" err="1"/>
+              <a:t>hs</a:t>
+            </a:r>
+            <a:endParaRPr lang="en-US" dirty="0"/>
+          </a:p>
+          <a:p>
+            <a:endParaRPr lang="en-US" dirty="0"/>
           </a:p>
         </p:txBody>
       </p:sp>
@@ -7319,7 +7325,7 @@
           <a:p>
             <a:pPr algn="l"/>
             <a:r>
-              <a:rPr lang="en-US" sz="4400">
+              <a:rPr lang="en-US" sz="4400" dirty="0">
                 <a:solidFill>
                   <a:srgbClr val="000000"/>
                 </a:solidFill>
@@ -7327,20 +7333,25 @@
               <a:t>IT Services</a:t>
             </a:r>
             <a:br>
-              <a:rPr lang="en-US" sz="4400">
+              <a:rPr lang="en-US" sz="4400" dirty="0">
                 <a:solidFill>
                   <a:srgbClr val="000000"/>
                 </a:solidFill>
               </a:rPr>
             </a:br>
             <a:r>
-              <a:rPr lang="en-US" sz="4400">
+              <a:rPr lang="en-US" sz="4400" dirty="0" err="1">
                 <a:solidFill>
                   <a:srgbClr val="000000"/>
                 </a:solidFill>
               </a:rPr>
               <a:t>CallCenter</a:t>
             </a:r>
+            <a:endParaRPr lang="en-US" sz="4400" dirty="0">
+              <a:solidFill>
+                <a:srgbClr val="000000"/>
+              </a:solidFill>
+            </a:endParaRPr>
           </a:p>
         </p:txBody>
       </p:sp>
@@ -8020,7 +8031,7 @@
         </p:spPr>
         <p:txBody>
           <a:bodyPr anchor="ctr">
-            <a:normAutofit/>
+            <a:normAutofit lnSpcReduction="10000"/>
           </a:bodyPr>
           <a:lstStyle/>
           <a:p>
@@ -8089,6 +8100,26 @@
                 </a:solidFill>
               </a:rPr>
               <a:t> de soporte IT está encolando las llamadas entrantes, provocando una mala atención a los usuarios.</a:t>
+            </a:r>
+          </a:p>
+          <a:p>
+            <a:r>
+              <a:rPr lang="es-ES" sz="2400" dirty="0">
+                <a:solidFill>
+                  <a:srgbClr val="000000"/>
+                </a:solidFill>
+              </a:rPr>
+              <a:t>Mal ambiente de trabajo.</a:t>
+            </a:r>
+          </a:p>
+          <a:p>
+            <a:r>
+              <a:rPr lang="es-ES" sz="2400" dirty="0">
+                <a:solidFill>
+                  <a:srgbClr val="000000"/>
+                </a:solidFill>
+              </a:rPr>
+              <a:t>Problemas en los reemplazos, épocas de vacaciones.</a:t>
             </a:r>
           </a:p>
           <a:p>
@@ -8658,24 +8689,34 @@
           <a:lstStyle/>
           <a:p>
             <a:r>
-              <a:rPr lang="es-AR" sz="2400">
+              <a:rPr lang="es-AR" sz="2400" dirty="0">
                 <a:solidFill>
                   <a:srgbClr val="000000"/>
                 </a:solidFill>
               </a:rPr>
-              <a:t>Mediante un desarrollo de Software realizado en .NET Core simularemos distintos escenarios para obtener información que ayude en la toma decisiones</a:t>
-            </a:r>
-          </a:p>
-          <a:p>
-            <a:r>
-              <a:rPr lang="es-AR" sz="2400">
+              <a:t>Mediante un desarrollo de Software realizado en .NET Core simularemos distintos escenarios para obtener información que ayude en la toma decisiones.</a:t>
+            </a:r>
+          </a:p>
+          <a:p>
+            <a:pPr marL="0" indent="0">
+              <a:buNone/>
+            </a:pPr>
+            <a:endParaRPr lang="es-AR" sz="2400" dirty="0">
+              <a:solidFill>
+                <a:srgbClr val="000000"/>
+              </a:solidFill>
+            </a:endParaRPr>
+          </a:p>
+          <a:p>
+            <a:r>
+              <a:rPr lang="es-AR" sz="2400" dirty="0">
                 <a:solidFill>
                   <a:srgbClr val="000000"/>
                 </a:solidFill>
               </a:rPr>
               <a:t>Dentro de las infinitas simulaciones posibles se plantean 3 escenarios, durante el transcurso de 3 meses.</a:t>
             </a:r>
-            <a:endParaRPr sz="2400">
+            <a:endParaRPr sz="2400" dirty="0">
               <a:solidFill>
                 <a:srgbClr val="000000"/>
               </a:solidFill>
